--- a/Notes/Abstartction and Interface .pptx
+++ b/Notes/Abstartction and Interface .pptx
@@ -12,6 +12,13 @@
     <p:sldId id="260" r:id="rId6"/>
     <p:sldId id="261" r:id="rId7"/>
     <p:sldId id="262" r:id="rId8"/>
+    <p:sldId id="263" r:id="rId9"/>
+    <p:sldId id="264" r:id="rId10"/>
+    <p:sldId id="265" r:id="rId11"/>
+    <p:sldId id="266" r:id="rId12"/>
+    <p:sldId id="267" r:id="rId13"/>
+    <p:sldId id="268" r:id="rId14"/>
+    <p:sldId id="269" r:id="rId15"/>
   </p:sldIdLst>
   <p:sldSz cx="12192000" cy="6858000"/>
   <p:notesSz cx="6858000" cy="9144000"/>
@@ -110,6 +117,11 @@
       </a:defRPr>
     </a:lvl9pPr>
   </p:defaultTextStyle>
+  <p:extLst>
+    <p:ext uri="{EFAFB233-063F-42B5-8137-9DF3F51BA10A}">
+      <p15:sldGuideLst xmlns:p15="http://schemas.microsoft.com/office/powerpoint/2012/main"/>
+    </p:ext>
+  </p:extLst>
 </p:presentation>
 </file>
 
@@ -157,12 +169,12 @@
   <inkml:trace contextRef="#ctx0" brushRef="#br0" timeOffset="30708.19">3090 5588 0,'0'0'0,"0"-21"31,21 21 94,1 0-125,-1 0 15,0 0-15,0 0 0,0 0 0,22 0 16,-22 0-16,21 0 0,-21 0 16,22 0-16,-1 0 0,0-21 0,22 21 15,-22 0-15,0 0 0,22 0 16,-22 0-16,22 0 0,-22 0 16,22 0-16,-1 0 0,1 0 0,20 0 15,-20 0-15,42 0 0,-22 0 16,1 0-16,21 0 0,0 0 0,-1 0 15,-20 0-15,21 0 0,-21 0 16,20 0-16,-20 0 0,21 0 0,0 21 16,0-21-16,-1 0 0,1 0 15,-21 0-15,0 0 0,20 0 0,-20 0 16,0 0-16,-1 0 0,1 0 16,0 0-16,-1 0 0,1 0 0,0 0 15,-22 0-15,22 0 0,-22 0 16,22 0-16,-21 0 0,-22 0 15,21 0-15,-20 0 0,20 0 16,-20 0-16,-1 0 0,0 0 0,1 0 16,-1 0-16,0 0 0,-21 0 0,22 0 15,-22 0-15,0 0 0,0 0 16,0 0-16,1 0 0,-1 0 0,0 0 16,0 0-1,0 0-15,-21 21 31,21 0-15,-21 0-16,0 1 0,0-1 16,0 0-16,0 0 15,0 0-15,0 0 0,0 22 0,0-22 16,0 0-16,0 21 0,0-20 16,0 20-16,0 0 0,0 1 0,22-1 15,-22 0-15,21 1 0,0 20 0,-21-21 16,21 22-16,0-1 0,-21 1 15,21-1-15,1 1 0,-22-1 0,21 1 16,-21-1-16,0-20 0,21 20 0,0 1 16,-21-1-16,21-20 0,-21 20 15,0 1-15,0-1 0,21 1 0,-21-1 16,0 1-16,0-1 0,22 1 0,-22-22 16,21 21-16,-21-20 15,21 20-15,-21-20 0,0-1 0,0 21 16,0-20-16,21-1 0,-21 0 0,0 1 15,21-1-15,-21 0 0,0 1 16,0-1-16,0-21 0,0 0 0,0 22 16,0-22-16,0 0 0,0 0 0,0 0 15,0 1-15,0-1 16,0 0-16,0 0 16,-21-21-16,21 21 0,-21-21 15,0 0-15,21 21 0,-21-21 16,-1 0-1,1 22-15,0-22 0,0 21 16,0-21-16,0 0 0,-1 21 0,1 0 16,0-21-16,-21 0 0,21 21 15,-1-21-15,-20 0 0,21 21 0,-21-21 16,-1 0-16,22 22 0,-21-1 0,-1-21 16,1 21-16,0-21 0,-1 0 0,1 21 15,0-21-15,-22 0 0,22 0 16,0 21-16,-22-21 0,22 0 0,-1 0 15,-20 21-15,-1-21 0,22 0 0,-21 0 16,20 0-16,-20 22 0,-1-22 16,1 0-16,-1 0 0,1 0 15,-1 0-15,1 0 0,-1 0 0,1 0 16,-22 0-16,22 0 0,-22-22 0,0 22 16,22 0-16,-22 0 0,22-21 15,-22 21-15,21 0 0,1 0 0,-1 0 16,1-21-16,-1 21 0,1 0 0,-1 0 15,1 0-15,-1 0 0,1 0 16,-1-21-16,1 21 0,-22 0 0,22 0 16,-1 0-16,1 0 0,-1 0 0,1 0 15,20 0-15,1 0 0,0 0 16,-1 0-16,1 0 0,21 0 16,-21 0-16,20 0 0,1-21 0,-21 21 15,21 0-15,0 0 0,-1 0 16,1 0-16,0 0 0,0 0 15,0 0-15,0 0 0,-1 0 0,1-21 16,0 21-16,0 0 16,0 0-16,0 0 0,-1 0 0,1-22 15,0 22-15,0 0 0,0 0 0,-22 0 16,22 0-16,0 0 0,0 0 16,0 0-16,0 0 0,-1 0 0,1 0 15,0 0-15,0 0 16,0 0-16,0 0 15,-1 0-15,1 22 16,0-22 15</inkml:trace>
   <inkml:trace contextRef="#ctx0" brushRef="#br0" timeOffset="32604.1">4233 4763 0,'0'-22'15,"0"1"-15,0 0 0,0 0 16,0 42 31,0 0-47,0 0 16,0 1-16,0 20 0,0-21 0,0 21 15,0-20-15,0 20 0,0 0 16,0-21-16,0 22 0,-21-22 0,21 21 15,-21-21-15,21 1 0,0-1 16,0 21-16,-21-21 0,21 0 0,-21 1 16,21-1-16,0-42 47</inkml:trace>
   <inkml:trace contextRef="#ctx0" brushRef="#br0" timeOffset="32970.89">4233 4763 0,'0'0'0,"0"-22"0,21-62 32,-21 63-32,22 21 0,-1-22 0,0 1 15,0 0-15,0 21 0,0-21 16,1 0-16,-1 21 0,21-21 15,0 21-15,-20 0 0,20 0 0,0 0 16,-21 0-16,22 0 0,-22 21 16,21 0-16,-21 0 0,1 0 0,-1 0 15,0 1-15,0 20 0,-21-21 16,0 21-16,0 1 0,0-1 0,0 0 16,0 1-16,0-22 0,-21 21 15,21 1-15,-21-22 0,21 21 0,-21-21 16,-1 0-16,22 1 0,0-1 15,0 0-15,-21-21 0,21 21 16,-21-42 15,21 0-15,0 0 0,-21-1-16</inkml:trace>
-  <inkml:trace contextRef="#ctx0" brushRef="#br0" timeOffset="33240.73">4297 4995 0,'0'0'0,"-21"0"16,42 0 15,0 0-31,0 0 0,0 0 0,0-21 16,1 21-16,-1 0 15,0 0-15,0 0 0,21 0 0,-20-21 16,-1 21-16,0 0 0,0 0 16,0 0-16,0-21 0,1 21 15,-1 0-15,-21-21 16,21 21-16,0 0 0,-21-21 0,21 21 16,-21-22-16,21 1 0</inkml:trace>
+  <inkml:trace contextRef="#ctx0" brushRef="#br0" timeOffset="33240.72">4297 4995 0,'0'0'0,"-21"0"16,42 0 15,0 0-31,0 0 0,0 0 0,0-21 16,1 21-16,-1 0 15,0 0-15,0 0 0,21 0 0,-20-21 16,-1 21-16,0 0 0,0 0 16,0 0-16,0-21 0,1 21 15,-1 0-15,-21-21 16,21 21-16,0 0 0,-21-21 0,21 21 16,-21-22-16,21 1 0</inkml:trace>
   <inkml:trace contextRef="#ctx0" brushRef="#br0" timeOffset="33535.56">4995 4678 0,'0'0'0,"21"0"0,-21-21 16,22 21-1,-1 0-15,-21-21 0,21 21 0,0 0 16,0-22-16,0 22 0,1 0 16,-1 0-16,0 0 15,0-21-15,0 21 0,0 0 0,1 0 0,20 0 16,-21 0-16,0 0 0,0 0 16,1-21-16,-1 21 0,0 0 15,0 0-15,-42 0 31,0 0-15</inkml:trace>
   <inkml:trace contextRef="#ctx0" brushRef="#br0" timeOffset="33828.4">5249 4614 0,'-21'0'15,"21"22"1,-21-22 0,21 21-16,0 0 0,0 0 15,0 0-15,0 0 16,0 1-16,0 20 0,0-21 0,-21 0 16,21 22-16,0-22 0,0 0 15,0 21-15,0-21 0,0 1 0,-21-1 16,21 0-16,0 0 0,0 0 15,0 0 1,0 1-16,21-44 31,0 1-15</inkml:trace>
   <inkml:trace contextRef="#ctx0" brushRef="#br0" timeOffset="34211.18">5694 4657 0,'0'0'0,"-21"0"31,21 21 1,0 0-32,0 0 0,0 0 15,0 22-15,0-22 0,0 0 0,0 21 16,0-20-16,0 20 0,0-21 16,0 21-16,0-20 0,0 20 0,-22-21 15,22 0-15,0 0 16,-21 22-16,21-22 0,0 0 0,0 0 15,0 0-15,-21 1 16,21-44 31,0 1-47,0 0 0</inkml:trace>
   <inkml:trace contextRef="#ctx0" brushRef="#br0" timeOffset="34503.01">5651 4720 0,'0'0'0,"43"0"31,-22 0-31,0 0 16,0 0-16,-21 21 0,21 1 15,1-1-15,-1 0 0,-21 0 16,21 21-16,0-20 0,-21-1 0,21 21 15,-21-21-15,21 0 0,1 1 16,-22-1-16,0 0 0,0 0 0,21 0 16,0 0-16,0-21 15,-21 22-15,0-44 47,0 1-47,0 0 0,0 0 16,21 0-16</inkml:trace>
-  <inkml:trace contextRef="#ctx0" brushRef="#br0" timeOffset="35040.69">6244 4678 0,'0'21'16,"0"0"-16,-21-21 15,0 21-15,0 1 0,21-1 16,-22 0-16,1 0 0,21 0 0,-21 0 16,0 1-16,0-1 0,21 0 0,-21 0 15,21 0-15,-22-21 0,22 21 16,22-42 31,-1 0-47,-21 0 15,21 0-15,0 0 0,0-1 0,0 1 16,-21-21-16,22 21 0,-1 0 0,0-22 16,0 22-16,0 0 15,0 0-15,1 0 0,-1-1 0,0 1 16,0 21-16,0 0 16,-21 21-1,0 1 1,0-1-16,0 0 0,0 0 15,0 21-15,0-20 0,0 20 0,0-21 16,0 21-16,0 1 0,0-22 16,0 21-16,0-21 0,0 22 0,0-22 15,0 0-15,0 0 0,0 0 16,-21 1-16,21-1 0,0 0 0,0 0 16,0 0-16,0 0 31,-21-21-16</inkml:trace>
+  <inkml:trace contextRef="#ctx0" brushRef="#br0" timeOffset="35040.68">6244 4678 0,'0'21'16,"0"0"-16,-21-21 15,0 21-15,0 1 0,21-1 16,-22 0-16,1 0 0,21 0 0,-21 0 16,0 1-16,0-1 0,21 0 0,-21 0 15,21 0-15,-22-21 0,22 21 16,22-42 31,-1 0-47,-21 0 15,21 0-15,0 0 0,0-1 0,0 1 16,-21-21-16,22 21 0,-1 0 0,0-22 16,0 22-16,0 0 15,0 0-15,1 0 0,-1-1 0,0 1 16,0 21-16,0 0 16,-21 21-1,0 1 1,0-1-16,0 0 0,0 0 15,0 21-15,0-20 0,0 20 0,0-21 16,0 21-16,0 1 0,0-22 16,0 21-16,0-21 0,0 22 0,0-22 15,0 0-15,0 0 0,0 0 16,-21 1-16,21-1 0,0 0 0,0 0 16,0 0-16,0 0 31,-21-21-16</inkml:trace>
   <inkml:trace contextRef="#ctx0" brushRef="#br0" timeOffset="37747.15">4106 6371 0,'0'21'32,"0"1"-32,0-1 15,0 0-15,0 0 0,0 21 16,-21-20-16,21 20 0,-21 0 0,21 1 16,0-1-16,0 0 0,-21 1 15,21-1-15,0 0 0,-21 1 0,21-22 16,0 21-16,0-21 0,0 0 0,0 1 15,0-1-15,0 0 16,0 0-16,0 0 0,0-42 47,0 0-31,0 0-16,0 0 15,0-1-15,0 1 0,0 0 0</inkml:trace>
   <inkml:trace contextRef="#ctx0" brushRef="#br0" timeOffset="38876.5">4106 6414 0,'-21'0'16,"42"0"15,22 0-15,-22 0-16,0 0 0,21 0 15,22 0-15,-22 0 0,22 0 0,-1 0 16,1 0-16,20 0 0,-20 0 15,20 0-15,-20 0 0,21 0 0,-1 0 16,-20 0-16,20 0 0,107 0 16,-85 0-16,0 0 0,-1 0 15,22 0-15,-21 0 0,21 0 16,-21-22-16,0 22 0,21 0 0,-21 0 16,127 0-16,-128 0 0,1 0 15,-21-21-15,0 21 0,-1 0 16,64 0-16,-63 0 15,-43-21-15,22 21 0,-22 0 16,22 0-16,-22 0 0,-21 0 0,22 0 16,-22-21-16,0 21 0,0 0 15,0 0-15,0 0 0,-21 21 47,0 0-31,0 0-16,0 1 0,0-1 15,0 0-15,0 0 0,0 0 0,0 22 16,0-1-16,0-21 0,0 21 16,0-20-16,22 62 15,-1-63-15,-21 22 0,0-22 16,0 21-16,0-21 0,0 22 0,0-22 16,0 0-16,0 0 0,0 0 15,0 1-15,0 20 0,0-21 16,0 0-16,0 0 15,0 1-15,0-1 16,-21-21-16,-1 0 16,1 0-16,0 21 15,0-21-15,0 0 0,0 0 0,-1 0 0,1 0 16,0 0-16,0 0 0,0 0 16,-22 0-16,22 0 0,-21 0 15,21 0-15,-22 0 0,22 0 0,-21 0 16,0 0-16,-1 0 0,1 0 0,-22 0 15,22 0-15,-85 0 16,42 0-16,22 0 0,-22 0 0,1 0 16,-1 0-16,0 0 0,1 0 15,-65 0-15,65 0 0,20 0 16,1 0-16,-1 0 0,1 0 0,-85 0 16,84 0-16,1 0 15,-22 0-15,21 0 0,1 0 0,-22 0 16,22 0-16,-1 0 0,-20 0 0,20 21 15,-63-21 1,85 0-16,-64 0 0,64 0 16,-1 0-16,1 0 0,0 0 15,-1 0-15,1 0 0,21 0 0,-22 0 16,22 0-16,0 0 0,0 0 16,0-21-16,0 21 0,-1 0 0,1 0 15,0 0-15,0 0 0,21-21 16,-21 21 46</inkml:trace>
   <inkml:trace contextRef="#ctx0" brushRef="#br0" timeOffset="39027.41">4318 7176 0</inkml:trace>
@@ -181,11 +193,11 @@
   <inkml:trace contextRef="#ctx0" brushRef="#br0" timeOffset="47280.84">6202 7980 0,'0'0'15,"0"21"1,-21 0 0,21 0-16,-22 22 0,22-22 15,-21 0-15,21 21 0,-21-20 0,21 20 16,0-21-16,0 21 0,0 1 16,0-22-16,0 0 15,-21 0-15,21 0 0,-21-21 16,0 0-1,-1 0-15</inkml:trace>
   <inkml:trace contextRef="#ctx0" brushRef="#br0" timeOffset="47611.65">5292 8213 0,'0'-21'31,"21"42"-15,-21 0-16,0 0 16,0 0-16,0 0 0,0 1 15,0-1-15,0 21 0,-21-21 0,21 0 16,0 1-16,-22-1 16,1 0-16,21 0 0,-21 0 0</inkml:trace>
   <inkml:trace contextRef="#ctx0" brushRef="#br0" timeOffset="48167.14">3852 9335 0,'0'0'0,"0"21"46,0 0-46,0 0 0,0 0 0,0 0 16,0 22-16,0-22 0,0 21 16,0 1-16,0-22 0,0 21 0,0 0 15,0 1-15,0-22 0,0 21 0,0-21 16,0 22-16,0-22 0,-21 0 16,21 0-16,0 0 0,0 1 0,0-1 15,0-42 16,21-1-15,-21 1-16,21-21 0</inkml:trace>
-  <inkml:trace contextRef="#ctx0" brushRef="#br0" timeOffset="49066.76">3916 9419 0,'21'0'47,"0"0"-47,0 0 0,0 0 15,1 0-15,20 0 0,-21 0 0,21 0 16,1 0-16,20 0 0,-20 0 16,41 0-16,-20-21 0,20 21 0,1 0 15,0-21-15,-1 21 0,22 0 0,-21 0 16,21 0-16,0-21 0,-1 21 15,22 0-15,-21 0 0,21 0 0,0 0 16,0 0-16,0 0 0,0 0 0,0-21 16,0 21-16,0 0 0,21 0 15,-21 0-15,0 0 0,22 0 0,-22 0 16,0 0-16,0 0 0,21 0 16,-21 0-16,-21 0 0,21 0 15,-22 0-15,1 0 0,-21 0 0,0 0 16,-1 0-16,-20 0 0,-1 0 0,1 0 15,-1 0-15,-20 0 0,-1 0 16,-21 0-16,0 0 0,0 0 0,1 0 16,-22 21 31,0 0-32,0 0-15,0 0 0,0 0 16,0 1-16,0 20 15,0-21-15,0 21 0,0-20 0,21 20 16,0-21-16,0 21 0,-21 1 0,0-1 16,21-21-16,0 22 0,-21-1 15,22-21-15,-22 21 0,0-20 0,0 20 16,0-21-16,0 0 0,0 0 0,0 1 16,0-1-16,0 0 0,0 0 15,0 0 1,-22-21-16,22 21 0,-21-21 0,0 0 15,0 0-15,-21 0 0,20 0 0,1 0 16,-21 0-16,0 0 0,-22 0 0,-42 0 16,43 0-16,-1 0 15,-20 0-15,-1 0 0,0 0 0,1 0 16,-1 0-16,-21 0 0,0 0 0,0 0 16,1 0-16,-22 0 0,21 0 0,-21 0 15,-21 0-15,21 0 0,-22 0 16,22 0-16,-21 0 0,0 0 0,-21 0 15,21 0-15,-191 0 16,191 0-16,0 0 0,-22 0 0,22-21 0,-21 21 16,21 0-16,-22 0 0,22-21 15,0 21-15,0 0 0,21 0 0,0-21 16,21 21-16,0 0 0,0-21 16,43 21-16,-1-21 0,1 21 15,20 0-15,1 0 0,21 0 0,0-22 16,0 22-16,21-21 15,21 21 1,0 0-16,0 0 0,0 0 0,0-21 16,22 21-16,-22 0 0,21-21 15,1 0-15</inkml:trace>
+  <inkml:trace contextRef="#ctx0" brushRef="#br0" timeOffset="49066.75">3916 9419 0,'21'0'47,"0"0"-47,0 0 0,0 0 15,1 0-15,20 0 0,-21 0 0,21 0 16,1 0-16,20 0 0,-20 0 16,41 0-16,-20-21 0,20 21 0,1 0 15,0-21-15,-1 21 0,22 0 0,-21 0 16,21 0-16,0-21 0,-1 21 15,22 0-15,-21 0 0,21 0 0,0 0 16,0 0-16,0 0 0,0 0 0,0-21 16,0 21-16,0 0 0,21 0 15,-21 0-15,0 0 0,22 0 0,-22 0 16,0 0-16,0 0 0,21 0 16,-21 0-16,-21 0 0,21 0 15,-22 0-15,1 0 0,-21 0 0,0 0 16,-1 0-16,-20 0 0,-1 0 0,1 0 15,-1 0-15,-20 0 0,-1 0 16,-21 0-16,0 0 0,0 0 0,1 0 16,-22 21 31,0 0-32,0 0-15,0 0 0,0 0 16,0 1-16,0 20 15,0-21-15,0 21 0,0-20 0,21 20 16,0-21-16,0 21 0,-21 1 0,0-1 16,21-21-16,0 22 0,-21-1 15,22-21-15,-22 21 0,0-20 0,0 20 16,0-21-16,0 0 0,0 0 0,0 1 16,0-1-16,0 0 0,0 0 15,0 0 1,-22-21-16,22 21 0,-21-21 0,0 0 15,0 0-15,-21 0 0,20 0 0,1 0 16,-21 0-16,0 0 0,-22 0 0,-42 0 16,43 0-16,-1 0 15,-20 0-15,-1 0 0,0 0 0,1 0 16,-1 0-16,-21 0 0,0 0 0,0 0 16,1 0-16,-22 0 0,21 0 0,-21 0 15,-21 0-15,21 0 0,-22 0 16,22 0-16,-21 0 0,0 0 0,-21 0 15,21 0-15,-191 0 16,191 0-16,0 0 0,-22 0 0,22-21 0,-21 21 16,21 0-16,-22 0 0,22-21 15,0 21-15,0 0 0,21 0 0,0-21 16,21 21-16,0 0 0,0-21 16,43 21-16,-1-21 0,1 21 15,20 0-15,1 0 0,21 0 0,0-22 16,0 22-16,21-21 15,21 21 1,0 0-16,0 0 0,0 0 0,0-21 16,22 21-16,-22 0 0,21-21 15,1 0-15</inkml:trace>
   <inkml:trace contextRef="#ctx0" brushRef="#br0" timeOffset="49627.95">4445 9525 0,'0'0'16,"21"0"-16,-21-21 0,21 0 0,-21 42 31,0 0-15,0 0-16,0 22 0,0-22 0,-21 21 15,0 0-15,21-20 0,0 20 16,-21 0-16,21 1 0,-21-22 16,21 21-16,-22-21 0,22 22 0,0-22 15,0 0-15,0 0 0,-21 0 0,21 0 16,21-42 15,-21 0-31,22 0 16,-22 0-16,21 0 0,-21-1 15,21-20-15,-21 21 0,0-21 0,21-1 16,-21 1-16,21 0 0,-21 20 0,21-20 16,-21 0-16,0 21 0,0-1 15,22 1-15,-22 0 0,21 21 16,-21 21 0,0 22-16,0-22 15,0 0-15,0 21 0,0-21 0,0 22 16,0-22-16,21 21 0,-21-21 0,0 22 15,0-22-15,0 0 0,21 43 16,-21-43-16,0 0 16,0 0-16,0 0 15,-21-21 1,0 0 0,0 0-16,-1-21 0,1 21 0,0-21 15,0 21-15,0-21 0,-22 0 16</inkml:trace>
   <inkml:trace contextRef="#ctx0" brushRef="#br0" timeOffset="50372.52">4254 9948 0,'22'0'31,"-1"0"-31,0 0 0,0 0 16,0 0-16,0 0 0,1 0 16,20 0-16,-21-21 0,21 21 0,1-21 15,-22 21-15,21-21 0,1 21 0,-1-21 16,0 0-16,-21 21 0,22-22 15,-22 22-15,0 0 0,21-21 0,-20 21 16,-1 0-16,-21 21 31,0 1-31,0-1 16,0 0-16,0 0 0,0 0 0,0 0 16,0 1-16,0-1 15,0 0-15,0 0 0,0 0 0,0 0 16,0-42 31,0 0-32,21 0-15,-21 0 0,21 0 16,-21-1-16,0 1 0,0 0 16,21 0-16,0 0 0,1 0 15,-22-1-15,21 22 0,-21-21 0,21 21 16,0 0-16,0 0 15,-21 21 1,0 1-16,0-1 0,21-21 0,-21 21 16,22 0-16,-22 0 0,0 0 0,0 1 15,21-1-15,-21 0 16,21-21-16,-21 21 16,21-21 30,-21-21-46,0 0 0,42-43 32,-20 43-32,-1 0 0,-21 0 0,21 0 15,0-1-15,43-20 16,-43 42-16,0 0 0,0 0 0,0 0 16,0 0-16,1 21 15,-1 0-15,-21 1 0,21-1 0,-21 0 16,0 0-16,0 0 0,0 0 0,0 1 15,0-1-15,0 0 0,0 0 16,0 0-16,0 0 16,-21-21-16,42 0 47,0-21-32,0 0-15</inkml:trace>
   <inkml:trace contextRef="#ctx0" brushRef="#br0" timeOffset="51263.01">6117 9758 0,'0'21'0,"-21"0"16,0 0-16,21 1 0,-21-22 15,-1 21-15,1 0 0,21 0 0,-21 0 16,21 0-16,-21 1 0,21-1 16,-21 0-16,21 0 0,0 0 0,0 0 15,0 1-15,0-1 0,0 0 16,21-21 0,0 0-16,0 0 0,0 0 15,1 0-15,-1 0 0,0-21 0,0 21 16,0-21-16,0 21 0,1-22 0,-1 22 15,0-21-15,0 0 16,-21 0-16,0 0 0,21 21 0,-21-21 16,0-1-16,0-41 0,0 42 15,0 0-15,0-1 0,0 1 0,-21 0 16,21 0-16,-21 21 16,0 0-16,0 0 0,-1 0 15,1 0-15,0 0 0,0 21 0,0 0 16,21 0-16,-21-21 0,-1 22 15,1-1-15,21 0 0,0 0 0,0 0 16,0 0-16,0 1 0,0-1 16,0 0-16,0 0 0,0 0 15,21-21-15,1 21 16,-1-21-16,0 0 0,21 0 0,-21 0 16,1 0-16,20 0 0,-21 0 0,0 0 15,43 0-15,-43 0 16,21 0-16,-21-21 0,1 21 0,-1-21 15,0 0-15,0 21 0,-21-21 0,21 0 16,0-1-16,-21 1 0,22 0 16,-22 0-16,21 21 15,-21-21-15,0 42 32,0 0-32,0 0 15,0 0-15,0 1 16,0-1-16,0 0 0,0 0 15,21 0-15,0 0 0,0-21 16,0 22-16,1-22 0,-1 0 0,0 21 16,0-21-16,21 0 0,-20 0 15,-1 0-15,0 0 0,0 0 0,21 0 16,-20 0-16,-1-21 0,0 21 0,0-22 16,0 1-16,0 0 0,-21 0 15,22 21-15,-22-21 16,0 0-16,0-22 0,21 22 0,-21 0 15,0 0-15,0 0 0,0 42 32,0 0-17,0 0-15,0 0 0,0 0 16,0 1-16,0-1 0,0 0 16,21 0-16,0 0 15,0 0-15,0-21 0,1 0 16,-22 22-16,21-22 0</inkml:trace>
-  <inkml:trace contextRef="#ctx0" brushRef="#br0" timeOffset="51654.79">7366 10075 0,'0'0'16,"21"0"-16,0-21 16,-21 0-16,21 21 15,-21-21-15,0 0 0,0 0 16,0-1-16,0 1 0,0 0 16,0 0-16,0 0 15,0 42 1,0 0-1,0 0-15,0 0 0,0 1 16,0-1-16,0 0 0,0 0 16,0 0-16,0 0 15,0-42 48,22 0-48,-22 0-15,21 21 0,0-21 0,-21 0 16,0-1-16,21 22 0,0-21 0,0 0 16,1 21-16,-22-21 0,21 21 15,0 0-15,0 0 0,0 0 0,0 0 16,1 21 0,-22 0-16,0 0 0,0 1 15,0-1 1,0 0-16,21-21 0,0 21 15,0-21-15,0 0 0</inkml:trace>
+  <inkml:trace contextRef="#ctx0" brushRef="#br0" timeOffset="51654.78">7366 10075 0,'0'0'16,"21"0"-16,0-21 16,-21 0-16,21 21 15,-21-21-15,0 0 0,0 0 16,0-1-16,0 1 0,0 0 16,0 0-16,0 0 15,0 42 1,0 0-1,0 0-15,0 0 0,0 1 16,0-1-16,0 0 0,0 0 16,0 0-16,0 0 15,0-42 48,22 0-48,-22 0-15,21 21 0,0-21 0,-21 0 16,0-1-16,21 22 0,0-21 0,0 0 16,1 21-16,-22-21 0,21 21 15,0 0-15,0 0 0,0 0 0,0 0 16,1 21 0,-22 0-16,0 0 0,0 1 15,0-1 1,0 0-16,21-21 0,0 21 15,0-21-15,0 0 0</inkml:trace>
   <inkml:trace contextRef="#ctx0" brushRef="#br0" timeOffset="51883.65">8043 10033 0,'0'0'0,"0"-21"16,21 21-16,1-21 0,-1 0 16,-21-1-16,21 1 0,-21 0 15,21-21-15,-21 21 0,0-22 0,21 1 16,0 0-16,1-43 15,-22 64-15,0-22 0,21 22 0,-21 0 16,21 0-16,-21 42 31,0 0-15,0 0-16,-21 22 0,21-22 0,-21 0 16,21 21-16,0-20 0,0 20 0,-22-21 15,22 21-15,0-20 0,-21-1 0,21 0 16</inkml:trace>
   <inkml:trace contextRef="#ctx0" brushRef="#br0" timeOffset="52019.58">8170 10054 0,'0'0'0,"21"0"32,1 0-17,-1 0-15,0 0 16,0 0-16,0 0 0,0 0 16,1-21-16,-1 0 15,0 21-15,0-21 0,-21 0 16,0-1-16,21 22 0,0-21 0,-21 0 15</inkml:trace>
   <inkml:trace contextRef="#ctx0" brushRef="#br0" timeOffset="52128.52">8191 9673 0,'-21'0'16,"42"0"-16</inkml:trace>
@@ -199,7 +211,7 @@
   <inkml:trace contextRef="#ctx0" brushRef="#br0" timeOffset="121982.73">10414 4403 0,'-21'0'0,"0"-21"16,-22 21-16,1-22 0,-22 1 0,-105 21 16,106-21-16,-22 21 0,21 0 15,1 0-15,-1-21 0,22 21 16,-21 0-16,20 0 0,1 0 16,0 0-16,-1 0 0,22 21 0,-21-21 15,21 21-15,-1-21 0,-20 21 16,21 43-16,-21-22 15,-1-21-15,1 22 0,0-22 0,20 0 16,22 21-16,0 1 0,0-1 0,0 0 16,0 1-16,0-1 0,0 22 15,22-22-15,-1 0 0,-21 1 0,21-1 16,0 0-16,0 1 0,0-1 16,1 0-16,-1-21 0,0 22 15,0-22-15,21 0 0,-20 0 0,-1 22 16,21-43-16,-21 21 0,22 0 0,-1 0 15,-21 0-15,21-21 0,1 0 16,-1 21-16,0-21 0,1 0 0,-22 0 16,21 0-16,1-21 0,-1 21 0,0 0 15,1-21-15,-1 21 0,0-21 16,1 0-16,-1 0 0,0-1 16,1 1-16,-1-21 0,-21 21 0,21-22 15,-20 1-15,20 0 0,-21-1 0,-21 22 16,21-21-16,-21-22 0,0 22 15,0 0-15,0-1 0,0 1 0,0 0 16,-21-1-16,0 43 0,-43-63 16,22 21-16,21 20 0,-21 1 15,20 0-15,-20 0 0,0 0 0,-1 21 16,1-21-16,0 21 0,-1 0 16,1 0-16,-21 0 0,20 0 0,1 0 15,21 0-15,-22 0 0,1 0 16,0 0-16,-1 0 0,1 21 15,0 0-15,21-21 0,-22 21 0,22 0 16,0 22-16,0-1 0,0 0 16,21 22-16,0-22 0,-22 22 15,22-22-15,0 21 0,0-20 0,0-1 16,0 22-16,0 20 16,22-63-16,-1 43 0,0-43 15,0 0-15,0 0 0,0 1 0,22-1 16,-22 0-16,21-21 0,-21 21 15,22-21-15,-1 0 0,0 0 0,22 0 16,-22 0-16,1 0 0,-1 0 16,0-21-16,-21 0 0,22 0 15,-1-1-15,-21 1 0,22 0 0,-22-21 16,0 21-16,64-22 0,-43-20 0,-21 20 16,-21 1-16,0 0 0</inkml:trace>
   <inkml:trace contextRef="#ctx0" brushRef="#br0" timeOffset="122138.64">9461 5017 0,'0'127'31,"0"-106"-31,0 0 0,22 21 16,-22-21-16</inkml:trace>
   <inkml:trace contextRef="#ctx0" brushRef="#br0" timeOffset="122431.48">9715 5398 0,'22'0'0,"-44"0"0,65 0 0,-22 0 16,0 0-16,21 0 0,-20 0 0,20 0 15,0-22-15,-21 22 0,22-21 0,-22 0 16,21 0-16,-21 21 0,1-21 16,-1-22-16,0 22 0,0 0 0,0-21 15,-21-1-15,0 22 0,0-21 16,21 0-16,-21-1 0,0 1 0,0 21 15,0-22-15,0 22 0,-21 21 16,0 0-16,0 0 0,0 0 16,0 21-16,-22 1 0,22-1 15,-21 21-15,21-21 0,-1 0 0,1 22 16,0-22-16,21 21 0,0-21 16,0 1-16,0 20 0,0-21 0,0 0 15,0 0-15,21 1 0,0-1 16,22-21-16,-22 21 0,0 0 15,21-21-15,-20 0 0,-1 0 0,21 0 16,-21 0-16,0 0 0,1-21 16,-22 0-16</inkml:trace>
-  <inkml:trace contextRef="#ctx0" brushRef="#br0" timeOffset="122543.41">10350 5122 0,'0'-21'0,"0"0"0,0 0 16,0 0-1,0 0 16,-21 21-31,0 0 16,0-22-16</inkml:trace>
+  <inkml:trace contextRef="#ctx0" brushRef="#br0" timeOffset="122543.4">10350 5122 0,'0'-21'0,"0"0"0,0 0 16,0 0-1,0 0 16,-21 21-31,0 0 16,0-22-16</inkml:trace>
   <inkml:trace contextRef="#ctx0" brushRef="#br0" timeOffset="122606.37">10139 5122 0,'-43'0'16</inkml:trace>
   <inkml:trace contextRef="#ctx0" brushRef="#br0" timeOffset="175671.08">9631 3175 0,'0'0'0,"21"0"16,-21-21-16,0 0 16,21 0-16,-21-1 0,0 1 15,0 0-15,0 0 16,21 21-16,-21-21 0,0 0 0,0-1 16,0 44 30,0-1-46,0 0 0,0 0 16,0 21-16,0-20 0,0 20 0,0 0 16,0 1-16,0-1 0,0 0 0,-21 1 15,21-22-15,0 21 0,0 0 16,0 1-16,0-1 0,0-21 0,0 22 16,-21-22-16,21 21 0,0-21 15,0 0-15,0 1 0,0-1 0,0 0 16,0 0-16,0 0 0,0 0 15,0 1 1,0-44 15,0 1-15,0 0-16,0 0 0,0 0 0,21 0 16,0-1-16,0-41 0,1 21 15,-1 20-15,0-20 0,-21 21 16,21 0-16,0 0 0,0-1 15,1 1-15,-1 21 0,0 0 16,0 0-16,0 0 0,0 21 16,-21 1-16,0-1 0,0 0 15,0 0-15,0 0 16,22 0-16,-22 22 0,0-22 0,21 0 16,-21 0-16,21 0 0,-21 1 0,21-22 15,0 21-15,-21 0 0,21-21 16,1 21-16,-1-21 0,0 0 15,0 0-15,0 0 0,0 0 16,1 0-16,-1 0 0,0 0 16,0 0-16,0-21 0,0 21 0,-21-21 0,22 0 15,-1-1-15,0 1 0,0 0 16,-21-21-16,21 21 0,-21-1 0,21 1 16,-21-21-16,0 21 0,0 0 15,0-1-15,0 44 31,0-1-31,0 0 16,0 0-16,0 0 0,0 0 16,0 1-16,0-1 0,0 0 0,0 0 15,0 0-15,0 0 16,0 1-16,0-1 0,0 0 16,0-42 30,0 0-46,0-1 16,0 1-16,0 0 16</inkml:trace>
   <inkml:trace contextRef="#ctx0" brushRef="#br0" timeOffset="175870.96">10562 3154 0,'0'-21'63,"-85"529"-63,170-995 0,-85 487 16,0 21-1</inkml:trace>
@@ -220,7 +232,7 @@
   <inkml:trace contextRef="#ctx0" brushRef="#br0" timeOffset="-181108.57">7937 7620 0,'0'0'16,"0"-21"15,22 21-31,-22 21 16,0 0-1,0 0-15,0 1 16,0-1-16,0 0 0,0 0 16,0 0-16,0 0 0,0 1 0,0 20 15,0-21-15,0 0 0,0 0 0,0 22 16,-22-22-16,1 0 0</inkml:trace>
   <inkml:trace contextRef="#ctx0" brushRef="#br0" timeOffset="-181083.59">7959 8107 0</inkml:trace>
   <inkml:trace contextRef="#ctx0" brushRef="#br0" timeOffset="-180885.7">8022 8128 0,'-63'-21'0,"126"42"0,-42-21 15,0-21-15,22 0 0,-1-43 16,0 22-16,1 21 0,20 0 16,-20-22-16,20 22 0,22 0 0,148-85 15,-149 85 1,1 0-16,-22-22 0,22 22 15,-21 0-15,-1 0 0,-21 21 0,1-21 16,-1 0-16,0 21 0,-20-22 0,-1 22 16,0 0-16,0-21 0,0 21 0,-21-21 15,0 0-15,43 21 16,-22 0-16,0-21 16,-21 0-16</inkml:trace>
-  <inkml:trace contextRef="#ctx0" brushRef="#br0" timeOffset="-180821.74">9588 7451 0,'0'0'15,"-21"21"1,0-21 0</inkml:trace>
+  <inkml:trace contextRef="#ctx0" brushRef="#br0" timeOffset="-180821.75">9588 7451 0,'0'0'15,"-21"21"1,0-21 0</inkml:trace>
   <inkml:trace contextRef="#ctx0" brushRef="#br0" timeOffset="-167881.77">12700 1270 0,'-21'0'16,"0"0"30</inkml:trace>
   <inkml:trace contextRef="#ctx0" brushRef="#br0" timeOffset="-167293.95">12615 1249 0,'-21'0'16,"-21"0"0,21 0-16,-1 0 0,1 0 15,0 0-15,0 0 0,0 0 16,0 0 0,-1 0-16,1 0 15,0 0 1,42 0 46,0 0-62,1 0 0,-1 0 16,21 0-16,0 0 0,-20 0 16,20 0-16,21 0 0,1 0 0,-1 0 15,1 0-15,21 0 0,-1 0 0,1-21 16,0 21-16,-22 0 0,22 0 15,-1 0-15,1 0 0,-21 0 16,20-21-16,-20 21 0,-1 0 0,22 0 16,-43 0-16,22 0 0,-1 0 15,-20 0-15,-1 0 0,0 0 0,1 0 16,-1 0-16,-21 0 0,0 0 16,0 0-16,1 0 0,-1-22 0,-42 22 78,-1 0-78,1-21 15,0 21-15,0 0 0,0 0 16</inkml:trace>
   <inkml:trace contextRef="#ctx0" brushRef="#br0" timeOffset="-166701.84">13822 868 0,'0'21'32,"0"0"-32,0 0 15,21 1-15,0-1 16,0 0-16,22-21 0,-22 21 16,21 0-16,0-21 0,1 21 0,-1-21 15,0 0-15,1 0 0,-1 22 16,0-22-16,1 0 0,-1 0 15,0 0-15,-20 0 0,20 0 0,-21 0 16,0 0-16,0 0 0,1 0 16,-1 0-16,0 0 0,-42 0 47,0 0-47,-22 21 15,22 0-15,-21 0 0,21 0 0,-22 0 16,1 1-16,0-1 0,-1 21 0,1-21 15,0 0-15,-1 1 16,22 20-16,-21-21 0,21 0 0,-1 0 16,1 1-16,0-22 0,0 21 0,21 0 15,-21-21-15,21 21 16,21-42 46,0 21-62,-21-21 0,21 0 16,0 21-16,-21-22 0,22 1 0</inkml:trace>
@@ -229,15 +241,220 @@
   <inkml:trace contextRef="#ctx0" brushRef="#br0" timeOffset="-164733.43">17187 783 0,'-21'0'16,"0"21"0,21 1-16,-21-1 0,21 0 0,0 0 15,-21 0-15,21 22 0,0-22 16,-22 42-16,22-20 0,0-1 16,0-21-16,0 21 0,0 1 15,0-22-15,0 21 0,-21-21 16,21 22-16,0-22 0,0 0 0,0 0 15,0 22-15,0-22 16,0 0-16,0 0 0,0 0 16,21-21-1,1 0 1,-1 0-16,0 0 16,-21-21-16,21 21 15,0-21-15,-21 0 0,0 0 16,21-1-16,-21 1 0</inkml:trace>
   <inkml:trace contextRef="#ctx0" brushRef="#br0" timeOffset="-164496.16">16912 1228 0,'21'0'16,"0"0"-16,1 0 16,-1 0-16,0 0 0,0 0 15,0 0-15,0 0 0,1 0 0,41 0 16,-42 0-16,0 0 0,1 0 16,-1 0-1,-21-21-15,21 21 0</inkml:trace>
   <inkml:trace contextRef="#ctx0" brushRef="#br0" timeOffset="-164052.87">17399 1355 0,'21'0'15,"-42"0"-15,63 0 16,-21 0-16,1 0 0,-1-21 16,0 21-16,-21-22 15,21 22-15,0 0 0,-21-21 16,0 0-16,0 0 16,0 0-1,-21 21 1,0 0-1,0 0-15,0 0 16,-1 21-16,1 0 0,0 0 0,0 0 16,0-21-16,21 22 0,-21-1 0,-1 0 15,1 0-15,21 0 16,0 0-16,0 1 0,-21-1 0,21 0 16,0 0-16,0 0 15,0 0-15,21-21 0,0 0 16,1 0-16,20 0 15,-21 0-15,0 0 0,0 0 0,1 0 16,-1 0-16,0 0 0,0 0 0,0 0 16,0 0-16,1-21 15,-1 21-15,0 0 0</inkml:trace>
-  <inkml:trace contextRef="#ctx0" brushRef="#br0" timeOffset="-163552.77">17780 1312 0,'0'0'0,"0"-21"15,0 0 1,0 0 0,21 21-1,0 0-15,0 0 16,1 0-16,-1 0 15,0 0-15,-21 21 16,21 0-16,0 0 16,0 1-16,-21-1 0,0 0 15,0 0-15,0 0 0,0 0 16,0 1-16,0-1 0,0 0 0,0 0 16,0 0-16,-21 0 0,0 1 15,0-22-15,21 21 16,-21-21-1,21-21 1,0-1-16,0 1 16,0 0-16,21 0 15,-21 0-15,0 0 0,21-1 16,0 1-16,0 0 0,-21 0 16,22 0-16,-1 0 0,-21-1 0,21 1 15,0 21-15,-21-21 0,21 0 16,0 21-16,1 0 0,-22-21 15,21 21-15,0 0 16,0 0-16,0 0 16</inkml:trace>
+  <inkml:trace contextRef="#ctx0" brushRef="#br0" timeOffset="-163552.78">17780 1312 0,'0'0'0,"0"-21"15,0 0 1,0 0 0,21 21-1,0 0-15,0 0 16,1 0-16,-1 0 15,0 0-15,-21 21 16,21 0-16,0 0 16,0 1-16,-21-1 0,0 0 15,0 0-15,0 0 0,0 0 16,0 1-16,0-1 0,0 0 0,0 0 16,0 0-16,-21 0 0,0 1 15,0-22-15,21 21 16,-21-21-1,21-21 1,0-1-16,0 1 16,0 0-16,21 0 15,-21 0-15,0 0 0,21-1 16,0 1-16,0 0 0,-21 0 16,22 0-16,-1 0 0,-21-1 0,21 1 15,0 21-15,-21-21 0,21 0 16,0 21-16,1 0 0,-22-21 15,21 21-15,0 0 16,0 0-16,0 0 16</inkml:trace>
   <inkml:trace contextRef="#ctx0" brushRef="#br0" timeOffset="-162673.06">18140 1524 0,'0'0'0,"-21"21"0,42-21 31,0 0-15,0 0-16,0 0 0,0 0 0,1-21 15,-1 21-15,0-21 0,21 0 16,1 21-16,20-43 15,-21 22-15,1 0 0,-1 0 0,-21-21 16,22 20-16,-22-20 0,0 0 16,0 21-16,0-22 0,0 1 0,-21 0 15,22-1-15,-22 1 0,0 21 16,0-22-16,0 1 0,0 21 0,0 0 16,0 0-16,0-1 0,-22 1 15,1 21-15,0 0 0,0 0 16,0 0-1,0 0-15,21 21 0,0 1 0,-22-1 16,1 0-16,21 21 0,0-21 16,0 22-16,-21-1 0,21 0 15,-21 1-15,21-1 0,-21 0 0,21 1 16,-21-1-16,21 0 0,-22 22 16,22-22-16,-21 1 0,0 20 0,21-21 15,-21 22-15,0-1 0,21-20 16,-21 20-16,-1 1 0,1-1 0,21-20 15,0 20-15,0 1 0,0-1 16,0-21-16,0 22 0,0-1 16,0 22-16,0-21 0,0-1 0,0 1 0,0-1 15,0 22-15,0-22 0,0 1 16,0-1-16,0 1 0,0-22 0,0 22 16,0-1-16,0-21 0,0 1 15,0-1-15,0 0 0,0 1 16,0-22-16,0 0 0,21 0 0,1-21 15,-1 0-15,0 0 0,0 0 16,0 0-16,22 0 0,-22 0 16,21-21-16,-21 0 0,22 0 0,-1 0 15,-21-22-15,21 1 0,1 0 0,-1-1 16,-21 1-16,22-22 16,-22 22-16,0-21 0,0-1 0,0 1 0,-21-22 15,0 21-15,0-20 0,0 20 16,0 1-16,-84-107 15,41 107-15,1 21 0,0-1 16,-22 1-16,22 21 0,-22-22 16,1 22-16,-1-21 0,22 21 0,0 0 15,-1-1-15,1 22 0,21-21 16,0 21-16,-1 0 0,22-21 0,0 0 16,0 0-1,22 21-15,-1 0 16,0 0-16,-21-21 0,42 21 0,-21 0 15,1-22-15,-1 1 0,21 0 16,-21 21-16,0-21 0,1 21 16,20-21-16,-21 0 15,21-1-15,-20 1 0</inkml:trace>
   <inkml:trace contextRef="#ctx0" brushRef="#br0" timeOffset="-162093.03">19029 1376 0,'21'0'0,"-21"-64"31,0 43-31,0 0 16,0 0-16,-21 21 15,0 0-15,-1 0 16,1 0-16,0 0 0,0 0 0,0 0 15,0 0-15,-1 21 0,1 0 16,0 0-16,-42 22 0,41-22 16,1 0-16,0 21 0,21-20 15,-21-1-15,21 0 0,-21 0 0,21 0 16,0 0-16,0 1 0,0-1 16,0 0-16,0 0 0,0 0 15,21-21-15,0 0 0,0 0 16,0 0-16,1 0 0,-1 0 0,0 0 15,0 0-15,0-21 0,0 21 16,1-21-16,-1 0 0,21 0 16,-21-1-16,0 1 0,1 0 0,-1 0 15,0-21-15,-21 20 0,21 1 16,-21 0-16,21 0 0,-21 0 0,21 0 16,-21-1-1,-21 44 16,21-1-31,-21 0 0,0 0 16,21 0-16,0 0 0,0 1 0,0-1 16,0 0-16,0 0 15,0 0-15,0 0 0,0 1 16,0-1-16,21-21 16,0 0-16,0 0 0,1 0 15,-1 0-15,0 0 0,21 0 16,-21 0-16,1-21 0,-1 21 15,21-22-15,-21 22 0,0-21 0</inkml:trace>
-  <inkml:trace contextRef="#ctx0" brushRef="#br0" timeOffset="-161782.21">19791 1164 0,'0'0'0,"0"-21"0,-21 21 15,-1 0 1,1 0-16,0 21 0,0-21 16,21 21-16,-21 1 0,0-1 0,-1 0 15,1 0-15,21 0 0,0 0 0,-21 22 16,21-22-16,-21 0 0,21 0 16,0 0-16,0 1 0,0-1 0,0 0 15,0 0-15,0 0 16,21 0-16,0-21 15,0 0-15,1 0 16,-1 0-16,0 0 0,0 0 16,0 0-16,0 0 0,1 0 15,20-21-15,-21 21 0,21-21 0,-20 0 16,20 0-16,-21 0 0,21-1 0</inkml:trace>
+  <inkml:trace contextRef="#ctx0" brushRef="#br0" timeOffset="-161782.22">19791 1164 0,'0'0'0,"0"-21"0,-21 21 15,-1 0 1,1 0-16,0 21 0,0-21 16,21 21-16,-21 1 0,0-1 0,-1 0 15,1 0-15,21 0 0,0 0 0,-21 22 16,21-22-16,-21 0 0,21 0 16,0 0-16,0 1 0,0-1 0,0 0 15,0 0-15,0 0 16,21 0-16,0-21 15,0 0-15,1 0 16,-1 0-16,0 0 0,0 0 16,0 0-16,0 0 0,1 0 15,20-21-15,-21 21 0,21-21 0,-20 0 16,20 0-16,-21 0 0,21-1 0</inkml:trace>
   <inkml:trace contextRef="#ctx0" brushRef="#br0" timeOffset="-161311.96">20214 1249 0,'21'0'47,"0"0"-31,1 0-16,20 0 0,-21 0 0,0-21 15,0 0-15,1 21 0,20-22 16,-21 22-16,0-21 0,0 0 16,1 21-16,-1-21 0,-21 0 0,0 0 15,0-1-15,0 1 0,0 0 16,-43 21-16,22 0 16,0 0-16,0 0 0,0 0 0,0 0 15,-22 21-15,22-21 16,-21 21-16,21 22 0,-1-22 0,1 21 15,0-21-15,0 22 0,-21-22 0,42 21 16,-22 1-16,22-22 0,-21 21 16,21 0-16,0-20 0,0-1 0,21 0 15,22 21-15,-1-21 16,-21 1-16,22-1 0,-1-21 0,21 0 16,-20 0-16,-1 0 0,22 0 15,-22 0-15,0 0 0,1-21 0,-22 21 16,21-22-16,0 1 15,-20 0-15,-1 0 0,0 0 16,-21 0-16,0-1 0,0 1 16</inkml:trace>
   <inkml:trace contextRef="#ctx0" brushRef="#br0" timeOffset="-160609.37">16214 2117 0,'0'0'16,"21"0"31,0 0-47,0 0 15,0 0-15,22 0 0,-22 0 0,21 0 16,22 0-16,-22 0 0,21 0 0,22 0 15,-21 0-15,20-21 16,22 21-16,0 0 0,21 0 0,0-22 16,0 22-16,21 0 0,0-21 0,22 21 15,-1 0-15,0 0 0,1-21 16,-1 21-16,-21-21 0,21 21 0,1 0 16,-22-21-16,0 21 0,0 0 15,-21-21-15,0 21 0,0 0 0,-21 0 16,0-22-16,0 22 0,-22-21 15,1 21-15,-21 0 0,-1 0 0,-21-21 16,1 21-16,-1 0 0,-21 0 16,0-21-16,1 21 0,-1 0 0,-21-21 31,-21 21 0,-1 0-31,1 0 0,0 0 16,-21 0-16,-1-21 0,1 21 0</inkml:trace>
-  <inkml:trace contextRef="#ctx0" brushRef="#br0" timeOffset="-159964.74">16214 2138 0,'0'0'15,"-22"0"-15,1 0 0,0 0 16,21 21 0,-21-21-1,21 21 17,21-21-32,0 0 15,22 0-15,-22 0 0,21 0 0,0 0 16,22 0-16,-1 0 0,-20 0 15,41 0-15,-20 0 0,-1 0 0,22 0 16,0 0-16,21 0 0,-1 0 16,1 0-16,21-21 0,0 21 0,0 0 15,21 0-15,-21 0 0,22 0 0,-1 0 16,0 0-16,0 0 16,0 0-16,0-21 0,-21 21 0,22 0 15,-22 0-15,21 0 0,-21-21 16,-21 21-16,21 0 0,-22 0 0,1 0 15,-21-21-15,0 21 0,-1 0 0,1 0 16,-22 0-16,22 0 0,-21-22 16,-22 22-16,21 0 0,-20 0 0,-1 0 15,0 0-15,1 0 0,-1 0 16,-21 0-16,0 0 0,1 0 0,-1 0 16,0 0-16,0 0 0,0-21 15,-21 0 16</inkml:trace>
+  <inkml:trace contextRef="#ctx0" brushRef="#br0" timeOffset="-159964.75">16214 2138 0,'0'0'15,"-22"0"-15,1 0 0,0 0 16,21 21 0,-21-21-1,21 21 17,21-21-32,0 0 15,22 0-15,-22 0 0,21 0 0,0 0 16,22 0-16,-1 0 0,-20 0 15,41 0-15,-20 0 0,-1 0 0,22 0 16,0 0-16,21 0 0,-1 0 16,1 0-16,21-21 0,0 21 0,0 0 15,21 0-15,-21 0 0,22 0 0,-1 0 16,0 0-16,0 0 16,0 0-16,0-21 0,-21 21 0,22 0 15,-22 0-15,21 0 0,-21-21 16,-21 21-16,21 0 0,-22 0 0,1 0 15,-21-21-15,0 21 0,-1 0 0,1 0 16,-22 0-16,22 0 0,-21-22 16,-22 22-16,21 0 0,-20 0 0,-1 0 15,0 0-15,1 0 0,-1 0 16,-21 0-16,0 0 0,1 0 0,-1 0 16,0 0-16,0 0 0,0-21 15,-21 0 16</inkml:trace>
   <inkml:trace contextRef="#ctx0" brushRef="#br0" timeOffset="-159797.83">20532 2180 0,'0'0'0,"-43"0"15</inkml:trace>
   <inkml:trace contextRef="#ctx0" brushRef="#br0" timeOffset="-146035.02">2984 16341 0</inkml:trace>
+</inkml:ink>
+</file>
+
+<file path=ppt/ink/ink10.xml><?xml version="1.0" encoding="utf-8"?>
+<inkml:ink xmlns:inkml="http://www.w3.org/2003/InkML">
+  <inkml:definitions>
+    <inkml:context xml:id="ctx0">
+      <inkml:inkSource xml:id="inkSrc0">
+        <inkml:traceFormat>
+          <inkml:channel name="X" type="integer" max="1600" units="cm"/>
+          <inkml:channel name="Y" type="integer" max="900" units="cm"/>
+          <inkml:channel name="T" type="integer" max="2.14748E9" units="dev"/>
+        </inkml:traceFormat>
+        <inkml:channelProperties>
+          <inkml:channelProperty channel="X" name="resolution" value="51.77993" units="1/cm"/>
+          <inkml:channelProperty channel="Y" name="resolution" value="51.72414" units="1/cm"/>
+          <inkml:channelProperty channel="T" name="resolution" value="1" units="1/dev"/>
+        </inkml:channelProperties>
+      </inkml:inkSource>
+      <inkml:timestamp xml:id="ts0" timeString="2021-07-21T01:33:33.046"/>
+    </inkml:context>
+    <inkml:brush xml:id="br0">
+      <inkml:brushProperty name="width" value="0.05292" units="cm"/>
+      <inkml:brushProperty name="height" value="0.05292" units="cm"/>
+      <inkml:brushProperty name="color" value="#FF0000"/>
+    </inkml:brush>
+    <inkml:brush xml:id="br1">
+      <inkml:brushProperty name="width" value="0.05292" units="cm"/>
+      <inkml:brushProperty name="height" value="0.05292" units="cm"/>
+      <inkml:brushProperty name="color" value="#0070C0"/>
+    </inkml:brush>
+  </inkml:definitions>
+  <inkml:trace contextRef="#ctx0" brushRef="#br0">2476 5482 0,'0'0'0,"0"-21"31,0 0-31,0 42 47,0 0-47,0 0 16,0 1-16,0 20 0,0 0 15,0 1-15,0-1 0,0 0 0,0 22 16,0-1-16,22 1 0,-22-1 16,0 1-16,0-1 0,0 1 0,0 20 15,0-20-15,0 21 0,0-1 16,-22 1-16,22-22 0,-21 22 15,21 0-15,-21-22 0,21 22 0,0 0 16,0-22-16,-21 22 0,21-22 16,-21 1-16,21-1 0,0-20 0,0-1 15,0 0-15,0 1 0,0-22 16,0 0-16,0 0 0,21-21 16,-21-21-16,21 0 15,-21 0-15,0-1 0,21-20 16,-21 0-16,21-1 0,-21-20 0,22-1 15</inkml:trace>
+  <inkml:trace contextRef="#ctx0" brushRef="#br0" timeOffset="936.49">2413 5461 0,'0'-21'32,"21"21"-17,0 0-15,0-21 16,1 21-16,20 0 0,-21-21 15,21 21-15,22-22 0,-22 22 0,22-21 16,-1 21-16,22-21 0,0 21 16,20-21-16,1 0 0,21 21 0,0-21 15,0-1-15,21 22 0,-21-21 16,22 0-16,-1 0 0,0 21 0,0-21 16,-21 21-16,21 0 0,-21 0 15,-21 0-15,21 0 0,-21 0 0,0 0 16,-22 0-16,1 0 0,0 0 15,-22 0-15,1 0 0,-1 21 16,-20-21-16,-1 21 0,0-21 0,1 21 16,-1-21-16,-21 21 0,0-21 15,0 0-15,22 22 0,-22-1 16,0 0-16,0 0 0,-21 0 16,21 0-16,-21 1 0,0-1 15,0 0-15,22 0 0,-22 21 0,21-20 16,-21 20-16,0 0 0,0 1 0,21-1 15,-21 0-15,21 1 0,-21-1 16,21 0-16,-21 22 0,0-22 0,0 0 16,0 1-16,21 20 0,-21-20 15,0-1-15,0 21 0,0-20 16,0 20-16,0-20 0,0 20 0,0-21 16,-21 22-16,0-22 0,21 1 0,-21 20 15,0-21-15,0 1 0,21 20 16,-22-20-16,1-1 0,0 0 0,21 1 15,-21-1-15,21 0 0,-21-21 0,0 22 16,21-1-16,0-21 0,0 22 16,-22-22-16,1 21 0,0-21 0,21 0 15,-21 1-15,0-1 0,0 0 0,-1 0 16,1 0-16,0-21 0,0 21 16,0 1-16,-22-22 0,22 21 15,-21-21-15,21 0 0,-22 21 0,22-21 16,-21 0-16,21 0 0,-22 21 0,1-21 15,0 0-15,-1 0 0,1 0 16,0 0-16,-22 0 0,1 0 0,-1 0 16,1 0-16,-22 0 0,0 0 0,-20 0 15,-1 0-15,-21 0 0,21-21 0,-42 21 16,21 0-16,-43 0 0,22-21 16,-21 21-16,21 0 0,-22 0 0,22 0 15,21 0-15,0 0 0,0 0 0,43-21 16,-1 21-16,21-22 0,1 22 15,42 0-15,-22-21 0,22 0 16,21 0-16,0 0 16,0 0-16,0-1 0,21 1 0,1 0 15,-1 0-15,0-21 0,0 20 0,21-20 16</inkml:trace>
+  <inkml:trace contextRef="#ctx0" brushRef="#br0" timeOffset="1760.11">1566 1651 0,'0'0'0,"0"21"47,0 22-47,0-1 0,0 0 16,21 22-16,-21-1 0,0 22 15,0-22-15,0 43 0,0-21 0,0 21 16,0-22-16,0 22 0,0-21 15,0 21-15,0-22 0,0 1 16,-21 0-16,21-1 0,-21-20 0,0 21 16,21-43-16,0 21 0,-21-20 15,21-1-15,-21-21 0,21 22 16,0-22-16,0-64 31,0 22-15,0 0-16,0-21 0,21-1 0,-21-20 15,0 21-15,0-22 0</inkml:trace>
+  <inkml:trace contextRef="#ctx0" brushRef="#br0" timeOffset="2523.71">1651 1651 0,'0'0'0,"21"0"15,0 0-15,0 0 16,1 0-16,-1 0 16,21-21-16,-21 0 0,22 21 0,-1 0 15,0-21-15,22 21 0,-1-22 16,1 1-16,20 21 0,22-21 15,0 21-15,21-21 0,-21 0 0,21 21 16,0-21-16,0 21 0,21-22 16,-21 22-16,0-21 0,0 0 0,0 21 15,-21 0-15,0 0 16,0-21-16,-22 21 0,-20 0 0,-1 0 16,1 0-16,-22 0 0,0 0 15,1 0-15,-22 21 0,0 0 0,0-21 16,0 21-16,-21 1 0,22-1 15,-22 0-15,21 0 0,-21 0 16,0 22-16,0-22 0,0 21 0,0-21 16,0 22-16,21-1 0,-21 0 15,0 1-15,0-1 0,0 21 0,0-20 16,0-1-16,0 22 16,0-22-16,0 21 0,0 1 0,0 126 15,0-126 1,-21-1-16,21 1 0,0-1 0,0 1 15,0-22-15,0 22 0,0-22 0,0 0 16,0 1-16,0-1 0,0 0 16,0 1-16,0-1 0,-21-21 0,21 22 15,-22-22-15,1 0 0,0 0 16,0 21-16,0-20 0,-22-22 0,1 21 16,0 0-16,-1 0 0,1 0 0,0-21 15,-22 21-15,1-21 0,-22 22 16,0-22-16,1 21 0,-22-21 15,0 0-15,-21 21 0,0-21 16,-21 0-16,0 0 0,-22 0 0,22 0 0,0 0 16,0 0-16,21 0 15,0 0-15,21 0 0,0 0 0,22 0 16,-1-21-16,21 21 0,1-21 16,21 21-16,-1 0 0,1-22 0,21 22 15,0-21-15,-1 21 0,22-21 16,0 0-16,22 0 0,20 0 15,-21 21-15,43-43 0,-22 22 16,21 0-16,1-21 0</inkml:trace>
+  <inkml:trace contextRef="#ctx0" brushRef="#br0" timeOffset="3023.29">5313 1439 0,'0'0'16,"21"-21"0,-21 42-1,0 1-15,0 20 16,0 0-16,0 1 0,0 20 16,0 22-16,0-22 0,0 22 0,0-22 15,0 22-15,0-21 0,0 20 16,0 1-16,0 0 0,0-1 0,0 1 15,0 0-15,-21-1 0,0-20 16,21-1-16,0 1 0,-22-1 16,1-20-16,21 20 0,-21-21 0,21 1 15,0-22-15,0 21 0,0-21 16,0 22-16,0-22 0,0 0 16,0-42 15,0 0-31,0 0 15,0-22-15,0 22 0,0-21 0,0-1 16,0 1-16</inkml:trace>
+  <inkml:trace contextRef="#ctx0" brushRef="#br0" timeOffset="3799.64">5270 1418 0,'0'0'0,"0"-21"15,22 21 1,-1 0-16,21 0 0,0 0 16,1 0-16,20 0 0,-20 0 15,41 0-15,-20 0 0,20 0 16,1 0-16,0 0 0,-1 0 0,22 0 15,0 0-15,0 0 0,21 0 16,0 0-16,0 0 0,0 0 0,0 0 16,-21 0-16,21 0 0,0 0 15,-21 0-15,21 0 0,-22 0 0,1 0 16,-21 0-16,0 0 0,-1 0 16,-20 0-16,-1 0 0,-20 0 0,-1 0 15,-21 0-15,0 0 0,0 0 16,-21 21-16,22-21 0,-22 21 15,0 1-15,0-1 0,0 0 16,0 0-16,0 0 0,-22 22 16,22-22-16,-21 21 0,21 0 15,0 1-15,0-1 0,0 0 0,-21 1 16,21 20-16,0-20 0,-21-1 0,21 0 16,0 1-16,-21 20 0,21-21 15,0 1-15,0 20 0,-21-20 0,21 20 16,-22-21-16,22 22 0,0-22 15,0 22-15,0-22 0,-21 0 0,21 1 16,0-1-16,-21 0 0,21 1 0,0-22 16,-21 21-16,0-21 15,21 1-15,-21-1 0,-1 0 0,1-21 16,0 21-16,0 0 0,-21-21 0,20 0 16,-20 21-16,0-21 0,-1 0 15,1 0-15,-21 22 0,20-22 0,-20 0 16,-1 0-16,-20 0 0,-1 0 0,0 21 15,1-21-15,-43 0 0,21 0 16,-21 0-16,0 0 0,0 21 0,0-21 16,0 21-16,0-21 0,21 21 15,-21 0-15,42-21 0,1 22 0,-1-22 16,21 21-16,1-21 0,-1 0 0,22 21 16,0-21-16,-1 0 15,22 21-15,0-21 0,0 0 0,0 0 16</inkml:trace>
+  <inkml:trace contextRef="#ctx0" brushRef="#br0" timeOffset="4504.18">3154 3768 0,'0'0'0,"-21"-21"0,21-1 0,0-20 16,-22 21-16,22 0 0,-21 0 16,21-1-16,0 1 15,0 42 1,0 1-16,0-1 0,21 21 16,1 0-16,-1 1 0,21 20 15,-21 1-15,22 20 0,-22 1 0,21-21 16,0 20-16,-20 1 0,20 0 15,0-22-15,-21 22 0,22-1 16,-22-20-16,0 21 0,0-22 0,0 1 16,-21-1-16,0-21 0,22 1 15,-22-1-15,21 0 0,-21-20 0,0-1 16,0 0-16,0 0 0,21-21 16,0 0-1,0 0-15,0-42 0,1 21 16,-1-1-16,0-20 0,0 0 15,21-22-15</inkml:trace>
+  <inkml:trace contextRef="#ctx0" brushRef="#br0" timeOffset="4850.99">6286 3387 0,'0'0'0,"-21"21"31,0 0-31,-21 21 0,21-20 16,-22 20-16,1 0 0,0 1 0,-22 20 15,1-21-15,-1 43 0,-21-21 16,22 20-16,-22 1 0,1 0 15,-1-1-15,-21 1 0,21 0 0,1-1 16,-1 1-16,0-22 0,22 22 0,-22-21 16,43-1-16,-22 1 0,22-1 15,0-21-15,21 1 0,-22-1 0,43 0 16,0-20-16,-21-1 0,21 0 0,21-21 31</inkml:trace>
+  <inkml:trace contextRef="#ctx0" brushRef="#br1" timeOffset="10915.46">4551 5715 0,'21'0'0,"-21"-21"31,21 21-15,-21 21 15,0 0-15,0 0-16,0 1 0,0 20 0,0-21 15,-21 21-15,21-20 0,0 20 16,-21 0-16,21-21 0,-21 22 0,-1-1 16,22-21-16,-21 22 0,21-22 15,-21 0-15,21 0 0,-21 21 0,21-20 16,0-1-16,0 0 0,-21-21 31,21-21 0,0 0-31,0-1 16,0 1-16,0 0 0,0 0 0,0 0 16,0-22-16,0 22 0,0 0 0,0-21 15,21 21-15,-21-1 0,0 1 16,0-21-16,0 21 0,21 0 0,-21-1 16,0 1-16,21 0 0,-21 0 15,0 0-15,21 0 0,1-1 0,-1 1 16,0 0-16,0 0 15,21 21-15,-20-21 0,-1 0 16,21 21-16,0 0 0,-20-22 0,20 22 16,-21 0-16,0 0 0</inkml:trace>
+  <inkml:trace contextRef="#ctx0" brushRef="#br1" timeOffset="11100.35">5038 5757 0,'21'22'16,"-42"-44"-16,42 65 0,-21-22 0,0 21 16,0-21-16,0 22 0,0-22 15,0 21-15,0-21 0,0 22 0,0-22 16,0 0-16,-21 0 0,-1 0 0,22 1 15,-21-1-15,21 0 0,0 0 16,0 0-16,-21-21 0,21-21 47,0 0-31,-21 21-16,21-21 0,0 0 0,0-1 15,-21 22-15</inkml:trace>
+  <inkml:trace contextRef="#ctx0" brushRef="#br1" timeOffset="11316.23">4572 5990 0,'0'0'0,"-21"0"0,42-21 47,0 21-32,21 0-15,-20 0 0,-1-21 16,21 21-16,-21 0 0,22 0 0,-22-21 15,0 21-15,21 0 0,-21 0 16,1-21-16,-1 21 0,0 0 0,0 0 16,-21-22-16,21 22 0,-21-21 15,21 21-15,-21-21 0,22 21 16,-22-21-16</inkml:trace>
+  <inkml:trace contextRef="#ctx0" brushRef="#br1" timeOffset="11792.07">4847 5652 0,'21'0'32,"0"0"-17,1 0-15,-1 0 16,0 21-16,-21 0 0,21-21 0,0 21 16,0 0-16,-21 0 0,0 1 0,22-1 15,-22 21-15,0-21 16,0 0-16,0 1 0,0-1 0,0 0 15,0 0-15,0 0 0,0 0 16,-22 1-16,1-1 16,0-21-16</inkml:trace>
+  <inkml:trace contextRef="#ctx0" brushRef="#br1" timeOffset="12235.8">6159 5334 0,'0'0'0,"-21"-21"31,0 21-31,0 0 0,0 0 16,0 0-16,-1 0 0,1 21 15,0-21-15,0 21 0,0 0 0,0 1 16,21-1-16,-22 0 0,22 0 15,0 0-15,0 0 0,0 1 0,0-1 16,0 0-16,0 0 0,0 0 16,22-21-16,-22 21 0,21-21 15,0 0-15,0 0 0,0 0 16,0 0-16,1 0 0,-1 0 16,0-21-16,0 0 15,0 21-15,0-21 0,1 0 0,-1 0 16,0-1-16</inkml:trace>
+  <inkml:trace contextRef="#ctx0" brushRef="#br1" timeOffset="12803.93">6265 5017 0,'0'-22'0,"0"44"16,-21-44-16,0 1 0,0 21 15,0 0-15,-1-21 0,1 21 16,0 0-16,0 0 0,0 0 16,-22 0-16,22 21 0,0-21 0,-21 21 15,21 1-15,-22-1 0,22 0 0,-21 0 16,21 21-16,-22-20 0,22 20 16,0-21-16,-21 21 0,20-20 0,1 20 15,0 0-15,21-21 0,-21 22 16,21 105-1,0-106-15,0-21 0,21 22 16,-21-22-16,21 0 0,0 0 16,22 22-16,-22-22 0,0 0 15,21-21-15,1 21 0,-22 0 0,21-21 16,1 21-16,-1-21 0,0 0 16,1 0-16,-1 0 0,0 0 0,1 0 15,-1 0-15,0 0 0,1-21 16,-1 0-16,0 21 0,1-21 0,-1 0 15,0-22-15,1 22 0,-1-21 0,0 21 16,-21-22-16,1 1 0,-1 0 16,0-1-16,-21 1 0,0 0 0,0-1 15,0 1-15,-21-21 0,0 20 0,21 1 16,-22 0-16,1-1 0,0 1 16,0 21-16,0-22 0,-22 22 0,22 0 15,0 0-15,-21 0 0,21 21 16,-1 0-16,-20-21 0,21 21 15,0 0-15,-22 0 0,22 0 0,0 0 16,0 21-16,0-21 0,0 21 16,-1-21-16,22 21 0,-21-21 0,0 0 15,21 21-15,-21-21 0</inkml:trace>
+  <inkml:trace contextRef="#ctx0" brushRef="#br1" timeOffset="13776.7">2603 2434 0,'-21'-21'16,"21"0"-16,-21 21 16,21-21-16,0 42 31,0 0-31,0 0 15,0 0-15,0 1 0,0 20 16,-21-21-16,21 21 0,0 1 0,0-22 16,-21 21-16,0 1 0,-1-22 15,1 21-15,21 0 0,-21-20 0,21-1 16,-21 21-16,21-21 0,-21 0 16,21 1-16,0-1 15,0-42 16,0-1-31,0 1 0,0 0 16,0 0-16,0-21 0</inkml:trace>
+  <inkml:trace contextRef="#ctx0" brushRef="#br1" timeOffset="14375.67">2434 2413 0,'0'-21'15,"0"0"-15,0 0 32,21 21-32,0-22 0,1 22 15,-1-21-15,0 21 0,21 0 16,-21-21-16,22 21 0,-22 0 0,0 0 16,21 0-16,-20 0 0,-1 0 15,0 21-15,0 0 0,0 1 0,-21-1 16,0 0-16,0 0 0,0 21 15,0-20-15,-21-1 0,0 21 0,0-21 16,-22 0-16,22 1 0,0-1 16,-21 0-16,21 0 0,-1-21 15,1 21-15,21-42 47,0 0-47,21 21 16,1-21-16,20 21 0,-21 0 15,0-21-15,22-1 0,-22 22 0,21 0 16,-21 0-16,22 0 0,-1 0 0,-21 0 16,21 0-16,-20 0 0,20 0 15,-21 22-15,0-1 0,0 0 0,1 0 16,-1-21-16,-21 21 0,21 0 16,-21 1-16,0-1 0,0 21 15,0-21-15,-21 0 0,-22 1 16,22-1-16,-21 0 0,21 0 0,-43 0 15,22 0-15,0 1 0,-1-22 0,-20 21 16,20-21-16,-20 0 0,21 21 16,-1-21-16,1 0 0,21 0 0,-22 0 15,22 0-15,0 0 0,0 0 16,0-21-16,0 21 0,-1-21 0,1-1 16,21 1-16,0 0 15,0 0-15,0 0 0,0 0 0,0-1 16,21 1-16,1 0 15,20-21-15</inkml:trace>
+  <inkml:trace contextRef="#ctx0" brushRef="#br1" timeOffset="14704">3937 1609 0,'0'-21'15,"0"42"-15,0-21 32,0 21-32,0 0 15,0 0-15,-21 0 0,21 22 0,0-22 16,0 0-16,0 21 0,0-20 0,0-1 15,0 0-15,0 0 0,0 0 16,0 0-16,0 1 0,0-1 16,-21-21-16,-1 0 31</inkml:trace>
+  <inkml:trace contextRef="#ctx0" brushRef="#br1" timeOffset="14919.87">3662 2032 0,'0'42'32,"21"-42"-32,0 22 0,0-22 15,0 0-15,22 0 0,-22 0 0,0 0 16,0 0-16,0 0 0,22 0 15,-22 0-15,0-22 0,0 22 16,0 0-16,1-21 0,-22 0 16,0 0-16,0 0 15</inkml:trace>
+  <inkml:trace contextRef="#ctx0" brushRef="#br1" timeOffset="15147.21">3683 1651 0,'0'0'0,"21"0"31,0 0-31,0 0 16,1 0-16,-1 0 0,21 0 0,-21 0 15,0 0-15,22 0 0,-22 0 16,0-21-16,21 21 0,-20 0 0,-1-21 15,0 0-15,0 21 0,0-22 16</inkml:trace>
+  <inkml:trace contextRef="#ctx0" brushRef="#br1" timeOffset="15691.89">4085 1355 0,'0'0'0,"-85"-21"16,43 21 0,21 0-16,0 0 0,0 0 0,-22 0 15,22 0-15,-21 21 0,-1-21 16,22 21-16,-21 0 0,0-21 0,-1 21 16,22 22-16,-21-22 0,-1 0 15,22 21-15,-21 1 0,21-1 0,0 0 16,-1 22-16,1-22 0,21 0 15,0 1-15,0 20 0,0-42 0,0 22 16,0-1-16,21 0 16,22-20-16,-22-1 0,0 21 0,21-21 15,1-21-15,-22 21 0,21 1 0,1-22 16,-1 0-16,0 0 0,1 0 16,-1 0-16,0 0 0,1 0 0,-1 0 15,0 0-15,1-22 0,-1 1 16,0 0-16,22 21 0,-22-42 0,0 21 15,-20-1-15,20-20 0,0 21 16,-21-21-16,22-1 0,-22 1 0,0-22 16,0 22-16,0-21 0,-21 20 15,0-20-15,0 20 0,-21 1 0,0 0 16,0-1-16,-21 22 0,-1-21 16,1 21-16,-22 0 0,22 21 15,-21 0-15,-1 0 0,1 0 0,-1 0 16,1 0-16,20 0 0,-20 21 15,20 0-15,-20 0 0,21 0 0,20 22 16,1-22-16,-21 21 0,42 0 16,0 1-16,0-1 0,0-21 0,0 22 15,0-22-15,21 21 0,0-21 16,0 0-16</inkml:trace>
+  <inkml:trace contextRef="#ctx0" brushRef="#br1" timeOffset="16264.57">6350 2117 0,'0'0'0,"21"-21"0,-21-1 15,0 1-15,0 0 16,-21 0-16,0 21 0,0 0 16,-1 0-16,1 0 15,0 0-15,0 0 0,0 0 16,-22 21-16,22 0 0,0 22 15,-21-22-15,21 21 0,-1-21 0,-20 22 16,21-1-16,-21 0 0,20 1 0,1 20 16,0-21-16,0 1 0,21-22 15,0 21-15,0 1 0,0-22 0,21 0 16,0 21-16,0-42 0,1 21 16,-1 1-16,21-1 0,-21-21 15,22 0-15,-1 0 0,0 0 0,-21 0 16,22 0-16,-1-21 0,0-1 15,1 1-15,-1 0 0,0 0 0,1-21 16</inkml:trace>
+  <inkml:trace contextRef="#ctx0" brushRef="#br1" timeOffset="16603.88">7599 1651 0,'0'0'0,"21"-21"0,-21 0 0,0 0 0,0-1 16,0 44 15,0-1-15,0 21-16,0-21 0,0 0 15,0 1-15,0 20 0,-21-21 0,21 0 16,-21 0-16,21 22 16,-22-22-16,22 0 0,0 0 0,0 0 0,0 1 15,0-1-15,0 0 16</inkml:trace>
+  <inkml:trace contextRef="#ctx0" brushRef="#br1" timeOffset="16827.86">7387 2011 0,'0'42'15,"0"-21"1,21-21-1,0 0-15,1 0 0,-1 0 0,0 0 16,0 0-16,21 0 0,-20 0 16,-1 0-16,0 0 0,0 0 0,0 0 15,0-21-15,-21 0 0,22 21 0,-22-21 16,21 21-16,-21-21 0,0 0 16</inkml:trace>
+  <inkml:trace contextRef="#ctx0" brushRef="#br1" timeOffset="17048.74">7493 1736 0,'0'0'15,"-21"0"-15,0 0 0,-1 0 0,22-21 16,-21 21-16,0 0 16,21-22-16,0 1 0,0 0 31,21 21-31,0 0 0,1 0 15,-1 0-15,0 0 0,21-21 16,-21 21-16,1 0 0,20 0 0,-21 0 16,0-21-16,22 21 15,-22 0-15</inkml:trace>
+  <inkml:trace contextRef="#ctx0" brushRef="#br1" timeOffset="17559.97">7853 1334 0,'0'0'0,"-21"0"0,-1-22 0,1 22 0,0 0 15,0-21-15,-21 21 0,20-21 16,-20 21-16,0 0 0,21 0 0,-22 0 16,1 0-16,21 0 15,-22 21-15,1 0 0,21 1 0,-21-22 16,20 21-16,-20 0 0,21 21 15,0-21-15,-22 22 0,22-1 0,0 22 16,0-22-16,0 21 0,0 1 0,-1-1 16,22 1-16,0-22 0,0 22 15,0-22-15,0 22 0,22-22 0,20 0 16,-21-21-16,0 22 0,22-22 16,-1 21-16,0-21 0,1-21 0,-1 22 15,0-22-15,1 0 0,20 0 16,-21 0-16,22 0 0,-22-22 0,22 1 15,-22 0-15,22 0 0,-22 0 0,21 0 16,-20-22-16,-1 1 16,0 0-16,1-1 0,-1 1 0,0-22 15,-20 22-15,-1-21 0,0-1 0,0 1 16,-21-1-16,0 22 0,0-22 16,-21 22-16,0 0 0,-22-1 0,1 22 15,0 0-15,-22-21 0,1 20 16,-1 22-16,-20 0 0,20 0 0,1 0 15,20 0-15,-20 0 0,20 0 16,1 22-16,21-1 0,-21 0 16,20 0-16,-20 21 0,21-20 0,0-1 15,0 0-15,-1 0 0,22 21 0</inkml:trace>
+  <inkml:trace contextRef="#ctx0" brushRef="#br1" timeOffset="24559.93">11620 3662 0,'0'0'0,"0"-21"16,0 0-16,0-1 0,0 1 15,0 0 1,0 0-16,0 42 15,0 0 1,-21 0-16,0 1 16,0 20-16,0 0 0,21 22 0,-21-22 15,-1 22-15,1-1 0,0 22 0,0-22 16,21 1-16,-21-1 0,0-20 16,-1 20-16,22-21 0,-21 1 0,21-1 15,-21 0-15,21-20 0,0-1 16,0 0-16,-21 0 0,21 0 0,0-42 47,0 0-47,0 0 0,0 0 15,0-1-15,21-20 0,0 0 16</inkml:trace>
+  <inkml:trace contextRef="#ctx0" brushRef="#br1" timeOffset="24876.26">11366 3810 0,'0'0'0,"0"-21"0,0-21 0,0 20 0,0 1 16,22 0-16,-1 0 0,-21 0 0,21 0 16,0-1-16,0 22 0,0-21 15,22 21-15,-22 0 0,21-21 0,1 21 16,-1 0-16,21 0 0,1 21 16,-22 0-16,22 1 0,-1-1 0,1 21 15,-22 0-15,0 1 0,1-1 16,-22 0-16,0 22 0,0-22 15,-21 22-15,0-22 0,0 0 0,0 1 16,-21-1-16,0 0 0,0 1 0,0-22 16,-1 21-16,1-21 0,0 1 15,0-1-15,0 0 0,0-21 0,-1 21 16,1-21-16,0 0 31,21-21-31,0 0 0,0 0 16,0-1-16,0 1 0,0 0 15</inkml:trace>
+  <inkml:trace contextRef="#ctx0" brushRef="#br1" timeOffset="25148.13">11578 4106 0,'0'0'0,"0"22"31,21-22-15,0 0-16,22 0 0,-1 0 0,-21 0 16,43 0-16,-22-22 0,0 22 0,22 0 15,-22-21-15,1 21 16,-1-21-16,0 21 0,1 0 0,-1 0 16,-21 0-16,0-21 0,-21 0 46</inkml:trace>
+  <inkml:trace contextRef="#ctx0" brushRef="#br1" timeOffset="29588.19">5990 5376 0,'0'22'16,"0"-44"62,0 1-63,0 0 1,0 0-16,21 21 0,0-21 16,1 21-16,-1-21 0,0 21 15,0 0-15,0-22 16,0 22-16,1 0 0,-1 0 15,0 0-15,0 0 16,0 0 0,-42-21 93,0 21-109,0 0 0,0 0 31,-1 0-31,1 0 16,0 0 0,21 21-16,-21-21 0,0 22 15,21-1-15,0 0 16,-21-21-16,21 21 0,-22 0 0,22 0 15,-21 1-15,21-1 16,0 0-16,0 0 0,0 0 16,0 0-16,0 1 15,0-1-15,0 0 16,21-21 0,1 0-16,-1 0 0,0 0 15,0 0-15,0 0 16,0 0-16,-21-21 0,22 21 15,-1 0-15,-21-21 0,21 21 0,0 0 16,0-22-16,0 1 0,1 21 16,-1 0-16,-21-21 0,21 21 15,0 0-15,-21 21 78,0 0-78,-21-21 16,0 22-16,0-22 16,-1 0-16,22 21 0,-21-21 15,0 0-15,0 21 0,0-21 16,0 0-16,-1 0 0,1 0 16,0 0-16,0 0 15,0 0-15,0 0 0,21-21 16,-22 0-16,1-1 15,21 1-15,0 0 16,0 0-16,0 0 16,0 0-16,0-1 0,0 1 15,0 0-15,0 0 0,0 0 16,21 21-16,1-21 0,-22-1 16,21 22-16,0-21 0,0 0 15,0 0-15,0 21 0,1 0 16,-1-21-16,0 21 0,0 0 0,0 0 15,0 0 1,-42 0 62,0 0-62,0 0-16,0 0 15,0 0-15,-1 0 16,1 0-16,0 21 0,0 0 16,0-21-16,21 21 0,-21 0 15,21 1-15,-22-22 16,22 21-16,-21 0 0,21 0 16,0 0-16,0 0 0,0 1 15,0-1-15,0 0 16,0 0-1,21 0-15,1-21 16,-1 0-16,0 0 16,0 0-16,0 0 0,0 0 15,1 0-15,-1 0 0,0 0 16,0 0-16,0-21 16,0 21-16,-21-21 15,22 21 1,-44 21 15,22 0-15,-21-21-16,0 21 0,0-21 15,21 22-15,-21-22 0,0 0 0,-1 21 16,1-21-16,0 21 16,0-21-16,0 0 0,0 0 15,-1 0 1,1 0-16,0 0 0,21-21 15,-21 21-15,21-21 0,0-1 16,0 1-16,-21 0 0,21 0 16,0 0-16,0 0 0,0-1 15,0 1-15,21 0 0,-21 0 16,21 0-16,0 0 0,0 21 0,1-22 16,-22 1-16,21 21 0,0-21 0,0 21 15,0 0-15,0-21 0,1 21 16,-1 0-16,-21-21 0,21 21 15,0 0 1,-42 0 47,0 0-63,0 0 15,-1 0-15,1 0 16,0 0-16,0 21 15,0 0-15,0-21 0,21 21 16,-22-21-16,1 21 0,21 1 16,-21-22-16,0 21 0,21 0 15,-21 0-15,21 0 0,0 0 16,0 1-16,0-1 0,0 0 0,0 0 16,0 0-16,0 0 15,0 1-15,21-22 16,0 21-16,0-21 0,0 0 15,1 0-15,-1 0 0,0 0 16,0 0-16,0 0 0,0 0 0,1 0 16,-1-21-16,0 21 15,-21-22-15,0 1 16,21 21-16,-21-21 16,0 0-16</inkml:trace>
+  <inkml:trace contextRef="#ctx0" brushRef="#br1" timeOffset="30527.88">13398 4106 0,'0'0'0,"0"-21"0,22 21 0,-22-21 0,0 0 16,0 42 31,0 0-47,-22 22 0,22-22 0,-21 21 15,0-21-15,21 22 0,-21-22 16,21 0-16,-21 21 0,0-21 0,21 1 16,0-1-16,-22 0 0,22 0 0,-21-21 15,21 21-15,0-42 31,0 0-15,0 0-16,0 0 16</inkml:trace>
+  <inkml:trace contextRef="#ctx0" brushRef="#br1" timeOffset="30912.55">13377 3598 0,'0'0'0,"-21"-21"0,0 21 15,0 0-15,0 0 16,-1 0-16,1 0 0,0 21 0,21 1 16,0-1-16,-21 0 0,21 0 0,0 0 15,0 0-15,0 1 16,21-1-16,0-21 0,0 0 0,1 21 16,20-21-16,-21 0 0,0 0 15,22 0-15,-22 0 0,21-21 16,-21 0-16,22 21 0,-22-22 0,21 1 15,-21 0-15,0-21 0,1 21 0,-22-1 16,0-20-16,0 21 0,0 0 16,0-22-16,-22 22 0,1-21 0,-21 21 15,21 0-15,-22 21 0,22 0 16,-21 0-16,21 0 0,-22 0 0,22 0 16,0 21-16,0 0 0,0 0 0,0 21 15,-1-20-15,22 20 0,-21 0 16,21-21-16,0 22 0,0-1 0,0-21 15,0 22-15,21-22 0,1 21 16,-1-21-16,0 0 0,21 1 16,-21-1-16,22 0 0</inkml:trace>
+  <inkml:trace contextRef="#ctx0" brushRef="#br1" timeOffset="31556.45">13906 3916 0,'-21'0'16,"0"21"-16,0-21 0,21 21 16,0 0-16,-21 1 0,21-1 15,-21 0-15,21 0 0,-22 0 16,22 0-16,-21 1 0,21 20 0,0-21 16,0 0-16,0 0 0,0 1 0,0-1 15,-21 0-15,21 0 16,-21-21-1,21-21 1,-21 0-16,21 0 16,0-22-16,0 22 0,0 0 15,0-21-15,0 20 0,0-20 0,0 21 16,21-21-16,0 20 0,-21-20 16,21 21-16,22 0 0,-22 0 15,0 21-15,21-22 0,1 22 0,-22 0 16,21 0-16,0 0 0,-20 0 15,20 22-15,-21-1 0,0 0 0,0 0 16,1 0-16,-1 0 0,-21 1 0,21 20 16,-21-21-16,0 0 0,0 22 15,0-22-15,0 0 0,0 0 0,0 0 16,0 0-16,-21-21 16,0 0-16,21-21 31,0 0-31,0 0 15,0 0-15,0 0 0,0-1 16,0-20-16,21 21 0,0-21 0,0 20 16,0 1-16,0-21 0,22 21 15,-22 21-15,0-21 0,21 21 0,-20 0 16,-1 0-16,0 0 0,0 0 0,0 21 16,0 0-16,1 0 0,-22 0 15,21 22-15,-21-22 0,0 0 0,0 21 16,0-21-16,0 22 0,0-22 0,0 0 15,-21 0-15,21 0 0,-22 1 16,22-1-16,-21-21 0,21 21 16</inkml:trace>
+  <inkml:trace contextRef="#ctx0" brushRef="#br1" timeOffset="31922.23">15049 3704 0,'0'0'0,"-21"0"15,0 0-15,0 0 0,0 0 16,0 0-16,21 21 16,-22-21-16,22 43 0,-21-22 0,21 0 15,0 21-15,0 1 0,0-1 16,0 22-16,0-22 0,0 21 15,0 1-15,0-1 0,0 1 0,-21-1 16,21 1-16,-21 21 0,21-22 0,-21 1 16,21 20-16,-21 1 0,-1 0 15,1-1-15,0 1 0,21 0 0,-21-22 16,0 22-16,0-22 0,-1 1 0,1-1 16,21-20-16,0 20 0,-21-42 0,21 22 15,0-22-15,-21-21 0,21 21 16,0-42-1,0 0-15,0-22 16,0 22-16,0-21 0,0-1 0,21-20 16,0 21-16,-21-22 0,21-21 15</inkml:trace>
+  <inkml:trace contextRef="#ctx0" brushRef="#br1" timeOffset="32019.18">14753 4128 0,'0'-64'0,"0"128"0,0-191 16,0 63-16,0 22 0,0-22 0,0 43 15,0-21-15,0 21 0,21-22 16</inkml:trace>
+  <inkml:trace contextRef="#ctx0" brushRef="#br1" timeOffset="32212.07">15007 3620 0,'64'0'15,"-128"0"-15,170 0 0,-64 0 0,22 0 16,-22 0-16,22 21 0,-22 0 16,0 0-16,-21 0 0,1 0 0,-22 1 15,0 20-15,0-21 0,0 0 0,-43 22 16,22-1-16,-21-21 0,-1 21 15,-20-20-15,21-1 0,-22 21 0,1-21 16,20 0-16,1-21 0,0 22 0,20-22 16,-20 0-16,21 0 0,0 0 15,0 0-15,21-22 16,0-20-16,21 21 16,0 0-16</inkml:trace>
+  <inkml:trace contextRef="#ctx0" brushRef="#br1" timeOffset="32515.89">15938 2540 0,'-42'64'16,"21"-43"-16,0 21 0,0 0 15,-1 22-15,1-22 0,0 22 0,21-1 0,-21 1 16,0 20-16,0-20 16,-1 21-16,1-1 0,0 1 0,0 0 15,0-1-15,0-20 0,-1-1 0,1 1 16,0-1-16,0 1 0,0-22 16,21 0-16,0 1 0,-21-1 0,21-21 15,0 0-15,0 1 0,0-1 0,21-21 16,0 0-1,0 0-15,-21-21 0,21-1 0,0 1 16</inkml:trace>
+  <inkml:trace contextRef="#ctx0" brushRef="#br1" timeOffset="32875.69">15727 3768 0,'0'21'0,"0"0"0,-21 0 16,21 0-16,0 1 15,21-1 1,0-21-16,0 0 16,0 0-16,0 0 0,1 0 0,-1 0 15,0-21-15,21 21 0,-21-22 0,22 22 16,-22-21-16,0 0 0,0 21 16,0-21-16,-21 0 0,22 0 15,-22-1-15,0 1 0,-22 0 16,1 21-16,-21 0 15,21 0-15,0 0 0,-22 0 0,22 21 16,-21-21-16,21 21 0,-1 1 0,1-1 16,0 0-16,0 21 0,0-21 15,21 1-15,-21-1 0,21 21 0,0-21 16,0 0-16,0 1 0,0-1 0,21 0 16,0-21-16,0 0 15,0 0-15,0 0 0,22 0 0,-22 0 16,0 0-16,21-21 0,1 0 15,-1-1-15</inkml:trace>
+  <inkml:trace contextRef="#ctx0" brushRef="#br1" timeOffset="33500.33">16446 3641 0,'-63'21'15,"42"0"1,0 0-16,-1 0 0,1 1 0,21-1 15,-21 0-15,0 0 0,21 21 0,0-20 16,-21-1-16,21 0 0,-21 0 16,21 0-16,0 0 0,0 1 15,0-1-15,0-42 32,0-1-17,0 1-15,0 0 0,0 0 16,0 0-16,21 0 0,-21-1 15,21-20-15,-21 21 0,21-21 0,0 20 16,-21-20-16,21 21 0,1 0 0,-1 0 16,0-1-16,0 1 0,21 0 15,-20 21-15,-1 0 0,0 0 0,0 0 16,0 21-16,0 0 0,1 1 16,-1-1-16,0 0 0,0 0 15,-21 21-15,0-20 0,21-1 0,-21 0 16,0 0-16,0 21 0,0-20 15,0-1-15,0 0 0,0 0 16,-21-21-16,21 21 0,-21 0 16,0-21-16,0 0 0,-1 0 15,22-21 1,0 0-16,0 0 0,0 0 0,0 0 16,0-1-16,22 1 0,-1 0 15,0 0-15,21-21 0,-21 20 0,1 1 16,20 0-16,-21 0 0,0 0 0,22 21 15,-22 0-15,0 0 16,0 0-16,0 0 0,0 21 0,-21 0 16,0 0-16,22 0 0,-22 1 0,0-1 15,0 21-15,0-21 0,0 0 16,0 1-16,0-1 0,-22 21 0,1-21 16,21 0-16,0 1 0,0-1 15,0-42 16</inkml:trace>
+  <inkml:trace contextRef="#ctx0" brushRef="#br1" timeOffset="33903.83">17081 3789 0,'0'21'15,"22"-21"1,-1 0-16,0 0 16,0 0-16,0 0 0,0 0 0,1 0 15,-1-21-15,0 0 0,0 21 0,0-21 16,0 21-16,1-22 16,-22 1-16,0 0 0,0 0 15,-22 21-15,22-21 16,-21 21-16,0 0 0,0 0 15,0 0-15,0 0 0,-22 21 0,22 0 16,0 0-16,0 0 0,0 1 16,21-1-16,0 0 0,-22 0 0,22 0 15,0 0-15,0 1 0,0-1 0,0 0 16,0 0-16,22 0 16,-1-21-16,0 0 0,21 0 15,-21 0-15,1 0 0,-1 0 0,21 0 16,0-21-16,-20 0 0,20 21 15,0-21-15,-21 0 0,22-1 16,-22 1-16,21 0 0,-21 0 0,1 0 16</inkml:trace>
+  <inkml:trace contextRef="#ctx0" brushRef="#br1" timeOffset="34315.58">17611 3747 0,'0'-64'15,"0"128"-15,0-149 0,0 64 0,0 0 16,0 42 0,-22 0-1,22 0-15,-21 0 0,21 0 0,0 1 16,0-1-16,0 0 0,0 0 15,0 21-15,0-20 0,0-1 0,0 0 16,-21 0-16,21 0 0,0 0 16,0 1-1,-21-22-15,21-22 32,0 1-32,0 0 15,0 0-15,0 0 0,0-22 16,0 22-16,21 0 0,-21-21 0,42-1 15,-20 22-15,-1-21 0,0 0 16,21-1-16,-21 22 0,22-21 0,-22 21 16,21-1-16,1 22 0,-22 0 15,21 0-15,-21 0 0,22 0 0,-22 22 16,0-1-16,0 0 0,0 0 0,-21 21 16,0-20-16,0 20 15,0-21-15,0 21 0,0-20 0,0-1 16,0 21-16,-21-21 0,0 0 0,21 1 15,-21-1-15,0-21 0,21 21 16,0 0-16,-22-21 0,1 0 16,21-21 15,0 0-31</inkml:trace>
+  <inkml:trace contextRef="#ctx0" brushRef="#br1" timeOffset="34623.42">18627 2773 0,'-64'63'15,"64"-20"-15,-21-22 0,0 21 16,0 22-16,-1-22 0,1 22 15,0-1-15,0 1 0,0-1 0,0 1 16,-1-1-16,-20 1 0,21-1 16,0 1-16,0-22 0,-22 21 0,22-20 15,0-1-15,0 0 0,21-20 16,-21-1-16,21 21 0,-22-21 16,22 0-16,22-42 31,-1 21-31,0-21 0,21 0 15</inkml:trace>
+  <inkml:trace contextRef="#ctx0" brushRef="#br1" timeOffset="35020.19">18732 3577 0,'0'0'0,"22"-63"31,-22 42-31,-22 21 15,1 0-15,0 0 16,0 0-16,0 0 0,0 21 0,-22 0 16,22 0-16,0 0 0,0 0 0,0 1 15,-1-1-15,22 0 0,0 0 16,0 0-16,0 0 0,22 1 16,-1-22-16,0 0 15,0 21-15,21-21 0,-20 0 16,-1 0-16,0 0 0,0 0 0,21 21 15,-20-21-15,-1 21 16,0-21-16,0 21 0,-21 0 16,0 1-16,0-1 15,-21-21-15,0 21 0,0-21 16,-1 0-16,1 21 0,0-21 0,-21 0 16,21 0-16,-1 0 0,-20 0 0,21 0 15,0 0-15,0 0 0,-1 0 16,1-21-1,21 0-15,0 0 16,0-1-16</inkml:trace>
+  <inkml:trace contextRef="#ctx0" brushRef="#br1" timeOffset="35280.23">18119 3154 0,'0'0'0,"0"-21"16,21 21 0,0-21-16,21 21 0,1 0 0,-1-22 15,21 22-15,-20-21 0,20 21 16,1 0-16,20-21 0,-20 21 0,-1 0 16,1-21-16,-22 21 0,22 0 0,-43 0 15,21 0-15,-21 0 16,1 0-16,-1-21 0,0 21 15,-21-21 1,21 21-16</inkml:trace>
+  <inkml:trace contextRef="#ctx0" brushRef="#br1" timeOffset="35759.79">20278 3281 0,'0'-21'15,"0"0"1,0 42-1,-22-21-15,1 21 0,21 21 16,-21-21-16,0 22 0,21-22 0,-21 21 16,0 1-16,-1-1 0,22 0 0,-21-21 15,21 22-15,-21-22 0,21 21 16,0-21-16,-21 1 0,21-1 0,0 0 16,-21 0-16,21 0 0,0-42 46,0 0-46</inkml:trace>
+  <inkml:trace contextRef="#ctx0" brushRef="#br1" timeOffset="36355.44">20129 3260 0,'0'0'0,"0"-21"0,0-1 16,22 22-16,-22-21 0,0 0 15,21 0-15,0 21 16,0-21-16,0 0 0,0 21 0,1-22 16,20 22-16,-21-21 0,43 21 0,-22 0 15,0 0-15,1 0 0,-1 0 16,21 0-16,-20 0 0,-22 0 0,0 21 16,21 1-16,-42-1 0,0 0 15,0 21-15,0-21 0,0 1 0,-42 20 16,21-21-16,-21 21 0,-1-20 0,1 20 15,-22-21-15,22 0 0,-21 0 16,20 1-16,-20-1 0,20 0 0,1-21 16,21 0-16,-21 21 15,20-21-15,22-21 16,22 0-16,-1 21 16,0-21-16,21-1 0,1 1 15,-1 0-15,0 0 0,22 21 0,-22-21 16,22 21-16,-22-21 0,21 21 15,-20 0-15,20 0 0,-20 21 0,-1 0 16,0 0-16,1 0 0,-1 22 0,0-22 16,-21 21-16,22-21 0,-22 22 15,0-22-15,-21 21 0,0-21 0,0 22 16,0-22-16,-21 0 0,0 0 0,-22 0 16,1 0-16,-21 1 15,-1-1-15,1-21 0,-1 0 0,-21 21 16,22-21-16,-22 0 0,22 0 0,-1 0 15,1 0-15,20 0 0,1-21 16,21 21-16,-21-21 0,42-1 0,-22 22 16,22-21-16,-21 0 0,21 0 15,0 0-15,0 0 16,21 21-16,1 0 0,-1-22 0,21 1 16,-21 21-16,22 0 0,-1-21 15,0 21-15,22 0 0,-1 0 0</inkml:trace>
+  <inkml:trace contextRef="#ctx0" brushRef="#br1" timeOffset="36900.12">21548 3852 0,'0'0'0,"0"22"31,-22-22-31,1 0 15,0 0 1,21-22-16,0 1 16,0 0-16,0 0 0,21 0 15,0 21 1,22-21-16,-22 21 0,0 0 0,21 0 16,-20 0-16,-1 0 0,0 0 0,0 0 15,0 0-15,0 21 0,-21 0 16,0 0-16,0 0 0,0 0 15,0 1-15,0-1 0,-21 0 0,-21 0 16,21 0-16,0 0 0,-22-21 16,22 22-16,-21-1 0,21-21 0,-22 0 15,22 0-15,-21 0 0,21 0 16,-1 0-16,1 0 0,0 0 0,0 0 16,21-21-16,0-1 15,0 1-15,21 0 16,0 0-16,0 0 0,1 0 15,20-1-15,-21 1 0,21 0 0,-20 21 16,20 0-16,-21-21 0,0 21 16,22 0-16,-22 0 0,-21 21 0,21 0 15,-21 0-15,0 1 0,0-1 0,0 0 16,0 21-16,0 1 0,-21-22 16,0 21-16,-1 0 0,1 1 0,-21-22 15,0 21-15,20-21 0,-20 22 16,0-22-16,-1 0 0,22 0 0,-21 0 15,0-21-15,20 0 0,1 0 0,0 0 16,0 0-16,0 0 0</inkml:trace>
+  <inkml:trace contextRef="#ctx0" brushRef="#br1" timeOffset="37340.44">22881 3133 0,'0'0'0,"42"-106"31,-63 85-31,0 21 0,0 0 16,-21 0-16,20 0 0,-20 0 16,0 21-16,-1-21 0,-20 21 0,21 21 15,-1-20-15,1 20 0,0 0 16,-1 1-16,1-1 0,21 21 0,-22-20 16,22-1-16,21 0 0,0 1 15,0-1-15,0-21 0,0 22 16,0-22-16,21 0 0,1 0 0,-1 0 15,21 0-15,22 1 0,-22-1 0,21-21 16,22 0-16,-21 0 0,-1 0 16,22 0-16,-22 0 0,-20 0 0,20 0 15,-42-21-15,22-1 0,-22 22 16,-21-21-16,0 0 0,-21 0 16,-1 21-16,1 0 15</inkml:trace>
+  <inkml:trace contextRef="#ctx0" brushRef="#br0" timeOffset="42752.21">2371 14118 0,'0'-21'15,"0"0"-15,0 0 0,0 0 16,0-1-16,-22 1 15,1 21-15,0 0 0,21-21 16,-21 21-16,0 0 16,0 21-16,21 0 0,0 1 15,-22-1-15,1 21 0,21 0 16,-21 1-16,21-1 0,0 22 16,-21-1-16,21 1 0,-21 20 15,0-20-15,21 20 0,0 1 0,-22 0 16,22-1-16,-21 1 0,0 0 15,21-1-15,0 22 0,-21-21 0,21-22 16,-21 22-16,0 0 0,21-22 16,-22 1-16,22-1 0,0 1 0,-21-1 15,0-20-15,21-1 0,0-21 16,0 21-16,-21-20 0,21-1 0,0 0 16,0-42-1,0 0 1,0-1-16,21-20 0,-21 0 15,21 21-15</inkml:trace>
+  <inkml:trace contextRef="#ctx0" brushRef="#br0" timeOffset="43552.41">2328 13991 0,'21'-21'15,"1"21"-15,-1 0 0,21 0 16,0-21-16,1 21 0,-1 0 16,22-21-16,-1 21 0,22-21 0,-22 21 15,22-22-15,0 22 0,20-21 16,1 21-16,0-21 0,0 0 0,21 21 15,0-21-15,-21 21 0,21-21 16,-21-1-16,-1 22 0,1-21 0,0 21 16,0 0-16,-21 0 0,20 0 15,-41 0-15,21 0 0,-22 0 16,1 0-16,-22 0 0,0 0 0,1 21 16,-22 1-16,21-1 0,-21 0 15,0 0-15,-21 21 0,22-20 0,-1 20 16,-21 0-16,0 1 0,0-1 15,21 0-15,-21 22 0,21-22 0,-21 22 16,21-1-16,0 1 0,-21-22 0,0 21 16,22 1-16,-1-1 0,-21-20 15,21 20-15,0 1 0,0-22 0,-21 22 16,21-1-16,1-21 0,-22 22 16,21-1-16,-21 1 0,21-1 15,-21-20-15,0 20 0,0-20 0,0 20 16,0-21-16,0 22 0,0-22 15,0 1-15,-21-1 0,0 0 0,21 1 16,-22-22-16,1 21 0,21 0 0,0-20 16,-21 20-16,21-21 0,-21 0 15,0 0-15,21 1 0,0-1 0,-21 0 16,-1 0-16,-20-21 0,21 21 16,0 0-16,-22-21 0,1 0 0,0 22 15,-1-22-15,-20 0 0,-1 0 0,-20 0 16,-1 0-16,-21 0 0,22 0 15,-22 0-15,-21 0 0,21 0 16,-21 0-16,0 21 0,0-21 16,0 0-16,0 0 0,0 0 0,0 0 15,0 0-15,21 0 0,-21 0 0,21 0 16,0 0-16,22 0 0,-1 0 16,0 0-16,22 0 0,-1 0 0,1 0 15,21 0-15,-1-21 0,1-1 16,0 22-16,20-21 0,1 21 0,0-21 15,0 0-15,0 0 16,21 0-16,0-1 0,0-20 0,0 21 16,0-21-16,0-1 0,0 1 15,0 0-15</inkml:trace>
+  <inkml:trace contextRef="#ctx0" brushRef="#br0" timeOffset="44451.52">1460 10732 0,'-21'-64'15,"21"43"-15,-21 21 16,21-21-16,-21 0 0,21-1 16,-21 22-1,0 0 1,21 22-16,0-1 0,0 21 15,0-21-15,0 43 0,0-22 16,0 22-16,0-1 0,-22 1 0,1 20 16,21 1-16,-21 0 0,21-1 15,-21 1-15,0 0 0,0-1 0,-1 1 16,1 0-16,21-1 0,-21-20 16,21-1-16,-21 1 0,21-1 0,0-20 15,0 20-15,0-42 0,0 22 16,0-22-16,0 0 0,0 0 0,0-42 47,0 0-47,0 0 0,0-1 15,0-20-15,0 21 0,0-21 0,0-22 16,0 22-16,0-22 0,0 1 16</inkml:trace>
+  <inkml:trace contextRef="#ctx0" brushRef="#br0" timeOffset="45215.79">1439 10541 0,'0'0'0,"-21"-21"0,0 21 0,0 0 16,0-21-16,-1 21 15,22-21 1,22-1-1,20 1-15,-21 21 16,21-21-16,1 21 0,-1-21 0,22 0 16,-1 0-16,1-1 0,-1 1 15,22 0-15,-1 0 0,22 0 0,0 0 16,21-1-16,-21 1 0,21 0 0,-21 0 16,0 21-16,-1-21 0,1 0 15,-21 21-15,-22 0 0,22-22 16,-21 22-16,-22 0 0,0 0 15,1 0-15,-22 0 0,0 0 0,0 22 16,0-22-16,-21 21 0,0 0 0,21 0 16,-21 0-16,22 0 0,-22 1 15,21-1-15,-21 0 0,21 0 0,-21 21 16,0-20-16,21 20 0,0 0 16,0 1-16,-21-22 0,22 21 0,-22 0 15,0 1-15,21-1 0,-21 0 0,21 1 16,-21-1-16,0 0 0,0 1 15,21-1-15,-21 22 0,0-22 16,0 0-16,21 1 0,-21 20 0,21-21 16,1 1-16,-22 20 0,21-20 15,-21-1-15,21 0 0,-21 1 0,0-1 16,21 0-16,-21 1 0,0-22 16,0 21-16,0-21 0,0 22 0,0-22 15,0 21-15,-21-21 0,0 22 0,0-22 16,-1 0-16,-20 0 0,21 21 15,-21-20-15,-1-1 0,1 0 0,0 0 16,-22 0-16,22 0 0,-22 1 0,1-22 16,-22 21-16,0 0 15,1 0-15,-22 0 0,0 0 0,-21-21 16,0 22-16,-21-1 0,21 0 16,-21-21-16,0 21 0,-1-21 0,22 0 15,0 0-15,22 21 0,-1-21 16,0 0-16,42 0 0,-20 0 0,20 0 15,22 0-15,0 0 0,-1 0 16,22 0-16,0 0 0,0 0 0,0 0 16,21-21-1,21 21-15,0-21 16,21 0-16,1 0 16,-1-22-16,21 22 0,1-21 0,21-22 15</inkml:trace>
+  <inkml:trace contextRef="#ctx0" brushRef="#br0" timeOffset="45671.53">4847 10202 0,'0'0'0,"0"-21"0,0 0 15,0 0-15,0 0 16,-21 21 0,0 0-1,21 21-15,-21 0 0,21 0 16,0 22-16,0-1 0,0 0 0,-22 22 15,22-1-15,-21 22 0,0-22 0,0 22 16,21-21-16,-21 20 0,0 1 16,-1 0-16,1-22 0,0 22 15,0-1-15,0 1 0,0-21 0,-1-1 16,1 1-16,0-1 0,0-21 16,0 1-16,21-1 0,0-21 0,0 22 15,0-22-15,0 0 0,0 0 0,21-21 31,0 0-31,-21-21 16,21 0-16,0 0 0,1-1 0,-1-20 16,0 0-16,0-1 0,-21 1 15</inkml:trace>
+  <inkml:trace contextRef="#ctx0" brushRef="#br0" timeOffset="46615.81">4784 10266 0,'0'0'16,"-22"-42"-16,22 20 0,-21 22 0,21-21 0,0 0 16,0 0-1,21 21-15,1 0 16,-1 0-16,0-21 0,21 21 0,1 0 16,-1-21-16,21-1 0,1 22 15,-1-21-15,22 21 0,0-21 0,-1 0 16,22 21-16,0-21 0,21 0 0,-21 21 15,0-22-15,0 1 16,-1 21-16,-20-21 0,0 21 0,-1 0 16,1-21-16,-21 21 0,-1 0 0,-21 0 15,1 0-15,-22 0 0,21 0 16,-21 0-16,1 0 0,-1 0 16,0 21-16,-21 0 0,0 0 15,0 1-15,21 20 16,-21-21-16,21 0 0,-21 0 0,0 22 15,0-22-15,21 21 0,-21-21 16,0 22-16,22-1 0,-22 22 0,0-22 16,0 0-16,0 22 0,0-22 0,0 22 15,0-22-15,0 21 16,0-20-16,0 20 0,0-20 0,0 20 16,0 1-16,0-22 0,0 21 0,0-20 15,0 20-15,0 1 0,0-22 16,21 0-16,-21 1 0,0 20 0,0-42 15,0 22-15,0-1 0,0 0 0,0-20 16,0-1-16,0 0 0,-21 21 0,-1-42 16,1 21-16,0 1 0,0-1 15,0 0-15,0-21 0,-22 21 0,22-21 16,-21 0-16,-1 0 0,1 21 0,0-21 16,-1 0-16,1 0 0,-21 0 15,20 0-15,-20 0 0,-22 0 16,22 0-16,-22 0 0,0 0 0,-21 0 15,1 0-15,20 0 0,-21 0 16,0-21-16,22 21 0,-22 0 0,21 0 16,22 0-16,-22 0 0,21 0 0,1 0 15,21 0-15,-22 0 0,22 0 16,-1 0-16,1 0 0,0 0 0,21 0 16,-22 0-16,22 0 0,0 21 0,0-21 15,0 0-15,-1 0 0,1 0 16,42 0 62,1 0-62,-1 0 77,0 0-77,0 0-16,0 0 16,0 0-16,1 0 0,20-21 0,-21 0 15,21 0-15,1 0 0,-1-1 16,0 1-16,1 0 0</inkml:trace>
+  <inkml:trace contextRef="#ctx0" brushRef="#br0" timeOffset="47319.41">8382 10118 0,'-21'-21'0,"42"42"0,-63-42 0,20-1 16,22 1-16,-21 0 0,0 0 16,21 0-16,-21 21 0,21-21 15,0-1-15,-21 22 16,21 22 0,-21 20-16,21-21 15,0 21-15,0 1 0,-22-1 0,22 22 16,0-1-16,0 1 0,-21 20 15,21 1-15,-21-22 0,21 22 0,0 0 16,-21-22-16,0 22 0,0-22 16,21 22-16,0-21 0,-22-1 0,1 1 15,0-1-15,21 1 0,-21-22 0,21 21 16,0-20-16,-21-22 0,0 21 0,21-21 16,-22 22-16,22-22 15,0 0-15,-21 0 0,0-21 16,21-21 15,0 0-31,0 0 0,0 0 0,0-1 16,0 1-16,0-21 0,0 0 0,21-1 15,0 1-15,1-22 0,-1 1 16,0-1-16,0 1 0</inkml:trace>
+  <inkml:trace contextRef="#ctx0" brushRef="#br0" timeOffset="48391.51">8276 10160 0,'0'-21'0,"0"42"0,-21-42 0,0 21 0,21-21 16,0 0 0,0-1-16,0 1 15,21 21 1,0 0-16,-21-21 0,21 21 0,0 0 15,22-21-15,-22 0 0,21 21 16,-21 0-16,22-21 0,-1 21 0,22-22 16,-1 22-16,1-21 0,-1 21 15,22-21-15,-1 21 0,-20-21 16,21 0-16,-1 21 0,1-21 0,21-1 16,-22 22-16,1-21 0,0 21 15,-1-21-15,1 21 0,0-21 0,-22 21 16,1 0-16,-1 0 0,1 0 0,-22-21 15,0 21-15,1 0 0,-1 0 16,-21 0-16,0 0 0,1 0 0,-1 0 16,0 0-16,0 0 0,0 21 15,0-21-15,1 0 0,-1 21 16,0-21-16,0 21 0,0-21 0,0 0 16,-21 21-16,22-21 0,-1 22 15,0-22-15,0 21 0,0-21 16,-21 21-16,21 0 15,-21 0-15,0 0 0,0 1 16,0-1-16,0 0 0,0 0 0,0 0 16,0 0-16,0 1 0,0-1 15,0 21-15,0-21 0,0 22 0,0-1 16,0-21-16,-21 21 0,21 22 0,0-22 16,0 1-16,0-1 0,0 21 15,0-20-15,0-1 0,0 0 0,-21 22 16,21-22-16,0 1 0,-21-1 15,21 0-15,0 1 0,0-1 16,0 0-16,-21 1 0,21-1 0,-21 0 0,21 1 16,-22-1-16,22-21 0,0 21 15,-21-20-15,0 20 0,21-21 16,-21 0-16,0 0 0,0 1 0,-1-1 16,22 0-16,-42 0 0,21 0 0,0 0 15,0-21-15,-1 22 0,-20-1 16,21-21-16,-21 21 0,-1-21 0,1 21 15,0-21-15,-1 0 0,1 0 0,-22 21 16,22-21-16,-21 21 0,-1-21 16,1 0-16,20 0 0,-20 22 15,-1-22-15,22 0 0,-22 0 0,1 0 16,-1 0-16,22 0 0,-21 0 16,-22 0-16,21 0 0,1 0 0,-1 0 15,-20 0-15,20 0 0,1 0 0,-22 0 16,22 0-16,-1 0 0,1 0 15,-1-22-15,1 22 0,20 0 0,1 0 16,0 0-16,-1 0 0,22 0 0,0 0 16,0 0-16,0 0 0,-1 0 31,1 0 0,21-21-15,-21 21 62,0 0-78,0 0 16,0 0 15,21-21-16,0 0 1</inkml:trace>
+  <inkml:trace contextRef="#ctx0" brushRef="#br0" timeOffset="48584.4">8022 11705 0,'0'0'16,"-21"0"-16,0 0 15,21 21-15,-21-21 63,-1 0-47</inkml:trace>
+  <inkml:trace contextRef="#ctx0" brushRef="#br0" timeOffset="49423.65">2857 12277 0,'0'0'0,"-21"0"0,0 0 0,0 0 16,0 0 0,0 0-16,21 21 62,0 0-62,0 21 16,21-20-16,0 20 0,0 0 15,0 22-15,0-22 0,1 22 16,-1-1-16,0 22 0,0-22 0,0 22 16,0-22-16,1 1 0,20 21 15,-21-22-15,0 1 0,0 20 0,1-20 16,-1-1-16,0 22 0,0-22 16,0 1-16,0-1 0,1 1 0,-22-1 15,21-20-15,0-1 0,-21 0 0,21 1 16,-21-22-16,0 21 15,21-21-15,-21 1 0,21-22 16,1 0-16,-22-22 16,21-20-16,0 21 15,0-21-15</inkml:trace>
+  <inkml:trace contextRef="#ctx0" brushRef="#br0" timeOffset="49943.35">5546 12065 0,'0'-21'16,"0"42"-16,0-63 0,0 21 0,21-1 15,-21 1 1,0 0-16,0 42 47,0 0-47,0 1 15,-21-1-15,21 21 0,-22 0 0,1 1 16,0-1-16,0 22 0,0-22 16,-22 21-16,22 1 0,-21-1 0,0 1 15,-1-1-15,1 22 0,0-21 16,-1 20-16,-20-20 0,20 20 0,1-20 16,-21-1-16,20 1 0,22-1 0,-21 1 15,-1-22-15,22 22 0,0-22 16,0 22-16,-21-22 0,42 0 0,-22-21 15,22 22-15,-21-22 0,21 0 16,0 0-16,0 0 0,0-42 31,0-21-31,21 21 0,1-22 0,-1 1 16,0 0-16</inkml:trace>
+  <inkml:trace contextRef="#ctx0" brushRef="#br0" timeOffset="50623.96">8742 11811 0,'0'-21'0,"0"42"0,21-42 15,0 21-15,-42 0 32,0 0-17,0 21-15,-22 0 0,1 0 16,0 22-16,-1-1 0,1 0 0,-22 1 15,22-1-15,-21 22 0,-22-1 0,21 1 16,-20-22-16,-1 21 16,-21 1-16,22-1 0,-22 1 0,0-1 15,-21 1-15,21-1 0,-21 1 0,0-1 16,21 1-16,-21 21 0,0-22 16,21 1-16,1-1 0,20 1 0,-21-1 15,21 1-15,22-1 0,-22 1 0,22-1 16,-1-21-16,1 22 0,-1-22 15,22 1-15,-22-1 0,22-21 0,0 21 16,-1-20-16,1-1 0,21 0 16,0 0-16,-22-21 0,43 21 0,-21-21 15,0 0-15,0 0 0,21-21 32,0 0-1,0 0-31,0 0 15</inkml:trace>
+  <inkml:trace contextRef="#ctx0" brushRef="#br1" timeOffset="56980.07">3450 14838 0,'-21'0'16,"21"-21"-16,-21 21 15,0 0-15,21-21 0,-22 21 16,1 0-16,0 0 0,21-22 15,-21 22-15,0 0 16,21 22 0,-21-1-16,21 0 0,0 21 15,0-21-15,-22 22 0,22 20 16,-21-20-16,21 20 0,-21-21 16,0 22-16,21-1 0,-21 1 0,0-1 15,-1 1-15,22-22 0,-21 22 16,0-22-16,0 0 0,0 1 0,21-1 15,0 0-15,-21-20 0,21-1 16,-22 0-16,22 0 0,0 0 0,0-42 31,0 0-31,0 0 0,22 0 16,-1-1-16,0-20 0,-21 0 0,21-1 16,0 1-16,0-21 0,1 20 15,-1-20-15,0-1 0,0 1 0,0-1 16,0 22-16,1-22 15,-22 22-15,21-21 0,-21 20 0,21 22 16,-21-21-16,0 21 0,0-1 16,21 1-16,-21 0 0,21 0 0,0 0 15,1 21-15,-1 0 0,0 0 16,0 0-16,0 0 0,0 21 16,22 0-16,-22 0 0,0 0 0,0 22 15,0-22-15,1 21 0,-1 1 16,0-1-16,-21 0 0,0 1 15,0-1-15,0 0 0,0 1 16,0-1-16,0 0 0,0-21 0,-21 22 16,0-22-16,21 21 0,-22-21 0,22 1 15,0-1-15,0 0 16,0 0 0,0-42-1</inkml:trace>
+  <inkml:trace contextRef="#ctx0" brushRef="#br1" timeOffset="57203.98">3196 15431 0,'42'-22'31,"-20"22"-31,20-21 0,-21 21 0,21 0 16,-20-21-16,20 21 0,-21-21 16,21 21-16,1-21 0,-22 0 0,21 21 15,1-22-15,-1 1 0,-21 0 0,21 0 16,1 0-16,-1 0 0,22-1 16</inkml:trace>
+  <inkml:trace contextRef="#ctx0" brushRef="#br1" timeOffset="57619.74">5376 14266 0,'0'-21'0,"-42"-21"31,21 21-31,0 21 0,-1 0 16,1 0-16,0 0 0,0 0 15,0 0-15,0 0 0,-1 0 0,-20 21 16,21 0-16,-21 0 0,20 22 0,-20-22 15,0 21-15,21 0 0,-22-20 16,22 20-16,0 0 0,0 1 0,21-22 16,0 21-16,0-21 15,0 0-15,0 22 0,0-22 0,21-21 16,0 21-16,0 0 0,0-21 0,1 0 16,20 0-16,-21 0 0,21 0 15,-20 0-15,20 0 0,0 0 0,-21 0 16,22-21-16,-1 0 0,0 0 0</inkml:trace>
+  <inkml:trace contextRef="#ctx0" brushRef="#br1" timeOffset="58199.58">5270 14097 0,'0'0'0,"-84"-63"31,63 63-31,-1 0 0,-20 0 16,0 0-16,21 21 0,-22 0 16,22-21-16,-21 21 0,-1 0 15,1 0-15,21 1 0,-21 20 0,-1 0 16,1 1-16,21-1 0,-22 0 15,22 1-15,-21-1 0,21 0 0,0 22 16,-1-22-16,1 0 0,21 1 16,0-1-16,0-21 0,0 22 0,0-22 15,21 21-15,1-21 0,-1 0 16,21 1-16,0-1 0,-20 0 0,41 0 16,-21-21-16,22 21 0,-22 0 0,22-21 15,-1 0-15,-20 0 0,20 0 16,-21 0-16,22 0 0,-1 0 0,-20-21 15,20 21-15,-20-21 0,-1 0 0,21 0 16,-20 0-16,-22-1 0,21-20 16,-21 21-16,22-21 0,-22-1 15,-21-20-15,0 20 0,0-20 0,0-1 16,0 1-16,0-1 0,-21 1 16,0 21-16,-22-22 0,1 22 0,0-1 15,-22 1-15,1 21 0,20 0 16,-20 0-16,-1-1 0,1 22 0,-1 0 15,22 0-15,-22 0 0,1 0 0,21 22 16,-1-1-16,-20-21 0,20 21 16,1 0-16,0 0 0,21 0 0,-1 1 15,-20-1-15,21-21 0,0 21 0,21 0 16</inkml:trace>
+  <inkml:trace contextRef="#ctx0" brushRef="#br1" timeOffset="59759.27">1757 11303 0,'-21'0'0,"-1"0"15,22 21-15,0 0 16,0 1-16,-21-1 0,21 21 0,0-21 15,0 22-15,0-1 0,0 0 0,0 1 16,-21 20-16,21-21 0,0 1 16,0-1-16,0-21 0,-21 22 0,21-1 15,0-21-15,0 21 0,0-20 16,0-1-16,0 0 0,-21-21 0,21 21 16,0-42 15,0 0-31,0 0 15,0-22-15,0 22 0,0 0 0</inkml:trace>
+  <inkml:trace contextRef="#ctx0" brushRef="#br1" timeOffset="59951.16">1672 11345 0</inkml:trace>
+  <inkml:trace contextRef="#ctx0" brushRef="#br1" timeOffset="60747.71">1672 11345 0,'0'-21'47,"-21"21"-32,21-21 17,0 0-1,0 0-31,0 0 15,21 21-15,-21-22 0,21 22 16,0-21-16,1 0 0,-1 21 0,0-21 16,0 0-16,0 21 0,0-21 15,1-1-15,20 22 0,-21 0 0,21-21 16,-20 21-16,-1 0 0,0 0 0,0 21 16,0 1-16,0 20 0,-21-21 15,0 21-15,0 1 0,0-22 0,-21 21 16,-21 22-16,21-22 0,-22 0 15,1 1-15,0-1 0,-1-21 16,-20 22-16,21-1 0,-1-21 16,1 0-16,21 0 0,0 1 0,-1-22 15,1 0-15,21-22 32,21 1-32,1 0 15,-1 0-15,21 21 0,-21-21 16,0 0-16,22-1 0,-22 22 0,21-21 15,1 21-15,-22 0 0,21 0 16,0 0-16,1 0 0,-1 0 0,0 0 16,-20 0-16,20 0 0,0 21 0,-21 1 15,22-22-15,-22 21 16,21 0-16,-21 0 0,1-21 0,-22 21 16,0 0-16,0 22 0,0-22 15,-22 0-15,1 0 0,0 0 0,-21 22 16,-1-22-16,1 0 0,0 21 0,-1-20 15,1-1-15,0 0 0,-1 0 16,1 0-16,0-21 0,-1 21 0,1-21 16,0 0-16,-1 0 0,22 0 15,-21 0-15,21 0 0,-22 0 0,22 0 16,0-21-16,21 0 16,-21 0-16,21 0 0,0 0 15,0-22-15,21 22 16,-21 0-16,21 0 0,0 0 0,1-22 15</inkml:trace>
+  <inkml:trace contextRef="#ctx0" brushRef="#br1" timeOffset="61143.57">3090 10329 0,'0'22'0,"0"-44"0,0 1 15,-21 21-15,0 0 0,0 0 16,0 0-16,-22 0 0,22 21 15,0 1-15,-21-1 0,20 0 16,1 0-16,0 0 0,0 22 0,0-22 0,21 0 16,0 21-16,0-21 15,0 22-15,0-22 0,0 0 0,0 0 16,0 0-16,21 1 0,0-1 16,0-21-16,0 21 0,1-21 0,-1 0 15,0 0-15,0 0 0,0 0 16,0 0-16,1 0 0,-1 0 15,0-21-15,0 0 0,0-1 0,0 1 16,1 0-16</inkml:trace>
+  <inkml:trace contextRef="#ctx0" brushRef="#br1" timeOffset="61703.25">3154 10097 0,'0'0'0,"-43"0"0,-62-22 32,62 22-32,22 0 0,0 0 15,-21 0-15,20 0 0,-20 22 0,21-1 16,-21 0-16,20 0 0,-20 0 16,21 22-16,0-1 0,-22-21 15,22 43-15,0-22 0,0 0 0,0 64 16,21-64-16,0 1 0,0-1 15,0 0-15,0 1 0,0-1 16,21-21-16,0 22 0,0-22 16,0 0-16,22 0 0,-22 0 0,21 0 15,1 1-15,-1-22 0,0 21 0,1-21 16,-1 0-16,0 0 0,1 0 16,-1 0-16,0 0 0,1 0 0,-1-21 15,0 21-15,1-22 0,-22 1 0,21 0 16,0 0-16,-20 0 0,-1 0 15,21-22-15,-21 22 0,0-21 16,-21-1-16,0 1 0,0 0 0,0-1 0,0 1 16,0-21-16,0 20 0,-21 1 15,0-22-15,-21 22 0,21 0 16,-1-1-16,-20 1 0,21 21 0,-21 0 16,-1 0-16,1-1 0,0 1 15,-1 0-15,1 21 0,21 0 0,-22 0 16,1 0-16,0 0 0,21 0 15,-22 0-15,1 0 0,21 21 0,-22 0 16,1 1-16,0-1 0,-1-21 0,1 21 16,0 0-16,21 0 0,-22 0 15,22 1-15,0-1 0,0 0 0,0 0 16,21 0-16</inkml:trace>
+  <inkml:trace contextRef="#ctx0" brushRef="#br1" timeOffset="62947.24">5503 10880 0,'21'0'16</inkml:trace>
+  <inkml:trace contextRef="#ctx0" brushRef="#br1" timeOffset="63651.85">5567 10859 0,'0'-22'47,"0"1"-32,0 0-15,0 0 16,0 0-1,-21 0-15,-1 21 16,1 0-16,0 0 16,0 0-16,-21 0 0,20 21 15,-20 0-15,0-21 0,21 21 0,-22 0 16,1 0-16,21 1 0,-22 20 0,1-21 16,21 21-16,-21-20 0,20 20 15,-20 0-15,21 1 0,0-1 0,0 0 16,-1 1-16,22-1 0,0 0 0,0 1 15,0-1-15,0 0 0,22-21 16,20 1-16,-21-1 0,21 0 16,1 0-16,-1 0 0,22-21 0,-22 0 0,21 0 15,1 0-15,-1 0 0,-20 0 16,20 0-16,1 0 0,-22 0 16,22 0-16,-22-21 0,-21 0 0,21 21 15,-20-21-15,-1 0 0,0-1 16,0 1-16,0 21 0,0-42 0,-21 21 15,0 0-15,22-22 0,-1 22 0,-21-21 16,21-1-16,-21 22 0,21-21 0</inkml:trace>
+  <inkml:trace contextRef="#ctx0" brushRef="#br1" timeOffset="64091.68">6435 10033 0,'0'0'0,"0"-21"0,0 0 16,21 21-16,-21 21 31,0 0-15,-21 0-16,-1 0 0,22 1 16,0-1-16,0 0 0,-21 0 0,21 21 15,-21-20-15,21-1 0,0 21 0,0-21 16,0 22-16,0-22 0,0 0 15,0 0-15,-21 0 0,21 0 0,0 1 16,0-1-16,0 0 0,0 0 16,0-42 31,0 0-47,0 0 15</inkml:trace>
+  <inkml:trace contextRef="#ctx0" brushRef="#br1" timeOffset="64348.53">6244 10520 0,'0'0'16,"-21"21"-16,21 0 0,0 0 16,0 1-1,21-22 1,0 0-16,0 0 0,1 0 15,-1 0-15,0 0 0,0 0 0,0 0 16,0 0-16,1-22 0,20 22 0,-21-21 16,0 21-16,0-21 0,1 0 15,-1 21-15,0-21 0,0 21 0,0-21 16,-21-1-16,0 1 0,0 0 16,0 0-16,0 0 0,0 0 15</inkml:trace>
+  <inkml:trace contextRef="#ctx0" brushRef="#br1" timeOffset="64603.38">6202 10075 0,'0'0'0,"-21"0"16,42 0-1,-21-21 1,21 21-16,0 0 0,0 0 0,0-21 16,1 21-16,-1 0 0,0-21 0,0 21 15,21-21-15,-20 21 16,-1 0-16,0 0 0,-21-21 0,21 21 16,0 0-16,-21-22 0,21 22 0,-21-21 15,0 0-15</inkml:trace>
+  <inkml:trace contextRef="#ctx0" brushRef="#br1" timeOffset="65228.03">6498 9567 0,'-21'0'0,"42"0"0,-63 0 16,21 0-16,-1 0 0,-20 0 15,21 22-15,0-1 0,0-21 0,-22 42 16,22-21-16,0 0 0,0 1 0,-22 20 16,22-21-16,0 21 0,0 1 15,0-1-15,0-21 0,-1 22 0,1-1 16,0 0-16,21 1 0,0-1 0,0-21 15,0 21-15,0 1 0,0-1 16,0 0-16,0 1 0,21-1 16,0 0-16,1 1 0,-1-22 0,0 21 15,0-21-15,0 1 0,22-1 16,-22 0-16,0 0 0,21 0 0,-21-21 16,22 0-16,-22 0 0,21 0 0,1 0 15,-22 0-15,21 0 0,0 0 16,1-21-16,-1 0 0,22 21 0,-22-21 15,0-22-15,1 22 0,-1 0 0,0-21 16,1 21-16,-1-22 16,-21 1-16,0 0 0,22-1 0,-22 1 0,-21 0 15,0-22-15,0 22 0,0-1 0,0 1 16,0-21-16,0 20 16,-21 1-16,-22-22 0,22 22 0,-21 0 15,-1-1-15,-20 1 0,21 0 0,-22-1 16,22 22-16,-22 0 0,22 0 15,-22 0-15,22 21 0,0 0 0,-1 0 16,22 0-16,-21 0 0,0 0 0,20 0 16,-20 0-16,21 21 0,0 21 15,0-21-15,-22 1 0,22 20 0,0-21 16,21 21-16,0 1 0,-21-22 16,21 21-16,0-21 0,0 22 0,0-22 15,0 0-15,21 0 0</inkml:trace>
+  <inkml:trace contextRef="#ctx0" brushRef="#br1" timeOffset="65967.64">8848 10562 0,'0'0'0,"0"-21"0,-22 21 16,22 21-1,0 0 1,0 1-16,0 20 0,-21-21 0,21 21 16,0 1-16,0-22 0,0 21 15,0 1-15,0-1 0,0 0 0,0 1 16,0-22-16,0 21 0,0 0 15,0-20-15,0-1 0,0 21 0,0-21 16,0 0-16,0 1 0,0-1 16,0 0-16,21-21 47,-21-21-47,22 0 0,-22-1 15</inkml:trace>
+  <inkml:trace contextRef="#ctx0" brushRef="#br1" timeOffset="66385.14">8657 10795 0,'0'0'0,"-21"-21"0,0 21 16,0-64 0,21 43-1,0 0-15,21 0 0,0 0 16,0 21-16,0-21 0,22-1 0,-22 22 15,21 0-15,0-21 0,1 21 16,-1 0-16,0 0 0,22 0 0,-22 0 16,22 21-16,-22 1 0,22-1 0,-22 0 15,0 0-15,1 0 0,-1 0 16,-21 22-16,21-22 0,-20 21 0,-1-21 16,-21 22-16,0-22 0,0 21 0,0-21 15,0 22-15,0-22 16,-21 21-16,-1-21 0,1 22 0,0-22 15,-21 21-15,-1-21 0,1 22 0,-21-22 16,20 0-16,-20 0 0,-1 0 0,1 1 16,20-1-16,-20 0 0,21 0 15,-22 0-15,22-21 0,-1 21 0,22 1 16,0-22-16,-21 0 0,42 21 0,-21-21 16,-1 0-16,22-21 15,0-1 1,0 1-16,22 0 0,-1 0 0,0 0 15,0 0-15,0-22 0</inkml:trace>
+  <inkml:trace contextRef="#ctx0" brushRef="#br1" timeOffset="66731.25">10160 10012 0,'21'-21'16,"-42"42"-16,42-63 0,-21 20 0,0 44 47,0-1-47,0 0 0,-21 0 0,21 0 15,0 0-15,0 22 0,-21-22 0,21 0 16,-21 21-16,21-20 0,0-1 16,-22 21-16,22-21 0,0 0 0,0 1 15,0-1-15,0 0 0,0 0 16,0 0-16,22-21 16,-1 0-16,0 0 15,-21-21 1</inkml:trace>
+  <inkml:trace contextRef="#ctx0" brushRef="#br1" timeOffset="66952.14">9906 10435 0,'0'0'0,"0"21"0,-21-21 16,21 22-16,-21-1 16,21 0-16,21-21 15,0 0 1,0 0-16,0 0 0,22 0 0,-22 0 15,0 0-15,21 0 0,-21 0 0,1 0 16,-1 0-16,21 0 0,-21 0 16,0 0-16,1-21 0,-1 21 0,0-21 15,0 21-15,-21-22 0,0 1 16,21 21-16,-21-21 0,0 0 0,0 0 16</inkml:trace>
+  <inkml:trace contextRef="#ctx0" brushRef="#br1" timeOffset="67155.84">10033 10075 0,'0'0'0,"21"0"32,0 0-17,0 0-15,1 0 0,-1 0 16,0-21-16,0 21 15,0-21-15,22 21 0,-22 0 0,0-21 16,0 21-16,0-21 0,0 21 0,1-21 16</inkml:trace>
+  <inkml:trace contextRef="#ctx0" brushRef="#br1" timeOffset="67623.58">10456 9694 0,'-21'-21'0,"42"42"0,-63-42 15,0 21-15,20 0 0,1 0 16,-21 0-16,21 0 0,0-21 0,-22 21 16,22 0-16,-21 0 0,21 0 0,-22 21 15,22 0-15,-21 1 0,21-1 16,-1 0-16,-20 0 0,21 21 0,-21 1 16,20-1-16,-20 0 0,21 1 0,-21-1 15,20 22-15,1-22 0,0 0 16,21 22-16,0-22 0,0 22 15,0-22-15,21 0 0,0 1 0,22-1 16,-22 0-16,21-21 0,1 1 0,20-1 0,1 0 16,-22 0-16,21 0 15,1-21-15,-1 0 0,1 0 0,-1 0 16,-20 0-16,20-21 0,-20 0 0,20 0 16,-21-22-16,-20 22 0,20-21 15,-21 0-15,0-1 0,0 1 0,-21 0 16,0-22-16,0 22 0,0-22 0,0 22 15,-21-22-15,0 22 0,-21 0 16,21-1-16,-22 1 0,-20 0 0,20-1 16,-20 22-16,21 0 0,-22 0 15,22 0-15,-22 21 0,22 0 16,0 0-16,-1 0 0,22 0 0,-21 0 16,21 21-16,-1-21 0,1 21 0,0 0 15,0 0-15,21 1 0,-21-1 16,21 0-16,0 0 0,0 0 15</inkml:trace>
+  <inkml:trace contextRef="#ctx0" brushRef="#br1" timeOffset="73128.09">14287 9589 0,'0'-22'0,"0"1"16,0 0 0,0 0-16,0 0 0,0 0 15,0-1-15,0 1 16,-21 21-16,21-21 16,-21 21-16,0 0 0,0 21 15,0 0 1,21 22-16,-22-1 0,1 0 0,0 22 15,21-1-15,-21-20 0,0 20 0,21 1 16,-21-1-16,-1-20 0,22 20 16,-21-21-16,0 1 0,21-1 0,-21 0 15,21-20-15,-21 20 0,21-21 0,-21 0 16,21 0-16,0 1 16,0-44-1,0 1-15,0 0 16,0 0-16,0 0 0,0 0 0,0-1 15,21-20-15</inkml:trace>
+  <inkml:trace contextRef="#ctx0" brushRef="#br1" timeOffset="73403.91">14055 9610 0,'0'0'0,"0"-21"0,0-1 0,0 1 16,0 0-16,0 0 0,0 0 15,21 21-15,0-21 0,0 21 16,0 0-16,0-22 0,1 22 0,20-21 15,-21 21-15,21 0 0,1 0 0,20 21 16,-20 1-16,-1-1 0,0 21 16,1 0-16,-1 1 0,-21-1 0,21 22 15,-42-22-15,0 21 0,0-20 0,0-1 16,0 0-16,0 22 0,0-22 16,-21-21-16,-21 22 0,21-1 0,0-21 15,-1 22-15,1-22 0,0 0 0,0 0 16,0-21-16,21 21 0,-21-21 15,21-21 17</inkml:trace>
+  <inkml:trace contextRef="#ctx0" brushRef="#br1" timeOffset="73600.17">13970 9991 0,'0'0'0,"21"0"31,0 0-31,22 0 0,-22-21 0,0 21 16,21 0-16,1 0 0,-22 0 15,21-22-15,0 22 0,1-21 0,-22 21 16,21 0-16,-21 0 0,1 0 16,-1 0-16,-21-21 0,21 21 15,0-21-15</inkml:trace>
+  <inkml:trace contextRef="#ctx0" brushRef="#br1" timeOffset="74024.97">15536 10181 0,'21'21'15,"1"-21"-15,-1 0 16,0-21-16,0 0 0,0 21 16,0-21-16,1 0 0,20 0 0,-21-1 15,0-20-15,22 21 0,-22-21 0,21 20 16,-21-20-16,0 0 0,1 21 16,-1-22-16,-21 1 0,0 21 0,0-22 15,0 22-15,-21 0 0,-1 21 0,1 0 16,0 0-16,-21 0 15,21 0-15,-1 21 0,1 0 0,0 1 0,0-1 16,0 21-16,21-21 0,-21 22 16,21-22-16,0 21 0,0-21 0,0 22 15,0-22-15,0 0 0,21 0 16,0 0-16,-21 0 0,21 1 0,0-22 16,22 21-16,-22-21 0,0 0 0,21 0 15,-21 0-15,22 0 0,-22 0 16,21 0-16,-21-21 0,22 21 0,-22-22 15,0 1-15,0 0 0,0 0 0,1 0 16,-1 0-16,0-1 0</inkml:trace>
+  <inkml:trace contextRef="#ctx0" brushRef="#br1" timeOffset="74481.17">16298 9758 0,'0'-42'0,"-42"211"0,84-296 0,-42 63 16,0 22-16,0 21 0,21 0 0,1 0 16,-22-1-16,21 22 0,0-21 15,0 21-15,0 0 0,0 0 0,1 0 16,-1 21-16,21 1 0,-21-1 0,0 0 15,1 0-15,-1 0 0,0 22 16,0-22-16,0 21 0,-21 0 0,0-20 16,0 20-16,0-21 0,0 21 0,0-20 15,-21-1-15,0 21 0,0-21 16,0-21-16,-1 21 0,1 1 16,0-22-16,0 0 0,21 21 0,0-42 31,21-1-16,0 1-15,0 0 0,1-21 0,-1 21 16,0-22-16,21 1 0,-21 0 0,1-1 16,-1 1-16,0 0 0,0-1 0,0 22 15,0-21-15,1 21 0,-22-1 16,0 44 0,0-1-16,-22 21 15,1-21-15,0 22 0,21-22 16,-21 21-16,0 0 0,21 1 0,-21-22 15,21 21-15,0-21 0,0 22 0,0-22 16,0 0-16,0 0 16,0 0-16,21-21 0,0 22 0,0-22 15,0 0-15,22 0 0,-22 0 0,21 0 16,-21 0-16,22 0 0,-1-22 0,-21 1 16,21 0-16,1 0 0,20-21 15,-20-1-15,-1 1 0,0 0 0</inkml:trace>
+  <inkml:trace contextRef="#ctx0" brushRef="#br1" timeOffset="74704.06">17526 9292 0,'0'0'0,"0"-21"0,0-21 0,0 21 0,0-1 0,0 1 15,-21 21-15,0 0 16,-1 21-16,22 1 0,-21-1 16,0 21-16,0-21 0,21 22 0,0-1 15,-21 21-15,0-20 0,-1 20 0,22-20 16,0 20-16,-21 1 0,21-22 15,0 0-15,-21 1 0,21-1 0,0-21 16,0 21-16,0-20 0,0-1 0,0 0 16,21 0-16,0-21 0,1 0 15,-1 0-15,0 0 0,0 0 16,-21-21-16,21 21 0,0-21 0,1 0 16</inkml:trace>
+  <inkml:trace contextRef="#ctx0" brushRef="#br1" timeOffset="74895.97">17230 9673 0,'0'0'0,"-22"0"0,1 0 0,21 21 0,0 1 15,-21-22-15,21 21 0,0 0 16,21-21-16,0 0 16,1 0-16,-1 0 0,0 0 0,21 0 15,-21 0-15,22 0 0,-1 0 0,-21 0 16,22-21-16,-22 0 0,21-1 15,-21 22-15,0-21 0,22 0 16,-22 0-16,0 0 0</inkml:trace>
+  <inkml:trace contextRef="#ctx0" brushRef="#br1" timeOffset="75679.92">17632 9694 0,'0'0'0,"-21"22"0,-43 83 31,64-83-31,0-1 0,0 0 15,21 0-15,0-21 0,1 0 16,20 0-16,-21 0 0,21 0 0,-20 0 16,20 0-16,0-21 0,1 21 0,-1-21 15,-21 0-15,21-1 16,1 1-16,-22 0 0,21 0 0,-21-21 16,-21 20-16,0 1 0,0-21 0,0 21 15,0 0-15,0-1 0,-21 22 16,0 0-16,-21 0 0,21 0 0,-22 0 15,1 22-15,21-1 0,-22 0 0,1 0 16,21 21-16,0 1 0,-22-22 0,22 21 16,0 1-16,21-22 0,0 21 15,0-21-15,0 22 0,0-22 0,0 0 16,0 0-16,0 0 0,21 0 0,0-21 16,1 0-16,20 0 0,-21 0 0,21 0 15,1 0-15,-22 0 16,21 0-16,22-21 0,-22 0 0,0 0 15,22 0-15,-22 0 0,22-22 0,-1 22 16,-20 0-16,-1-21 0,0-1 16,1 22-16,-22-21 0,0-1 0,0 22 15,-21 0-15,0 0 0,0 0 0,0 0 16,-21 21 0,0 21-16,0 0 15,-1 0-15,22 0 0,-21 22 0,21-22 16,-21 21-16,21-21 0,-21 22 0,21-22 15,0 0-15,0 0 0,0 0 16,0 0-16,0 1 0,0-1 16,0 0-16,0 0 15,0-42 17,0 0-32,0 0 0,21-1 15,-21 1-15,21 0 0,-21-21 0,21 21 16,1-22-16,-1 1 0,0 21 0,0-22 15,0 1-15,0 0 0,22 21 16,-1-1-16,-21-20 0,22 42 0,-1-21 16,-21 21-16,21-21 0,-20 21 0,20 0 15,-21 0-15,0 21 0,22 0 16,-22 0-16,-21 22 0,21-22 16,-21 21-16,0-21 0,0 22 0,0-22 15,0 21-15,0-21 0,0 22 0,-21-22 16,21 0-16,-21 0 0,-1 0 15,22 0-15,-21 1 0,21-1 16,21-21 0,1 0-1,20-21-15</inkml:trace>
+  <inkml:trace contextRef="#ctx0" brushRef="#br1" timeOffset="76188.14">19897 9673 0,'0'0'16,"0"-21"-16,0-85 16,0 85-16,0-21 0,0 21 15,-22-1-15,1 1 0,0 21 0,0 0 16,0 0-16,0 0 0,-22 0 16,22 0-16,-21 21 0,-1 22 0,1-22 15,0 21-15,21 1 0,-22-1 0,1 0 16,0 1-16,-1-1 15,22 0-15,0 1 0,0-22 0,21 21 16,0-21-16,0 0 0,0 1 0,21-1 16,21 0-16,-21-21 0,1 0 0,20 0 15,-21 0-15,21 0 0,1 0 16,-22 0-16,21-21 0,1 21 0,-1-21 16,-21-1-16,21-20 0,1 21 0,-22-21 15,21-1-15,-21-20 0,1 20 0,-1-20 16,21-1-16,-42 1 0,21 21 15,0-22-15,1 1 0,-22-1 0,0 22 16,0-22-16,0 22 0,0 21 0,0 0 16,0-1-16,0 44 15,0-1 1,-22 21-16,1-21 0,0 22 0,21 20 16,-21-21-16,0 22 0,21-22 15,-21 22-15,21-1 0,0 1 0,-22-1 16,22-20-16,0-1 0,-21 0 0,21 1 15,0-1-15,0 0 0,0-21 0,0 1 16,0-1-16,0 0 0,21-21 16,1 0-16,-1 0 0,0 0 15,0 0-15,21 0 0,-20-21 0,20 21 16</inkml:trace>
+  <inkml:trace contextRef="#ctx0" brushRef="#br1" timeOffset="76552.22">20786 9525 0,'0'0'0,"0"-21"16,0 0 0,-22 21-1,-20 0-15,21 0 0,0 0 0,0 0 16,-22 0-16,22 0 0,-21 21 0,21 0 16,-22 0-16,22 0 0,0 1 0,0-1 15,0 0-15,21 0 0,0 0 16,0 0-16,0 1 0,0-1 0,0 0 15,42 0-15,-21-21 0,0 21 0,22 0 16,-1-21-16,0 22 16,1-22-16,-1 21 0,0-21 0,-21 21 15,22-21-15,-22 0 0,0 21 0,0-21 16,-21 21-16,0 0 16,-21-21-16,0 0 15,0 0-15,-22 22 0,22-22 0,-21 21 16,0-21-16,-1 0 0,-20 0 0,20 0 15,1 0-15,21 0 0,-21 0 0,20 0 16,-20 0-16,21 0 0,0 0 16,0-21-16,-1-1 0,22 1 15,0 0-15</inkml:trace>
+  <inkml:trace contextRef="#ctx0" brushRef="#br1" timeOffset="77026.25">22225 9165 0,'0'0'0,"0"-21"0,0 0 16,0 0-16,-21 21 15,0 0 1,-1 42-16,22-21 0,-21 22 0,0-1 16,0-21-16,0 21 0,0 22 0,-1-22 15,1 1-15,21-1 0,-21 0 16,21 1-16,-21-1 0,0 0 0,21-21 16,0 1-16,0-1 0,0 0 0,0 0 15,0 0-15,0 0 16,0-42-1,0 0-15,0 0 16,21 0-16,-21 0 0</inkml:trace>
+  <inkml:trace contextRef="#ctx0" brushRef="#br1" timeOffset="77540.48">21823 9144 0,'-21'-42'15,"42"84"-15,-64-105 0,22 41 0,21-20 0,0 21 16,0 0-16,0-22 0,21 22 15,1 0-15,-1 0 0,21 0 0,0 0 16,1-1-16,20 22 0,1 0 0,-22 0 16,22 0-16,20 0 0,-20 0 15,-1 22-15,1 20 0,-1-21 0,-20 21 16,-1-20-16,0 20 0,-42 0 0,0 1 16,0-1-16,0-21 15,-21 21-15,0 1 0,-21-22 0,-1 21 16,-20-21-16,20 22 0,-20-22 0,21 0 15,-1 0-15,-20 0 0,20 1 16,1-22-16,21 21 0,-21-21 0,20 0 16,22-21-1,22-1-15,-1 1 16,0 0-16,21 0 0,1 0 16,20 0-16,-21-1 0,22 22 15,-1 0-15,1 0 0,-1 0 0,1 0 0,-1 0 16,1 22-16,-22-1 0,22 0 15,-22 0-15,-21 0 0,22 22 16,-22-1-16,0-21 0,-21 21 0,0 1 16,0-1-16,-42-21 0,20 22 15,-41-1-15,21-21 0,-22 0 0,-21 22 16,22-22-16,-22-21 0,1 21 0,20 0 16,-21-21-16,22 0 0,-1 0 0,22 0 15,-21 0-15,41 0 0,-20 0 16,21 0-16,0 0 0,0-21 0,21 0 15,0 0-15,0-1 0,0 1 0,0 0 16,0 0-16,21-21 0,0 20 16,0 1-16,0-21 0</inkml:trace>
+  <inkml:trace contextRef="#ctx0" brushRef="#br1" timeOffset="77999.34">23855 9250 0,'0'0'0,"21"-21"0,0 21 15,0 0 1,-21 21-1,0 0-15,0 0 16,0 0-16,0 22 0,0-22 0,-21 0 16,21 0-16,-21 0 0,0 1 0,21-1 15,0 0-15,-21 0 0,-1 0 16,1 0-16,21 1 16,0-44 15,21 1-31,1 0 15</inkml:trace>
+  <inkml:trace contextRef="#ctx0" brushRef="#br1" timeOffset="78348.14">24088 8721 0,'0'0'0,"-22"0"0,-20 0 15,21 0-15,0 0 0,0 0 16,-22 0-16,22 0 0,0 21 0,0 0 15,0 0-15,21 0 0,0 1 16,0-1-16,21-21 16,0 21-16,0-21 0,21 0 15,-20 0-15,-1 0 0,21 0 0,-21-21 16,22 21-16,-22-21 0,0-1 16,0 1-16,0 0 0,-21 0 0,21-21 15,-21 20-15,0 1 0,0 0 16,-21-21-16,-21 21 0,21-1 0,-22 1 15,1 0-15,0 21 0,21 0 16,-22 0-16,1 0 0,0 0 0,-1 21 16,1 0-16,21 1 0,-22-1 0,22 21 15,0 0-15,21 1 0,0-1 16,0 0-16,0 1 0,0 20 0,0-20 16,21-1-16,0 0 0,1-21 0,20 22 15,0-22-15</inkml:trace>
+  <inkml:trace contextRef="#ctx0" brushRef="#br1" timeOffset="78967.78">24363 9186 0,'0'0'0,"-21"0"16,21 22 0,-22-1-16,1 0 0,0 0 0,21 0 15,0 0-15,-21 1 0,0-1 0,21 0 16,-21 0-16,21 21 0,0-20 15,0-1-15,0 0 0,0 0 16,0 0-16,0 0 16,0-42 15,0 0-31,0 0 16,0 0-16,0 0 0,0-22 0,0 22 15,21-21-15,-21 21 0,21-22 16,0 22-16,-21-21 0,21-1 0,0 22 15,22 0-15,-22 0 0,0 0 0,21 21 16,-20 0-16,20 0 0,-21 0 16,21 21-16,-20 0 0,-1 0 0,0 0 15,0 1-15,-21 20 0,0-21 0,21 21 16,-21-20-16,0-1 0,0 21 0,0-21 16,0 0-16,-21 1 0,21-1 15,-21 0-15,0 0 0,0-21 0,-1 21 16,1-21-16,0 0 15,21-21 1,0 0-16,0 0 16,21 0-16,0-1 0,1-20 0,-1 21 15,21-21-15,-21 20 0,22-20 0,-1 21 16,0-21-16,-21 20 0,22 1 16,-1 0-16,0 21 0,-20 0 0,-1 0 15,21 0-15,-21 0 0,0 21 0,-21 0 16,0 1-16,0-1 0,0 21 15,0-21-15,0 0 0,0 22 0,0-22 16,0 0-16,-21 0 0,0 22 16,21-22-16,-21 0 0,21 0 0,0 0 15,-21-21-15,21 21 0,-21 1 16,42-22 0,0 0-16,0-22 15</inkml:trace>
+  <inkml:trace contextRef="#ctx0" brushRef="#br1" timeOffset="79311.6">25675 9017 0,'-21'0'16,"42"0"-16,-63 0 0,21 0 0,-1 0 0,1 0 16,-21 21-16,21 0 0,0 1 15,21-1-15,-22 0 0,1 0 0,0 21 16,21 1-16,-21-1 0,21 0 0,0 22 15,-21-22-15,21 22 0,-21 20 0,21-20 16,0 21-16,-22-22 0,22 22 16,-21-1-16,21-20 0,-21 21 0,0-1 15,21 1-15,-21 0 0,0-1 0,-1 1 16,1 0-16,0-1 0,0-20 0,0 20 16,-22-20-16,22-1 15,0 1-15,0-1 0,0 1 0,0-22 0,-1 1 16,1-22-16,21 21 0,0-21 15,0-42 1,0 0-16,21 0 0,1-22 16,-1 1-16,0 0 0,21-1 15,-21-20-15,22-1 0,-1 1 0,-21-22 16</inkml:trace>
+  <inkml:trace contextRef="#ctx0" brushRef="#br1" timeOffset="79631.41">25506 9356 0,'0'0'0,"-21"-64"0,-1-126 16,1 147 0,21 1-16,0 0 0,0-1 0,0 1 15,21 21-15,1 0 0,-1 0 0,0-1 16,21 1-16,1 21 0,-1 0 16,0 0-16,22 0 0,-22 0 0,0 0 15,22 21-15,-22 1 0,1-1 16,-22 21-16,0-21 0,0 22 0,-21-1 15,0 0-15,0 1 0,-21-1 0,0 0 16,-22 1-16,1 20 0,0-21 0,-1-20 16,-20 20-16,21-21 0,-22 21 15,22-20-15,-1-1 0,1 0 16,0 0-16,-1-21 0,22 0 0,0 21 16,0-21-16,0 0 0,21-21 15,0 0 1,21 0-16,0 0 0,0-22 0,22 22 15,-22-21-15,21-1 0</inkml:trace>
+  <inkml:trace contextRef="#ctx0" brushRef="#br1" timeOffset="79903.59">26543 7916 0,'0'0'0,"-85"22"31,64 20-31,0 0 0,0 1 0,0 20 16,-1 1-16,1-1 0,0 22 0,21-1 15,-21-20-15,0 21 0,0 20 16,-1-20-16,1 0 0,0-1 0,0-20 16,0 21-16,0-43 0,-1 21 0,1-20 15,21-1-15,0 0 0,-21-20 0,21-1 16,0 0-16,0 0 0,0 0 15,21-21 1,0 0-16,22-21 0,-22 0 16</inkml:trace>
+  <inkml:trace contextRef="#ctx0" brushRef="#br1" timeOffset="80259.38">26416 9102 0,'0'0'0,"-21"21"16,0 0-16,21 0 0,-22-21 0,22 21 15,0 1-15,0-1 16,22-21 0,-1 0-16,0 0 0,21 0 15,-21 0-15,1 0 0,20 0 16,-21 0-16,0-21 0,0-1 0,1 1 16,-1 21-16,0-21 0,-21-21 0,0 21 15,0-1-15,0-20 0,0 21 0,0 0 16,0 0-16,-21 21 0,0 0 15,-1 0-15,1 0 0,-21 0 0,21 21 16,0 0-16,-22 0 0,22 0 0,0 22 16,-21-22-16,20 21 0,1 0 15,0-20-15,21-1 0,0 21 0,-21-21 16,21 0-16,0 1 0,0-1 0,0 0 16,0 0-16,21-21 15,0 21-15,0-21 0,1 0 0,20 0 16,-21 0-16,21 0 0,-20 0 0,20 0 15,0-21-15,22 0 0,-22 0 0</inkml:trace>
+  <inkml:trace contextRef="#ctx0" brushRef="#br1" timeOffset="80884.02">27093 9038 0,'0'0'0,"0"-21"0,0 0 0,-21 21 16,0 0-1,0 21-15,0 0 0,-1 0 16,1 1-16,0-1 0,21 21 0,0-21 15,-21 0-15,21 1 16,-21-1-16,21 0 0,0 0 0,0 0 16,-21 0-16,21 1 0,0-1 0,0 0 15,0-42 17,0 0-17,0-1-15,0 1 0,0 0 16,21 0-16,0-21 0,0 20 15,0-20-15,0 21 0,1-21 0,-1 20 16,21 1-16,-21 0 0,0 0 0,1 21 16,-1 0-16,0 0 0,0 0 15,0 0-15,0 0 0,1 0 16,-22 21-16,0 0 0,21 0 0,-21 1 16,21-1-16,-21 0 0,0 21 15,0-21-15,0 1 0,0-1 0,0 0 16,0 0-16,0 0 0,0 0 0,0 1 15,0-1-15,0 0 16,-21-21-16,0 0 16,-1 0-16,22-21 15,0 0-15,0-1 16,0 1-16,22 0 0,-1 0 16,0 0-16,0-22 0,0 22 0,0-21 15,22 0-15,-22 20 0,21-20 16,1 21-16,-1 0 0,0 21 15,1 0-15,-22 0 0,21 0 0,-21 0 16,0 0-16,1 21 0,-1 0 0,-21 0 16,0 0-16,0 1 0,0 20 15,0-21-15,0 0 0,0 0 0,-21 1 16,-1-1-16,1 0 0,0 0 0,0 0 16,21 0-16,-21-21 0,21 22 0,-21-22 15,42 0 1,0 0-1,0 0-15,0 0 0</inkml:trace>
+  <inkml:trace contextRef="#ctx0" brushRef="#br1" timeOffset="81240.72">28003 9081 0,'0'0'0,"22"0"31,-1 0-31,0 0 0,0 0 16,0 0-16,0 0 0,1 0 0,-1-22 15,0 1-15,0 0 0,0 21 16,-21-21-16,0-21 0,0 20 16,0 1-16,0 0 0,0-21 0,0 21 15,-21-1-15,0 1 16,0 21-16,0 0 0,-1 0 0,-20 0 15,21 21-15,0 1 0,0-1 0,-1 21 16,1-21-16,0 22 0,21-22 16,0 21-16,-21 0 0,21-20 0,0 41 15,0-21-15,0-20 0,21-1 16,0 0-16,0 0 16,22 0-16,-22-21 0,21 0 0,-21 0 0,22 0 15,-1 0-15,0 0 0,-20 0 0,20 0 16,0-21-16</inkml:trace>
+  <inkml:trace contextRef="#ctx0" brushRef="#br1" timeOffset="81699.46">28638 8848 0,'0'42'31,"-21"-21"-31,0 0 0,21 1 0,-21-1 16,21 0-16,0 0 15,-21 0-15,21 0 0,-21 1 0,21-1 16,-22 0-16,22 0 0,0 0 0,0 0 16,-21 1-16,0-1 15,0-21-15,21 21 0,0-42 47,0 0-47,0-1 0,0 1 16,0-21-16,0 21 0,21-22 0,0 1 15,22 0-15,-22-1 0,0 1 16,0 21-16,21-21 0,-20 20 0,-1 1 16,0 21-16,21 0 0,-21 0 15,1 0-15,-1 0 0,-21 21 16,21 1-16,-21 20 0,0-21 0,0 21 16,0-20-16,0 20 0,0 0 0,0-21 15,0 22-15,0-22 0,0 21 16,0-21-16,0 1 0,0-1 0,-21 0 15,21 0-15,0 0 0,-21-21 16,21-21 15,0 0-31,0 0 16,0 0-16,21-22 0,0 22 0</inkml:trace>
+  <inkml:trace contextRef="#ctx0" brushRef="#br1" timeOffset="82016.09">29506 8149 0,'0'0'0,"-42"-42"32,21 42-32,0 0 15,-1 42-15,1-21 16,21 22-16,-21-22 0,0 21 0,21 22 15,0-22-15,-21 0 0,0 1 16,-1 20-16,22-20 0,-21 20 16,21-21-16,-21 22 0,0-22 0,21 1 15,0 20-15,-21-21 0,21-20 0,-21 20 16,21-21-16,-22 21 0,22-20 16,0-1-16,0 0 0,0 0 0,0 0 15,0 0 1,22-21-1,-1 0-15,0 0 0,0 0 0,0-21 16</inkml:trace>
+  <inkml:trace contextRef="#ctx0" brushRef="#br1" timeOffset="82372.89">29866 8784 0,'0'0'0,"21"-42"0,-21 21 0,0 0 15,0-1-15,-21 22 16,-21 0-16,21 0 0,-22 0 15,22 0-15,-21 0 0,21 0 0,-22 0 16,22 22-16,0-22 0,0 21 16,21 0-16,0 0 0,0 0 15,0 0-15,0 1 16,21-22-16,0 21 0,0 0 16,0-21-16,1 21 0,-1 0 0,0-21 15,0 21-15,0 1 0,-21-1 16,21 0-16,-21 0 15,0 0-15,0 0 0,0 1 16,0-1-16,-21-21 0,0 21 16,0-21-16,0 0 0,0 0 0,-1 21 15,1-21-15,0 0 0,0 0 0,0 0 16,0 0-16,-1 0 0,1 0 16,0 0-16,0 0 0,21-21 15,-21 0-15,0 0 0,21-1 16,0-20-16,0 21 0,0 0 15</inkml:trace>
+  <inkml:trace contextRef="#ctx0" brushRef="#br1" timeOffset="82624.74">29146 8467 0,'85'-64'31,"-43"43"-31,-20 0 16,20 21-16,0-21 0,1 21 0,-1-21 16,-21 21-16,21 0 0,-20-22 0,-1 1 15,0 21-15,0 0 16,0 0-16,-21-21 0,21 21 16</inkml:trace>
+  <inkml:trace contextRef="#ctx0" brushRef="#br1" timeOffset="83235.39">31284 8827 0,'21'-22'0,"-42"44"0,64-65 0,-22 22 0,-21 0 16,21 0-16,0 0 0,0-1 15,-21-20-15,0 21 0,0 0 0,0 0 16,0-22-16,0 22 0,-21 0 16,0 0-16,-21 21 0,-1 0 15,1 0-15,0 0 0,-22 21 16,1 0-16,20 21 0,-20-20 0,-1 20 16,22-21-16,-22 21 0,22 22 15,21-22-15,-21 1 0,20-1 0,1 0 16,21 1-16,0-1 0,0 0 15,0-21-15,0 22 0,21-22 0,1 0 16,-1 0-16,0-21 0,21 0 0,-21 21 16,22-21-16,-1 0 0,0 0 15,1 0-15,-1 0 0,-21-21 0,22 0 16,-1 21-16,-21 0 0,21-21 0,-20 21 16,20-21-16,-21 21 15,0 0-15,22-21 0,-22 21 0,0 0 16</inkml:trace>
+  <inkml:trace contextRef="#ctx0" brushRef="#br1" timeOffset="83575.2">31581 9208 0,'0'21'0,"0"0"31,0-42 0,0 0-15,0-1-16,0 1 16,0 0-16,21 21 15,0 0 1,0 0-16,0 0 0,0 0 16,-21 21-16,0 0 0,0 1 15,0-1-15,0 0 0,0 0 16,0 0-16,0 0 0,0 1 0,-21-1 15,0 0-15,0 0 0,0-21 16,-22 21-16,22 0 0,-21-21 0,0 0 16,20 22-16,1-22 0,-21 0 0,21 0 15,0 0-15,-1 0 16</inkml:trace>
+  <inkml:trace contextRef="#ctx0" brushRef="#br1" timeOffset="83875.33">32512 8636 0,'0'0'0,"21"-21"16,0-21-16,0-22 31,-21 85-15,0 0-16,-21 22 0,21-22 15,-21 21-15,21-21 0,0 22 16,0-1-16,0 22 0,0-22 0,0 0 16,-21 1-16,21-1 0,0-21 15,-21 21-15,21-20 0,-21 20 0,21-21 16,0 0-16,-22 0 16,22 1-16,22-22 31,-1-22-31,0 1 15</inkml:trace>
+  <inkml:trace contextRef="#ctx0" brushRef="#br1" timeOffset="84255.11">32448 8319 0,'0'0'0,"-42"-22"0,21 22 0,0-21 16,21 0-1,21 21 1,21 0-16,-21 0 0,43 0 0,-22 21 16,22-21-16,-22 21 0,22 1 15,-22-22-15,21 21 0,-20 21 16,20-21-16,-20 0 0,-1 22 16,0-22-16,1 21 0,-22 1 0,21-1 15,-42 0-15,0 22 0,0-22 16,0 22-16,0-22 0,0 0 0,-21 1 15,-21-1-15,20 0 0,-20 1 16,0-22-16,-22 0 0,22 0 0,-22 0 16,1 0-16,-1 1 0,1-22 15,-1 21-15,22 0 0,-21-21 0,20 21 16,1-21-16,21 21 0,-22 0 0,22-21 16,0 22-16,0-22 0,0 21 15,0-21-15,-1 0 0,1 0 16,0 0-16,21 21 0,-21-21 15,0 0-15,0 0 0</inkml:trace>
+</inkml:ink>
+</file>
+
+<file path=ppt/ink/ink11.xml><?xml version="1.0" encoding="utf-8"?>
+<inkml:ink xmlns:inkml="http://www.w3.org/2003/InkML">
+  <inkml:definitions>
+    <inkml:context xml:id="ctx0">
+      <inkml:inkSource xml:id="inkSrc0">
+        <inkml:traceFormat>
+          <inkml:channel name="X" type="integer" max="1600" units="cm"/>
+          <inkml:channel name="Y" type="integer" max="900" units="cm"/>
+          <inkml:channel name="T" type="integer" max="2.14748E9" units="dev"/>
+        </inkml:traceFormat>
+        <inkml:channelProperties>
+          <inkml:channelProperty channel="X" name="resolution" value="51.77993" units="1/cm"/>
+          <inkml:channelProperty channel="Y" name="resolution" value="51.72414" units="1/cm"/>
+          <inkml:channelProperty channel="T" name="resolution" value="1" units="1/dev"/>
+        </inkml:channelProperties>
+      </inkml:inkSource>
+      <inkml:timestamp xml:id="ts0" timeString="2021-07-21T01:35:22.259"/>
+    </inkml:context>
+    <inkml:brush xml:id="br0">
+      <inkml:brushProperty name="width" value="0.05292" units="cm"/>
+      <inkml:brushProperty name="height" value="0.05292" units="cm"/>
+      <inkml:brushProperty name="color" value="#FF0000"/>
+    </inkml:brush>
+  </inkml:definitions>
+  <inkml:trace contextRef="#ctx0" brushRef="#br0">5186 6054 0,'-21'0'0,"21"-21"0,0-1 46,-22 22-14,22-21-32,-21 21 47,0 0-47</inkml:trace>
+  <inkml:trace contextRef="#ctx0" brushRef="#br0" timeOffset="462.72">5122 5779 0,'0'0'0,"0"-22"0,0-20 0,0 21 16,0 0-16,0 0 0,0-1 0,0 1 16,0 0-16,0 42 47,0 0-47,0 1 0,21 20 0,-21 0 15,0 22-15,22-22 0,-22 22 16,21-1-16,-21 1 0,0-1 0,0 1 15,0 20-15,0 1 0,0 0 16,0-1-16,0 1 0,0 0 0,0 20 16,0-20-16,0 0 15,0 21-15,0-22 0,0 22 0,-21 0 16,-1-21-16,22-1 0,0 1 0,0-22 16,-21 1-16,21-1 0,0 1 15,0-22-15,0 1 0,0-1 0,0-21 16,0 0-16,0 0 0,21-42 31,1 0-31,-22 0 0,21-21 0,0-1 16,0 1-16,0 0 0,0-22 0,1-21 15,-1 22-15</inkml:trace>
+  <inkml:trace contextRef="#ctx0" brushRef="#br0" timeOffset="1367.71">5313 5567 0,'0'0'16,"-21"0"-16,42 0 31,0 0-16,0-21-15,21 21 0,1-21 16,20 21-16,1 0 0,20-22 16,22 22-16,-21-21 0,21 0 0,21 21 15,0-21-15,21 0 0,0 21 16,21-21-16,1-1 0,-1 1 0,22 21 16,-1-21-16,1 0 0,-1 21 15,1 0-15,-1-21 0,-21 21 0,22 0 16,-22 0-16,1 0 0,-22 0 15,0 0-15,0 0 0,-21 0 0,-21 0 16,21 0-16,-21 0 0,-22 0 0,1 0 16,0 0-16,-22 0 0,-20 0 15,20 0-15,-42 0 0,22 21 16,-22-21-16,0 0 0,0 0 16,0 21-16,0 0 0,-21 0 15,0 1-15,0-1 0,0 0 16,0 0-16,0 21 0,0 1 15,0-1-15,0 0 0,0 1 0,0 20 16,0-20-16,-21 20 0,21-21 16,-21 22-16,0-1 0,0-20 0,0 20 15,-1 22-15,1-22 0,0 22 0,0-21 16,0 20-16,-22 1 0,43 0 16,-21-1-16,0-20 0,0 20 0,21 1 15,0-21-15,0 20 0,0 1 16,0-22-16,0 1 0,0-1 15,0 1-15,0-1 0,0-20 0,0 20 16,0-20-16,0-1 0,0 0 0,0-21 16,0 22-16,0-1 0,0-21 15,0 0-15,0 22 0,-21-22 0,0 0 16,-1 0-16,-20 0 0,21-21 0,-21 22 16,20-22-16,-20 21 0,0-21 15,-1 21-15,1-21 0,0 0 0,-22 0 16,1 0-16,20 0 0,-41 0 0,-1 0 15,0 0-15,-20-21 0,-1 21 16,-21-21-16,0-1 0,-21 22 16,-1-21-16,-20 0 0,-21 21 0,-1-21 15,-21 0-15,1 21 0,-1 0 16,-21 0-16,0 0 0,22 0 0,-22 0 16,0 0-16,21 0 0,22 0 0,-1 0 15,22 21-15,0-21 0,42 0 16,0 0-16,21 0 0,0 0 0,43 0 15,-1 0-15,22 0 0,-1 0 0,22 0 16,0-21-16,21 0 16,21-1-16,0 22 0,1-21 15,20 0-15,0 21 0,1-21 16,-1 0-16,21 0 0,-20-22 16,20 22-16</inkml:trace>
+  <inkml:trace contextRef="#ctx0" brushRef="#br0" timeOffset="2830.54">7662 5927 0,'0'-21'0,"0"42"47,0 0-32,0 0-15,0 21 0,0 1 16,-21-1-16,21 0 0,-21 1 0,21 20 15,0 1-15,-21-1 0,0 22 16,-1-22-16,22 1 0,0-22 0,0 22 16,-21-22-16,21 0 0,-21 1 0,21-1 15,0-21-15,-21 22 0,21-22 16,0 0-16,0 0 0,0-42 47,0 0-47,0 0 0,0-1 15,0 1-15,0 0 0,0-21 16,0-1-16,0 1 0,0-21 0,21 20 16,-21-20-16,21 20 0,0-20 15,1-1-15,-22 22 0,21-21 0,0 20 16,0 1-16,21 0 0,-20-1 0,-1 1 16,21 21-16,0-22 0,-20 22 15,20 0-15,0 0 0,1 21 0,-1 0 16,0 0-16,1 0 0,-22 0 15,21 21-15,-21 0 0,0 22 16,1-22-16,-1 21 0,0 0 0,-21 1 16,0-1-16,0 0 0,0 1 15,0 20-15,0-20 0,0 20 0,0-21 16,0 1-16,-21 20 0,21-42 16,-21 22-16,21-1 0,0-21 0,0 0 15,0 1-15,0-1 0,0 0 0,0 0 16,0-42 15,0 0-31,-22 0 0,1-1 16,0 1-16,0 0 0</inkml:trace>
+  <inkml:trace contextRef="#ctx0" brushRef="#br0" timeOffset="3002.44">7683 6583 0,'0'0'0,"-42"0"0,21 0 0,0 0 0,0 0 16,42 0-1,21 0 1,-21 0-16,22-21 0,-1 21 0,0-21 16,1 21-16,-1-22 0,0 22 15,22-21-15,-22 0 0,0 0 0,1 0 16,-1 0-16,0-1 0,-20 1 0,20 0 16,-21 0-16,21-21 0</inkml:trace>
+  <inkml:trace contextRef="#ctx0" brushRef="#br0" timeOffset="3322.71">9461 5652 0,'0'-22'0,"0"44"0,0-65 16,0 22-16,0 0 0,0 0 15,0 0-15,0-1 16,-21 22-16,0 0 16,0 0-16,0 22 0,0-1 15,-1 0-15,-20 0 0,21 21 0,0-20 16,0 20-16,-1-21 0,1 21 16,21-20-16,0 20 0,-21-21 0,21 21 15,0-20-15,0-1 0,0 0 0,0 0 16,0 0-16,0 0 0,0 1 15,21-22-15,0 0 0,1 0 0,-1 0 16,21 0-16,-21 0 0,0 0 16,22-22-16</inkml:trace>
+  <inkml:trace contextRef="#ctx0" brushRef="#br0" timeOffset="3791.72">9694 5398 0,'-21'-22'0,"42"44"0,-63-44 0,21 22 16,-22 0-16,22 0 0,-21 0 0,21 0 15,-22 0-15,22 0 0,-21 0 0,21 0 16,-22 22-16,22-1 0,-21 0 16,0 0-16,20 21 0,-20-20 0,21 20 15,-21 0-15,20 1 16,1-1-16,-21 0 0,42 1 0,-21-1 15,21 0-15,0 1 0,0-1 0,0-21 16,0 21-16,0-20 0,21-1 16,0 21-16,0-21 0,22 0 0,-22-21 15,21 22-15,0-1 0,1-21 16,-1 0-16,0 0 0,1 0 0,-1 0 16,22 0-16,-22 0 0,0-21 0,22-1 15,-22 1-15,22 0 0,-22-21 16,0-1-16,1 1 0,-1 0 15,-21-1-15,0-20 0,0-1 0,-21 22 16,0-21-16,0 20 0,0-20 16,-21 20-16,-21 22 0,21-21 0,-22 21 15,-20 0-15,21-1 0,-1 1 16,-20 0-16,20 21 0,1 0 0,0 0 16,-1 0-16,1 0 0,0 0 0,21 0 15,-22 0-15,1 0 0,21 0 16,-22 0-16,22-21 0,-21 21 0,21-21 15,0 21-15</inkml:trace>
+  <inkml:trace contextRef="#ctx0" brushRef="#br0" timeOffset="4303.82">4974 2815 0,'0'0'0,"21"0"0,0 0 16,-21 21 0,22 1-16,-22-1 0,0 0 0,21 21 15,0 1-15,0 20 0,0 1 16,0-1-16,1 22 0,-1-1 0,-21 1 15,21 0-15,0-1 0,0 1 16,-21 0-16,21-1 0,1 1 16,-1 0-16,0-1 0,0 1 0,21-21 15,-20-1-15,-1 1 0,21-1 16,-21-21-16,22 1 0,-22-1 0,0 0 16,0 1-16,0-22 0,0 21 0,1-21 15,-1 1-15,-21-1 0,0 0 16,21-21-16,0 0 0,0 0 15,0-21 1</inkml:trace>
+  <inkml:trace contextRef="#ctx0" brushRef="#br0" timeOffset="4722.67">7620 2773 0,'0'0'0,"21"-21"0,-21 0 0,0-1 16,0 1-16,0 42 31,0 22-31,0-1 0,-21 0 15,21 1-15,0 20 0,0 1 0,0 20 16,0 1-16,0 0 0,0 21 16,0-22-16,0 22 0,0-21 0,0 21 15,0-1-15,0-20 0,0 21 16,0-21-16,0-1 0,0 1 0,0 0 16,0-1-16,0-20 0,0-1 0,-21 1 15,21-1-15,0 1 0,-21-22 16,21 0-16,0 1 0,0-22 0,0 0 15,0 0-15,0 0 0,0 1 16,0-44 0,21 1-16,0 0 0,21 0 15,-21-21-15,22-1 0,-1 1 0,0 0 16</inkml:trace>
+  <inkml:trace contextRef="#ctx0" brushRef="#br0" timeOffset="5386.87">10350 2646 0,'43'-42'15,"-86"84"-15,107-84 16,-64 63 0,0 0-16,0 21 0,0 1 15,0-1-15,-21 0 0,0 22 16,21-1-16,-22 22 0,-20-22 0,21 43 16,-21-21-16,20 21 0,-20-22 15,0 22-15,-22 21 0,22-21 0,-22 0 16,22 21-16,-21-21 0,-1 0 0,-21 84 15,22-105-15,21-1 16,-1 1-16,22-21 0,0-1 0,0 1 16,21-22-16,-21 0 0,21 1 15,0-22-15,0 0 0,0 0 16,21-21 0,0-21-16,-21 0 0,0-22 15,0 22-15,0-21 0</inkml:trace>
+  <inkml:trace contextRef="#ctx0" brushRef="#br0" timeOffset="6078.53">2794 1630 0,'-21'0'16,"21"-21"-16,-21 0 0,21-1 15,0 1-15,-22 0 16,1 0-16,21 0 0,0 0 16,-21 21-16,0 0 15,21 21-15,0 0 16,0 0-16,0 21 0,0 22 15,0-1-15,0 1 0,0 21 0,0-1 16,0 1-16,0 0 0,0-1 16,0 1-16,0 0 0,0-1 0,-21 1 15,21-22-15,-21 1 0,21-1 0,0-20 16,0-1-16,-22 0 0,22 1 16,0-22-16,0 0 0,-21 0 15,21 0-15,0-42 31,0 0-31,0 0 16,0-21-16,0 20 0,0-20 0,0-21 16,0 20-16,0-20 0</inkml:trace>
+  <inkml:trace contextRef="#ctx0" brushRef="#br0" timeOffset="6782.46">2646 1439 0,'0'0'0,"0"-21"0,0 0 0,0 0 0,21 21 32,0 0-32,0-21 0,22 21 15,-1 0-15,21-21 0,22 21 0,0-22 16,21 22-16,21-21 0,0 0 16,21 0-16,21 21 0,0-21 0,22 0 15,21 21-15,-22-22 0,1 1 16,20 21-16,-20-21 0,-22 21 15,22 0-15,-43-21 0,0 21 0,0 0 16,-21-21-16,-21 21 0,-21 0 16,-1 0-16,-20-21 0,-1 21 0,1 0 15,-22 0-15,0 0 0,-20 0 16,20 0-16,-21 0 0,0 21 16,-21 0-16,21-21 0,-21 21 15,0 21-15,0-20 0,0-1 16,0 21-16,0-21 0,0 22 0,0-1 15,-21 0-15,0 22 0,21-1 16,0-20-16,-21 20 0,0 22 0,21-22 16,-21 1-16,21-1 0,-22 1 15,22-1-15,-21 1 0,21-1 0,0 22 16,0-22-16,0 1 0,0-1 16,0 1-16,0-1 0,0 1 0,0-22 15,0 22-15,0-22 0,0 0 16,0 1-16,0-1 0,0 0 15,0 1-15,0-22 0,-21 21 0,0-21 16,0 1-16,0-1 0,-1 0 0,-20 0 16,0 0-16,-1 0 0,-20-21 15,-1 22-15,1-22 0,-22 0 0,-21 0 16,22 0-16,-22 0 0,-21 0 16,-21 0-16,0 0 0,-22 0 0,1 0 15,-22 0-15,1 0 0,-1 0 0,1 0 16,-22 21-16,22-21 0,-1 0 15,1 21-15,20-21 0,1 21 0,21 0 16,0-21-16,21 21 16,21-21-16,0 0 0,21 22 0,22-22 15,21 0-15,-1 0 0,22 0 16,0 0-16,42-22 31,21 22-31,1-21 0,-1 0 0,0 0 16,1 0-16,-1 0 0</inkml:trace>
+  <inkml:trace contextRef="#ctx0" brushRef="#br0" timeOffset="7107.27">3598 2201 0,'0'0'15,"0"-42"-15,0 21 0,0 0 0,0-22 0,0 22 16,0 0-16,0 0 16,0 42-1,0 0-15,0 0 0,0 1 16,-21 20-16,21 0 0,0 22 0,0-22 16,-21 22-16,21-1 0,0-21 15,0 22-15,0-22 0,0 22 16,-21-22-16,21 0 0,0 1 15,0-22-15,0 0 0,0 21 0,0-20 16,0-1-16,21-42 31,-21-1-15,0 1-16</inkml:trace>
+  <inkml:trace contextRef="#ctx0" brushRef="#br0" timeOffset="7616.98">3556 2265 0,'0'0'0,"0"-42"0,0 20 0,0-20 0,0 21 16,0 0-16,0 0 0,0-1 16,21 22-16,0-21 0,0 21 15,22 0-15,-22-21 0,21 21 0,1 0 16,-1 0-16,0 0 0,1 0 0,-1 21 16,-21-21-16,21 21 0,-20 22 15,-1-22-15,-21 0 0,0 21 0,0-20 16,0 20-16,-21-21 0,-22 21 15,22 1-15,-21-22 0,-1 21 0,-20-21 16,21 1-16,-1-1 0,22 0 16,-21 0-16,21-21 0,-1 0 0,1 0 15,42 0 1,1-21 0,20 0-16,-21 0 0,21-1 15,1 1-15,-1 0 0,0 21 0,1-21 16,-1 21-16,22 0 0,-22 0 15,0 0-15,22 0 0,-1 21 0,-20 0 16,-1 0-16,21 1 0,-20 20 0,-22 0 16,21-21-16,-21 22 0,-21-1 15,0 0-15,0-20 0,-42 20 0,21-21 16,-21 21-16,-1-20 0,1 20 16,-22-21-16,22 0 0,-21 0 0,20 1 15,-20-22-15,-1 21 0,22-21 16,-22 0-16,22 0 0,-21 0 15,20 0-15,1 0 0,21 0 0,-22 0 16,22 0-16,0-21 0,0-1 16,0 1-16,21 0 0,0-21 15,0 21-15,0-1 0,21 1 0,0-21 16,0 0-16,22-1 0,-1 22 16</inkml:trace>
+  <inkml:trace contextRef="#ctx0" brushRef="#br0" timeOffset="7962.78">5821 1566 0,'0'0'16,"0"-21"-16,0 0 0,0 0 15,0 0-15,0 0 0,-21 21 16,-1 0-16,1 0 16,0 0-16,0 0 0,0 0 15,0 21-15,-1 0 0,1 0 0,0 0 16,0 0-16,0 1 0,0-1 16,-1 21-16,22-21 0,0 0 15,0 1-15,0 20 0,0-21 0,0 0 16,0 0-16,0 1 0,0-1 15,0 0-15,22-21 0,-1 0 16,0 0-16,0 0 0,0 0 0,0 0 16,1 0-16,-1 0 0,0-21 15,0 21-15</inkml:trace>
+  <inkml:trace contextRef="#ctx0" brushRef="#br0" timeOffset="8411.52">5969 1270 0,'0'0'0,"-21"-42"0,-22 42 16,22-21-16,-21-1 0,0 22 16,-1 0-16,1 0 0,-22 0 0,22 0 15,-21 0-15,20 22 0,-20-1 16,20 0-16,1 0 0,0 21 0,-1 1 16,1-22-16,21 21 15,0 1-15,0-1 0,-1 0 0,1 22 0,21-22 16,0 0-16,0 22 0,0-22 15,0 1-15,0-1 0,21 0 16,1-21-16,-1 22 0,21-22 16,0 0-16,1 0 0,20 0 0,-20 1 15,20-1-15,1-21 0,-22 0 0,21 0 16,1 0-16,-1 0 0,1-21 16,-22-1-16,22 1 0,-22 0 0,0-21 15,1 21-15,-1-22 0,-21-20 16,0 20-16,1-20 0,-1-1 0,-21 1 15,0-1-15,0 1 0,0-1 16,0 22-16,-21-21 0,-1 20 0,1 22 16,-21-21-16,0 21 0,-1-1 15,-20 1-15,-1 21 0,1 0 16,-22 0-16,22 0 0,-1 21 16,-21-21-16,22 22 0,21 20 0,-22-21 15,22 0-15,-1 22 0,22-22 16,0 21-16,0-21 0,21 0 0,0 22 15</inkml:trace>
+  <inkml:trace contextRef="#ctx0" brushRef="#br0" timeOffset="8935.21">7324 1609 0,'0'-21'0,"0"42"0,0-64 0,0 22 16,0 0-16,0 42 31,-22 22-31,22-1 0,0 21 16,0 22-16,-21-21 0,0 20 0,21 1 15,-21 0-15,21-22 0,-21 22 16,0-1-16,21 1 0,-22 0 0,1-22 16,21 1-16,-21-1 0,0-20 15,21 20-15,0-21 0,-21 1 0,21-22 16,-21 0-16,21 21 0,0-20 16,-22-22-16,22 21 0,22-21 31,-1-21-31,0-1 15,0 1-15,0 0 0,0-21 0,1-1 16,-22 1-16,21-21 0</inkml:trace>
+  <inkml:trace contextRef="#ctx0" brushRef="#br0" timeOffset="9606.79">7366 1715 0,'0'0'0,"0"-43"0,0 22 0,0-21 0,0 21 16,0-1-16,0 1 15,0 0-15,21 21 0,-21-21 0,42 0 16,-20 21-16,20-21 0,0 21 16,22-22-16,20 22 0,1 0 0,21-21 15,-21 21-15,20 0 0,22 0 16,-21 0-16,21-21 0,0 21 0,21 0 16,-21 0-16,0 0 0,0 0 15,0 0-15,0 0 0,-21 0 0,21-21 16,-21 21-16,0 0 0,-21 0 15,-1 0-15,1 0 0,-22 0 0,1 0 16,-22 0-16,1 0 0,-22 0 0,0 0 16,0 0-16,-21 21 15,0 0-15,0 0 16,0 1-16,0-1 16,-21 0-16,21 21 0,-21-21 0,0 22 15,21-1-15,0 0 0,-22 1 16,1-1-16,21 22 0,-21-22 0,0 0 15,21 22-15,-21-1 0,0-20 0,-1 20 16,22 1-16,-21-1 0,0 1 16,0-1-16,0 1 0,21-1 15,-21 1-15,-1-22 0,1 21 0,0-20 16,0-1-16,21 0 0,-21 1 16,0-1-16,21 0 0,-22-20 0,1-1 15,0 21-15,21-21 0,-21-21 16,0 21-16,-22 1 0,22-1 0,0-21 15,-21 21-15,-1-21 0,1 0 0,-21 0 16,-1 0-16,1 0 0,-1 0 16,-42 0-16,0 0 0,1 0 0,-22 0 15,-22-21-15,22 0 0,-42 21 16,21-22-16,0 22 0,0-21 0,-1 21 16,22 0-16,22 0 0,-1-21 15,21 21-15,0 0 0,1 0 0,20-21 16,22 21-16,0 0 0,-1 0 15,22 0-15,0 0 0,0 0 0,21-21 16,21 0 0,0 21-1,0-22-15,0 1 0,22 21 16,-1-21-16,0 0 0</inkml:trace>
+  <inkml:trace contextRef="#ctx0" brushRef="#br0" timeOffset="9942.59">8445 2053 0,'0'0'0,"0"-21"0,0 0 0,-21 21 0,0-21 15,0 21-15,0 0 0,0 0 16,-1 0-16,1 0 0,-21 0 0,21 21 15,-22 0-15,22 0 0,-21 0 16,21 1-16,-22-1 0,22 21 0,-21 0 16,21 1-16,0-22 0,-1 21 15,22 1-15,0-1 0,0 0 16,0 1-16,0-22 0,0 21 0,0-21 16,22 0-16,-1 1 0,21-1 15,-21-21-15,22 21 0,-22-21 0,21 0 16,0 0-16,-20 0 0,20 0 15,0 0-15,1-21 0,-1 0 0,0-1 16,1 1-16,-1 0 0,0 0 0,1-21 16</inkml:trace>
+  <inkml:trace contextRef="#ctx0" brushRef="#br0" timeOffset="10355.36">9652 1630 0,'0'0'0,"0"-21"0,-21 21 31,0 0-31,-1 0 0,1 21 0,0-21 16,0 21-16,0 0 0,0 0 15,-1 1-15,22-1 0,0 0 0,-21 0 16,21 0-16,0 0 0,0 1 15,0-1-15,0 0 0,0 0 16,21-21-16,1 0 0,-1 21 16,0-21-16,0 0 0,0 0 0,0 0 15,1 0-15,20 0 0,-21-21 0,21 21 16</inkml:trace>
+  <inkml:trace contextRef="#ctx0" brushRef="#br0" timeOffset="10811.1">9842 1334 0,'0'0'0,"-42"0"0,-127 0 32,105 21-32,22 0 0,-22-21 0,22 21 0,-21 21 15,20-20-15,1-1 16,0 21-16,20-21 0,-20 22 0,21-1 15,0 0-15,0 1 0,21-1 16,0 0-16,0-21 0,0 22 0,0-1 16,0 0-16,21-20 0,0 20 0,0-21 15,21 0-15,-20 0 0,20 1 16,0-1-16,1 0 0,-1-21 0,0 0 16,1 0-16,-1 0 0,0 0 15,22 0-15,-22 0 0,0-21 0,1 0 16,-1-1-16,0 1 0,1 0 15,-1-21-15,0-1 0,-20 1 0,-1 0 16,0-22-16,0 1 0,-21 20 16,0 1-16,0-21 0,-21 20 15,0 1-15,-22 21 0,1-22 0,0 22 16,-22 0-16,22 21 0,-22-21 16,22 21-16,-21 0 0,-1 0 0,1 0 15,20 0-15,-20 21 0,20 0 16,1-21-16,0 21 0,-1 1 0,22-1 15,0 0-15,0 0 0,0 0 16,21 0-16,-21-21 0</inkml:trace>
+  <inkml:trace contextRef="#ctx0" brushRef="#br0" timeOffset="11402.83">10668 2307 0,'21'-21'0,"-42"42"0,63-63 0,-42 21 0,21 0 16,1-1-16,-1 1 0,0-21 15,0 21-15,0 21 0,-21-21 0,0-1 16,0 1-16,-21 42 31,0 22-31,0-22 16,0 42-16,-22-20 0,22 20 0,0 22 16,0-22-16,-22 22 0,22 0 15,-21-1-15,21 1 0,-22 0 0,22-1 16,-21-20-16,21 21 0,-22-1 15,22-20-15,-21-1 0,21 1 0,0-22 16,21 0-16,-22 1 0,22-1 0,0 0 16,-21-20-16,21-1 15,0 0-15,0 0 0,21-21 16,1 0-16,-1 0 0,-21-21 16,42 0-16,-21 0 0,0-1 15,1-20-15,-1 0 0,21-1 0,-21 1 16,0-21-16,1-1 0</inkml:trace>
+  <inkml:trace contextRef="#ctx0" brushRef="#br0" timeOffset="12138.41">10858 2223 0,'0'0'0,"0"-43"0,0 22 0,0 0 16,0 0-16,0-22 0,0 22 15,0 0-15,0 0 16,0 0-16,0 0 0,22 21 0,-1-22 15,21 22-15,0 0 0,1-21 16,20 21-16,1 0 0,20 0 0,1-21 16,0 21-16,-1 0 0,22 0 15,21 0-15,0 0 0,0 0 0,21 0 16,-21 0-16,22 0 0,-1 0 16,0 0-16,0 0 0,0 0 0,0 0 15,1 0-15,-44 0 0,22 0 0,-21 0 16,-21 0-16,21 0 0,-22 21 15,-20-21-15,-1 0 0,1 0 16,-1 0-16,-20 0 0,-22 0 16,21 0-16,-21 0 0,1 0 0,-1 21 15,0-21-15,-21 22 0,0-1 16,0 0-16,0 21 0,0-21 16,-21 22-16,0-22 0,-1 21 15,1 1-15,-21 20 0,21-21 0,-22 22 16,22-1-16,-21 1 0,21-22 0,0 22 15,-1-1-15,1 1 0,21-22 16,-21 22-16,21-22 0,0 21 0,0 1 16,0-1-16,0-20 0,0 20 15,-21 1-15,21-1 0,0-20 16,0 20-16,0-21 0,0 22 0,0-22 16,0 1-16,-21-1 0,21-21 15,-21 21-15,21-20 0,0-1 0,0 21 16,-22-21-16,22 0 0,-21-21 0,0 22 15,21-1-15,-21 0 0,0-21 16,0 21-16,-1-21 0,1 0 0,-21 0 16,0 0-16,-1 0 0,1 0 0,-22 0 15,1 0-15,-22 0 0,1 0 16,-22 0-16,-21-21 0,0 0 0,0 0 16,-21-1-16,-22 1 0,1 0 0,-22 0 15,1 0-15,21 0 16,-22-1-16,1 1 0,20 0 0,1 0 15,21 21-15,21-21 0,0 21 0,21 0 16,21 0-16,22-21 0,-1 21 16,22 0-16,21 0 0,0 0 0,-1 0 15,22-22-15,22 1 16,-1 21-16,0-21 16,21 0-16,1 21 0,-1-21 0,0 0 15,1-1-15,-1 1 0</inkml:trace>
+  <inkml:trace contextRef="#ctx0" brushRef="#br0" timeOffset="12439.24">11536 2709 0,'0'0'16,"0"22"-1,0-1 1,0 0-16,0 0 0,-21 21 16,21 1-16,-22-22 0,1 21 0,21 1 15,0-1-15,-21 0 0,0 1 0,21-1 16,0 0-16,-21 1 16,0-22-16,21 21 0,-22-21 0,22 22 15,0-22-15,0 0 0,0 0 0,0 0 16,0-42 15,0 0-31</inkml:trace>
+  <inkml:trace contextRef="#ctx0" brushRef="#br0" timeOffset="12839.01">11176 2752 0,'0'0'15,"-21"0"-15,0 0 0,-1-21 0,22-1 16,22 22 0,20 0-16,-21 0 15,21 0-15,1 0 0,20 0 16,1 0-16,-22 0 0,22 0 0,-1 0 16,1 0-16,-1 22 0,1-22 15,-1 21-15,-21 0 0,22 0 0,-22 21 16,1-20-16,-22-1 0,0 21 0,0-21 15,-21 22-15,0-1 16,0 0-16,0-21 0,0 22 0,-21-1 0,0 0 16,0 1-16,-1-1 15,1 0-15,0 1 0,0-1 0,0-21 16,-22 0-16,22 22 0,-21-22 0,21 0 16,-22 0-16,1-21 0,0 21 15,-1 1-15,22-22 0,-21 0 0,0 0 16,20 0-16,-20 0 0,21 0 0,-21 0 15,20 0-15,1 0 0,21-22 16,0 1-16,0 0 0,0 0 16,0-21-16,0 20 0,0-20 0,21 0 15</inkml:trace>
+  <inkml:trace contextRef="#ctx0" brushRef="#br0" timeOffset="13215.3">13314 2201 0,'-106'-84'31,"85"84"-31,0 0 0,-1 0 16,1 0-16,0 0 0,0 21 0,-21 0 16,20 0-16,1 0 0,0 1 0,-21-1 15,21 0-15,-1 0 0,22 0 16,0 0-16,-21 1 0,21-1 0,0 0 16,0 0-16,0 0 0,0 0 15,0 1-15,0-1 0,21-21 16,1 0-16,-1 21 0,0-21 15,0 0-15,0 0 0,0 0 0,22 0 16,-22 0-16,21 0 0,-21 0 16,1-21-16,20 21 0,-21-21 15,0-1-15,0 1 0</inkml:trace>
+  <inkml:trace contextRef="#ctx0" brushRef="#br0" timeOffset="13774.99">13377 1820 0,'-21'0'0,"42"0"0,-63 0 0,21-21 0,-22 21 16,22 0-16,-21 0 0,0 0 15,-1 0-15,1 0 0,0 21 0,-1-21 16,1 22-16,0-1 0,-1 0 15,1 0-15,0 0 0,-1 0 0,1 22 16,0-22-16,20 0 0,-20 21 16,0-20-16,21 20 0,-1-21 0,-20 21 15,21 1-15,0-22 0,0 21 0,21 1 16,0-22-16,0 21 0,0 0 16,0 1-16,0-22 0,0 21 15,21-21-15,0 1 0,0 20 16,21-21-16,1 0 0,-1 0 0,0 1 15,1-22-15,20 21 0,-20-21 0,20 0 16,1 0-16,-1 0 0,1 0 16,-1 0-16,1 0 0,20-21 0,-41-1 15,20 1-15,1 0 0,-22-21 16,0 21-16,1-43 0,-1 22 0,0-1 16,1 1-16,-22 0 0,0-22 15,0 22-15,-21 0 0,0-22 0,0 22 16,0-22-16,0 22 0,-21 0 0,-21-1 15,20 1-15,-20 0 16,-21 20-16,20-20 0,1 21 0,0 0 0,-1 0 16,1-1-16,0 22 15,-1 0-15,22 0 0,0 0 0,-21 0 16,20 0-16,1 22 0,0-1 16,0 21-16,-21 0 0,20 1 0,1-1 15,0 22-15,-21-22 0,21 0 16,-22 22-16</inkml:trace>
+  <inkml:trace contextRef="#ctx0" brushRef="#br0" timeOffset="15426.45">5736 4614 0,'0'22'94,"0"-1"-94,0 21 15,0-21-15,0 22 0,21-1 0,-21 0 16,21 1-16,1 20 0,-22-21 15,21 22-15,0-22 0,0 22 0,0-22 16,-21 22-16,21-22 0,1 0 16,-22 1-16,0-1 0,21 0 0,0 1 15,-21-1-15,0-21 0,0 21 16,0-20-16,0-1 0,0 0 16,0 0-16,0 0 0,0-42 46,0 0-46,0 0 0,0 0 0,0-1 16</inkml:trace>
+  <inkml:trace contextRef="#ctx0" brushRef="#br0" timeOffset="17148.25">13250 2201 0,'21'-21'0,"-21"0"16,22 21-16,-22-21 0,0 0 15,0 0-15,0-1 0,0 1 16,0 0-16,0 0 16,0 0-16,-22 21 15,1 0-15,0 0 16,0 21-16,0 0 15,0 21-15,-1-20 0,1-1 0,0 21 16,0-21-16,0 22 0,0-22 16,-1 21-16,1-21 0,0 22 0,21-22 15,-21 21-15,0-21 0,21 0 16,-21 1-16,21-1 0,0 0 0,0 0 16,0-42 15,0 0-31,21 0 15,-21-1-15,21 1 16,-21 0-16,21 0 0,0-21 0,-21 20 16,21-20-16,1 21 0,-22-21 15,21 20-15,-21-20 0,21 21 0,-21 0 16,0 0-16,0-1 0,0 1 16,-21 42 15,0 1-31,21-1 0,-22 0 0,1 21 15,0-21-15,0 22 0,0-1 0,0 0 16,-1 1-16,1-1 0,0 0 16,0 1-16,21-1 0,-21-21 0,21 0 15,0 1-15,0-1 16,0 0-16,0 0 0,0-42 31,0 0-31,21 0 0,-21-22 16,21 22-16,0-21 0,0-1 0,1 1 15,-1 0-15,21-1 0,-21 1 16,0 0-16,1-1 0,-1 1 0,0 0 16,-21-1-16,0 22 0,21-21 15,-21 21-15,0 0 0,0 42 32,0 0-32,-21 0 0,0 0 15,0 22-15,21-1 0,-22 0 0,1-21 16,0 22-16,21-1 0,-21 0 15,21 1-15,-21-1 0,21 0 0,-21-20 16,21-1-16,0 21 0,0-21 16,0 0-16,0 1 0,0-44 47,21 22-47,-21-21 0,0 0 15,0 0-15,21 0 0,-21 0 0,0-1 16</inkml:trace>
+  <inkml:trace contextRef="#ctx0" brushRef="#br0" timeOffset="17710.97">12827 2434 0,'-42'21'16,"84"-42"-16,-106 64 0,43-43 0,0 21 16,0-21-16,0 0 0,0 21 0,-1-21 15,44 0 32,20 0-47,-21 0 0,21 0 16,-20 0-16,20 0 0,0 0 0,1 0 15,-1 0-15,21 0 16,-20 0-16,-1 0 0,0 0 0,1 0 16,-22 0-16,0 0 0,0 0 15,0 0-15,-42 0 16,0 0-16,0 21 15,-21-21-15,-1 0 0,1 0 0,-22 21 16,22-21-16,-21 0 0,20 0 0,1 21 16,0-21-16,20 0 0,-20 0 15,21 0-15,0 0 16,21 22-16,21-22 16,0 0-1,0 0-15,0 0 0,22 0 16,-22 0-16,21-22 0,1 22 15,-1 0-15,-21 0 0,21 0 0,1-21 16,-1 21-16,-21 0 0,0 0 16,1 0-16,-44 0 15,1 0 1,-21 0-16,0 0 0,-1 0 0,1 0 16,0 0-16,20 0 0,-20 0 15,21 0-15,0 0 0,0 0 0,42 0 47,0 0-47,0-21 0,0 21 16,0-21-16,1 0 0,20 0 15,-21-1-15</inkml:trace>
+  <inkml:trace contextRef="#ctx0" brushRef="#br0" timeOffset="18714.75">13250 2138 0,'0'0'0,"-21"0"0,0 0 0,-21 0 0,20-21 15,1 21-15,0 0 0,0 0 16,-21 0-16,20 0 0,1 0 16,0 0-16,0 0 0,0-21 15,0 21-15,-1 0 0,1 0 0,0 0 16,0 0-16,0 0 15,0 0-15,-1 0 16,44 0 15,-1 0-31,21 0 0,0 0 16,1 0-16,-1 0 0,22 0 16,-22 0-16,21 0 0,1 0 15,-1 0-15,-20 0 0,20 0 0,-20 0 16,-1 0-16,-21 0 0,0 0 15,0 0-15,-42 0 16,0 0 0,-21 0-16,-22 0 0,22 0 0,-22 0 15,1 0-15,-1 21 0,1-21 16,21 0-16,-22 0 0,22 0 0,-1 21 16,22-21-16,-21 0 0,21 0 15,42 0 16,0 0-31,21 0 0,-20 0 16,20 0-16,21 0 0,-20 0 0,-1 0 16,22-21-16,-22 21 15,0 0-15,1 0 0,-1-21 0,0 21 16,-21 0-16,1 0 0,-22-22 16,-22 22-1,1 0-15,-21-21 16,0 21-16,-1 0 0,1 0 0,0 0 15,-22 0-15,43 0 0,-21 0 16,-1 0-16,22 0 0,0 0 0,0 0 16,0 0-16,42 0 31,21 0-31,-21 0 0,22 0 0,20 0 16,-21 0-16,1 0 15,20 0-15,-20 0 0,20 0 0,-21 0 16,1 0-16,-1 0 0,-21 0 15,0 0-15,1 0 0,-44 0 16,1 0-16,-21 0 16,-22 0-16,22 0 0,-21 0 15,-22 0-15,21 0 0,1 0 0,-1 0 16,1 0-16,21 0 0,-1 0 16,1 0-16,21 0 0,0 0 15,42 0 1,0 0-16,21 0 15,1 0-15,-1 0 0,21 0 16,1 0-16,-1 0 0,1 0 0,-1 0 16,1-21-16,-22 21 0,22 0 0,-22-21 15,0 21-15,-20 0 0,-1 0 16,0 0-16,0 0 0,-42 0 31,0 0-31,0 0 0,-1 0 0,1 0 16,-21 0-16,21 0 0,0 0 15,-1 0-15,-20 0 0,21 0 16,0 0-16,0 21 0,-1-21 16,1 21-16,0-21 0,0 21 15</inkml:trace>
+  <inkml:trace contextRef="#ctx0" brushRef="#br0" timeOffset="19103.65">13250 2117 0,'0'0'0,"0"-21"16,-21-1-1,0 22 17,0 22-17,21-1-15,-21 0 16,21 0-16,0 0 0,-22 0 0,1 1 15,0 20-15,21-21 0,0 21 16,-21-20-16,0 20 0,0-21 0,21 21 16,0-20-16,-22-1 0,22 0 15,-21 0-15,21 0 0,-21 0 0,21 1 16,0-1 0,-21-21 15,21-21-16,0-1-15,0 1 16,0 0-16,0 0 16,0 0-16,21 21 15,0-21-15</inkml:trace>
+  <inkml:trace contextRef="#ctx0" brushRef="#br0" timeOffset="19839.23">13017 2477 0,'0'0'0,"-21"21"0,0-21 16,0 0-16,0 0 0,-22 21 0,22-21 16,-21 0-16,21 0 0,-22 0 15,22 0-15,0 0 0,-21 0 0,21 0 16,-1 0-16,1 0 0,0 0 16,42 0 15,0 0-31,1 0 0,-1 0 0,21 0 15,0 0-15,22 0 0,-22 0 0,22 0 16,-1 0-16,1 0 0,-1 0 16,1 0-16,-1 0 0,-20 0 0,-1 0 15,0 0-15,-21 0 16,1 0-16,-1 0 0,-42 0 16,-22 0-1,1 0-15,0 0 0,-22 0 0,22 0 16,-22 0-16,1 0 0,-1 0 15,22 0-15,0 0 0,-1 0 0,1 0 16,21 0-16,0 0 0,-1 0 0,1 0 16,42 0-1,1 0 1,-1 0-16,21 0 16,-21 0-16,22 0 0,-1 0 0,0 0 0,1 0 15,-1 0-15,0 0 16,1 0-16,-22 0 0,21 0 0,-21 0 15,0 0-15,1 0 0,-44 0 16,1 0 0,-21 0-16,-22 0 0,22-21 0,-21 21 15,-1 0-15,1 0 0,-1 0 16,22 0-16,-22 0 0,22 0 0,0 0 16,-1 0-16,1 0 0,21 0 15,0 0-15,-1 0 0,22 21 16,22-21-1,-1 0-15,21 0 0,0 0 0,1 0 16,-1 0-16,22 0 16,-1 0-16,1 0 0,-1 0 0,1 0 15,-1 0-15,1 0 0,-22 0 0,0 0 16,-21 0-16,1 0 0,-44-21 16,-20 21-1,0 0-15,-1 0 0,1 0 16,-21 0-16,-1 0 0,22 0 0,-1 0 15,1 0-15,0 0 0,21 0 16,-1 0-16,44 0 31</inkml:trace>
+  <inkml:trace contextRef="#ctx0" brushRef="#br0" timeOffset="25243.17">3852 1397 0,'0'-21'63,"21"0"-48,-21 0-15,22 21 0,-22-22 16,21 22-16,-21-21 0,0 0 16,21 0-16,-21 0 0,21 0 15,0-1 1,-21 1-16,0 0 0,21 0 15,1 0-15,-1 21 0,-21-21 0,21-1 16,0 1-16,-21 0 0,21 0 16,0 0-16,1 0 0,-22-1 0,21 22 15,0-21-15,0 0 0,-21 0 16,21 0-16,0 0 0,1-1 16,-1 22-16,0-21 0,0 0 0,0 0 15,0 21-15,1-21 0,20 21 16,-21-21-16,0 21 0,22-22 15,-1 1-15,-21 21 0,21 0 16,1-21-16,-1 21 0,0 0 16,1-21-16,-22 21 0,21 0 0,-21 0 15,22 0-15,-22 0 0,21 0 16,-21 0-16,1 0 0,-1 0 0,21 0 16,-21 0-16,0 0 0,1 0 15,20 21-15,-21-21 0,21 0 0,-20 0 16,20 21-16,0-21 0,1 0 15,-1 0-15,0 21 0,1-21 16,20 0-16,-21 0 0,1 22 0,-1-22 16,0 0-16,1 0 0,-1 21 15,0-21-15,1 0 0,-1 0 16,0 0-16,-20 0 0,20 21 16,0-21-16,1 0 0,-22 0 0,21 0 15,0 0-15,1 0 0,-22 0 16,21 0-16,1 0 0,-1 0 0,0 0 15,1 0-15,-1 0 0,0-21 16,-21 21-16,22 0 0,-1-21 0,0 21 16,1 0-16,-1-22 0,-21 1 15,22 21-15,-22 0 0,0-21 16,21 21-16,-21 0 0,1-21 0,-1 21 16,0-21-16,0 21 0,-21-21 15,0-1 1,0 1-1,0 0 1,-21 21 47,0 0-63,0 21 0,21 0 15,-22 1 1,22-1-16,0 0 0,0 0 15,0 0 1,0 0-16,22-21 16,-1 22-16,0-22 15,0 0-15,0 0 0,0 21 0,1-21 16,-1 0-16,21 0 0,-21 0 16,22 0-16,-1 21 0,0-21 15,22 0-15,-22 0 0,22 0 0,-1 0 16,-21 0-16,22 0 0,-22 0 15,22 0-15,-22 0 0,22 0 0,-22 0 16,0 0-16,1 0 0,-1-21 16,21 21-16,-20 0 0,-1-21 0,0 21 15,1 0-15,-1 0 16,22-22-16,-1 22 0,-21 0 0,22-21 16,-1 21-16,1 0 0,-1 0 15,1-21-15,-1 21 0,1-21 0,-22 21 16,22 0-16,-22 0 0,22-21 15,-22 21-15,0 0 0,1 0 0,-1 0 16,21-21-16,-20 21 0,-1 0 16,22 0-16,-22 0 0,21 0 0,1 0 15,-22 0-15,1 0 0,-1 0 16,0 0-16,1 0 0,-22 0 16,21 0-16,-21 0 0,0 0 0,1 0 15,-1 0-15,0 0 16,0 0-16,-21 21 15,21-21-15,0 21 0,-21 0 16,22 0-16,-22 0 16,0 1-16,0-1 15,0 0-15,0 0 0,0 0 16,0 0-16,0 22 0,-22-22 16,22 0-16,-21 0 0,21 0 0,-21 1 15,21-1-15,0 0 16,-21-21-16,21 21 0,0 0 15,-21-21 17,0 0-17,-1 0-15,-20 0 16,21 21-16,-21-21 0,-1 0 0,1 0 16,-22 0-16</inkml:trace>
+  <inkml:trace contextRef="#ctx0" brushRef="#br0" timeOffset="29574.84">1736 2625 0,'21'21'15,"-21"0"-15,0 0 16,0 0-16,21 22 0,-21-22 16,0 21-16,0-21 0,0 22 0,0-1 15,21 0-15,-21 1 0,21-1 16,-21 22-16,21-22 0,-21 21 0,0 1 15,22-1-15,-1 22 16,-21-21-16,21-1 0,0 1 0,0-1 16,0 1-16,1-1 0,-1 1 15,0 20-15,21-20 0,1 20 16,-1 1-16,0-21 0,22 20 0,-22-20 16,0 20-16,1 1 0,20 0 15,-20-1-15,-1 1 0,0 0 0,-21-1 16,22 22-16,-1-21 0,-21 0 15,0-1-15,1 1 0,-1 21 0,0-22 16,0 1-16,0 21 0,0-21 16,1-1-16,-1 1 0,-21 21 0,21-22 15,0 22-15,0-21 16,0 21-16,1-22 0,-1 1 0,0 21 16,0-21-16,0 20 0,0-20 0,1 21 15,-1-21-15,21-1 0,-21 1 16,0 0-16,22-1 0,-22-20 0,21 20 15,-21 1-15,22-21 0,-22 20 16,21 1-16,-21-22 0,22 22 0,-22-21 16,0-1-16,0 1 0,22 20 0,-22-41 15,0 20-15,0 1 0,0-1 16,0-21-16,1 1 0,-1-1 0,0 0 16,0 1-16,0-22 0,0 0 15,1 0-15,-1 0 0,0-21 16,0 0-16,0 0 15,0 0-15,1-21 16,-1 0-16,0 21 0,0-21 16,21 0-16,-20 0 0,20-1 0,-21 1 15,21 0-15,22 0 0,-22 0 16,22 21-16,-22-21 0,22-1 0,-1 1 16,22 21-16,-22-21 0,22 0 0,-22 21 15,22-21-15,-21 21 0,20 0 16,1-21-16,21-1 0,-22 22 0,22 0 15,0-21-15,0 21 0,0 0 16,0-21-16,-1 21 0,1 0 0,21 0 16,-21 0-16,21 0 0,0 0 15,0 0-15,0 0 0,-21 0 0,21 0 16,0 0-16,0 0 0,21 0 0,-21 0 16,0 0-16,21 0 0,-21 0 0,0 0 15,0 0-15,21 0 0,-21 0 16,0 0-16,0 21 0,22-21 0,-22 0 15,-22 21-15,22-21 0,0 22 0,-21-22 16,0 21-16,21-21 0,-21 21 16,-21-21-16,20 21 0,-20-21 15,0 21-15,-1-21 0,1 21 0,0-21 16,-1 0-16,1 22 0,0-22 0,-1 0 16,1 21-16,0-21 0,-1 0 15,1 0-15,0 0 0,-1 21 0,1-21 16,-21 0-16,20 0 0,-20 0 0,-1 0 15,1 0-15,-1 0 0,-20 21 0,20-21 16,-21 0-16,1 0 0,-22 0 16,21 0-16,-21 0 0,1 0 0,-1 0 15,0-21-15,0 0 0,0 21 16,-21-21-16,21-1 0,1 22 0,-22-21 16,21 0-16,-21 0 15,0 0-15,21 0 0,-21-1 0,0-20 16,0 21-16,0 0 0,0-22 0,0 22 15,0-21-15,0 21 0,0-22 0,0 1 16,0 0-16,0-1 0,0-20 16,0 21-16,0-22 0,0 22 0,0-22 15,0 22-15,0 0 0,0-22 0,0 22 16,0-1-16,0 1 0,-21 0 16,21-22-16,-21 22 0,-1 0 0,1-1 15,21-20-15,-21 20 0,-21 1 0,21-21 16,-1 20-16,1-20 0,-21 20 15,21 1-15,0-21 0,-1 20 16,1 1-16,-21 0 0,42-22 0,-21 22 16,0-1-16,-1-20 0,1 21 0,0-22 15,0 22-15,-21-22 0,20 22 16,1 0-16,-21-22 0,0 22 0,20-1 16,-20 1-16,0 0 0,-1-1 15,1 1-15,0 0 0,-1 21 0,1-22 16,0 1-16,-1 0 0,1-1 15,0 1-15,-1 0 0,1-22 0,0 22 16,-1-1-16,1 1 0,0 21 16,-22-21-16,22-1 0,0 1 0,-1 0 15,-20-1-15,20 22 0,1-21 16,0-1-16,-1 22 0,22-21 0,-21 0 16,21 20-16,-22-20 0,22 21 15,0-21-15,0 20 0,0-20 0,0 21 16,-1-21-16,1-1 0,0 22 0,-21-21 15,21-1-15,-1 1 0,1 21 16,0-21-16,0-1 0,0 22 0,0-21 16,21 21-16,-22-22 0,22 22 0,-21-21 15,21 21-15,-21-1 0,21 1 16,0 0-16,0-21 0,-21 21 0,21-1 16,0 1-16,-21-21 15,21 21-15,0 0 0,0-22 0,0 22 16,0 0-16,0-21 0,0 20 0,0 1 15,0-21-15,0 21 0,0 0 16,0-1-16,0-20 0,0 21 0,0 0 16,0-22-16,0 22 0,0 0 15,0 0-15,0-21 0,0 20 0,0 1 16,0-21-16,21 21 0,0 0 16,0-22-16,0 22 0,1-21 0,-1 21 15,0-1-15,0-20 0,21 21 16,-20-21-16,20-1 0,-21 22 0,21 0 15,-20-21-15,20 20 0,-21-20 16,21 21-16,-20-21 0,-1 20 16,21-20-16,-21 21 0,0-21 0,1-1 15,20 22-15,-21-21 0,0-1 16,22 1-16,-22 0 0,0 21 0,21-22 16,-21 1-16,1 0 0,20-1 15,0 1-15,-21 0 0,22 20 0,-22-20 16,21 0-16,1-1 0,-22 1 0,21 0 15,-21-1-15,22 1 0,-22 0 16,0-1-16,0 1 0,0-21 0,0 20 16,1 1-16,-1 0 0,0-22 15,0 43-15,0-21 0,0-1 16,1 1-16,-1 0 0,0 20 16,0-20-16,0 0 0,0-1 0,22 22 15,-22-21-15,0 0 0,0-1 16,0 1-16,1 0 0,-1-1 0,0 1 15,0 0-15,-21-1 0,0 1 16,21 0-16,-21-1 0,0 1 0,0 0 16,0-1-16,0 22 0,0-21 15,0-1-15,0 22 0,0-21 0,-741-276 94,678 318-94,-22 0 0,22 0 16,-1-21-16,-20 21 0,20 0 15,-21 0-15,22 0 0,-22 0 0,1 0 16,-1 0-16,0 0 0,1 0 16,-22 0-16,21 0 0,0 0 0,1 0 15,-1 0-15,0 0 0,1 0 16,-1 21-16,0-21 0,-20 0 0,20 0 15,0 0-15,1 0 16,-1 22-16,21-22 0,1 0 0,-1 0 16,1 0-16,-1 21 0,1-21 15,-1 0-15,1 21 0,-22-21 0,22 0 16,-1 21-16,-20-21 0,-1 21 16,21-21-16,-20 21 0,20-21 0,-20 0 15,20 22-15,1-22 0,-1 0 16,22 21-16,-22-21 0,1 0 15,-1 21-15,-20-21 0,20 0 0,-21 21 16,1-21-16,20 0 0,-20 21 16,-1-21-16,0 0 0,22 21 0,-22-21 15,0 0-15,22 22 16,-22-22-16,1 21 0,-1-21 0,0 0 16,1 0-16,-1 21 0,0-21 15,1 0-15,20 0 0,1 21 0,-1-21 16,1 0-16,-1 0 0,22 0 15,-22 0-15,1 0 0,20 21 0,-20-21 16,-1 0-16,22 0 0,-21 0 16,-1 0-16,-21 0 0,22 0 15,-1 0-15,1 21 0,-1-21 0,1 0 16,21 0-16,-22 0 0,22 0 16,-1 0-16,1 0 0,0 0 15,-1 0-15,1 0 0,0 0 16,-1 0-16,22 0 0,-21 0 0,0 0 15,-1 0-15,1 0 0,0 22 16,-1-22-16,1 0 0,0 0 0,20 0 16,-20 0-16,0 0 0,-1 0 15,1 21-15,21-21 0,-21 0 16,-1 0-16,-20 0 0,20 21 0,-20-21 16,21 0-16,-22 21 0,1 0 15,-1-21-15,1 0 0,-1 21 16,1-21-16,-1 0 0,1 0 0,-1 0 15,22 0-15,-1 0 16,1 0-16,0 0 0,21 0 0,-1 0 16,-20 22-16,21-22 0,0 0 15,0 21-15,-1-21 0,1 0 16,0 0-16,0 21 0,0-21 16,0 21-1,-1-21-15,1 21 16,21 0-16,-21-21 15,0 22-15,0-1 0,0 0 16,-1 0-16,1 0 0,-21 0 16,0 1-16,20 20 0,-20-21 0,0 21 15,21-20-15,-22-1 16,22 21-16,0-21 0,21 0 16,0 22-16,0-22 0,0 21 0,21-21 15,0 22-15,0-1 0,1 0 16,-1 1-16,21 20 0,-21 1 15,0-1-15,-21 1 0,22-1 0,-1 1 16,-21 20-16,0-20 0,0-1 16,21 1-16,-21-1 0,21 1 0,-21-1 15,0 1-15,0-22 0,21 22 16,-21-1-16,21-20 0,-21 20 16,0-21-16,0 1 0,0-1 15,0 0-15,0 1 0,0 20 16,-21-20-16,0-1 0,0 0 0,21 22 15,-21-22-15,21 22 0,0-22 16,0 0-16,0 22 0,21-22 0,0-21 16,0 22-16</inkml:trace>
+  <inkml:trace contextRef="#ctx0" brushRef="#br0" timeOffset="33696.53">4551 4339 0,'0'0'0,"-21"0"0,-1-21 16,1 21-16,0-21 0,-21 21 16,21 0-16,-1 0 0,1-21 15,21 42 1,21 0 0,1 0-16,20-21 0,0 21 15,1 1-15,20 20 0,1-21 16,-1 0-16,1 0 0,-1 22 15,1-22-15,-1 21 0,1 1 0,-1-1 16,-21 0-16,22 22 0,-22-22 16,22 22-16,-1-22 0,-20 21 0,-1-20 15,0-1-15,1 0 0,-1-20 16,0 20-16,1-21 0,-22 0 0,0 0 16,0 1-16,-21-1 15,-21-21 1,0-21-1,0-1-15,-1 1 0,1 0 16,-21 0-16,21-21 0,-22 20 16,22-20-16</inkml:trace>
+  <inkml:trace contextRef="#ctx0" brushRef="#br0" timeOffset="33996.36">5334 4128 0,'0'0'16,"21"0"-16,-21 21 15,-21 0-15,0 0 0,0 21 16,-22 1-16,1-1 0,0 0 16,-22 22-16,1-1 0,-1 1 0,-21 21 15,1-1-15,-22 1 0,21 21 16,-21-22-16,22 1 0,-1 0 0,0-1 15,22 1-15,-22-21 0,22 20 16,-1-20-16,1-1 0,-1 1 0,22-1 16,0-20-16,-1 20 0,1-21 15,21 1-15,21-22 0,0 21 0,0-21 16,0 1-16,0-1 0</inkml:trace>
 </inkml:ink>
 </file>
 
@@ -327,14 +544,14 @@
   <inkml:trace contextRef="#ctx0" brushRef="#br0" timeOffset="18107.73">13293 2392 0,'0'0'0,"0"-21"0,0 0 15,21-1-15,-21 1 0,0 42 63,-21 22-63,21-22 0,0 21 0,0-21 16,-22 22-16,22-22 0,-21 21 15,21-21-15,-21 22 0,21-22 0,-21 21 16,21-21-16,0 1 0,0-1 15,0 0-15,0 0 16,21-21 15,0-21-31,0 21 0,1-21 16,-1 0-16,0-1 0,21 1 0</inkml:trace>
   <inkml:trace contextRef="#ctx0" brushRef="#br0" timeOffset="18527.5">13801 2307 0,'21'0'0,"-42"0"0,42-21 16,-42 21-1,-1 0-15,1 0 16,0 0-16,0 0 0,0 21 16,0-21-16,-1 21 0,-20 1 0,21-1 15,0-21-15,0 21 16,21 0-16,0 0 0,-22 0 0,22 1 15,0-1-15,0 0 0,22 0 16,-1-21 0,0 0-16,0 0 0,0 0 0,22 0 15,-22 21-15,0-21 0,21 0 0,-21 0 16,1 0-16,-1 21 0,0-21 16,0 22-16,0-22 0,0 21 15,-21 0-15,0 0 0,0 0 16,-21-21-16,0 21 15,0-21-15,0 0 0,0 22 16,-22-22-16,22 0 0,0 0 0,-21 21 16,20-21-16,1 0 0,0 0 15,0 0-15,0 0 0,0 0 0,-1 0 16,22-21 0,-21 21-16,21-22 0,0 1 15,-21 0-15,21 0 0,0-21 16</inkml:trace>
   <inkml:trace contextRef="#ctx0" brushRef="#br0" timeOffset="18740">13377 2053 0,'-21'-21'15,"0"21"1,21-21 15,21 21 1</inkml:trace>
-  <inkml:trace contextRef="#ctx0" brushRef="#br0" timeOffset="22065.61">14541 2773 0,'0'-21'31,"22"0"-31,-1-1 16,0 1-16,0 0 0,0 0 0,0 0 16,1-22-16,-1 22 0,0-21 15,0 0-15,0-1 0,0 1 0,1-22 16,20 22-16,-21-21 0,0 20 0,0-20 15,1-1-15,-1 1 0,0-1 16,-21 22-16,0-22 0,0 22 0,0 0 16,0-1-16,0 1 0,0 21 15,0 0-15,-21 21 0,-22 0 16,22 0-16,0 0 0,0 0 0,0 21 16,0 0-16,-1 21 15,1 1-15,0-1 0,0 0 0,0 22 16,21-22-16,0 22 0,0-1 15,-21-20-15,21 20 0,0 1 0,-22-22 16,22 21-16,0 1 0,-21-22 0,21 1 16,0-1-16,0 0 0,0 1 15,0-22-15,0 0 0,0 0 0,0 0 16,0 0-16,21-21 31,1-21-31,-1 0 0,0 0 16,0 0-16,-21-22 0,21 22 15,0 0-15,1-21 0,-1-22 16,0 43-16,0 0 0,0-21 16,0 20-16,1 1 15,-22 0-15,0 42 16,0 0 0,0 1-16,0 20 0,0-21 15,0 0-15,0 22 0,0-22 0,21 21 16,0 0-16,0-20 0,-21 20 15,21-21-15,0 0 0,1-21 16,-1 21-16,0 1 0,0-22 0,21 0 16,-20 0-16,-1 0 0,21 0 0,0 0 15,22 0 1,-22 0-16,-21-22 0,22 1 0,-1 21 16,-21-21-16,0 0 0,22 0 15,-22-22-15,0 22 0,0-21 0,0 21 16,1-22-16,-22 1 0,0 21 0,21-21 15,-21-1-15,0 22 0,0 0 16,0-21-16,0 20 0,-21 1 16,-1 21-16,1-21 0,0 21 0,-21 0 15,21 0-15,-22 0 0,22 0 0,-21 21 16,-1 0-16,1 1 0,0-1 0,-1 0 16,22 21-16,-21 1 0,21-22 15,0 21-15,-1 0 0,1 1 16,21-22-16,0 21 0,0 1 0,0-22 15,0 0-15,0 0 0,21 0 16,1 0-16,-1 1 0,0-22 0,21 0 16,-21 0-16,22 0 0,-22 0 0,21 0 15,1 0-15,-22 0 0,21-22 16,-21 1-16,43 0 16,-43 0-16,0-21 0,0 20 0,0 1 0,1-21 15,-22 21-15,0-22 16,21 22-16,-21-21 0,0 21 0,0 0 0,0-1 15,0 1-15,0 0 16,0 42 15,-21 0-31,21 1 0,0-1 16,0 0-16,0 0 0,0 21 0,0-20 16,0-1-16,0 0 0,0 21 0,0-21 15,0 1-15,0-1 0,0 0 16,21 0-16,0 0 0,0-21 15,0 0-15,0 0 0,1 0 16,-1 0-16,21 0 0,-21 0 16,0-21-16,1 0 0,-1 21 15,0-21-15,21 0 0,-21-1 0,1-20 16,-22 21-16,21-21 0,0 20 16,0-20-16,0 21 0,-21-21 0,0 20 15,21 1-15,-21 0 0,22 0 16,-22 0-16,0 0 0,0 42 31,0 0-31,0 0 0,0 0 16,0 0-16,-22 22 0,22-22 0,0 21 15,-21-21-15,21 1 0,0 20 16,0-21-16,0 0 0,0 0 0,0 1 16,0-1-16,21-21 15,1 21-15,-1-21 0,0 0 16,0 0-16,21 0 0,-20 0 0,-1-21 15,21 0-15,-21-1 0,22 1 16,-22 0-16,21 0 0,-21 0 0,22-22 16,-22 22-16,0-21 0,21 21 0,-21-22 15,1 22-15,-1 0 0,-21-21 16,21 21-16,-21-1 0,21 1 0,-21 0 16,0 0-16,0 0 15,-21 42 1,21 0-16,-21 0 15,21 0-15,0 1 16,-21 20-16,-1-21 0,1 43 16,21-22-16,0 0 0,0-21 15,0 22-15,0-22 0,0 0 0,0 21 16,0-20-16,0-1 0,21 0 16,1-21-16,-1 0 0,0 0 15,0 0-15,0 0 0,0 0 0,1 0 16,20 0-16,0-21 0,-21 0 15,22-1-15,-22 1 0,42-21 16,-41 0-16,-1 20 0,0-20 16,21 0-16,-42 21 0,21-22 15,1 1-15,20 0 16,-42-1-16,0 22 0,0 0 0,0 0 16,0 0-16,-21 21 15,0 0 1,-1 0-16,1 21 0,0 0 15,0-21-15,21 21 0,-21 21 0,0-20 16,21-1-16,0 21 0,-22-21 0,22 0 16,-21 22-16,21-22 0,0 21 15,0-21-15,0 1 0,0-1 0,0 0 16,0 0-16,21 0 0,1 0 16,-1-21-16,0 0 0,0 0 0,0 0 15,0 0-15,22 0 0,-22 0 16,64 0-16,-43-21 0,0 0 15,-21 0-15,22 21 0,-1-42 16,-21 20-16,22 1 0,-22 0 0,0-21 16,0 21-16,0-22 0,0 22 15,-21 0-15,0 0 0,0 0 0,0-1 16,0 1-16,0 0 0,-21 42 31,21 0-15,-21 1-16,21-1 0,0 0 15,0 0-15,0 21 0,0-20 0,0-1 16,0 21-16,0-21 0,0 0 16,0 1-16,0-1 0,21 0 15,0 0-15,1-21 0,-1 0 0,0 21 16,0-21-16,0 0 0,0 0 16,22 0-16,-22 0 0,0-21 0,0 0 15,22-21-15,-22 20 0,0 1 16,0 0-16,-21-21 0,21 21 15,0-1-15,-21-20 0,22 21 0,-22 0 16,0 0-16,0-1 0,0 1 16,0 0-16,0 42 31,-22 0-31,22 1 16,-21-1-16,21 0 0,-21 0 0,0 0 15,21 0-15,0 22 0,-21-22 16,21 0-16,-21 0 0,21 0 0,0 1 15,0-1-15,0 0 0,-22-21 16,22-21 15,0 0-15,0-1-16,0 1 0,22 0 0,-22 0 16,21 0-16,0 0 0,-21-1 0,21 1 15,0 0-15,0 0 16,1 0-16,-1 0 0,0-1 0,0 22 15,21-21-15,-20 21 16,-1 0-16,0 0 0,0 0 0,0 0 16,-21 21-16,0 1 0,0-1 15,0 0-15,0 0 16,0 0-16,0 0 0,0 1 0,0-1 16,0 0-16,0 0 0,0 0 15,21 0-15,-21 1 0,22-22 0,-22 21 16,21-21-16,0 0 0,0 21 0,0-21 15,0 0-15,43 0 16,-22 0-16,43 0 16,-43-21-16,-21 21 0,22-21 15,-1-1-15,0 22 0,-20-21 0,20 0 16,-21-21-16,0 21 0,0-1 0,1 1 16,-1 0-16,-21-21 0,21 21 15,-21-1-15,0 1 0,0 0 0,0 0 16,0 0-16,-21 21 15,0-21-15,-1 21 0,1 0 0,-21 0 16,21 0-16,0 21 0,-22 0 0,22 0 16,0 0-16,-21 0 0,20 1 15,-20 41 1,42-21-16,0-20 0,0-1 16,0 0-16,0 0 0,0 0 15,21 0-15,0-21 0,1 0 0,-1 22 16,0-22-16,42 0 15,-41 0-15,-1 0 0,42-22 16,-42 1-16,1 0 0,-1 21 16,0-21-16,-21 0 0,21 0 0,0-1 15,-21 1-15,0 0 0,21 0 16,-21 0-16,0 0 0,-21 21 47,21 21-32,-21 0-15,0 0 0,0 0 16,21 0-16,-21 22 0,-1-22 16,22 21-16,-21 43 0,0-43 15,21 1-15,0-1 0,0 0 16,-21 22-16,21-22 0,0 0 0,0 1 16,0 20-16,0-20 0,0-1 0,0 21 15,0-20-15,0 20 0,0-20 16,0-1-16,0 21 0,0-20 15,0-1-15,0 0 0,0 1 0,0-1 16,-21 0-16,0 1 0,-1-22 0,1 21 16,0-21-16,0 1 0,-21-1 15,-1 0-15,-20-21 16,42 0-16,-22 0 0,22 0 16,-21 0-16,21 0 0,-1 0 0,1-21 15,0 21-15,0-21 0,21-1 0,0 1 16,0 0-16,0 0 15,0 0-15,0 0 0,0-1 0,0-20 16,0 21-16,0-21 0,0 20 0</inkml:trace>
+  <inkml:trace contextRef="#ctx0" brushRef="#br0" timeOffset="22065.6">14541 2773 0,'0'-21'31,"22"0"-31,-1-1 16,0 1-16,0 0 0,0 0 0,0 0 16,1-22-16,-1 22 0,0-21 15,0 0-15,0-1 0,0 1 0,1-22 16,20 22-16,-21-21 0,0 20 0,0-20 15,1-1-15,-1 1 0,0-1 16,-21 22-16,0-22 0,0 22 0,0 0 16,0-1-16,0 1 0,0 21 15,0 0-15,-21 21 0,-22 0 16,22 0-16,0 0 0,0 0 0,0 21 16,0 0-16,-1 21 15,1 1-15,0-1 0,0 0 0,0 22 16,21-22-16,0 22 0,0-1 15,-21-20-15,21 20 0,0 1 0,-22-22 16,22 21-16,0 1 0,-21-22 0,21 1 16,0-1-16,0 0 0,0 1 15,0-22-15,0 0 0,0 0 0,0 0 16,0 0-16,21-21 31,1-21-31,-1 0 0,0 0 16,0 0-16,-21-22 0,21 22 15,0 0-15,1-21 0,-1-22 16,0 43-16,0 0 0,0-21 16,0 20-16,1 1 15,-22 0-15,0 42 16,0 0 0,0 1-16,0 20 0,0-21 15,0 0-15,0 22 0,0-22 0,21 21 16,0 0-16,0-20 0,-21 20 15,21-21-15,0 0 0,1-21 16,-1 21-16,0 1 0,0-22 0,21 0 16,-20 0-16,-1 0 0,21 0 0,0 0 15,22 0 1,-22 0-16,-21-22 0,22 1 0,-1 21 16,-21-21-16,0 0 0,22 0 15,-22-22-15,0 22 0,0-21 0,0 21 16,1-22-16,-22 1 0,0 21 0,21-21 15,-21-1-15,0 22 0,0 0 16,0-21-16,0 20 0,-21 1 16,-1 21-16,1-21 0,0 21 0,-21 0 15,21 0-15,-22 0 0,22 0 0,-21 21 16,-1 0-16,1 1 0,0-1 0,-1 0 16,22 21-16,-21 1 0,21-22 15,0 21-15,-1 0 0,1 1 16,21-22-16,0 21 0,0 1 0,0-22 15,0 0-15,0 0 0,21 0 16,1 0-16,-1 1 0,0-22 0,21 0 16,-21 0-16,22 0 0,-22 0 0,21 0 15,1 0-15,-22 0 0,21-22 16,-21 1-16,43 0 16,-43 0-16,0-21 0,0 20 0,0 1 0,1-21 15,-22 21-15,0-22 16,21 22-16,-21-21 0,0 21 0,0 0 0,0-1 15,0 1-15,0 0 16,0 42 15,-21 0-31,21 1 0,0-1 16,0 0-16,0 0 0,0 21 0,0-20 16,0-1-16,0 0 0,0 21 0,0-21 15,0 1-15,0-1 0,0 0 16,21 0-16,0 0 0,0-21 15,0 0-15,0 0 0,1 0 16,-1 0-16,21 0 0,-21 0 16,0-21-16,1 0 0,-1 21 15,0-21-15,21 0 0,-21-1 0,1-20 16,-22 21-16,21-21 0,0 20 16,0-20-16,0 21 0,-21-21 0,0 20 15,21 1-15,-21 0 0,22 0 16,-22 0-16,0 0 0,0 42 31,0 0-31,0 0 0,0 0 16,0 0-16,-22 22 0,22-22 0,0 21 15,-21-21-15,21 1 0,0 20 16,0-21-16,0 0 0,0 0 0,0 1 16,0-1-16,21-21 15,1 21-15,-1-21 0,0 0 16,0 0-16,21 0 0,-20 0 0,-1-21 15,21 0-15,-21-1 0,22 1 16,-22 0-16,21 0 0,-21 0 0,22-22 16,-22 22-16,0-21 0,21 21 0,-21-22 15,1 22-15,-1 0 0,-21-21 16,21 21-16,-21-1 0,21 1 0,-21 0 16,0 0-16,0 0 15,-21 42 1,21 0-16,-21 0 15,21 0-15,0 1 16,-21 20-16,-1-21 0,1 43 16,21-22-16,0 0 0,0-21 15,0 22-15,0-22 0,0 0 0,0 21 16,0-20-16,0-1 0,21 0 16,1-21-16,-1 0 0,0 0 15,0 0-15,0 0 0,0 0 0,1 0 16,20 0-16,0-21 0,-21 0 15,22-1-15,-22 1 0,42-21 16,-41 0-16,-1 20 0,0-20 16,21 0-16,-42 21 0,21-22 15,1 1-15,20 0 16,-42-1-16,0 22 0,0 0 0,0 0 16,0 0-16,-21 21 15,0 0 1,-1 0-16,1 21 0,0 0 15,0-21-15,21 21 0,-21 21 0,0-20 16,21-1-16,0 21 0,-22-21 0,22 0 16,-21 22-16,21-22 0,0 21 15,0-21-15,0 1 0,0-1 0,0 0 16,0 0-16,21 0 0,1 0 16,-1-21-16,0 0 0,0 0 0,0 0 15,0 0-15,22 0 0,-22 0 16,64 0-16,-43-21 0,0 0 15,-21 0-15,22 21 0,-1-42 16,-21 20-16,22 1 0,-22 0 0,0-21 16,0 21-16,0-22 0,0 22 15,-21 0-15,0 0 0,0 0 0,0-1 16,0 1-16,0 0 0,-21 42 31,21 0-15,-21 1-16,21-1 0,0 0 15,0 0-15,0 21 0,0-20 0,0-1 16,0 21-16,0-21 0,0 0 16,0 1-16,0-1 0,21 0 15,0 0-15,1-21 0,-1 0 0,0 21 16,0-21-16,0 0 0,0 0 16,22 0-16,-22 0 0,0-21 0,0 0 15,22-21-15,-22 20 0,0 1 16,0 0-16,-21-21 0,21 21 15,0-1-15,-21-20 0,22 21 0,-22 0 16,0 0-16,0-1 0,0 1 16,0 0-16,0 42 31,-22 0-31,22 1 16,-21-1-16,21 0 0,-21 0 0,0 0 15,21 0-15,0 22 0,-21-22 16,21 0-16,-21 0 0,21 0 0,0 1 15,0-1-15,0 0 0,-22-21 16,22-21 15,0 0-15,0-1-16,0 1 0,22 0 0,-22 0 16,21 0-16,0 0 0,-21-1 0,21 1 15,0 0-15,0 0 16,1 0-16,-1 0 0,0-1 0,0 22 15,21-21-15,-20 21 16,-1 0-16,0 0 0,0 0 0,0 0 16,-21 21-16,0 1 0,0-1 15,0 0-15,0 0 16,0 0-16,0 0 0,0 1 0,0-1 16,0 0-16,0 0 0,0 0 15,21 0-15,-21 1 0,22-22 0,-22 21 16,21-21-16,0 0 0,0 21 0,0-21 15,0 0-15,43 0 16,-22 0-16,43 0 16,-43-21-16,-21 21 0,22-21 15,-1-1-15,0 22 0,-20-21 0,20 0 16,-21-21-16,0 21 0,0-1 0,1 1 16,-1 0-16,-21-21 0,21 21 15,-21-1-15,0 1 0,0 0 0,0 0 16,0 0-16,-21 21 15,0-21-15,-1 21 0,1 0 0,-21 0 16,21 0-16,0 21 0,-22 0 0,22 0 16,0 0-16,-21 0 0,20 1 15,-20 41 1,42-21-16,0-20 0,0-1 16,0 0-16,0 0 0,0 0 15,21 0-15,0-21 0,1 0 0,-1 22 16,0-22-16,42 0 15,-41 0-15,-1 0 0,42-22 16,-42 1-16,1 0 0,-1 21 16,0-21-16,-21 0 0,21 0 0,0-1 15,-21 1-15,0 0 0,21 0 16,-21 0-16,0 0 0,-21 21 47,21 21-32,-21 0-15,0 0 0,0 0 16,21 0-16,-21 22 0,-1-22 16,22 21-16,-21 43 0,0-43 15,21 1-15,0-1 0,0 0 16,-21 22-16,21-22 0,0 0 0,0 1 16,0 20-16,0-20 0,0-1 0,0 21 15,0-20-15,0 20 0,0-20 16,0-1-16,0 21 0,0-20 15,0-1-15,0 0 0,0 1 0,0-1 16,-21 0-16,0 1 0,-1-22 0,1 21 16,0-21-16,0 1 0,-21-1 15,-1 0-15,-20-21 16,42 0-16,-22 0 0,22 0 16,-21 0-16,21 0 0,-1 0 0,1-21 15,0 21-15,0-21 0,21-1 0,0 1 16,0 0-16,0 0 15,0 0-15,0 0 0,0-1 0,0-20 16,0 21-16,0-21 0,0 20 0</inkml:trace>
   <inkml:trace contextRef="#ctx0" brushRef="#br0" timeOffset="22287.95">17865 1947 0,'0'0'0,"-64"-21"31,64 0-31,-21 21 0,21-21 62,21 21-62</inkml:trace>
   <inkml:trace contextRef="#ctx0" brushRef="#br0" timeOffset="23126.47">20066 1799 0,'0'0'0,"21"-42"0,0 21 16,-21-22-16,0 22 0,21 0 15,-21 0-15,0 0 0,0 0 0,22-1 16,-22 44 15,0-1-31,0 0 0,0 0 16,0 21-16,0 1 0,0-1 0,0 0 15,0 22-15,0-22 0,0 1 16,0-1-16,0 0 0,0 1 0,0-1 16,-22 0-16,22-21 0,0 22 15,-21-22-15,21 0 0,0 21 16,0-20-16,-21-1 0,21 0 0,-21-21 31,21-21-15,0 0-1,0-1-15,0 1 16,0 0-16,0 0 0,0 0 0,0 0 16,21-1-16,0 1 0,0 0 15,1 0-15,20 0 0,-21 0 16,21 21-16,1-22 0,-1 1 15,0 21-15,1 0 0,-1 0 0,0 0 16,1 0-16,-1 0 0,-21 0 0,22 0 16,-22 21-16,0 1 0,0-1 15,0 0-15,-21 21 0,0-21 0,0 1 16,0-1-16,0 0 0,-21 0 16,0 21-16,0-20 0,-22-1 0,-20 0 15,21 0-15,-1 0 0,22-21 16,-21 0-16,-1 21 0,22-21 15,-21 0-15,21 0 0,0 0 0,-1 0 16,1 0-16,0-21 16,21 0-16,0 0 15,0 0 1,0 0-16,21 21 16,-21-22-16,21 22 0,1-21 0</inkml:trace>
   <inkml:trace contextRef="#ctx0" brushRef="#br0" timeOffset="23612.19">21082 2011 0,'0'0'0,"0"-21"16,-21 21-1,0 0-15,-1 0 16,1 0-16,0 21 15,0-21-15,0 21 0,-22 0 0,22 0 16,0 1-16,0 20 0,0-21 16,21 0-16,-21 0 0,21 1 0,-22-1 15,22 21-15,0-21 0,0 0 16,0 1-16,22-1 0,-1 0 16,0 0-16,0-21 0,0 0 0,0 21 15,22-21-15,-22 0 0,0 0 16,21 0-16,-20 0 0,-1 0 15,21-21-15,-21 0 0,0 21 0,1-21 16,20 0-16,-21-1 0,0 1 16,-21-21-16,0 21 0,21 0 0,-21-22 15,0 22-15,0-42 16,0 20-16,-21 22 0,0 0 0,0 0 16,0 21-16,0 0 0,-1-21 15,1 21-15,0 0 0,-21 0 0,21 0 16,-1 21-16,1 0 15,21 0-15,-21-21 0,21 21 0,0 0 16,0 1-16,0-1 0,0 0 16,0 0-16,21-21 15,0 0-15,1 0 0,-1 0 16,21 0-16,-21 0 16</inkml:trace>
   <inkml:trace contextRef="#ctx0" brushRef="#br0" timeOffset="23936.65">21738 1799 0,'0'0'16,"0"-169"-1,0 148-15,0 0 16,0-1-16,0 44 31,0 20-31,-21-21 16,21 21-16,0-20 0,0 20 15,-21 0-15,21 22 0,0-22 16,0 0-16,0 1 0,0-1 0,0 0 16,-21 1-16,21-22 0,0 21 0,0 1 15,0-22-15,0 0 0,0 0 16,0 0-16,0 0 0,0 1 0,0-1 16,0-42 30,21-1-46,-21 1 0,21 0 16,0 0-16,0 0 0,-21 0 0</inkml:trace>
   <inkml:trace contextRef="#ctx0" brushRef="#br0" timeOffset="24447.35">22204 1461 0,'0'0'0,"0"42"31,0 0-31,0-21 0,0 22 0,0-1 16,0 0-16,-21 1 0,21-1 0,0 0 15,-22 1-15,22-1 16,-21 0-16,21 1 0,0-1 0,0 0 16,-21-20-16,0 20 0,21-21 15,-21 0-15,21 22 0,-21-22 16,21 0-16,-22 0 0,22-42 47,0 0-32,0 0-15,0-1 0,0 1 16,0-21-16,22 21 0,-1 0 16,-21-22-16,21 22 0,0 0 0,0 0 15,22 0-15,-22-1 0,0 1 16,21 0-16,1 21 0,20 0 15,-21 0-15,1 0 0,-22 0 16,21 21-16,-21 0 0,1 1 16,-1 20-16,-21 0 0,0 1 15,0-22-15,0 0 0,0 0 16,-21 21-16,21-20 0,-22-1 16,1 0-16,21 0 0,-21-21 0,0 21 15,0-21-15,0 21 16,-1-21-16,1 0 15,0-21 17,0 0-32</inkml:trace>
   <inkml:trace contextRef="#ctx0" brushRef="#br0" timeOffset="24700.2">21484 1947 0,'0'0'0,"-21"0"0,0 0 0,0 0 16,42 0 15,0 0-31,0 0 0,0 0 16,22-21-16,-1 21 0,0 0 0,1-21 15,41 21-15,-63 0 16,22 0-16,-22 0 0,0-21 0,0 21 15,-42 0 1,0 0-16,-21 0 16,-1 21-16,-20-21 0</inkml:trace>
-  <inkml:trace contextRef="#ctx0" brushRef="#br0" timeOffset="26031.61">1672 4466 0,'0'0'0,"21"0"47,0-21-31,1 0-16,-1 0 0,-21 0 15,0-1-15,0 1 16,0 0-16,0 0 0,0 0 0,0-22 16,-21 22-16,-1 0 0,1-21 15,-21 21-15,21-1 0,0 1 0,-22 0 16,1 0-16,0 0 16,-1 21-16,1 0 0,21 0 0,-22 0 15,1 21-15,0-21 0,-1 21 16,1 0-16,21 22 0,-21-22 15,20 21-15,1-21 0,0 22 0,0-1 16,0-21-16,21 21 0,0-20 16,0 20-16,0-21 0,0 43 15,21-43-15,0 0 16,0-21-16,22 0 0,-22 0 0,0 0 16,21 0-16,-21 0 0,22 0 15,-1 0-15,0-21 0,-20 0 16,20-1-16,0 1 0,1-21 15,-1 21-15,0-22 0,-21 1 0,22 0 16,-1-1-16,-21 1 0,22-21 16,-22 20-16,21-63 0,-21 64 15,-21-21-15,0 20 0,0 1 16,0 0-16,0 20 0,0 1 16,0 0-16,0 0 0,-21 21 0,0 0 15,0 0-15,0 21 16,-1 0-16,1 22 0,0-22 0,0 21 15,21 22-15,-21-22 16,21 0-16,-21 22 0,21-1 0,0 22 16,0-22-16,0-20 15,0-1-15,0-21 0,42 43 16,-21-43-16,0 0 0,0-21 16,1 21-16,20-21 0,-21 0 0,0 0 15,0 0-15,1 0 0,-1-21 16,0 21-16,0-21 0,0 0 0</inkml:trace>
+  <inkml:trace contextRef="#ctx0" brushRef="#br0" timeOffset="26031.6">1672 4466 0,'0'0'0,"21"0"47,0-21-31,1 0-16,-1 0 0,-21 0 15,0-1-15,0 1 16,0 0-16,0 0 0,0 0 0,0-22 16,-21 22-16,-1 0 0,1-21 15,-21 21-15,21-1 0,0 1 0,-22 0 16,1 0-16,0 0 16,-1 21-16,1 0 0,21 0 0,-22 0 15,1 21-15,0-21 0,-1 21 16,1 0-16,21 22 0,-21-22 15,20 21-15,1-21 0,0 22 0,0-1 16,0-21-16,21 21 0,0-20 16,0 20-16,0-21 0,0 43 15,21-43-15,0 0 16,0-21-16,22 0 0,-22 0 0,0 0 16,21 0-16,-21 0 0,22 0 15,-1 0-15,0-21 0,-20 0 16,20-1-16,0 1 0,1-21 15,-1 21-15,0-22 0,-21 1 0,22 0 16,-1-1-16,-21 1 0,22-21 16,-22 20-16,21-63 0,-21 64 15,-21-21-15,0 20 0,0 1 16,0 0-16,0 20 0,0 1 16,0 0-16,0 0 0,-21 21 0,0 0 15,0 0-15,0 21 16,-1 0-16,1 22 0,0-22 0,0 21 15,21 22-15,-21-22 16,21 0-16,-21 22 0,21-1 0,0 22 16,0-22-16,0-20 15,0-1-15,0-21 0,42 43 16,-21-43-16,0 0 0,0-21 16,1 21-16,20-21 0,-21 0 0,0 0 15,0 0-15,1 0 0,-1-21 16,0 21-16,0-21 0,0 0 0</inkml:trace>
   <inkml:trace contextRef="#ctx0" brushRef="#br0" timeOffset="26409.4">2074 4233 0,'0'22'15,"21"-22"16,1 0-15,-1 0-16,0 0 0,0-22 0,0 22 16,0-21-16,22 0 15,-22 21-15,0-21 0,0 0 0,0 0 16,-21-1-16,0 1 16,-21 21-1,0 0-15,-21 0 16,21 0-16,-1 21 0,-20 1 0,21-1 15,-21 0-15,20 0 0,1 21 16,0-20-16,0 20 0,0-21 0,21 43 16,0-43-16,0 21 15,0-21-15,0 0 0,0 1 0,21-1 16,0-21-16,0 0 16,0 0-16,22 0 0,-22 0 0,21 0 15,1 0-15,-1 0 0,0-21 16,1-1-16,20 1 0,-21 21 0</inkml:trace>
   <inkml:trace contextRef="#ctx0" brushRef="#br0" timeOffset="26700.23">2942 4064 0,'0'0'16,"0"-21"-16,0 0 0,0 0 0,0-1 15,0 1-15,0 0 16,-21 21-16,0 0 15,0 21-15,21 0 0,-43 22 16,22-22-16,0 21 0,0-21 16,0 22-16,21-1 0,-22 0 15,1 1-15,0 20 16,21-20-16,0-22 0,0 0 16,0 0-16,0 0 0,0 0 0,21 1 15,0-22-15,1 0 0,-1 0 16,21 0-16,-21 0 0,0 0 0,22 0 15,-22-22-15,21 22 0,-21-21 0,1 0 16,20 0-16,-21 0 16,0 0-16,22-22 0,-22 22 0</inkml:trace>
   <inkml:trace contextRef="#ctx0" brushRef="#br0" timeOffset="26980.07">3429 3556 0,'0'0'0,"0"-21"0,0 0 15,-21 0-15,0-1 0,-1 22 16,1 0-16,0 0 0,0 22 16,0-1-16,21 0 15,-21 21-15,21 1 0,0-22 0,0 21 16,0 0-16,-22 22 0,22-22 16,-21 1-16,21 20 0,0-21 0,-21 22 15,21-22-15,0 22 0,0-22 16,0 0-16,0-20 0,0 41 15,0-42-15,0 0 16,0 1-16,21-22 16,0 0-1,1 0-15,-1 0 0,0-22 16,0 1-16,0 21 0</inkml:trace>
@@ -345,7 +562,7 @@
   <inkml:trace contextRef="#ctx0" brushRef="#br0" timeOffset="36073.14">12488 4022 0,'21'0'47,"1"-21"-32,-1 21 1,0-22-16,-21 1 0,21 21 0,0-21 16,-21 0-16,21 0 15,-21 0-15,0-1 0,0 1 16,0 0-16,0 0 0,0 0 16,-21 0-16,0-1 0,0-20 0,-21 21 15,20 0-15,-20 21 0,21-21 0,-64 21 16,43 0-16,0 0 15,-1 21-15,1-21 0,-22 21 0,22 21 16,0-21-16,-1 22 0,1-1 0,21 0 16,-21 1-16,20-1 0,1 0 15,21-20-15,0 20 0,0 0 16,0-21-16,0 22 0,0-1 16,0-21-16,21-21 0,22 21 15,-22-21-15,0 0 0,21 0 0,-20 0 16,20 0-16,0-21 0,1 21 0,-1-21 15,-21 0-15,21 0 0,1 0 16,-1-22-16,-21 22 0,22-21 0,-22-1 16,0 22-16,0-21 0,21 0 15,-20-22-15,-22 22 0,21-1 0,0-20 16,-21 21-16,21-22 0,-21 22 16,0-1-16,0 1 0,0 0 0,0-1 15,0 22-15,0-21 0,0 21 16,0 0-16,0 42 31,0 0-31,0 21 0,0 1 0,0-1 16,0 21-16,0-20 0,0-1 15,0 22-15,0-22 0,0 21 0,0-20 16,0-1-16,0 0 0,0 1 0,0-22 16,0 21-16,21-21 0,0 22 15,1-22-15,-22 0 0,21-21 16,0 21-16,0-21 0,0 0 0,0 0 15,22 0-15,-22 0 0,0 0 16,21 0-16,-20-21 0,-1 0 0,21 0 16,-21 0-16,0-1 0,1 1 15,-1 0-15,0 0 0,21-21 16,-42 20-16,0 1 0,0-21 16,0 21-16,0 0 15,-21 21-15,0 0 16,0 0-16,0 0 0,-1 0 0,1 0 15,0 21-15,0 0 16,0 0-16,0 0 0,21 0 0,0 1 16,0 41-16,0-42 0,0 0 15,0 1-15,0-1 0,0 0 16,0 0-16,21 0 0,0 0 16,0-21-16,0 0 0,0 22 0,22-22 15,-22 0-15,21 0 0,1 0 16,-22 0-16,21-22 0,0 22 0,1-21 15,-1 0-15,0 0 0,-20 0 16,20 0-16,-21-1 0,21-20 16,-20 21-16,-1-21 0,0 20 0,0-20 15,0 0-15,0 21 0,-21-22 0,0 1 16,0 0-16,22-1 0,-22 1 0,21 21 16,-21-22-16,0 1 0,0 21 15,0 0-15,0 0 0,0-1 0,0 1 16,0 42-1,-21 22 1,21-22-16,-22 21 0,22 1 16,0-1-16,-21 0 0,21 1 0,-21 20 15,0-21-15,21 22 0,-21-1 16,0 1-16,-1-22 0,22 22 0,-21-1 16,0 22-16,21-22 0,-21 1 0,0-1 15,21 1-15,0-1 0,-21 1 16,-1-1-16,1 22 0,0-21 15,0-1-15,21 22 0,-21-22 0,0 1 16,-1-1-16,1 1 0,0-1 0,0 1 16,0-22-16,21 0 0,-21 1 15,21-22-15,0 21 0,0-21 0,0 1 16,21-22-16,0 0 0,0 0 16,0 0-16,0-22 0,22 22 0,-22-21 15,21 0-15,1 0 0,-22 0 16,21 0-16,0-22 0,1 22 0,-22-21 15,42-43-15,-41 43 16,-1-1-16,0-20 0,0 21 0,-21-22 16,0 1-16,0-1 0,0 1 0,0 20 15,0-20-15,-21-1 0,0 1 16,0 20-16,-1-20 0,-20 21 16,21-1-16,-21 1 0,20 21 0,-20-22 15,21 22-15,0 0 0,0 21 0,-1-21 16,1 21-16,42 0 31,1 0-31,-1-21 0,0 21 16,21 0-16,-21 0 0,1-21 15,20 21-15,-21-22 0,21 1 0,22 0 16,-22 0-16,-21 0 16,22 0-16,-1-1 0,-21 1 0,22 0 15,-22 0-15,21-21 0,-21 20 16,0 1-16,-21 0 0,22 0 15,-22 0-15,21 0 0,-21-1 0,0 1 16,0 0-16,0 42 31,-21-21-31,21 21 16,-22 1-16,22-1 0,0 0 0,0 21 16,0-21-16,0 1 0,0 20 15,0-21-15,0 0 0,0 0 0,0 1 16,0-1-16,0 0 0,0 0 15,22 0-15,-1 0 0,0-21 0,0 0 16,0 0-16,0 0 0,1 0 16,-1 0-16,0 0 0,0 0 15,21-21-15,-20 21 0,20-21 0,-21 0 16,0 0-16,22 0 0,-22-1 0,21-20 16,-21 21-16,0 0 0,1 0 15,-1-22-15,-21 22 0,0 0 0,21 0 16,0 0-16,-21-1 0,0 44 47,-21-22-47,0 21 0,21 0 0,-21 0 0,-1 0 15,1 22-15,21-22 0,-21 21 16,0-21-16,21 22 0,-21-22 16,21 0-16,0 0 0,0 0 0,0 0 15,-21 1-15,21-1 0,0-42 47,0-1-31,21 1-16,-21 0 0,0 0 0,21 0 15,0 0-15,-21-22 0,21 22 16,0 0-16,1 0 0,-1 0 16,0-1-16,0 1 0,0 0 0,0 0 15,1 21-15,-1 0 0,0 0 0,0 0 16,0 0-1,-21 21-15,0 0 0,0 0 16,0 1-16,0-1 0,0 21 16,0-21-16,0 0 0,0 1 0,0 20 15,0-21-15,0 0 0,21 0 0,-21 1 16,22-1-16,-1 0 16,0-21-16,0 0 0,0 0 15,0 0-15,1 0 0,-1 0 0,21 0 16,-21 0-16,0-21 0,22 0 15,-22-1-15,21 1 16,-21-21-16,1 21 0,-1 0 0,0-22 16,-21 22-16,21 0 0,-21 0 15,21-22-15,-21 22 0,0 0 16,0 0-16,0 42 31,0 0-31,-21 0 16,21 1-16,-21-1 0,21 0 0,-21 0 15,21 21-15,0-20 0,0-1 16,0 0-16,0 0 0,0 21 0,0-20 16,0-1-16,0 0 15,21-21-15,0 0 0,0 21 16,0-21-16,1 0 0,-1 0 0,0 0 16,0 0-16,0 0 0,0-21 15,1 21-15,-1-21 0,42-22 16,-42 22-16,1-21 0,-1 21 15,-21-22-15,21 22 0,0-21 0,0 0 16,0-1-16,1 1 0,-1 0 0,-21-1 16,21 1-16,-21 0 0,21-43 15,-21 43-15,0-1 16,0 22-16,0 0 0,0 0 16,0 42-1,0 0-15,-21 0 16,21 0-16,-21 1 0,21 20 0,-21 21 15,21-20-15,0-1 16,-22-21-16,22 22 0,0-1 0,0 0 16,0-21-16,0 22 0,0-1 0,0-21 15,0 22-15,0-22 0,22 0 16,-1 0-16,-21 0 0,21 0 0,0 1 16,0-22-16,0 21 0,1-21 15,-1 0-15,0 0 0,21 0 16,-21 0-16,1-21 0,-1 21 0,0-22 15,0 1-15,0 0 0,0 0 16,1 0-16,-1-22 0,0 22 16,-21 0-16,0 0 0,21 0 0,0-22 15,-21 22-15,0 0 16,0 0-16,0 42 31,-21 0-15,21 0-16,0 1 0,0-1 15,0 21-15,0-21 0,0 0 0,0 1 16,0-1-16,0 0 0,0 0 16,0 0-16,0 0 0,0 1 15,42-1-15,-20-21 0,-1 0 16,0 0 0,0 0-16,0 0 0,0-21 0,1-1 15,-1 22-15,0-21 0,0 0 0,0 0 16,0 0-16,1-22 0,-1 22 15,0 0-15,0-21 0,-21 21 0,21-1 16,0 1-16,-21 0 0,22 0 0,-22 0 16,0 0-1,0 42 17,0 0-32,-22 0 0,22 21 15,0-20-15,-21-1 0,21 0 16,0 0-16,-21 0 0,21 0 15,0 1-15,0-1 0,0 0 0,0 0 16,0 0-16,0 0 0,42-21 16,-20 0-16,-1 0 15,0 0-15,0 0 0,0 0 16,22-42-16,-22 42 16,0-21-16,-21 0 0,0 0 15,0-22-15,0 22 0,0 0 0,0 0 16,0 0-16,0-22 0,0 22 15,-21 0-15,21 0 16,-21 21-16,-1 0 0,-20 0 16,21 0-16,0 0 0,0 0 0,-1 0 15,44 0 17,-1 0-17,21 0-15,-21 0 0,0 0 16,1 0-16,20 0 0,-21-21 0,21 21 15,-20-22-15,20 22 16,-21 0-16,0-21 0,0 21 0,1 0 0,-1 0 16,0 0-16,0-21 0,0 21 15,0 0 1,1 21-16,-22 0 16,0 1-16,0-1 0,0 0 15,0 0-15,0 0 0,0 0 16,-22 1-16,22-1 0,-21 0 0,21 0 15,0 0-15,0 0 0,0 1 16,0-1-16,0 0 0,0 0 16,0 0-16,0-42 31,0 0-15,21 0-16,-21 0 0,22-1 15,-22 1-15,21 0 16,-21 0-16,21 0 0,0 0 0,0-22 15,22-20-15,-22 42 0,0-1 16,21-20-16,-21 21 16,1 0-16,-1 0 0,0 21 0,0-22 15,0 22-15,0 0 0,1 0 16,-22 22-16,0-1 0,0 0 0,0 0 16,0 0-16,0 0 0,0 1 0,0-1 15,0 21-15,0-21 0,0 0 16,0 1-16,0-1 0,0 0 0,21 0 15,-21 0-15,42 0 16,-21 1-16,22-22 16,-22 0-16,0 21 0,0-21 0,0 0 15,0 0-15,22 0 0,-22-21 0,0 21 16,0-22-16,-21 1 0,21 21 16,1-21-16,-1 0 0,-21 0 0,0 0 15,0-1-15,21 1 0,-21 0 16,0 0-16,21 21 0,-21-21 0,0 0 15,0-1-15,0 1 0,0 0 16,-21 0-16,0 21 16,0-21-16</inkml:trace>
   <inkml:trace contextRef="#ctx0" brushRef="#br0" timeOffset="36351.85">16573 3302 0,'0'0'0,"-21"0"16,21-21-16,-21 21 93,0 0-93,0 0 16,0 0-16</inkml:trace>
   <inkml:trace contextRef="#ctx0" brushRef="#br0" timeOffset="36591.33">15579 3556 0,'42'0'31,"-21"0"-31,21 0 16,-20 0-16,-1 0 0,21 0 0,-21 0 15,22 0-15,-22-21 0,21 21 16,-21 0-16,22 0 0,-22-21 0,0 21 15,0 0-15,0 0 0,0 0 0,-21-21 16,0-1 0,-21 22-1,0 0-15,0-21 0</inkml:trace>
-  <inkml:trace contextRef="#ctx0" brushRef="#br0" timeOffset="36837.19">15219 3408 0,'-21'0'31,"-1"0"63,1 0-79</inkml:trace>
+  <inkml:trace contextRef="#ctx0" brushRef="#br0" timeOffset="36837.18">15219 3408 0,'-21'0'31,"-1"0"63,1 0-79</inkml:trace>
   <inkml:trace contextRef="#ctx0" brushRef="#br0" timeOffset="37048.08">14690 3408 0,'0'0'0,"21"0"62,0 0-46</inkml:trace>
   <inkml:trace contextRef="#ctx0" brushRef="#br0" timeOffset="51712.24">847 5694 0,'0'0'0,"-22"0"0,1 21 16,0 0 15,21 0-16,21-21 17,0 0-17,1 0-15,-1 0 16,0 0-16,0 0 0,0-21 0,0 21 16,1-21-16,-1 0 15,0 21-15,0-21 0,21 0 0,-20 21 16,-1-22-16,0 1 0,-21 0 15,0 0-15,0 0 16,0 0-16,0-1 16,-21 22-16,0 0 15,-1 0-15,1 0 0,0 0 0,0 0 16,0 0-16,-22 22 0,22-1 16,0 0-16,0 0 0,-21 0 0,20 22 15,1-22-15,0 0 0,0 21 16,0-21-16,21 22 15,0-22-15,0 0 0,0 0 0,0 0 16,0 1-16,21-1 0,0 0 16,0-21-16,0 0 0,1 21 0,-1-21 15,21 0-15,-21 0 0,22 0 16,-22 0-16,0 0 0,0 0 0,0 0 16,0 0-16,1-21 15,-44 21 1,1 0-16,0 0 15,-21 0-15,21 0 0,-1 0 16,-20 21-16,21 0 0,-21-21 0,20 21 16,-20 1-16,21-1 0,0 0 15,0 0-15,-1 0 0,1 0 16,0 1-16,21-1 0,0 0 16,0 0-16,0 0 0,0 0 0,0 1 15,21-1-15,0-21 16,1 21-16,-1-21 0,0 0 15,0 0-15,0 0 0,0 0 0,1 0 16,20 0-16,-21 0 0,0 0 0,0-21 16,1 0-16,-1 21 0,21-22 15,-21 1-15</inkml:trace>
   <inkml:trace contextRef="#ctx0" brushRef="#br0" timeOffset="52503.9">1757 5927 0,'-106'-21'32,"85"21"-32,-22 0 0,22 0 0,0 0 0,0 21 15,0-21-15,0 21 0,-1 0 16,1 0-16,0-21 0,21 21 15,-21 22-15,21-22 16,0 0-16,0 0 0,0 0 0,0 1 16,21-22-16,0 21 15,0-21-15,1 0 0,-1 0 16,0 0-16,21 0 0,-21 0 16,1 0-16,-1-21 0,0 21 0,0-22 15,0 1-15,0 21 0,1-21 16,-22 0-16,21 0 0,0 0 15,-21-1-15,21 22 16,-21-21-16,0 0 16,21 21-16,-21 21 47,0 0-47,0 1 15,0-1-15,0 0 0,0 0 16,0 21-16,0-20 0,0-1 0,0 21 15,0 0-15,0 1 0,0-1 16,0 0-16,0 1 0,0 20 0,0-20 16,0 20-16,0-21 0,21 22 15,-21-22-15,22 22 0,-22-22 0,0 0 16,0 22-16,0-22 0,0 22 16,0-22-16,21 0 0,-21 1 15,0 20-15,0-20 0,0-22 0,0 21 16,0 0-16,-21-20 0,21-1 15,-22 0-15,1 0 0,0 0 0,0 0 16,-21-21-16,20 0 0,-62 0 16,41 0-16,1 0 0,0-21 15,21 0-15,-22 0 0,1-21 16,21-1-16,-22 1 0,22 0 0,0-1 16,21-20-16,0 20 0,0 1 15,0-21-15,0 20 0,0 1 0,0-22 16,0 22-16,0 0 0,21-1 15,0 1-15,1 0 0,-1-1 0,0 22 16,0-21-16,0 21 0,0-22 16,1 22-16,-1 0 0,0 0 15,0 0-15,0 0 0,0-1 16,1 1-16,-1 0 0,0 21 0,0-21 16,0 0-16,0 0 0,1 21 15</inkml:trace>
@@ -364,22 +581,22 @@
   <inkml:trace contextRef="#ctx0" brushRef="#br0" timeOffset="57583.48">10456 6096 0,'0'0'0,"0"-21"0,0 0 0,0 0 16,0 42 30,21 0-30,-21 0 0,22-21-16,-1 0 0,-21 21 0,21-21 15</inkml:trace>
   <inkml:trace contextRef="#ctx0" brushRef="#br0" timeOffset="58133.8">11282 6287 0,'0'0'16,"0"-22"-1,-21 1-15,-1 0 16,1 0-16,0 0 0,0 21 16,0 0-16,21-21 0,-21 21 15,-1 0-15,1 0 0,0 0 16,0 21-16,0-21 0,0 21 0,-1 0 15,1 21-15,0-20 0,0 20 16,0-21-16,0 21 0,21 1 0,0-1 16,0-21-16,0 22 0,0-22 0,0 21 15,0 0-15,0-20 16,21-22-16,0 21 0,0-21 0,0 0 16,0 0-16,1 0 0,-1 0 0,21 0 15,0-21-15,-20-1 16,20 1-16,-21-21 0,0 21 0,0-22 15,22 1-15,-22 0 0,0-1 16,0 1-16,0-21 0,22 20 0,-22-20 16,0 20-16,-21-20 0,21-1 15,0 1-15,-21 21 0,0-22 0,0 22 16,0 21-16,0-22 0,0 22 16,0 0-16,0 42 15,-21 0-15,0 22 0,0-1 0,0 0 16,0 1-16,21-1 0,-22 21 15,22-20-15,-21 20 0,21-20 0,0-1 16,0 0-16,0 22 0,0-22 0,0 0 16,0-20-16,0 20 0,21-21 15,1 21-15,-1-20 0,0-1 0,0-21 16,0 0-16,0 0 0,1 0 16,20 0-16,-21 0 0,21 0 15,-20-21-15</inkml:trace>
   <inkml:trace contextRef="#ctx0" brushRef="#br0" timeOffset="59736.41">13652 6583 0,'22'0'31,"-22"-21"-31,0 0 0,21-1 16,0 1-16,-21 0 0,21 0 15,-21 0-15,0 0 0,21-1 0,-21 1 16,21-21-16,-21 21 16,0-22-16,0 22 0,0 0 15,-21 0-15,0 0 0,0 0 0,0-1 16,0 1-16,-1 21 0,-41 0 16,42 0-16,-22 0 0,22 0 15,-21 21-15,21 1 0,-22-1 0,1 0 16,21 21-16,-21-21 0,20 22 0,1-1 15,0 0-15,0 1 0,21-1 16,-21-21-16,21 22 0,0-1 16,0-21-16,21 0 0,0 0 15,0-21-15,22 0 0,-22 0 0,0 0 16,42-21-16,-20 0 16,-1 21-16,-21-42 0,22 21 0,-1-1 15,-21-20-15,21 21 0,-20-21 16,-1-1-16,21 22 0,-21-21 0,-21-1 15,21 1-15,1-43 16,-1 22-16,-21 21 0,0-1 0,0 1 16,0 0-16,0-1 0,0 22 15,0-21-15,0 21 0,0-1 0,-21 22 32,-1 22-32,22 20 0,-21-21 0,21 21 15,-21-20-15,21 20 0,0 0 0,0 22 16,-21-22-16,21 0 0,0-20 15,0 20-15,0 0 0,0 1 0,0-1 16,0-21-16,0 21 0,21 1 16,0-22-16,0 0 0,1 0 15,-1-21-15,21 0 0,-21 0 0,22 0 16,-1 0-16,-21 0 0,21-21 16,1 0-16,-1 0 0,0 0 0,1-1 15,-1 1-15,-21 0 0,0 0 16,22-43-16,-22 43 15,-21-42-15,0 42 0,0-1 16,-21 22-16,0 0 16,-1 0-16,1 0 15,0 0-15,0 0 0,0 22 0,0-1 16,-1 0-16,1 0 0,21 0 0,0 0 16,0 1-16,0-1 15,0 21-15,0-21 0,0 0 0,0 1 0,43 20 16,-43-21-16,42-21 15,-21 21-15,0-21 0,0 0 0,1 0 16,20 0-16,-21 0 0,0 0 0,22 0 16,-22-21-16,0 0 0,21 21 15,-21-21-15,1 0 0,-1-22 16,21 1-16,-21 0 0,0 20 0,-21 1 16,0-21-16,0 21 0,22 0 15,-22-22-15,0 22 16,0 0-16,0 42 31,-22 0-31,22 0 0,0 1 16,0-1-16,-21 0 0,21 42 0,-21-41 15,21 20-15,0-21 0,0 0 16,-21 0-16,21 1 0,0-1 0,0 0 16,0 0-16,0 0 0,0-42 46,0 0-46,0 0 16,0 0-16,0-1 0,0 1 0,0 0 16,0-21-16,0 21 0,21-22 15,0 22-15,0 0 0,1-21 0,-22 20 16,21 1-16,0 0 0,0 0 0,0 0 16,22 0-16,-22 21 15,0 0-15,0 0 0,0 0 0,0 0 0,1 21 16,-1 0-16,-21 0 0,21 0 15,-21 0-15,21 1 0,-21 20 0,0-21 16,0 0-16,0 43 16,0-43-16,0 42 0,0-41 15,0-1-15,0 0 16,0-42 15,0 0-31,0-1 0,0 1 16,0 0-16,0 0 0,21 0 15,0-22-15,1 22 0,-22 0 0,42 0 16,-21-21-16,0 20 0,22-20 16,-22 21-16,21 0 0,0 0 15,-20-1-15,20 22 0,0 0 0,-21 0 16,1 0-16,-1 0 0,0 0 16,0 22-16,-21-1 0,21 0 0,-21 0 15,0 21-15,0-20 0,0-1 0,0 0 16,0 0-16,0 0 0,-21 0 15,0 1-15,21-1 0,-21 0 16,21 0-16,0 0 0,0 0 0,0-42 47,42 0-31</inkml:trace>
-  <inkml:trace contextRef="#ctx0" brushRef="#br0" timeOffset="60152.72">15960 6011 0,'0'0'0,"-22"0"15,1 0-15,0 22 0,0-1 16,0-21-16,0 21 0,-1 0 16,1 21-16,0-20 0,21-1 0,-21 0 15,0 21-15,0-21 0,21 22 0,-22-1 16,22 0-16,0-20 15,0-1-15,0 0 0,0 0 16,22 0-16,-1 0 0,0-21 0,0 0 16,21 22-16,22-22 15,-43 0-15,21 0 0,1 0 0,-22-22 16,21 1-16,1 0 0,-22 0 0,21 0 16,-21 0-16,0-22 0,1 22 15,-1-21-15,-21-1 0,0 22 0,0-21 16,0 0-16,0 20 0,-21-41 15,-1 42-15,1 0 0,0-1 16,0 22-16,-21 0 0,-1 0 0,22 0 16,-21 0-16,21 0 0,-1 0 0,-20 22 15,21-22-15,0 21 16,21 0-16,-21-21 0,21 21 0,0 0 16,21-21-1,0 0-15,0 0 0,0 0 16,0 0-16,22 0 0</inkml:trace>
+  <inkml:trace contextRef="#ctx0" brushRef="#br0" timeOffset="60152.71">15960 6011 0,'0'0'0,"-22"0"15,1 0-15,0 22 0,0-1 16,0-21-16,0 21 0,-1 0 16,1 21-16,0-20 0,21-1 0,-21 0 15,0 21-15,0-21 0,21 22 0,-22-1 16,22 0-16,0-20 15,0-1-15,0 0 0,0 0 16,22 0-16,-1 0 0,0-21 0,0 0 16,21 22-16,22-22 15,-43 0-15,21 0 0,1 0 0,-22-22 16,21 1-16,1 0 0,-22 0 0,21 0 16,-21 0-16,0-22 0,1 22 15,-1-21-15,-21-1 0,0 22 0,0-21 16,0 0-16,0 20 0,-21-41 15,-1 42-15,1 0 0,0-1 16,0 22-16,-21 0 0,-1 0 0,22 0 16,-21 0-16,21 0 0,-1 0 0,-20 22 15,21-22-15,0 21 16,21 0-16,-21-21 0,21 21 0,0 0 16,21-21-1,0 0-15,0 0 0,0 0 16,0 0-16,22 0 0</inkml:trace>
   <inkml:trace contextRef="#ctx0" brushRef="#br0" timeOffset="60424.51">16806 5800 0,'0'0'0,"0"-21"15,0-1-15,-21 22 16,0 22-16,0-1 15,0 0-15,-1 0 0,1 0 16,0 22-16,0-22 0,0 21 0,0 0 16,21-20-16,-22 20 0,22 0 0,-21-21 15,21 22-15,0-22 0,0 21 16,0-21-16,0 22 0,0-22 0,0 0 16,21 0-16,-21 0 0,22 1 0,-1-1 15,0 0-15,0-21 0,0 0 16,0 21-16,22-21 0,-22 0 0,0 0 15,0 0-15,0-21 0,22 21 16</inkml:trace>
   <inkml:trace contextRef="#ctx0" brushRef="#br0" timeOffset="60707.98">17462 5673 0,'0'-21'15,"0"42"-15,22-42 0,-1 21 16,0 0 0,0 0-16,0 21 0,22 0 0,-22 0 15,21 0-15,-21 22 0,22-22 16,-1 21-16,0 0 0,1 1 16,-1 20-16,0 22 0,-21-43 15,-21 1-15,0-22 0,0 21 16,-21 0-16,0 1 0,0-22 0,0 21 15,-22-21-15,1 22 0,0-22 0,-1 0 16,1 21-16,0-20 0,-1-22 16,-20 21-16,21 0 0,-1-21 0,1 21 15</inkml:trace>
-  <inkml:trace contextRef="#ctx0" brushRef="#br0" timeOffset="61617.26">9588 7281 0,'0'0'0,"22"-21"0,-22 0 16,21 0-16,0 0 15,-21 0-15,0-1 16,0 1-16,0 0 0,-21 21 15,-22 0 1,22 0-16,0 0 0,-21 0 16,21 0-16,-22 21 0,1-21 0,0 43 15,-1-22-15,22 0 0,-21 0 16,21 0-16,-22 0 0,43 1 0,0-1 16,-21 0-16,21 0 0,0 0 0,0 0 15,0 1-15,21-1 0,0-21 16,1 21-16,-1 0 0,21 0 15,-21-21-15,22 21 0,-22 1 0,0-22 16,21 21-16,-21 0 0,1-21 0,-1 21 16,0 0-16,0-21 0,0 21 15,-21 1-15,0-1 0,0 0 16,-21-21-16,0 21 0,0-21 16,-22 21-16,22-21 0,0 0 15,-21 0-15,21 21 0,-1-21 16,1 0-16,0 0 0,0 0 0,21-21 31,21 0-15,0 21-16,0-21 0,1 21 0,-1 0 15,0 0-15,0 0 0,0 0 16,0 0-16,1 0 0,-22 21 16,21-21-16,-21 21 0,0 0 0,0 1 15,0-1-15,0 0 0,0 0 16,-21 0-16,-1 22 0,1-22 0,0 0 15,0 0-15,21 0 0,-21 0 0,0 1 16,-1-1-16,22 0 0,0 0 16,-21 0-16,21 0 0,-21 1 0,21-1 15,0 0-15,0 0 16,0 0-16,0 0 0,0 1 16</inkml:trace>
+  <inkml:trace contextRef="#ctx0" brushRef="#br0" timeOffset="61617.25">9588 7281 0,'0'0'0,"22"-21"0,-22 0 16,21 0-16,0 0 15,-21 0-15,0-1 16,0 1-16,0 0 0,-21 21 15,-22 0 1,22 0-16,0 0 0,-21 0 16,21 0-16,-22 21 0,1-21 0,0 43 15,-1-22-15,22 0 0,-21 0 16,21 0-16,-22 0 0,43 1 0,0-1 16,-21 0-16,21 0 0,0 0 0,0 0 15,0 1-15,21-1 0,0-21 16,1 21-16,-1 0 0,21 0 15,-21-21-15,22 21 0,-22 1 0,0-22 16,21 21-16,-21 0 0,1-21 0,-1 21 16,0 0-16,0-21 0,0 21 15,-21 1-15,0-1 0,0 0 16,-21-21-16,0 21 0,0-21 16,-22 21-16,22-21 0,0 0 15,-21 0-15,21 21 0,-1-21 16,1 0-16,0 0 0,0 0 0,21-21 31,21 0-15,0 21-16,0-21 0,1 21 0,-1 0 15,0 0-15,0 0 0,0 0 16,0 0-16,1 0 0,-22 21 16,21-21-16,-21 21 0,0 0 0,0 1 15,0-1-15,0 0 0,0 0 16,-21 0-16,-1 22 0,1-22 0,0 0 15,0 0-15,21 0 0,-21 0 0,0 1 16,-1-1-16,22 0 0,0 0 16,-21 0-16,21 0 0,-21 1 0,21-1 15,0 0-15,0 0 16,0 0-16,0 0 0,0 1 16</inkml:trace>
   <inkml:trace contextRef="#ctx0" brushRef="#br0" timeOffset="62204.92">9610 10118 0,'0'-21'0,"0"42"0,0-64 16,0 22-16,21 0 0,0 0 0,0 0 15,0 0-15,0-1 16,22 1-16,-22 0 0,0 21 0,0 0 15,-21 21 17,0 0-32,-21 1 0,0-1 15,-21 0-15,20 21 0,-20-21 0,21 1 16,-21-1-16,20 0 0,-20 21 16,21-21-16,0 1 0,0-1 0,21 0 15,0 0-15,0 0 0,0 0 16,0 1-16,21-1 0,0-21 0,0 21 15,21 0-15,-20 0 0,20 0 0,0-21 16,1 22-16,-1-1 0,0-21 0,22 42 16,-43-42-16,0 21 15,0 0-15,-21 1 0,0-1 16,-21 0-16,0 0 0,0 0 16,-22 0-16,1 1 0,0-22 0,-1 21 15,-62 21-15,62-21 16,1-21-16,0 21 0,-1-21 0,22 0 15,-21 0-15,21 0 0,-1 0 0,22-21 16,0 0 0,0-21-16,22 21 0</inkml:trace>
-  <inkml:trace contextRef="#ctx0" brushRef="#br0" timeOffset="62624.69">10118 8869 0,'0'0'0,"-43"0"0,-20 0 16,-22 0-16,43 21 15,21-21-15,-22 0 0,64 0 16,1 0-16,20 0 16,21 0-16,1 0 0,21 0 15,-1 0-15,22 0 0,-21 0 16,42 0-16,0-21 0,0 0 0,21 21 16,-21-21-16,21 21 0,-21 0 0,0-22 15,-21 22-15,0 0 0,0-21 16,-22 21-16,22 0 0,-42 0 0,63 0 15,-85 0-15,0 0 16,-63 0 0,0 0-16,-21 0 0,-1 0 15,-63 21-15,43-21 0,-1 0 16,-20 22-16,-1-1 0,-21-21 16,0 21-16,1-21 0</inkml:trace>
+  <inkml:trace contextRef="#ctx0" brushRef="#br0" timeOffset="62624.68">10118 8869 0,'0'0'0,"-43"0"0,-20 0 16,-22 0-16,43 21 15,21-21-15,-22 0 0,64 0 16,1 0-16,20 0 16,21 0-16,1 0 0,21 0 15,-1 0-15,22 0 0,-21 0 16,42 0-16,0-21 0,0 0 0,21 21 16,-21-21-16,21 21 0,-21 0 0,0-22 15,-21 22-15,0 0 0,0-21 16,-22 21-16,22 0 0,-42 0 0,63 0 15,-85 0-15,0 0 16,-63 0 0,0 0-16,-21 0 0,-1 0 15,-63 21-15,43-21 0,-1 0 16,-20 22-16,-1-1 0,-21-21 16,0 21-16,1-21 0</inkml:trace>
   <inkml:trace contextRef="#ctx0" brushRef="#br0" timeOffset="62908.04">10223 9123 0,'-42'21'16,"84"-42"-16,-126 63 0,63-21 0,-1 1 0,22-1 16,22 0-1,20-21-15,-21 0 0,21 0 16,22 0-16,-22 0 0,85 0 16,-42 0-16,0 0 0,-1 0 15,1 0-15,21 0 0,0 0 16,-1 0-16,1 0 0,-21 0 0,21 0 15,-22-21-15,1 21 0,-21 0 0,-1 0 16,1-21-16,-22 21 0,0 0 16,1 0-16,-22 0 0,0-22 0,-42 22 15,0 0-15,-22 0 16,1 0-16,0 0 0,-107 0 16,65 22-16,-22-22 0,0 21 15,-21-21-15,0 21 0,0 0 0,0 0 16,0-21-16</inkml:trace>
   <inkml:trace contextRef="#ctx0" brushRef="#br0" timeOffset="63133.94">10096 9419 0,'-84'21'16,"20"1"-16,424-128 0,-572 169 0,1 1 0,168-43 16,22-21-16,21 21 0,21-21 15,22 0-15,20 0 16,-20 0-16,41 0 0,-20 0 0,20 0 16,1 0-16,21 0 0,0 0 15,0 0-15,21 0 0,0 0 16,0 0-16,0 0 0,0 0 0,-22 0 0,1 0 15,0 0-15,-21 0 0,42 0 16,-64 0-16,1 21 16,-43-21-16,-21 21 0,-21-21 15,-22 0-15,1 22 0,0-22 16,-22 21-16,-20-21 16,-1 21-16,-21-21 0,0 21 0,-21-21 15,0 21-15</inkml:trace>
   <inkml:trace contextRef="#ctx0" brushRef="#br0" timeOffset="63303.61">10456 9779 0,'106'-21'0,"-212"42"0,0 0 15,22 0-15,20 1 0,1-22 0,20 21 16,22-21-16,21 21 0,21-21 16,22 0-16,-1 0 0,22 0 0,-1 0 15,1 0-15,20 0 0,1 0 16,21-21-16,0 21 0,-1-21 16,22 21-16,0 0 0,-21-22 0,0 22 15,0 0-15,-21-21 0,-1 21 0,-20 0 16,20 0-16,-41-21 0,-1 21 15,0 0-15,-20 0 0,-1 0 0,-21-21 16</inkml:trace>
   <inkml:trace contextRef="#ctx0" brushRef="#br1" timeOffset="69432.37">18373 6117 0,'0'0'0,"-22"0"0,1 0 16,-21 0-16,21 0 15,0 0-15,-1 0 0,-20 0 0,21 0 16,0 0-16,0 0 0,-22 0 16,22 0-16,0 0 0,0 0 0,0 0 15,-1 0-15,44 0 47,20 0-31,-21 0-16,21 0 0,1 0 15,20 0-15,-20 0 0,84 0 16,-64 0-16,22 0 0,-22 0 0,1-21 16,20 21-16,-20 0 0,126 0 15,-126 0-15,-22 0 16,1 0-16,-1 0 0,-21 0 16,0 0-16,0 0 0,1 0 15,-44 0 16,1-21-31,0 21 16</inkml:trace>
   <inkml:trace contextRef="#ctx0" brushRef="#br1" timeOffset="69853.13">19050 5863 0,'0'0'16,"-21"0"-16,0 0 16,21 21 15,0 1-15,21-22-16,0 21 0,0-21 0,0 0 15,0 0-15,1 21 0,20-21 0,-21 0 16,21 0-16,-20 0 0,20 21 15,-21-21-15,21 0 0,-20 0 16,-22 21-16,0 0 16,0 1-16,0-1 15,-22 0-15,1 0 0,0-21 16,0 21-16,-21 22 0,-1-22 16,1 0-16,0 0 0,-1 21 0,1-20 15,0-1-15,-1 21 0,22-21 16,-21 0-16,21 1 0,-1-1 15,-20 0-15,42 0 0,-21-21 0,21 21 16,-21-21-16,21-21 31,0 0-31,0 0 16,0 0-16</inkml:trace>
   <inkml:trace contextRef="#ctx0" brushRef="#br1" timeOffset="70701.16">20172 5525 0,'0'0'15,"0"-22"-15,21 22 16,-21-21-16,0 0 0,0 0 16,0 0-16,0 0 15,-21-1-15,0 1 0,21 0 16,-22 21-16,1-21 0,0 0 15,0 0-15,0 21 0,-22 0 16,22 0-16,0 0 0,0 0 0,-21 0 16,20 21-16,-20-21 0,21 21 0,-21 21 15,-1-21-15,22 22 0,-85 63 16,85-64-16,21 0 16,0-21-16,0 22 0,0-22 15,0 0-15,0 21 0,21-20 16,0-22-16,22 21 0,-22-21 0,0 0 0,21 0 15,1 0-15,-22 0 0,21 0 16,-21 0-16,64-43 16,-64 22-16,22 0 0,-22 0 0,21 0 15,-21-22-15,22 22 0,-22-21 16,21 0-16,-21-1 0,0 1 0,1 21 16,-1-22-16,0-20 0,0 21 15,0-1-15,0-20 0,-21 20 0,0 1 16,0-21-16,0 41 0,0-20 15,0 0-15,0 21 0,-21 21 16,0 21-16,0 0 16,0 0-16,21 21 0,-21 1 15,-1-1-15,22 0 0,0 22 16,-21-22-16,0 1 0,21 20 0,-21-21 16,21 1-16,0-1 0,0 0 15,0 1-15,0-22 0,0 21 0,0-21 16,0 1-16,0-1 0,0 0 0,21 0 15,21-21-15,-20 0 16,-1 0-16,0 0 0,0 0 16,0-21-16,0 0 0</inkml:trace>
-  <inkml:trace contextRef="#ctx0" brushRef="#br1" timeOffset="71093.96">20532 5419 0,'0'0'0,"0"21"0,0 0 16,21-21 15,0 0-31,0 0 16,21 0-16,-20-21 0,20 21 15,-21-21-15,0 21 0,0-21 0,1 21 16,-1-22-16,-21 1 15,0 0-15,-21 21 32,-1 0-32,1 0 0,0 0 15,-85 42-15,85-20 16,0-1-16,0 0 0,0 0 16,-1 0-16,1 0 0,21 1 0,-21-1 15,21 0-15,0 0 0,0 21 16,0-20-16,21-1 15,0-21-15,1 21 0,-1-21 0,0 0 16,0 0-16,21 0 0,-20 0 0,-1 0 16,21 0-16,0 0 0,-20-21 0,20 21 15,-21-21-15,21-1 0</inkml:trace>
+  <inkml:trace contextRef="#ctx0" brushRef="#br1" timeOffset="71093.95">20532 5419 0,'0'0'0,"0"21"0,0 0 16,21-21 15,0 0-31,0 0 16,21 0-16,-20-21 0,20 21 15,-21-21-15,0 21 0,0-21 0,1 21 16,-1-22-16,-21 1 15,0 0-15,-21 21 32,-1 0-32,1 0 0,0 0 15,-85 42-15,85-20 16,0-1-16,0 0 0,0 0 16,-1 0-16,1 0 0,21 1 0,-21-1 15,21 0-15,0 0 0,0 21 16,0-20-16,21-1 15,0-21-15,1 21 0,-1-21 0,0 0 16,0 0-16,21 0 0,-20 0 0,-1 0 16,21 0-16,0 0 0,-20-21 0,20 21 15,-21-21-15,21-1 0</inkml:trace>
   <inkml:trace contextRef="#ctx0" brushRef="#br1" timeOffset="71619.64">21251 5334 0,'0'0'0,"21"-21"0,-21 0 16,-21 21 0,0 0-16,0 0 15,0 21-15,0 0 0,-1 0 16,1 0-16,0 22 0,21-22 0,-21 0 16,21 0-16,-21 0 15,21 22-15,0-22 0,0 0 0,0 0 0,0 0 16,0 1-16,0 20 15,0-21-15,21 0 16,0-21-16,0 0 0,0 0 0,1 0 16,41 0-16,-42 0 0,0 0 15,22-21-15,-22 0 0,0 0 16,21 0-16,-20-1 0,-1-20 0,0 21 16,0-21-16,0 20 0,0-20 15,1 0-15,-1-1 0,0 1 0,-21 0 16,21-1-16,-21-20 0,21 21 15,-21-1-15,0 1 0,0 0 0,0 20 16,0-20-16,0 63 31,-21 22-31,0-22 0,0 21 16,0 0-16,21 1 0,-22-1 0,1 0 16,0 1-16,0-1 0,21 0 15,-21-20-15,21 20 0,-21 0 0,21-21 16,-22 22-16,22-22 0,0 0 0,0 21 15,0-20-15,0-1 16,0 0-16,22-21 0,-1 21 16,0-21-16,0 0 0,0 0 15,22 0-15,-22 0 0,0 0 16,0-21-16,21 0 0,-20 21 16,20-21-16,-21 21 0</inkml:trace>
   <inkml:trace contextRef="#ctx0" brushRef="#br1" timeOffset="72328.25">21950 5503 0,'0'0'0,"0"-21"0,0 0 16,0 0-1,0 0-15,0 0 0,0-1 0,0 1 16,0 0 0,-21 21-16,-1 0 0,1 0 15,0 0-15,0 0 16,0 21-16,0 0 0,-1 1 0,1-1 15,0 0-15,0 0 0,0 0 0,21 0 16,-21 1-16,21 20 0,-22-21 16,22 0-16,0 0 0,0 22 15,0-22-15,0 0 16,22-21-16,-1 0 0,0 0 16,0 0-16,0 0 0,0 0 15,1 0-15,-1-21 0,-21 0 16,21 0-16,0-1 0,0 1 0,0 0 15,-21 0-15,22 0 0,-22 0 16,21-22-16,-21 22 16,0 0-16,21 0 0,-21 42 31,0 0-15,0 0-16,0 0 0,0 1 0,0-1 15,0 0-15,0 0 0,0 0 0,0 0 16,0 1-16,0-1 0,0 0 15,0 0-15,21-21 16,-21 21-16,21-21 0,0 0 16,1 0-16,-1 0 0,0-21 15,0 21-15,0-21 16,0 0-16,1 0 0,-1-1 16,0 1-16,0 0 0,0 0 0,-21-21 15,21 20-15,-21 1 0,22 0 0,-22 0 16,0 0-16,0 42 31,0 0-15,0 0-16,0 0 15,0 1-15,0-1 0,0 0 0,0 0 16,0 0-16,0 0 0,0 1 16,0-1-16,21-21 15,0 21-15,0-21 16,0 0-16,0 0 0,1 0 0,20 0 15,-21 0-15,0 0 0,22 0 16,-1-21-16,-21 21 0,21-21 0,22-22 16,-43 22-16,21 0 0</inkml:trace>
-  <inkml:trace contextRef="#ctx0" brushRef="#br1" timeOffset="72771.99">22902 5461 0,'0'0'0,"21"-21"0,-21 0 0,0 0 16,0-1-16,0 1 15,0 0-15,-21 21 16,0 0-16,0 0 0,0 0 0,-22 0 15,22 0-15,0 21 16,0-21-16,0 21 0,0 1 16,-1-1-16,1 0 0,0 0 0,0 0 15,0 0-15,0 1 0,21-1 16,0 0-16,0 0 0,0 0 0,0 0 16,0 1-16,0-1 0,0 0 0,0 0 15,21-21-15,0 0 16,0 0-16,0 0 0,0 0 0,1 0 15,-1 0-15,0-21 0,0 21 0,0-21 16,0 0-16,22-1 0,-22 1 16,0 0-16,-21-21 0,42-1 15,-20 1-15,-22 21 0,0 0 0,21 0 16,-21-1-16,21 1 16,-21 0-16,0 42 15,0 0 1,0 1-16,0-1 15,-21 0-15,0 42 0,21-41 16,0-1-16,-22 0 0,22 0 16,0 0-16,0 0 0,0 1 0,0-1 15,0 0-15,22 0 16,-1-21-16,0 0 0,0 0 16,0 0-16,0 0 0,1-21 15,-1 0-15,-21 0 0,21-1 0,0 1 16</inkml:trace>
+  <inkml:trace contextRef="#ctx0" brushRef="#br1" timeOffset="72771.98">22902 5461 0,'0'0'0,"21"-21"0,-21 0 0,0 0 16,0-1-16,0 1 15,0 0-15,-21 21 16,0 0-16,0 0 0,0 0 0,-22 0 15,22 0-15,0 21 16,0-21-16,0 21 0,0 1 16,-1-1-16,1 0 0,0 0 0,0 0 15,0 0-15,0 1 0,21-1 16,0 0-16,0 0 0,0 0 0,0 0 16,0 1-16,0-1 0,0 0 0,0 0 15,21-21-15,0 0 16,0 0-16,0 0 0,0 0 0,1 0 15,-1 0-15,0-21 0,0 21 0,0-21 16,0 0-16,22-1 0,-22 1 16,0 0-16,-21-21 0,42-1 15,-20 1-15,-22 21 0,0 0 0,21 0 16,-21-1-16,21 1 16,-21 0-16,0 42 15,0 0 1,0 1-16,0-1 15,-21 0-15,0 42 0,21-41 16,0-1-16,-22 0 0,22 0 16,0 0-16,0 0 0,0 1 0,0-1 15,0 0-15,22 0 16,-1-21-16,0 0 0,0 0 16,0 0-16,0 0 0,1-21 15,-1 0-15,-21 0 0,21-1 0,0 1 16</inkml:trace>
   <inkml:trace contextRef="#ctx0" brushRef="#br1" timeOffset="73051.83">23347 4868 0,'0'-21'16,"0"42"-16,0-21 31,-21 22-31,21-1 0,-22 0 15,22 21-15,-21-21 0,21 22 0,0-1 16,0 22-16,-21-22 0,21 0 0,-21 1 16,0-1-16,21 0 15,-21 1-15,21-1 0,0-21 0,-22 21 16,22-20-16,0 20 0,0-21 0,0 0 16,0 0-16,0 1 0,0-1 15,22-21 1,-1 0-16,0 0 0,0-21 15,0-1-15,0 22 0,1-21 16</inkml:trace>
   <inkml:trace contextRef="#ctx0" brushRef="#br1" timeOffset="74125.22">23580 5355 0,'0'-21'31,"-22"42"-16,1 0-15,21 1 0,-21-22 16,21 21-16,0 0 0,-21 0 16,21 0-16,-21 0 0,21 1 0,0-1 15,0 0-15,0 0 0,0 0 0,0 0 16,0 1-16,0-1 16,21-21-16,0 0 15,0 0-15,0 0 0,1 0 16,-1 0-16,0 0 0,0-21 0,0 21 15,22-22-15,-22 1 0,0 0 16,0 0-16,21 0 0,-20 0 0,-1-1 16,0 1-16,0 0 0,0 0 15,0 0-15,-21 0 0,0-1 16,-21 44 15,21-1-31,0 0 16,-21-21-16,0 21 0,21 0 15,-21 0-15,21 1 0,0-1 16,0 0-16,0 0 0,0 0 0,0 0 16,0 1-16,0-1 0,0 0 15,21-21-15,-21 21 16,21-21-16,0 0 0,0 0 16,1 0-16,-1 0 0,0 0 15,0-21-15,-21 0 0,0 0 16,21-1-16,-21 1 0,0 0 15,0 0-15,0 0 0,0 0 0,0-1 16,0 1-16,-21 0 0,21 0 16,-21 0-16,0 21 0,21-21 0,-21 21 15,-1 0 17,22-22-32,22 22 15,-1 0 1,0 0-16,0 0 0,0 0 15,0 0-15,1-21 0,-1 21 0,0 0 16,21 0-16,-21 0 0,1 0 0,-1 0 16,0 0-16,0 0 0,0 0 15,0 0-15,-21 21 0,22-21 16,-22 22-16,0-1 16,0 0-16,0 0 0,0 0 15,0 0-15,0 1 0,0-1 16,0 21-16,0-21 0,0 0 15,0 1-15,0-1 0,0 0 0,0 0 16,0 0-16,0 0 16,-22-21 15,22-21-31,0 0 16,0 0-16,0 0 0,0 0 15,0-1-15,0 1 0,0 0 0,0 0 16,22-21-16,-1 20 0,-21 1 0,21-21 15,0 21-15,0 0 0,22-1 16,-22 1-16,0 0 0,0 0 16,0 21-16,43 0 0,-43 0 15,0 0-15,0 0 0,0 21 16,-21 0-16,0 22 16,0-22-16,0 0 0,0 0 0,0 0 15,0 0-15,0 1 16,0-1-16,0 0 0,0 0 0,0 0 15,0 0-15,0 1 0,-21-22 0,21 21 16,-21-21-16,21 21 0,-21-21 16,0-21 15,21 0-15,0-1-16,0 1 0</inkml:trace>
   <inkml:trace contextRef="#ctx0" brushRef="#br1" timeOffset="74356.08">24299 4995 0,'0'0'0,"-21"-21"0,0 21 15,21-21-15,-21 21 16,21 21 31,-21-21-16,-1 21-31</inkml:trace>
@@ -391,7 +608,7 @@
   <inkml:trace contextRef="#ctx0" brushRef="#br1" timeOffset="81376.64">20278 7789 0,'0'-21'15,"0"42"-15,0-63 0,-22 42 0,1 0 0,0 0 16,0 0-16,0 0 0,0 0 16,-1 21-16,1 0 0,21 1 15,-21 20-15,0 0 0,21 1 0,-21-1 16,21 0-16,0 22 0,-21-1 16,-1 1-16,22-1 0,-21 1 0,0-1 15,0 85-15,0-84 16,-22 84-16,22-63 0,0-1 15,0 1-15,21 0 0,-21-1 16,0 1-16,-1 0 0,1-1 0,0 1 16,0 0-16,-43 148 15,22-85-15,21-85 16,0 1-16,21-22 0,0 22 0,0-22 16,0 0-16,0-21 0,0 1 0,0 20 15,21-21-15,21-21 16,-21 0-16,22-21 0,-22 0 15,21 0-15,1-1 0,-1-20 16,0 21-16,22-21 0,-22-1 0,0-20 16,1 20-16,-1-20 0,0-1 0,64-147 15,-42 63 1,-43 84-16,-21-21 0,0 22 16,0-22-16,-21 22 0,0-1 0,-1 1 15,-20 20-15,0-20 0,21 21 0,-22 20 16,1-20-16,0 21 0,-1 0 15,22 21-15,0-21 0,-21 21 0,20 0 16,1-22-16,21 1 31,21 21-31,1 0 0,-1-21 16,21 0-16,-21 0 0,0 21 16,1-21-16,20-1 0,-21 22 15,21-21-15,-20 0 0,20 0 0,0 0 16,-21-22-16,22 22 0,-1-42 15,-21 42-15,0-22 16,1 22-16,-22 0 0,0-21 16,0 20-16,0 44 31,-22-1-31,22 0 16,-21 0-16,21 0 0,0 0 0,0 1 15,0-1-15,0 0 0,0 0 16,0 0-16,0 0 15,0 1-15,21-22 0,1 0 0,-1 0 16,0 0-16,0 0 0,0 0 16,0 0-16,22 0 0,-22 0 0,0-22 15,21 22-15,43-63 16,-43 42-16,-20 0 0,-1-1 16,0 1-16,-21 0 0,0 0 0,21 0 15,-21 0-15,0-1 0,0 44 31,-21-22-31,21 21 16,0 0-16,-21 0 0,0 0 0,21 0 16,-22 1-16,22-1 15,0 0-15,0 0 0,-21 0 0,21 0 0,0 1 16,-21-1-16,21-42 47,21-1-32,-21 1-15,21 0 0,1 0 16,-22 0-16,21 0 0,0-22 0,-21 22 16,21 0-16,21-21 15,-42 20-15,22 1 0,-1 21 0,0 0 16,0 0-16,0 21 16,-21 1-16,0-1 15,0 0-15,0 0 0,0 0 16,0 0-16,21 43 15,-21-43-15,22 0 0,-22 0 16,21-21-16,0 0 16,0 22-16,0-22 0,0 0 15,1 0-15,-1-22 0,0 22 16,0-21-16,0 0 0,0 0 0,1 21 16,-1-21-16,0-22 0,0 22 15,0 0-15,-21 0 0,21-21 0,1-22 16,-1 43-1,-21 0-15,0 42 32,0 0-32,-21 0 0,21 0 0,-22 22 15,22-22-15,-21 0 0,21 21 16,0-20-16,0 20 0,0-21 16,0 0-16,0 22 0,0-22 15,21-21 1,1 0-16,-1 0 0,0 0 0,0 0 15,0 0-15,0 0 0,1-21 0,20-22 16,-21 22-16,0 0 16,0 0-16,1 0 0,-1-22 0,0 1 15,-21 0-15,21-1 0,0-20 16,-21 20-16,21-20 0,-21 21 16,0-22-16,0 1 0,0 20 0,0-63 15,0 64-15,0 0 0,0 21 16,0-22-16,0 22 0,-21 21 31,21 21-31,0 0 0,0 1 16,-21-1-16,21 21 0,0 0 15,-21 1-15,21 41 0,0-41 16,0 20-16,0-20 0,0-1 16,-21 0-16,21 1 0,0 41 0,0-41 15,0-1-15,0 21 16,0-41-16,0-1 15,0 0-15,0 0 0,21-21 0,0 0 16,0 0-16,0 0 0,1 0 16,-1 0-16,21-21 15,-21 0-15,0 0 0,1-1 0,-1 1 16,0 0-16,0 0 0,0-21 0,0 20 16,1-20-16,-1 21 0,-21 0 15,21 0-15,-21-1 0,0 44 31,0-1-31,0 21 16,0-21-16,0 0 16,0 1-16,0-1 0,-21 0 0,21 0 0,0 0 15,0 0-15,0 22 0,0-22 16,0 0-16,21-21 16,0 0-1,0 0-15,0 0 0,1 0 16,-1-21-16,0 0 15,0 21-15,43-64 16,-43 43-16,-21 0 0,21-21 16,0 20-16,-21 1 0,21-21 15,-21 21-15,0 42 32,0 0-17,0 0-15,0 0 0,0 1 0,-21-1 16,0 42-16,0-42 15,21 1-15,0-1 16,0 0-16,21-21 16,0 0-16,0 0 15,0 0-15,1 0 16,-1 0-16,0-21 0,0 0 16,0-1-16,0 1 0,-21 0 0,22 0 15,-22 0-15,0 0 0,0-1 16,0 1-16,0 0 0,0 0 15,0 0-15,-22 0 0,1-1 0,-21 22 16,-22 0 0,43 0-16,0 0 0,0 0 0,0 0 15,0 22-15,42-22 32,0 0-17,0 0-15,0 0 0,0 0 0,22-22 16,-22 22-16,21-21 0,-21 21 15,22 0-15,-22-21 0,0 0 0,21 21 16,-20 0-16,41 0 0,-42 0 16,0 0-1,-21 21-15,22-21 0,-22 21 0,0 0 16,0 1-16,0-1 0,0 0 0,0 0 16,0 21-16,0-20 0,0-1 15,0 0-15,0 0 0,0 0 16,0 0-16,0 1 0,0-1 15,0 0-15,0-42 47,21 0-31,-21-1-16,21 1 0,-21 0 16,0 0-16,21 0 0,0 0 0,0-1 15,-21-20-15,22 21 0,-1-21 16,21-1-16,-21 22 15,0 0-15,1 0 0,-1 21 0,0 0 16,0 21 0,-21 0-16,0 0 0,0 0 15,0 1-15,0 41 0,0-42 16,0 22-16,0-22 0,0 0 0,0 0 16,0 0-16,21 0 0,0 1 15,-21-1-15,43-21 16,-22 0-16,0 0 15,0 0-15,0 0 0,1 0 0,-1 0 16,0 0-16,0-21 0,-21-1 16,21 1-16,-21 0 15,21 0-15,-21 0 0,0 0 16,0-1-16,22 1 0,-22-21 0,21 0 16,-21 20-16</inkml:trace>
   <inkml:trace contextRef="#ctx0" brushRef="#br1" timeOffset="81623.5">22733 7684 0,'-21'0'0,"42"0"0,-63 0 0,20 0 16,1 0-16,0 0 94,0 0-94,0 0 0</inkml:trace>
   <inkml:trace contextRef="#ctx0" brushRef="#br1" timeOffset="81872.36">21675 7811 0,'0'0'0,"0"21"0,21-21 31,0 0-31,0 0 16,0 0-16,0 0 0,22 0 0,-22 0 15,21 0-15,1-21 0,20 21 16,-21 0-16,1 0 0,-1 0 16,-21-22-16,0 22 0,22 0 0,-22 0 15,-21-21 1,0 0 0,-21 21-16</inkml:trace>
-  <inkml:trace contextRef="#ctx0" brushRef="#br1" timeOffset="82132.21">21103 7789 0,'0'22'31,"21"-22"-31,0 0 15,1 0-15,-1 0 16,-42 0 47,-1 0-63,1 0 15,0 0-15</inkml:trace>
+  <inkml:trace contextRef="#ctx0" brushRef="#br1" timeOffset="82132.2">21103 7789 0,'0'22'31,"21"-22"-31,0 0 15,1 0-15,-1 0 16,-42 0 47,-1 0-63,1 0 15,0 0-15</inkml:trace>
   <inkml:trace contextRef="#ctx0" brushRef="#br1" timeOffset="82300.11">20595 7959 0,'0'0'16,"0"21"-16,21-21 16,-21 21-16,-21-21 46,0 0-46</inkml:trace>
 </inkml:ink>
 </file>
@@ -457,7 +674,7 @@
   <inkml:trace contextRef="#ctx0" brushRef="#br0" timeOffset="18791.47">12869 2942 0,'-21'0'0,"0"0"15,0 0-15,0 0 0,-1 0 16,1 0-16,0 0 0,0 0 0,0 21 16,0 1-16,-1-22 0,1 21 0,0 0 15,0 0-15,-21 43 16,20-22-16,1-21 0,21 21 15,0-20-15,0 20 0,0-21 0,0 0 16,0 22-16,0-22 0,0 0 16,21 0-16,1-21 0,-1 21 0,0 0 15,0-21-15,21 0 0,-20 0 16,20 0-16,0 0 0,1 0 0,-1 0 16,0 0-16,-21-21 0,22 0 0,-1 0 15,0 0-15,-20 0 0,20-1 16,-21-20-16,0 0 0,0-1 15,1 1-15,20 0 0,-21-1 0,0 1 16,0-21-16,1 20 0,-22 1 16,21-22-16,0 22 0,0 0 0,-21-1 15,21 22-15,-21 0 0,0 0 0,0 0 16,0 42 0,-21 0-16,0 0 15,0 22-15,21-1 0,-21-21 16,-1 21-16,22 1 0,-21-1 0,0 0 15,21-20-15,-21 20 0,0 0 0,21-21 16,0 22-16,-21-1 0,-1-21 16,22 0-16,-21 43 15,0-43-15,21 0 0,0 0 16,0-42 15,0 0-31,0 0 16,21-21-16,-21 20 0,21 1 15,1 0-15,-1-21 0,21 21 0,-21-22 16,22 22-16,-22-21 16,21 21-16,-21-1 0,22 1 0,-1 0 15,-21 21-15,21 0 0,1 0 0,-22 0 0,0 0 16,0 0-16,0 0 0,1 21 16,-22 0-16,0 1 0,0-1 0,0 0 15,0 21-15,0-21 0,0 1 16,0 20-16,0-21 0,0 21 0,-43 1 15,43-22-15,-21 0 16,21 0-16,-21 0 0,0 1 16,21-1-16,-21-21 15,21-21 17,0-1-32</inkml:trace>
   <inkml:trace contextRef="#ctx0" brushRef="#br0" timeOffset="19223.22">14859 3069 0,'0'0'0,"21"-21"0,0 0 15,-21 0 1,0 42 15,0 0-31,0 0 0,0 0 0,0 1 16,0-1-16,0 21 0,0-21 0,0 0 15,-21 22-15,21-22 0,-21 0 16,21 0-16,-21 22 0,21-22 16,0 0-16,0 0 0,-21 0 15,21 0 1,21-21-1,0 0 1,0-21-16,0 0 0</inkml:trace>
   <inkml:trace contextRef="#ctx0" brushRef="#br0" timeOffset="19695.95">15579 3027 0,'0'0'16,"-22"0"-1,1 0-15,-21 0 16,21 0-16,-22 0 0,1 21 16,0 0-16,21-21 0,-22 21 15,1-21-15,21 22 0,0-22 0,-1 21 16,1 0-16,21 0 16,21-21-1,1 0-15,-1 0 0,0 0 0,0 0 16,21 0-16,-20 0 0,-1 0 15,21 0-15,-21 0 0,0 0 0,22 21 16,-22-21-16,0 21 0,0-21 16,0 22-16,1-1 0,-1-21 15,-21 42-15,21-21 0,-21 0 16,0 1-16,0-1 16,0 0-16,0 0 0,-21 0 15,0-21-15,-1 21 0,1-21 16,-21 0-16,21 22 0,-22-22 0,22 0 15,-21 21-15,0-21 0,20 0 0,-20 0 16,21 0-16,0 0 0,-22 0 16,22 0-16,0 0 0,0 0 15,21-21-15,-21 21 0,0-22 16,21 1-16,0 0 16,0 0-16,0 0 15,21 0-15,-21-1 16,21 1-16,0 0 0</inkml:trace>
-  <inkml:trace contextRef="#ctx0" brushRef="#br0" timeOffset="19910.83">14965 2836 0,'0'-21'16,"-21"21"0,-1 0-1,1 0 1</inkml:trace>
+  <inkml:trace contextRef="#ctx0" brushRef="#br0" timeOffset="19910.82">14965 2836 0,'0'-21'16,"-21"21"0,-1 0-1,1 0 1</inkml:trace>
   <inkml:trace contextRef="#ctx0" brushRef="#br0" timeOffset="23904.39">16891 3450 0,'21'0'32,"0"0"-17,0-21-15,1 0 16,-1 21-16,0-21 0,0 0 0,0-1 15,0-20-15,1 21 0,20 0 16,-21-22-16,0 1 0,22 0 0,-1-43 16,0 43-16,-21-22 15,1 22-15,-22-22 0,21-41 16,0 41-16,-21 22 0,0-22 16,0 22-16,0 0 0,0 20 0,0-20 15,0 21-15,-42 21 16,20 0-16,22 21 15,-21 0-15,0 0 0,0 22 0,21-1 16,-21 22-16,0-22 0,21 0 16,-22 22-16,1-22 0,21 22 15,0-22-15,-42 64 0,42-64 0,-21 0 16,21 1-16,0-1 0,0 0 16,0-20-16,0 20 0,0-21 0,0 0 15,0 0-15,0 1 16,0-44-1,0 1-15,0 0 16,0 0 0,21 0-16,-21 0 0,42-43 15,-21 43-15,1 0 0,-1-22 0,0 22 16,0 0-16,0 0 0,0 0 16,1 0-16,-22-1 0,21 22 0,0 0 15,-21 22 1,21-1-16,-21 0 0,0 0 15,0 21-15,0-20 0,0-1 16,21 21-16,-21-21 0,0 0 0,21 22 16,-21-22-16,22 0 0,-1 0 15,-21 0-15,21 1 0,0-22 0,0 21 16,43-21-16,-43 0 16,0 0-16,21 0 0,-20 0 15,20 0-15,-21 0 0,21 0 0,22-43 16,-1 1-16,-41 21 15,20-21-15,-21 20 0,0-20 16,0 21-16,1-21 0,-1-1 0,-21-20 16,0 20-16,0 22 15,0-21-15,0 21 0,-43-22 16,22 43-16,-21 0 0,21 0 16,0 0-16,-22 0 0,22 22 0,-42-1 15,20 21-15,-20 0 16,42 1-16,-1-22 15,1 21-15,21 1 0,0-22 0,0 21 16,0-21-16,0 22 0,0-22 16,0 0-16,0 0 0,21 0 0,-21 0 15,22-21-15,-1 0 0,0 22 0,0-22 16,0 0-16,0 0 0,1 0 16,20 0-16,-21-22 0,0 1 0,0 21 15,1-21-15,20-21 16,-21-1-16,0 22 0,0 0 15,1-21-15,-22 21 0,0-22 0,0 22 16,21 0-16,-21 0 0,0 0 0,0-1 16,0 44 15,-21-1-31,21 21 0,0-21 16,0 0-16,-22 22 0,22-22 0,0 21 15,0-21-15,0 22 0,0-22 16,0 0-16,0 0 0,0 0 0,0 1 15,22-1-15,-22 0 0,21-21 16,0 0-16,0 0 0,0 0 16,0 0-16,1 0 0,20 0 15,-21 0-15,0-21 0,0 21 0,22-21 16,41-64 0,-62 64-16,-1 0 0,0-22 15,0 22-15,21-21 0,-20 21 0,-22-1 16,21-20-16,0 21 0,-21 0 15,21 21-15,-21-21 0,0 42 16,0 0 0,-21 0-16,21 0 0,-21 22 15,21-22-15,0 0 0,-21 21 0,21-21 16,0 1-16,-22-1 0,22 21 16,0-21-16,0 0 0,0 1 15,0-1-15,22-21 16,-1 21-16,0-21 15,0 0-15,0 0 0,0 0 0,1 0 16,20-42-16,-21 42 16,21-22-16,-20 1 0,-1 0 0,0 0 15,0 0-15,0 0 16,0-22-16,1 22 0,-1-21 0,0 21 0,-21-1 16,21-20-16,0 0 15,0 21-15,-21-1 0,0 44 31,-21-1-15,0 0-16,0 21 0,21-21 16,0 1-16,0 20 0,-21-21 15,21 0-15,0 22 0,-21-22 0,21 0 16,0 0-16,0 0 0,0 0 16,0 1-16,21-22 0,0 21 0,0-21 15,0 0-15,0 0 0,22 0 16,-22 0-16,21 0 0,-21 0 0,64 0 15,-43-21-15,1-1 0,-1 22 16,0-21-16,-20 0 0,20-21 16,-21 21-16,0-1 0,22-20 15,-43 21-15,21-21 0,-21 20 16,21-20-16,-21 21 0,0 0 0,0 0 16,0-1-16,0 1 0,-21 21 0,0 0 15,-1 0-15,1 0 16,0 0-16,0 21 0,0 1 0,0-1 15,-1 0-15,1 0 0,0 21 16,0-20-16,21 20 0,0-21 0,-21 43 16,21-43-16,0 0 15,0 21-15,0-21 0,0 1 16,21-1-16,0-21 0,0 0 0,0 21 16,1-21-16,-1 0 0,21 0 15,-21 0-15,22 0 0,-1 0 16,0 0-16,1-21 0,-1 0 15,-21 21-15,21-22 0,1 1 0,-22-21 16,21 21-16,-21 0 0,1-22 0,-1 22 16,0-21-16,0 21 15,-21-1-15,21-41 0,-21 42 0,0 0 16,0 42 15,-21 0-31,21 0 0,-21 0 16,21 0-16,0 22 0,0-22 0,0 0 15,0 0-15,0 22 0,0-22 0,0 0 16,0 0 0,0 0-16,0 0 0,21-21 15,0 0-15,0 0 0,1 0 16,-1 0-16,0 0 0,0 0 0,0 0 16,0 0-16,22-21 0,-22 0 0,0 21 15,0-21-15,0 0 0,1-22 16,20 1-16,-42 21 0,21 0 15,-21 0-15,21-1 0,-21 1 16,0 0-16,-21 21 16,0 21-1,0 0-15,0 1 0,21-1 16,-22 0-16,1 21 0,0-21 16,21 1-16,0-1 0,-21 0 15,21 0-15,-21 0 0,21 0 0,-21 1 16,21-44 31,0 1-47,21 0 15,0 0-15,0 0 0,0-22 16,0 22-16,1 0 0,20 0 0,-21-21 16,21 20-16,-20 1 0,-1 0 15,0 0-15,0 0 0,0 21 16,0 0-16,-21 21 15,0 0 1,0 0-16,0 0 0,0 1 0,-21-1 16,0 0-16,21 21 0,0-21 15,0 1-15,0-1 0,0 0 0,0 0 16,0 0-16,21 0 16,0 1-16,1-22 0,-1 0 0,0 21 15,21-21-15,-21 0 0,22 0 0,-22 0 16,21 0-16,1 0 0,-1 0 15,0-21-15,1-1 0,-22 22 0,21-21 16,0 0-16,1-21 16,-1 21-16,-21-1 0,0 1 0,1-21 15,20 21-15,-42-22 0,21 22 0,-21-21 16,0 21-16,0 0 0,0-1 16,0 1-16,-21 0 0,0 0 0,-22 21 15,22 0-15,-21 0 16,21 0-16,-22 21 0,22 0 0,-21 0 15,21 1-15,0-1 0,-1 0 0,1 21 16,0-21-16,21 1 0,0-1 16,0 0-16,0 0 15,0 0-15,21-21 0,0 21 0,1-21 16,-1 0-16,21 0 16,-21 0-16,0 0 0,1 0 0,-1 0 15,21-21-15,-21 21 0,0-21 16,1 0-16,-1 21 0,0-21 0,-21 0 15,21 21-15,0-22 0,-21 1 16,0 0-16,0 42 31,-21-21-15,0 21-16,21 1 0,-21-1 0,21 21 16,-21-21-16,-1 0 0,22 22 15,0-1-15,-21 0 0,21-20 0,-21 20 16,21 43-16,0-43 0,0 0 15,0 1-15,-21-1 16,21 0-16,-21 22 0,21-22 0,0 0 16,-21 1-16,21 20 0,0-20 0,0-1 15,-22 0-15,22 1 0,-21-1 16,21-21-16,-21 21 0,21-20 16,-21-1-16,-21 0 0,20 0 0,1-21 15,0 0-15,0 0 0,-21 21 16,20-21-16,1 0 0,-21 0 15,21 0-15,0-21 0,-1 21 16,1-21-16,0 21 0,21-21 16,0 0-16,0-1 0,0 1 15,0 0-15,0 0 0,0 0 16,0 0-16,-21-22 0,21 22 0,0-21 16</inkml:trace>
   <inkml:trace contextRef="#ctx0" brushRef="#br0" timeOffset="24176.24">19748 2455 0,'0'0'16,"0"-21"-16,-21 0 0,21 0 0,-21 21 15,21-21-15,-21 21 32,21 21-1,-21-21-31,21 21 16,-21 0-16,-1 0 0,1-21 15,0 22-15</inkml:trace>
   <inkml:trace contextRef="#ctx0" brushRef="#br0" timeOffset="26836.51">5186 4657 0,'0'0'16,"0"-21"-16,-21-1 0,21 1 15,0 0-15,-22 0 0,1 0 16,21 0-16,-21-1 0,0 1 16,21 0-16,-21 0 0,0 21 15,21-21-15,-22 21 0,1 0 16,-21 0-16,21 21 0,0 0 15,-1 0-15,1 0 0,0 1 16,0 20-16,0-21 0,0 21 0,-1 1 16,1-1-16,0 22 15,0-22-15,0 21 0,21-20 0,0 20 0,-21-20 16,21 20-16,0-21 0,0 1 16,0-1-16,0 0 0,0 1 15,21-22-15,0 0 0,0 21 0,0-20 16,22-22-16,-22 21 15,21-21-15,-21 0 0,22 0 0,-1 0 0,0 0 16,1 0-16,-22-21 0,21 21 0,0-22 16,1 1-16,-1 0 0,43-42 15,-43 41-15,0-20 0,1 0 16,-1-1-16,0 1 0,22-43 16,-43 22-16,-21 21 0,0-22 15,0 22-15,0-1 0,0 1 0,0 0 16,-21-1-16,0 1 15,0 0-15,-22-1 0,22 22 0,-21 0 16,-1 0-16,22-21 0,-21 42 16,0-22-16,-1 22 0,1 0 0,0 0 15,-85 64-15,84-43 16,1 21-16,0-20 0,-1 20 16,22 21-16,-21-20 0,21 20 0,-1 1 15,22-1-15,0 1 16,0-22-16,0 22 0,43 41 0,-22-62 15,21-22-15,-21 21 0,22-21 16,-1 22-16,0-22 0,1-21 0,20 21 16,-20-21-16,-1 0 0,21 0 15,-20 0-15,20 0 0,-20 0 16,-1 0-16,21-21 0,-20 0 0,-1 0 16,0-1-16,1 1 0,-1 0 0,0 0 15,-20-21-15,20 20 0,-21 1 16,0-63-16,-21 62 0,21-20 15,-21 21-15,0 0 0,0-22 16,0 22-16,0 42 16,-21 22-1,0-22-15,21 0 16,0 0-16,0 22 0,-21-22 16,21 21-16,-21-21 0,21 0 0,0 1 15,0-1-15,0 0 0,0 0 16,0 0-16,0 0 0,0-42 47,0 0-32,0 0-15,21 0 0,0-22 16,-21 22-16,21-21 0,0 21 0,-21-22 16,22 1-16,-1 21 0,0-21 15,0-1-15,0 22 0,0 0 16,-21 0-16,22 0 0,-1 21 0,0 0 15,-21 21 1,0 0-16,21 0 0,-21 0 0,0 0 16,21 22-16,-21-22 0,0 21 0,0-21 15,0 22-15,0-22 0,0 21 16,21-21-16,-21 1 0,22-1 16,-22 0-16,0 0 0,21 0 0,0 0 15,0 1-15,0-22 0,0 0 16,1 0-16,-1 0 0,0 0 15,0 0-15,0-22 16,0 22-16,22-21 0,-22 0 0,0 0 16,0 0-16,0 0 0,1-22 0,-1 22 15,0-21-15,0-1 0,0 1 16,0-21-16,1 20 0,-1-20 0,0 20 16,0-20-16,0 21 0,0-1 0,-21-20 15,22 20-15,-22 1 0,21 0 16,-21-1-16,21 1 0,-21 0 0,0 21 15,0-22-15,0 22 0,-21 63 32,21-20-17,-21-1-15,-1 21 0,22 22 16,0-22-16,0 0 0,-21 64 16,21-42-16,-21-22 0,21 21 15,0-20-15,0 20 0,0-20 0,0 20 16,0-21-16,0 1 0,0-22 0,21 21 15,0 1-15,1-22 0,-1 0 16,0 0-16,0 0 0,0-21 0,22 21 16,-22-21-16,21 0 0,-21 0 15,22 0-15,-22 0 0,21 0 16,-21-21-16,22 21 0,-22-21 0,0 0 0,42-21 16,-41 20-16,-1-20 15,0 21-15,0 0 0,0-22 0,-21 1 16,0 21-16,0-21 0,21 20 15,-21-20-15,0 21 0,0 0 16,0 42 15,-21 0-31,21 0 0,0 0 16,-21 1-16,21-1 0,0 21 0,0-21 16,0 0-16,0 1 0,0-1 15,0 0-15,21-21 16,0 0-16,1 0 0,-1 0 15,0 0-15,0 0 0,43 0 16,-43-21-16,0 21 0,21-21 16,-21-1-16,22 1 0,-22 0 0,0 0 15,0 0-15,0 0 0,1-1 16,-22 1-16,21 0 0,-21 0 0,21 0 16,-21 0-16,0-1 0,-21 22 46,0 22-46,21-1 16,0 0-16,-22 0 0,22 21 16,0-20-16,-21 62 15,21-41-15,0-1 0,0 0 0,0 1 16,0 20-16,0-21 0,0 1 0,0-1 16,0 22-16,0-22 0,0 0 15,0 22-15,0-22 0,0 85 16,0-85-16,0 22 0,0-1 15,0-20-15,0 20 0,0-20 0,0-1 16,0 21-16,0-20 0,0-1 0,0 0 16,0 1-16,0-1 0,0-21 15,0 22-15,0-22 0,-21 21 16,0-42-16,0 0 0,0 0 16,-1 0-16,1-21 15,0 0-15,0 0 0,0-1 0,0 1 16,-1-21-16,1 0 0,-21-1 0,21 1 15,0 0-15,-1-22 16,1 22-16,0-22 0,0-20 0,0 20 16,21-84-16,0 84 0,0 22 15,0-21-15,0-1 0,21 22 16,0-1-16,0 1 0,0 0 0,1 21 16,-1-22-16,0 22 0,0 0 15,0-21-15,-21 20 0,21 22 0,1-21 16,-1 0-16,0 0 0,-21 0 15,21 21-15,0-21 0</inkml:trace>
@@ -466,10 +683,10 @@
   <inkml:trace contextRef="#ctx0" brushRef="#br0" timeOffset="31183.75">11409 4530 0,'0'-21'0,"0"42"0,-21-64 15,-1 43 1,1 0-16,0 0 0,0 0 0,0 0 16,0 22-16,-1-1 0,1-21 0,0 21 15,0 0-15,0 0 16,21 0-16,-21 22 0,21-22 0,-22 0 15,22 85-15,0-85 16,0 0-16,0 22 0,0-22 16,0 0-16,0 0 0,22 0 0,-1-21 15,0 21-15,0-21 0,0 0 16,0 0-16,1 0 0,-1 0 16,0 0-16,0 0 0,21 0 0,-20 0 0,-1 0 15,21-21-15,-21 0 0,0 0 16,1 0-16,20 0 0,-21-22 0,0 22 15,0-21-15,1-1 0,20 1 16,-21 0-16,0-1 0,0 1 16,1 0-16,-1-22 0,0 22 0,0 0 15,0-1-15,-21 1 0,0-43 16,21 43-16,-21 0 0,0 20 16,0 1-16,0 0 0,-21 21 15,0 0-15,0 0 16,0 21-16,21 0 0,0 1 15,0-1-15,-21 21 0,21 0 0,-22 1 16,22-1-16,0 0 0,-21 43 16,21-43-16,0 1 0,0-1 15,0 0-15,0 1 0,0-22 16,0 21-16,0 1 0,0-22 0,0 0 16,21 0-16,22 43 15,-22-43-15,0-21 0,0 21 16,22 0-16,-22-21 0,21 0 0,-21 0 15,22 0-15,-1 0 0,64 0 16,-22 0 0,-62-21-16,20 0 0,-21 0 0,21 21 15,-20-22-15,-1 1 0,0 0 0,0 0 16,0-21-16,-21 20 0,21 1 16,-21 0-16,0-21 0,0 21 0,0-1 15,0 1-15,0 0 0,-21 0 16,0 0-16,0 0 0,0 21 15,0 0-15,-1 0 0,1 0 0,-21 0 16,21 0-16,0 21 0,-22 0 0,22-21 16,0 21-16,-21 0 0,20 22 15,1-22-15,21 42 16,-21-42-16,21 22 0,0-22 0,0 21 0,0-21 16,0 1-16,0-1 0,21 0 15,-21 0-15,21-21 0,1 21 0,-1-21 16,0 0-16,21 0 15,-21 0-15,1 0 0,-1 0 16,0-21-16,0 0 0,21 21 16,-42-21-16,43 0 0,-22-22 15,0 22-15,-21 0 0,21 0 0,0-22 16,1 22-16,-1-21 0,-21 21 0,0 0 16,0-22-16,21 22 0,-21 0 15,0 0-15,0 42 31,0 0-31,-21 0 16,21 0-16,0 1 0,0 20 0,0-21 16,0 0-16,0 22 0,0-22 0,0 0 15,0 0-15,0 21 0,0-20 16,0-1-16,0 0 0,21-21 16,0 0-16,0 0 15,0 0-15,1 0 16,-1 0-16,0 0 0,0-21 0,0 0 15,0 21-15,1-22 0,20-20 0,-21 21 16,0 0-16,0 0 0,22-1 16,-22-20-16,0 21 0,0 0 0,22 0 15,-22-1-15,0 1 0,-21 0 16,21 21-16,-21 21 31,0 0-31,0 1 16,-21-1-16,21 0 0,0 0 15,0 0-15,0 0 0,0 1 16,0-1-16,0 21 0,21-21 16,0 0-16,22 1 0,-22-1 15,0-21-15,21 21 0,1 0 0,-22-21 16,21 0-16,0 0 0,1 0 16,-22 0-16,21 0 0,1 0 0,-22 0 15,21-21-15,-21 0 0,22 0 0,-22-1 16,0 1-16,0 0 0,0 0 15,0-21-15,1 20 0,-1 1 16,0-21-16,-21 21 0,21-22 0,-21 22 0,0-21 16,0 21-16,0 0 15,0-1-15,0 1 0,-21 0 0,0 21 16,0 0-16,-1 0 0,1 0 0,0 0 16,0 0-16,0 0 0,0 21 15,-1 0-15,22 22 0,-21-22 0,0 0 16,0 21-16,21-20 0,0 20 0,-21-21 15,21 21-15,0-20 0,0-1 16,0 0-16,0 0 0,0 0 0,0 0 16,0 1-16,21-22 0,0 0 15,0 0-15,0 0 16,1 0-16,-1 0 16,-21-22-16,21 1 0,0 0 0,-21 0 15,21 0-15,0 0 0,-21-22 16,22 22-16,-1 0 0,-21-21 0,21 20 15,0-20-15,0 21 0,-21 0 0,0 0 16,0-1-16,21 1 0,-21 42 31,-21 1-31,0-1 0,21 0 16,0 0-16,-21 21 0,21-20 16,0-1-16,-21 21 0,21-21 0,0 0 15,0 22-15,0-22 0,0 0 16,0 0-16,21 0 0,0 1 15,0-22-15,-21 21 0,21-21 0,1 0 16,-1 0-16,21 0 0,0 0 16,-20 0-16,20-21 0,-21-1 15,0 22-15,22-21 0,-22-21 0,0 21 16,0 0-16,0-22 0,0 1 16,1 21-16,-1-22 0,0-20 0,0 21 15,0-1-15,0-20 0,-21 20 0,0-20 16,0-1-16,22 22 0,-22-21 15,0 20-15,0-20 0,0 20 16,0 22-16,-22 21 31,1 21-31,21 1 0,-21 20 16,21-21-16,-21 21 0,21 1 16,0 20-16,0-20 0,0-1 0,0 106 15,0-106-15,0-20 16,0 20-16,0 0 0,0 1 15,0-22-15,0 21 0,0-21 0,0 22 16,21-22-16,0 0 0,0 0 0,1 0 16,-1-21-16,0 0 15,0 0-15,0 0 0,0 0 0,1 0 16,-1 0-16,0 0 0,0-21 16,0 0-16,22 0 0,-22 0 15,0-1-15,0 1 0,0 0 0,22 0 16,-22-21-16,0 20 0,0-20 15,-21 21-15,21 0 0,-21 0 0,21-1 16,-21 1-16,0 0 0,0 42 31,0 0-31,-21 1 16,0-1-16,21 0 0,-21 0 0,21 0 16,0 0-16,0 1 0,0-1 15,0 0-15,0 0 0,0 0 16,0 0-16,0 1 0,0-1 15,0 0-15,21-21 0,0 0 16,0 0-16,1 0 0,-1 0 0,0 0 16,0 0-16,0 0 0,0-21 15,22 21-15,-22-21 0,0-1 16,0 1-16,0 0 0,1 0 0,-1 0 16,21 0-16,-21-22 0,-21 22 0,21 0 15,1 0-15,-1 0 0,-21-1 16,0 44-1,-21-1 1,-1 0 0,22 0-16,-21 0 0,21 0 0,0 1 15,-21-1-15,21 0 0,0 0 16,0 0-16,0 0 0,0 1 16,21-22-1,0 0-15,1 0 16,-1 0-16,0 0 0,0 0 0,0 0 15,0-22-15,1 1 0,-1 21 16,-21-21-16,0 0 0,21 0 16,-21 0-16,0-1 0,0-20 0,0 21 15,0 0-15,0 0 0,0-1 16,0 1-16,0 0 0,-21 21 16,0 0-16,-1 0 0,1 0 15,0 0-15,0 0 0,0 0 0,0 0 16,-1 21-16,22 0 0,-21-21 15,21 22-15,0-1 0,21-21 16,1 21-16,-1-21 16,0 0-16,0 0 0,21 0 15,-20 0-15,-1 0 0,21 0 0,-21 0 16,22 0-16,-1 0 0,-21-21 16,21 21-16,-20 0 0,20-21 0,-21 21 15,0-22-15,0 22 0,1-21 0,-1 21 16,0 0-16,0 0 15,-21 21 1,0 1-16,0-1 16,0 0-16,0 21 15,0-21-15,0 1 0,-21-1 0,21 0 16,0 0-16,-21 21 0,21-20 0,0-1 16,-21 0-16,21 21 15,0-21-15,0 1 0,0-1 0,0 0 16,0 0-1,0-42 1,0 0 0,0 0-16,0-1 15,0 1-15,0 0 0,21 0 0,0 0 16,0-22-16,-21 22 0,21-21 0,0 21 16,1-22-16,20 1 0,-21 21 15,21-21-15,-20 20 0,20-20 0,0 21 16,-21 0-16,22 0 0,-22 21 15,21 0-15,-21 0 0,1 0 16,-22 21-16,0 0 0,0 21 16,0-21-16,0 1 0,0 20 0,0-21 15,0 0-15,-22 22 0,22-22 16,0 21-16,0-21 0,0 0 0,0 1 16,0 20-16,0-21 0,0 0 15,22-21-15,-1 21 0,-21 1 16,21-22-16,0 0 0,0 0 15,0 0-15,1 0 16,-1 0-16,0 0 0,0 0 0,-21-22 16,21 1-16,0 0 0,-21 0 0,22 0 15,-1 0-15,0-1 0,0 1 16,-21 0-16,21-21 0,0 21 0,-21-1 16,0 1-16,22 0 0,-22 0 0,0-43 15,0 43-15</inkml:trace>
   <inkml:trace contextRef="#ctx0" brushRef="#br0" timeOffset="31459.59">15367 4001 0,'-21'0'0,"42"0"0,-42-22 16,21 1 62,-21 21-63,-1 0-15,1 0 0</inkml:trace>
   <inkml:trace contextRef="#ctx0" brushRef="#br0" timeOffset="31695.19">14055 4318 0,'0'0'0,"0"21"0,0 0 15,21-21 1,0 0-16,0 0 0,0 0 0,22 0 16,-22 0-16,21 0 0,0 0 0,1 0 15,-1 0-15,-21-21 0,22 21 16,-1 0-16,-21 0 0,21 0 0,-20 0 16,-1-21-16,0 21 0,-21-21 15,0 0 1,0 0-16</inkml:trace>
-  <inkml:trace contextRef="#ctx0" brushRef="#br0" timeOffset="33588.62">17865 4763 0,'0'-22'15,"0"1"1,21 0-16,-21 0 15,0 0-15,0-22 0,0 22 16,0-21-16,21 21 0,-21-22 0,21 1 16,-21-64-16,21 43 0,-21 20 15,21-20-15,1 21 0,-22-1 16,0-63-16,0 85 16,0 0-16,0 42 15,0 0-15,-22 22 16,22-1-16,-21 0 0,0 22 15,0-22-15,0 22 0,21-1 16,-21-20-16,21 20 0,-22-21 0,22 22 16,0-22-16,0 1 0,-21-1 0,21 0 15,0-21-15,-21 22 0,21-22 16,0 0-16,0 0 16,-21-42-1,21 0 1,0 0-16,0-22 0,0 22 15,0 0-15,21 0 0,-21-21 0,21 20 16,0-20-16,1 21 0,-1-21 16,0 20-16,0-20 0,0 21 0,22 0 15,-22 0-15,0-1 0,21 22 16,-21 0-16,1 0 0,20 0 16,-21 0-16,0 22 0,22-22 0,-22 21 15,0 0-15,0 0 0,-21 21 16,21-20-16,-21-1 0,21 21 15,-21-21-15,0 0 0,0 1 0,0-1 16,-21 0-16,-21 0 0,21 0 16,0 0-16,-1-21 0,-20 22 0,21-22 15,-21 0-15,20 0 0,-20 0 0,21 0 16,0 0-16,-22 0 16,22 0-16,0 0 0,0-22 0,21 1 15,-21 21 1,21-21-16,0 0 15,-21 21-15,21 21 32,0 0-32,0 0 0,0 1 15,21-22-15,0 21 0,-21 0 16,21-21-16,0 21 0,0-21 0,1 21 16,20-21-16,-21 0 0,21 0 0,-20 0 15,20 0-15,0 0 0,1 0 16,-1 0-16,0 0 0,22 0 0,-22-21 15,-21 21-15,22-21 0,-1 0 16,0 0-16,-21-1 0,43-20 16,-43 0-16,0 21 0,0-1 15,-21-20-15,0 21 0,22-21 16,-22 20-16,0 1 0,21 0 0,-21 0 16,0 0-16,0 42 15,-21-21 1,-1 21-16,22 0 0,-21 22 0,0-22 15,0 0-15,21 0 0,0 21 16,-21-20-16,21-1 0,0 21 0,0-21 16,0 0-16,0 1 15,0-1-15,21-21 0,0 21 16,0-21-16,0 0 0,1 0 16,-1 0-16,0 0 0,0-21 15,0 21-15,22-21 0,-22 21 0,0-22 16,0 1-16,21 0 0,-20 21 15,-1-21-15,0 0 0,0-22 0,0 22 16,0 0-16,1 0 0,-1-21 16,0 20-16,-21 1 0,0 0 0,0 0 15,0 42 1,0 0-16,0 0 16,-21 1-16,21 20 15,-21-21-15,21 0 0,0 0 16,0 1-16,0-1 0,0 0 15,0 0-15,0 0 0,0 0 0,21-21 16,-21 22-16,21-22 0,0 0 0,0 0 16,0 0-16,1 0 0,-1 0 15,0 0-15,0 0 0,0-22 0,22 22 16,-22-21-16,0 0 0,0 0 0,0 0 16,0 0-16,1-22 0,-1 22 15,21-21-15,22-85 16,-43 84-16,0-20 0,0 21 15,0-1-15,22-63 16,-22 64-16,-21 0 0,0 21 0,0-22 16,0 22-16,0 0 15,0 42-15,0 21 16,-21-20-16,-1 20 16,1 21-16,0-20 0,21-1 0,-21 22 15,0-22-15,21 21 0,-21-20 16,21-1-16,0 0 0,0 1 0,0-22 15,0 21-15,0-21 0,0 1 0,0-1 16,0 0-16,21 0 0,0 0 16,0-21-16,0 0 0,0 21 0,1-21 15,-1 0-15,42 0 16,-42 0-16,1-21 0,20 21 0,-21-21 16,0 0-16,22 21 0,-22-21 15,0 0-15,0-22 16,-21 22-16,21 0 0,-21 0 0,0 0 15,0-1-15,-21-20 0</inkml:trace>
-  <inkml:trace contextRef="#ctx0" brushRef="#br0" timeOffset="33799.62">19516 4318 0,'-22'21'31,"22"0"-31,22-21 0,-1 0 15,0 0-15,0 0 0,0 0 16,22 0-16,-1 0 16,-21 0-16,0 0 0,22-21 0,-22 21 15,21 0-15,-21 0 0,0 0 0,1 0 16,-1-21-16,0 21 0,0 0 16,-21-21-16,0 0 15</inkml:trace>
+  <inkml:trace contextRef="#ctx0" brushRef="#br0" timeOffset="33588.61">17865 4763 0,'0'-22'15,"0"1"1,21 0-16,-21 0 15,0 0-15,0-22 0,0 22 16,0-21-16,21 21 0,-21-22 0,21 1 16,-21-64-16,21 43 0,-21 20 15,21-20-15,1 21 0,-22-1 16,0-63-16,0 85 16,0 0-16,0 42 15,0 0-15,-22 22 16,22-1-16,-21 0 0,0 22 15,0-22-15,0 22 0,21-1 16,-21-20-16,21 20 0,-22-21 0,22 22 16,0-22-16,0 1 0,-21-1 0,21 0 15,0-21-15,-21 22 0,21-22 16,0 0-16,0 0 16,-21-42-1,21 0 1,0 0-16,0-22 0,0 22 15,0 0-15,21 0 0,-21-21 0,21 20 16,0-20-16,1 21 0,-1-21 16,0 20-16,0-20 0,0 21 0,22 0 15,-22 0-15,0-1 0,21 22 16,-21 0-16,1 0 0,20 0 16,-21 0-16,0 22 0,22-22 0,-22 21 15,0 0-15,0 0 0,-21 21 16,21-20-16,-21-1 0,21 21 15,-21-21-15,0 0 0,0 1 0,0-1 16,-21 0-16,-21 0 0,21 0 16,0 0-16,-1-21 0,-20 22 0,21-22 15,-21 0-15,20 0 0,-20 0 0,21 0 16,0 0-16,-22 0 16,22 0-16,0 0 0,0-22 0,21 1 15,-21 21 1,21-21-16,0 0 15,-21 21-15,21 21 32,0 0-32,0 0 0,0 1 15,21-22-15,0 21 0,-21 0 16,21-21-16,0 21 0,0-21 0,1 21 16,20-21-16,-21 0 0,21 0 0,-20 0 15,20 0-15,0 0 0,1 0 16,-1 0-16,0 0 0,22 0 0,-22-21 15,-21 21-15,22-21 0,-1 0 16,0 0-16,-21-1 0,43-20 16,-43 0-16,0 21 0,0-1 15,-21-20-15,0 21 0,22-21 16,-22 20-16,0 1 0,21 0 0,-21 0 16,0 0-16,0 42 15,-21-21 1,-1 21-16,22 0 0,-21 22 0,0-22 15,0 0-15,21 0 0,0 21 16,-21-20-16,21-1 0,0 21 0,0-21 16,0 0-16,0 1 15,0-1-15,21-21 0,0 21 16,0-21-16,0 0 0,1 0 16,-1 0-16,0 0 0,0-21 15,0 21-15,22-21 0,-22 21 0,0-22 16,0 1-16,21 0 0,-20 21 15,-1-21-15,0 0 0,0-22 0,0 22 16,0 0-16,1 0 0,-1-21 16,0 20-16,-21 1 0,0 0 0,0 0 15,0 42 1,0 0-16,0 0 16,-21 1-16,21 20 15,-21-21-15,21 0 0,0 0 16,0 1-16,0-1 0,0 0 15,0 0-15,0 0 0,0 0 0,21-21 16,-21 22-16,21-22 0,0 0 0,0 0 16,0 0-16,1 0 0,-1 0 15,0 0-15,0 0 0,0-22 0,22 22 16,-22-21-16,0 0 0,0 0 0,0 0 16,0 0-16,1-22 0,-1 22 15,21-21-15,22-85 16,-43 84-16,0-20 0,0 21 15,0-1-15,22-63 16,-22 64-16,-21 0 0,0 21 0,0-22 16,0 22-16,0 0 15,0 42-15,0 21 16,-21-20-16,-1 20 16,1 21-16,0-20 0,21-1 0,-21 22 15,0-22-15,21 21 0,-21-20 16,21-1-16,0 0 0,0 1 0,0-22 15,0 21-15,0-21 0,0 1 0,0-1 16,0 0-16,21 0 0,0 0 16,0-21-16,0 0 0,0 21 0,1-21 15,-1 0-15,42 0 16,-42 0-16,1-21 0,20 21 0,-21-21 16,0 0-16,22 21 0,-22-21 15,0 0-15,0-22 16,-21 22-16,21 0 0,-21 0 0,0 0 15,0-1-15,-21-20 0</inkml:trace>
+  <inkml:trace contextRef="#ctx0" brushRef="#br0" timeOffset="33799.61">19516 4318 0,'-22'21'31,"22"0"-31,22-21 0,-1 0 15,0 0-15,0 0 0,0 0 16,22 0-16,-1 0 16,-21 0-16,0 0 0,22-21 0,-22 21 15,21 0-15,-21 0 0,0 0 0,1 0 16,-1-21-16,0 21 0,0 0 16,-21-21-16,0 0 15</inkml:trace>
   <inkml:trace contextRef="#ctx0" brushRef="#br0" timeOffset="35094.97">21442 4445 0,'0'0'0,"-21"-63"32,21 41-32,0 1 0,0 0 15,0 0-15,0 0 0,0 0 16,0-22-16,0 22 0,21 0 0,-21 0 16,21 0-16,0-1 0,0 1 0,22 0 15,-1 21-15,-21 0 0,0 0 16,22 0-16,-22 0 0,0 21 15,0 0-15,21 1 0,-42-1 16,22 21-16,-1-21 0,-21 22 0,0-1 16,0 0-16,0 1 0,0-22 15,0 21-15,0 0 0,-21-20 0,-1 20 16,1-21-16,21 0 0,-21 22 16,0-22-16,0-21 0,21 21 0,0 0 15,-21-21-15,-1 21 0,1-21 16,21-21 15,0 0-15,0 0-16,0 0 15,0-1-15,21 1 0,1 0 0,-22 0 16,21-21-16,0 20 0,0-20 0,21 0 16,-20 21-16,-1-22 0,21 1 15,-21 0-15,22-1 0,-22 22 0,63-42 16,-62 41-16,20 1 15,-21 21-15,21 0 0,-20 0 0,-1 0 16,0 0-16,0 0 0,-21 21 16,0 1-16,0-1 0,0 0 0,0 0 15,0 21-15,0-20 0,0 20 16,0-21-16,0 21 0,0-20 16,-21-1-16,21 0 0,-21 21 0,21-21 15,0 1-15,0-1 16,0 0-16,0 0 0,21-21 15,0 21-15,0-21 16,0 0-16,1 0 0,20 0 16,-21 0-16,0 0 0,0 0 15,1-21-15,20 0 0,-21 21 16,0-21-16,22 0 0,-22-1 0,42-41 16,-42 21-16,22 20 0,-22-20 15,0 21-15,0 0 16,0-22-16,1 22 0,-1 0 15,-21 0-15,-21 21 32,-1 21-32,1 0 0,0 0 0,0 1 15,21-1-15,-21 0 0,0 21 16,-1-21-16,-20 43 0,42-43 16,0 0-16,-21 0 0,21 22 15,0-22-15,0 0 0,0 0 0,0 0 16,0 1-16,0-1 0,21-21 15,0 21-15,0-21 0,1 21 16,-1-21-16,0 0 0,0 0 16,21 0-16,-20 0 0,-1 0 0,0 0 15,0-21-15,21 0 0,-20 21 16,-1-21-16,21-1 0,-21 1 0,0-21 16,1 21-16,-1-22 0,0 22 15,0-21-15,-21 0 0,0-1 0,0 1 16,0 0-16,0-1 0,0 1 15,0 0-15,-21 20 0,0-20 0,-22 21 16,-20-21-16,42 42 16,-22 0-16,22 0 0,-21 0 0,0 0 15,20 0-15,1 0 0,0 21 16,0 0-16,0-21 16,21 21-16,-21 21 15,21-20-15,0-1 0,0 0 16,0 0-16,0 0 0,0 0 15,-22 1-15,22-1 0,-21 0 16</inkml:trace>
-  <inkml:trace contextRef="#ctx0" brushRef="#br0" timeOffset="39509.26">9483 6477 0,'0'21'31,"21"-21"-31,-21-21 16,0 0-16,0 0 16,0 0-16,0-1 0,0 1 15,0 0-15,0 0 0,-21 0 0,21 0 16,-22-1-16,1 1 0,0 21 15,-21-21-15,21 0 0,-1 21 0,-20 0 16,21 0-16,-21 0 0,20 0 0,-41 0 16,21 21-16,-1 0 15,1 0-15,21 1 0,-22 20 0,22-21 16,-21 21-16,0 43 16,42-43-16,0 1 0,0-1 15,0 0-15,0-20 0,0-1 0,0 21 16,21-21-16,0-21 0,0 21 0,0-21 15,22 0-15,-22 0 0,21 0 16,0 0-16,-20 0 0,20-21 0,0 0 16,1 0-16,-22 0 0,63-22 15,-62 1-15,20 21 0,-21-21 16,0-1-16,22 22 0,-22-21 0,0-1 16,0 1-16,-21 0 0,21-1 0,0-20 15,-21 21-15,0-1 16,22 1-16,-22-22 0,21 22 0,-21 0 15,0-1-15,0 1 0,0 0 0,0 21 16,0-1-16,0 1 0,0 0 16,0 42-16,0 0 15,0 1-15,0 20 0,-21-21 16,-1 21-16,22 22 0,-21-22 0,21 1 16,0-1-16,-21 64 0,0-43 15,21-20-15,-21 20 0,21-21 16,0 64-16,0-63 0,0-1 15,21-21-15,42 64 16,-41-64-16,-1-21 0,0 0 16,21 0-16,-21 0 0,22 0 15,-1 0-15,0 0 0,1-21 0,-1 0 16,0-1-16,1 1 0,-1 0 0,-21 0 16,22 0-16,-22-22 0,21 22 15,-21-21-15,-21 0 0,0 20 0,21-20 16,-21 0-16,0 21 0,0-22 0,0 22 15,0 0-15,0 0 0,-21 21 16,0 0 0,0 0-16,0 21 0,0 0 15,21 0-15,-22 0 0,22 1 16,0-1-16,-21 21 0,21-21 0,0 22 16,0-22-16,0 21 0,0-21 15,0 0-15,21 1 0,1-1 16,-1 0-16,0 0 0,42 0 15,-20-21-15,-22 0 0,21 0 16,1 0-16,-1 0 0,-21 0 0,21-21 16,1 0-16,-1 0 0,0 0 0,1-1 15,-1 1-15,0-21 0,-20 21 16,20-22-16,-21 22 0,21-21 16,-20 21-16,-1-22 0,0 1 0,-21 21 0,0-21 15,0-1-15,0 22 0,0-21 0,0 21 16,0-22-16,0 22 15,0 0-15,0 0 0,0 0 0,0-1 16,-21 22-16,0 0 0,-1 0 16,22 22-16,0-1 0,-21 0 15,0 0-15,0 21 0,21 1 0,-21-1 16,0 64-16,-1-64 16,22 22-16,-21-1 0,0 1 0,0-1 15,0 1-15,21-1 0,-21 1 0,-1-1 16,1 1-16,21 63 15,-21-64-15,0 22 0,21-22 16,-21 22-16,0-21 0,21 20 0,-22-20 16,1 20-16,21 1 0,-21-21 0,0 84 15,0-85-15,0 43 16,21-42-16,0-22 0,0 0 16,0-21-16,0 1 0,0-1 0,0 0 15,21-21-15,0 0 0,0-21 0,0 0 16,43-22-16,-22 22 0,0-21 15,1-1-15,-1 1 0,0 0 0,22-1 16,-22-20-16,1-1 0,-1 1 16,0-1-16,-21 1 0,22-22 0,-22 22 15,21-107-15,-42 86 16,0 20-16,0 1 0,-21-22 16,0 22-16,0 20 0,-22-20 0,1 20 15,0 22-15,-22-21 0,22 21 0,0 0 16,-22 21-16,22 0 0,-22-22 15,22 22-15,0 0 0,20 0 0,1 0 16,0 0-16,0 0 0,42-21 31,0 21-31,0 0 16,1-21-16,20 21 0,0-21 0,1 0 16,20 0-16,-21-1 0,22 1 15,-1 0-15,-20 0 0,20-21 16,43-1-16,-42 22 0,20-42 15,-63 41-15,1-20 16,-1 21-16,0 0 0,-21 0 0,21-1 16,-21 1-16,0 0 0,-21 21 15,0 0 1,0 0-16,-1 0 0,1 0 16,0 21-16,21 0 0,-21 1 0,21-1 15,0 0-15,0 0 0,0 0 16,0 0-16,0 22 0,0-22 0,0 0 15,0 21-15,21-20 0,0-1 0,0 0 16,1-21-16,-1 21 16,0-21-16,21 0 0,-21 0 0,22 0 15,-1 0-15,-21 0 0,22 0 0,-1-21 16,0 0-16,1 0 0,-1-1 16,-21 1-16,21 0 0,1 0 0,-22 0 15,21 0-15,-21-1 0,1-20 0,-22 21 16,21 0-16,-21 0 0,21-1 15,-21 1-15,0 0 0,0 0 0,-21 21 32,0 0-32,21 21 15,-22 0-15,22 0 0,-21 1 16,21-1-16,-21 0 0,21 0 16,0 43-1,-21-43-15,21 0 0,0 0 0,-21 0 16,21 0-16,0 1 0,0-1 15,0-42 17,0-1-17,0 1-15,0 0 0,0 0 0,0 0 16,21 0-16,-21-1 0,21-20 16,0 21-16,0 0 0,1 0 0,-1-22 15,0 22-15,0 21 0,21-21 16,-20 0-16,-1 21 0,0 0 0,0 0 15,21 0-15,-20 21 16,-22 0-16,21 0 0,-21 0 16,0 1-16,0-1 0,0 0 0,0 21 15,0-21-15,0 1 0,0-1 16,0 0-16,21 0 0,-21 0 0,0 0 16,21-21-16,0 22 0,0-22 15,1 0-15,-1 0 0,21 0 16,-21 0-16,0 0 0,22 0 15,-22-22-15,0 1 0,0 21 0,0-21 16,22 0-16,-22 0 0,-21-22 0,21 22 16,0 0-16,0-21 0,-21 21 15,0-1-15,0-20 0,22 21 0,-22 0 16,0-22-16,0 22 0,0 0 16,-22 21-1,22 21-15,0 0 16,-21 1-16,21-1 15,-21 21-15,21-21 0,0 0 0,0 1 16,0 41-16,0-42 16,0 0-16,0 22 0,0-22 0,21 0 15,-21 0-15,21-21 0,1 21 16,-1-21-16,0 0 0,0 0 0,0 0 16,0 0-16,1 0 15,-1 0-15,42-42 16,-42 21-16,1 0 0,-1 0 0,-21-1 15,21-20-15,0 21 0,0-21 16,0-1-16,22-84 16,-43 64-16,0 20 0,21 1 0,-21 0 15,0-22-15,0 43 0,21-21 16,-21-1-16,0 22 0,0 0 16,-21 21-1,21 21 1,-21 0-16,21 1 0,-21 20 0,21 0 15,0 1-15,0-22 0,0 21 16,-22 0-16,22 22 0,0-22 0,-21-21 16,21 22-16,0 41 0,0-62 15,0 20-15,0-21 0,0 21 16,0-20-16,21-1 0,1 0 0,-1-21 16,0 21-16,21-21 0,-21 0 15,1 0-15,-1 0 0,0 0 16,0 0-16,21-21 0,1 0 15,-1 0-15,-21-1 0,0 1 16,1 0-16,20 0 0,-21 0 0,0 0 16,0-1-16,-21 1 0,22 0 15,-22 0-15,21 0 0,-21 0 16,0 42 15,-21 0-31,-1 0 16,22 0-16,-21 0 0,21 64 31,0-64-31,0 0 0,0 1 16,21-1-16,1-21 15,-1 0-15,0 21 0,0-21 16,0 0-16,0 0 0,1 0 16,-1 0-16,0-21 0,0 0 15,21-1-15,-42 1 16,22 0-16,-1 21 0,0-21 0,0-21 15,-21 20-15,21 1 0,0 0 16,-21 0-16,0 0 0,22 0 0,-22-1 16,21 1-16,-21 0 15,0 42 1,0 0 0,-21 1-16,21-1 0,-22-21 0,22 21 15,-21 0-15,21 0 0,0 0 16,0 1-16,0-1 0,0 0 15,0 0-15,0 0 16,21-21 15,1 0-31,-1 0 0,-21-21 16,21 21-16,21-21 0,-21 0 16,1 0-16,-22-1 0,0 1 15,21 0-15,-21 0 0,0 0 0,0-22 16,0 22-16,0 0 0,0 0 15,0 0-15,-21 0 0,-1-1 16,1 22-16,0 0 0,0-21 16,0 21-16,0 0 0,-1 0 0,1 0 15,21 21 1,21-21 15,1 0-31,-1 0 0,0 0 16,0 0-16,0 0 0,0 0 0,1 0 15,20-21-15,-21 21 0,21 0 16,-20-21-16,-1 21 0,21-21 0,-21 21 16,0 0-16,1 0 0,-1 0 15,0 0-15,0 0 16,0 21 0,-21 0-16,0 0 0,0 1 15,0-1-15,0 0 0,0 0 16,0 0-16,0 0 0,0 22 15,0-22-15,0 0 0,0 0 16,0 0-16,0 1 16,0-1-16,-21-21 0,21 21 15,-21-21-15,21-21 47,0 0-47,0-1 16,0 1-16,0 0 0,21 21 0,0-42 15,0 21-15,-21-1 0,43-41 16,-1 42-16,-21 0 0,22-22 16,-22 22-16,21 0 0,0 0 15,-20 0-15,41-1 0,-42 22 16,0 0-16,1 0 0,-1 0 16,-21 22-16,0-1 0,0 0 15,0 0-15,0 0 0,0 22 0,0-22 16,0 21-16,0-21 15,0 0-15,0 43 0,0-43 16,0 0-16,0 0 0,0 1 0,0-1 16,21-21-16,0 0 0,0 21 15,0-21-15,1 0 16,-1 0-16,0 0 0,0 0 0,21 0 16,-20-21-16,-1 0 0,0 21 0,0-22 15,0 1-15,0 21 0,1-21 16,-1 0-16,-21 0 0,0 0 15,21-22-15,-21 22 0,21 0 0,-21 0 16,0-22-16,0 22 0,0 0 0,0 0 16,0 0-16,0 0 0,0-1 0,-21-20 15,-21 21-15</inkml:trace>
+  <inkml:trace contextRef="#ctx0" brushRef="#br0" timeOffset="39509.25">9483 6477 0,'0'21'31,"21"-21"-31,-21-21 16,0 0-16,0 0 16,0 0-16,0-1 0,0 1 15,0 0-15,0 0 0,-21 0 0,21 0 16,-22-1-16,1 1 0,0 21 15,-21-21-15,21 0 0,-1 21 0,-20 0 16,21 0-16,-21 0 0,20 0 0,-41 0 16,21 21-16,-1 0 15,1 0-15,21 1 0,-22 20 0,22-21 16,-21 21-16,0 43 16,42-43-16,0 1 0,0-1 15,0 0-15,0-20 0,0-1 0,0 21 16,21-21-16,0-21 0,0 21 0,0-21 15,22 0-15,-22 0 0,21 0 16,0 0-16,-20 0 0,20-21 0,0 0 16,1 0-16,-22 0 0,63-22 15,-62 1-15,20 21 0,-21-21 16,0-1-16,22 22 0,-22-21 0,0-1 16,0 1-16,-21 0 0,21-1 0,0-20 15,-21 21-15,0-1 16,22 1-16,-22-22 0,21 22 0,-21 0 15,0-1-15,0 1 0,0 0 0,0 21 16,0-1-16,0 1 0,0 0 16,0 42-16,0 0 15,0 1-15,0 20 0,-21-21 16,-1 21-16,22 22 0,-21-22 0,21 1 16,0-1-16,-21 64 0,0-43 15,21-20-15,-21 20 0,21-21 16,0 64-16,0-63 0,0-1 15,21-21-15,42 64 16,-41-64-16,-1-21 0,0 0 16,21 0-16,-21 0 0,22 0 15,-1 0-15,0 0 0,1-21 0,-1 0 16,0-1-16,1 1 0,-1 0 0,-21 0 16,22 0-16,-22-22 0,21 22 15,-21-21-15,-21 0 0,0 20 0,21-20 16,-21 0-16,0 21 0,0-22 0,0 22 15,0 0-15,0 0 0,-21 21 16,0 0 0,0 0-16,0 21 0,0 0 15,21 0-15,-22 0 0,22 1 16,0-1-16,-21 21 0,21-21 0,0 22 16,0-22-16,0 21 0,0-21 15,0 0-15,21 1 0,1-1 16,-1 0-16,0 0 0,42 0 15,-20-21-15,-22 0 0,21 0 16,1 0-16,-1 0 0,-21 0 0,21-21 16,1 0-16,-1 0 0,0 0 0,1-1 15,-1 1-15,0-21 0,-20 21 16,20-22-16,-21 22 0,21-21 16,-20 21-16,-1-22 0,0 1 0,-21 21 0,0-21 15,0-1-15,0 22 0,0-21 0,0 21 16,0-22-16,0 22 15,0 0-15,0 0 0,0 0 0,0-1 16,-21 22-16,0 0 0,-1 0 16,22 22-16,0-1 0,-21 0 15,0 0-15,0 21 0,21 1 0,-21-1 16,0 64-16,-1-64 16,22 22-16,-21-1 0,0 1 0,0-1 15,0 1-15,21-1 0,-21 1 0,-1-1 16,1 1-16,21 63 15,-21-64-15,0 22 0,21-22 16,-21 22-16,0-21 0,21 20 0,-22-20 16,1 20-16,21 1 0,-21-21 0,0 84 15,0-85-15,0 43 16,21-42-16,0-22 0,0 0 16,0-21-16,0 1 0,0-1 0,0 0 15,21-21-15,0 0 0,0-21 0,0 0 16,43-22-16,-22 22 0,0-21 15,1-1-15,-1 1 0,0 0 0,22-1 16,-22-20-16,1-1 0,-1 1 16,0-1-16,-21 1 0,22-22 0,-22 22 15,21-107-15,-42 86 16,0 20-16,0 1 0,-21-22 16,0 22-16,0 20 0,-22-20 0,1 20 15,0 22-15,-22-21 0,22 21 0,0 0 16,-22 21-16,22 0 0,-22-22 15,22 22-15,0 0 0,20 0 0,1 0 16,0 0-16,0 0 0,42-21 31,0 21-31,0 0 16,1-21-16,20 21 0,0-21 0,1 0 16,20 0-16,-21-1 0,22 1 15,-1 0-15,-20 0 0,20-21 16,43-1-16,-42 22 0,20-42 15,-63 41-15,1-20 16,-1 21-16,0 0 0,-21 0 0,21-1 16,-21 1-16,0 0 0,-21 21 15,0 0 1,0 0-16,-1 0 0,1 0 16,0 21-16,21 0 0,-21 1 0,21-1 15,0 0-15,0 0 0,0 0 16,0 0-16,0 22 0,0-22 0,0 0 15,0 21-15,21-20 0,0-1 0,0 0 16,1-21-16,-1 21 16,0-21-16,21 0 0,-21 0 0,22 0 15,-1 0-15,-21 0 0,22 0 0,-1-21 16,0 0-16,1 0 0,-1-1 16,-21 1-16,21 0 0,1 0 0,-22 0 15,21 0-15,-21-1 0,1-20 0,-22 21 16,21 0-16,-21 0 0,21-1 15,-21 1-15,0 0 0,0 0 0,-21 21 32,0 0-32,21 21 15,-22 0-15,22 0 0,-21 1 16,21-1-16,-21 0 0,21 0 16,0 43-1,-21-43-15,21 0 0,0 0 0,-21 0 16,21 0-16,0 1 0,0-1 15,0-42 17,0-1-17,0 1-15,0 0 0,0 0 0,0 0 16,21 0-16,-21-1 0,21-20 16,0 21-16,0 0 0,1 0 0,-1-22 15,0 22-15,0 21 0,21-21 16,-20 0-16,-1 21 0,0 0 0,0 0 15,21 0-15,-20 21 16,-22 0-16,21 0 0,-21 0 16,0 1-16,0-1 0,0 0 0,0 21 15,0-21-15,0 1 0,0-1 16,0 0-16,21 0 0,-21 0 0,0 0 16,21-21-16,0 22 0,0-22 15,1 0-15,-1 0 0,21 0 16,-21 0-16,0 0 0,22 0 15,-22-22-15,0 1 0,0 21 0,0-21 16,22 0-16,-22 0 0,-21-22 0,21 22 16,0 0-16,0-21 0,-21 21 15,0-1-15,0-20 0,22 21 0,-22 0 16,0-22-16,0 22 0,0 0 16,-22 21-1,22 21-15,0 0 16,-21 1-16,21-1 15,-21 21-15,21-21 0,0 0 0,0 1 16,0 41-16,0-42 16,0 0-16,0 22 0,0-22 0,21 0 15,-21 0-15,21-21 0,1 21 16,-1-21-16,0 0 0,0 0 0,0 0 16,0 0-16,1 0 15,-1 0-15,42-42 16,-42 21-16,1 0 0,-1 0 0,-21-1 15,21-20-15,0 21 0,0-21 16,0-1-16,22-84 16,-43 64-16,0 20 0,21 1 0,-21 0 15,0-22-15,0 43 0,21-21 16,-21-1-16,0 22 0,0 0 16,-21 21-1,21 21 1,-21 0-16,21 1 0,-21 20 0,21 0 15,0 1-15,0-22 0,0 21 16,-22 0-16,22 22 0,0-22 0,-21-21 16,21 22-16,0 41 0,0-62 15,0 20-15,0-21 0,0 21 16,0-20-16,21-1 0,1 0 0,-1-21 16,0 21-16,21-21 0,-21 0 15,1 0-15,-1 0 0,0 0 16,0 0-16,21-21 0,1 0 15,-1 0-15,-21-1 0,0 1 16,1 0-16,20 0 0,-21 0 0,0 0 16,0-1-16,-21 1 0,22 0 15,-22 0-15,21 0 0,-21 0 16,0 42 15,-21 0-31,-1 0 16,22 0-16,-21 0 0,21 64 31,0-64-31,0 0 0,0 1 16,21-1-16,1-21 15,-1 0-15,0 21 0,0-21 16,0 0-16,0 0 0,1 0 16,-1 0-16,0-21 0,0 0 15,21-1-15,-42 1 16,22 0-16,-1 21 0,0-21 0,0-21 15,-21 20-15,21 1 0,0 0 16,-21 0-16,0 0 0,22 0 0,-22-1 16,21 1-16,-21 0 15,0 42 1,0 0 0,-21 1-16,21-1 0,-22-21 0,22 21 15,-21 0-15,21 0 0,0 0 16,0 1-16,0-1 0,0 0 15,0 0-15,0 0 16,21-21 15,1 0-31,-1 0 0,-21-21 16,21 21-16,21-21 0,-21 0 16,1 0-16,-22-1 0,0 1 15,21 0-15,-21 0 0,0 0 0,0-22 16,0 22-16,0 0 0,0 0 15,0 0-15,-21 0 0,-1-1 16,1 22-16,0 0 0,0-21 16,0 21-16,0 0 0,-1 0 0,1 0 15,21 21 1,21-21 15,1 0-31,-1 0 0,0 0 16,0 0-16,0 0 0,0 0 0,1 0 15,20-21-15,-21 21 0,21 0 16,-20-21-16,-1 21 0,21-21 0,-21 21 16,0 0-16,1 0 0,-1 0 15,0 0-15,0 0 16,0 21 0,-21 0-16,0 0 0,0 1 15,0-1-15,0 0 0,0 0 16,0 0-16,0 0 0,0 22 15,0-22-15,0 0 0,0 0 16,0 0-16,0 1 16,0-1-16,-21-21 0,21 21 15,-21-21-15,21-21 47,0 0-47,0-1 16,0 1-16,0 0 0,21 21 0,0-42 15,0 21-15,-21-1 0,43-41 16,-1 42-16,-21 0 0,22-22 16,-22 22-16,21 0 0,0 0 15,-20 0-15,41-1 0,-42 22 16,0 0-16,1 0 0,-1 0 16,-21 22-16,0-1 0,0 0 15,0 0-15,0 0 0,0 22 0,0-22 16,0 21-16,0-21 15,0 0-15,0 43 0,0-43 16,0 0-16,0 0 0,0 1 0,0-1 16,21-21-16,0 0 0,0 21 15,0-21-15,1 0 16,-1 0-16,0 0 0,0 0 0,21 0 16,-20-21-16,-1 0 0,0 21 0,0-22 15,0 1-15,0 21 0,1-21 16,-1 0-16,-21 0 0,0 0 15,21-22-15,-21 22 0,21 0 0,-21 0 16,0-22-16,0 22 0,0 0 0,0 0 16,0 0-16,0 0 0,0-1 0,-21-20 15,-21 21-15</inkml:trace>
   <inkml:trace contextRef="#ctx0" brushRef="#br0" timeOffset="39803.49">13991 5440 0,'0'0'0,"-42"-21"31,21 21-15</inkml:trace>
   <inkml:trace contextRef="#ctx0" brushRef="#br0" timeOffset="40063.33">12975 5800 0,'0'0'0,"21"0"15,22 0 1,-22 0-16,0 0 0,0-21 16,21 21-16,-20 0 0,20 0 15,21-43-15,-41 43 16,20 0-16,-21-21 0,0 21 0,0 0 16,1 0-16,-22-21 0,0 0 15</inkml:trace>
   <inkml:trace contextRef="#ctx0" brushRef="#br0" timeOffset="40331.6">12467 5673 0,'21'-21'31,"0"21"-15,-21-22 62,0 1-63</inkml:trace>
@@ -494,7 +711,7 @@
   <inkml:trace contextRef="#ctx0" brushRef="#br1" timeOffset="70583.25">17568 8192 0,'21'0'47,"1"0"-47,-1 0 16,0-22-1,-21 1-15,0 0 16,0 0-16,-21 21 16,0 0-16,-1 0 15,1 0-15,0 0 0,0 21 16,21 0-1,-21 0-15,21 1 16,21-22 47,0 0-48,0 0 1,-21 21-1,0 0-15</inkml:trace>
   <inkml:trace contextRef="#ctx0" brushRef="#br1" timeOffset="71135.95">17547 8636 0,'-42'0'31,"42"-21"-31,21 21 32,0 0-32,0 0 15,0 0-15,-21 21 16,0 0-16,0 0 15,0 1-15,0-1 16,0 0 0,-21-21-16,0 21 15,0-21-15,0 0 0,0 0 16,-1 0 0,22-21-16,0 0 0,0 0 15,0-1-15,22 1 16,-1 0-16,0 0 15,0 21-15,0 0 16,0-21-16,1 21 0,-1 0 16,0 0-16,-21 21 15,21-21-15,0 21 0,-21 0 16,21 0-16,-21 1 0,0 20 16,0-21-16,0 0 0,0 22 0,0-1 15,0-21-15,-42 21 0,21 1 16,0-22-16,-64 64 0,43-64 15,-1 0-15,-20 0 0,21 0 0,-1 0 16,1 1-16,0-22 0,-1 0 16,22 21-16,-21-21 0,21 0 15,-22 0-15,22 0 0,0 0 0,0-21 0</inkml:trace>
   <inkml:trace contextRef="#ctx0" brushRef="#br1" timeOffset="71811.42">17611 8107 0,'0'21'31,"-22"0"-31,1 0 16,21 1-16,0-1 15,21-21 17,1 0-17,-1 0-15,-21-21 16,21-1-16,-21 1 0,0 0 16,0 0-16,0 0 15,0 0-15,0-1 0,0 1 16,-21 21-16,0 0 15,-1 0-15,1 0 0,0 0 16,21 21-16,-21-21 0,21 22 0,-21-1 16,21 0-16,0 0 0,0 0 15,0 22-15,0-22 16,21-21-16,0 0 0,0 0 0,-21 21 16,21-21-16,1 0 0,-1 0 15,0 0-15,-21-21 0,21 21 0,-21-21 16,0-1-16,0 1 15,0 0-15,0 0 16,0 0-16,0 0 0,0-1 16,-21 22-1,0 22-15,21-1 16,0 0-16,0 0 16,0 0-16,0 0 0,0 1 15,0-1-15,0 0 0,0 0 0</inkml:trace>
-  <inkml:trace contextRef="#ctx0" brushRef="#br1" timeOffset="72475.49">17568 8784 0,'-21'0'15,"21"-21"79,0 0-78,-21 21-1,0-21 1,0 21-16,-1 0 15,1 0 1,0 21-16,21 0 16,0 0-16,0 0 0,0 1 15,0-1 1,21-21 0,-21 21-16,21-21 0,1 0 0,-1 0 15,0 0-15,0-21 16,0 21-16,-21-21 0,21 21 0,-21-22 15,22 1-15,-22 0 0,0 0 16,0 0-16,0 0 16,0-1-16,0 1 0,-22 21 15,1 0 1,0 0 0,0 0-16,0 0 15,21 21-15,0 1 31</inkml:trace>
+  <inkml:trace contextRef="#ctx0" brushRef="#br1" timeOffset="72475.48">17568 8784 0,'-21'0'15,"21"-21"79,0 0-78,-21 21-1,0-21 1,0 21-16,-1 0 15,1 0 1,0 21-16,21 0 16,0 0-16,0 0 0,0 1 15,0-1 1,21-21 0,-21 21-16,21-21 0,1 0 0,-1 0 15,0 0-15,0-21 16,0 21-16,-21-21 0,21 21 0,-21-22 15,22 1-15,-22 0 0,0 0 16,0 0-16,0 0 16,0-1-16,0 1 0,-22 21 15,1 0 1,0 0 0,0 0-16,0 0 15,21 21-15,0 1 31</inkml:trace>
   <inkml:trace contextRef="#ctx0" brushRef="#br1" timeOffset="91363.07">3408 9843 0,'-21'0'0,"-1"0"15,1 0 1,0 0-16,0 21 0,0-21 16,0 0-16,-1 21 15,1-21-15,0 0 0,0 0 16,0 0-16,0 21 0,-1-21 16,1 0-16,0 0 0,0 0 15,0 0-15,0 0 0,-1 0 16,1 0-16,0 0 15,0 0-15,0 0 16,42 0 62,0 0-62,0 0-16,0 0 15,22 0-15,-22 0 0,21 0 0,-21-21 16,43 21-16,-22 0 0,22-21 16,-22 21-16,22 0 0,-1-21 0,1 21 15,-1 0-15,1 0 0,-1-22 0,22 22 16,-22 0-16,1 0 0,-1-21 16,-20 21-16,20-21 0,1 21 0,20 0 15,-20 0-15,-1 0 16,1 0-16,-1-21 0,1 21 0,-1 0 15,1 0-15,-1 0 0,-20 0 0,20 0 16,-21 0-16,1 0 0,-22 0 16,21 0-16,-21 0 0,1-21 0,-1 21 15,0 0-15,0 0 0,0 0 16,0 0 78</inkml:trace>
   <inkml:trace contextRef="#ctx0" brushRef="#br1" timeOffset="92307.74">8382 9716 0,'0'0'0,"-21"0"0,0 0 0,-1 0 16,1 0-16,0 0 15,0 0-15,0 0 0,0 0 32,-1 0-17,44 0 16,-1 0-31,0 0 16,0 0-16,21 0 0,1 0 0,-1 0 16,0 0-16,22 0 0,-1 0 0,1 0 15,-1 0-15,1 0 0,21 0 16,-22-22-16,22 22 0,-22 0 16,1 0-16,-22 0 0,22 0 0,-22-21 0,0 21 15,1 0-15,-1 0 16,0 0-16,-21 0 0,1 0 0,-1 0 15,0 0-15,0 0 0,0 0 0,0 0 16,1 0-16,-1 0 16</inkml:trace>
   <inkml:trace contextRef="#ctx0" brushRef="#br1" timeOffset="93527.74">12658 9631 0,'-22'0'0,"-41"21"16,42 0-16,0-21 15,-1 0-15,1 0 16,0 0-16,0 0 15,0 0-15,0 0 0,-1 0 0,1 0 16,0 0-16,0 0 16,0 0-16,0 0 15,-1 0-15,44 0 110,-1 0-95,0 0-15,0 0 0,0 0 0,0 0 16,1 0-16,-1 0 0,21 0 16,-21-21-16,22 21 0,-22 0 0,21 0 15,0 0-15,1 0 0,20 0 0,-20 0 16,41 0-16,-20 0 15,20 0-15,1 0 0,84 0 16,-63 0-16,64 0 16,-65 0-16,-20 0 0,106 0 15,-86 0-15,1 0 0,-21 0 0,84 0 16,-84 0-16,0 0 16,-22 0-16,22 0 0,-22 0 0,1 0 15,-1 0-15,1 0 0,-1 0 0,1 0 16,-1 0-16,1-21 15,-1 21-15,-20 0 0,-1 0 0,21-21 0,-20 21 16,-22 0-16,21 0 0,-21 0 16,1 0-16,-1-21 0,0 21 15,0 0-15,0 0 0,-21-22 47,21 22 31</inkml:trace>
@@ -542,7 +759,7 @@
   <inkml:trace contextRef="#ctx0" brushRef="#br0" timeOffset="13615.43">8848 4212 0,'0'-21'0,"0"42"0,21-63 0,0 21 16,-21-22-16,21 22 0,-21 0 15,21 0-15,-21 0 0,21 0 0,-21-1 16,22 22-1,-22 22 17,0-1-32,0 0 0,-22 42 15,1-20-15,21-1 0,0 0 0,0 1 16,-21-22-16,21 21 0,-21 1 16,21-22-16,0 21 0,0-21 15,0 0-15,0 1 0,0-1 0,0 0 16,0 0-1,21-21-15,0 0 0,0 0 16,1-21-16,20 0 16,-21 0-16,0-1 15,0 1-15,1 0 0,-1 0 0,0-21 16,0 20-16,0-20 0,0 21 0,1-21 16,-22 20-16,21-20 0,-21 21 15,21 0-15,-21 0 0,0-1 16,0 44-1,0-1 1,0 0-16,0 21 0,0-21 16,0 1-16,0 20 0,0-21 0,0 0 15,0 22-15,0-22 0,0 21 16,0-21-16,0 0 0,21 1 16,0-22-16,-21 21 0,21-21 15,1 0-15,-1 0 0,0 0 16,0 0-16,0 0 0,0 0 0,1 0 0,41-21 15,-42 21-15,0-22 16,1 1-16,20 0 0,-21 0 0,0-21 16,0 20-16,-21-20 0,22 0 0,-1-22 15,-21 22-15,0-22 16,0 22-16,0 21 16,0 0-16,0 0 0,0 42 31,0 0-31,-21 21 15,-1-21-15,22 22 0,-21-22 0,21 21 16,0 1-16,-21-22 0,21 21 16,0 0-16,0-20 0,0-1 15,0 0-15,0 0 0,21 21 0,0-20 16,1-22-16,-1 0 0,0 21 16,21-21-16,1 0 0,-22 0 0,21 0 15,0 0-15,1-21 0,-1-1 0,0 22 16,1-21-16,-1 0 15,0-21-15,-20 21 0,20-22 0,-21 1 16,21 0-16,-20-1 0,20-20 0,-21 20 16,0-20-16,0-1 0,1 22 15,-22-21-15,0 20 0,21-20 0,-21 20 16,0 1-16,0 0 0,0 21 16,0-1-16,0 1 0,0 0 0,-21 21 15,-1 0-15,22 21 0,-21 0 16,0 1-16,21-1 0,0 21 15,0 0-15,-21 1 0,21-1 0,-21 0 16,21 1-16,0 20 0,0-20 0,0-1 16,0 0-16,0 22 15,-21-22-15,21-21 0,0 64 16,0-64-16,0 0 0,0 22 16,0-22-1,0-42 1,21-1-16,-21 1 15,21 0-15,0 0 0,-21 0 16,21 0-16,0-22 0,-21 22 0,22-21 16,-1 21-16,0-1 0,-21 1 15,0 0-15,21 0 0,-21 0 0,21 21 16,-21 21 0,21 0-1,-21 21-15,0-20 0,0-1 0,22 21 16,-22-21-16,0 22 0,0-22 0,0 21 15,0-21-15,0 0 0,21 1 16,-21-1-16,21 0 0,0 0 16,0 0-16,0-21 0,1 0 15,-1 0-15,0 0 0,0 0 0,0 0 16,0 0-16,1 0 0,20 0 0,-21-21 16,0 0-16,22 0 0,-22 0 15,0-1-15,0 1 0,0 0 16,0-21-16,1 21 0,-1-22 0,-21 1 15,21 21-15,-21 0 0,21-1 0,-21 1 16,0 42 15,-21 1-31,21-1 0,-21 0 0,21 21 16,0-21-16,0 1 0,-21-1 16,21 0-16,0 0 0,0 0 0,0 0 15,0 1-15,21-1 0,0-21 16,0 0-16,0 0 15,0 0-15,1 0 0,-1 0 16,0 0-16,0 0 0,0 0 0,0-21 16,1-1-16,-1 1 15,0 0-15,-21 0 0,0 0 16</inkml:trace>
   <inkml:trace contextRef="#ctx0" brushRef="#br0" timeOffset="13799.33">11303 3810 0,'0'0'0,"-21"0"15,0 0-15,21 21 16,0 0-16,0 1 31,21-1-15,0-21-16</inkml:trace>
   <inkml:trace contextRef="#ctx0" brushRef="#br0" timeOffset="14583.27">11747 3916 0,'-21'0'0,"0"0"15,0 0-15,21 21 0,-21-21 16,0 21-16,-1 0 0,1 22 16,0-22-16,21 21 0,-21-21 15,0 1-15,21 20 0,-21-21 0,21 21 16,0-20-16,0-1 0,0 42 16,0-42-16,0 1 0,0-1 15,21 0-15,0-21 0,0 0 16,0 21-16,0-21 0,1 0 15,20 0-15,-21 0 0,0 0 0,22 0 16,-22 0-16,0-21 0,21 0 16,-21 0-16,1-1 0,20 1 0,-21-21 15,0 21-15,0-22 0,1 1 16,-1-21-16,0 20 0,21-84 16,1 85-16,-43-22 0,21 22 15,0-21-15,-21 20 0,21 1 0,-21 0 16,0 20-16,0-20 0,0 21 15,0 42 1,-21-21-16,0 21 0,0 22 16,21-22-16,-22 21 0,1-21 15,0 64-15,21-43 16,0 1-16,0-1 0,0 21 0,-21-20 16,21-1-16,0 0 0,0 1 0,-21-1 15,21-21-15,0 22 0,0-22 16,0 0-16,0 0 0,0 0 0,-21 0 15,21-42 32,0 0-47,21 0 0,-21 0 0,21 0 16,0-1-16,0 1 0,0-21 0,1 21 16,-1-22-16,21 22 0,-21-21 15,22 21-15,-22 0 0,42-22 16,-20 22-16,-22 21 0,0 0 15,0 0-15,0 0 0,-21 21 16,21 0-16,-21 1 0,22-1 16,-22 0-16,0 21 0,0-21 0,0 1 15,0-1-15,0 21 0,0-21 16,-22 0-16,22 1 0,-21-1 0,21 0 16,0 0-16,-21-21 0,0 21 0,0 0 15,0-21 1,-1 0-1</inkml:trace>
-  <inkml:trace contextRef="#ctx0" brushRef="#br0" timeOffset="15070.86">13822 4043 0,'0'-21'15,"0"42"-15,0-63 0,0 20 16,0 1-16,0 0 0,0 0 16,0 0-1,0 42 16,0 0-15,0 0-16,0 22 0,0-22 16,0 0-16,-21 21 0,21-21 0,-22 22 15,22-22-15,0 21 0,-21-21 0,21 1 16,-21-1-16,21 0 0,-21 0 16,21 0-16,0 0 15,21-21 16,0-21-31,0 21 0,1-21 0,20 0 16</inkml:trace>
+  <inkml:trace contextRef="#ctx0" brushRef="#br0" timeOffset="15070.85">13822 4043 0,'0'-21'15,"0"42"-15,0-63 0,0 20 16,0 1-16,0 0 0,0 0 16,0 0-1,0 42 16,0 0-15,0 0-16,0 22 0,0-22 16,0 0-16,-21 21 0,21-21 0,-22 22 15,22-22-15,0 21 0,-21-21 0,21 1 16,-21-1-16,21 0 0,-21 0 16,21 0-16,0 0 15,21-21 16,0-21-31,0 21 0,1-21 0,20 0 16</inkml:trace>
   <inkml:trace contextRef="#ctx0" brushRef="#br0" timeOffset="15488.62">14414 3895 0,'0'-21'31,"-21"21"-31,0 0 0,-21 21 0,21-21 16,-1 21-16,-20-21 0,21 21 0,0 0 16,-22-21-16,22 21 0,21 1 15,-21-22-15,21 21 16,0 0-16,21-21 16,0 0-1,1 21-15,20-21 0,-21 0 0,0 0 16,22 0-16,-22 21 0,21-21 15,-21 0-15,0 21 0,1-21 0,-1 22 16,0-22-16,0 21 0,-21 0 0,21-21 16,-21 21-16,0 0 0,0 0 15,-21 1-15,0-22 16,0 21-16,-22-21 0,22 0 0,-21 21 16,21-21-16,-22 0 0,22 0 15,-21 0-15,21 0 0,0 0 16,-22 0-16,22 0 0,0 0 15,21-21 1,-21 21-16,21-21 16,0-1-1,0 1-15,0 0 0</inkml:trace>
   <inkml:trace contextRef="#ctx0" brushRef="#br0" timeOffset="15696.5">13843 3662 0,'0'0'0,"-21"0"0,0-21 16,42 21 46,0 0-62,21 0 16</inkml:trace>
   <inkml:trace contextRef="#ctx0" brushRef="#br0" timeOffset="18579.72">16171 4170 0,'-21'21'0,"42"-42"0,-84 42 0,42-21 0,-1 0 0,1 21 15,0-21-15,0 0 0,0 0 16,21-21 0,21 0-16,0 21 15,0-21-15,22 0 0,-1-1 16,0-20-16,1 21 0,-1-21 0,0 20 16,22-20-16,-22 0 0,0-1 0,22 1 15,-22-21-15,1 20 0,-1-20 16,-21-1-16,43-63 15,-43-63-15,-21 147 16,0-20-16,0 42 0,0-22 0,-21 22 16,-1 0-16,-20 21 0,21 0 15,0 0-15,-22 0 0,22 0 16,0 21-16,-21 22 0,21-1 0,-1 0 16,1 1-16,0 20 0,21-21 15,-21 22-15,21-1 0,-21 1 0,21-1 16,-21 1-16,21-22 0,0 22 0,0-22 15,0 22-15,0-22 0,0 0 16,0 1-16,-22-1 0,22-21 0,0 21 16,0-20-16,0-1 0,0 0 15,0-42 17,0 0-32,22-1 15,-22 1-15,21 0 0,0-21 0,0 21 16,-21-1-16,21-20 0,0 21 0,-21 0 15,22 0-15,-22-1 0,21 22 16,0 0 0,-21 22-1,21-1-15,-21 0 0,0 0 0,0 0 16,0 22-16,21-22 0,0 0 0,-21 21 16,22-21-16,-1 1 15,-21-1-15,21-21 0,0 21 0,43 0 16,-22-21-16,0 0 15,-21 0-15,22 0 0,-22 0 16,21 0-16,-21 0 0,22-21 0,63-43 16,-85 43-1,21 0-15,-21-21 0,0 21 0,1-22 16,-1 1-16,0 21 0,-21-22 0,0 1 16,0 0-16,0 21 0,0-1 15,-64-41-15,43 42 16,0 21-16,-21 0 0,21 0 15,-22 21-15,22-21 0,0 21 0,-21 21 16,20-20-16,1-1 0,0 21 0,0-21 16,0 22-16,0-1 15,-1 0-15,22-21 0,0 64 16,0-64-16,0 22 0,0-22 0,0 0 16,0 0-16,22 0 0,-1-21 15,-21 21-15,21-21 0,0 0 0,21 0 16,-20 0-16,-1 0 15,0-21-15,0 0 0,21 0 16,-20 0-16,20-22 0,-21 22 16,0-21-16,0 21 0,1-22 0,-1 22 15,0-21-15,-21 21 0,21 0 16,-21-1-16,21 1 0,-21 0 0,21 21 16,-21 21 15,0 0-31,0 1 0,0-1 15,-21 0-15,21 21 0,0-21 16,0 1-16,0 20 0,0-21 0,0 0 0,0 0 16,0 1-16,0-1 0,0 0 15,21 0-15,1-21 0,-1 0 16,0 0-16,0 0 0,0 0 16,0 0-16,22 0 0,-22 0 0,0-21 15,0 0-15,0 21 0,1-43 0,-1 22 16,0 0-16,0-21 15,0 21-15,0-22 0,1 22 0,-1-21 16,-21-1-16,21 22 0,0 0 0,-21 0 16,0 0-16,0 0 0,0 42 31,0 0-31,0 0 16,0 0-16,0 0 0,-21 1 0,21 20 15,0-21-15,0 21 0,0-20 0,0-1 16,0 0-16,0 21 0,0-21 15,0 1-15,21-1 0,0 0 16,0-21 0,1 0-16,-1 0 0,0 0 0,0 0 0,0 0 15,0-21-15,1 21 0,-1-21 16,0-1-16,21 1 0,-21 0 16,1 0-16,-1-21 0,0 20 0,0-20 15,0 21-15,-21-21 0,21 20 0,1 1 16,-22 0-16,21-21 0,-21 21 15,0-1-15,0 44 32,-21-1-17,21 0-15,-22 0 0,22 0 0,-21 22 16,0-22 0,21 0-16,0 21 0,0-21 0,0 1 15,0-1-15,0 0 0,0 0 16,0 0-16,0 0 0,21 1 15,0-22-15,1 0 0,20 21 16,-21-21-16,0 0 0,22 0 16,-22 0-16,21 0 0,0-21 0,-20 21 15,20-22-15,0 1 0,-21 0 16,1 0-16,20 0 0,0-43 16,-21 43-16,1 0 0,-22 0 0,21 0 15,-21-1-15,21 1 16,-21 0-16,0 0 0,0 0 0,-21 21 31,0 0-31,-1 0 16,22 21-16,-21-21 0,0 21 0,0 0 15,0 0-15,21 1 0,0-1 16,-21 21-16,21-21 0,0 0 0,0 1 16,0 41-16,0-42 0,0 0 15,0 1-15,0-1 0,21-21 16,0 21-16,0-21 0,0 0 15,22 21-15,-22-21 0,0 0 0,21 0 16,-21 0-16,22 0 0,-22 0 0,21-21 16,-21 21-16,22-21 0,-1 0 15,-21-1-15,22 1 0,-22 0 16,21-21-16,-21 21 0,22-1 0,-22-20 16,0 21-16,0-21 0,0 20 0,0 1 15,1 21-15,-22-21 0,0 42 31,0 0-31,-22 1 0,1-1 16,0 0-16,0 0 0,0 21 0,0-20 16,21-1-16,-22 21 0,22-21 0,-21 0 15,21 1-15,0-1 0,0 0 16,0 0-16,21-21 47,-21-21-47,0 0 0,0 0 15,22-1-15,-22 1 0,21 0 16,0-21-16,-21 21 0,21-1 0,0-20 16,0 21-16,1 0 0,-1-22 15,0 22-15,21 0 0,-21 0 16,1 21-16,20-21 16,-21 21-16,0 0 15,-21 21-15,0 0 0,0 0 0,0 0 16,0 1-16,0-1 15,0 0-15,0 21 0,0-21 16,0 1-16,0-1 0,0 0 0,0 0 16,0 0-16,0 0 15,0 1-15,21-22 0,1 21 16,-1-21-16,0 0 0,0 0 0,0 0 16,0 0-16,22 0 0,-22 0 15,21 0-15,-21 0 0,22-21 0,-22-1 16,0 22-16,21-21 0,-20 0 0,-1-21 15,0 21-15,0-1 0,0-20 16,0 21-16,-21-21 0,0 20 0,0 1 16,0 0-16,0 0 15,0 0-15,0 0 16,-21 21-16,0 0 0,0 0 16,-21 21-16,20-21 0,1 21 15,0 0-15,0 0 0,0 0 16,0 1-16,-1-1 0,1 0 0,21 0 15,0 0-15,0 0 0,0 1 16,0-1-16,21-21 16,1 0-16,-1 0 15,0 0-15,0 0 0,0 0 16,0 0-16,1 0 0,-22-21 16,21-1-16,0 22 0,-21-21 0,21 21 15,-21-21-15,0 0 16,21 21-1,-21 21 1,-21-21 0,0 21-16,21 0 0,-21 1 15,0-1-15,21 21 0,-22 0 0,1-20 16,0 20-16,21 0 0,-21 1 16,21-1-16,-21 0 0,0 85 15,21-21 1,-22-85-16,22 43 0,0-22 15,0 0-15,0 1 0,-21-1 0,21 0 16,0 1-16,-21-22 0,21 21 0,-21 1 16,21 20-16,-21-42 15,0 0-15,-1 1 0,-20-1 0,21-21 16,-21 21-16,20-21 0,-20 0 0,0 0 16,-1 0-16,22 0 0,-21 0 15,21 0-15,-22-21 0,22 0 0,0-1 16,0 22-16,0-42 0,0 21 15,21 0-15,-22-43 0,22 43 0,0-21 16,0-1-16</inkml:trace>
@@ -553,21 +770,21 @@
   <inkml:trace contextRef="#ctx0" brushRef="#br0" timeOffset="27974.93">6689 6308 0,'0'0'0,"0"-21"0,0-1 15,0 1-15,0 0 16,0 0-1,0 42 17,0 0-32,0 0 15,0 1-15,0-1 0,0 21 16,0-21-16,0 22 0,0-1 16,-22-21-16,22 21 0,-21-20 15,21 20-15,-21-21 0,21 0 0,0 22 0,0-22 16,-21 0-16,21 0 15,0-42 17,0 0-17,0 0-15,0-1 0,0 1 0,21 0 16,-21-21-16,0-1 0,21 1 16,0 21-16,1-21 0,-22-1 15,42-20-15,-21 20 0,0 22 16,0 0-16,1 21 0,-22-21 15,21 21-15,0-21 0,0 21 0,0 21 16,0 0-16,-21 0 16,0 0-16,0 1 0,22-1 15,-22 0-15,0 21 0,0-21 0,0 22 16,0-1-16,0-21 0,0 0 16,0 22-16,0-22 0,0 0 0,0 0 15,0 0-15,0 1 16,21-22 15,-21-22-31,0 1 0,0 0 16,21 0-16,-21 0 0,21 0 15,-21-1-15,0-20 0,21 21 0,0-21 16,1 20-16,-1-20 0,-21 21 0,21-21 16,0 20-16,0 1 0,-21 0 15,21 0-15,1 21 0,-1 0 16,0 0-16,0 0 0,-21 21 15,0 0-15,21-21 16,-21 43-16,0-22 0,0 0 0,0 0 16,0 21-16,0-20 0,0-1 0,0 0 15,21 21-15,-21-21 16,22 1-16,-1-1 0,-21 0 0,21-21 16,0 21-16,0-21 0,0 21 15,22-21-15,-22 0 0,0 0 16,0 0-16,22 0 0,-22-21 0,0 21 15,21-21-15,43-21 16,-64 20-16,0 1 0,0-21 16,1 21-16,-22 0 0,21-22 0,0 22 15,-21-21-15,21 21 0,-21-1 16,0 1-16,0 0 0,0 0 16,0 0-16,0 0 0,-21 21 15,0 0-15,0 0 16,-1 0-16,22 21 0,-21 0 15,0 0-15,21 0 0,-21 0 0,21 22 16,0-22-16,0 21 0,0-21 16,0 22-16,0-22 0,0 21 15,0-21-15,0 1 0,0-1 0,0 0 0,21 0 16,0 0-16,0-21 0,1 0 16,-1 21-16,21-21 0,-21 0 0,22 0 15,-22 0-15,21 0 0,22-21 16,-43 0-16,21 0 0,-21 0 15,22 0-15,-22-1 0,0 1 16,0-21-16,21 21 0,-20-22 0,-1 1 16,0 21-16,0-21 0,0-1 0,0 1 15,-21 0-15,22-1 0,-1 1 16,-21 0-16,21-1 0,-21 22 0,0-21 16,0 21-16,0-22 0,0 22 15,0 0-15,0 0 0,-21 21 16,0 0-1,21 21-15,-22 0 0,22 21 16,-21-20-16,21 20 0,0 0 0,0 1 16,-21-1-16,21 43 15,0-64-15,0 21 0,-21 0 16,21 1-16,0-1 0,0-21 0,0 22 16,0-22-16,0 0 0,0 21 15,21-21-15,0 1 0,0-1 16,1-21-16,-1 0 0,0 0 15,21 0-15,-21 0 0,1 0 0,-1-21 16,21 21-16,-21-22 0,0 1 16,22 0-16,-22 0 0,0-21 0,0 20 15,22-20-15,-22 21 0,0-21 0,0-1 16,0 1-16,-21 0 0,43-43 16,-43 64-16,21-22 15,-21 1-15,0 21 0,0 0 0,0 0 16,-21 42-1,-1 0 1,1 0-16,21 21 0,-21-20 0,0 20 16,21-21-16,-21 21 0,0 1 15,21-22-15,-22 106 16,1-106-16,21 21 0,-21-20 0,21-1 16,0 21-16,0-21 0,0 0 15,0-42 32,21 0-47,0 21 0,1-42 16,-1 21-16,0-1 0,0 1 0,0-21 15,0 21-15,22 0 0,-22-1 16,21 1-16,-21 0 0,1 0 16,20 0-16,-21 21 0,0 0 0,-21 21 31,0 0-31,0 0 0,0 22 15,0-22-15,0 0 0,0 0 0,0 21 16,-21-20-16,21-1 0,0 0 16,0 21-16,0-21 0,0 1 15,0-1-15,21 0 16,0-21-16,1 0 0,-1 0 16,0 0-16,0 0 15,21-21-15,-20 21 0,-1-21 0,0-1 16,0 22-16,0-21 0,0 0 0,1-21 15,-1 21-15,0-1 0,0-41 16,0 42-16,0 0 16,-21-1-16,22 1 0,-22 0 0,0 0 0,0 42 47,-22 0-47,22 0 0,-21 1 15,21-1-15,-21 0 16,21 21-16,0-21 0,0 1 0,0-1 15,0 0-15,0 0 0,0 0 0,0 0 16,0 1-16,0-1 0,21-21 16,0 0-16,1 0 15,-1 0-15,0 0 0,0 0 0,0 0 16,0 0-16,1-21 0,41-1 16,-42 1-16,0 0 0,1 0 15,-22 0-15,21-22 0,-21 22 16,0 0-16,0 0 0,0-21 0,0 20 15,0 1-15,0 0 0,-64-42 16,22 41-16,21 22 16,0 0-16,-1 0 0,-20-21 0,21 21 15,0 0-15,42 21 32,0-21-17,21 0-15,1 0 0,-1 0 16,0 0-16,22 0 0,-22 0 15,22 0-15,-1 0 0,1 0 0,-1 0 0,-20 0 16,20-21-16,-21 21 16,22 0-16,-22 0 0,1-21 0,-22 21 15,21-21-15,-21 21 0,0 0 16,-21-21-16,-21 21 31,0 0-31,0 0 0,0 0 0,0 21 16,-22 0-16,22-21 15,0 21-15,-21 0 0,20 1 0,-20 20 16,21-21-16,-21 0 0,42 0 16,-22 1-16,1-1 0,21 21 0,-21-21 15,21 0-15,0 1 0,0-1 0,0 0 16,0 0-16,21-21 16,0 21-16,1-21 0,-1 0 15,0 0-15,0 0 0,0 0 16,0 0-16,1 0 0,-1-21 0,0 0 15,21 0-15,-21 0 0,1-1 16,-1-20-16,0 21 0,0 0 16,0-22-16,0 1 0,1 0 15,-1-1-15,0 1 0,0 0 0,0-1 0,0 1 16,1-21-16,-1-22 16,-21 43-16,21-1 0,-21 1 15,21 21-15,-21 0 0,0-1 0,0 1 16,0 42-1,-21 1 1,0-1-16,21 0 0,0 21 16,0-21-16,-21 22 0,-1-1 0,22 0 15,-21 1-15,21-1 0,0 0 0,0 1 16,-21-22-16,21 21 0,0 1 16,-21-22-16,21 21 0,0-21 0,0 0 15,0 43-15,0-43 0,0 0 16,0 0-16,0 1 15,21-22-15,0 0 0,-21 21 0,21-21 16,1 0-16,-1 0 0,0 0 0,21 0 16,-21 0-16,22-21 15,-1-1-15,43 1 0,-43 0 16,43 0-16,-43 0 0,0 0 16,1-1-16,-22-20 0,21 21 0,-21 0 15,1 0-15,-1-64 16,-21 64-16,0 0 15,0-1-15,-21 22 16,-1 0-16,1 0 0,0 0 16,0 0-16,0 22 0,0-22 0,-1 21 15,1 0-15,0 0 0,21 0 16,0 0-16,0 1 0,0-1 16,0 0-16,21 0 15,0-21-15,1 0 16,-22 21-16,21-21 0,0 0 0,0 21 15,0-21-15,0 22 0,1-22 16,-1 0-16,-21 21 0,21-21 0,-21 21 16,0 0-1,-21-21 1,0 21-16,-1 0 0,1-21 16,0 0-16,-21 22 15,21-22-15,-1 0 0,1 0 0,0 21 16,0-21-16,0 0 15,0 0 17,21-21-32,-22 21 0,22-22 0,-21 1 15</inkml:trace>
   <inkml:trace contextRef="#ctx0" brushRef="#br0" timeOffset="28395.32">8086 5990 0,'21'0'31,"0"0"-31,0 0 0,0 0 0,22 0 16,20 0-16,-21 0 0,1 0 15,-1 0-15,0 0 0,-20 0 16,20 0-16,-21-21 0,0 21 0,0 0 16,1 0-16,-1 0 15,-42 0 17,-1 0-32</inkml:trace>
   <inkml:trace contextRef="#ctx0" brushRef="#br0" timeOffset="46938.74">550 8848 0,'0'21'0,"21"-21"31,1 0-15,-1 0-1,0 0-15,0-21 0,0 21 16,-21-21-16,21-1 0,1 22 0,-1-21 16,0 21-16,0-21 0,0 0 15,0 21-15,1-21 0,-1 0 16,0-1-16,-21 1 0,21 0 16,-21 0-16,0 0 15,-21 21 1,0 0-1,0 0-15,-1 0 0,1 0 0,0 21 16,-21 0-16,21-21 0,-1 21 16,-20 0-16,21 22 0,0-22 0,0 0 15,-1 21-15,1-20 16,21 20-16,0-21 0,0 0 0,0 22 16,0-22-16,0 0 0,0 0 15,21 0-15,1 0 0,-1-21 0,0 22 16,0-22-16,21 0 0,-20 21 15,-1-21-15,21 0 0,-21 0 0,0 0 16,22 0-16,-22 0 0,21 0 16,-42-21-16,21 21 15,-21-22 1,-21 22-16,0 0 16,0 0-16,0 0 0,0 0 15,-1 0-15,-20 22 0,21-22 16,-21 21-16,20 0 0,-20 0 15,0 0-15,21 0 0,-22 1 0,22-1 16,0 0-16,-21 0 0,42 0 16,-22 0-16,22 1 15,0-1-15,0 0 0,0 0 16,22-21-16,-1 21 16,0-21-16,0 0 0,0 0 0,0 0 15,22 0-15,-22 0 0,0 0 16,0 0-16,22 0 0,-22-21 15,21 0-15,-21 21 0,22-21 0</inkml:trace>
-  <inkml:trace contextRef="#ctx0" brushRef="#br0" timeOffset="47779.26">1587 9038 0,'0'0'0,"0"-21"0,0 0 0,0 0 15,-21 21 1,0 0-16,0 0 0,0 0 16,0 0-16,-1 0 0,1 0 15,-21 0-15,21 0 0,0 21 0,-22 0 16,22 0-16,0 0 0,0 1 16,0-1-16,21 0 0,0 0 0,-22 0 15,22 0-15,0 1 0,0-1 16,0 0-16,0 0 0,0 0 15,22-21-15,-1 0 16,21 0-16,-21 0 0,0 0 16,1 0-16,20 0 0,-21 0 15,21 0-15,-20-21 0,-1 0 0,0 21 16,0-21-16,0 21 16,22-43-16,-43 22 15,21 0-15,0 0 0,-21 0 16,0 0-16,21 21 15,-21-22-15,0 44 32,0-1-17,0 0-15,0 0 0,0 0 16,0 0-16,0 22 0,0-22 16,21 0-16,-21 21 0,0-20 15,0 20-15,0-21 0,0 21 0,0 1 16,0-1-16,21 0 0,-21 22 15,0-22-15,22 22 0,-22-22 0,0 22 16,0-1-16,0-21 0,0 22 16,0-1-16,0-20 0,21 20 0,-21 1 15,21-22-15,-21 22 0,0-1 16,0-21-16,21 22 0,-21-22 0,0 1 16,0-1-16,0-21 0,0 21 0,0-20 15,0-1-15,-21 0 0,-21 21 16,20-42-16,1 0 0,-21 21 15,21-21-15,-22 0 0,1 0 16,0 0-16,-1-21 0,1 0 0,0 0 16,-1 0-16,1 0 0,0-22 15,-1 1-15,22 0 0,-21-22 16,21 22-16,-22-85 0,43 84 16,0-20-16,0 21 0,0-22 15,0 22-15,22-1 0,-1-20 0,21 21 16,-21-1-16,0 1 0,1 0 15,-1 20-15,21-20 0,-21 0 16,0 21-16,22-1 0,-22-20 0,0 21 16,0 0-16,0 0 0,1-1 15,-22 1-15,21 21 16,0-21-16,-21 0 0,21 0 16,0 0-1,0 21-15,-21-22 0</inkml:trace>
+  <inkml:trace contextRef="#ctx0" brushRef="#br0" timeOffset="47779.25">1587 9038 0,'0'0'0,"0"-21"0,0 0 0,0 0 15,-21 21 1,0 0-16,0 0 0,0 0 16,0 0-16,-1 0 0,1 0 15,-21 0-15,21 0 0,0 21 0,-22 0 16,22 0-16,0 0 0,0 1 16,0-1-16,21 0 0,0 0 0,-22 0 15,22 0-15,0 1 0,0-1 16,0 0-16,0 0 0,0 0 15,22-21-15,-1 0 16,21 0-16,-21 0 0,0 0 16,1 0-16,20 0 0,-21 0 15,21 0-15,-20-21 0,-1 0 0,0 21 16,0-21-16,0 21 16,22-43-16,-43 22 15,21 0-15,0 0 0,-21 0 16,0 0-16,21 21 15,-21-22-15,0 44 32,0-1-17,0 0-15,0 0 0,0 0 16,0 0-16,0 22 0,0-22 16,21 0-16,-21 21 0,0-20 15,0 20-15,0-21 0,0 21 0,0 1 16,0-1-16,21 0 0,-21 22 15,0-22-15,22 22 0,-22-22 0,0 22 16,0-1-16,0-21 0,0 22 16,0-1-16,0-20 0,21 20 0,-21 1 15,21-22-15,-21 22 0,0-1 16,0-21-16,21 22 0,-21-22 0,0 1 16,0-1-16,0-21 0,0 21 0,0-20 15,0-1-15,-21 0 0,-21 21 16,20-42-16,1 0 0,-21 21 15,21-21-15,-22 0 0,1 0 16,0 0-16,-1-21 0,1 0 0,0 0 16,-1 0-16,1 0 0,0-22 15,-1 1-15,22 0 0,-21-22 16,21 22-16,-22-85 0,43 84 16,0-20-16,0 21 0,0-22 15,0 22-15,22-1 0,-1-20 0,21 21 16,-21-1-16,0 1 0,1 0 15,-1 20-15,21-20 0,-21 0 16,0 21-16,22-1 0,-22-20 0,0 21 16,0 0-16,0 0 0,1-1 15,-22 1-15,21 21 16,0-21-16,-21 0 0,21 0 16,0 0-1,0 21-15,-21-22 0</inkml:trace>
   <inkml:trace contextRef="#ctx0" brushRef="#br0" timeOffset="48199.02">2667 8932 0,'0'22'0,"0"-1"15,21-21 17,-21-21-17,21 21-15,-21-22 16,0 1 15,-21 21-15,0 0-1,0 0 1,21 21 0,0 1-1,0-1 1,0 0-1,0 0-15</inkml:trace>
   <inkml:trace contextRef="#ctx0" brushRef="#br0" timeOffset="48527.84">2730 9313 0,'0'-21'47,"22"0"-16,-44 21 16,1 0-31,0 21-16,0-21 15,21 21 1,21-21 15,0-21-31</inkml:trace>
   <inkml:trace contextRef="#ctx0" brushRef="#br0" timeOffset="49967.01">5715 8594 0,'0'-21'31,"21"-1"-15,-21 1 62</inkml:trace>
-  <inkml:trace contextRef="#ctx0" brushRef="#br0" timeOffset="52410.76">5757 8615 0,'0'-21'141,"0"0"-126,0-1 1,0 44 281,0-1 78,-21-21-250,0 0 343,21-21-296,21-1-140,-21 1 311,21 21-343,-21-21 16,0 0 0,21 0-16,1 0 15,-22 42 48,0 0-63,0 21 0,0-21 15,0 22-15,0-1 0,0 0 0,0 1 16,0 20-16,0-20 0,0 20 16,0-21-16,21 22 0,-21-22 0,0 22 15,0-22-15,0 0 0,0 43 16,0-64-16,0 85 15,0-85-15,0 0 16,0 1-16,0-1 0,0 0 0,0-42 47,0 0-47,0-1 16,0 1-16,0-21 0,0 21 15,0-43-15,0 22 0</inkml:trace>
+  <inkml:trace contextRef="#ctx0" brushRef="#br0" timeOffset="52410.75">5757 8615 0,'0'-21'141,"0"0"-126,0-1 1,0 44 281,0-1 78,-21-21-250,0 0 343,21-21-296,21-1-140,-21 1 311,21 21-343,-21-21 16,0 0 0,21 0-16,1 0 15,-22 42 48,0 0-63,0 21 0,0-21 15,0 22-15,0-1 0,0 0 0,0 1 16,0 20-16,0-20 0,0 20 16,0-21-16,21 22 0,-21-22 0,0 22 15,0-22-15,0 0 0,0 43 16,0-64-16,0 85 15,0-85-15,0 0 16,0 1-16,0-1 0,0 0 0,0-42 47,0 0-47,0-1 16,0 1-16,0-21 0,0 21 15,0-43-15,0 22 0</inkml:trace>
   <inkml:trace contextRef="#ctx0" brushRef="#br0" timeOffset="52738.7">5651 8678 0,'0'0'0,"-21"-21"15,0 0-15,0 0 0,0 0 16,0 0-16,21-1 0,0 1 0,0-42 16,21 42-1,0-1-15,21 1 0,1 21 16,-1-21-16,0 21 0,1 0 0,62 0 15,-41 0-15,-22 0 0,1 0 16,41 42 0,-20 1-16,-64-22 0,21 0 15,-21 0-15,0 0 0,0 1 0,0-1 16,-21 0-16,0 0 0,-1 0 16,1 0-16,-21 1 0,-22-1 15,43 0-15,-21 0 0,21-21 16,0 0-16,-1 0 15,44 0 1,-1 0-16,0 0 16,0-21-16,0 0 0,0 21 15,1-21-15,-1-1 0,0 1 0</inkml:trace>
   <inkml:trace contextRef="#ctx0" brushRef="#br0" timeOffset="54654.53">6371 8446 0,'0'0'0,"21"-22"0,0 22 0,1-21 0,-22 0 15,0 42 1,0 0 0,0 1-16,0-1 0,0 0 15,0 0-15,0 0 0,0 22 0,0-22 16,0 0-16,0 21 0,0-21 0,0 22 16,0-22-16,0 0 0,0 0 15,0 0-15,0 1 0,0-1 0,0 0 16,21-21-16,0 0 15,0 0-15,0 0 0,0 0 0,1 0 16,-1 0-16,0-21 0,0 0 16,21-1-16,-20 1 0,-1 0 0,0-21 15,0 21-15,0-22 0,0 22 16,-21-21-16,0 21 0,0-22 0,0-20 16,0 42-16,0-1 0,22 1 15,-22 0-15,0 42 16,0 0-1,0 1-15,0-1 0,0 21 0,0-21 16,0 0-16,0 1 0,-22 20 16,22-21-16,0 0 0,0 0 15,0 1-15,0 20 0,0-21 16,22 0-16,-22 0 0,21-21 16,0 0-16,-21 22 0,21-22 0,0 0 15,0 0-15,1 0 0,-1 0 0,-21-22 16,21 22-16,0-21 0,0 0 15,0 0-15,1 0 0,-1 0 0,0-22 16,-21 22-16,0-21 0,21 21 16,0-22-16,-21 1 0,0 0 0,0-1 15,21 1-15,-21 0 0,0 20 16,22 1-16,-22 0 0,0 0 0,0 0 16,0 42-1,0 0-15,0 21 0,0-20 16,0-1-16,0 21 0,0 0 0,0-20 15,0 105-15,-22-106 16,22 21-16,0-21 0,-21 0 16,21 1-16,0-1 0,0 0 0,0 0 15,0 0-15,0 0 16,0-42 0,0 0-1,0 0-15,0 0 0,0 0 16,0-1-16,21 1 0,-21-21 15,22 21-15,-22 0 0,21-22 16,-21 22-16,0 0 0,21 0 0,0 0 16,0 21-16,0 0 15,1 0-15,-1 0 0,0 21 16,0 0-16,-21 0 0,21 0 16,0 0-16,1 1 0,-22-1 15,0 0-15,0 0 0,0 0 16,0 0-16,0 1 0,0-1 15,-22 0-15,1 0 16,0-21-16,0 0 0,0 0 0,0 0 16,-1 0-16,1 0 0,0 0 15,0 0-15,0 0 0,0 0 16,-1 0-16,1-21 0,0 21 0,21-21 16,-21 21-16,21 21 31,0 0-16,0 0-15,21 0 16,0-21-16,0 0 0,-21 22 0,22-22 16,-1 0-16,0 0 0,0 0 15,0 0-15,0 0 16,22 0-16,-22 0 0,0-22 0,0 1 16,22 21-16,-22-21 0,0 0 0,42-43 15,-41 43-15,20-42 16,-21 20-16,-21 1 0,21 21 15,-21-43-15,21 22 0,-21 0 16,0-1-16,0 1 0,0 0 0,22-43 16,-22 64-16,0 42 31,0 0-31,0 22 16,0-22-16,0 21 0,0 0 15,0 1-15,0-1 0,0 0 16,-22 1-16,22-1 0,0 0 0,0-20 0,0 20 15,0-21-15,0 21 0,0-20 16,0-1-16,0 0 0,0 0 16,22 0-16,-1-21 15,0 0-15,0 0 0,0 0 0,0-21 16,1 0-16,20 0 16,-21 21-16,0-21 0,0-1 0,1 1 15,-1 0-15,0-21 0,0 21 0,0-1 16,0 1-16,1-21 0,-22 21 15,21 0-15,-21 42 32,0 0-32,0 0 0,0 0 15,0 0-15,0 1 0,0-1 16,0 0-16,0 0 0,0 0 0,21 0 16,-21 1-16,0-1 0,21-21 15,-21 21-15,21-21 0,0 0 16,1 0-16,-1 0 0,0 0 15,0 0-15,0 0 0,0-21 16,1 0-16,-1-1 0,0 22 0,0-21 16,0-21-16,0 21 0,1 0 0,-1-43 15,0 22-15,0 21 16,-21-22-16,0 22 0,21-21 16,-21 21-16,21 21 0,-21-22 0,0 44 31,0-1-16,0 0-15,0 0 16,0 0-16,0 0 16,22-21 15,-1-21-15,-21 0-1,0 0-15,0 0 0,0 0 16,0-1-1,-21 22 1,-1 0-16,1 0 0,0 22 16,21-1-16,-21 0 0,0 0 0,0 0 15,21 0-15,0 22 0,-22-22 16,22 0-16,-21 21 0,21-20 0,-21-1 16,21 21-16,0-21 0,0 0 0,0 1 15,0-1-15,21 0 16,0 0-16,1-21 0,-1 0 15,0 0-15,0 0 0,0 0 0,22 0 16,-22 0-16,0-21 0,0 21 16,21-21-16,-20 21 0,-1-21 15,0-1-15,21-20 0,-21 21 16,1-21-16,-22 20 16,0 1-16,0 0 0,0 0 0,0 0 15,0 0-15,0-1 0</inkml:trace>
   <inkml:trace contextRef="#ctx0" brushRef="#br0" timeOffset="54887.39">7895 8192 0,'0'0'16,"-21"0"-16,21 21 0,-21-21 0,0 0 15,21 21-15,21-21 63,0 0-47</inkml:trace>
   <inkml:trace contextRef="#ctx0" brushRef="#br0" timeOffset="55578.58">9652 8297 0,'0'0'0,"-21"-63"31,0 42-31,21 0 0,0-1 16,0 1-16,0 0 0,0 0 15,0 0-15,21 0 0,0-1 16,21 1-16,-21 21 0,1-21 0,20 0 16,-21 21-16,21 0 0,1 0 15,20 0-15,-42 21 16,22 0-16,-22 22 0,0-22 0,0 21 15,0 0-15,1 22 0,-22-22 0,0 22 16,0-22-16,0 0 0,0 22 16,0-22-16,0 1 0,-22-22 0,22 21 15,-21-21-15,21 22 0,0-22 0,0 0 16,0 0-16,0-42 31,0 0-31,0 0 16,0-1-16,0 1 0,0-21 15,21 21-15,-21-22 0,22 1 16,-22-21-16,0 20 0,0-20 0,21-43 16,0 42-16,-21 22 15,21 0-15,-21-1 0,0-41 16,0 63-16,21 21 16,-21 21-1,0 0-15,0 0 16,21 0-16,-21 0 0,0 1 0,0-1 15,0 0-15,0 0 0,0 0 16,22 0-16</inkml:trace>
   <inkml:trace contextRef="#ctx0" brushRef="#br0" timeOffset="57523.15">10626 8213 0,'0'0'0,"0"-43"31,-22 43-31,22-21 0,-21 21 16,21-21 0,0 42 46,0 0-31,-21-42 157,0 21-173,0 0 1,21 21-16,-21 1 16,21-1-16,0 0 0,-22 0 15,22 0-15,0 0 0,-21 1 0,21-1 16,0 0-16,0 21 0,0-21 16,0 1-16,0-1 0,0 21 0,-21-21 15,21 0-15,0 1 0,0-1 16,0 0-16,0 0 0,21-21 15,-21 21-15,21-21 0,1 0 16,-1 0-16,0 0 0,0 0 16,0 0-16,0 0 15,1 0-15,-1-21 0,0 21 0,-21-21 16,21 0-16,0 21 0,0-21 16,1-1-16,-1 1 0,-21 0 0,21-21 15,-21 21-15,21-1 0,-21-20 16,0 21-16,0-21 0,0 20 0,0-20 15,0 21-15,0-21 0,0 20 0,0 1 16,-42-21-16,21 21 16,-1 21-16,1-21 0,0 21 15,0 0-15,0 0 0,0 0 0,-1 0 16,1 21-16,0-21 0,21 21 16,-21 0-16,21 0 0,-21 0 0,21 1 15,-21-1-15,21 0 0,0 0 0,0 0 16,0 22-16,0-22 0,0 0 15,0 0-15,0 0 0,21 0 16,0 1-16,-21-1 0,21 0 0,0 0 16,0-21-16,1 21 0,20-21 15,-21 21-15,0-21 0,22 0 0,-22 0 16,21 0-16,-21 0 0,22 0 0,-22 0 16,21 0-16,0 0 0,-20 0 0,20 0 15,-21-21-15,21 21 0,-20-21 16,20 0-16,-21 0 0,21 0 0,-20-1 15,-1 1-15,0 0 0,0 0 0,21-21 16,-42 20 0,0 1-16,22 0 0,-22 42 47,0 0-47,0 1 0,0-1 0,0 0 15,0 0-15,0 0 0,0 0 0,0 1 16,0-1-16,0 0 0,0 0 15,0 0-15,0 0 16,21-21-16,0 22 0,0-22 0,21 21 16,-20-21-16,-1 21 0,0-21 15,0 0-15,0 0 0,22 0 16,-22 0-16,21 0 0,22 0 16,-43 0-16,0-21 0,21 0 15,-21 21-15,1-22 0,-1 1 0,0 21 16,0-21-16,0 0 0,0 0 15,-21 0-15,0-1 0,0 1 0,0 0 16,0-21-16,0 21 0,0-1 0,0 1 16,0 0-16,-21 0 15,0 21 1,0 0-16,0 0 16,0 0-16,-1 0 31,22 21 0,-21-21 0,21 21 219,-21-21-250,0 0 32,0 0 233</inkml:trace>
   <inkml:trace contextRef="#ctx0" brushRef="#br0" timeOffset="58658.51">10287 8382 0,'0'0'0,"-148"42"31,148-20-31,21-22 15,21 0-15,-21 0 16,22 0-16,20 0 0,1 0 16,-1 0-16,1 0 0,20 0 0,22 0 15,-21 0-15,21 0 0,0-22 0,-22 22 16,22 0-16,-21 0 0,-1-21 16,1 21-16,-21 0 0,-1 0 0,-21 0 15,1 0-15,-1 0 0,-21 0 0,0-21 16,-42 21-1,0 0-15,-21 0 16,-1 0-16,1 0 0,-21 0 16,-1 0-16,-21 0 0,1 21 0,-22-21 15,0 0-15,0 21 0,0-21 16,1 0-16,-1 22 0,0-22 0,21 0 16,1 21-16,20-21 0,22 0 15,-1 0-15,1 21 0,21-21 0,21 21 16,21-21-1,21 0-15,1 0 0,-1 0 16,0 0-16,22 0 0,-1 0 16,1 0-16,21 0 0,-1 0 0,1 0 15,0 0-15,-1 0 0,1 0 0,0 0 16,-1-21-16,1 21 0,-22 0 16,-20 0-16,20-21 0,22 21 15,-64 0-15,0-21 0,0 21 0,1-22 16,-22 1-1,-22 0-15,1 21 0,-21 0 16,0-21-16,-1 21 0,-20 0 0,-1-21 16,-20 21-16,-1 0 0,-21 0 15,0 0-15,-84 0 16,-107 0-16,213 0 0,-1 0 16,43 0-16,-22 0 0,22 0 15,21 0-15,0 0 0,21 21 16,21-21-1,21 0-15,-21 0 16,22 0-16,-1 0 0,0-21 0,22 21 16,-22-21-16,22 21 0,-1-22 0,1 1 15,-1 21-15,1-21 0,-1 21 16,-21-21-16,22 0 0,-22 21 0,1 0 16,-22-21-16,0 21 0,-21-22 15,-21 22-15,-22 0 16,22 0-16,-21 0 0,-22 0 0,22 0 15,-85 0-15,85 0 16,-22 0-16,22 0 0,0 0 0,-1 22 16,22-22-16,0 0 0,0 21 15,21 0 1,21-21 0,0 0-16,0 0 0,0 0 0,22 0 15,-1-21-15,0 21 0,1-21 0</inkml:trace>
-  <inkml:trace contextRef="#ctx0" brushRef="#br0" timeOffset="60770.69">13017 8382 0,'0'21'31,"0"-42"0,0 0-15,0 0-16,0 0 16,0-1-16,0 1 0,0 0 0,0-21 15,0 21-15,0-22 0,0 1 0,0 0 16,22-1-16,-22 1 0,21 0 15,0-1-15,0 1 0,0 0 0,0-22 16,1 43-16,-1 0 0,0 0 16,0-1-16,0 22 15,0 0-15,-21 22 16,22-1-16,-22 0 16,21-21-16,-21 21 15,0 0-15,0 0 16,0-42 31,0 0-47,0 0 15,0 0-15,-21 0 16,-1-1-16,1 22 0,21-21 0,-21 21 16,0 0-16,0-21 0,0 21 0,-1 0 15,1 0-15,0 21 16,0 0-16,0 1 0,0-1 0,-22 21 15,22-21-15,0 43 0,0-22 0,0 0 16,-1 22-16,1-22 0,21 1 16,0 20-16,0-21 0,0 1 0,0-1 15,43 0-15,-22-20 0,0-1 0,64 42 16,-43-42-16,0-21 16,43 22-16,-43-22 15,22 0-15,-22 0 0,0 0 0,22-22 0,-22 1 16,1 0-16,-1 0 15,0-21-15,1 20 0,-22-20 0,21 0 16,0-22-16,-20 22 0,20-22 0,-21 1 16,0-1-16,0 22 0,1-21 15,-1-1-15,0 1 0,0-1 0,-21 1 16,0-1-16,0 22 0,0-22 16,0 22-16,0 0 0,0 20 0,0 1 15,0 0-15,-21 21 16,0 21-16,21 0 0,-21 22 15,-1-1-15,22 0 0,0 22 0,-21-1 16,0 43-16,0-42 0,21-1 16,0 1-16,0-1 0,-21 1 15,21-1-15,0-20 0,0 20 16,0-21-16,0 1 0,0-1 0,0-21 16,21 22-16,0-22 15,0 0-15,0 0 0,1-21 0,-1 0 0,21 21 16,-21-21-16,22 0 0,-22 0 0,21 0 15,0-21-15,-20 0 0,20 0 16,0 0-16,-21-1 0,43-41 16,-43 21-16,0-1 0,0 1 15,1 0-15,-1-1 0,-21 1 0,0 0 16,0-1-16,0 22 0,0-21 0,-21 21 16,-1-1-16,1 22 15,0 0-15,-21 0 0,-22 22 16,43-1-16,-21 0 0,21 0 15,-22 21-15,22-20 0,0 20 0,0 0 16,0 1-16,-1-22 0,1 63 16,21-62-16,0-1 0,0 21 15,0-21-15,0 0 0,0 1 0,21-22 16,1 21-16,-1-21 0,0 0 16,0 0-16,43 0 15,-43 0-15,0 0 0,0 0 0,0-21 0,0-1 16,1 1-16,-1 0 0,0 0 15,0-21-15,-21 20 0,21-20 16,-21 0-16,21-1 0,-21 1 0,0 21 16,0-21-16,0 20 0,0 1 15,0 0-15,0 42 16,0 0 0,0 1-16,-21 20 0,21-21 15,-21 21-15,21-20 0,0 20 0,0-21 16,0 0-16,0 22 0,0-22 0,0 0 15,0 0-15,0 0 0,21 0 16,0-21-16,1 0 0,-1 0 16,0 0-16,0 0 0,0 0 0,0 0 15,1 0-15,-1 0 0,0-21 16,21 0-16,-21 0 0,1 0 16,-1-22-16,21 22 0,-21-21 0,0 0 15,22-1-15,-22 1 0,0 21 0,0-22 16,0 22-16,1-21 15,-22 21-15,0 0 0,-22 42 16,1 0 0,0-21-16,21 42 0,0-21 15,-21 1-15,21 20 0,0-21 16,0 21-16,0-20 0,0-1 0,0 42 16,0-42-16,0 1 15,0-1-15,0 0 0,0 0 16,0 0-1,-21-42 1,0 0 0,21 0-16,0 0 15,-22-1-15,22 1 0,-21 0 16,21 0-16,0 0 0,0 0 0,-21 21 16,0 21 15,21 0-31,0 0 0,0 0 15,0 0-15,0 1 0,0-1 0,0 0 16,0 0-16,0 0 16,21 0-16,0-21 0,-21 22 0,43-22 15,-22 0-15,0 0 16,0 0-16,21 0 0,-20 0 0,20 0 0,0 0 16,-21 0-16,22-22 0,-1 1 15,0 0-15,-20 0 0,20 0 0,64-85 16,-64 64-1,-21 20-15,0-20 0,1 0 16,20-22-16,-42 43 0,0 0 16,0 0-16,0 0 0,-21 21 15,0 21 1,21 0-16,0 21 0,0-21 16,0 1-16,0-1 0,0 0 0,0 21 15,0-21-15,0 1 0,0-1 16,21 0-16,-21 0 0,21 0 15,-21 0-15,21 22 0,-21-22 16,0 0 0,-21-21-16,0 0 15,0 0-15,-1 0 0,1 0 16,0 0-16,0 0 16,0 0-16,0-21 0,-1 21 0,22-21 15</inkml:trace>
+  <inkml:trace contextRef="#ctx0" brushRef="#br0" timeOffset="60770.68">13017 8382 0,'0'21'31,"0"-42"0,0 0-15,0 0-16,0 0 16,0-1-16,0 1 0,0 0 0,0-21 15,0 21-15,0-22 0,0 1 0,0 0 16,22-1-16,-22 1 0,21 0 15,0-1-15,0 1 0,0 0 0,0-22 16,1 43-16,-1 0 0,0 0 16,0-1-16,0 22 15,0 0-15,-21 22 16,22-1-16,-22 0 16,21-21-16,-21 21 15,0 0-15,0 0 16,0-42 31,0 0-47,0 0 15,0 0-15,-21 0 16,-1-1-16,1 22 0,21-21 0,-21 21 16,0 0-16,0-21 0,0 21 0,-1 0 15,1 0-15,0 21 16,0 0-16,0 1 0,0-1 0,-22 21 15,22-21-15,0 43 0,0-22 0,0 0 16,-1 22-16,1-22 0,21 1 16,0 20-16,0-21 0,0 1 0,0-1 15,43 0-15,-22-20 0,0-1 0,64 42 16,-43-42-16,0-21 16,43 22-16,-43-22 15,22 0-15,-22 0 0,0 0 0,22-22 0,-22 1 16,1 0-16,-1 0 15,0-21-15,1 20 0,-22-20 0,21 0 16,0-22-16,-20 22 0,20-22 0,-21 1 16,0-1-16,0 22 0,1-21 15,-1-1-15,0 1 0,0-1 0,-21 1 16,0-1-16,0 22 0,0-22 16,0 22-16,0 0 0,0 20 0,0 1 15,0 0-15,-21 21 16,0 21-16,21 0 0,-21 22 15,-1-1-15,22 0 0,0 22 0,-21-1 16,0 43-16,0-42 0,21-1 16,0 1-16,0-1 0,-21 1 15,21-1-15,0-20 0,0 20 16,0-21-16,0 1 0,0-1 0,0-21 16,21 22-16,0-22 15,0 0-15,0 0 0,1-21 0,-1 0 0,21 21 16,-21-21-16,22 0 0,-22 0 0,21 0 15,0-21-15,-20 0 0,20 0 16,0 0-16,-21-1 0,43-41 16,-43 21-16,0-1 0,0 1 15,1 0-15,-1-1 0,-21 1 0,0 0 16,0-1-16,0 22 0,0-21 0,-21 21 16,-1-1-16,1 22 15,0 0-15,-21 0 0,-22 22 16,43-1-16,-21 0 0,21 0 15,-22 21-15,22-20 0,0 20 0,0 0 16,0 1-16,-1-22 0,1 63 16,21-62-16,0-1 0,0 21 15,0-21-15,0 0 0,0 1 0,21-22 16,1 21-16,-1-21 0,0 0 16,0 0-16,43 0 15,-43 0-15,0 0 0,0 0 0,0-21 0,0-1 16,1 1-16,-1 0 0,0 0 15,0-21-15,-21 20 0,21-20 16,-21 0-16,21-1 0,-21 1 0,0 21 16,0-21-16,0 20 0,0 1 15,0 0-15,0 42 16,0 0 0,0 1-16,-21 20 0,21-21 15,-21 21-15,21-20 0,0 20 0,0-21 16,0 0-16,0 22 0,0-22 0,0 0 15,0 0-15,0 0 0,21 0 16,0-21-16,1 0 0,-1 0 16,0 0-16,0 0 0,0 0 0,0 0 15,1 0-15,-1 0 0,0-21 16,21 0-16,-21 0 0,1 0 16,-1-22-16,21 22 0,-21-21 0,0 0 15,22-1-15,-22 1 0,0 21 0,0-22 16,0 22-16,1-21 15,-22 21-15,0 0 0,-22 42 16,1 0 0,0-21-16,21 42 0,0-21 15,-21 1-15,21 20 0,0-21 16,0 21-16,0-20 0,0-1 0,0 42 16,0-42-16,0 1 15,0-1-15,0 0 0,0 0 16,0 0-1,-21-42 1,0 0 0,21 0-16,0 0 15,-22-1-15,22 1 0,-21 0 16,21 0-16,0 0 0,0 0 0,-21 21 16,0 21 15,21 0-31,0 0 0,0 0 15,0 0-15,0 1 0,0-1 0,0 0 16,0 0-16,0 0 16,21 0-16,0-21 0,-21 22 0,43-22 15,-22 0-15,0 0 16,0 0-16,21 0 0,-20 0 0,20 0 0,0 0 16,-21 0-16,22-22 0,-1 1 15,0 0-15,-20 0 0,20 0 0,64-85 16,-64 64-1,-21 20-15,0-20 0,1 0 16,20-22-16,-42 43 0,0 0 16,0 0-16,0 0 0,-21 21 15,0 21 1,21 0-16,0 21 0,0-21 16,0 1-16,0-1 0,0 0 0,0 21 15,0-21-15,0 1 0,0-1 16,21 0-16,-21 0 0,21 0 15,-21 0-15,21 22 0,-21-22 16,0 0 0,-21-21-16,0 0 15,0 0-15,-1 0 0,1 0 16,0 0-16,0 0 16,0 0-16,0-21 0,-1 21 0,22-21 15</inkml:trace>
   <inkml:trace contextRef="#ctx0" brushRef="#br0" timeOffset="62961.62">17399 7705 0,'0'0'16,"21"0"15,0 0-31,0 0 16,1-21-16,20-1 0,-21 22 0,21-21 15,-20 21-15,20-21 0,0 0 0,1 21 16,-22-21-16,21-22 0,0 22 16,1 0-16,-22-21 0,21 21 15,-21-22-15,1 1 0,-1 0 0,-21-1 16,0 22-16,0-21 0,0 21 16,-21-1-16,-22 1 0,22 0 0,-21 0 15,-1 21-15,1 0 0,-21 0 16,20 0-16,-20 21 0,-1 0 0,22 0 15,-22 1-15,22-1 0,21 21 0,-21 0 16,20 1-16,22-1 0,0 0 16,0 1-16,22-1 0,-1 0 0,0 1 15,21-1-15,-21 0 0,22 1 16,-22-1-16,21 0 0,-21-20 16,22 20-16,-22 0 0,0 1 0,-21-1 15,0-21-15,0 21 0,0-20 0,0-1 16,0 0-16,-21 0 0,0 0 15,-22-21-15,1 21 0,0-21 0,-1 0 16,-20 0-16,-1 0 0,22 0 0,-21 0 16,20 0-16,1-21 0,0 0 15,-1 21-15,-20-63 0,42 41 16,-1 1-16,1-21 0,0 21 16,21-22-16,0 1 0,-21 0 0,21 21 15,0-22-15,0 1 0,0 21 0,0 0 16,0-1-16,21 22 15,0 22 1,-21-1-16,21 21 0,-21-21 16,0 22-16,0-22 0,22 21 15,-22 0-15,21 1 0,-21-1 0,21-21 16,-21 22-16,21-1 0,0-21 0,0 21 16,1-20-16,20-1 0,-21-21 15,21 21-15,-20 0 0,20-21 0,0 0 16,43 0-16,-43 0 0,22-21 15,-22 0-15,0 21 0,22-21 16,-22-1-16,1 1 0,20-21 0,-21 21 16,-20-22-16,20 1 0,-21 21 0,0-21 15,0-1-15,-21 1 16,22 21-16,-22-22 0,0 22 0,0 0 16,0 0-16,-22 21 0,1 0 0,0 0 15,-21 0-15,-1 0 16,1 21-16,21 0 0,-21 22 0,20-22 15,-20 21-15,21-21 0,0 22 0,0-1 16,-1-21-16,22 21 0,0-20 16,0 20-16,0-21 0,0 0 0,0 0 15,0 1-15,43-1 16,-22-21-16,0 0 0,0 0 0,0 0 16,1 0-16,20 0 0,-21 0 15,0-21-15,22-1 0,-22 22 0,0-21 16,0-21-16,0 21 0,0 0 15,1-22-15,-1 22 0,-21-21 0,0 21 16,21-43-16,-21 43 0,0-21 16,0 20-16,0 44 31,0-1-31,0 0 16,0 0-16,0 0 0,0 22 15,0-22-15,0 0 0,0 0 0,0 0 16,0 0-16,0 1 0,21-22 15,0 21-15,-21 0 0,21-21 16,1 0-16,-1 0 0,21 0 16,-21 0-16,0 0 0,22 0 0,-1-21 0,-21 0 15,22-1-15,-1 1 0,0-21 16,1 21-16,-22 0 0,0-22 16,0 22-16,-21-21 0,0 21 15,21-1-15,-21 1 0,0 0 0,0 0 16,-21 42 15,21 0-31,-21 22 0,21-22 0,-21 0 16,21 42-16,-21-20 15,21-22-15,-22 21 0,22-21 16,0 1-16,0-1 0,0 0 0,0 0 16,0 0-16,0 0 15,0-42 16,0 0-31,0 0 0,0 0 16,0 0-16,0-22 0,0 22 16,22-21-16,-1 21 0,-21-22 0,21 1 15,0 21-15,0-22 0,0 22 16,1 0-16,-1 0 0,-21 0 0,42 21 16,-21 0-16,0 0 15,1 0 1,-22 21-16,0 0 0,0 0 15,0 22-15,0-22 0,0 0 0,0 21 16,0-21-16,0 22 0,0-22 0,0 0 16,21 0-16,-21 22 0,0-22 15,0 0-15,0 0 16,0-42 15,21 21-31,-21-21 0,21 0 16,-21-1-16,0 1 0,21 0 0,0 0 0,1-21 15,-1 20-15,0-20 16,0 0-16,0 21 0,22-22 0,-22 22 16,0 0-16,21 0 0,-21 0 0,1-1 15,-1 22-15,0 0 0,-21 22 16,0-1-16,0 0 0,0 21 16,0-21-16,0 22 0,0-22 15,0 0-15,-21 21 0,21-20 16,-21 20-16,21-21 0,0 21 0,0-20 15,0-1-15,0 0 0,0 0 16,21-21 0,0 0-16,0 0 0,0 0 15,22 0-15,-22 0 0,0-21 16,0 0-16,21 0 0,-20-1 16,-1 1-16,21 0 0,0-42 15,-20 20-15,-1 22 0,21 0 16,-42-21-16,21 20 0,0 1 0,1 0 15,-22-21-15,0 21 0,-22 21 32,1 21-32,0 0 15,0 0-15,0 0 0,0 22 0,21-1 16,-22-21-16,22 21 0,-21 64 16,21-63-16,-21-1 15,21 0-15,0 22 0,0-22 0,0 0 16,0 1-16,0 20 0,-21-20 0,0-1 15,0 43-15,-1-22 0,1-21 16,0 1-16,0-1 0,0 0 16,0 1-16,-1-1 0,1 0 0,0-20 15,21 20-15,0-21 0,0 0 0,0 0 16,-21 22-16,42-43 31,0-21-15,0-1-16,1 1 15,-1 0-15,0 0 0,0-21 16,0 20-16,0-20 0,1 0 0,-1-1 16</inkml:trace>
   <inkml:trace contextRef="#ctx0" brushRef="#br0" timeOffset="63279.44">19621 8043 0,'0'-63'15,"0"126"-15,0-190 0,0 85 0,22 0 0,-22-1 16,21 1-16,0 0 0,0 21 15,0-1-15,0 1 0,1 0 0,-1 0 16,0 0-16,0 21 0,0 0 16,22 0-16,-22 0 0,0 0 15,0 0-15,0 21 0,0 0 0,-21 0 16,0 22-16,0-22 0,0 21 16,0-21-16,0 22 0,0-22 0,0 21 15,-42 0-15,0 22 16,21-43-16,-1 0 0,-20 0 0,21 1 15,0-1-15,-22 0 0,22-21 0,-21 21 16,21-21-16,-22 0 0,1 0 16,0 0-16,21 0 15,-1 0-15,22-21 16,22 0 0,-1 21-16,0-21 15,0-1-15,21 1 0</inkml:trace>
-  <inkml:trace contextRef="#ctx0" brushRef="#br0" timeOffset="63591.26">20341 7239 0,'0'0'0,"-21"21"31,0 22-31,0-22 0,21 0 15,0 21-15,-22 1 16,1-1-16,21 0 0,0 1 0,0-1 0,-21 0 16,21 1-16,-21-1 0,21 0 15,0 1-15,-21-1 0,21 0 16,0 1-16,0-22 0,0 21 0,0-21 16,0 0-16,0 1 0,0-1 0,0 0 15,0 0-15,21-21 31,0-21-15,0 0-16,0 21 0,-21-21 0,22-1 16,-1-20-16</inkml:trace>
+  <inkml:trace contextRef="#ctx0" brushRef="#br0" timeOffset="63591.25">20341 7239 0,'0'0'0,"-21"21"31,0 22-31,0-22 0,21 0 15,0 21-15,-22 1 16,1-1-16,21 0 0,0 1 0,0-1 0,-21 0 16,21 1-16,-21-1 0,21 0 15,0 1-15,-21-1 0,21 0 16,0 1-16,0-22 0,0 21 0,0-21 16,0 0-16,0 1 0,0-1 0,0 0 15,0 0-15,21-21 31,0-21-15,0 0-16,0 21 0,-21-21 0,22-1 16,-1-20-16</inkml:trace>
   <inkml:trace contextRef="#ctx0" brushRef="#br0" timeOffset="63995.11">20426 7853 0,'0'0'16,"21"0"-1,0 0-15,0 0 16,0 0-16,1 0 16,-1 0-16,0 0 0,21 0 0,-21 0 15,1 0-15,-1 0 0,0 0 16,0-21-16,0 21 0,0-21 16,-21-1-16,22 22 0,-22-21 15,0 0-15,0 0 0,0 0 16,-22 21-1,1 0-15,0 0 0,0 0 0,0 0 16,0 0-16,-1 21 0,1-21 16,0 21-16,0 0 0,0 0 0,0 1 15,-1-1-15,1 21 0,21-21 16,-21 22-16,21-22 0,0 0 16,0 0-16,0 0 0,0 0 0,0 1 15,0-1-15,21 0 16,0-21-16,1 0 0,-1 0 15,0 0-15,0 0 16,0 0-16,0 0 0,1 0 16,-1-21-16,-21 0 0,42 21 15,-21-22-15,0 1 0,1 0 0,-1 0 16,21 0-16</inkml:trace>
   <inkml:trace contextRef="#ctx0" brushRef="#br0" timeOffset="65190.91">21780 7281 0,'0'0'16,"22"-21"-16,-1 21 0,0-21 0,0 21 16,-21-21-16,-21 21 125,0-21-125,0 21 15,-1 0-15,1 0 0,0 0 16,0 0-16,0 0 0,0 0 15,-1 0-15,1 0 0,0 0 0,0 0 16,0 21-16,21 0 31,0 0-15,21-21-16,0 0 16,0 0-16,0 21 0,1-21 0,-1 22 15,21-1-15,-42 0 16,21-21-16,0 21 0,1 0 0,-1-21 15,-21 21-15,0 1 0,21-1 16,-21 0-16,0 0 0,0 0 0,0 0 16,0 1-16,-21-1 0,0 0 15,-1 0-15,1 0 0,0 0 16,-21-21-16,21 22 0,-22-1 0,1-21 16,0 21-16,20-21 0,-20 21 15,21-21-15,-21 0 0,20 21 16,1-21-16,42 0 47,1 0-47,-1 0 0,0 0 15,0 0-15,0 0 0,0 0 0,1 0 16,-1 0-16,0 0 0,0 0 16,0 0-16,22 0 0,-22 0 15,0 0-15,-21 21 0,0 1 16,0-1-16,0 0 15,0 0-15,0 0 0,0 0 16,-21 22-16,21-22 16,-21 21-16,-1-21 0,-20 22 0,21-1 0,0-21 15,0 22-15,-1-1 0,-41 43 16,63-43-16,0-21 16,0 0-16,0 0 0,0 1 0,0-1 15,0 0-15,0 0 0,0 0 16,21-21-16,0 21 0,0-21 15,1 0-15,-1 0 16,0 0-16,0 0 0,0 0 0,0 0 16,1 0-16,20-21 0,-21 21 0,0-21 15,0 21-15,1 0 16,-1-21-16,0 21 0,0 0 0,-21-21 16,0 0 15,0-1-16</inkml:trace>
   <inkml:trace contextRef="#ctx0" brushRef="#br0" timeOffset="65390.82">21886 8594 0,'0'0'0,"0"21"16,-42-21 0,21 0-16,0 0 31,21 21-15</inkml:trace>
@@ -578,9 +795,9 @@
   <inkml:trace contextRef="#ctx0" brushRef="#br0" timeOffset="69630.52">11515 10224 0,'0'-22'0,"0"44"0,0-65 0,-22 43 15,1 21 1,21 1 0,0-1-16,0 21 0,0 0 0,0 22 15,0-22-15,0 22 0,0-1 0,0-20 16,0 62-16,0-62 15,0-1-15,0 0 0,-21 1 0,21-22 16,0 0-16,0 0 0,0 0 0,0 1 16,-21-22-1,21-22 1,0 1-16,0 0 0,0 0 0,0 0 16,0 0-16,0-22 0,21 22 0,0-21 15,-21 21-15,21-22 0,1 22 16,-1 0-16,21 0 0,-21 0 15,0 21-15,22 0 0,20 0 16,-42 21-16,22 0 0,-22 0 16,0 0-16,0 0 0,0 1 0,1-1 15,-22 0-15,0 0 0,0 0 0,0 0 16,-22 1-16,1-1 0,0 0 16,-21 0-16,21 0 0,-22-21 0,-41 43 15,41-43-15,22 0 0,-21 21 16,21-21-16,-22 0 0,22 0 0,0 0 15,0 0-15,0 0 0,21-21 32,0-1-32,21 1 15,0 21-15,0-21 0,0 21 16,0-21-16,1 21 0,-1-21 16</inkml:trace>
   <inkml:trace contextRef="#ctx0" brushRef="#br0" timeOffset="70503.95">12319 10287 0,'0'0'0,"0"-21"0,-21 42 31,21 21-31,-21-20 16,21 20-16,-22 0 0,22 1 15,-21 20-15,21-21 0,-21 1 16,0 41-16,21-41 0,0-1 15,0 0-15,0-20 0,0-1 0,0 0 16,0 0-16,0 0 0,21 0 16,0-21-16,0 0 0,1 0 0,-1 0 15,21 0-15,-21 0 0,0 0 0,1 0 16,20 0-16,-21-21 0,0 0 0,0 21 16,1-21-16,-1 0 0,0-22 15,21 1-15,-42 0 0,0 21 16,21-1-16,-21 1 0,0 0 0,0 0 15,0 42 1,0 0 0,0 0-16,0 1 0,0-1 0,0 0 15,0 0-15,0 0 0,0 0 0,0 1 16,0-1-16,0 0 0,0 0 16,0 0-16,22-21 15,-1 0-15,0 0 0,0 0 16,0 0-16,0 0 0,1 0 15,-1 0-15,0-21 0,21 0 0,-21 0 16,22 0-16,-22-1 0,21 1 0,-21 0 16,22 0-16,-22 0 0,0-22 0,21 22 15,-20 0-15,-1 0 16,0 0-16,-21 0 0,0-1 0,21 22 16,-21 22-1,0-1 1,0 0-16,0 0 0,0 0 15,0 0-15,0 1 0,0-1 16,21-21 15,0 0-31,-21-21 0,0-1 16,22 22-16,-22-21 0,0 0 16,0 0-16,0 0 15,0 0-15,0-1 0,0 1 0,-22 0 16,1 0-16,21 0 0,0-22 0,-21 43 15,0-21-15,21 0 0,-21 21 16,0 0-16,-1 21 0,1 0 16,0 1-16,0-1 0,0 21 0,21 0 15,-21 1-15,-1-1 0,1-21 16,21 22-16,0-1 0,0 0 0,0-21 16,21 64-16,1-64 15,-1 0-15,0-21 0,0 22 0,21-22 16,-20 0-16,20 0 0,-21 21 15,0-21-15,22 0 0,-22 0 16,21 0-16,-21 0 0,0-21 0,1-1 16,-1 22-16,0-21 0,21-21 15,-42 21-15,21 0 0,-21-22 16,0 22-16,0 0 0,0-21 0</inkml:trace>
   <inkml:trace contextRef="#ctx0" brushRef="#br0" timeOffset="70719.45">12912 10224 0,'-22'0'0,"44"0"0,-65 0 0,22 0 16,0 0-1,21-22 17</inkml:trace>
-  <inkml:trace contextRef="#ctx0" brushRef="#br0" timeOffset="71330.44">14139 10287 0,'0'-21'15,"0"42"1,0 0-1,0 0-15,0 22 0,0-22 16,0 0-16,0 0 0,0 22 16,0-22-16,21 0 0,-21 0 0,0 21 15,0-20-15,0-1 0,0 0 16,0 0-16,0 0 16,0 0-16,0-42 31,0 0-16,0 0-15,22 0 0,-1 0 16,0-22-16,0 22 0,-21-21 0,21-1 16,0 1-16,1 0 0,-1-1 15,0 1-15,-21 21 0,21-21 16,0 20-16,-21 1 0,0 0 0,21 21 16,-21 21 15,0 0-31,0 1 0,0-1 0,0 0 15,0 0-15,0 0 0,0 0 16,0 1-16,0-1 0</inkml:trace>
+  <inkml:trace contextRef="#ctx0" brushRef="#br0" timeOffset="71330.43">14139 10287 0,'0'-21'15,"0"42"1,0 0-1,0 0-15,0 22 0,0-22 16,0 0-16,0 0 0,0 22 16,0-22-16,21 0 0,-21 0 0,0 21 15,0-20-15,0-1 0,0 0 16,0 0-16,0 0 16,0 0-16,0-42 31,0 0-16,0 0-15,22 0 0,-1 0 16,0-22-16,0 22 0,-21-21 0,21-1 16,0 1-16,1 0 0,-1-1 15,0 1-15,-21 21 0,21-21 16,0 20-16,-21 1 0,0 0 0,21 21 16,-21 21 15,0 0-31,0 1 0,0-1 0,0 0 15,0 0-15,0 0 0,0 0 16,0 1-16,0-1 0</inkml:trace>
   <inkml:trace contextRef="#ctx0" brushRef="#br0" timeOffset="72011.57">14668 10266 0,'0'-21'0,"0"42"0,-21-21 32,0 21-32,21 0 15,-21 0-15,0 1 0,0-1 0,-1 21 16,1 0-16,0-20 0,21 20 0,0-21 16,-21 21-16,21-20 0,0 20 15,0-21-15,0 0 0,0 0 0,21 1 16,-21-1-16,21-21 0,0 0 15,1 0-15,-1 0 0,0 0 16,21 0-16,-21 0 0,1 0 0,-1-21 16,42-1-16,-42 1 15,1 0-15,20 0 0,-21-21 0,0 20 16,0-20-16,-21 21 0,0-21 16,22-43-16,-22 43 0,0-1 15,0 22-15,-22-42 16,1 41-16,0 1 0,0 21 0,0 0 15,0-21-15,-22 21 0,22 0 0,0 0 16,0 0-16,-43 21 0,43 0 16,0 1-16,0-1 0,21 0 15,-21 0-15,21 0 0,0 0 16,0 1-16,0-1 0,0 0 16,0 0-16,21 0 15,0-21-15,0 0 0,0 0 0,0 21 16,1-21-16,20 0 0,-21 0 0,21 0 15,1-21-15,-1 0 0,0 21 16,1-21-16,-22 0 0,21 0 0,1-1 16,-1 1-16,-21 21 0,0-21 15,22 0-15,-22 21 16,-21 21 0,0 0-1,0 0-15,0 22 0,-21-22 0,21 0 16,-22 0-16,22 0 0,0 43 15,0-43-15,-21-21 0,21 21 16,0 0-16,0 1 16,0-44 15,0 1-15</inkml:trace>
-  <inkml:trace contextRef="#ctx0" brushRef="#br0" timeOffset="72194.46">15240 10118 0,'0'0'0,"-21"-21"16,0 21-16,-1 0 0,1 0 15,0 0-15,0 0 16,0 0-16,21 21 16,0 0-1,0 0-15,21-21 16,0 21-16,0-21 0,0 0 15,1 0-15,-1 21 0,0-21 0,0 22 16</inkml:trace>
+  <inkml:trace contextRef="#ctx0" brushRef="#br0" timeOffset="72194.45">15240 10118 0,'0'0'0,"-21"-21"16,0 21-16,-1 0 0,1 0 15,0 0-15,0 0 16,0 0-16,21 21 16,0 0-1,0 0-15,21-21 16,0 21-16,0-21 0,0 0 15,1 0-15,-1 21 0,0-21 0,0 22 16</inkml:trace>
   <inkml:trace contextRef="#ctx0" brushRef="#br0" timeOffset="72779.12">15875 10478 0,'0'-43'32,"-21"22"-32,21 0 0,-21 0 0,21 0 15,-22-1-15,22 1 0,-21 0 16,0 0-16,0 21 0,21-21 0,-21 0 16,0 21-16,-1-22 15,1 22-15,0 0 0,0 0 0,0 0 16,21 22-16,-43-1 0,22 0 0,0 0 15,0 21-15,0-20 16,0 20-16,-1 0 0,1 1 0,0-1 16,21 0-16,0 1 0,0-22 0,0 0 15,0 21-15,21-21 16,0 1-16,1-22 0,-1 0 0,0 0 16,0 0-16,21 0 0,-20 0 0,41-22 15,-42 1-15,22 0 16,-22 0-16,21 0 0,-21 0 0,0-22 15,1 1-15,-1 21 0,0-22 0,21-41 16,-21 20-16,1 22 16,-1 0-16,-21-1 0,21 1 0,0-64 15,-21 85-15,0-21 16,0 20-16,0 1 0,0 42 16,0 1-1,-21-1-15,21 0 0,-21 21 0,0-21 16,21 22-16,-22-1 0,22 0 15,0 1-15,0-1 0,0 0 16,0 1-16,0-1 0,0 22 0,0-43 16,0 21-16,0-21 0,0 0 15,0 1-15,0-1 16,22-21 0,-1 0-1,0 0-15,0 0 0</inkml:trace>
   <inkml:trace contextRef="#ctx0" brushRef="#br0" timeOffset="73518.33">17187 10351 0,'0'0'0,"0"-22"0,0 1 0,0 0 16,0 0-16,-21 0 15,0 0-15,0 21 16,0-22-16,-1 22 0,1 0 0,-21 0 16,21 0-16,0 0 0,-1 0 15,-20 22-15,21-1 0,0 0 0,0 0 16,-22 21-16,22-20 0,21 20 0,-21 21 16,0-20-16,21-22 15,0 21-15,0-21 0,0 22 16,21-22-16,-21 0 0,21 0 0,0 0 15,0-21-15,1 0 0,-1 0 16,0 0-16,21 0 0,-21 0 0,64-42 16,-64 21-16,0 0 15,1 0-15,20-1 0,-21-20 16,0 0-16,0-1 0,1-20 16,20-22-16,-21 22 0,0 20 15,0-20-15,1 21 0,-22-22 0,0 43 16,21-21-16,-21 20 0,0 1 15,0 0-15,0 42 16,-21 0-16,-1 1 0,1-1 16,0 21-16,0 0 0,0-20 0,0 20 15,-1 0-15,1 1 0,0-1 16,21 0-16,-21 1 0,21-1 0,0 0 16,0-21-16,0 22 0,0-22 15,0 0-15,0 0 0,21 0 0,0 1 16,0-22-16,1 0 0,-1 0 0,0 0 15,0 0-15,0 0 0,64-22 16,-43 1-16,-21 0 16,1 0-16,20-21 0,-21 20 0,0 1 15,0-21-15,1 21 0,-1 0 16,0-1-16,-21 1 0,0 0 0,0 42 16,0 0-1,0 1-15,-21-1 16,21 0-16,-21 0 0,-1 0 0,22 0 15,0 1-15,-21-1 0,21 0 16,-21 0-16,21 0 0,0 0 16,-21-21-16,21 22 0,0-1 15,0-42 17,21-1-32</inkml:trace>
   <inkml:trace contextRef="#ctx0" brushRef="#br0" timeOffset="73691.23">17801 10139 0,'0'0'0,"0"-21"0,-21 21 16,0 0 0,42 0 30,0 0-46,0 0 0,0 0 0</inkml:trace>
@@ -652,7 +869,7 @@
   <inkml:trace contextRef="#ctx0" brushRef="#br0">1990 1291 0,'0'0'0,"0"-21"0,0 0 0,0 0 0,21 0 15,-21-1-15,0 1 0,0-21 16,0 21-16,21-22 0,-21 22 15,0-21-15,0 21 0,0 0 0,0-1 16,0-20-16,0 21 16,0 0-16,0 0 0,-21 42 31,21 0-15,-21 0-16,21 21 0,-22-20 15,22 20-15,0 0 0,0 1 0,-21 20 16,0-21-16,0 1 0,21 20 15,-21-20-15,0 20 0,-1-21 0,1 22 16,21-22-16,-21 1 16,0 20-16,0-21 0,21 1 0,0-1 15,-21 0-15,21-20 0,0-1 16,0 0-16,0 0 0,0 0 0,0-42 47,0 0-47,0 0 0,0 0 0,0-1 15,0-20-15</inkml:trace>
   <inkml:trace contextRef="#ctx0" brushRef="#br0" timeOffset="329.81">1990 910 0,'0'0'0,"21"21"32,0 1-32,-21-1 15,0 21-15,0-21 0,21 22 0,-21-1 16,21 0-16,-21 1 0,0-1 0,0 0 16,0 1-16,0-1 15,0 0-15,0 1 0,0-1 0,0 0 16,0 1-16,0-22 0,0 21 15,0-21-15,0 22 0,0-22 0,0 0 16,0 0-16,0-42 47,0 0-47,0 0 16,0-1-16</inkml:trace>
   <inkml:trace contextRef="#ctx0" brushRef="#br0" timeOffset="517.7">1757 1588 0,'0'0'0,"-21"0"0,42 0 31,0 0-15,0-22-16,0 22 0,22 0 0,-22-21 15,0 0-15,21 21 0,-21-21 16,22 21-16,63-42 15,-85 20-15,0 22 16,21-21-16,-21 0 0</inkml:trace>
-  <inkml:trace contextRef="#ctx0" brushRef="#br0" timeOffset="1116.34">2688 1016 0,'0'-42'0,"0"84"0,0-105 0,0 41 0,0 1 15,0 0-15,-21 21 16,0 0-16,0 0 16,-1 21-16,22 0 15,-21 1-15,21 20 16,0-21-16,0 21 0,0 1 0,0-1 0,0 0 16,0 1-16,0-1 0,0 0 15,-21 64 1,21-63-16,0-22 0,0 21 15,0 0-15,0-20 0,0 20 16,0-21-16,0 0 0,0 0 0,0 1 16,-21-1-16,21-42 31,0-1-15,0 1-16,0 0 15,0 0-15,0 0 0,0 0 0,0-22 16,0 22-16,21 0 15,-21 0-15,21 0 0,22-1 0,-22 1 0,0 0 16,21 0-16,1 0 16,-22 0-16,21 21 0,0 0 0,1 0 15,-1 0-15,-21 0 0,22 0 16,-1 0-16,-21 21 0,0-21 0,0 21 16,1 0-16,-22 0 0,0 0 15,0 1-15,0-1 0,-22 0 16,1 21-16,0-21 0,-21 1 0,21 20 15,-22-21-15,1 0 0,0 0 0,-1 1 16,1-1-16,0 0 0,-1 0 16,1-21-16,21 0 0,-22 0 15,22 0-15,0 0 0,0 0 16,0 0-16,21-21 16,0 0-1,0 0-15,0-1 16,21 1-16,-21 0 0</inkml:trace>
+  <inkml:trace contextRef="#ctx0" brushRef="#br0" timeOffset="1116.33">2688 1016 0,'0'-42'0,"0"84"0,0-105 0,0 41 0,0 1 15,0 0-15,-21 21 16,0 0-16,0 0 16,-1 21-16,22 0 15,-21 1-15,21 20 16,0-21-16,0 21 0,0 1 0,0-1 0,0 0 16,0 1-16,0-1 0,0 0 15,-21 64 1,21-63-16,0-22 0,0 21 15,0 0-15,0-20 0,0 20 16,0-21-16,0 0 0,0 0 0,0 1 16,-21-1-16,21-42 31,0-1-15,0 1-16,0 0 15,0 0-15,0 0 0,0 0 0,0-22 16,0 22-16,21 0 15,-21 0-15,21 0 0,22-1 0,-22 1 0,0 0 16,21 0-16,1 0 16,-22 0-16,21 21 0,0 0 0,1 0 15,-1 0-15,-21 0 0,22 0 16,-1 0-16,-21 21 0,0-21 0,0 21 16,1 0-16,-22 0 0,0 0 15,0 1-15,0-1 0,-22 0 16,1 21-16,0-21 0,-21 1 0,21 20 15,-22-21-15,1 0 0,0 0 0,-1 1 16,1-1-16,0 0 0,-1 0 16,1-21-16,21 0 0,-22 0 15,22 0-15,0 0 0,0 0 16,0 0-16,21-21 16,0 0-1,0 0-15,0-1 16,21 1-16,-21 0 0</inkml:trace>
   <inkml:trace contextRef="#ctx0" brushRef="#br0" timeOffset="1745">3619 1376 0,'0'0'0,"22"0"0,-22-21 15,21 21-15,0-21 16,-21-1-16,21 1 0,-21 0 16,21 21-16,-21-21 0,0 0 15,0 0-15,0-1 0,-21 22 31,0 0-31,0 0 0,0 0 0,-22 0 16,22 22-16,-21-22 16,21 21-16,-22 0 0,22 0 0,-21 0 15,21 0-15,-1-21 0,1 22 16,0-1-16,0 0 0,21 0 16,0 0-16,0 0 0,0 1 15,21-1 1,0-21-16,0 0 15,1 0-15,-1 0 0,21 21 0,22-21 16,-22 0-16,0 21 16,-21-21-16,22 0 0,-1 21 15,-21-21-15,0 21 0,1-21 0,-1 22 16,-21-1-16,0 0 16,0 0-16,-21 0 0,-1 0 0,-20 1 15,0-1-15,-1 0 0,1 0 16,0 0-16,-22 0 0,22 1 0,0-1 15,-1-21-15,1 0 0,0 0 16,20 0-16,-20 0 0,21 0 0,0 0 16,0 0-16,-1 0 0,1-21 15,0 21-15,21-22 0,0 1 0,0 0 16,0 0-16,0 0 16,0 0-16,0-1 0,0 1 15,21 0-15,-21 0 0,21 0 16,1 0-16,-1-1 0,0 22 0,21-21 15</inkml:trace>
   <inkml:trace contextRef="#ctx0" brushRef="#br0" timeOffset="2140.77">4360 656 0,'0'0'0,"-21"0"31,0 21-31,21 1 16,-21-1-16,21 0 0,0 21 15,0 1-15,-21 20 0,21-21 0,-22 1 16,22 20-16,0 1 0,-21-22 15,0 22-15,0-22 0,21 21 0,-21-20 16,21-1-16,-21 0 16,21 1-16,-22-1 0,22 0 0,0-20 15,0 20-15,0-21 0,0 0 16,0 0-16,0 1 0,0-1 16,22-21-1,-1 0-15,0 0 0,0-21 16,0 21-16,0-22 0,1 1 15,-22 0-15,21 0 0,0 0 0,0-22 16,-21 22-16</inkml:trace>
   <inkml:trace contextRef="#ctx0" brushRef="#br0" timeOffset="2348.65">4106 1312 0,'0'0'0,"-21"0"0,42 0 47,0 0-47,1 0 0,-1 0 15,0 0-15,0 0 0,0 0 16,22 0-16,-22-21 0,0 21 0,0 0 16,21-21-16,-20 21 0,-1-21 15,0 21-15</inkml:trace>
@@ -671,7 +888,7 @@
   <inkml:trace contextRef="#ctx0" brushRef="#br0" timeOffset="9668.11">1355 3683 0,'0'-21'0,"0"0"16,0 0-1,0-1-15,21 1 16,-21 0-16,21 0 16,0 0-16,-21 0 0,0-1 0,21 1 15,-21 0-15,0 0 0,0 0 16,0 0-16,0-22 0,0 22 15,0 0-15,-21 0 0,0 0 0,0-1 16,-22 1-16,22 21 0,-21-21 16,0 21-16,-1 0 0,1 0 15,0 0-15,-1 21 0,1-21 0,0 21 16,-1 22-16,1-22 0,21 21 16,-22 1-16,22-1 0,0-21 0,0 21 15,0 1-15,21-1 0,0 0 16,0 1-16,0-22 0,0 0 15,21 21-15,0-20 0,0-1 0,0-21 16,1 21-16,-1-21 0,0 0 16,0 0-16,21 0 0,-20 0 15,20 0-15,-21-21 0,21 21 16,-20-21-16,20-1 0,-21 1 0,21 0 16,-20 0-16,20 0 0,-21 0 15,0-22-15,0 22 0,1 0 16,-22-21-16,0 20 0,21-20 15,-21 21-15,0 0 0,0 0 0,0-1 16,0 1-16,0 0 0,0 42 31,0 0-31,0 1 0,0-1 16,0 0-16,0 21 0,0-21 16,0 1-16,0-1 0,0 21 0,0-21 15,0 0-15,0 1 0,0-1 16,0 0-16,21-21 15,-21 21-15,21-21 16,0 0-16,0 0 0,1-21 16,-1 0-16,0 21 0,-21-21 15</inkml:trace>
   <inkml:trace contextRef="#ctx0" brushRef="#br0" timeOffset="10164.53">1714 3217 0,'-21'0'16,"0"0"0,21 22-16,-21-22 0,21 21 15,0 0-15,0 0 0,0 21 16,-21-20-16,21-1 0,0 21 0,0-21 16,0 0-16,-21 22 0,21-22 15,-22 0-15,22 0 0,0 0 16,-21 1-16,21-1 15,0-42 32,0-1-47,21 1 0,-21 0 0,22 0 16,-1 0-16,-21-22 0,21 22 16,0 0-16,-21-21 0,21 21 0,0-22 15,1 22-15,-1 0 0,0 0 16,0 0-16,0 21 0,0 0 0,1 0 15,-1 0-15,0 0 0,-21 21 16,0 0-16,21 0 0,-21 21 16,21-20-16,-21 41 15,0-42-15,0 0 0,0 1 0,0 20 16,0-21-16,0 21 16,0-20-16,0-1 15,0 0-15,21-21 31,-21-21-31,22 0 16,-1-1-16,-21 1 16,21 0-16,0 0 0,0 0 0</inkml:trace>
   <inkml:trace contextRef="#ctx0" brushRef="#br0" timeOffset="10924.57">2349 3154 0,'0'-21'16,"0"42"0,-21 0-16,21 0 0,-21 0 0,21 1 15,0 20-15,0-21 0,0 21 16,-21-20-16,21 20 0,0 0 0,0-21 16,0 1-16,0 20 0,0-21 15,0 0-15,0 0 0,0 1 0,21-22 16,-21 21-16,21-21 0,0 0 15,22 0-15,-22 0 0,21 0 0,-21 0 16,22-21-16,-1 21 16,-21-22-16,22 1 0,-1 0 0,-21 0 15,21 0-15,-20 0 0,-1-22 16,0 22-16,0 0 0,-21-21 0,0 20 16,21-20-16,-21 21 0,0 0 15,0-22-15,21 22 0,-21 0 0,0 0 16,0 0-1,0 42 17,0 0-32,0 0 0,0 0 15,0 1-15,0-1 0,0 21 0,0 0 16,0-20-16,0 20 0,0 0 16,0 1-16,0-1 0,0 0 0,0 1 15,0 20-15,0-21 0,0 1 16,0 20-16,0-20 0,0 20 0,0 1 15,0 20-15,0-20 0,0 20 16,0-20-16,0 21 0,0-22 0,0 22 16,0-1-16,0-20 0,0 21 15,0-1-15,0-20 0,0 20 0,0-20 16,-21-1-16,0-20 0,21 20 0,-21-20 16,0-22-16,0 21 15,-1-21-15,1 0 0,-21-21 0,21 22 16,-22-22-16,1 0 0,0 0 15,-1 0-15,1-22 0,-21 22 0,20-21 16,-20-21-16,20 0 0,1-1 16,0 1-16,-1-22 0,22 1 0,0-1 15,0-20-15,0 20 0,0-20 16,21-1-16,0 21 0,0-20 0,0-1 16,21 22-16,-21-1 0,42-21 15,-21 22-15,0-1 0,22 1 0,84-106 31,-85 126-31,0 1 0,1 0 0,-1-1 16,0 1-16,1 21 0,-1-22 0,-21 22 16,43-42-16,-43 42 15,0-1-15,0 1 0</inkml:trace>
-  <inkml:trace contextRef="#ctx0" brushRef="#br0" timeOffset="11940.36">3492 3620 0,'0'0'0,"22"0"0,-1 0 31,-21-22-15,21 1-16,-21 0 15,0 0-15,0 0 0,0 0 0,0-22 16,0 1-16,21 21 0,0-22 16,-21 1-16,0 0 0,21-1 0,1-20 15,-1 42-15,0-22 16,-21 22-16,21 21 0,0-21 0,0 21 16,1 0-1,-1 0 1,-21 21-16,21 0 15,-21 1 1,0-44 47,0 1-48,0 0-15,0 0 16,-21 21-16,0 0 15,-1 0-15,1 0 0,0 0 16,0 0-16,0 0 0,21 21 16,-21-21-16,-1 21 0,22 0 15,-21 1-15,21 20 0,0-21 0,-21 21 16,21 1-16,-21 41 16,21-41-16,0-22 0,0 21 0,0 1 15,0-22-15,0 21 0,0-21 16,21 0-16,0 1 0,0-1 0,1-21 15,20 21-15,-21-21 0,0 0 16,22 0-16,-22 0 0,0 0 0,21 0 16,-21 0-16,22-21 0,-22 21 15,21-21-15,-21-1 0,22 1 0,-22 0 16,21-42-16,-21 20 16,1 1-16,-1 0 0,0-1 15,0-20-15,0 20 0,-21 1 0,0 0 16,0-1-16,21-20 0,-21 21 15,0-1-15,0 22 0,0-21 0,0 21 16,0-22-16,0 22 16,-21 21-16,21 21 15,0 22-15,-21-22 0,21 21 16,0-21-16,0 22 0,0-1 16,0 0-16,0 1 0,0 20 0,0-21 15,0 1-15,0-1 0,0 0 16,0 1-16,0-22 0,0 21 0,0-21 15,0 22-15,21-22 0,-21 0 16,21-21-16,-21 21 0,22 0 16,-1-21-16,0 0 0,0 0 15,0 0-15,0 0 0,1 0 16,-1 0-16,21-21 0</inkml:trace>
+  <inkml:trace contextRef="#ctx0" brushRef="#br0" timeOffset="11940.35">3492 3620 0,'0'0'0,"22"0"0,-1 0 31,-21-22-15,21 1-16,-21 0 15,0 0-15,0 0 0,0 0 0,0-22 16,0 1-16,21 21 0,0-22 16,-21 1-16,0 0 0,21-1 0,1-20 15,-1 42-15,0-22 16,-21 22-16,21 21 0,0-21 0,0 21 16,1 0-1,-1 0 1,-21 21-16,21 0 15,-21 1 1,0-44 47,0 1-48,0 0-15,0 0 16,-21 21-16,0 0 15,-1 0-15,1 0 0,0 0 16,0 0-16,0 0 0,21 21 16,-21-21-16,-1 21 0,22 0 15,-21 1-15,21 20 0,0-21 0,-21 21 16,21 1-16,-21 41 16,21-41-16,0-22 0,0 21 0,0 1 15,0-22-15,0 21 0,0-21 16,21 0-16,0 1 0,0-1 0,1-21 15,20 21-15,-21-21 0,0 0 16,22 0-16,-22 0 0,0 0 0,21 0 16,-21 0-16,22-21 0,-22 21 15,21-21-15,-21-1 0,22 1 0,-22 0 16,21-42-16,-21 20 16,1 1-16,-1 0 0,0-1 15,0-20-15,0 20 0,-21 1 0,0 0 16,0-1-16,21-20 0,-21 21 15,0-1-15,0 22 0,0-21 0,0 21 16,0-22-16,0 22 16,-21 21-16,21 21 15,0 22-15,-21-22 0,21 21 16,0-21-16,0 22 0,0-1 16,0 0-16,0 1 0,0 20 0,0-21 15,0 1-15,0-1 0,0 0 16,0 1-16,0-22 0,0 21 0,0-21 15,0 22-15,21-22 0,-21 0 16,21-21-16,-21 21 0,22 0 16,-1-21-16,0 0 0,0 0 15,0 0-15,0 0 0,1 0 16,-1 0-16,21-21 0</inkml:trace>
   <inkml:trace contextRef="#ctx0" brushRef="#br0" timeOffset="12472.93">5101 3090 0,'0'-21'0,"0"42"0,-21-63 16,0 42-16,0 0 0,-1-21 16,1 21-16,0 0 0,0 0 0,-21 0 15,20 0-15,1 0 0,-21 21 16,21 0-16,0 0 0,-22 1 0,22-1 15,-21 42-15,21-20 16,-1-22-16,1 21 0,21 0 0,0 1 16,0-1-16,0-21 0,0 22 0,0-22 15,0 0-15,0 21 0,21-21 16,1 1-16,-1-1 16,0-21-16,0 0 0,21 0 15,-20 0-15,-1 0 0,0 0 0,0 0 0,21-21 16,-20-1-16,-1 1 0,0 0 15,0 0-15,0 0 0,0 0 16,1-22-16,-1 1 0,-21 21 0,21-22 16,0 1-16,-21 0 0,0-1 15,21 1-15,-21 21 0,21-21 0,-21 20 16,0 1-16,0 42 31,-21 1-31,21-1 0,-21 21 16,21-21-16,0 22 15,-21-1-15,21-21 0,0 21 0,0-20 16,0 20-16,0 21 0,0-41 16,0-1-16,0 0 0,21 0 15,0 0-15,0-21 0,1 21 16,-1-21-16,0 0 0,0 0 16,0 0-16,0 0 0,1 0 0,20-21 15,-21 0-15,0 0 0</inkml:trace>
   <inkml:trace contextRef="#ctx0" brushRef="#br0" timeOffset="12933.67">5800 3112 0,'0'0'0,"0"-22"0,0 1 32,-22 21-32,1 0 15,0 0-15,0 0 0,0 0 0,-22 0 16,22 21-16,0 1 0,0-1 15,0 0-15,0-21 0,21 21 0,0 0 16,-22 22-16,22-22 16,0 0-16,0 0 0,22 0 15,-1-21-15,0 0 16,21 0-16,-21 0 16,1 21-16,-1-21 0,21 0 15,-21 0-15,0 0 0,1 22 0,-1-22 16,0 21-16,0-21 0,-21 21 15,0 0-15,0 0 0,0 0 16,0 1-16,0-1 16,-21 0-16,-21-21 0,-1 21 15,1 0-15,21-21 0,-22 0 16,22 0-16,0 0 0,-21 0 16,21 0-16,-1 0 0,1 0 0,0 0 15,0 0-15,0 0 0,0 0 16,21-21-16,-22 0 15,22 0-15,0 0 16,0-1 0,0 1-16,0 0 0,22 0 15,-1 21 1</inkml:trace>
   <inkml:trace contextRef="#ctx0" brushRef="#br0" timeOffset="13416.39">6519 3048 0,'0'0'0,"0"-21"0,0 0 16,0 0-16,-21 21 31,0 0-31,0 0 0,0 0 0,-22 0 15,22 21-15,0 0 0,0-21 16,0 21-16,-1 0 0,1-21 0,21 21 16,-21 1-16,21-1 15,0 0-15,0 0 16,0 0-16,21-21 0,0 21 0,1-21 0,-1 22 16,0-22-16,0 0 0,0 21 15,22-21-15,-22 21 0,0 0 16,21-21-16,-21 21 0,1-21 15,-1 21-15,0 1 0,-21-1 16,0 0-16,0 0 16,0 0-16,-21-21 15,-22 21-15,22-21 0,-21 0 0,21 0 16,-22 0-16,1 0 0,21 0 16,0 0-16,-22 0 0,22 0 0,0 0 15,0 0-15,0 0 0,0 0 16,-1 0-16,22-21 15,0 0 1,-21 21-16,21-21 16</inkml:trace>
@@ -696,18 +913,18 @@
   <inkml:trace contextRef="#ctx0" brushRef="#br0" timeOffset="25824.98">6519 4530 0,'-42'21'0,"84"-42"0,-126 42 15,62-21-15,1 21 0,0-21 0,21 21 16,21-21-1,0 0-15,1 0 0,20 0 16,0 0-16,1 0 0,20 0 0,-21 0 16,22 0-16,-22-21 0,22 21 0,-1 0 15,-20-21-15,-1 21 0,0 0 16,-21-21-16,22 0 0,-22 21 0</inkml:trace>
   <inkml:trace contextRef="#ctx0" brushRef="#br0" timeOffset="26745.45">8742 4784 0,'-21'0'16,"42"0"-16,-64-21 0,1-1 0,21 1 15,21 0-15,-21 0 0,0 21 0,21-21 16,-22 0-16,22-1 0,0 1 16,0 42-1,0 1 1,0-1-16,0 0 0,0 0 16,0 21-16,0 1 0,0-22 15,0 21-15,0 1 0,0 20 16,0-21-16,0-20 0,0-1 15,0 0-15,-21 0 0,21 0 0,-21 0 16,0-21-16,0 0 31,21-21-31,0 0 0,0 0 16,0-21-16,0 20 16,0 1-16,0-21 0,0 21 0,21-43 15,0 22-15,-21 0 16,21 20-16,0-20 0,1 21 0,-1-21 15,21 20-15,-21 22 0,22-21 16,-22 21-16,21 0 0,0 0 16,-20 0-16,20 0 0,-21 21 0,21-21 15,-20 22-15,-1-1 0,0 21 0,0-21 16,-21 0-16,0 1 0,0 20 16,0-21-16,0 0 0,0 0 0,0 1 15,0-1-15,0 0 0,0 0 0,-21 0 16,0-21-16,0 0 15,21-21 1,0 0 0,0 0-16,0 0 0,0-1 15,21 1-15,0-21 0,0 21 16,0-22-16,0 22 0,1 0 16,-1-21-16,0 21 0,0-1 0,21 1 15,-20 0-15,-1 0 0,21 21 0,-21 0 16,0 0-16,1 0 0,-1 21 15,0 0-15,0 0 0,-21 1 0,21 20 16,-21-21-16,0 21 0,0-20 16,0 20-16,0-21 0,0 0 0,0 22 15,-21-22-15,0 0 0,21 0 0,-21 0 16,21 0-16,0-42 47,0 0-47,0 0 15</inkml:trace>
   <inkml:trace contextRef="#ctx0" brushRef="#br0" timeOffset="27121.24">9652 4720 0,'0'0'0,"21"0"15,0 0-15,0 0 0,1 0 0,20-21 0,-21 21 16,21-21-16,1 21 16,-22-21-16,21 21 0,1-21 0,-22 21 15,21-22-15,-21 1 0,0 0 0,1 0 16,-22 0-16,0 0 16,0-1-16,0 1 0,-22 21 0,1 0 15,0 0-15,-21 0 16,21 0-16,-64 21 0,43 1 0,-1-1 15,1 0-15,0 21 0,20-21 0,-20 22 16,21-1-16,0-21 16,0 22-16,-1-1 0,22-21 0,0 21 15,0-20-15,0-1 0,0 0 0,22 0 16,-1 0-16,0 0 0,21-21 16,-21 0-16,22 0 0,-1 0 0,0 0 15,1 0-15,20 0 0,-20-21 0,-1 0 16,21 0-16,-20 0 0,-1 0 15</inkml:trace>
-  <inkml:trace contextRef="#ctx0" brushRef="#br0" timeOffset="27376.11">10710 4149 0,'0'0'0,"0"-21"15,-63 21 1,42 21-16,-1 0 15,1 21-15,0 1 0,21-1 0,-21 0 16,0 22-16,0-22 0,21 0 0,0 1 16,-22 20-16,22-20 0,-21-1 15,21 0-15,0 1 0,0-22 0,0 21 16,0-21-16,0 0 0,0 1 0,0-1 16,0 0-16,21-21 15,1 0-15,-1 0 16,0-21-16,0 0 0,0-1 15,0 1-15</inkml:trace>
+  <inkml:trace contextRef="#ctx0" brushRef="#br0" timeOffset="27376.1">10710 4149 0,'0'0'0,"0"-21"15,-63 21 1,42 21-16,-1 0 15,1 21-15,0 1 0,21-1 0,-21 0 16,0 22-16,0-22 0,21 0 0,0 1 16,-22 20-16,22-20 0,-21-1 15,21 0-15,0 1 0,0-22 0,0 21 16,0-21-16,0 0 0,0 1 0,0-1 16,0 0-16,21-21 15,1 0-15,-1 0 16,0-21-16,0 0 0,0-1 15,0 1-15</inkml:trace>
   <inkml:trace contextRef="#ctx0" brushRef="#br0" timeOffset="27807.87">10985 4106 0,'0'43'16,"0"-86"-16,0 107 0,0-22 0,-21 1 15,21-1-15,-21 0 0,21 1 0,-21-1 16,21 0-16,0 1 0,-21-1 0,0 0 16,21-21-16,-22 22 0,22-22 15,0 21-15,0-21 0,0 1 16,-21-1-16,21 0 0,0 0 16,0-42-1,0 0 1,0 0-16,21-1 0,1 1 15,-1 0-15,0-21 0,0 21 16,43-43-16,-22 43 0,-21 0 16,21 0-16,-20-1 0,20 22 0,-21 0 15,0 0-15,0 0 0,1 0 16,-22 22-16,0-1 0,0 0 0,0 0 16,0 21-1,0-20-15,0-1 0,0 0 0,0 0 16,0 0-16,0 0 0,0 1 0,0-1 15,-22 0-15,1-21 0,21 21 16,-21-21-16,0 0 0,0 0 16,0 0-16,-1 0 15,1-21-15,0 21 16</inkml:trace>
   <inkml:trace contextRef="#ctx0" brushRef="#br0" timeOffset="27980.43">10520 4360 0,'0'0'0,"-21"0"31,42 0-15,0 0-16,0 0 16,21 0-16,-20 0 0,20 0 0,0 0 15,1 0-15,-1 0 0,21 0 16</inkml:trace>
   <inkml:trace contextRef="#ctx0" brushRef="#br0" timeOffset="28364.04">11599 4382 0,'0'0'0,"-21"21"0,-85 85 31,85-85-31,0 0 0,0 21 0,0-21 0,-1 1 16,22 20-16,0-21 0,-21 43 16,21-43-16,0 0 15,21 0-15,22 0 16,-22-21-16,0 0 0,0 0 16,22 0-16,-22 0 0,21 0 0,0-21 15,-20 21-15,20-21 0,-21 0 16,21 0-16,-20-1 0,-1 1 0,0 0 15,0 0-15,-21-21 0,0 20 16,0-20-16,0 21 0,0 0 16,-21 0-16,0-1 0,0 1 0,-22 0 15,22 21-15,-21 0 0,21 0 16,-22 0-16,1 0 0,21 0 0,0 0 16,-1 21-16,1-21 0,0 21 0,21 1 15</inkml:trace>
   <inkml:trace contextRef="#ctx0" brushRef="#br0" timeOffset="28881.74">12340 4424 0,'-21'0'0,"-106"0"16,106 0 0,-22 21-16,22-21 0,-21 21 15,21 0-15,-22 1 0,22 20 0,0-21 16,-21 21-16,21-20 0,-1 20 16,1-21-16,21 21 0,0-20 0,0 20 15,0-21-15,0 0 0,21 0 0,1 1 16,20-1-16,-21-21 0,0 0 15,22 0-15,-22 0 0,21 0 0,-21 0 16,22 0-16,-1-21 0,-21 21 0,21-22 16,1 1-16,-22-21 0,21 21 15,-21 0-15,22-22 0,-22 22 0,0-21 16,0-1-16,0 1 0,1 0 16,-1-1-16,0-20 0,0-1 15,0 22-15,-21-21 0,0 20 0,0-20 16,0 20-16,0 22 0,0-21 15,-21 63 1,21 0-16,-21 22 0,0-1 16,0 21-16,-1-20 0,1 20 0,0-20 15,0 20-15,0-21 0,0 22 0,21-22 16,-22 1-16,22 20 0,0-21 16,0-20-16,0 20 0,22-21 15,-1 21-15,-21-20 0,42-1 0,-21 0 16,0-21-16,22 0 0,-22 21 0,64-21 15,-43 0-15</inkml:trace>
   <inkml:trace contextRef="#ctx0" brushRef="#br0" timeOffset="29588.35">13991 4741 0,'0'22'31,"21"-22"-15,0-22-16,1 1 0,-1 0 16,0 21-16,0-21 0,0 0 15,0 0-15,1-1 0,-22 1 16,0 0-16,0 0 0,0 0 0,0 0 16,0-1-16,0 1 15,0 0-15,-22 0 0,1 0 0,0 0 16,0 21-16,-21 0 0,-1 0 0,22 0 15,-21 0-15,-1 0 0,1 21 16,0 21-16,21-21 0,-22 22 16,22-1-16,0 0 0,0 1 0,21-1 15,0 0-15,-21-21 0,21 22 0,0-1 16,0 0-16,0-20 0,0-1 0,0 0 16,21 0-16,0-21 0,0 0 15,0 0-15,0 0 0,22 0 16,-1 0-16,-21-21 0,22 21 0,-1-21 15,0 0-15,1-22 0,-1 22 0,0 0 16,1-21-16,-22 20 0,0-20 16,0 21-16,0-21 0,0 20 15,1-62-15,-22 63 0,0-1 16,0 1-16,0 0 0,0 0 0,-22 42 31,1 0-31,21 0 0,-21 22 16,21-22-16,0 21 0,-21-21 0,21 22 15,0-22-15,0 21 0,0-21 0,0 1 16,0 20-16,0-21 0,0 0 0,21 0 16,0-21-16,22 22 15,-22-22-15,0 0 0,0 0 16,0 0-16,0 0 0,1 0 0,20-22 16,-21 1-16,0 0 0,0 0 15</inkml:trace>
   <inkml:trace contextRef="#ctx0" brushRef="#br0" timeOffset="30020.56">14711 4424 0,'0'42'31,"0"1"-31,0-22 0,-21 0 16,21 0-16,-22 43 0,22-43 15,0 0-15,-21 21 0,0-21 16,21 1-16,-21-1 0,21 0 0,0 0 15,0 0-15,-21-21 16,21 21-16,-21-42 31,21 0-31,0 0 16,0 0-16,0 0 0,21-1 0,0 1 16,0-21-16,0 21 0,0-22 0,1 22 15,20-21-15,-21 21 0,21-22 16,1 22-16,-1 0 0,0 21 15,1 0-15,-1 0 0,0 0 0,1 0 16,-22 21-16,0 0 0,0 1 16,0 20-16,-21-21 0,0 21 0,0 1 15,0-22-15,0 21 0,-21-21 16,0 22-16,-21-1 0,21-21 16,-1 0-16,1 1 0,0-22 0,21 21 15,21-21 16,0 0-31,1-21 0,-1 21 0,21-22 16,0 1-16</inkml:trace>
-  <inkml:trace contextRef="#ctx0" brushRef="#br0" timeOffset="30508.11">16002 4466 0,'0'0'0,"-21"0"0,21-21 0,-21 21 0,-1-21 16,-20 0-16,21 21 0,0-21 0,-22 21 16,22 0-16,0 0 0,-21 0 15,21 0-15,-1 21 0,-20 0 0,21 0 16,0 0-16,0 22 0,-22-22 16,22 21-16,0-21 0,0 22 0,0-22 15,21 21-15,0-21 0,0 22 16,0-22-16,0 0 0,0 0 15,0 0-15,21 0 0,21 1 16,-21-22-16,0 0 0,22 0 0,-22 0 16,21 0-16,-21 0 0,22-22 15,-22 1-15,21 0 0,-21 0 0,22 0 16,-22 0-16,0-22 0,21 22 16,-20-21-16,20-1 0,-21 1 0,0 0 15,0-1-15,22 1 0,-22-21 0,0-1 16,0 22-16,-21-22 15,21 22-15,-21-22 0,22 43 0,-22-21 0,0 21 16,0 0-16,0 42 16,-22 21-16,1 0 15,0 1-15,0-1 0,0 22 0,0-22 16,21 0-16,-22 22 0,1-22 16,0 0-16,21 43 0,0-43 15,0-20-15,0 20 0,0-21 0,0 0 16,0 0-16,21-21 0,0 22 15,1-22-15,-1 0 0</inkml:trace>
+  <inkml:trace contextRef="#ctx0" brushRef="#br0" timeOffset="30508.1">16002 4466 0,'0'0'0,"-21"0"0,21-21 0,-21 21 0,-1-21 16,-20 0-16,21 21 0,0-21 0,-22 21 16,22 0-16,0 0 0,-21 0 15,21 0-15,-1 21 0,-20 0 0,21 0 16,0 0-16,0 22 0,-22-22 16,22 21-16,0-21 0,0 22 0,0-22 15,21 21-15,0-21 0,0 22 16,0-22-16,0 0 0,0 0 15,0 0-15,21 0 0,21 1 16,-21-22-16,0 0 0,22 0 0,-22 0 16,21 0-16,-21 0 0,22-22 15,-22 1-15,21 0 0,-21 0 0,22 0 16,-22 0-16,0-22 0,21 22 16,-20-21-16,20-1 0,-21 1 0,0 0 15,0-1-15,22 1 0,-22-21 0,0-1 16,0 22-16,-21-22 15,21 22-15,-21-22 0,22 43 0,-22-21 0,0 21 16,0 0-16,0 42 16,-22 21-16,1 0 15,0 1-15,0-1 0,0 22 0,0-22 16,21 0-16,-22 22 0,1-22 16,0 0-16,21 43 0,0-43 15,0-20-15,0 20 0,0-21 0,0 0 16,0 0-16,21-21 0,0 22 15,1-22-15,-1 0 0</inkml:trace>
   <inkml:trace contextRef="#ctx0" brushRef="#br0" timeOffset="31168.74">17589 4487 0,'22'0'0,"-44"0"0,65 0 15,20 0 1,-42 0-16,1-21 0,-1 0 16,0 21-16,0-21 0,-21 0 15,0 0-15,0-1 0,0 1 0,0 0 16,0 0-16,0-21 0,-21 20 16,0 1-16,-64-42 15,43 63-15,-1 0 0,-41 21 16,41 0-16,1 0 15,0 0-15,-1 22 0,22-22 0,-21 21 16,21 1-16,0-1 0,-1 0 0,22-21 16,0 22-16,0-22 0,0 0 15,0 0-15,0 0 0,0 1 0,22-1 16,41-21-16,-42 21 16,0-21-16,22 0 0,-1 0 0,0 0 15,-20 0-15,20-21 0,0 0 0,-21 21 16,22-22-16,-22 1 0,0 0 15,0 0-15,0-21 0,1 20 0,-1 1 16,-21-21-16,0 0 0,0 20 16,21-20-16,-21 21 0,0 0 15,0 0-15,0 42 16,0 0-16,0 0 16,-21 0-16,21 22 0,0-22 0,0 21 15,0-21-15,0 22 0,0-22 0,0 0 16,0 21-16,0-21 0,0 1 15,0-1-15,21 0 0,0-21 16,0 0-16,0 0 16,1 0-16,-1 0 0,0 0 0,0 0 15</inkml:trace>
   <inkml:trace contextRef="#ctx0" brushRef="#br0" timeOffset="31657.45">18309 3874 0,'0'-22'0,"0"44"0,-21-22 31,21 21-31,-21 21 0,0 0 0,-1 1 16,1-1-16,21 22 0,-21-22 0,0 21 16,0-20-16,0-1 0,21 43 15,-22-43-15,1 22 16,21-43-16,-21 0 0,21 0 15,0 0-15,0 0 0,0-42 47,0 0-47,0 0 0,21 21 0,0-42 16,1 20-16,-1 1 0,0 0 16,0-21-16,21 21 0,-20-22 0,20 22 15,0 0-15,22-21 16,-43 42-16,21 0 0,-21 0 0,1 0 15,-1 21-15,0 0 0,0 0 0,-21 0 16,21 0-16,-21 1 16,21 20-16,-21-21 0,0 21 15,0-20-15,-21-1 0,0 0 16,0 0-16,-21 0 0,20-21 0,-20 21 16,21 1-16,-21-22 0,-1 0 0,22 0 15,-21 0-15,21 0 0,-22 0 0,22 0 16,0 0-16,0 0 0,0 0 15,21-22-15,0 1 16,0 0-16,21 0 16,0 0-16</inkml:trace>
   <inkml:trace contextRef="#ctx0" brushRef="#br0" timeOffset="32068.25">19219 4170 0,'0'0'0,"0"-21"0,-21 21 15,0 0-15,-21 0 0,20 0 0,1 0 16,-21 0-16,21 0 0,-22 0 16,22 21-16,0-21 0,-21 21 0,21 0 15,21 0-15,-22 1 16,22-1-16,0 0 15,22-21-15,-1 0 0,0 21 16,0-21-16,21 21 0,-20-21 16,20 21-16,-21 1 0,0-1 0,22 0 15,-22 0-15,0 0 0,0 0 16,-21 1-16,0-1 0,0 0 0,0 0 16,0 0-16,-21 0 0,0 1 15,0-22-15,-22 0 0,22 21 16,-42-21-16,20 0 0,1 0 15,21 0-15,-22 0 0,22 0 16,0 0-16,-21 0 0,21-21 16,21-1-16,0 1 15,21 0-15,0 0 16,0 0-16,0 0 0</inkml:trace>
-  <inkml:trace contextRef="#ctx0" brushRef="#br0" timeOffset="32321.11">19706 3852 0,'0'0'0,"-21"22"16,0 20-16,0 21 0,-1-20 15,1 20-15,-21-20 0,0 62 16,20-41-16,1-22 0,21 1 15,0-1-15,-21-21 0,21 21 0,0-20 16,0-1-16,0 0 0,0 0 0,0 0 16,21-21-16,-21 21 15,21-21-15,1 0 0,-1 0 0,0 0 16,0-21-16,-21 0 0</inkml:trace>
+  <inkml:trace contextRef="#ctx0" brushRef="#br0" timeOffset="32321.1">19706 3852 0,'0'0'0,"-21"22"16,0 20-16,0 21 0,-1-20 15,1 20-15,-21-20 0,0 62 16,20-41-16,1-22 0,21 1 15,0-1-15,-21-21 0,21 21 0,0-20 16,0-1-16,0 0 0,0 0 0,0 0 16,21-21-16,-21 21 15,21-21-15,1 0 0,-1 0 0,0 0 16,0-21-16,-21 0 0</inkml:trace>
   <inkml:trace contextRef="#ctx0" brushRef="#br0" timeOffset="32484.02">19262 4318 0,'0'0'0,"-22"0"0,44 0 31,-1 0-31,0 0 0,0 0 16,0 0-16,22 0 0,-1 0 0,0 0 15,1 0-15,-1 0 0,0-21 16,1 21-16</inkml:trace>
   <inkml:trace contextRef="#ctx0" brushRef="#br0" timeOffset="32868.53">19897 4297 0,'0'0'0,"-43"-64"15,43 43 1,0 0-16,21 21 15,1 0-15,-1 0 0,21 0 16,-21 0-16,0 0 0,1 0 16,-1 21-16,0 0 0,0 1 0,0-1 15,0 0-15,-21 21 0,0-21 16,22 22-16,-22-22 0,0 0 0,0 43 16,0-43-16,0 0 15,0 0-15,-22 0 16,1-21-16,0 21 15,0-21-15,0 0 16,0 0-16,21-21 16,0 0-16,0 0 0,0 0 15,0 0-15,21-1 0,0 1 0,0 0 16,0-21-16,0 21 0,1-22 16,20 22-16,0-21 0,-21 21 0,22-1 15,-1 1-15,0 0 0,22 0 16,-22 21-16,1 0 15</inkml:trace>
   <inkml:trace contextRef="#ctx0" brushRef="#br0" timeOffset="33360.07">20807 4276 0,'0'0'0,"0"-21"15,0-1-15,0 1 0,-21 0 0,-1 0 16,1 21-16,0-21 16,0 0-16,0 21 0,0 0 0,-1 0 15,1 0-15,-21 0 0,21 21 0,0 21 16,-22-21-16,22 0 0,0 22 16,-21-1-16,20-21 0,1 22 0,0-1 15,0-21-15,21 21 0,0-20 16,0-1-16,0 0 0,0 0 0,0 0 15,21 0-15,0 1 0,0-22 0,1 0 16,20 0-16,64 0 16,-64 0-16,0 0 0,1 0 15,-22-22-15,21 1 0,1 21 0,-22-21 16,0 0-16,0 0 16,21-22-16,-42 22 0,22 0 0,-1-21 15,-21 21-15,0-1 0,0 1 16,-21 21-1,-1 21-15,1 1 0,0-1 16,21 0-16,-21 0 0,21 0 16,-21 0-16,21 1 0,0-1 0,0 0 15,0 0-15,0 0 0,0 0 16,0 1-16,0-1 0,42 0 16,-21-21-16,0 0 0,1 0 0,-1 0 15,21 0-15,-21 0 0,22 0 0,-22 0 16</inkml:trace>
@@ -715,21 +932,21 @@
   <inkml:trace contextRef="#ctx0" brushRef="#br0" timeOffset="33860.58">21929 3725 0,'0'-21'16,"0"42"-16,0-63 0,-22 42 16,1 21-16,-21 0 15,21 1-15,0 20 0,-1 0 16,-20-21-16,21 43 0,0-22 0,0 22 15,-1-22-15,22 22 0,0-22 16,-21 21-16,21 43 0,0-63 16,0-1-16,0-21 0,0 21 0,0-20 15,0 20-15,0-21 0,0 0 16,21-21-16,-21 21 0,22-21 16,-1 0-16,0 0 0,0 0 15,0 0-15,0-21 0,1 21 0,-1-21 16,0 0-16</inkml:trace>
   <inkml:trace contextRef="#ctx0" brushRef="#br0" timeOffset="34048.48">21526 4128 0,'0'0'0,"0"21"0,0 0 0,0 0 16,22-21-16,-1 0 15,21 0-15,-21 0 0,22 0 16,-1 0-16,0 0 0,1 0 16,-22-21-16,21 0 0,0 21 15,1-21-15,-1-1 0</inkml:trace>
   <inkml:trace contextRef="#ctx0" brushRef="#br0" timeOffset="35004.92">22881 4106 0,'0'0'0,"-21"-21"32,0 42-32,21 1 15,0 20-15,0-21 0,0 0 16,0 0-16,-21 22 0,21-22 15,-22 0-15,22 0 0,0 0 0,0 1 16,0-1 0,-21-21-16,0 0 0,0 0 15,0 0 1,21-21 0,-21-1-16,21 1 0,0 0 15,0 0-15,0 0 0,0-22 16,21 22-16,0-21 0,0 21 0,0-22 15,22 1-15,-22 21 0,21-21 16,0 20-16,1 1 0,-1 0 0,0 21 16,22 0-16,-22 0 0,-21 21 15,1 0-15,-1 22 0,21 20 16,-42-20-16,21-22 0,-21 21 16,0 0-16,0-20 0,0 20 15,0-21-15,0 0 0,0 0 16,0 1-16,-21-22 0,21 21 15,-21 0-15,0-21 16,21-21 0,0 0-1,0-1-15,0 1 0,0 0 16,21 0-16,0-21 0,0 20 16,0-20-16,1 21 0,20-21 0,-21-1 15,21 22-15,1-21 16,-1 21-16,0-1 0,1 1 0,-1 0 15,-21 21-15,22 0 0,-22 21 0,0-21 0,0 43 16,-21-22-16,0 21 16,0-21-16,0 22 0,0-1 0,-21-21 15,-21 43-15,20-43 16,1 0-16,0 0 0,0 0 0,21 0 16,-21 1-16,0-22 0,21 21 15,0-42 16,21-1-31</inkml:trace>
-  <inkml:trace contextRef="#ctx0" brushRef="#br0" timeOffset="35341.12">23812 4128 0,'22'0'16,"-1"0"-16,0-22 15,0 22-15,0-21 16,0 21-16,1 0 0,20-21 16,-21 21-16,-21-21 0,21 0 15,-21 0-15,0-1 16,-21 22 0,0 0-1,0 0-15,0 0 0,-1 22 0,-20-1 0,21 21 16,0-21-16,0 0 15,-1 22-15,1-22 0,0 0 0,21 21 16,-21-20-16,21-1 0,0 0 0,0 0 16,0 0-16,0 0 15,21-21-15,0 0 16,0 0-16,1 0 0,-1 0 16,21 0-16,-21 0 0,0-21 0,1 0 15</inkml:trace>
-  <inkml:trace contextRef="#ctx0" brushRef="#br0" timeOffset="35609.16">24426 3556 0,'-63'21'16,"42"-21"-1,21 43-15,-22-22 0,1 0 0,0 21 16,0 1-16,21-1 0,-21 0 0,0 1 15,-1-1-15,22 0 16,0 1-16,0-1 0,-21 0 0,21-21 16,0 22-16,0-1 0,0-21 15,0 22-15,0-22 0,0 0 0,0 0 16,0 0-16,21-21 31,1 0-31,-1 0 0,0-21 16,-21 0-16</inkml:trace>
+  <inkml:trace contextRef="#ctx0" brushRef="#br0" timeOffset="35341.11">23812 4128 0,'22'0'16,"-1"0"-16,0-22 15,0 22-15,0-21 16,0 21-16,1 0 0,20-21 16,-21 21-16,-21-21 0,21 0 15,-21 0-15,0-1 16,-21 22 0,0 0-1,0 0-15,0 0 0,-1 22 0,-20-1 0,21 21 16,0-21-16,0 0 15,-1 22-15,1-22 0,0 0 0,21 21 16,-21-20-16,21-1 0,0 0 0,0 0 16,0 0-16,0 0 15,21-21-15,0 0 16,0 0-16,1 0 0,-1 0 16,21 0-16,-21 0 0,0-21 0,1 0 15</inkml:trace>
+  <inkml:trace contextRef="#ctx0" brushRef="#br0" timeOffset="35609.15">24426 3556 0,'-63'21'16,"42"-21"-1,21 43-15,-22-22 0,1 0 0,0 21 16,0 1-16,21-1 0,-21 0 0,0 1 15,-1-1-15,22 0 16,0 1-16,0-1 0,-21 0 0,21-21 16,0 22-16,0-1 0,0-21 15,0 22-15,0-22 0,0 0 0,0 0 16,0 0-16,21-21 31,1 0-31,-1 0 0,0-21 16,-21 0-16</inkml:trace>
   <inkml:trace contextRef="#ctx0" brushRef="#br0" timeOffset="36063.9">24701 3598 0,'-42'127'31,"21"-84"-31,0-1 15,0 0-15,-1 1 0,1 41 16,0-20-16,0-22 0,0 1 16,0-1-16,-1-21 0,22 21 0,0-20 15,-21 20-15,0-21 0,21 0 0,-21 0 16,21 1 0,0-44 15,0 1-31,0 0 0,21 0 15,0 0-15,-21-22 0,21 22 16,1 0-16,20-21 0,-21 21 16,0-1-16,22 1 0,-1 0 0,-21 0 15,21 0-15,1 21 0,-1 0 16,-21 21-16,0 0 0,-21 0 16,0 22-16,0-22 15,0 0-15,0 0 0,0 21 0,0-20 16,-21-1-16,0 0 0,0 0 15,21 0-15,-21-21 0,0 21 16,-1-21 0</inkml:trace>
   <inkml:trace contextRef="#ctx0" brushRef="#br0" timeOffset="36409.97">24998 4064 0,'0'0'15,"-21"21"-15,-1 0 0,-20-21 0,21 22 16,0-1-16,0 0 0,-1 0 16,1 21-16,0-42 0,0 22 15,21 20-15,0-21 0,0 0 16,21-21-1,0 0 1,0 0-16,1 0 0,-1 0 0,0 0 16,0-21-16,0 0 15,0 21-15,-21-21 0,0 0 0,22-1 16,-22-20-16,21 21 0,-21 0 16,0 0-16,0-1 0,0 1 0,0 0 15,-21 21-15,-1 0 16,1 0-1,21 21-15,0 0 16,0 1-16</inkml:trace>
   <inkml:trace contextRef="#ctx0" brushRef="#br0" timeOffset="36915.68">25273 4149 0,'0'0'0,"-21"-21"0,-64 21 31,64 0-31,0 21 0,-22-21 16,22 21-16,0 0 0,0 0 16,0 0-16,21 1 0,-21-1 0,21 0 15,-22 0-15,22 0 0,0 0 16,0 1-16,0-1 15,22-21-15,-1 0 0,0 21 16,0-21-16,0 0 0,0 0 16,1 0-16,-1-21 0,0 21 15,0-43-15,21 1 16,-20 21-16,-22-21 0,21 20 16,-21-41-16,21 21 0,0-1 15,-21 1-15,21 0 0,-21-22 16,21 22-16,-21-1 0,22-20 15,-22 42-15,0 0 0,0-1 0,0 44 32,-22-1-32,1 0 0,21 21 15,-21-21-15,0 22 16,0-1-16,21 0 0,-21 1 0,-1-1 0,1 0 16,21-20-16,-21 20 0,21 0 15,-21 1-15,21-22 0,0 63 16,0-62-1,0-1-15,21-21 0,0 0 16,0 0-16,1 0 0,-1 0 16,0 0-16,0 0 0</inkml:trace>
   <inkml:trace contextRef="#ctx0" brushRef="#br0" timeOffset="37176.89">23749 3895 0,'127'0'31,"-85"0"-31,22 0 0,-22 0 0,64 0 16,-64 0-16,1 0 16,-1 0-16,0 0 0,1 0 0,-22 0 15</inkml:trace>
-  <inkml:trace contextRef="#ctx0" brushRef="#br1" timeOffset="51560.69">3492 6287 0,'0'0'0,"0"-22"16,0 1-16,0 0 0,0 0 16,0 0-16,0 0 0,0-1 0,0 1 15,0 0-15,0 0 0,0 0 16,0 42 15,0 0-31,0 0 16,-21 0-16,21 22 0,0-22 15,0 21-15,0 22 0,0-22 0,0 22 16,0-22-16,-21 21 0,21 1 0,0-1 16,-21-20-16,21 20 0,-21-20 15,21 20-15,0-21 0,0 1 0,-21-1 16,21 0-16,-22 1 0,1-1 15,21-21-15,0 43 16,0-43-16,0 0 0,-21-21 0,21-21 31,0 0-31,0 0 16</inkml:trace>
+  <inkml:trace contextRef="#ctx0" brushRef="#br1" timeOffset="51560.68">3492 6287 0,'0'0'0,"0"-22"16,0 1-16,0 0 0,0 0 16,0 0-16,0 0 0,0-1 0,0 1 15,0 0-15,0 0 0,0 0 16,0 42 15,0 0-31,0 0 16,-21 0-16,21 22 0,0-22 15,0 21-15,0 22 0,0-22 0,0 22 16,0-22-16,-21 21 0,21 1 0,0-1 16,-21-20-16,21 20 0,-21-20 15,21 20-15,0-21 0,0 1 0,-21-1 16,21 0-16,-22 1 0,1-1 15,21-21-15,0 43 16,0-43-16,0 0 0,-21-21 0,21-21 31,0 0-31,0 0 16</inkml:trace>
   <inkml:trace contextRef="#ctx0" brushRef="#br1" timeOffset="51956.46">3260 6244 0,'0'0'16,"-22"-21"-16,22 0 0,-21 0 0,0 0 16,21-1-16,0 1 0,0 0 15,0 0-15,0 0 16,21 0-16,0-1 0,22 22 15,-22-21-15,21 0 0,1 21 0,-1 0 16,0-21-16,1 21 0,-1 0 16,0 0-16,1 21 0,-1 0 0,0 0 15,-21 1-15,22-1 0,-43 0 0,0 21 16,0-21-16,0 22 0,0-22 16,-21 21-16,-1-21 0,-20 22 0,0-22 15,-1 21-15,1-21 16,0 1-16,-1-1 0,1 0 0,0 0 15,21 0-15,-22-21 0,22 0 0,0 0 16,21-21 15,21 21-31,0-21 16,0 21-16,1-21 0,-22 0 0,21 21 16,0-22-16</inkml:trace>
   <inkml:trace contextRef="#ctx0" brushRef="#br1" timeOffset="52420.2">3937 6054 0,'0'0'0,"0"21"15,0 0-15,0 0 0,0 0 0,0 1 16,0-1-16,-21 63 15,21-62-15,0-1 0,-21 21 16,21-21-16,0 0 0,0 1 0,0-1 16,0 0-16,0 0 15,21-21-15,0 0 0,0 0 0,0 0 16,0 0-16,1 0 0,-1 0 0,0-21 16,0 0-16,0 21 0,0-21 15,-21-1-15,43 1 0,-43 0 16,21 0-16,0 0 0,0-22 15,0 22-15,-21 0 0,0 0 16,22-21-16,-22 20 0,0 1 0,0 0 0,0 0 16,0 0-16,-22 42 31,22 0-15,0 0-16,-21 0 0,0 22 0,21-22 15,-21 21-15,21-21 0,0 22 16,0-22-16,0 21 0,0-21 15,0 1-15,0-1 0,0 0 0,0 0 0,21-21 32,0 0-32,0 0 0,1 0 15,-1-21-15</inkml:trace>
   <inkml:trace contextRef="#ctx0" brushRef="#br1" timeOffset="52980.88">4635 5842 0,'0'0'0,"0"42"15,0-20-15,0 20 0,0 0 0,0 1 16,0-22-16,0 21 0,0-21 0,0 22 15,-21-22-15,21 21 16,0-21-16,-21 0 0,21 1 0,-21 20 16,0-42-1,0 0-15,21-21 32,0 0-17,0-1-15,0 1 0,21 0 16,0 0-16,0 0 0,21 0 15,-20-1-15,-1 22 0,21-21 16,-21 0-16,22 21 0,-22 0 0,21 0 0,-21 0 16,22 0-16,-22 0 0,21 0 15,-21 0-15,0 0 0,1 21 0,-1 0 16,-21 1-16,0-1 16,0 0-16,0 21 0,0-21 0,-21 1 15,-1-1-15,-20 0 0,21 0 16,-21 0-16,-1 0 0,22 1 15,-21-1-15,21-21 0,-22 21 0,22-21 16,-21 0-16,21 0 0,-1 0 0,1 0 16,0 0-16,0 0 0,0 0 15,21-21 17,0 0-32,0-1 15,21 22-15,-21-21 0,21 21 16,-21-21-16</inkml:trace>
   <inkml:trace contextRef="#ctx0" brushRef="#br1" timeOffset="53844.38">5270 5800 0,'0'21'32,"0"0"-32,0 0 0,0 0 15,-21 1-15,21 20 0,0-21 16,0 0-16,-21 22 0,21-1 0,-21-21 16,21 21-16,-21-20 0,21 20 15,0-21-15,0 0 0,0 0 0,0 22 16,0-22-16,0 0 0,0 0 15,21-21 1,0 0-16,0 0 16,0 0-16,1-21 0,-1 21 0,0-21 15,0 0-15,21 0 16,-20 21-16,-1-22 0,0 1 0,0 0 16,-21 0-16,21 0 0,0 0 15,-21-1-15,0 1 0,0 0 16,0 42 15,0 0-31,0 1 0,0-1 16,0 0-16,0 0 0,0 0 0,0 0 15,0 1-15,0-1 0,0 0 16,0 0-16,0 0 0,22-21 16,-1 21-16,0-21 0,0 0 15,0 0-15,0 0 16,1 0-16,-1-21 0,21 21 0,-21-21 15,0 21-15,1-21 0,-1 0 0,0 0 16,0-1-16,0 1 0,22 0 16,-22 0-16,0 0 0,0 0 15,0-1-15,0 1 0,22-42 0,-22 42 16,0-1-16,0 1 16,0 21-16</inkml:trace>
-  <inkml:trace contextRef="#ctx0" brushRef="#br1" timeOffset="54185.19">6181 5948 0,'-22'0'16,"1"0"-16,0 0 15,0 21-15,0 0 16,0-21-16,21 21 0,-22 22 16,1-22-16,0 0 0,0 0 15,21 22-15,-21-1 0,21-21 16,0 0-16,0 0 0,0 1 16,0-1-16,0 0 0,21 0 0,0-21 15,0 21-15,0-21 0,22 0 16,-1 0-16,-21 0 0,0 0 15,1 0-15,-1 0 0,21-21 0,-21 0 16,0 21-16,1-21 0,-1 0 0,0 21 16,-21-22-16,21 1 0,-21 0 15,21 0-15,-21 0 0,0-22 0,0 22 16</inkml:trace>
+  <inkml:trace contextRef="#ctx0" brushRef="#br1" timeOffset="54185.18">6181 5948 0,'-22'0'16,"1"0"-16,0 0 15,0 21-15,0 0 16,0-21-16,21 21 0,-22 22 16,1-22-16,0 0 0,0 0 15,21 22-15,-21-1 0,21-21 16,0 0-16,0 0 0,0 1 16,0-1-16,0 0 0,21 0 0,0-21 15,0 21-15,0-21 0,22 0 16,-1 0-16,-21 0 0,0 0 15,1 0-15,-1 0 0,21-21 0,-21 0 16,0 21-16,1-21 0,-1 0 0,0 21 16,-21-22-16,21 1 0,-21 0 15,21 0-15,-21 0 0,0-22 0,0 22 16</inkml:trace>
   <inkml:trace contextRef="#ctx0" brushRef="#br1" timeOffset="54384.07">5863 5821 0,'0'0'0,"-21"0"0,42 0 62,0 0-46</inkml:trace>
   <inkml:trace contextRef="#ctx0" brushRef="#br1" timeOffset="56489.88">8170 5736 0,'21'-21'0,"-21"0"16,0 0 0,-21 21-16,0 0 15,0 0-15,-21 0 0,20 0 16,-20 21-16,21 0 0,-64 21 16,43 1-16,0-1 0,-1 0 15,1 1-15,-22 41 16,43-62-16,0 20 0,0 0 0,21-21 15,0 22-15,0-22 0,0 0 16,21 21-16,21-20 16,1-22-16,-22 0 0,21 0 0,1 0 15,-1 0-15,0 0 0,1 0 16,-1-22-16,0 22 0,1-21 0,-1 0 16,0 0-16,1 0 0,-1 0 0,43-43 15,-64 22 1</inkml:trace>
-  <inkml:trace contextRef="#ctx0" brushRef="#br1" timeOffset="56716.76">8530 5503 0,'0'-21'0,"0"42"0,-21-21 32,21 43-32,-21-22 15,21 21-15,0 1 0,0-1 16,-21 0-16,21 1 0,-22 20 0,22-21 15,0 1-15,0-1 0,0 0 0,0-20 16,-21 20-16,21-21 0,0 21 16,0-20-16,0-1 0,0 0 15,21-21 1,1 0 0,-1 0-16,0 0 0,0-21 15,0 0-15</inkml:trace>
+  <inkml:trace contextRef="#ctx0" brushRef="#br1" timeOffset="56716.75">8530 5503 0,'0'-21'0,"0"42"0,-21-21 32,21 43-32,-21-22 15,21 21-15,0 1 0,0-1 16,-21 0-16,21 1 0,-22 20 0,22-21 15,0 1-15,0-1 0,0 0 0,0-20 16,-21 20-16,21-21 0,0 21 16,0-20-16,0-1 0,0 0 15,21-21 1,1 0 0,-1 0-16,0 0 0,0-21 15,0 0-15</inkml:trace>
   <inkml:trace contextRef="#ctx0" brushRef="#br1" timeOffset="57218.81">8996 5821 0,'0'0'0,"0"-21"0,0-43 31,-21 43-31,-1 21 0,1-21 0,0 21 16,0 0-16,-21 0 0,20 0 15,1 0-15,0 21 16,-21 0-16,21 0 0,-22 22 0,22-22 16,0 21-16,0 1 0,0-22 0,-22 42 15,43-20-15,0-22 16,0 0-16,0 21 0,0-21 16,0 1-16,21-22 0,1 0 15,-1 0-15,0 0 0,0 0 16,0 0-16,0 0 0,1 0 0,20-22 15,-21 1-15,21-21 16,1 21-16,-22 0 0,0-1 0,0 1 16,-21 0-16,21-21 0,1 21 15,-1-22-15,-21 22 0,0 0 0,0-21 16,0 20-16,21 22 0,-21-21 16,-21 42-1,21 1-15,0-1 16,-21 21-16,21-21 0,-22 22 0,1 20 15,21-42-15,0 0 0,0 22 16,-21-22-16,21 0 0,0 0 16,0 0-16,0 1 0,0-1 0,21-21 15,-21 21-15,21-21 0,1 0 16,-1 0-16,0 0 0,0 0 16,0 0-16,0-21 0,1 0 15,-1-1-15</inkml:trace>
   <inkml:trace contextRef="#ctx0" brushRef="#br1" timeOffset="57608.59">9546 5736 0,'0'0'0,"21"0"15,-21-21-15,-21 21 16,0 0-16,0 0 16,-22 0-16,22 21 0,0-21 15,-21 21-15,21 1 0,-1-1 0,1-21 16,0 21-16,0 0 0,21 0 0,0 0 15,0 1 1,0-1 0,21-21-16,0 21 15,0-21-15,1 0 0,-1 21 16,0 0-16,0-21 0,0 21 0,0-21 16,1 22-16,-1-22 0,0 21 0,-21 0 15,0 0-15,0 0 16,0 0-16,-21-21 15,0 22-15,-1-22 0,1 0 16,0 0-16,-21 21 16,21-21-16,-1 0 0,-20 0 0,21 0 0,0 0 15,-22 0-15,22 0 16,0 0-16,0-21 16,21-1-16,-21 22 15,21-21-15,0 0 0,0 0 16,21 21-16</inkml:trace>
   <inkml:trace contextRef="#ctx0" brushRef="#br1" timeOffset="58052.82">10245 5652 0,'0'0'0,"0"-22"15,-22 22-15,1 0 16,0 0-16,-21 0 0,21 0 16,-22 0-16,1 0 0,21 22 0,-22-22 15,22 21-15,-21 0 0,21 0 0,-22 21 16,22-20-16,21-1 0,0 0 16,-21 0-16,21 0 0,0 22 15,0-22-15,21 0 0,0-21 16,1 21-16,-1-21 15,21 0-15,-21 0 0,22 21 0,-22-21 16,0 0-16,21 21 0,-21-21 0,22 0 16,-22 22-16,0-1 0,0-21 15,0 0-15,-21 21 0,0 0 0,0 0 16,-21 0-16,0-21 16,-21 0-16,21 22 0,-22-22 15,1 0-15,0 21 0,-1-21 0,22 0 16,-21 0-16,-1 0 0,22 0 0,-21 0 15,21 0-15,0 0 0,-1 0 16,22-21 0,0-1-1,0 1-15,0 0 0</inkml:trace>
@@ -742,7 +959,7 @@
   <inkml:trace contextRef="#ctx0" brushRef="#br1" timeOffset="61075.82">14520 5800 0,'0'21'16,"21"-21"15,1 0-31,-1 0 15,0 0-15,0 0 0,0 0 16,0-21-16,1 21 0,-1-21 0,0-1 16,-21 1-16,21 21 0,-21-21 15,0 0-15,0 0 0,0 0 16,-21 21 0,0 0-16,0 0 0,-1 0 15,1 21-15,0 0 0,0 0 0,0 0 16,0 0-16,-1 22 0,1-22 0,21 0 15,-21 43-15,21-22 16,0-21-16,0 0 0,0 0 16,21 1-16,0-22 15,1 0-15,-1 0 0,0 0 16,0 0-16,64 0 0,-43-22 16,0 1-16</inkml:trace>
   <inkml:trace contextRef="#ctx0" brushRef="#br1" timeOffset="61716.45">15663 5355 0,'0'-21'0,"-21"21"16,0 0-1,0 0-15,0 0 0,-1 0 16,-20 0-16,0 0 0,21 21 15,-1-21-15,1 21 0,0-21 16,21 22-16,-21-1 0,21 0 16,0 0-1,21-21-15,0 0 16,0 21-16,1-21 0,-1 0 0,0 0 16,0 21-16,0-21 0,-21 22 15,21-1-15,-21 0 0,0 0 16,0 0-16,0 0 0,0 1 15,0-1-15,0 0 0,-21 0 16,0 0-16,-21 0 0,21 1 16,-22-1-16,22 0 0,-21-21 0,-1 21 15,22 0-15,-21-21 0,21 0 16,0 21-16,42-21 31,0 0-15,0 0-16,0-21 0,22 21 0,-22 0 15,21-21-15,-21 21 0,0 0 0,1 0 16,-1 0-16,0 0 16,-21 21-16,0 0 0,21 1 0,-21-1 15,0 0-15,0 0 0,-21 0 16,0 0-16,0 1 0,-1-1 16,1 21-16,-21-21 0,21 0 0,-22 1 15,22 20-15,0-21 0,-21 21 16,21-20-16,21-1 0,0 0 15,0 0-15,0 0 0,21-21 16,0 0-16,21 21 0,22-21 16,-22 0-16,0 0 15,1 0-15,-22 0 0,21-21 0,-21 21 16,1 0-16,-1-21 0,0 21 16,-42 0-1</inkml:trace>
   <inkml:trace contextRef="#ctx0" brushRef="#br1" timeOffset="63204.7">15854 16510 0,'0'0'0,"-21"-21"31,21 0-31,0 0 16,0-1-1,0 1-15,21 21 0,0 0 16,0-21-16,0 21 0,22 0 16,-22 0-16,21 0 0,0 0 15,-20 0-15,20 0 0,0 0 16,-21 0-16,1 21 0,-1 0 0,0 1 15,-21-1-15,0 21 0,0-21 0,0 22 16,-64 20-16,43-21 16,-21 1-16,0-1 0,-1 0 0,1 1 15,0-1-15,-1 0 0,1-20 16,21 20-16,0-21 0,-1 0 0,1 0 16,21 1-16,-21-1 0,21 0 15,21-21 16,0 0-15,-21-21-16,0 0 16,22 21-16,-22-22 0,0 1 15,0 42 17,-22 1-17,1-1-15,21 0 0,0 0 16,0 0-16,-21 0 0,21 22 15,0-22-15,0 0 0,0 0 0,0 22 16,0-22-16,0 0 0,0 21 16,0-21-16,21 22 0,-21-22 15,21 0-15,-21 21 0,22-20 16,-22-1-16,21 0 0,-21 0 0,0 0 16,0 0-16,-21-21 15,-1 0-15,1 22 0,-21-22 0,21 0 16,-22 0-16,1 0 0,0 0 15,21 0-15,-22 0 0,1 0 0,21 0 16,-22 0-16,22 0 0,0-22 16,0 22-16,0 0 0,0 0 0,21-21 15,-22 0-15,22 0 16,0 0-16,0 0 0,0-1 0,0 1 16,0 0-16</inkml:trace>
-  <inkml:trace contextRef="#ctx0" brushRef="#br1" timeOffset="64579.76">4593 8107 0,'0'0'0,"-21"-21"16,21 0-16,-21-1 0,0 1 0,21 0 15,-22 0-15,1 21 16,21 21 15,0 21-31,0 1 0,0-1 0,0 0 16,21 22-16,1-22 0,-1 22 0,0-22 16,-21 22-16,0-1 0,21-21 15,-21 22-15,0-22 0,21 22 0,-21-22 16,0 22-16,0-22 0,0 0 0,0 1 15,0-22-15,0 21 0,0-21 16,0 0-16,0 1 0,0-1 0,0-42 47,-21 21-47,21-22 16,-21 1-16,21-21 0</inkml:trace>
+  <inkml:trace contextRef="#ctx0" brushRef="#br1" timeOffset="64579.75">4593 8107 0,'0'0'0,"-21"-21"16,21 0-16,-21-1 0,0 1 0,21 0 15,-22 0-15,1 21 16,21 21 15,0 21-31,0 1 0,0-1 0,0 0 16,21 22-16,1-22 0,-1 22 0,0-22 16,-21 22-16,0-1 0,21-21 15,-21 22-15,0-22 0,21 22 0,-21-22 16,0 22-16,0-22 0,0 0 0,0 1 15,0-22-15,0 21 0,0-21 16,0 0-16,0 1 0,0-1 0,0-42 47,-21 21-47,21-22 16,-21 1-16,21-21 0</inkml:trace>
   <inkml:trace contextRef="#ctx0" brushRef="#br1" timeOffset="64940.55">4318 8340 0,'-42'-43'0,"84"86"0,-84-128 0,20 43 15,1 21-15,21-22 0,-21 22 16,21 0-16,0-21 0,0 20 0,0 1 16,0 0-16,21 0 15,0 0-15,1 0 0,20 21 0,0-22 16,1 1-16,20 0 0,1 21 0,-22-21 15,21 21-15,1 0 0,-1 0 16,-20 0-16,20 21 0,-20-21 0,-1 42 16,-21-20-16,21 20 0,-42 0 0,0 22 15,0-22-15,0 0 0,0 1 16,-21 20-16,0-20 0,-21-1 0,-1 0 16,1-21-16,0 22 0,-1-22 15,1 0-15,0 21 0,-1-20 0,1-22 16,21 21-16,-21 0 15,20-21-15,1 0 0,21-21 32,21 0-32,1 21 15,-1-22-15,0 1 0,0 0 0,0 0 16,0-21-16</inkml:trace>
   <inkml:trace contextRef="#ctx0" brushRef="#br1" timeOffset="65392.56">5228 7938 0,'0'0'0,"0"21"15,0 0 1,0 0-16,0 0 0,0 22 0,0-22 16,0 21-16,0-21 0,0 22 0,0-1 15,0-21-15,0 43 16,0-43-16,0 21 0,0 0 15,0-20-15,21-22 0,0 21 16,-21 0-16,22-21 0,-1 0 0,0 0 16,0 0-16,0 0 0,0 0 0,1 0 15,-1-21-15,0 0 0,0 21 0,0-22 16,22 1-16,-22 0 0,0 0 16,-21 0-16,21 0 0,-21-22 15,21 22-15,-21 0 0,0-21 0,0 20 16,0-20-16,0 21 0,0-21 15,0 20-15,0 1 0,-21 21 16,0 0-16,21 43 16,0-22-16,0 0 15,0 64-15,0-64 0,0 21 16,0 0-16,0-20 0,0 20 0,0-21 16,0 21-16,0-20 0,0-1 15,0 0-15,21-21 0,0 21 16,0-21-16,1 0 0,-1 0 0,0 0 15,0 0 1,0-21-16,0 21 0</inkml:trace>
   <inkml:trace contextRef="#ctx0" brushRef="#br1" timeOffset="65912.27">6054 7789 0,'0'0'0,"-22"22"15,1 20 1,21-21-16,-21 0 0,21 22 16,0-1-16,0 0 0,0 1 0,-21-1 15,21 0-15,0 1 16,-21-1-16,21-21 0,0 21 0,0 1 16,0-22-16,0 0 0,0 0 0,0 0 15,-21-21-15,21 22 0,0-44 31,0 1-15,0 0-16,0 0 16,0 0-16,0 0 0,21-1 0,-21-20 15,21 21-15,0-21 0,-21 20 0,21 1 16,0 0-16,1-21 0,-1 21 16,0 21-16,0 0 0,21 0 0,-20 0 15,20 0-15,-21 21 16,21 0-16,-20 0 0,-1 21 15,0-20-15,0 20 0,0-21 0,-21 21 16,0-20-16,0 20 0,0-21 0,0 0 16,-21 22-16,21-22 0,-42 0 15,21 0-15,-1 0 0,1-21 0,-21 21 16,21 1-16,0-22 0,-22 0 0,22 0 16,0 0-16,0 0 0,-22 0 15,22 0-15,0 0 16,0-22-16,21 1 0,0 0 15,0 0-15,0 0 0,0 0 0,0-22 16,21 22-16,0 0 16,0 0-16,1-22 0,20 22 0</inkml:trace>
@@ -763,7 +980,7 @@
   <inkml:trace contextRef="#ctx0" brushRef="#br1" timeOffset="73860.5">12594 8065 0,'0'21'16</inkml:trace>
   <inkml:trace contextRef="#ctx0" brushRef="#br1" timeOffset="74241.28">12700 8107 0,'42'-64'16,"-84"128"-16,105-149 0,-41 64 16,-1 0-16,-21-21 0,21-1 15,0 1-15,-21 21 0,21-43 16,-21 43-16,0 0 0,0 0 16,0 0-16,0-1 0,0 44 46,0-1-30,0 0 0,0-42 31,21 21-47,-21-21 0,22 21 15,-22-22-15,0 1 0,0 0 0,21 0 16,-21 0-16,0 0 15,0-1-15,0 1 0,0-21 0,0 21 16,0 0-16,0-1 0,0 1 0,0 0 16,0 42 15,-21 0-31,-1 1 16,22 20-16,0-21 0,-21 21 0,21-20 15,-21 20-15,21-21 0,0 21 16,-21 1-16,-21-22 0</inkml:trace>
   <inkml:trace contextRef="#ctx0" brushRef="#br1" timeOffset="74372.37">12785 8107 0,'0'21'16,"0"0"-1,21-21-15,0 0 0,-21 21 16,21-21-16,0 0 16,0 0-1,1-21-15,-1 21 0,0-21 16,-21 42-16,63-42 0,-20 0 0,-22 0 15</inkml:trace>
-  <inkml:trace contextRef="#ctx0" brushRef="#br1" timeOffset="77212.44">13229 7811 0,'-21'0'16,"0"0"0,21 21-16,-21-21 15,21 21 1,0 0 0,21-21 30,0 0-46,0 0 16,0 0 0,0 0-1,1 0 1,-1 0-16,-21-21 16,0 0-16,21 0 15,-21-1-15,21 22 0,-21-21 16,0 0-16,0 0 15,0 0-15,0 0 16,-21 21 0,0 0-16,0 0 0,-1 0 15,1 21-15,0-21 16,0 21-16,21 0 0,-21 0 0,0 22 16,21-22-16,0 0 0,-22 0 0,1 21 15,21-20-15,-21 20 0,21-21 16,0 43-16,0-43 0,0 0 15,0 0-15,0 0 0,21 0 16,0-21-16,1 22 0,-1-22 16,0 0-16,21 0 0,-21 0 15,1 0-15,20 0 0,-21-22 0,21 1 16,1 21-16,-22-21 0,21 0 16,-21 21-16,22-21 0,20-22 15,-42 22-15,1 0 0,-1 0 0,-21-21 16,21 20-16,-21 1 0,21 0 15,-21 0-15,0 0 0,21 0 16,-21-1-16,0 1 0,0 0 0,-21 42 47,21 0-47,-21 1 16,21-1-16,0 0 15,-21 0-15,21 0 0,0 0 0,0 22 16,-21-22-16,21 0 0,-22 0 0,22 0 15,0 1-15,0-1 0,0 0 0,0 0 16,0-42 31,0 0-31,0 0-16,0-1 0,0-20 15,0 21-15,0 0 0,22 0 16,-1-22-16,0 22 0,-21 0 15,21-21-15,0 20 0,0 1 0,1 0 16,20 0-16,-21 0 0,0 21 0,0 0 16,22 0-16,-22 0 0,0 0 15,0 0-15,0 21 0,1-21 0,-22 21 16,21 21-16,-21-20 0,21-1 0,-21 42 16,0-42-16,0 22 0,0-22 15,0 0-15,0 0 0,0 0 16,0 22-16,0-22 0,0 0 15,0-42 32,0 0-47,0 0 16,0-1-16,21 1 16,0-21-16,0 21 0,1-22 15,-1 1-15,0 21 0,0 0 0,0 0 16,0-1-16,22 1 0,-22 0 15,0 21-15,0 0 0,0 0 16,1 0-16,-22 21 16,0 0-16,0 1 0,0-1 0,0 0 15,0 0-15,0 21 16,0-20-16,0-1 0,0 0 0,0 0 0,0 43 16,0-43-16,0 0 15,0 0-15,21 0 16,0-21-16,0 0 15,0 0-15,0 0 0,1 0 16,-1-21-16,0 0 0,0 0 16,0 21-16,0-21 0,1-1 15,-1 1-15,0-21 0,-21 21 0,0 0 16,21-1-16,0 1 0,-21 0 16,0 0-16,0 0 0,0 0 0,0-1 15,0 1-15,0 42 31,0 1-31,0-1 16,0 0-16,0 21 0,-21-21 16,21 1-16,-21-1 0,21 0 0,0 21 15,0-21-15,0 1 0,0-1 0,0 0 16,0 0-16,21-21 16,0 21-16,0-21 0,22 0 15,-22 0-15,21 0 0,-21 0 16,1-21-16,20 21 0,0-42 15,1 21-15,-22-1 0,21 1 16,-21 0-16,0 0 0,1-21 16,-22 20-16,0-41 0,0 42 15,0-22-15,0 1 0,0 21 0,-22-21 16,1 20-16,0 1 0,0 0 16,0 21-16,0 0 0,-1 0 0,-20 0 15,21 0-15,0 0 0,-22 21 16,22 0-16,0 1 0,0-1 0,0 21 15,21-21-15,-21 22 0,-1-22 0,22 0 16,-21 21-16,21-21 16,0 1-16,0-1 0,0 0 0,0 0 0,0 0 15,0 0 1,21-21-16,1 0 16,-1 0-16</inkml:trace>
+  <inkml:trace contextRef="#ctx0" brushRef="#br1" timeOffset="77212.43">13229 7811 0,'-21'0'16,"0"0"0,21 21-16,-21-21 15,21 21 1,0 0 0,21-21 30,0 0-46,0 0 16,0 0 0,0 0-1,1 0 1,-1 0-16,-21-21 16,0 0-16,21 0 15,-21-1-15,21 22 0,-21-21 16,0 0-16,0 0 15,0 0-15,0 0 16,-21 21 0,0 0-16,0 0 0,-1 0 15,1 21-15,0-21 16,0 21-16,21 0 0,-21 0 0,0 22 16,21-22-16,0 0 0,-22 0 0,1 21 15,21-20-15,-21 20 0,21-21 16,0 43-16,0-43 0,0 0 15,0 0-15,0 0 0,21 0 16,0-21-16,1 22 0,-1-22 16,0 0-16,21 0 0,-21 0 15,1 0-15,20 0 0,-21-22 0,21 1 16,1 21-16,-22-21 0,21 0 16,-21 21-16,22-21 0,20-22 15,-42 22-15,1 0 0,-1 0 0,-21-21 16,21 20-16,-21 1 0,21 0 15,-21 0-15,0 0 0,21 0 16,-21-1-16,0 1 0,0 0 0,-21 42 47,21 0-47,-21 1 16,21-1-16,0 0 15,-21 0-15,21 0 0,0 0 0,0 22 16,-21-22-16,21 0 0,-22 0 0,22 0 15,0 1-15,0-1 0,0 0 0,0 0 16,0-42 31,0 0-31,0 0-16,0-1 0,0-20 15,0 21-15,0 0 0,22 0 16,-1-22-16,0 22 0,-21 0 15,21-21-15,0 20 0,0 1 0,1 0 16,20 0-16,-21 0 0,0 21 0,0 0 16,22 0-16,-22 0 0,0 0 15,0 0-15,0 21 0,1-21 0,-22 21 16,21 21-16,-21-20 0,21-1 0,-21 42 16,0-42-16,0 22 0,0-22 15,0 0-15,0 0 0,0 0 16,0 22-16,0-22 0,0 0 15,0-42 32,0 0-47,0 0 16,0-1-16,21 1 16,0-21-16,0 21 0,1-22 15,-1 1-15,0 21 0,0 0 0,0 0 16,0-1-16,22 1 0,-22 0 15,0 21-15,0 0 0,0 0 16,1 0-16,-22 21 16,0 0-16,0 1 0,0-1 0,0 0 15,0 0-15,0 21 16,0-20-16,0-1 0,0 0 0,0 0 0,0 43 16,0-43-16,0 0 15,0 0-15,21 0 16,0-21-16,0 0 15,0 0-15,0 0 0,1 0 16,-1-21-16,0 0 0,0 0 16,0 21-16,0-21 0,1-1 15,-1 1-15,0-21 0,-21 21 0,0 0 16,21-1-16,0 1 0,-21 0 16,0 0-16,0 0 0,0 0 0,0-1 15,0 1-15,0 42 31,0 1-31,0-1 16,0 0-16,0 21 0,-21-21 16,21 1-16,-21-1 0,21 0 0,0 21 15,0-21-15,0 1 0,0-1 0,0 0 16,0 0-16,21-21 16,0 21-16,0-21 0,22 0 15,-22 0-15,21 0 0,-21 0 16,1-21-16,20 21 0,0-42 15,1 21-15,-22-1 0,21 1 16,-21 0-16,0 0 0,1-21 16,-22 20-16,0-41 0,0 42 15,0-22-15,0 1 0,0 21 0,-22-21 16,1 20-16,0 1 0,0 0 16,0 21-16,0 0 0,-1 0 0,-20 0 15,21 0-15,0 0 0,-22 21 16,22 0-16,0 1 0,0-1 0,0 21 15,21-21-15,-21 22 0,-1-22 0,22 0 16,-21 21-16,21-21 16,0 1-16,0-1 0,0 0 0,0 0 0,0 0 15,0 0 1,21-21-16,1 0 16,-1 0-16</inkml:trace>
   <inkml:trace contextRef="#ctx0" brushRef="#br1" timeOffset="77567.78">15896 7493 0,'0'0'0,"0"-21"0,0 0 15,0 0 1,-21 21 0,0 0-16,0 0 0,-1 21 15,22 21-15,-21-21 0,0 22 16,0-22-16,21 21 0,-21 0 0,0 1 16,-1 20-16,22-20 0,-21-22 15,21 21-15,-21 0 0,21-20 16,0-1-16,0 21 0,0-21 0,0 0 15,0 1-15,0-1 0,21 0 0,0-21 16,1 0-16,-1 21 0,0-21 16,0 0-16,0 0 0,0 0 15,22 0-15,-22 0 0,21-21 0,-21 21 16,1-21-16,-1 0 0</inkml:trace>
   <inkml:trace contextRef="#ctx0" brushRef="#br1" timeOffset="77861.09">16446 7303 0,'22'0'0,"-44"0"0,65 0 16,-22 0-16,0 21 0,0 0 0,0 0 15,1 0-15,-1 0 0,0 22 16,0-22-16,21 21 0,-42 1 0,22-1 15,-1 0-15,-21 1 0,0-22 0,0 21 16,0 43-16,-21-64 16,-1 21-16,1-21 0,0 22 0,-21-22 15,21 21-15,-22-21 0,22 1 0,-21-1 16,21 0-16,-1-21 0,1 21 0,0-21 16,0 0-16,0 0 0,21-21 31</inkml:trace>
   <inkml:trace contextRef="#ctx0" brushRef="#br1" timeOffset="78491.97">17505 7281 0,'0'0'0,"0"-21"0,-21 21 16,-1-21-16,1 21 0,0 0 16,0 0-16,0 0 0,-22 0 15,22 0-15,-21 0 0,21 21 0,-22 0 16,22-21-16,-21 22 0,21-1 16,0-21-16,21 21 0,0 0 15,0 0-15,0 0 16,21 1-16,0-1 15,0 0-15,0-21 0,0 21 16,1 0-16,-1-21 0,0 21 16,0 1-16,0-1 0,-21 0 15,0 0-15,0 0 0,0 0 0,0 1 16,0-1-16,-21 0 0,0 0 0,21 0 16,-42-21-16,20 21 15,1 1-15,0-22 0,0 0 0,0 0 0,-22 0 16,22 0-16,0 21 15,42-42 17,0 21-32,1 0 15,20 0-15,-21-22 0,0 22 0,0 0 16,22 0-16,-22 0 0,0 0 16,0 0-16,0 22 0,1-1 15,-22 0-15,0 0 0,0 0 16,0 0-16,0 22 15,-22-22-15,1 0 0,0 21 0,0-20 16,0-1-16,0 0 0,-1 0 0,1 21 16,0-20-16,0-22 0,0 21 15,0 0-15,21 0 0,-22 0 16,1-21 31,21-21-47,21 0 0</inkml:trace>
@@ -796,7 +1013,7 @@
   <inkml:trace contextRef="#ctx0" brushRef="#br2" timeOffset="104264.28">3069 7916 0,'0'-21'0,"21"0"16,-21 0-16,21 21 0,-21-21 15,22 21-15,-22-21 0,0-1 16,21 1-16,-21 0 16,21 0-16,-21 0 0,0 0 15,0-1 1,0 44 0,0-1-16,0 21 15,0 22-15,0-22 0,-21 21 16,0 1-16,-1-22 15,1 22-15,0-1 0,0 1 0,0-1 0,0-20 16,-22 20-16,22-21 0,0 1 0,0-1 16,0 0-16,-1-20 0,1 20 15,21-21-15,0 0 0,-21 0 0,21 1 16,-21-22-16,21 21 0,0-42 47,0-1-47,21 1 0,-21 0 15,21 0-15,0 0 0,-21 0 16,22-22-16</inkml:trace>
   <inkml:trace contextRef="#ctx0" brushRef="#br2" timeOffset="104565.13">3408 7726 0,'21'-42'0,"-42"84"0,84-106 16,-42 43-16,1 0 0,-22 0 0,0 0 15,21 21-15,-21 21 16,0 0 0,0 0-16,0 22 0,0-1 0,0 0 15,-21 1-15,-1 20 0,1 1 16,0-1-16,0 1 0,0-1 16,-22 1-16,1-1 0,21 1 0,-21-1 0,20-21 15,1 22-15,-21-22 0,21 1 16,21-1-16,-21-21 0,21 21 0,-22-20 15,22 20-15,0-21 0,0 0 0,0 0 16,0 1-16,0-1 16,22-21 15</inkml:trace>
   <inkml:trace contextRef="#ctx0" brushRef="#br2" timeOffset="125428.95">974 7472 0,'0'0'0,"0"-21"16,0 0-16,0-1 16,0 1-16,0 0 15,0 0-15,0 0 0,0 0 16,-22 21 0,1 0-16,0 0 15,-21 0-15,21 0 16,-1 21-16,-20 0 0,21 0 15,-21 21-15,-1-20 0,22 20 0,-21 0 16,-1 1-16,22-1 0,-21 0 16,21 1-16,0-1 0,-1 21 0,1-20 15,21-1-15,0 22 0,0-22 16,0 0-16,0 1 0,0-1 16,21-21-16,1 21 0,-1-20 15,0-1-15,0 0 0,21 0 16,-20-21-16,41 0 15,-42 0-15,22 0 0,-22-21 16,0 21-16,21-21 0,-21 0 0,1-22 16,-1 22-16,0 0 0,0-21 15,0 20-15,0-20 0,1 21 0,-1-43 16,0 22-16,-21 21 16,0 0-16,21 0 0,-21-22 0,21 22 15,-21 42 32,0 0-47,0 1 0,0-1 16,0 0-16,0 0 0,0 21 0,-21-20 15,21-1-15,0 21 0,0-21 16,0 0-16,0 1 0,0-1 0,0 0 16,21 0-16,0-21 15,1 0-15,-1 0 0,0 0 16,0 0-16,21 0 0,-20-21 15,20 21-15,-21-42 0,21 20 0,-20 1 16,20 0-16,-21 0 0,0-21 0,0 20 16,1 1-16,-22-21 0,0 21 0,0 0 15,0-22-15,-22 1 16,1 21-16,-21 0 0,21 21 16,-22 0-16,22 0 0,-21 0 15,0 0-15,-1 0 0,22 21 16,-42 21-16,41-21 0,1 22 15,0-22-15,21 21 0,0-21 16,0 22-16,0-22 0,0 21 0,0-21 16,21 0-16,0 1 0,1-1 15,-1 0-15,21-21 0,-21 0 0,22 0 16,-22 0-16,21 0 0,0 0 16,1 0-16,63-64 15,-85 43-15,0 0 16,21-21-16,-21 21 0,1-1 0,-1 1 15,0 0-15,0-21 0,0-1 16,-21 1-16,21 21 0,-21 0 16,0 0-16,0 42 31,0 0-15,0 0-16,0 0 0,0 0 0,0 1 15,0-1-15,0 0 0,0 0 16,0 0-16,0 0 0,0 1 0,0-1 15,0 0-15,0 0 16,22-42 15,-22 0-15,0 0-16,0-1 0,0 1 16,0 0-16,21 0 0,-21 0 0,21-22 15,-21 22-15,0 0 0,21 0 16,-21 0-16,21 21 0,0 0 31,1 21-31,-22 0 0,0 0 16,21 0-16,0 1 0,-21-1 15,21 0-15,-21 0 0,21 0 16,0 0-16,1-21 16,-1 0-16,0 0 15,0 0 1,0-21-16,0 0 15,1 0-15,-1 0 0,-21 0 0,21-1 16,21-41-16,-42 42 16,43-43-16,-22 22 0,-21 21 15,21 0-15,0-1 16,-21 1-16,21 21 0,0 0 31,-21 21-31,0 1 16,0-1-1,0-42 17,0-1-17,0 1-15,0 0 0,0 0 16,0 0-16,0 0 16,-21 21-16,0 0 15,0 0 1,21 21-1,-21 0-15,21 0 16,0 0-16,-21 0 0,21 1 0,0 20 16,0-21-16,0 0 0,0 0 15,0 1-15,0 20 0,0-21 0,0 0 16,0 0-16,0 1 0,21-1 16,0-21-16,0 0 15,0 0-15,0 0 0,1 0 16,-1 0-16,0 0 0,0-21 15,0-1-15,0 1 0,1 0 16,-1 0-16,-21 0 0,21 0 0,0-1 16,-21 1-16,21-21 0,-21 21 15,0 0-15,0-1 0,0 1 0,0 0 16,0 0-16,21 21 31,-21 21-31,0 0 16,22 0-16,-22 1 0,21-1 15,-21 0-15,0 0 0,0 0 16,21-21-16,-21 21 0,21 1 0,0-22 16,-21 21-16,21-21 0,1 0 0,-1 0 15,0 0-15,0 0 16,21-21 0,-20-1-16,-1 22 0,0-21 15,-21 0-15,21 0 0,-21 0 16,21 0-16,-21-1 0,0 1 0,0-21 15,0 21-15,0 0 16,0-1-16,0 1 0,0 42 31,0 1-31,0-1 16,0 0-16,0 0 0,0 0 16,0 0-16,21-21 0,-21 22 15,22-1-15,-22 0 0,21 0 16,0-21-16,0 0 0,0 0 15,0 0-15,1 0 0,-1 0 16,0 0-16,0 0 0,0 0 16,0-21-16,1 0 15,-1 0-15,0-1 0,0 1 0,0 0 16,-21 0-16,0-21 0,21-1 16,-21 22-16,22-21 0,-22-1 0,0-20 15,0 21-15,0-1 0,0 22 0,0-21 16,0 21-16,0-22 0,0 22 15,0 0-15,-22 21 16,1 0 0,21 21-16,-21 0 0,21 0 15,0 1-15,-21-1 0,21 21 16,0-21-16,0 22 0,0-1 16,0-21-16,0 21 0,21-20 0,0 20 15,0-21-15,1 0 0,-1 22 16,0-22-16,0-21 0,0 21 0,0 0 15,1-21-15,-1 0 0,0 21 0,21-21 16,-21 0-16,1 0 0,20 0 16,-21 0-16,0 0 0,22-21 0,-22 21 15,0-21-15,0 0 0,0 0 16,0-1-16,1 1 0,-22 0 16,21-21-16,-21 21 0,21-1 0,-21-20 15,0 21-15,0 0 0,0 0 16,0-1-16,-21 44 31,0-1-31,21 0 0,0 0 16,0 0-16,0 0 0,-22 1 0,22 41 15,0-42-15,0 0 16,0 1-16,0-1 0,22 0 16,-1-21-16,0 21 0,0-21 15,0 0-15,0 0 16,1 0-16,-1 0 0,0-21 0,0 21 15,0-21-15,0 0 0,1 21 16,-1-22-16,0 1 0,0 0 16,-21 0-16,21 0 0,0-22 15,-21 1-15,0 21 0,0 0 0</inkml:trace>
-  <inkml:trace contextRef="#ctx0" brushRef="#br2" timeOffset="125760.41">3175 7154 0,'-21'0'0,"42"0"0,-21 0 31,21-21-31,0 0 0,22 21 16,-1-21-16,43-21 0,-22 20 15,1 22-15,-1-21 0,1 0 16,-1 0-16,1 0 0,-22 0 16,21 21-16,1-22 0,-22 1 0,1 21 0,-1 0 15,43-21 1,-43 21 0,-42-21-16,-21 21 31,0 0-16,-1 0-15,22 21 16</inkml:trace>
+  <inkml:trace contextRef="#ctx0" brushRef="#br2" timeOffset="125760.4">3175 7154 0,'-21'0'0,"42"0"0,-21 0 31,21-21-31,0 0 0,22 21 16,-1-21-16,43-21 0,-22 20 15,1 22-15,-1-21 0,1 0 16,-1 0-16,1 0 0,-22 0 16,21 21-16,1-22 0,-22 1 0,1 21 0,-1 0 15,43-21 1,-43 21 0,-42-21-16,-21 21 31,0 0-16,-1 0-15,22 21 16</inkml:trace>
   <inkml:trace contextRef="#ctx0" brushRef="#br2" timeOffset="128510.47">1355 12510 0,'0'-22'47,"0"1"-32,0 0-15,21 0 0,0 0 16,-21 0-16,0-1 0,0 1 0,0 0 15,0 0-15,0 0 0,0 0 16,-21-1-16,-22 22 0,22 0 16,-21 0-16,21 0 0,-22 0 15,-84 43-15,85-1 16,21-21-16,-21 22 0,20-1 16,1 0-16,0 1 0,0-1 0,21-21 15,0 21-15,0 43 16,0-43-1,21-20-15,-21-1 0,21 0 0,0-21 0,1 0 16,-1 0-16,0 0 0,0-21 16,0 0-16,0-1 0,22 1 15,-1-21-15,0-22 16,-20 22-16,-1 21 0,0-21 16,-21-1-16,21 22 0,-21-21 0,0 21 15,0-1-15,0 1 0,0 0 16,0 42-1,0 0 1,0 22-16,21-22 0,0 0 16,-21 0-16,22 22 0,-1-22 15,0 0-15,0 0 0,0 0 0,0 0 16,1 1-16,-1-22 0,0 0 16,0 21-16,21-21 0,-20 0 0,-1 0 15,0 0-15,0-21 0,0-1 16,0 1-16,1 0 0,-1 0 0,0 0 15,0-22-15,0 22 0</inkml:trace>
   <inkml:trace contextRef="#ctx0" brushRef="#br2" timeOffset="128980.5">1820 11980 0,'-21'-42'0,"42"84"0,-63-126 0,42 63 16,-21-22-16,0 22 0,-1 21 15,1 0 1,21 21-16,0 0 0,0 22 0,0-1 15,0 0-15,0 1 0,0-1 16,21 22-16,-21-22 0,22 0 0,-1 22 16,-21-22-16,21-21 0,0 22 15,-21-22-15,21 21 0,-21-21 0,21 0 16,-21 1-16,22-1 16,-22-42 15,0-1-16,0 1-15,0 0 0,0 0 16,-22 0-16,22 0 0,0-1 0,0-20 16,0 21-16,0 0 0,0-22 15,0 22-15,22 0 0,-1 0 0,21 0 16,-21 21-16,0 0 0,22 0 0,63 0 31,-85 0-31,21 21 0,-21 0 0,0 0 0,-21 0 16,0 1-16,0-1 0,0 21 15,0-21-15,-21 0 0,-21 1 16,21 20-16,-43 0 16,43-21-16,-21 1 0,21-1 0,-1-21 15,1 21-15,0-21 0,21-21 32,0 0-32,0-1 15,0 1-15,21 0 0</inkml:trace>
   <inkml:trace contextRef="#ctx0" brushRef="#br2" timeOffset="129360.12">2561 12002 0,'0'0'0,"21"-22"0,0 1 31,-42 21-31,0 0 16,0 0-16,-21 21 0,20-21 15,1 22-15,-42 20 0,42-21 16,21 0-16,-22-21 0,22 21 16,0 1-16,0-1 0,0 0 15,22-21-15,20 21 16,-21-21-16,0 0 0,0 0 16,22 0-16,-22 21 0,21-21 0,-21 0 15,1 0-15,20 21 0,-21-21 16,-21 22-16,21-22 0,-21 21 15,0 0 1,-21 0-16,0-21 0,0 21 0,0-21 16,-22 21-16,22-21 0,0 0 15,-21 22-15,20-22 0,1 0 0,0 0 16,0 0-16,0 0 16,21-22-16,0 1 15,0 0-15,0 0 0,0-21 16,0 20-16</inkml:trace>
@@ -839,7 +1056,7 @@
   </inkml:definitions>
   <inkml:trace contextRef="#ctx0" brushRef="#br0">2117 550 0,'0'-21'0,"0"0"0,0 0 15,0 0 1,0 0-16,0-1 0,0 1 16,0 0-16,0 0 15,0 42 79,0 0-94,0 0 0,-22 1 16,22 20-16,0-21 0,0 0 15,-21 22-15,21-22 0,0 21 16,0 0-16,0-20 0,0 20 16,0 0-16,0 1 0,0-1 15,0 0-15,0 1 0,0 41 16,0-63-16,0 22 0,0-22 15,0 21-15,0-21 0,0 1 0,0-1 16,-21 0-16,21 0 0,0 0 16,0 0-16,0 1 15,-21-22 63</inkml:trace>
   <inkml:trace contextRef="#ctx0" brushRef="#br0" timeOffset="412.91">1736 1397 0,'0'0'0,"-22"42"16,22-20-16,0-1 15,0 0-15,0 0 16,0 0-16,22 0 15,-1-21-15,0 0 16,0 22-16,0-22 0,0 0 16,43 0-16,-43 0 0,21 0 15,1 0-15,-22 0 0,21 0 16,1-22-16,-1 22 0,-21-21 16,21 21-16,1-21 0,-1 21 15,-21-21-15,22 21 0,-22 0 0,0-21 16,0 0-16,0 21 0,0 0 15,1-22-15,-22 1 16,0 0 0,0 0-16,-22 21 0,22-21 15,-21 21-15</inkml:trace>
-  <inkml:trace contextRef="#ctx0" brushRef="#br0" timeOffset="863.35">1587 529 0,'22'0'31,"-1"-21"-15,0 21-16,21-21 0,1 21 16,-1-21-16,21 21 0,-20-21 0,20 21 15,1-22-15,-1 1 0,1 21 16,-1-21-16,-20 21 0,20 0 0,1-21 15,-1 21-15,-21 0 0,1 0 16,-1-21-16,-21 21 0,0 0 16,1 0-16,-1 0 0,-42 0 47,-1 21-47,1-21 15,21 21-15,0 0 16,0 0-16,0 1 15</inkml:trace>
+  <inkml:trace contextRef="#ctx0" brushRef="#br0" timeOffset="863.34">1587 529 0,'22'0'31,"-1"-21"-15,0 21-16,21-21 0,1 21 16,-1-21-16,21 21 0,-20-21 0,20 21 15,1-22-15,-1 1 0,1 21 16,-1-21-16,-20 21 0,20 0 0,1-21 15,-1 21-15,-21 0 0,1 0 16,-1-21-16,-21 21 0,0 0 16,1 0-16,-1 0 0,-42 0 47,-1 21-47,1-21 15,21 21-15,0 0 16,0 0-16,0 1 15</inkml:trace>
   <inkml:trace contextRef="#ctx0" brushRef="#br0" timeOffset="1631.98">2625 1122 0,'0'0'0,"-22"-21"0,22 0 16,-21 21-16,21-22 0,0 1 15,0 42 32,0 1-47,0-1 16,0 0-16,0 0 0,0 0 0,0 0 16,0 1-16,0-1 0,0 0 15,0 0-15,0 0 0,-21 0 0,21 1 16,0-1-16,0 0 0,-21 0 15,21 0-15,0 0 0,0 1 16,0-44 47,0 1-48,0 0-15,0 0 0,0 0 0,21 0 16,0-1-16,-21 1 0,21 0 15,1-21-15,-1 21 0,0-1 0,0 1 16,0 0-16,0-21 0,1 21 16,-1 21-16,0-22 0,0 1 15,0 21-15,0 0 0,1 0 0,-1 0 16,0 0-16,0 0 0,0 0 16,0 21-16,1 1 0,-22-1 0,0 0 15,21 0-15,-21 0 16,21 0-16,-21 1 0,0-1 0,0 0 15,0 0-15,0 0 0,0 0 16,0 1-16,0-1 0,0 0 16,0 0-16,-21 0 0,0 0 15,21 1-15,-22-22 16,22-22 31,0 1-32,0-21-15,22 21 16,-22 0-16</inkml:trace>
   <inkml:trace contextRef="#ctx0" brushRef="#br0" timeOffset="2036.33">3514 148 0,'0'0'15,"-22"21"-15,22 1 0,0-1 0,0 0 16,-21 21-16,21 1 0,-21 20 15,21 1-15,0 20 16,-21-41-16,21 20 0,-21-21 0,21 22 16,0-1-16,0 1 0,-21-22 15,21 22-15,-22-22 0,22 22 16,-21-22-16,21 0 0,0 1 0,0 20 16,0-42-16,0 0 15,0 1-15,0-1 0,0 0 16,21-21-16,1 0 15,-1 0-15,0 0 16,0 0-16,0-21 0,0 0 16,1-1-16,-22 1 15,21 0-15</inkml:trace>
   <inkml:trace contextRef="#ctx0" brushRef="#br0" timeOffset="2359.14">3196 931 0,'21'0'31,"0"0"-31,1 0 16,20 0-16,-21 0 15,0 0-15,0 0 0,1 0 0,-1 0 16,0-21-16,0 21 16,0 0-16,22 0 0,-43-21 15,21 21-15,0 0 16,-21 21 31</inkml:trace>
@@ -863,13 +1080,13 @@
   <inkml:trace contextRef="#ctx0" brushRef="#br1" timeOffset="28227.82">5461 3196 0,'0'0'0,"0"-21"15,0 0-15,0 0 16,-21 21-16,21-21 0,-21 21 16,-1 0-16,1 0 15,0 0-15,0 0 0,0 0 16,0 0-16,-1 0 0,1 0 0,0 21 15,0 0-15,0 0 0,0 0 16,-1 0-16,1 1 0,0-1 0,21 21 16,-21-21-16,0 0 0,21 22 15,-21-22-15,21 0 0,0 64 16,0-64-16,0 0 16,0 0-16,0 0 15,0 1-15,21-22 0,0 0 16,0 0-16,0 0 15,0 0-15,1 0 16,-1 0-16,0-22 0,-21 1 0,21 21 16,0-21-16,0 0 0,1 0 15,-22 0-15,21-1 0,-21 1 16,0 0-16,21-21 0,0 21 0,-21-1 16,0-20-16,0 21 0,21 0 0,-21-22 15,0 22-15,0 0 0,0 0 16,21 0-16,-21 42 31,0 0-15,0 0-16,0 22 15,0-22-15,0 21 0,0-21 16,0 22-16,0-22 0,-21 21 0,21-21 16,0 22-16,0-22 0,0 0 0,0 0 15,0 0-15,21 0 0,1 1 16,-1-22-16</inkml:trace>
   <inkml:trace contextRef="#ctx0" brushRef="#br1" timeOffset="28287.79">5630 3662 0,'21'0'16,"1"-21"-16,20 21 0,-21-21 16,0-1-16,0 1 0,1 21 0,-1-21 15,0 0-15</inkml:trace>
   <inkml:trace contextRef="#ctx0" brushRef="#br1" timeOffset="29075.94">3196 3514 0,'0'-21'0,"-21"21"16,0 0 15,0 0-15,-1 0 0,22 21-16,0 0 15,-21-21-15,21 21 0,0 0 16,0 0-16,0 1 0,0-1 0,0 0 15,0 0-15,0 0 0,0 0 16,0 1-16,21-1 0,-21 0 0,22 0 16,-1-21-16,0 21 15,0-21-15,0 0 0,22 0 16,-22 0-16,0 0 0,21 0 0,1-21 16,-1 21-16,0-21 0</inkml:trace>
-  <inkml:trace contextRef="#ctx0" brushRef="#br1" timeOffset="29935.13">6646 2900 0,'0'0'0,"-21"0"0,0 0 15,0 0-15,0 0 0,-1 0 16,1 0-16,0 0 0,0 0 0,0 0 16,0 0-16,-1 0 15,1 0-15,0 0 0,0 0 16,42 0 31,0 0-47,22 0 0,-1 0 15,0 0-15,22 0 0,-1 0 16,1 0-16,-1 0 0,1 0 16,20 0-16,-20 0 0,63 0 15,-64 0-15,43 0 0,-63 0 16,-1 0-16,-21 0 0,0 0 15,0 0-15,1 0 0,-44 0 32,1 0-17,0 0-15,0 0 0,0 0 16,0 0-16,-1 0 0</inkml:trace>
+  <inkml:trace contextRef="#ctx0" brushRef="#br1" timeOffset="29935.12">6646 2900 0,'0'0'0,"-21"0"0,0 0 15,0 0-15,0 0 0,-1 0 16,1 0-16,0 0 0,0 0 0,0 0 16,0 0-16,-1 0 15,1 0-15,0 0 0,0 0 16,42 0 31,0 0-47,22 0 0,-1 0 15,0 0-15,22 0 0,-1 0 16,1 0-16,-1 0 0,1 0 16,20 0-16,-20 0 0,63 0 15,-64 0-15,43 0 0,-63 0 16,-1 0-16,-21 0 0,0 0 15,0 0-15,1 0 0,-44 0 32,1 0-17,0 0-15,0 0 0,0 0 16,0 0-16,-1 0 0</inkml:trace>
   <inkml:trace contextRef="#ctx0" brushRef="#br1" timeOffset="30279.93">7006 2921 0,'-21'0'0,"21"21"47,0 0-47,-21-21 0,21 22 15,0-1-15,0 0 0,0 0 16,0 0-16,0 0 0,0 22 16,0-1-16,0 0 0,-21-20 0,21 20 15,0 0-15,-22 1 0,22-1 16,0 0-16,0 1 0,-21-22 0,21 21 16,-21-21-16,21 22 0,0-22 0,0 0 15,0 0-15,-21 0 16,21 0-16,21-21 31,-21-21-15,21 0-16,0 0 0</inkml:trace>
-  <inkml:trace contextRef="#ctx0" brushRef="#br1" timeOffset="31008.11">7429 3175 0,'0'0'0,"0"21"31,-21 0-15,21 1-16,-21-1 0,0 0 0,21 0 15,0 0-15,0 22 0,-21-22 0,21 0 16,0 0-16,-21 0 0,21 22 15,0-22-15,0 0 0,0 0 16,0 0-16,21-21 16,0 21-16,0-21 0,0 0 0,0 0 15,1 0-15,-1 0 0,0 0 0,0 0 16,0 0-16,0-21 0,22 0 16,-22 0-16,0 0 0,21 21 0,-20-43 15,-1 22-15,0 0 0,0 0 0,0-21 16,0 20-16,-21 1 0,22-21 15,-1 21-15,-21-43 16,21 43-16,-21 0 16,0 0-1,0 42 17,0 0-32,0 0 0,-21 0 15,21 1-15,0-1 0,0 21 0,-21-21 16,-1 43-16,22-22 15,0-21-15,0 22 0,-21-22 0,21 21 16,0-21-16,0 22 0,0-1 0,0-21 16,0 21-16,0-20 0,0 20 15,0-21-15,0 21 0,0-20 16,0-1-16,0 21 0,0-21 0,-21 0 16,21 22-16,-21-22 0,21 0 0,0 0 15,-21-21-15,0 21 0,-1 1 16,1-22-16,0 21 0,0-21 15,-21 0-15,20 0 0,1 0 0,-21 0 16,21 0-16,-22 0 0,1-21 16,21 21-16,-21-22 0,-1 22 0,1-21 15,21 0-15,0 21 0,-22-21 0,22 21 16,0-21-16,21 0 16,-21 21-16,21-22 0,0 1 15,0 0 1,21 0-16,0 21 15,0-21-15,0 21 0,1-21 0,-1 21 16,-21-22-16,21 1 0</inkml:trace>
+  <inkml:trace contextRef="#ctx0" brushRef="#br1" timeOffset="31008.1">7429 3175 0,'0'0'0,"0"21"31,-21 0-15,21 1-16,-21-1 0,0 0 0,21 0 15,0 0-15,0 22 0,-21-22 0,21 0 16,0 0-16,-21 0 0,21 22 15,0-22-15,0 0 0,0 0 16,0 0-16,21-21 16,0 21-16,0-21 0,0 0 0,0 0 15,1 0-15,-1 0 0,0 0 0,0 0 16,0 0-16,0-21 0,22 0 16,-22 0-16,0 0 0,21 21 0,-20-43 15,-1 22-15,0 0 0,0 0 0,0-21 16,0 20-16,-21 1 0,22-21 15,-1 21-15,-21-43 16,21 43-16,-21 0 16,0 0-1,0 42 17,0 0-32,0 0 0,-21 0 15,21 1-15,0-1 0,0 21 0,-21-21 16,-1 43-16,22-22 15,0-21-15,0 22 0,-21-22 0,21 21 16,0-21-16,0 22 0,0-1 0,0-21 16,0 21-16,0-20 0,0 20 15,0-21-15,0 21 0,0-20 16,0-1-16,0 21 0,0-21 0,-21 0 16,21 22-16,-21-22 0,21 0 0,0 0 15,-21-21-15,0 21 0,-1 1 16,1-22-16,0 21 0,0-21 15,-21 0-15,20 0 0,1 0 0,-21 0 16,21 0-16,-22 0 0,1-21 16,21 21-16,-21-22 0,-1 22 0,1-21 15,21 0-15,0 21 0,-22-21 0,22 21 16,0-21-16,21 0 16,-21 21-16,21-22 0,0 1 15,0 0 1,21 0-16,0 21 15,0-21-15,0 21 0,1-21 0,-1 21 16,-21-22-16,21 1 0</inkml:trace>
   <inkml:trace contextRef="#ctx0" brushRef="#br1" timeOffset="31396.89">8128 3133 0,'0'0'0,"-21"0"32,21 21-17,0 0-15,0 0 0,0 0 0,0 22 16,0-22-16,0 21 0,0 1 0,0-1 15,0 0-15,0 1 0,0-1 16,0 21-16,0-20 0,0-1 0,0 0 16,-21 1-16,21-1 0,0 0 0,-22 1 15,22-1-15,0 0 0,0-20 16,-21 20-16,21-21 0,-21 21 16,21-20-16,0 20 0,0-21 15,0 0-15,0-42 47,0 0-47,0 0 0,0 0 16,0-1-16</inkml:trace>
   <inkml:trace contextRef="#ctx0" brushRef="#br1" timeOffset="31815.65">8128 3260 0,'0'-21'0,"0"42"0,0-64 16,0 22-16,0 0 0,0 0 15,0 0 1,21 21-16,0-21 0,0 21 16,1 0-16,-1 0 0,0 0 0,0 0 15,0 0-15,0 0 0,1 0 16,20 0-16,-21 0 0,0 0 15,0 21-15,1 0 0,-22 0 0,0 0 0,0 0 16,0 1-16,0-1 16,0 21-16,0-21 0,-22 0 0,22 1 15,-21 20-15,0-21 0,-42 0 16,41 0-16,-20 1 0,21-1 16,0-21-16,0 21 0,-1-21 0,1 0 15,0 0-15,21 21 0,-21-21 16,0 0-16,21-21 78,21 21-78,0-21 0,0 21 0,-21-21 16</inkml:trace>
   <inkml:trace contextRef="#ctx0" brushRef="#br1" timeOffset="32319.36">8636 3260 0,'21'0'47,"0"0"-32,0-21-15,1-1 16,-1 22-16,0-21 0,0 21 16,0-21-16,0 0 0,-21 0 0,22 21 15,-1-21-15,-21-1 0,21 1 16,-21 0-16,0 0 0,0 0 0,0 0 16,0-1-16,-21 22 15,0 0 1,-1 0-16,1 0 0,0 0 15,0 0-15,0 22 0,0-1 16,-1 0-16,1 0 0,0 0 16,-21 0-16,21 1 0,-1 20 0,1-21 15,21 21-15,0-20 0,0 41 16,0-42-16,0 0 0,0 1 16,0-1-16,0 0 0,21 0 15,1-21-15,-1 0 0,42 0 16,-42 0-16,1 0 0,20 0 15,-21 0-15,21 0 0,-20 0 0,20-21 16,-21 0-16,21 21 0,1-21 16,20-22-16,-42 43 0,22-42 15,-22 21-15,0 0 16,-21-1-16,21 22 0,-21-21 0,0 0 16</inkml:trace>
-  <inkml:trace contextRef="#ctx0" brushRef="#br1" timeOffset="33709.12">5334 3535 0,'0'21'31,"0"0"-15,0 0 0,0 1-1,21-22 1,-21 21-16,21-21 15,-21 21 1,21-21 15,1 0-31,-1 0 32,0 0-17,0 0 1,0 0-16,0-21 15,1 21-15,-1 0 0,-21-21 16,21 21-16,-21-22 0,21 22 16,0 0-16,0-21 15,-21 0 17,0 0-17</inkml:trace>
+  <inkml:trace contextRef="#ctx0" brushRef="#br1" timeOffset="33709.11">5334 3535 0,'0'21'31,"0"0"-15,0 0 0,0 1-1,21-22 1,-21 21-16,21-21 15,-21 21 1,21-21 15,1 0-31,-1 0 32,0 0-17,0 0 1,0 0-16,0-21 15,1 21-15,-1 0 0,-21-21 16,21 21-16,-21-22 0,21 22 16,0 0-16,0-21 15,-21 0 17,0 0-17</inkml:trace>
   <inkml:trace contextRef="#ctx0" brushRef="#br1" timeOffset="42551.68">1228 4847 0,'0'0'0,"0"21"16,-22-21-16,1 22 16,0-22-1,0 21 1,0-21-16,0 0 15,-1 0-15,1 0 16,0 0-16,0 0 16,0 0-1,21-21 1,0-1-16,0 1 16,0 0-16,0 0 15,0 0-15,0 0 0,0-1 0,0 1 16,0 0-16,21 0 15,0 21-15,0-21 0,-21 0 16,21 21-16,1 0 0,-1 0 0,0 0 16,0 0-16,0 0 0,0 0 15,1 0-15,-1 21 0,0-21 0,-21 21 16,0 0-16,21 0 0,-21 22 16,0-22-16,0 21 0,0-21 0,0 22 15,-21-1-15,0-21 0,0 21 16,-1 1-16,1-1 0,0 0 15,-21 1-15,21-22 0,-22 21 16,1 1-16,21-22 0,-22 21 0,22-21 16,-21 0-16,0 22 15,-1-22-15,22 0 0,21 0 0,-21-21 16,21 21-16,-21-21 0,21 22 16,0-44 30,0 1-46,0 0 0,21 0 16,0 0-16,-21 0 16,21-1-16,-21 1 0,21 21 0,1-21 15,-1 0-15,0 21 0,0-21 16,0 21-16,0 0 0,1 0 16,-1 0-1,0 21-15,0 0 0,0-21 0,-21 21 16,21 0-16,1 1 0,-1-22 15,-21 21-15,0 0 0,21 0 0,0-21 16,0 0-16,0 21 0,1-21 16,-1 0-16,0 0 15,0 0-15,0 0 0,-21-21 16,21 0-16,1 21 0,-22-21 0,21 0 16,0 21-16,-21-22 15,0 1-15,0 0 0,0 0 0,0 0 16,0 0-1</inkml:trace>
   <inkml:trace contextRef="#ctx0" brushRef="#br1" timeOffset="43076.07">1736 5080 0,'0'21'32,"0"0"-17,0 1 1,0-1-1,21-21-15,0 0 16,0 0 0,0-21-16,-21-1 15,21 1-15,1 0 16,-22 0-16,0 0 16,0 0-16,-22 21 31,1 0-31,21 21 15,0 0 1,0 0-16,0 0 0,0 0 16,0 1-16,0-1 15,21-21 17,1 0-32</inkml:trace>
   <inkml:trace contextRef="#ctx0" brushRef="#br1" timeOffset="47208.06">3323 4805 0,'0'-21'16,"0"0"15,0-1-15,0 1-1,0 0 1,0 0-1,0 0 1,0 0 0,0-1-16,0 1 15,0 0-15,21 21 16,-21-21-16,0 0 31,0 0 94,0 42-62,0 0-63,0 0 15,0 21-15,0-20 0,0 20 16,0 0-16,0 1 0,0-1 0,0 21 16,0-20-16,0 41 0,0-41 15,0-1-15,0 0 0,0 1 16,0-22-16,0 0 0,0 21 0,0-20 15,0-1-15,0 0 16,0 0-16,0-42 47,0 0-31,0 0-16,0-1 0,0 1 0,0-21 15</inkml:trace>
@@ -877,13 +1094,13 @@
   <inkml:trace contextRef="#ctx0" brushRef="#br1" timeOffset="48317.08">4339 5080 0,'85'0'31,"-64"0"-31,0-21 0,0 21 16,0-21-16,1 0 0,-1 21 15,0-22-15,0-20 16,21-21-16,-42 41 15,0 1-15,0 0 0,0 0 0,0 0 16,-21 21 0,0 0-16,0 0 0,0 0 15,0 0-15,-1 21 0,1-21 0,0 21 16,0 0-16,0 0 0,0 22 16,-1-22-16,1 0 0,21 21 0,0-20 15,0 20-15,0-21 0,0 0 0,0 22 16,0-22-16,0 0 0,0 0 15,21 0-15,1-21 0,-1 0 16,0 21-16,0-21 0,0 0 0,0 0 16,1 0-16,-1 0 0,0 0 15,0-21-15,21 21 0,-20-21 0,-1 0 16,42-21-16,-42 20 16,1 1-16</inkml:trace>
   <inkml:trace contextRef="#ctx0" brushRef="#br1" timeOffset="49045.65">4953 4784 0,'0'21'31,"0"0"-31,0 0 0,0 43 16,0-43-16,0 0 15,0 0-15,-21 0 0,21 1 0,0-1 16,0 0-16,0 0 0,0 21 15,0-20-15,0-1 16,0 0 0,0-42 31,0 0-47,0-1 15,0 1-15,0 0 0,0-21 0,0 21 16,0-1-16,0 1 0,21-21 15,-21 21-15,0 0 0,21-1 16,0 1-16,0 0 0,-21 0 0,22 0 16,-1 21-16,0 0 0,0 0 15,0 0-15,0 0 0,1 0 16,-1 21-16,-21 0 0,21 0 0,0 0 16,-21 1-16,0-1 0,0 21 15,21-21-15,-21 0 0,0 1 0,0-1 16,0 0-16,0 0 0,0 0 15,0 0-15,0 1 0,0-1 0,0 0 16,-21-21 31,21-21-47,0 0 16,0-1-16,0 1 0,0 0 0,0 0 15,0-21-15,0 20 0,0-20 16,21 21-16,0-21 0,1 20 15,-1-20-15,0 21 0,0 0 0,0 21 16,22-21-16,-22 21 0,0 0 0,21 0 16,-21 0-16,1 0 0,20 21 0,-21-21 15,0 21-15,0 0 0,1 21 16,-22-20-16,0-1 0,0 21 16,0-21-16,0 0 0,0 1 0,0 20 15,0-21-15,0 0 0,0 0 0,-22-21 16,22 22-16,0-1 0,-21-21 15,0 21-15,21-42 47,0 0-47,21-1 0,0 1 0</inkml:trace>
   <inkml:trace contextRef="#ctx0" brushRef="#br1" timeOffset="49661.51">6032 4297 0,'0'0'0,"0"-21"0,0 0 0,-21 21 16,0 0 0,21 21-1,0 21-15,0-21 0,0 0 0,0 22 16,0-1-16,0-21 0,0 22 15,0-1-15,0 0 0,0 1 0,0-1 16,0 0-16,0 1 0,0-1 0,0 0 16,-21 43-16,21-64 15,0 21-15,0-20 0,-21-1 0,21 21 16,0-21-16,0 0 0,0 1 16,0-44 15,0 1-16,-21 0-15,21 0 0,0 0 16,0 0-16,0-1 0,0-20 16,0 21-16,21-21 15,0 20-15,-21 1 0,21 0 0,0 0 16,0 0-16,1 0 0,-1-1 16,0 22-16,0 0 0,21-21 0,-20 21 15,-1 0-15,0 0 0,0 0 0,21 21 16,-20 1-16,-1-1 15,-21 0-15,21 0 0,-21 0 0,0 43 16,0-43-16,0 21 0,0-21 16,0 1-16,-21 20 0,0-21 15,-1 0-15,1 0 0,0 1 0,-21-1 16,21-21-16,-1 21 0,1 0 0,-21-21 16,21 21-16,0-21 0,-1 0 15,1 21-15,0-21 0,0 0 16,21-21 31,0 0-47,0 0 0,21 0 15,0 21-15</inkml:trace>
-  <inkml:trace contextRef="#ctx0" brushRef="#br1" timeOffset="50123.72">6625 4932 0,'0'21'15,"21"-21"1,0 0-16,-21-21 15,22 21-15,-22-21 0,21 21 0,0-21 16,0-1-16,0 1 0,-21 0 16,21 21-16,1-21 0,-22 0 0,0 0 15,0-1-15,0 1 0,0 0 16,0 0 0,-22 21-16,1 0 15,0 0-15,0 0 0,21 21 0,-42 0 16,42 0-16,-22 1 15,1-1-15,21 0 0,0 42 16,0-41-16,-21-1 0,21 42 16,0-42-16,0 1 0,0-1 15,0 0-15,21 0 16,-21 0-16,21-21 0,1 0 0,-22 21 16,21-21-16,0 0 0,0 0 0,0 0 15,0 0-15,1 0 16,-1 0-16,0 0 0,0-21 0,0 0 15,0 21-15,1-21 0,-1 0 0</inkml:trace>
+  <inkml:trace contextRef="#ctx0" brushRef="#br1" timeOffset="50123.71">6625 4932 0,'0'21'15,"21"-21"1,0 0-16,-21-21 15,22 21-15,-22-21 0,21 21 0,0-21 16,0-1-16,0 1 0,-21 0 16,21 21-16,1-21 0,-22 0 0,0 0 15,0-1-15,0 1 0,0 0 16,0 0 0,-22 21-16,1 0 15,0 0-15,0 0 0,21 21 0,-42 0 16,42 0-16,-22 1 15,1-1-15,21 0 0,0 42 16,0-41-16,-21-1 0,21 42 16,0-42-16,0 1 0,0-1 15,0 0-15,21 0 16,-21 0-16,21-21 0,1 0 0,-22 21 16,21-21-16,0 0 0,0 0 0,0 0 15,0 0-15,1 0 16,-1 0-16,0 0 0,0-21 0,0 0 15,0 21-15,1-21 0,-1 0 0</inkml:trace>
   <inkml:trace contextRef="#ctx0" brushRef="#br1" timeOffset="50587.75">7154 4720 0,'0'-21'15,"0"0"-15,21 0 16,1 21 0,-1 0-16,0 0 15,0 0-15,0 0 0,0 0 16,1 21-16,-1 0 0,0 0 16,0 22-16,0-22 15,-21 21-15,21-21 0,-21 22 16,0-1-16,0-21 0,0 0 15,0 0-15,0 1 0,0-1 16,-21-21-16,21 21 0,-21-21 16,21 21-16,-21-21 15,21-21 17,0 0-32,0 0 0,0-1 15,0 1-15,21 0 0,0 0 16,-21-21-16,21 20 0,1-20 15,-1 21-15,21-21 0,-21 20 0,0 1 16,22-21-16,-22 21 0,0-22 16,0 43-1,-21-21-15,21 21 0,1 0 16,-1-21 0,0 21-1</inkml:trace>
   <inkml:trace contextRef="#ctx0" brushRef="#br1" timeOffset="51220.1">8340 4636 0,'21'-22'0,"-42"44"0,42-65 16,0 43-16,-21-21 0,21 21 16,-21-21-16,0 0 0,0 0 15,-21 21 17,0 0-32,0 0 0,-1 0 0,-20 0 15,21 0-15,0 21 0,0 0 0,-1 0 16,-20-21-16,21 21 0,0 0 15,0 1-15,-1-1 0,1 0 16,21 0-16,0 0 0,0 0 0,0 1 16,0-1-1,21-21-15,1 0 16,-1 0-16,0 0 0,0 0 0,0 0 16,0 0-16,1 0 0,-1 0 15,0 0-15,0 0 0,0 0 0,0 0 16,1 0-16,-1 21 0,0-21 15,0 21-15,0 0 16,-21 0-16,0 1 16,0-1-16,0 0 15,0 0 1,-21-21-16,0 21 0,0-21 0,0 0 16,-43 21-16,43-21 0,0 22 15,-22-22-15,22 0 0,0 0 16,-21 0-16,21 0 0,-1 0 0,-20 0 15,21 0-15,0 0 0,0 0 16,-1 0-16,1 0 0,0 0 16,0 0-1,21-22-15,0 1 16</inkml:trace>
   <inkml:trace contextRef="#ctx0" brushRef="#br1" timeOffset="55323.59">2815 6329 0,'0'-21'0,"0"0"31,0-1-15,0 1-16,0 0 15,0 0-15,0 0 16,0 0-16,0-1 16,0 1-1,0 0-15,0 0 0,0 0 16,0 0 0,0 42 46,0 0-62,0 0 16,0 0-16,0 0 0,0 22 15,0-22-15,0 21 0,0 1 16,0-22-16,0 42 0,0-20 0,0-1 16,0 0-16,0 1 0,-21-22 15,21 21-15,-21 0 0,21-20 0,0 41 16,-21-42-16,21 0 0,0 1 15,0-1-15,0 0 16,0-42 31,0 0-47,0-1 16,0 1-16,0 0 0</inkml:trace>
   <inkml:trace contextRef="#ctx0" brushRef="#br1" timeOffset="56651.56">3260 6456 0,'0'-21'47,"0"42"31,-22-21-78,22 21 16,0 0 0,0 0 15,22-42 16,-22 0-32,0 0-15,0 0 16,0 0 0,0-1-16,-22 22 31,1 22-15,21-1-16,0 0 0,-21 0 15,21 0 1,0 0-16,0 1 0,0-1 15,21-21 1,0 21-16,1-21 0,-1 0 16,0 0-16,-21-21 15,0 0 1,21 21-16,-21-22 0,0 1 16,0 0-1,-21 21-15,21-21 16,21 21 31,0 0-47,0 0 0</inkml:trace>
   <inkml:trace contextRef="#ctx0" brushRef="#br1" timeOffset="57252.38">4276 6033 0,'0'0'15,"0"-22"-15,0 1 0,0 0 16,21 21 15,0 0-31,0 0 0,0 21 16,0-21-16,1 21 0,-1 22 0,0-22 16,0 0-16,0 0 0,0 22 15,1-22-15,-22 21 0,21 0 16,-21-20-16,21 20 0,-21 0 0,21 1 15,-21-22-15,0 21 0,0 0 16,0-20-16,0-1 0,0 0 0,0 0 16,0 0-16,0 0 0,0 1 0,0-1 15,0-42 17,0-1-17,0 1-15,0 0 16,0-21-16,0 21 0,0-22 0,0 22 15,0-21-15,0-1 0,0 22 16</inkml:trace>
-  <inkml:trace contextRef="#ctx0" brushRef="#br1" timeOffset="57532.22">4932 5842 0,'0'0'0,"21"0"0,-21-21 16,0 42 15,-21 21-31,21-20 0,-21-1 16,-1 21-16,1-21 0,0 22 15,0-1-15,0-21 0,-22 21 0,22 1 16,0-1-16,-21 0 0,21-20 16,-1 20-16,1 0 0,0-21 0,21 22 15,0-22-15,0 21 0,0-21 16,0 1-16,0-1 0,0 0 15,0 0-15,21-21 16,0 0-16,1 0 16,-1 0-16,0 0 0,-21-21 15</inkml:trace>
+  <inkml:trace contextRef="#ctx0" brushRef="#br1" timeOffset="57532.21">4932 5842 0,'0'0'0,"21"0"0,-21-21 16,0 42 15,-21 21-31,21-20 0,-21-1 16,-1 21-16,1-21 0,0 22 15,0-1-15,0-21 0,-22 21 0,22 1 16,0-1-16,-21 0 0,21-20 16,-1 20-16,1 0 0,0-21 0,21 22 15,0-22-15,0 21 0,0-21 16,0 1-16,0-1 0,0 0 15,0 0-15,21-21 16,0 0-16,1 0 16,-1 0-16,0 0 0,-21-21 15</inkml:trace>
   <inkml:trace contextRef="#ctx0" brushRef="#br1" timeOffset="58471.7">5334 6223 0,'0'0'0,"0"-21"0,-21 21 0,0-21 15,-1 0-15,1-1 16,0 22-16,0-21 0,0 21 15,0 0-15,-1 0 0,1 0 16,0 0-16,21 21 0,-21 1 16,0-1-16,21 0 0,0 0 0,0 0 15,-21 22-15,21-22 0,-22 21 16,22-21-16,0 22 0,-21-1 16,21-21-16,0 21 0,0-20 0,0-1 15,0 0-15,0 21 0,0-21 16,0 1-16,21-22 15,1 0-15,-1 0 0,0 0 16,0 0-16,0-22 0,0 22 0,1-21 16,-1 0-16,-21 0 0,21 0 15,0 0-15,0-1 0,0 1 0,1-21 16,-22 21-16,21-43 16,-21 22-16,21 21 0,-21 0 0,0-1 15,0 1-15,0 0 0,0 0 0,0 0 16,0 42 15,0 0-31,0 0 16,0 0-16,0 1 0,0 41 15,0-42-15,0 22 16,0-22-16,0 0 0,0 0 0,0 21 16,0-20-16,0-1 0,0 0 0,21 0 15,0 0-15,0-21 16,1 0-16,-1 0 0,0 0 15,0 0-15,0 0 0,0 0 0,1 0 16,-1-21-16,0 21 0,21-21 16,-21 0-16,1 0 0,-1-22 15,0 22-15,21 0 0,-42-21 0,21 20 16,1 1-16,-22-21 0,21 21 0,-21 0 16,0-1-16,0 1 0,0 0 15,-21 21-15,-1 0 16,1 0-16,0 0 0,0 0 15,0 0-15,21 21 16,21-21 0,0 0-1,0 0-15,0 21 16,1-21-16,-1 0 0,0 0 16,0 0-16,-21 22 0,21-1 15,0 0 1,-21 0-16,0 0 0,0 0 15,0 1-15,0-1 0,0 0 16,0 0-16,0 0 16,0 0-16,0 1 0,0-1 15,0 0-15,0 0 16,22-21 0,-1 0-16,0 0 15,0 0-15,0 0 0,0 0 0,1-21 16</inkml:trace>
   <inkml:trace contextRef="#ctx0" brushRef="#br1" timeOffset="59243.08">6456 6223 0,'0'0'0,"0"-21"0,-21 0 15,-1 21-15,22-21 0,-21 21 0,0 0 16,0-22-16,0 22 0,0 0 16,-1 0-16,1 0 0,0 0 15,0 0-15,0 22 0,21-1 16,-21 0-16,-1-21 0,22 21 16,0 21-16,-21-20 0,21-1 0,-21 21 15,21-21-15,0 22 0,0-22 0,0 21 16,0-21-16,0 0 0,0 22 15,0-22-15,0 0 0,0 0 16,21-21-16,0 0 0,-21 21 0,22-21 16,-1 0-16,0 0 0,0 0 15,21 0-15,-42-21 0,43 0 16,-22 21-16,0-21 0,0 0 16,0 0-16,1-1 0,-1-20 15,0 21-15,0 0 0,-21 0 0,21-22 16,-21 22-16,21 0 0,-21-21 0,0 20 15,0 1-15,0 0 16,0 42 0,0 0-1,0 1-15,-21 20 0,21-21 16,0 0-16,-21 22 0,21-22 0,0 21 16,0-21-16,0 22 0,0-22 0,0 0 15,0 0-15,0 0 0,21 0 16,0-21-16,1 0 15,-1 0-15,0 0 0,0 0 0,0 0 16,0 0-16,1 0 0,-1 0 0,0-21 16,21 21-16,-21-21 0,1 0 15,20 21-15,-21-21 0,21 0 0,-20-22 16,20 1-16,-21 21 16,-21-43-16,21 43 0,-21 0 15,21 0-15,-21 0 0,0 42 31,-21-21-31,21 21 0,-21 21 16,21-21-16,0 1 16,-21-1-16,21 0 0,0 21 0,-21-21 15,21 1-15,0-1 0,0 0 16,0 0-16,0 0 16,21-21-1,0 0 1,-21-21-16,21 21 0,-21-21 15,0 0-15,21 0 0</inkml:trace>
   <inkml:trace contextRef="#ctx0" brushRef="#br1" timeOffset="59419.97">7112 6096 0,'0'0'0,"-21"-21"15,0 21 1,-1 0-1,44 0 32</inkml:trace>
@@ -929,7 +1146,7 @@
   <inkml:trace contextRef="#ctx0" brushRef="#br1" timeOffset="116107.08">9737 7218 0,'0'0'0,"-22"0"0,1 0 32,21 21-32,-21 21 15,21-20-15,0 41 0,0-21 0,0 1 16,-21-1-16,21 0 0,0 1 0,-21-1 15,21 0-15,-21 1 16,21-1-16,0-21 0,-22 43 16,22-43-16,0 21 0,0-21 15,0 1-15,0-1 16,22-21 15,-1-21-31,0-1 16,0 1-16,0-21 0,-21 21 0</inkml:trace>
   <inkml:trace contextRef="#ctx0" brushRef="#br1" timeOffset="116648.77">10096 7197 0,'0'21'16,"0"0"-1,0 21-15,0-20 0,0-1 0,-21 21 16,21 0-16,-21-20 0,21 20 16,0 0-16,0 1 0,0-1 0,-21-21 15,21 21-15,-21 1 0,0 20 16,21-42-16,0 22 16,0-22-16,0 0 0,-22 0 0,22 0 15,0 1-15,0-1 0,-21-21 16,21 21-16,0-42 31,0 0-15,0-1-16,0 1 0,0 0 15,0 0-15,0 0 0,0-22 16,0 22-16,0 0 0,21 0 0,1 0 16,-1 0-16,-21-22 0,21 22 0,0 0 15,43-21-15,-43 20 16,21 1-16,-21 21 0,0-21 15,1 21-15,20 0 0,-21 0 0,0 0 16,0 0-16,-21 21 0,22 0 0,-22 1 16,21 20-16,-21-21 0,0 0 15,0 22-15,0-22 0,0 21 0,0-21 16,0 0-16,0 1 0,-21 20 0,21-21 16,-22-21-16,22 21 0,0 0 15,-21 1-15,21-1 0,-21-21 0,0 21 16,21-42 15,0 0-31,0-1 16</inkml:trace>
   <inkml:trace contextRef="#ctx0" brushRef="#br1" timeOffset="116920.61">9588 7578 0,'0'0'0,"-21"0"0,42 0 47,1 0-47,-1 0 15,21-21-15,-21 21 0,22 0 16,-1 0-16,-21 0 0,0 0 15,0 0-15,1 0 0,-1 0 0,0 0 16,0 0-16,0 0 16,0 0-1</inkml:trace>
-  <inkml:trace contextRef="#ctx0" brushRef="#br1" timeOffset="117483.94">10731 7599 0,'0'-21'15,"-21"21"1,0 0-1,0 0-15,0 21 16,0-21 0,21 21-16,-22 0 0,22 0 0,-21 22 15,21-22-15,-21 0 0,21 0 16,-21 0-16,21 1 0,0-1 16,0 0-16,0 0 0,0 0 0,0 0 15,0 1-15,0-1 0,21 0 16,0-21-1,0 0-15,1 0 0,-1 0 16,0 0-16,0 0 0,0 0 16,0 0-16,1-21 0,20 0 15,-21-1-15,0 1 0,0 0 0,1 21 16,-1-21-16,0 0 0,-21 0 16,0-22-16,21 22 0,-21 0 0,0-21 15,0 20-15,0 1 0,0 0 0,0 0 16,0 0-16,0 0 0,-21 21 15,0-22-15,0 22 16,-1 0-16,1 0 0,0 0 0,0 0 16,0 0-16,0 22 0,-1-22 15,1 21-15,0 0 0,0 0 16,0-21-16,21 21 16,0 0-1,21-21-15,0 0 16,0 0-16,0 0 0</inkml:trace>
+  <inkml:trace contextRef="#ctx0" brushRef="#br1" timeOffset="117483.93">10731 7599 0,'0'-21'15,"-21"21"1,0 0-1,0 0-15,0 21 16,0-21 0,21 21-16,-22 0 0,22 0 0,-21 22 15,21-22-15,-21 0 0,21 0 16,-21 0-16,21 1 0,0-1 16,0 0-16,0 0 0,0 0 0,0 0 15,0 1-15,0-1 0,21 0 16,0-21-1,0 0-15,1 0 0,-1 0 16,0 0-16,0 0 0,0 0 16,0 0-16,1-21 0,20 0 15,-21-1-15,0 1 0,0 0 0,1 21 16,-1-21-16,0 0 0,-21 0 16,0-22-16,21 22 0,-21 0 0,0-21 15,0 20-15,0 1 0,0 0 0,0 0 16,0 0-16,0 0 0,-21 21 15,0-22-15,0 22 16,-1 0-16,1 0 0,0 0 0,0 0 16,0 0-16,0 22 0,-1-22 15,1 21-15,0 0 0,0 0 16,0-21-16,21 21 16,0 0-1,21-21-15,0 0 16,0 0-16,0 0 0</inkml:trace>
   <inkml:trace contextRef="#ctx0" brushRef="#br1" timeOffset="118194.53">11557 7557 0,'-21'0'0,"42"0"0,-63-22 15,20 22-15,1 0 16,21-21-16,-21 21 0,0 0 16,0 0-1,0 0-15,-1 0 0,22 21 0,-21 1 16,0-22-16,0 21 0,21 0 15,-21-21-15,0 21 0,-1 0 16,1 0-16,0 1 0,0-1 0,21 0 0,-21 0 16,0 0-16,-1 0 0,1 1 0,21 20 15,0-21-15,0 0 0,0 0 16,0 1-16,0-1 0,0 0 16,21 0-16,1-21 15,-1 0-15,0 21 0,0-21 0,0 0 16,0 0-16,1 0 0,-1 0 15,0 0-15,0 0 0,21 0 0,-20-21 16,-1 0-16,0 0 0,0 21 0,0-21 16,0-1-16,-21-20 0,22 21 15,-1 0-15,0-22 0,0 22 0,-21-21 16,21 0-16,0 20 0,-21-20 0,22 0 16,-1-1-16,-21 1 0,0 0 15,0-1-15,21 22 0,-21-21 0,0 21 16,21-43-1,-21 43-15,0 0 0,-21 63 47,21-21-47,-21 1 0,21 20 0,-21-21 16,21 21-16,0 1 0,-22-1 16,22 0-16,-21 1 0,0 20 15,21-20-15,0-1 0,0-21 16,0 0-16,0 22 0,0-22 0,0 0 15,0 0-15,0 0 0,0 0 0,21 22 16,0-43-16,1 0 0,-1 0 16,0 21-16,0-21 15,0 0-15,22 0 0,-22 0 16,0 0-16,0-21 0,0 0 0,0 21 16,1-22-16</inkml:trace>
   <inkml:trace contextRef="#ctx0" brushRef="#br1" timeOffset="118952.77">12700 7684 0,'-21'0'31,"0"0"-15,-1 0-16,1 0 15,0 0-15,0 0 16,0 0-16,42 0 47,0 0-47,0 0 0,0 0 0,22 0 15,-1 0-15,0-22 0,22 22 16,-22 0-16,22 0 0,-1 0 16,1 0-16,-1 0 0,22 0 0,-22 0 15,1 0-15,-22 0 0,22 0 0,-22 0 16,0 0-16,-20 0 0,-1 0 15,0 0-15,0 0 0,0 0 16,-21-21-16,-21 21 31,0 0-31,0 0 0,-22 0 0,22 0 16,-21 0-16,0 0 0,-1 0 0,1 0 16,0 0-16,-1 0 0</inkml:trace>
   <inkml:trace contextRef="#ctx0" brushRef="#br1" timeOffset="119320.56">12425 7662 0,'0'0'16,"0"22"-16,-21-22 15,42 0 16,0 0-31,0 0 16,0 0-16,22 0 0,-22 0 16,21 0-16,0 0 0,1 0 15,-1 0-15,22 0 0,-22 0 0,21 0 16,-20 0-16,20 0 0,-20 0 0,20 0 16,-21 0-16,1 0 0,-1 0 15,0 0-15,1-22 0,-22 22 16,64 0-16,-64 0 0,0 0 15,0 0-15,-21-21 16,0 0 31,0 0-31</inkml:trace>
@@ -940,7 +1157,7 @@
   <inkml:trace contextRef="#ctx0" brushRef="#br1" timeOffset="123463.65">16023 6943 0,'0'106'31,"0"-64"-31,0-21 0,-21 21 16,0 1-16,21-1 0,0 0 15,-21 22-15,21-22 0,-22 1 0,22-1 0,-21 0 16,21-21-16,0 22 0,0-22 0,-21 0 16,21 21-16,0-20 15,0-1-15,0 0 0,0 0 16,0-42 15,0 0-15,0 0-16,0-1 0,0 1 15,0 0-15,0 0 0,21 0 0,-21-22 16,21 22-16,1 0 0,-1 0 16,-21-21-16,21 20 0,21 1 0,-21 0 15,1 21-15,20-21 0,-21 0 16,0 21-16,22 0 0,-22 0 0,21 0 16,-21 0-16,0 0 0,1 21 15,-1 0-15,0 0 0,0 0 0,-21 1 16,0-1-16,0 0 0,0 21 15,0-21-15,0 1 0,0 20 0,0-21 16,0 0-16,0 0 0,0 1 0,-21-22 16,0 42-16,0-42 15,21 21-15,-22-21 16,1 0 0,21-21-16,0 0 15,-21 0-15</inkml:trace>
   <inkml:trace contextRef="#ctx0" brushRef="#br1" timeOffset="123672.4">15557 7366 0,'0'0'0,"-21"0"31,42 0-31,1 0 16,-1 0-16,0 0 0,0 0 0,0 0 15,22 0-15,-22 0 0,0-21 16,21 21-16,-21 0 0,1 0 0,20 0 16,-21 0-16,0-21 0,0 21 0,1-21 15,-1 21 1</inkml:trace>
   <inkml:trace contextRef="#ctx0" brushRef="#br1" timeOffset="124509.06">17716 7599 0,'0'-21'0,"0"0"16,22-1-16,-22 1 16,0 0-16,0 0 15,0 0-15,0 0 0,0-1 16,0 1-16,0 0 0,0 0 16,-22 0-16,22 0 0,-21-1 15,0 1-15,0 21 0,-21 0 0,20 0 16,1 0-16,-42 0 15,20 0-15,22 21 0,-21 1 16,0-1-16,20 21 0,-20-21 0,0 22 16,-1 20-16,22-42 0,0 22 15,0-22-15,0 21 0,21-21 16,0 0-16,0 1 0,0-1 0,0 0 16,0 0-16,0 0 0,21-21 15,0 0-15,0 0 0,0 0 0,43 0 16,-43 0-16,0 0 15,22-21-15,-1 21 0,-21-21 0,21 0 16,-20 0-16,20-1 0,-21 1 16,21-21-16,-20 21 0,-1-22 0,21 22 15,-21-21-15,0-43 16,1 22-16,-1 20 0,-21 1 0,0 0 16,0-1-16,0 1 0,0 0 15,0 21-15,0-1 0,0-20 0,0 21 16,0 42 15,0 21-31,-21-20 0,21 20 16,0 0-16,0 1 0,0 20 0,-22-21 15,22 22-15,0-22 0,0 1 16,0 41-16,0-41 16,0-22-16,0 0 0,0 0 0,0 0 0,0 0 15,0 1-15,22-1 16,-1-21-16,0 0 0,0 0 15,0 0-15,0 0 16,1-21-16</inkml:trace>
-  <inkml:trace contextRef="#ctx0" brushRef="#br1" timeOffset="125267.41">17992 7451 0,'0'21'15,"21"-21"79,-21-21-78,21 21-16,0-21 31,0 21-31,-21-22 16,21 22-16,1 0 0,-1 0 15,-21-21-15,21 21 16,0 0-16,-21-21 15,0 0 17,0 0-1,-21 21 94,21-21-125,-21 21 16,0 0 15,-1 0-16,1 0-15,0 0 16,0 21-16,21 0 0,-21 0 16,0 0-16,21 0 15,-22 1-15,1-1 0,21 0 16,0 0-16,0 0 0,0 0 0,0 1 16,0-1-16,0 0 0,0 0 15,0 0-15,0 0 16,21-21-16,1 0 15,-1 0-15,0 0 0,0 0 0,0 0 16,0 0-16,1 0 0,-1 0 16</inkml:trace>
+  <inkml:trace contextRef="#ctx0" brushRef="#br1" timeOffset="125267.4">17992 7451 0,'0'21'15,"21"-21"79,-21-21-78,21 21-16,0-21 31,0 21-31,-21-22 16,21 22-16,1 0 0,-1 0 15,-21-21-15,21 21 16,0 0-16,-21-21 15,0 0 17,0 0-1,-21 21 94,21-21-125,-21 21 16,0 0 15,-1 0-16,1 0-15,0 0 16,0 21-16,21 0 0,-21 0 16,0 0-16,21 0 15,-22 1-15,1-1 0,21 0 16,0 0-16,0 0 0,0 0 0,0 1 16,0-1-16,0 0 0,0 0 15,0 0-15,0 0 16,21-21-16,1 0 15,-1 0-15,0 0 0,0 0 0,0 0 16,0 0-16,1 0 0,-1 0 16</inkml:trace>
   <inkml:trace contextRef="#ctx0" brushRef="#br1" timeOffset="125548.24">18584 7303 0,'0'-22'15,"0"44"-15,-21-44 16,0 22-16,-21 0 16,20 22-16,1-1 15,0 0-15,0 0 0,0 0 16,0 22-16,21-22 0,-22 0 0,22 0 16,-21 0-16,21 0 0,0 1 0,0-1 15,0 0-15,0 0 0,0 0 16,21 0-16,1-21 15,-1 0-15,0 0 0,0 0 16,0 0-16,0 0 0,1 0 16,-1 0-16,0 0 0,0 0 0,0 0 15,0-21-15,22-21 0,-22 21 16</inkml:trace>
   <inkml:trace contextRef="#ctx0" brushRef="#br1" timeOffset="125828.08">18944 6943 0,'0'0'0,"0"-21"0,0-1 16,-21 22 15,0 22-31,21-1 0,0 21 16,0-21-16,-21 22 0,21-22 0,0 21 15,0 0-15,0 1 0,0-1 16,-22 0-16,22 43 0,-21-43 15,21 22-15,0-43 0,0 21 16,0-20-16,0-1 0,0 0 16,0 0-16,0 0 15,21-21 17,1 0-32,-1-21 15</inkml:trace>
   <inkml:trace contextRef="#ctx0" brushRef="#br1" timeOffset="126567.66">19367 7324 0,'0'0'0,"0"-21"0,0-1 0,0 1 16,0 0-16,0 0 15,-21 21-15,0 0 0,0 0 16,0 0-16,0 0 0,-22 0 15,22 0-15,0 21 0,0 0 0,0 0 16,-1 1-16,1 20 0,0-21 16,0 21-16,0-20 0,0 20 0,21-21 15,0 0-15,0 22 0,0-22 0,0 0 16,0 0-16,0 21 16,0-20-16,21-22 15,0 0-15,0 0 0,0 0 16,0 0-16,1 0 15,-1 0-15,0 0 0,0-22 0,0 1 16,0 0-16,1 0 0,-1 0 16,0 0-16,-21-1 0,21 1 0,-21-21 15,21 21-15,0 0 0,-21-1 16,0 1-16,0 0 0,0 0 0,22 21 16,-22 21 15,0 0-31,0 0 0,0 22 15,0-22-15,0 0 0,0 0 0,0 0 16,0 1-16,0-1 0,0 0 16,0 0-16,0 0 0,0 0 15,21-21-15,0 22 0,0-22 16,0 0 0,0 0-16,1 0 0,-1 0 15,0-22-15,0 22 0,-21-21 0,21 0 16,0 0-16,1 0 0,-1 0 15,0-1-15,0 1 0,0 0 0,0-21 16,-21 21-16,0-1 0,0 1 0,22-21 16,-1 21-16,-21 42 31,0 0-15,0 0-16,0 0 0,0 1 15,0-1-15,0 0 0,0 21 0,0-21 16,0 1-16,0-1 0,0 0 15,0 0-15,0 0 0,0 0 16,0 1 0,21-22-16,0 0 0,0 0 0,0 0 15,1 0-15,-1 0 0,0 0 16,0 0-16,0-22 0,0 1 16,1 21-16</inkml:trace>
@@ -950,35 +1167,35 @@
   <inkml:trace contextRef="#ctx0" brushRef="#br1" timeOffset="128693.09">21590 6943 0,'0'0'0,"-42"0"31,20 0-31,1 0 62,-21 0-46,21 0-16,0 0 16</inkml:trace>
   <inkml:trace contextRef="#ctx0" brushRef="#br1" timeOffset="128899.96">20532 7112 0,'0'0'16,"-22"0"-16,22 21 16,22-21-1,-1 0-15,0 0 0,0 0 16,0 0-16,0 0 0,1-21 0,20 21 15,-21 0-15,0 0 0,0 0 0,1-21 16,-1 21-16,0 0 0,0-21 16,0 0-16</inkml:trace>
   <inkml:trace contextRef="#ctx0" brushRef="#br1" timeOffset="129995.84">23495 7154 0,'0'0'0,"0"-21"16,0 0 0,0 0-16,0 0 15,0 0-15,0-1 16,-21 22-1,21-21-15,-21 21 0,-22 0 16,22 0-16,0 0 0,0 0 0,0 0 16,-1 0-16,-20 0 0,21 21 15,-21-21-15,-1 22 0,22-1 0,-21-21 16,-22 42-16,43-21 16,-21 0-16,21 1 0,-1-1 0,22 0 15,0 0-15,0 0 16,0 0-16,0 1 15,22-22-15,-1 21 16,0-21-16,0 21 0,0-21 0,0 0 16,1 0-16,-1 0 0,21 0 15,-21 0-15,0 0 0,1 0 0,-1 0 16,0 0-16,-21-21 16,-21 21-1,0 0-15,-1 0 16,1 0-16,-21 0 0,21 0 0,-22 21 15,1-21-15,21 21 0,-21 0 16,20-21-16,-20 21 0,-21 22 16,41-43-16,1 21 0,0 0 15,0-21-15,21 21 0,0 0 16,0 1-16,21-22 31,0 0-31,0 0 0,1 0 16,-1 0-16,42 0 0,-42 0 15,43 0-15,-22 0 0,1 0 16,-22-22-16,21 22 0,-21-21 16,0 21-16,1 0 0,-1 0 0,0 0 15,0 0-15,0 0 16,-21 21 0,0 1-16,0-1 15,0 0-15,0 0 0,0 0 16,-21 0-16,21 1 0,-21 20 15,0-21-15,21 0 0,-21 22 0,-1-1 16,1-21-16,0 21 0,21 1 0,-21-22 16,0 21-16,0-21 0,-1 1 15,1 41-15,21-42 0,-21 0 16,21 1-16,-21-1 0,21-42 47,0-1-32,0 1-15,21-21 0</inkml:trace>
-  <inkml:trace contextRef="#ctx0" brushRef="#br1" timeOffset="133319.32">24236 7408 0,'0'0'0,"21"0"16,0 0 0,0 0-16,0-21 0,1 21 15,-1-21-15,0 0 0,-21 0 16,21 21-16,0-21 0,0 21 16,-21-22-16,0 1 0,0 0 15,0 0-15,0 0 16,0 0-16,0-1 0,-21 22 0,21-21 15,-42 21-15,21 0 0,0-21 16,-1 21-16,1 0 0,0 0 0,0 0 16,-21 0-16,20 0 0,1 0 0,0 21 15,0 0-15,0 1 0,0-1 16,-1 0-16,1 21 0,0-21 0,0 1 16,0 41-16,21-21 15,0-20-15,0-1 0,0 0 0,0 0 16,0 0-16,21 0 0,0 1 0,0-22 15,0 21-15,1-21 0,-1 0 16,0 0-16,0 0 0,0 0 16,0 0-16,1 0 0,-1 0 0,0-21 15,0 21-15,0-22 0,0 1 0,-21 0 16,22 0-16,-1 0 0,0 0 16,-21-22-16,21 1 0,0 21 0,0-22 15,1-20-15,-22 21 0,21-1 16,0 1-16,0 0 0,0-1 0,0-20 15,-21 20-15,0 1 0,22 0 16,-22 21-16,21-22 0,-21 22 0,0 0 0,0 0 16,0 42 15,-21 0-31,-1 0 0,22 22 0,-21-22 16,21 21-16,-21 0 0,21 1 15,-21-1-15,21 0 0,0 1 0,-21-1 16,21 0-16,0 1 0,0-1 0,0 0 15,0 1-15,0-22 0,0 21 16,0 1-16,21-22 0,0 0 16,0 0-16,0-21 0,1 0 15,-1 0-15,0 0 16,0 0-16,0-21 0,0 0 16,1 21-16,-1-21 0</inkml:trace>
+  <inkml:trace contextRef="#ctx0" brushRef="#br1" timeOffset="133319.31">24236 7408 0,'0'0'0,"21"0"16,0 0 0,0 0-16,0-21 0,1 21 15,-1-21-15,0 0 0,-21 0 16,21 21-16,0-21 0,0 21 16,-21-22-16,0 1 0,0 0 15,0 0-15,0 0 16,0 0-16,0-1 0,-21 22 0,21-21 15,-42 21-15,21 0 0,0-21 16,-1 21-16,1 0 0,0 0 0,0 0 16,-21 0-16,20 0 0,1 0 0,0 21 15,0 0-15,0 1 0,0-1 16,-1 0-16,1 21 0,0-21 0,0 1 16,0 41-16,21-21 15,0-20-15,0-1 0,0 0 0,0 0 16,0 0-16,21 0 0,0 1 0,0-22 15,0 21-15,1-21 0,-1 0 16,0 0-16,0 0 0,0 0 16,0 0-16,1 0 0,-1 0 0,0-21 15,0 21-15,0-22 0,0 1 0,-21 0 16,22 0-16,-1 0 0,0 0 16,-21-22-16,21 1 0,0 21 0,0-22 15,1-20-15,-22 21 0,21-1 16,0 1-16,0 0 0,0-1 0,0-20 15,-21 20-15,0 1 0,22 0 16,-22 21-16,21-22 0,-21 22 0,0 0 0,0 0 16,0 42 15,-21 0-31,-1 0 0,22 22 0,-21-22 16,21 21-16,-21 0 0,21 1 15,-21-1-15,21 0 0,0 1 0,-21-1 16,21 0-16,0 1 0,0-1 0,0 0 15,0 1-15,0-22 0,0 21 16,0 1-16,21-22 0,0 0 16,0 0-16,0-21 0,1 0 15,-1 0-15,0 0 16,0 0-16,0-21 0,0 0 16,1 21-16,-1-21 0</inkml:trace>
   <inkml:trace contextRef="#ctx0" brushRef="#br1" timeOffset="133715.29">24807 7176 0,'0'0'0,"-21"0"15,21 21 1,21-21 0,0 0-16,1 0 15,-1 0-15,0 0 0,0 0 16,0 0-16,0-21 0,1 21 0,-1-22 15,21 22-15,-21-21 0,0 21 16,-21-21-16,22 21 0,-22-21 0,21 21 16,-21-21-16,0 0 0,-21 21 15,-1 0 1,1 0-16,0 0 0,-21 0 0,21 0 16,-1 0-16,-20 0 0,21 21 0,0 0 15,0 0-15,-1 0 0,1 22 16,0-22-16,0 21 0,21-21 0,-21 0 15,21 1-15,0 20 0,0-21 16,0 0-16,21 0 0,0 1 16,0-22-16,0 0 15,43 0-15,-43 0 0,0 0 16,0 0-16,22 0 0,-22 0 0,0 0 16,0-22-16,0 1 0,22 21 15,-22-21-15,0 0 0,21-21 0</inkml:trace>
   <inkml:trace contextRef="#ctx0" brushRef="#br1" timeOffset="134996.2">25590 6668 0,'0'0'0,"0"-22"0,0 1 0,0-21 15,0 21-15,-21 0 0,21-1 16,-21 22-16,0 0 0,0 22 15,0-1-15,-1 0 0,1 0 16,21 21-16,-21-20 0,0 20 0,0 0 16,0 1-16,-1 20 0,1-21 15,21 1-15,-21-1 0,0 22 0,21-22 16,-21 21-16,21 1 0,-21-1 0,-1 1 16,22-22-16,-21 22 0,21-1 15,0 1-15,0-1 0,-21-20 16,0 20-16,21 1 0,-21-1 0,21 1 15,-21-1-15,-1-21 0,22 22 16,-21-1-16,0-20 0,-21 63 16,42-43-16,0-21 0,-21 1 0,21-22 15,0 0-15,0 0 0,0 0 0,0 1 16,0-1-16,21-21 0,0 0 0,0 0 16,0 0-16,0 0 0,22 0 15,-1-21-15,0-1 0,-20 1 16,20 21-16,0-21 0,-21 0 0,22 0 15,-1-22-15,-21 22 0,0 0 0,1-21 0,20-1 16,-42 1-16,21 0 0,-21-1 16,21-20-16,-21 21 0,0-85 15,0 84-15,-21-20 0,0 20 16,0-20-16,-22 21 0,22-1 16,-21 1-16,21 21 0,0-22 0,-22 22 15,1 0-15,21 0 0,0 21 16,-1 0-16,22-21 31,22 21-31,-1-21 16,21 21-16,-21 0 0,0-22 15,1 22-15,20-21 0,-21 21 0,0-21 16,22 0-16,-22 21 0,21-21 16,-21 0-16,22-1 0,-22 1 0,0 0 15,21 0-15,-21 0 0,1-43 16,-1 43-16,0 0 15,-21 0-15,0 0 0,0-1 16,-21 22 0,21 22-1,-21-22-15,-1 21 0,22 0 0,0 0 16,0 0-16,-21 0 0,21 1 16,0-1-16,0 0 0,0 0 0,0 0 15,0 0-15,0 1 0,0-1 16,21-21-16,1 0 15,-1 21-15,0-21 0,0 0 16,0 0-16,0 0 0,1 0 0,-1-21 16,0 21-16,0-21 0,0-1 15,0 22-15,1-21 0,-1 0 0,0 0 16,0-21-16,0 20 0,0-20 16,1 21-16,-22 0 15,0 42 16,0 0-15,0 0-16,0 22 0,-22-22 16,22 0-16,0 0 0,0 0 0,0 22 15,-21-22-15,21 0 0,0 0 16,-21 0-16,21 0 16,0-42 30,0 0-46,0 0 0,0 0 16,0 0-16,0-1 0,0-20 16,21 21-16,-21 0 0,21-22 0,1 22 15,-1 0-15,0 0 0,0 0 16,0 0-16,0 21 0,1-22 16,20 22-16,-21 0 0,0 0 0,22 0 15,-22 0-15,0 0 0,0 0 0,21 22 16,-20-1-16,-1 0 15,-21 0-15,0 0 0,0 0 0,0 22 16,0-22-16,0 0 0,0 21 0,0-20 16,0-1-16,0 0 0,-43 21 15,43-21-15,0 1 16,-21-22-16,21 21 0,-21-21 16,21-21 15,0-1-16,21 22-15,0-21 0,-21 0 0</inkml:trace>
   <inkml:trace contextRef="#ctx0" brushRef="#br1" timeOffset="136571.53">26860 7049 0,'-21'0'31,"0"21"-31,0-21 0,21 21 16,-21 0-16,21 0 16,-21 0-16,21 1 0,0-1 0,-22 0 15,22 0-15,0 0 0,0 0 16,0 1-16,0-1 0,0 0 16,22 0-16,-1-21 15,0 0-15,0 0 16,0 0-16,0 0 0,1 0 0,-1 0 15,0-21-15,0 21 0,0-21 0,0 0 16,-21-1-16,22 1 0,-1-21 16,0 21-16,0-22 0,0 1 0,0 21 15,1-21-15,-1-1 0,-21 22 0,21-21 16,0-1-16,-21 1 16,0 0-16,21-1 0,-21 1 0,21 21 15,-21 0-15,0 0 0,0-1 0,-21 22 31,0 22-15,21-1-16,-21 0 16,21 0-16,-21 0 0,0 22 0,21-22 15,-22 21-15,22 0 0,0-20 0,-21 62 16,0-63-16,21 22 16,0-1-16,0-21 0,0 22 0,0-22 15,0 0-15,0 0 0,0 0 16,0 22-16,21-22 15,0-21-15,1 0 0,-1 0 16,0 0-16,0 0 0,0 0 0,0 0 16,1 0-16,-1-21 0,0 21 15,0-22-15,0 1 0,0 0 0,1-21 16,-1 21-16,0-1 0,-21-20 0,21 21 16,-21 0-16,21 0 0,-21-1 15,0 1-15,0 42 31,0 1-15,0-1-16,0 0 0,-21 0 16,21 0-16,0 0 0,-21 22 0,21-22 15,0 0-15,0 0 0,0 0 16,0 1-16,0-1 0,0 0 16,21-21-16,0 21 15,0-21-15,1 0 0,-1 0 16,0 0-16,21-21 0,-21 0 15,1 21-15,20-21 0,-21-1 0,0 1 16,22 0-16,-22 0 0,0-21 16,21 20-16,-21 1 0,1 0 0,-22 0 15,21 0-15,-21 0 0,21-1 0,-42 44 47,0-1-47,-1-21 0,22 21 16,-21 0-16,0 0 0,0 22 15,21-22-15,0 0 0,0 0 0,-21 0 16,21 0-16,0 1 0,0-1 16,21-21-1,0 0-15,0 0 16,0 0-16,1-21 0,-1 21 16,-21-22-16,21 1 0,-21 0 15,21 0-15,-21 0 0,0 0 0,0-1 16,0 1-16,0 0 0,0 0 15,0 0-15,0 0 0,0-1 16,0 1-16,-21 0 0,0 21 16,0 0-16,-1 0 0,1 0 15,42 0 17,1 0-17,-1 0-15,0 0 0,0-21 16,21 21-16,-20 0 0,20 0 15,-21 0-15,21 0 0,1 0 0,-22 0 16,21 0-16,-21 0 0,1 0 0,-1 0 16,0 0-16,0 0 0,-21 21 15,0 0-15,0 0 16,0 1-16,0-1 0,0 0 16,0 0-16,0 0 0,0 0 0,0 1 15,0-1-15,0 0 0,-21 0 0,21 0 16,0 0-16,-21 1 0,21-1 15,-21 0-15,21-42 47,0 0-31,0-1-16,0 1 16,0 0-16,0 0 0,0-21 15,21-1-15,0 22 0,-21 0 16,21-21-16,0 20 0,0 1 15,22 0-15,-22 0 0,21 0 16,-21 0-16,22-1 0,-22 1 0,21 21 0,1 0 16,-1 0-16,0 0 0,-21 0 15,22 0-15,-1 0 0,-21 0 16,0 21-16,1-21 0,-22 22 0,0-1 0,0 0 16,0 0-16,0 0 0,0 22 15,0-22-15,-22 0 0,22 0 0,-21 21 16,0-20-16,0-1 0,0 21 15,0-21-15,-1 0 0,1 1 16,0 20-16,21-21 0,-21-21 16,21 21-16,0 0 0,0-42 47</inkml:trace>
-  <inkml:trace contextRef="#ctx0" brushRef="#br1" timeOffset="136839.38">28173 6519 0,'0'0'0,"-21"0"0,-1 0 0,1 0 31,21 22 16,-21-22-16,0 0-31,0 21 0</inkml:trace>
+  <inkml:trace contextRef="#ctx0" brushRef="#br1" timeOffset="136839.37">28173 6519 0,'0'0'0,"-21"0"0,-1 0 0,1 0 31,21 22 16,-21-22-16,0 0-31,0 21 0</inkml:trace>
   <inkml:trace contextRef="#ctx0" brushRef="#br1" timeOffset="137117.22">26882 6795 0,'0'0'16,"21"21"-1,21-21-15,-21 0 0,0 0 16,1 0-16,20 0 0,-21 0 16,21 0-16,-20 0 0,20 0 0,0 0 15,-21-21-15,22 21 0,-22 0 0,0 0 16,21 0-16,-42-22 0,22 22 16,-1 0-16,-21-21 31,0 0-31,-21 21 15,-1 0-15</inkml:trace>
   <inkml:trace contextRef="#ctx0" brushRef="#br1" timeOffset="137383.06">26543 6604 0,'0'0'0,"-21"0"16,0 0-16,-1 0 109</inkml:trace>
-  <inkml:trace contextRef="#ctx0" brushRef="#br1" timeOffset="137570.95">25950 6752 0,'0'0'0,"-21"0"16,-21 21 0,21-21 15,-1 0-31,1 0 16</inkml:trace>
+  <inkml:trace contextRef="#ctx0" brushRef="#br1" timeOffset="137570.94">25950 6752 0,'0'0'0,"-21"0"16,-21 21 0,21-21 15,-1 0-31,1 0 16</inkml:trace>
   <inkml:trace contextRef="#ctx0" brushRef="#br1" timeOffset="139435.7">2688 9631 0,'-21'0'0,"0"0"32,21 21-32,-21-21 15,-1 0-15,1 0 16,0 0-1,21-21 17,0 0-17,21 21-15,0-21 0,1-1 16,-1 22-16,0-21 0,0 0 16,0 21-16,22 0 0,-22-21 0,21 21 15,-21 0-15,0 0 0,1 0 16,-1 0-1,-21 21-15,21 0 0,-21 0 0,0 1 16,0-1-16,0 21 0,0-21 0,0 0 16,-42 1-16,20 20 0,1-21 15,-21 0-15,21 0 0,-22 1 16,22-1-16,-21-21 0,21 21 0,0 0 0,-1-21 16,1 0-16,0 0 0,0 0 15,21-21 16,21 21-31,0-21 0,-21 0 16,21 21-16,1-22 0,-1 22 16,0 0-16,21 0 0,-21-21 15,1 21-15,-1 0 0,0 0 0,0 0 16,21 0-16,-20 0 0,-1 0 0,0 0 16,0 21-16,0-21 0,0 22 15,1-1-15,-1 0 0,-21 0 16,21 0-16,-21 0 0,21-21 15,-21 22-15,0-1 0,0 0 0,0 0 16,0 0-16,-21-21 0,0 21 0,-43 1 16,22-1-16,0 0 15,-1-21-15,22 21 0,-21-21 0,-22 0 16,22 0-16,-43 0 16,43 0-16,0 0 0,-1 0 15,22 0-15,-21 0 0,-1-21 0,22 21 16,-21-21-16,21 21 0,21-21 15,0-1-15,0 1 16,21 21 15,0-21-31,0 21 0,0 0 0,1 0 16,-1-21-16,0 0 0,0 21 0</inkml:trace>
   <inkml:trace contextRef="#ctx0" brushRef="#br1" timeOffset="139604.6">3217 9843 0,'0'0'0,"21"0"0,-42-22 31</inkml:trace>
   <inkml:trace contextRef="#ctx0" brushRef="#br1" timeOffset="139676.57">3217 9821 0</inkml:trace>
-  <inkml:trace contextRef="#ctx0" brushRef="#br1" timeOffset="140234.95">4593 9440 0,'0'0'0,"0"-21"15,0-21 1,0 21-16,-21 21 31,0 21-15,21 0-16,-21 0 0,-1 0 0,22 22 15,0-22-15,0 21 0,0 1 0,0-1 16,-21 0-16,21 1 16,-21-1-16,21 0 0,0 1 0,0-1 15,0-21-15,0 0 0,0 0 0,0 1 16,0-1-16,0 0 0,-21 0 16,21 0-1,0-42 1,-21 21-1</inkml:trace>
+  <inkml:trace contextRef="#ctx0" brushRef="#br1" timeOffset="140234.94">4593 9440 0,'0'0'0,"0"-21"15,0-21 1,0 21-16,-21 21 31,0 21-15,21 0-16,-21 0 0,-1 0 0,22 22 15,0-22-15,0 21 0,0 1 0,0-1 16,-21 0-16,21 1 16,-21-1-16,21 0 0,0 1 0,0-1 15,0-21-15,0 0 0,0 0 0,0 1 16,0-1-16,0 0 0,-21 0 16,21 0-1,0-42 1,-21 21-1</inkml:trace>
   <inkml:trace contextRef="#ctx0" brushRef="#br1" timeOffset="140743.74">4170 9694 0,'0'0'0,"-21"-21"0,21-21 0,0 21 0,-22 0 15,22-1-15,-21 1 0,21 0 0,0 0 16,0-21-16,0 20 15,0 1-15,21 0 0,1 21 0,-1-21 16,0 0-16,0 0 0,21 21 0,-20-22 16,20 22-16,0 0 0,1 0 15,-1 0-15,21 0 0,-20 22 0,-1-1 16,22 0-16,-22 0 0,21 21 0,-20 1 16,-22-1-16,21 0 0,-21 1 15,22 20-15,-22-20 0,0-1 0,-21 0 16,0 1-16,0-1 0,0-21 15,0 21-15,0-20 0,0-1 16,0 0-16,0 0 0,0 0 0,0 0 16,-21-21-16,0 0 15,0 0 1,21-21-16,0 0 0,0 0 16,0 0-16,0-22 0,0 22 0,0-21 15,0 21-15,0-22 0,0-20 16,21 21-16,0-64 15,0 42-15,0 22 0,-21 0 0,21-1 16,22 1-16,-43 0 0,21 20 0,0-41 16,0 42-1,0 21 1,1 0-16,-22 21 16,0 0-1,0 0-15,0 0 16,0 1-16,0-1 0,0 0 0,0 0 15,21 0-15</inkml:trace>
-  <inkml:trace contextRef="#ctx0" brushRef="#br1" timeOffset="141475.88">5419 9631 0,'-22'21'47,"1"-21"-47,0 21 0,21 0 0,-21 1 16,0-1-16,21 0 0,-21 0 0,21 0 15,0 0-15,0 1 0,0-1 16,0 0-16,0 0 0,0 0 0,0 0 16,0 1-16,0-1 0,21 0 31,0-21-31,0 0 0,0 0 15,0-21-15,1 21 16,-22-21-16,0-1 16,0 1-16,0 0 0,0-64 31,0 43-31,0 21 0,-22 0 0,22 0 16,0-22-16,0 22 0,0-21 15,22 21-15,-1-1 0,0 1 16,0 21-16,0 0 0,43-21 15,-43 21-15,0 0 0,21 0 0,-20 21 16,-1 0-16,0 1 0,0-1 16,0 0-16,0 0 0,1 0 0,-22 0 15,21 22-15,-21-22 0,0 0 16,0 0-16,0 22 0,0-22 0,0 0 16,0 0-16,0 0 0,0 0 15,0 1 1,0-44 15,0 1-31,0 0 16,0 0-16,0 0 0,0-22 15,0 22-15,0 0 0,0-21 0,21 21 16,0-22-16,0 1 0,0 21 16,1 0-16,-1-22 0,21 22 15,-21 0-15,22 21 0,41-21 16,-63 21-16,22 0 0,-22 0 15,0 21-15,0 0 0,0 0 16,1 0-16,-1 1 0,-21 20 0,0-21 16,0 21-16,0-20 0,0-1 0,0 42 15,0-42-15,0 1 16,-21-1-16,21 0 0,-22-21 0,22 21 16,0 0-16,-21-21 15,0 0-15</inkml:trace>
+  <inkml:trace contextRef="#ctx0" brushRef="#br1" timeOffset="141475.87">5419 9631 0,'-22'21'47,"1"-21"-47,0 21 0,21 0 0,-21 1 16,0-1-16,21 0 0,-21 0 0,21 0 15,0 0-15,0 1 0,0-1 16,0 0-16,0 0 0,0 0 0,0 0 16,0 1-16,0-1 0,21 0 31,0-21-31,0 0 0,0 0 15,0-21-15,1 21 16,-22-21-16,0-1 16,0 1-16,0 0 0,0-64 31,0 43-31,0 21 0,-22 0 0,22 0 16,0-22-16,0 22 0,0-21 15,22 21-15,-1-1 0,0 1 16,0 21-16,0 0 0,43-21 15,-43 21-15,0 0 0,21 0 0,-20 21 16,-1 0-16,0 1 0,0-1 16,0 0-16,0 0 0,1 0 0,-22 0 15,21 22-15,-21-22 0,0 0 16,0 0-16,0 22 0,0-22 0,0 0 16,0 0-16,0 0 0,0 0 15,0 1 1,0-44 15,0 1-31,0 0 16,0 0-16,0 0 0,0-22 15,0 22-15,0 0 0,0-21 0,21 21 16,0-22-16,0 1 0,0 21 16,1 0-16,-1-22 0,21 22 15,-21 0-15,22 21 0,41-21 16,-63 21-16,22 0 0,-22 0 15,0 21-15,0 0 0,0 0 16,1 0-16,-1 1 0,-21 20 0,0-21 16,0 21-16,0-20 0,0-1 0,0 42 15,0-42-15,0 1 16,-21-1-16,21 0 0,-22-21 0,22 21 16,0 0-16,-21-21 15,0 0-15</inkml:trace>
   <inkml:trace contextRef="#ctx0" brushRef="#br1" timeOffset="141595.81">7387 9673 0,'0'0'0,"85"-21"0,-1 21 0,1-21 0,-21 21 16</inkml:trace>
   <inkml:trace contextRef="#ctx0" brushRef="#br1" timeOffset="142251.44">7281 9546 0,'21'0'0,"-42"0"0,64-21 16,-22 0-16,0 21 0,0-21 0,21 21 15,-20-21-15,-1-1 0,0 22 16,0-21-16,0 0 0,0 21 0,-21-21 15,0 0-15,0 0 0,0-1 16,-42 1-16,21 0 16,0 21-16,-22 0 0,1 0 0,0 0 15,-1 0-15,1 0 0,0 0 0,-43 21 16,64-21-16,-21 21 16,20 1-16,-20-22 0,42 21 0,0 0 15,-21 0-15,21 0 16,0 0-16,21-21 0,0 22 0,0-1 15,1 0-15,-1-21 0,21 21 16,-21 0-16,22 0 0,-22 1 0,21-22 16,-21 21-16,22 0 0,-22 0 15,21-21-15,-21 21 0,0 0 0,1 1 16,-1-1-16,-21 0 0,0 0 16,0 0-16,0 0 0,-21-21 0,-1 22 15,-20-1-15,21 0 0,-21-21 16,-1 21-16,1-21 0,-22 21 0,22-21 15,0 0-15,-1 0 0,1 0 16,0 0-16,-1 0 0,1 0 0,21 0 16,0 0-16,-22-21 0,22 21 15,0-21-15,21 0 0,-21 0 0,0-1 16,21 1-16,-21 0 0,21 0 0,0 0 16,0 0-16,0-1 0,0 1 15,21 0-15,0 21 0,0 0 16,0-21-16,0 21 0,22-21 0,-22 21 15,0 0-15,21-21 0,-20 21 16</inkml:trace>
   <inkml:trace contextRef="#ctx0" brushRef="#br1" timeOffset="142599.24">7705 9208 0,'0'0'16,"0"21"15,-22 0-31,22 0 16,0 0-16,-21 22 0,21-22 0,0 0 15,0 21-15,0 1 0,0-22 16,0 21-16,0 0 0,-21 1 15,0-22-15,21 21 0,-21 1 0,21-22 16,0 21-16,-21-21 0,-1 0 0,22 1 16,0-1-16,0 0 0,22-42 47,-1 21-47,-21-21 15,0-1-15,21 22 0,0-21 16,-21 0-16</inkml:trace>
   <inkml:trace contextRef="#ctx0" brushRef="#br1" timeOffset="142840.15">7493 9567 0,'0'0'0,"-21"0"0,21 22 16,21-22-1,0 0-15,0 0 16,0 0-16,22 0 16,-22 0-16,0 0 0,0 0 0,0-22 15,22 22-15,-22 0 0,0 0 16,0 0-16,0 0 16,-21-21-16,22 21 0</inkml:trace>
-  <inkml:trace contextRef="#ctx0" brushRef="#br1" timeOffset="143484.85">8255 9631 0,'42'0'31,"-21"-21"-15,1 0-16,-22-1 16,0 1-16,0 0 15,0 0-15,0 0 0,0 0 16,0-1-16,-22 1 16,1 21-16,0-21 15,0 21-15,0 0 0,0 0 0,-1 0 16,1 0-16,0 21 0,0-21 0,0 21 15,0 1-15,-1-1 0,1 0 16,0 21-16,0-21 0,0 22 16,0-22-16,-1 21 0,1 1 0,0 62 15,21-83 1,0-1-16,0 0 0,0 0 0,0 0 16,0 0-16,21-21 0,0 0 0,1 0 15,-1 0-15,0 0 0,0 0 0,0 0 16,0 0-16,22 0 0,-22-21 15,0 0-15,0 21 0,22-21 0,-22 0 16,0 0-16,0-1 0,0 1 0,0-21 16,22 21-16,-43 0 0,21-22 15,0 22-15,-21-21 0,0 21 0,0-1 16,0-20-16,0 0 16,0 21-16,-21 21 31,0 0-31,21 21 0,0 0 15,0 0-15,0 0 0,0 22 0,0-22 16,0 0-16,0 21 0,0-21 16,0 1-16,0 20 0,0-21 0,0 0 15,0 0-15,0 1 0,0-1 16,21-21 0,0 0-16,0 0 15,0 0-15,-21-21 0,22 21 0,-1-22 16,0 1-16,0 0 0,0 0 15</inkml:trace>
+  <inkml:trace contextRef="#ctx0" brushRef="#br1" timeOffset="143484.84">8255 9631 0,'42'0'31,"-21"-21"-15,1 0-16,-22-1 16,0 1-16,0 0 15,0 0-15,0 0 0,0 0 16,0-1-16,-22 1 16,1 21-16,0-21 15,0 21-15,0 0 0,0 0 0,-1 0 16,1 0-16,0 21 0,0-21 0,0 21 15,0 1-15,-1-1 0,1 0 16,0 21-16,0-21 0,0 22 16,0-22-16,-1 21 0,1 1 0,0 62 15,21-83 1,0-1-16,0 0 0,0 0 0,0 0 16,0 0-16,21-21 0,0 0 0,1 0 15,-1 0-15,0 0 0,0 0 0,0 0 16,0 0-16,22 0 0,-22-21 15,0 0-15,0 21 0,22-21 0,-22 0 16,0 0-16,0-1 0,0 1 0,0-21 16,22 21-16,-43 0 0,21-22 15,0 22-15,-21-21 0,0 21 0,0-1 16,0-20-16,0 0 16,0 21-16,-21 21 31,0 0-31,21 21 0,0 0 15,0 0-15,0 0 0,0 22 0,0-22 16,0 0-16,0 21 0,0-21 16,0 1-16,0 20 0,0-21 0,0 0 15,0 0-15,0 1 0,0-1 16,21-21 0,0 0-16,0 0 15,0 0-15,-21-21 0,22 21 0,-1-22 16,0 1-16,0 0 0,0 0 15</inkml:trace>
   <inkml:trace contextRef="#ctx0" brushRef="#br1" timeOffset="144440.31">8826 9144 0,'0'0'0,"0"-21"0,0 0 15,-21 21 1,0 0-1,21 21 1,0 0-16,0 0 0,0 0 0,0 1 16,0-1-16,0 21 0,0-21 15,0 22-15,0-1 0,0-21 0,0 21 16,0 43-16,0-43 0,-21-20 16,21 20-16,0 0 0,0-21 0,-21 1 15,21 20-15,0-21 0,0 0 16,0 0-16,0 1 0,21-22 31,0 0-31,0 0 16,0 0-16,1-43 15,-1 43-15,0-21 0,0 0 0,0 0 16,0-22-16,1 22 0,-1 0 0,0-21 16,-21 21-16,21-1 0,0 1 15,-21 0-15,0 0 0,21 0 0,1 21 16,-22 21 15,0 0-31,0 21 0,0-20 16,0-1-16,0 0 0,0 21 0,0-21 15,0 1-15,0-1 0,0 0 16,0 0-16,0 0 0,0 0 0,0 1 16,21-22-16,0 0 15,0 0-15,0 0 16,0 0-16,1-22 0,-1 1 15,0 21-15,0-21 16,-21 0-16,21 0 0,0-22 0,1 22 16,-1-21-16,-21 21 0,42-22 0,-21 22 15,0-21-15,1 21 0,-1 0 16,0-1-16,0 1 0,-21 0 0,21 0 16,0 21-16,1 0 0,-1 0 31,0 0 0,-21-21 32,0 0-32,-21 21-31,0 0 15,-1 0-15,1 0 0,21 21 16,0 0-16,-21-21 0,0 21 16,21 0-16,0 0 0,-21 1 0,0 20 15,-1 21-15,22-41 16,-21-1-16,21 21 0,0-21 0,0 0 16,0 22-16,0-22 0,0 0 15,21 0-15,1 0 0,-1-21 16,0 0-16,0 0 0,21 0 15,-20 0-15,-1 0 0,0 0 16,0 0-16,21 0 0,-20-21 0,-1 0 16,0 21-16,0-21 0,0 0 0,22 0 15,-22-1-15,0 1 0,0-21 0,0 21 16,-21-22-16,0 22 0,21-21 16</inkml:trace>
   <inkml:trace contextRef="#ctx0" brushRef="#br1" timeOffset="144663.2">9758 9081 0,'-43'0'16,"22"0"-16,0 0 62,0 0-46,0 0-1,0 0-15,-1 0 0</inkml:trace>
-  <inkml:trace contextRef="#ctx0" brushRef="#br1" timeOffset="144871.82">8869 9335 0,'0'42'31,"21"-42"-15,0 0-16,0 0 0,0 0 15,1 0-15,-1 0 0,21 0 0,-21 0 16,0 0-16,22 0 0,-22-21 0,0 21 15,0-21-15,0 21 0</inkml:trace>
+  <inkml:trace contextRef="#ctx0" brushRef="#br1" timeOffset="144871.81">8869 9335 0,'0'42'31,"21"-42"-15,0 0-16,0 0 0,0 0 15,1 0-15,-1 0 0,21 0 0,-21 0 16,0 0-16,22 0 0,-22-21 0,0 21 15,0-21-15,0 21 0</inkml:trace>
   <inkml:trace contextRef="#ctx0" brushRef="#br1" timeOffset="145916">10308 9462 0,'0'21'47,"0"0"-31,0 0-16,0 21 15,0-20-15,0-1 0,0 0 0,0 0 16,0 0-16,0 0 0,0 1 0,0-1 15,0 0-15,0 0 0,0 0 16,0-42 31,0 0-47,0 0 16,0 0-16,0-1 0,0 1 0,0 0 15,0 0-15,0 0 0,0 0 16,21-1-16,0-20 0,-21 21 15,22 0-15,-1 0 0,-21-1 0,21 1 16,0 0-16,0 21 0,0-21 0,1 21 16,-1 0-16,21 0 0,-21 0 15,0 0-15,1 21 0,20-21 16,-21 21-16,0 0 0,0 1 0,1 20 16,-1-21-16,-21 0 0,0 22 0,0-22 15,0 0-15,0 0 0,0 0 16,0 0-16,0 1 0,0-1 0,0 0 15,-21 0-15,-1-21 16,22-21 15,0 0-31,0 0 16,0-1-16,0 1 16,0 0-16,0 0 0,22 0 0,-1-22 15,-21 22-15,21 0 0,0 0 0,0 0 16,0-22-16,22 22 0,-22 21 15,21-21-15,1 0 0,-22 21 0,21 0 16,0 0-16,1 0 0,-1 0 0,0 0 16,-20 0-16,-1 21 0,21 0 0,-42 0 15,21 43 1,-21-43-16,0 43 0,0-22 16,0-21-16,-21 21 0,0-20 0,0-1 15,0 0-15,21 0 0,-22 0 16,1-21-16,21 21 0,-21-21 15,42 0 17,0-21-32,-21 0 0,22 21 15,-1-21-15,0 0 0</inkml:trace>
   <inkml:trace contextRef="#ctx0" brushRef="#br1" timeOffset="146319.76">11578 9525 0,'0'0'0,"21"0"47,0-21-47,1 0 0,-1 0 15,0 21-15,0-22 0,0 22 16,-21-21-16,21 0 0,1 21 0,-22-21 15,21 0-15,-21 0 16,0-1-16,0 1 0,0 0 16,0 0-16,-21 21 0,-1 0 0,1 0 15,0 0-15,0 0 0,0 0 16,0 0-16,-1 21 0,1 0 0,0 0 16,21 1-16,-21 20 0,0-21 0,0 21 15,21-20-15,0 20 0,0-21 0,0 21 16,0-20-16,0 20 0,0-21 15,0 0-15,0 0 0,21 1 0,-21-1 16,21-21-16,0 21 0,0-21 0,0 0 16,1 0-16,-1 0 0,21 0 0,-21 0 15,0-21-15,1 21 0,20-21 16,-21-1-16,21 1 0,1 0 16,-1 0-16,0 0 0</inkml:trace>
   <inkml:trace contextRef="#ctx0" brushRef="#br1" timeOffset="146599.6">12361 8996 0,'0'0'0,"0"-21"0,-21 21 31,21 21-15,-21 0-16,21 21 0,-21-20 15,21 20-15,0 0 0,0-21 0,-21 22 16,21-1-16,-22 0 0,22 1 15,0-1-15,-21-21 0,21 22 0,0-1 16,0 0-16,0-21 0,-21 1 16,21 20-16,0-21 0,0 0 0,0 0 15,0 1-15,21-22 32,-21-22-17,21 1-15,1 0 0,-1 0 0,0 0 16,-21 0-16</inkml:trace>
   <inkml:trace contextRef="#ctx0" brushRef="#br1" timeOffset="147111.65">12721 8890 0,'0'0'0,"-21"21"0,21 0 16,-21 1-16,21-1 0,-21 21 15,21-21-15,0 22 0,0-1 0,0 0 16,-22 1-16,22 41 0,0-41 16,0-1-16,0-21 0,0 21 0,-21 1 15,21-1-15,0-21 0,0 0 16,0 1-16,0-1 0,-21 0 0,21 0 16,0 0-16,0 0 15,0-42 16,0 0-31,0 0 0,0 0 16,0-22-16,0 22 0,0 0 16,0 0-16,0-21 0,0 20 15,21-20-15,0 21 0,1 0 0,-1-22 16,0 22-16,0 0 0,21 0 0,-20 21 16,-1-21-16,21 21 0,-21 0 15,22 0-15,-22 0 0,0 0 16,0 0-16,0 21 0,-21 0 0,0 0 15,21 0-15,-21 1 0,0-1 0,0 0 16,0 21-16,0-21 0,0 1 16,0 20-16,-21-21 0,21 0 0,-21 0 15,0 1-15,0-1 0,21 0 0,0 0 16,-21 0-16,-1-21 16,1 0-1,21-21 1,0 0-16,-21 0 15</inkml:trace>
   <inkml:trace contextRef="#ctx0" brushRef="#br1" timeOffset="147324.51">12213 9292 0,'0'0'16,"21"0"15,0 0-15,1 0-16,20 0 0,-21 0 15,0 0-15,0 0 0,1 0 0,-1 0 16,21 0-16,-21 0 0,0-21 16,1 21-16,20-21 0,-21 21 0</inkml:trace>
-  <inkml:trace contextRef="#ctx0" brushRef="#br1" timeOffset="147797.45">13441 9250 0,'-21'0'16,"-1"21"-1,1-21-15,0 21 0,0 0 0,0-21 16,0 22-16,21-1 0,-22 0 16,1 0-16,0 0 0,0 0 0,21 1 15,-21 20-15,21-21 0,-21 0 0,21 0 16,0 1-16,0-1 0,0 0 16,0 0-16,21 0 0,0-21 15,0 21-15,0-21 0,0 0 16,1 0-16,-1 0 0,21 0 0,-21 0 15,0 0-15,1-21 16,-1 21-16,0-21 0,0 0 0,0 21 0,0-21 16,-21 0-16,22-1 0,-1 1 15,0-21-15,-21 21 0,0 0 16,0-1-16,0 1 0,0 0 0,0-21 16,-21 21-16,0-1 0,-1 1 0,1 21 15,0-21-15,0 21 0,-21 0 0,20 0 16,1 0-16,0 0 0,0 0 15,0 0-15,0 21 16,21 0-16,0 1 16,21-22-1,-21 21-15,21-21 0,0 0 16</inkml:trace>
-  <inkml:trace contextRef="#ctx0" brushRef="#br1" timeOffset="148411.88">14203 9271 0,'-21'0'16,"42"0"-16,-64 0 0,22-21 0,0 21 15,0 0-15,0 0 16,0 0-16,-1 0 0,1 0 15,0 0-15,0 21 0,-21-21 0,20 21 16,1 0-16,21 1 0,-21-22 0,0 21 16,21 0-16,-21 21 0,21-21 15,0 1-15,0-1 0,0 0 0,0 0 16,0 0-16,0 0 0,0 1 0,0-1 16,0 0-16,21-21 15,0 21-15,0-21 0,0 0 16,22 0-16,-22 0 0,0 0 15,0 0-15,0-21 0,22 21 16,-22-21-16,0 0 0,0 21 16,0-22-16,22 1 0,-22 0 0,0 0 15,0-21-15,0 20 0,1-20 0,-1 21 16,-21-21-16,21-1 0,0 1 16,0 0-16,0-1 0,-21 1 0,0 0 15,22-22-15,-22 43 0,21-21 0,-21-1 16,0 1-16,0 21 0,0 0 15,0-1-15,-21 44 16,-1-22 0,22 42-16,0-21 0,-21 21 15,0 1-15,21-1 0,-21 0 0,0 1 16,21-1-16,-21 22 0,21-43 16,0 42-16,0-42 0,0 22 15,0-1-15,0-21 0,0 22 0,0-22 16,0 21-16,0-21 0,0 0 0,0 1 15,21-22-15,0 21 0,21-21 16,-21 0-16,1 0 0,-1 0 16,21 0-16,-21 0 0,22-21 0,-22 21 15,0-22-15</inkml:trace>
+  <inkml:trace contextRef="#ctx0" brushRef="#br1" timeOffset="147797.44">13441 9250 0,'-21'0'16,"-1"21"-1,1-21-15,0 21 0,0 0 0,0-21 16,0 22-16,21-1 0,-22 0 16,1 0-16,0 0 0,0 0 0,21 1 15,-21 20-15,21-21 0,-21 0 0,21 0 16,0 1-16,0-1 0,0 0 16,0 0-16,21 0 0,0-21 15,0 21-15,0-21 0,0 0 16,1 0-16,-1 0 0,21 0 0,-21 0 15,0 0-15,1-21 16,-1 21-16,0-21 0,0 0 0,0 21 0,0-21 16,-21 0-16,22-1 0,-1 1 15,0-21-15,-21 21 0,0 0 16,0-1-16,0 1 0,0 0 0,0-21 16,-21 21-16,0-1 0,-1 1 0,1 21 15,0-21-15,0 21 0,-21 0 0,20 0 16,1 0-16,0 0 0,0 0 15,0 0-15,0 21 16,21 0-16,0 1 16,21-22-1,-21 21-15,21-21 0,0 0 16</inkml:trace>
+  <inkml:trace contextRef="#ctx0" brushRef="#br1" timeOffset="148411.87">14203 9271 0,'-21'0'16,"42"0"-16,-64 0 0,22-21 0,0 21 15,0 0-15,0 0 16,0 0-16,-1 0 0,1 0 15,0 0-15,0 21 0,-21-21 0,20 21 16,1 0-16,21 1 0,-21-22 0,0 21 16,21 0-16,-21 21 0,21-21 15,0 1-15,0-1 0,0 0 0,0 0 16,0 0-16,0 0 0,0 1 0,0-1 16,0 0-16,21-21 15,0 21-15,0-21 0,0 0 16,22 0-16,-22 0 0,0 0 15,0 0-15,0-21 0,22 21 16,-22-21-16,0 0 0,0 21 16,0-22-16,22 1 0,-22 0 0,0 0 15,0-21-15,0 20 0,1-20 0,-1 21 16,-21-21-16,21-1 0,0 1 16,0 0-16,0-1 0,-21 1 0,0 0 15,22-22-15,-22 43 0,21-21 0,-21-1 16,0 1-16,0 21 0,0 0 15,0-1-15,-21 44 16,-1-22 0,22 42-16,0-21 0,-21 21 15,0 1-15,21-1 0,-21 0 0,0 1 16,21-1-16,-21 22 0,21-43 16,0 42-16,0-42 0,0 22 15,0-1-15,0-21 0,0 22 0,0-22 16,0 21-16,0-21 0,0 0 0,0 1 15,21-22-15,0 21 0,21-21 16,-21 0-16,1 0 0,-1 0 16,21 0-16,-21 0 0,22-21 0,-22 21 15,0-22-15</inkml:trace>
   <inkml:trace contextRef="#ctx0" brushRef="#br1" timeOffset="149183.44">15494 9440 0,'-21'0'0,"42"0"0,-63 0 0,20 0 16,1 0-16,0-21 0,-21 21 0,21 0 16,-1 0-16,1 0 0,0 0 0,0 0 15,0 0-15,0 0 0,-1 0 16,1 0-16,42 0 31,22 0-15,-22 0-16,21 0 0,1 0 0,-1 0 15,21 0-15,-20 0 0,20 0 0,1 0 16,-22 0-16,22 0 0,-1 0 0,1 0 16,-22 0-16,21 0 0,-20 0 15,-1 0-15,22 0 0,-22 0 0,-21 0 16,21 0-16,-20 0 0,-1 0 15,0 0-15,-21-21 16,-21 21 15,0-21-31,-1 21 16,1 0-16</inkml:trace>
   <inkml:trace contextRef="#ctx0" brushRef="#br1" timeOffset="149616.04">16023 9208 0,'0'0'0,"-21"0"16,0 0 0,0 21-1,21 0-15,0 0 16,21-21-16,0 21 15,0-21-15,0 0 0,64 21 16,-64-21-16,43 0 16,-22 0-16,0 0 0,-21 0 15,22 0-15,-22 0 0,21 0 0,-21 0 16,1 0-16,-1 0 0,-42 22 31,-1-22-15,-20 21-16,21-21 0,-21 21 0,20 0 15,-20 0-15,21 0 0,-21 1 16,-1 20-16,22-21 0,-21 0 16,-1 22-16,22-22 0,0 21 0,0-21 15,-21 0-15,-1 22 0,22-22 16,21 0-16,0 0 0,-21-21 16,21 21-16,0-42 46</inkml:trace>
   <inkml:trace contextRef="#ctx0" brushRef="#br1" timeOffset="151235.04">17589 9356 0,'0'-21'62,"0"-1"-46,0 1-16,0 0 16,0 0-16,0 0 15,0 0-15,0-1 0,-21 1 16,0 21-16,0-21 0,0 21 0,0 0 15,-1 0-15,1 0 0,-42 0 16,42 0-16,-22 21 0,1 0 16,21 1-16,-22 20 0,1-21 0,0 21 15,21 1-15,-22-1 0,22-21 16,0 22-16,0-1 0,0 0 0,21 1 16,-22-22-16,22 21 0,0-21 0,0 0 15,0 1-15,22-22 16,-1 21-16,0-21 0,0 0 0,0 0 15,22 0-15,-22 0 0,21 0 0,0-21 16,-20-1-16,20 1 0,0 21 16,1-21-16,-22 0 0,21-21 0,-21 20 15,0 1-15,1 0 0,-1 0 0,0-21 16,0 20-16,-21 1 16,0-21-16,21 21 0,-21 0 0,0-1 0,21 1 15,-21 0-15,0 0 16,0 42-1,0 0-15,0 0 16,0 1-16,0 20 0,0-21 16,0 0-16,0 0 0,0 1 0,0-1 15,0 21-15,22-21 16,-22 0-16,0 1 0,0-1 0,42 0 16,-21-21-1,0 0 1,0 0-16,-21-21 0,22 21 15</inkml:trace>
@@ -989,7 +1206,7 @@
   <inkml:trace contextRef="#ctx0" brushRef="#br1" timeOffset="153364.7">19833 9271 0,'0'-21'31,"0"0"-31,0 0 16,21 21 0,0 0-16,1 0 0,-1 0 15,0 0-15,0 0 0,0 0 16,0 21-16,1 0 0,20 21 15,-21-21-15,0 1 0,0 20 16,1-21-16,-1 21 0,-21-20 16,0-1-16,0 21 0,0-21 0,0 0 15,0 1-15,0-1 0,0 0 0,0 0 16,0 0-16,-21-21 0,21 21 0,-22-21 16,1 0-1,0-21 1,21 0-16,0 0 15,-21 0-15,21 0 0,0-1 16,0 1-16,21 0 0,0 0 0,0-21 16,1 20-16,-1-20 0,0 21 0,0 0 15,0 0-15,0-22 0,1 43 16,-1-21-16,0 0 0,0 21 0,0 0 16,0 0-16,1 0 0,-1 0 15,0 0-15,0 0 0,0 0 16,0 0-16,1 0 15</inkml:trace>
   <inkml:trace contextRef="#ctx0" brushRef="#br1" timeOffset="153920.96">21061 9356 0,'0'-21'0,"0"42"0,0-64 16,0 22-16,0 0 0,0 0 16,0 0-16,0 0 15,-21-1-15,-1 22 16,1 0-16,0 0 0,0 0 0,0 0 16,0 22-16,-1-1 0,-20 0 15,21 0-15,-21 0 0,20 0 0,-20 1 16,21 20-16,0-21 0,0 0 0,-1 22 15,1-22-15,0 0 0,21 21 16,-21-21-16,21 1 0,0-1 16,0 0-16,0 0 0,21 0 15,0-21-15,0 21 0,1-21 16,-1 0-16,0 0 0,0 0 0,0 0 16,0 0-16,22-21 0,-22 0 0,0 0 15,0 0-15,0 0 0,1-1 16,-1 1-16,0 0 0,0 0 0,0-21 15,22-1-15,-43 1 16,0 21-16,21 0 0,-21-1 0,21 1 0,-21 0 16,0 42-1,-21 0 1,21 1-16,-21-1 16,21 0-16,0 0 0,0 0 15,0 0-15,0 22 0,0-22 0,0 0 16,0 0-16,0 0 0,0 1 15,0-1-15,0 0 16,21-21-16,0 0 0,0 0 16,0 0-16,0 0 0,1 0 0,-1 0 15,0-21-15,21 21 0,-21-21 0</inkml:trace>
   <inkml:trace contextRef="#ctx0" brushRef="#br1" timeOffset="154522.6">21738 9144 0,'0'0'0,"0"-21"0,-21 21 31,0 0-31,0 0 0,21 21 16,-22-21-16,1 21 0,0 0 0,0 1 16,21 20-16,-21-21 0,0 0 0,21 22 15,0-22-15,0 21 0,-22-21 16,22 0-16,0 1 0,0 20 15,0-21-15,0 0 0,0 0 0,22 1 16,-22-1-16,21-21 0,0 21 0,0-21 16,0 0-16,0 0 15,1 0-15,-1 0 0,21 0 16,-21-21-16,22 21 0,-22-21 0,0-1 16,0 1-16,0 0 0,0-21 15,43-22-15,-43 43 0,0-21 16,0-1-16,1 1 0,-1-21 0,0 20 15,0 1-15,0-22 0,-21 22 16,21 0-16,-21-22 0,22 22 0,-22 0 16,0-43-1,0 64-15,0 0 16,-22 21-16,1 21 16,0-21-16,21 42 15,-42 0-15,42 1 0,-21-1 16,-1 0-16,22 1 0,0-1 0,0 0 15,-21 1-15,21-1 0,0 0 0,0 1 16,-21-22-16,21 21 0,0 22 16,0-43-16,0 0 0,21 0 15,-21 0-15,0 1 0,21-1 0,-21 0 16,22-21-16,-1 0 16,0 0-16,0 0 15,0 0-15,0 0 0,1 0 16,-1-21-16,0 21 15,0-21-15,-21-1 0,21 22 16,0-21-16,1 0 0,-22 0 16,21 0-16</inkml:trace>
-  <inkml:trace contextRef="#ctx0" brushRef="#br1" timeOffset="154791.48">22013 9081 0,'21'0'16,"1"0"-16,-1 0 16,21-22-16,-21 22 0,0 0 15,22 0-15,-22-21 0,21 21 0,1 0 16,-22 0-16,0 0 0,21 0 0,-21 0 15,1 0-15,-1 0 0,0 0 16,0 0-16,0 0 0,0 0 16</inkml:trace>
+  <inkml:trace contextRef="#ctx0" brushRef="#br1" timeOffset="154791.47">22013 9081 0,'21'0'16,"1"0"-16,-1 0 16,21-22-16,-21 22 0,0 0 15,22 0-15,-22-21 0,21 21 0,1 0 16,-22 0-16,0 0 0,21 0 0,-21 0 15,1 0-15,-1 0 0,0 0 16,0 0-16,0 0 0,0 0 16</inkml:trace>
   <inkml:trace contextRef="#ctx0" brushRef="#br1" timeOffset="155058.74">22945 9462 0</inkml:trace>
   <inkml:trace contextRef="#ctx0" brushRef="#br1" timeOffset="166559.44">2519 11028 0,'0'-21'0,"-21"21"15,-1 0-15,22 21 47,0 0-31,0 21-16,0-20 0,-21 20 0,21 0 15,0 1-15,-21-1 0,0 21 0,21-20 16,-21-1-16,21 0 0,-21 1 16,-22-22-16,22 21 0,0-21 0,0 1 15,0-1-15,21 0 16,0 0-16,-22-21 0,22-21 47,0 0-47,0 0 15,22 21-15,-1 0 16,-21-22-16,21 22 0,0 0 0,0 0 16,0-21-16,1 21 0,-1 0 0,0 0 15,0 0-15,0 0 0,0 0 16,1 0-16,-1 0 0,21 0 0,-21 0 15,0 0-15,1 0 16,-1 0-16,0 0 0,0-21 0,-21 0 16,21 21-16,-21-21 15,21 0-15,-21-1 0,0 1 16,22 0-16,-22 0 0,0 0 0,0 0 16,0-22-16,0 22 15,0 0-15,0 0 0,0 0 16,0-1-16,-22 22 0,1 0 31,21 22-31,0-1 0,-21 0 0,21 0 16,0 0-16,0 0 0,0 22 0,0-22 15,-21 21-15,21-21 0,0 22 16,-21-1-16,21-21 0,0 0 16,0 22-16,0-22 0,0 0 15,0 21-15,-21-20 0,21-1 0,0 0 0,-22 0 16,22 0-16,0 0 15,0-42 32,22 21-47,-22-21 16,21 0-16,0 0 0</inkml:trace>
   <inkml:trace contextRef="#ctx0" brushRef="#br1" timeOffset="166911.23">3069 11557 0,'0'0'0,"21"0"0,-21 21 16,21-21-1,1 0 1,-1 0-1,-21-21-15,0 0 16,0 0-16,0 0 16,0-1-16,0 1 15,-21 21 1,-1 0 0,22 21-16,0 1 15,0-1-15,0 0 16,0 0-16,0 0 15</inkml:trace>
@@ -1022,7 +1239,7 @@
   <inkml:trace contextRef="#ctx0" brushRef="#br1" timeOffset="-203417.3">19071 12150 0,'-21'0'0,"42"0"0,-63 21 16,21-21-16,21 21 0,-22-21 0,1 0 16,42 0 15</inkml:trace>
   <inkml:trace contextRef="#ctx0" brushRef="#br1" timeOffset="-202896.41">21865 12383 0,'0'0'0,"0"-22"16,0 1 0,-21 42 15,0-21-31,0 22 15,21-1-15,-22 0 0,1 0 16,21 0-16,-21 0 0,21 1 16,-21-1-16,0 0 0,21 0 0,-21 21 15,21-20-15,0-1 0,0 0 16,0 0 0,21-21-1,0 0-15,0 0 0,0 0 16</inkml:trace>
   <inkml:trace contextRef="#ctx0" brushRef="#br1" timeOffset="-202504.64">22246 12319 0,'0'0'0,"0"-21"15,-21 21 1,0 0-16,0 0 0,-1 0 0,1 0 15,0 0-15,0 0 0,0 0 0,0 21 16,-1 0-16,1 0 16,0 1-16,21-1 15,0 0 1,21-21-16,0 0 16,1 21-16,-1-21 0,0 0 0,0 0 15,0 21-15,0-21 0,1 21 0,-1-21 16,0 22-16,0-22 0,-21 21 15,0 0-15,0 0 0,0 0 16,0 0-16,-21-21 0,21 22 16,-21-22-16,0 0 0,-1 21 15,-20-21-15,21 0 0,0 21 0,0-21 16,-1 0-16,1 0 0,0 0 0,0 0 16,0 0-1,21-21 1,0 0-1,0-1-15,0 1 0</inkml:trace>
-  <inkml:trace contextRef="#ctx0" brushRef="#br1" timeOffset="-202312.74">21780 12213 0,'0'0'0,"0"-21"0,-21 21 15,0-21-15,21 0 32</inkml:trace>
+  <inkml:trace contextRef="#ctx0" brushRef="#br1" timeOffset="-202312.75">21780 12213 0,'0'0'0,"0"-21"0,-21 21 15,0-21-15,21 0 32</inkml:trace>
   <inkml:trace contextRef="#ctx0" brushRef="#br1" timeOffset="-201797.06">23283 12340 0,'0'-106'31,"0"85"-31,0 0 16,0 42 15,0 0-31,0 22 0,0-22 16,0 21-16,0 1 0,-21-1 15,21 0-15,0 22 0,-21-22 0,21 22 16,0-1-16,0 1 0,-21-1 0,0 1 16,21 20-16,-22-20 0,1 20 0,0-20 15,0 21-15,0-22 0,-22 85 16,1-63-16,21-22 0,0 1 15,0-1-15,-1-20 0,-20 20 0,21-20 16,0-1-16,21-21 0,-21 21 16,21-20-16,0-44 31,21-20-31,-21 21 16,21-21-16,0-1 0</inkml:trace>
   <inkml:trace contextRef="#ctx0" brushRef="#br1" timeOffset="-201401.28">23135 12573 0,'0'0'0,"-21"-42"16,0 21-16,0-22 0,21 22 0,-22-42 16,22 41-16,0-20 15,0 21-15,0-21 0,0 20 0,0 1 16,0 0-16,22 0 0,-1 0 0,0 0 15,0-1-15,21 1 0,-20 21 16,20 0-16,43-21 0,-64 21 16,21 0-16,0 0 0,1 21 0,-1 0 15,-21 1-15,0-1 0,1 21 16,-22-21-16,0 22 0,0-22 0,0 21 16,0-21-16,-22 0 0,1 22 15,0-22-15,-21 21 16,-1-21-16,22 1 0,-21-22 0,21 21 15,0 0-15,-1-21 0,1 0 0,21 21 16,21-21 47,1 0-63,-1-21 0,0 21 15,21-21-15,-21 21 0,1-21 0,-1-1 16</inkml:trace>
   <inkml:trace contextRef="#ctx0" brushRef="#br1" timeOffset="-200969.52">23791 12192 0,'0'0'0,"0"-21"0,0 0 16,0 42 15,-21 0-31,21 0 0,0 22 16,-21-1-16,21-21 0,0 0 0,-21 22 15,21-22-15,0 0 0,0 0 16,0 21-16,0-20 0,0-1 0,0 0 16,0 0-16,21-21 0,0 0 15,0 0 1,0 0-16,1 0 0,-1 0 0,0 0 16,0 0-16,0-21 0,0 21 0,1-21 0,-1 0 15,0-1-15,0 1 16,21-42-16,-42 20 0,0 22 15,0-21-15,0 21 0,22 0 0,-22-22 16,0 22-16,-22 21 16,22 21-1,0 0-15,-21 1 0,0-1 0,21 21 16,-21-21-16,21 22 0,0-22 16,0 0-16,0 21 0,0-21 0,0 1 15,0-1-15,0 0 0,0 0 16,0 0-16,21-21 15,0 0-15,0 0 16,1 0-16,-1 0 0,-21-21 16,21 21-16,0-21 0,0 0 0</inkml:trace>
@@ -1035,7 +1252,7 @@
   <inkml:trace contextRef="#ctx0" brushRef="#br1" timeOffset="-184440.52">5334 14330 0,'0'0'0,"0"-21"0,0 42 31,0 0-15,-21 0-16,21 0 0,0 22 15,0-22-15,0 21 0,0-21 16,0 22-16,0-1 0,-21 0 0,21 1 16,0-1-16,0 0 0,0-20 15,0 20-15,0-21 0,-22 21 0,22 1 16,-21-22-16,21 21 0,0-21 0,-21 1 16,21 20-16,-21-21 0,21 0 15,-21 0-15,21 1 0,0-1 31,0-42-15,0-1-16,0 1 16,0 0-16,0 0 15,0 0-15,0 0 0,0-1 16,0 1-16,21 0 0,0 0 16,0 0-16,0 0 0,1-1 15,-1 22-15,0-21 0,0 21 16,0 0-16,0-21 0,1 21 0,-1 0 15,0 0-15,0 0 0,21 0 0,-20 0 16,-1 0-16,0 0 0,0 0 0,0 21 16,0 0-16,1 1 15,-22-1-15,21 0 0,-21 0 16,0 0-16,0 0 16,0 1-16,0-1 0,-21 0 0,-1 0 0,1 0 15,0 0-15,0 1 0,0-1 16,0 0-16,-1-21 0,1 21 15,0-21-15,-21 0 0,21 21 0,-1-21 16,1 0-16,0 0 0,0 0 0,0 0 16,0 0-16,-1 0 0,1 0 15,0 0-15,0 0 16,21 21 15,21 1-15,0-22-1,0 0-15,22 21 0,-22-21 0,0 0 16,21 0-16,1 0 16,-1 0-16,0 0 0,1-21 0,-1 21 15,22-22-15,-22 1 0,0 21 0,1-21 16,-1 0-16,0 0 0,-21 0 16,1-1-16,20 1 0,-21 0 0,21-21 15,-42 21-15,22 21 0,-22-22 16,21 1-16,-21 0 0,0 0 15,0 0-15,0 0 0,0-1 16,0 1 0,0 42 15,0 1-15,0-1-16,0 0 0,0 0 15,0 0-15,0 22 0,0-22 0,0 21 16,0-21-16,0 22 0,0-1 15,0 0-15,0 1 0,0 41 16,0-41-16,0 20 0,0-21 0,0 22 16,0-22-16,0 22 0,0-1 15,0 1-15,0-1 0,0 1 16,0-1-16,0 1 0,0-1 0,0 1 0,0-22 16,0 22-16,-21-1 0,21 1 15,-22-1-15,22-21 0,-21 1 16,21-1-16,0 0 0,0-20 0,-21-1 15,21 21-15,-21-42 0,21 21 16,-21 0-16,0-21 16,-1 0-16,1-21 0,21 0 15,-21 0-15,0 0 0,0 0 16,0-1-16,-1-20 0,1 21 0,0-21 16,0-1-16,0 1 0,0 0 0,21-1 15,-22-63 1,1 64-16,21 0 0,0-22 0,0 22 15,0 0-15,0 20 0,0-20 16,0 0-16,0-1 0,21 22 0,1-21 16,-1 21-16,0-22 0,0 22 0,0-21 15,-21 21-15,21-22 0,1 1 16,-1 0-16,0-1 0</inkml:trace>
   <inkml:trace contextRef="#ctx0" brushRef="#br1" timeOffset="-184161.02">6159 14626 0,'0'-42'31,"0"63"32,22 0-47,-22 0-1,21-21-15,0 0 0</inkml:trace>
   <inkml:trace contextRef="#ctx0" brushRef="#br1" timeOffset="-183718.28">6435 14965 0,'0'0'0,"0"21"0,21-21 47,0-21-47,0 0 0,0 0 16,0 21-16,-21-22 0,22 22 15,-1-21-15,0 0 16,-21 0-16,21 21 0,-21-21 0,0 0 16,-21 21-1,0 0 1,0 0-16,-1 0 0,1 0 0,0 0 15,0 21-15,0 0 0,0-21 16,-1 21-16,1 0 0,0-21 0,0 21 16,0 1-16,21-1 0,0 0 15,0 0-15,0 0 0,0 0 0,0 1 16,0-1-16,0 0 16,0 0-16,0 0 0,21-21 0,0 21 15,-21 1-15,21-22 0,0 0 16,1 21-16,-1-21 0,0 0 15,0 0-15,21 0 0,-20 0 0,-1 0 16,0 0-16,0-21 0,21 21 16,-20 0-16,-1-22 0</inkml:trace>
-  <inkml:trace contextRef="#ctx0" brushRef="#br1" timeOffset="-183065.24">7070 14774 0,'0'0'0,"0"-21"16,-22 21-1,1 0-15,0 0 16,0 21-16,21 1 16,-21-22-16,21 21 0,-21 0 15,21 0-15,0 0 0,0 0 16,-22 1-16,22-1 0,-21 0 0,21 0 0,0 21 15,0-20-15,0-1 16,0 0-16,0 0 0,0 0 16,0 0-16,0 1 0,21-1 15,1-21-15,-1 0 16,0 0-16,0 0 0,21-21 16,-20 21-16,-1-22 0,0 1 15,0 21-15,21-42 16,-20 21-16,-1 0 0,0-22 0,0 22 15,0 0-15,0-21 0,1-1 16,-1-20-16,0 20 0,0 1 16,-21 0-16,0 21 0,21-22 15,-21 1-15,0 0 0,21 20 16,-21-20-16,0 21 0,0 0 0,0 0 16,0-1-16,0 1 0,-21 21 15,0 0 1,21 21-16,0 1 0,0-1 15,-21 0-15,21 0 0,-21 0 16,21 22-16,0-1 16,-21 0-16,21 1 0,0-22 0,0 21 15,0-21-15,0 22 0,0-1 0,0-21 16,0 21-16,0-20 0,0 20 0,0-21 16,0 21-16,0-20 0,0-1 15,0 0-15,0 0 0,0 0 16,0 0-16,21-21 15,0 0-15,0 0 0,0 0 16,0 0-16,1 0 16,-1-21-16,0 0 0,0 0 15,0 0-15,-21 0 0,21 21 16,-21-22-16</inkml:trace>
+  <inkml:trace contextRef="#ctx0" brushRef="#br1" timeOffset="-183065.25">7070 14774 0,'0'0'0,"0"-21"16,-22 21-1,1 0-15,0 0 16,0 21-16,21 1 16,-21-22-16,21 21 0,-21 0 15,21 0-15,0 0 0,0 0 16,-22 1-16,22-1 0,-21 0 0,21 0 0,0 21 15,0-20-15,0-1 16,0 0-16,0 0 0,0 0 16,0 0-16,0 1 0,21-1 15,1-21-15,-1 0 16,0 0-16,0 0 0,21-21 16,-20 21-16,-1-22 0,0 1 15,0 21-15,21-42 16,-20 21-16,-1 0 0,0-22 0,0 22 15,0 0-15,0-21 0,1-1 16,-1-20-16,0 20 0,0 1 16,-21 0-16,0 21 0,21-22 15,-21 1-15,0 0 0,21 20 16,-21-20-16,0 21 0,0 0 0,0 0 16,0-1-16,0 1 0,-21 21 15,0 0 1,21 21-16,0 1 0,0-1 15,-21 0-15,21 0 0,-21 0 16,21 22-16,0-1 16,-21 0-16,21 1 0,0-22 0,0 21 15,0-21-15,0 22 0,0-1 0,0-21 16,0 21-16,0-20 0,0 20 0,0-21 16,0 21-16,0-20 0,0-1 15,0 0-15,0 0 0,0 0 16,0 0-16,21-21 15,0 0-15,0 0 0,0 0 16,0 0-16,1 0 16,-1-21-16,0 0 0,0 0 15,0 0-15,-21 0 0,21 21 16,-21-22-16</inkml:trace>
   <inkml:trace contextRef="#ctx0" brushRef="#br1" timeOffset="-182709.79">7281 14732 0,'0'0'0,"-21"0"0,42 0 31,0 0-16,1 0-15,-1 0 0,0-21 0,0 21 16,21 0-16,-20 0 0,-1 0 16,21-21-16,-21 21 0,22 0 15,-22 0-15,0 0 0,0 0 0,0-21 16,0 21 0</inkml:trace>
   <inkml:trace contextRef="#ctx0" brushRef="#br1" timeOffset="-180785.57">8721 15155 0,'21'0'47,"0"0"-47,0-21 0,0 21 15,0-21-15,1 0 0,-1 21 16,21-21-16,0 0 0,-20-1 0,20 1 16,0 0-16,1 21 0,-22-21 0,21 0 15,-42 0-15,21-1 0,0 1 16,-21-21-16,22 21 0,-22 0 0,0-1 15,0 1-15,0 0 0,0-21 16,0 21-16,0-1 0,-22 22 16,1-21-16,21 0 0,-21 21 15,0 0-15,0 0 0,0 0 16,-1 0-16,22 21 0,0 0 16,-21 1-16,0-1 0,21 0 0,0 0 15,0 21-15,0 1 0,-21-22 16,21 21-16,0 1 0,0-1 0,-21 0 15,21 22-15,0-22 0,0 22 0,0-22 16,0 21-16,0 1 16,0-22-16,0 22 0,-21-1 0,21 1 15,0-1-15,-22 64 0,1-63 16,21-1-16,-21 22 0,0-22 16,21 1-16,-21-1 0,0 1 0,-1-1 15,22 1-15,0-22 0,-21 22 0,21-22 16,0 0-16,0 1 0,0-22 15,0 21-15,0-21 0,0 1 0,21-1 16,1-21-16,-1 21 16,0-21-16,0 0 0,0-21 15,0 21-15,1-21 0,-1-1 0,21 1 16,-21-21-16,0 21 0,22 0 16,-22-22-16,0 1 0,21 0 15,-20-1-15,-1 1 0,-21 0 0,21-1 16,-21-20-16,0-1 0,0 22 0,0-22 15,0 1-15,-21 21 0,0-22 16,-1 22-16,1-22 0,0 22 0,-42-64 16,20 85-16,1-21 0,21-1 15,-22 22-15,22 0 0,0 0 16,0 0-16,-21 21 16,42-22-16,21 1 31,0 21-31,0 0 0,0 0 15,22-21-15,-22 0 0,21 21 16,0-21-16,1 0 0,-1 21 0,0-22 16,1 1-16,-1-21 0,0 21 0,1 0 15,-1-1-15,43-41 16,-43 42-16,-21 0 0,22-22 16,-22 22-16,0 0 0,0 0 0,-21 0 15,0-1-15,0 1 16,-21 21-1,0 0 1,0 0-16,-1 21 16,22 1-16,0-1 15,0 0-15,-21 0 0,21 0 16,0 0-16,0 22 0,0-22 0,0 0 16,0 0-16,0 0 0,0 1 15,21-1-15,-21 0 0,0 0 16,22-21-16,-1 21 0,0-21 0,0 0 0,0 0 15,0 0-15,1 0 16,-1 0-16,0 0 0,0-21 0,0 0 16,0 21-16,1-21 0,-1 0 0,0-1 15,0 1-15,21-42 16,-42 42-16,0-22 16,0 1-16,0 21 0,0 0 0,0-1 15,0-20-15,0 21 0,-21 0 16,0 0-16,0 21 0,0-22 0,0 22 15,-22 0-15,22 0 0,-21 0 0,21 0 16,-22 0-16,22 0 0,0 22 16,-21-1-16,20 0 0,22 0 0,-21 0 15,21 0-15,0 1 0,0-1 16,0 0-16,0 0 0,0 0 0,0 0 16,0 1-16,0-1 0,21 0 0,1 0 15,-1-21-15,21 0 16,-21 0-16,43 0 0,-43 0 15,21 0-15,-21 0 0,1 0 0,20 0 16,-21-21-16,0 21 0,0-21 16,22 0-16,-22-1 0,0 1 0,0 0 15,0 0-15,1 0 0,-1 0 16,0-1-16,0 22 0,0-42 16,-21 21-16,21 21 0,-21-21 15,0 42 1,0 0-1,0 0-15,0 0 0,0 1 0,0-1 16,0 0-16,0 0 16,0 0-16,0 0 0,0 1 15,0-1-15,22 0 0,-22 0 0,0 0 16,21-21-16,0 0 16,0 0-1,0 0-15,0 0 0</inkml:trace>
   <inkml:trace contextRef="#ctx0" brushRef="#br1" timeOffset="-179335.3">11578 14732 0,'0'0'0,"0"-21"16,21 21-16,0-21 0,1 21 0,-1-21 16,0-1-16,0 1 0,0 0 15,22-21-15,-22 21 0,42-64 16,-42 64-16,1-22 0,-1 22 16,0-21-16,0 21 0,-21 0 0,21-1 15,-21 1-15,0 0 16,-21 21-16,0 0 15,21 21-15,-21 0 0,0 22 0,21-22 16,0 21-16,0 1 0,-22-1 16,1 21-16,21-20 0,-21-1 15,21 0-15,-21 43 0,21-43 16,0 22-16,0-22 0,0-21 16,0 22-16,0-22 0,0 0 15,0 0-15,0 22 0,-21-43 0,21 21 16,-21 0-16,-1 0 15,1-21-15,21 21 0,-21-21 0,0 0 16,0 0-16,-22 0 0,22 0 16,0-21-16,-21-21 15,21 21-15,-43-1 16,43 1-16,0 0 0,0 0 0,-1 21 16,22-21-16,-21 21 0,0 0 15,21 21 1,0 0-16,0 0 15,21 0-15,0 1 16,1-1-16,-1 0 0,0-21 16,0 21-16,21-21 0,-20 0 0,-1 21 15,21-21-15,-21 0 0,22 0 16,-1 0-16,-21-21 0,21 21 0,1-21 16,-1 21-16,0-21 0,1 0 15,-1-1-15,-21 22 0,22-42 0,-22 42 16,0-21-16,0-21 15,0 20-15,-21 1 0,0 0 16,0 0-16,0 42 31,0 0-31,0 0 16,0 1-16,0-1 0,-21 0 16,21 0-16,0 0 0,-21 0 0,21 1 15,0-1-15,0 0 0,0 0 16,-21 0-16,0-21 31,21-21-15,0 0-1,0 0-15,0 0 16,0-1-16,0 1 0,21-21 16,0 21-16,0-22 0,0 22 15,0-21-15,22 21 0,-22 0 16,0-1-16,0 22 0,22-21 0,-22 21 15,0 0-15,21 0 16,-42 21-16,0 1 0,21-22 0,-21 21 16,0 0-16,0 42 15,0-41-15,0-1 0,0 0 0,0 0 0,0 0 16,0 0-16,0 1 0,0-1 16,0 0-16,0 0 15,22-21-15,-1 0 16,0 0-16,0 0 0,0 0 15,0 0-15,1 0 0,-1-21 0,0 0 16,42-22-16,-41 22 16,-1 0-16,21 0 0,-21 0 0,0-22 15,1 1-15,-1 21 0,-21-21 0,0-1 16,21 1-16,-21 21 0,21-22 16,-21 1-16,0 0 0,0-1 15,0 1-15,0 21 0,0-21 0,0 20 16,-21 1-16,21 0 0,-21 21 15,0 0-15,-1 21 16,22 0-16,-21 1 0,21 20 16,-21-21-16,21 21 0,0 22 15,0-22-15,0 1 0,0-1 0,0 0 0,0 1 16,0-1-16,0 0 0,0 22 16,0-22-16,0-21 0,0 0 15,0 1-15,21-1 0,-21 0 16,21-21-16,1 21 0,-1-21 15,0 0-15,0 0 16,0 0-16,0 0 0,-21-21 0,22 0 16,-1 0-16,-21-1 0,21 1 15</inkml:trace>
@@ -1059,7 +1276,7 @@
   <inkml:trace contextRef="#ctx0" brushRef="#br1" timeOffset="-161530.12">25569 16087 0,'0'0'16,"21"-21"-16,-21-1 0,-21 22 31,0 22-31,21-1 16,-21 0-16,0 0 0,21 0 0,-21 0 15,21 22-15,-22-22 0,22 21 0,0-21 16,-21 22-16,21-22 0,-21 0 15,21 0-15,0 0 0,-21 1 0,21-1 16,0 0-16,0 0 0,0 0 16,0 0-16,0-42 47,0 0-32,0 0 1,0 0-16,0 0 0,0-1 0,0 1 15,21 0-15,-21 0 0,21 21 16,0-21-16,22 21 0,-22 0 16,0 0-16,0 0 0,0 0 15,1 0-15,-22 21 16,0 0-16,21 0 0,-21 0 16,0 1-16,0-1 0,0 0 15,0 0-15,0 0 16,0 0-16,-21 1 0,-1-22 0,1 21 15,0 0-15,0-21 0,0 0 16,0 0-16,-1 21 0,1-21 16,0 0-16,0 0 0,0 0 15,0 0-15,21-21 32,0 0-17</inkml:trace>
   <inkml:trace contextRef="#ctx0" brushRef="#br1" timeOffset="-161216.31">26077 16023 0,'-21'0'31,"21"21"-31,0 1 16,-21-1-16,21 0 0,0 21 16,-21-21-16,0 1 0,21 20 0,-22-21 15,22 0-15,0 22 16,-21-22-16,0 0 0,21 21 0,0-21 16,-21 1-16,0-1 15,21 0-15,0 0 0,0 0 16,21-21 15,0 0-15,0-21-16,0 0 0</inkml:trace>
   <inkml:trace contextRef="#ctx0" brushRef="#br1" timeOffset="-160841.52">26098 16404 0,'22'0'16,"-1"0"-16,0 0 16,0 0-16,0 0 0,0 0 0,1-21 15,20 21-15,-21 0 0,21-21 16,-20 21-16,-1-21 0,0-22 16,-21 22-16,0 0 15,0 0-15,-21 21 16,0 0-16,-1 0 15,1 0-15,0 0 0,0 0 16,0 21-16,0-21 0,-22 21 0,22 0 16,0 1-16,0 20 0,21-21 15,0 0-15,-21 22 0,21-22 16,0 0-16,0 0 16,0 0-16,21-21 0,-21 21 15,21-21-15,0 0 0,0 0 0,0 0 16,1 0-16,-1 0 15,0 0-15,0 0 0,0-21 16,0 21-16,1-21 16,-1 21-16,0 0 0,-21-21 15</inkml:trace>
-  <inkml:trace contextRef="#ctx0" brushRef="#br1" timeOffset="-160585.64">26733 16552 0,'-21'0'0,"0"0"16,0 0 46,0 0-46,0 0-16,-1 0 15</inkml:trace>
+  <inkml:trace contextRef="#ctx0" brushRef="#br1" timeOffset="-160585.65">26733 16552 0,'-21'0'0,"0"0"16,0 0 46,0 0-46,0 0-16,-1 0 15</inkml:trace>
 </inkml:ink>
 </file>
 
@@ -1092,7 +1309,7 @@
   <inkml:trace contextRef="#ctx0" brushRef="#br0" timeOffset="1568.42">1609 2794 0,'0'0'0,"0"-21"16,0 0-1,-22 21 1,22 21-1,-21-21-15,0 21 16,21 0-16,-21 0 0,0 1 16,21-1-16,-21 0 0,-1 0 15,22 21-15,-21-20 0,0-1 0,21 0 16,-21 0-16,21 0 0,-21 0 16,0 1-16,21-1 0,0 0 15,-22 0-15,22 0 0,-21-21 16,21 21-16,0-42 62,0 0-62,21 21 0,-21-21 16,22 21-16,-22-21 0,21 0 16,0-1-16,-21 1 0,21 0 0,0 0 15,-21 0-15,21 0 16,1-1-16,-1 1 0,-21 0 0,21 0 15,0 0-15,0 0 0,-21-1 0,21 22 16,1-21-16,-22 0 0,21 21 16,-21-21-16,21 21 15,0 0-15,-21-21 0,21 21 16,0 0 0,1 0-16,-1 21 15,-21 0 1,21 0-16,-21 0 15,0 1-15,0-1 0,21 0 0,-21 0 16,21 0-16,-21 0 16,0 1-16,21-1 0,-21 0 15,22 0-15,-22 0 0,0 0 0,0 1 16,0-1-16,0 0 0,21-21 16,-21 21-16,0 0 0,21-21 15,-21 21-15,0 1 16,-21-22 78,0 0-79</inkml:trace>
   <inkml:trace contextRef="#ctx0" brushRef="#br0" timeOffset="2548.92">1693 4360 0,'0'0'0,"21"0"0,-21-21 15,22 21 1,-22-21-16,0 0 31,0 0-15,-22 21 0,1 0-1,0 0-15,0 0 0,0 0 16,0 0-16,-1 0 0,1 0 15,0 0-15,0 0 16,0 21-16,0 0 0,-1-21 0,1 21 16,0-21-16,0 21 0,0-21 15,21 22-15,-21-1 0,-1-21 0,22 21 16,-21 0-16,21 0 0,-21 0 16,21 1-16,0-1 0,0 0 0,-21 0 15,21 0-15,0 0 0,-21 1 16,21-1-16,0 0 0,0 0 15,0 0-15,0 22 0,0-1 16,0-21-16,0 0 0,0 0 16,0 1-16,21-1 0,0 0 15,0 21-15,0-21 0,1 1 16,-1-22-16,0 21 0,0 0 16,0-21-16,0 21 0,1-21 15,-1 0-15,0 0 0,21 0 16,-21 0-16,1 0 0,-1 0 15,0 0-15,0-21 0,0 21 16,0-21-16,1 0 0,-1 21 0,0-22 16,0 1-16,0 21 0,0-21 15,1 0-15,-1 0 0,0 21 16,-21-21-16,21 21 16,-21-22-16,0 1 15,0 42 48,-21-21-48</inkml:trace>
   <inkml:trace contextRef="#ctx0" brushRef="#br0" timeOffset="53648.28">402 7472 0,'0'0'0,"21"0"47,0-21-32,-21 0-15,22 21 0,-1-22 16,0 1-16,0 0 15,0 0-15,0 0 16,-21 0-16,22-1 0,-1-20 16,-21 0-16,21 21 15,0-1-15,-21 1 0,0-21 16,0 21-16,0 0 0,0-1 16,0 1-16,0 0 0,0 0 15,-21 21 1,0 0-1,0 0-15,-1 0 0,1 0 16,0 0-16,0 21 16,0 0-16,21 0 15,0 1-15,-21-1 0,21 0 0,0 0 16,0 0-16,0 22 0,0-22 16,0 21-16,0-21 0,0 22 15,0-22-15,0 21 0,21-21 0,-21 0 16,21 1-16,0-1 0,0-21 15,-21 21-15,43-21 0,-22 21 16,0-21-16,0 0 0,0 0 16,22 0-1,-22 0-15,0 0 0,0-21 16,0 0-16,-21 0 16,21-1-16,1 1 15,-22-21-15,0 21 0,21 0 0,0-1 16,-21-20-16,21 21 0,-21-21 15,42-1-15,-42 22 0,22 0 16,-1 0-16,-21 0 0,21 21 16,0-22-16,0 22 0,0 0 0,1-21 15,-22 0-15</inkml:trace>
-  <inkml:trace contextRef="#ctx0" brushRef="#br0" timeOffset="53996.26">1228 7027 0,'42'43'15,"-42"-22"1,0 0-16,0 0 0,0 0 15,0 1-15,0 20 0,0-21 0,-21 0 16,21 0-16,0 1 0,-43 20 16,22-21-1,21 0-15,0 0 16,0-42 15,0 0-15,0 0-16,0 0 0,21-22 15,-21 22-15,22 0 0,-22 0 16,21-21-16,-21 20 0,21 1 16,0 0-16,-21 0 0,0 0 15,21-22-15,0 43 0,-21-21 16,0 0 0,0 0-16,0 42 46,0 0-46,0 0 16</inkml:trace>
+  <inkml:trace contextRef="#ctx0" brushRef="#br0" timeOffset="53996.25">1228 7027 0,'42'43'15,"-42"-22"1,0 0-16,0 0 0,0 0 15,0 1-15,0 20 0,0-21 0,-21 0 16,21 0-16,0 1 0,-43 20 16,22-21-1,21 0-15,0 0 16,0-42 15,0 0-15,0 0-16,0 0 0,21-22 15,-21 22-15,22 0 0,-22 0 16,21-21-16,-21 20 0,21 1 16,0 0-16,-21 0 0,0 0 15,21-22-15,0 43 0,-21-21 16,0 0 0,0 0-16,0 42 46,0 0-46,0 0 16</inkml:trace>
   <inkml:trace contextRef="#ctx0" brushRef="#br0" timeOffset="54108.18">1249 7281 0,'0'0'0,"0"22"16,0-1-16,0 0 0,0 0 16,0 0-16,21 0 15,0-21-15,-21 22 0,21-22 16,0 21-16,1-21 0,-1 0 15,0 0-15</inkml:trace>
   <inkml:trace contextRef="#ctx0" brushRef="#br0" timeOffset="54561.92">1587 7387 0,'0'0'0,"22"-21"0,-1 0 15,0 0-15,0 0 16,0-1-16,0-20 0,1 0 16,-1 21-16,-21-1 0,21-20 15,-21-21-15,21 41 0,-21-20 16,21 0-16,-21 21 0,21-22 15,-21 22-15,0 0 0,0-21 16,0 20-16,0 1 0,0 0 16,-42-42 31,42 84-32,-21 0 1,21 0-16,-21 0 0,21 0 15,0 1-15,0 20 0,0-21 0,-21 0 16,21 0-16,0 22 0,-22-22 16,22 0-16,0 0 0,0 22 15,-21-22-15,21 0 0,0 0 0,0 0 16,0 22-16,0-22 0,0 0 16,0 0-16,0 0 0,0 0 15,0 1-15,21-22 0,-21 21 16,22-21-16,-1 0 0,-21 21 15,21-21-15,0 0 16,0 0-16,0 0 31,-21-21 1,0 0-32,0-1 0</inkml:trace>
   <inkml:trace contextRef="#ctx0" brushRef="#br0" timeOffset="56524.16">1058 7027 0,'0'0'0,"21"0"0,1 0 16,-1 0-16,0 0 15,0 0 1,0 22-16,0-22 16,1 21-1,-22 0 1,0 0-16,0 0 15,0 0-15,0 1 0,0-1 16,0 0-16,0 0 0,0 0 16,0 0-16,-22 1 0,1-1 15,21 0-15,0 0 0,0 0 0,-21-21 16,0 0 0,0 21-16,-22 22 0,22-22 0,21 0 15,21-42 63,-21 0-78,22 0 16,-1 21-16,0-22 0,-21 1 0,21 0 16,0 0-16,-21 0 0,21 0 15,1-1-15,-22 1 0,21 0 16,0 0-16,-21 0 0,0 0 0,21-1 15,0-20 1,-21 21-16,0 0 0,21 0 16,-21-1-16,0 1 15,22 21 17,-22 21 30,0 1-62,0-1 0,0 0 16,0 0-1,0 0-15,-22 0 0,22 1 0,0 20 0,-21-21 16,21 0-16,0 0 16,0 1-16,0-1 0,0 21 15,0-21-15,0 0 0,0 1 16,21-1-16,1-21 15,-22 21-15,21-21 0,0 0 16,0 0 0,-21-42-16,21 42 15</inkml:trace>
@@ -1127,15 +1344,15 @@
   <inkml:trace contextRef="#ctx0" brushRef="#br0" timeOffset="114372.54">13229 5990 0,'0'0'0,"0"21"15,-21 1-15,21-1 0,-21 21 0,0 170 31,21-149-31,0 1 0,0-1 0,-22-20 16,1 84-16,21-64 16,0-21-16,0 1 0,-21-1 15,21 43-15,0-64 0,0 21 16,0-21-16,0 1 0,0-1 16,0 0-16,21-21 31,-21-21-31,21 0 15,-21-1-15,0 1 0,22 0 16,-1 0-16,-21 0 0,21 0 0</inkml:trace>
   <inkml:trace contextRef="#ctx0" brushRef="#br0" timeOffset="114784.31">13250 6858 0,'21'0'0,"1"0"0,-1 0 16,0 0-16,0 0 0,0 0 15,0-21-15,1 0 16,-1 21-16,0-21 0,0 21 16,-21-22-16,21 1 0,-21 0 0,0 0 15,0 0 1,-21 21-1,0 0-15,0 0 16,0 21-16,-1-21 0,1 21 16,0 0-16,0-21 0,0 21 0,21 1 15,-21-1-15,-1 21 0,22-21 16,-21 0-16,21 1 0,0-1 0,0 0 16,0 0-16,0 0 0,0 0 15,21-21-15,1 0 0,-1 0 16,0 22-16,0-22 0,21 0 0,-20 0 15,-1 0-15,0 0 0,0-22 0,21 1 16,-20 21-16,-1-21 16,0 0-16,0 21 0,0-21 0,0 0 15,1-1-15,-1 1 0,-21 0 0,0 0 16</inkml:trace>
   <inkml:trace contextRef="#ctx0" brushRef="#br0" timeOffset="115488.13">13737 6710 0,'0'21'31,"0"0"-31,-21 22 16,0-22-16,21 0 0,0 0 0,0 0 15,0 0-15,0 1 0,-21-1 0,21 0 16,0 0-16,-22 0 16,22 0-16,0 1 15,0-44 32,0 1-31,0 0-16,0 0 15,0 0-15,0 0 0,0-1 16,0 1-16,0 0 16,0 0-16,22 0 0,-1 21 0,-21-21 0,21-1 15,0 22-15,21-21 16,-20 21-16,-1 0 15,0 0-15,0 0 0,0 21 16,-21 1 0,0-1-16,21 0 0,-21 0 0,0 0 15,0 0-15,0 1 0,0-1 16,0 0-16,0 0 16,0 0-16,0 0 0,0 1 15,-21-22 1,0 0-1,21-22 1,0 1 0,0 0-16,0 0 15,0 0-15,0 0 0,0-1 16,21 1-16,-21-21 0,21 21 0,1 0 16,-1-1-16,0 1 0,21 0 15,-21 0-15,1 21 0,41-21 16,-21 21-16,-20 0 0,-1 0 15,0 0-15,0 0 0,0 0 0,0 21 16,1 0-16,-1 0 0,0 0 16,-21 1-16,0-1 0,0 0 0,0 0 15,0 0-15,0 0 0,0 22 16,-21-22-16,21 0 0,-21 0 16,-1 0-16,1-21 15,21-21 32</inkml:trace>
-  <inkml:trace contextRef="#ctx0" brushRef="#br0" timeOffset="115911.91">14436 6879 0,'21'0'15,"0"0"-15,0 0 16,0-21-16,0 21 0,1-21 0,-1 0 16,0 21-16,0-21 0,0-1 15,-21 1-15,21 0 16,1 0-16,-22 0 15,-22 21 1,1 0 0,0 0-16,0 21 0,0-21 15,0 21-15,-1 0 0,1 0 16,0 1-16,21-1 0,-21 0 0,21 0 16,-21 0-16,21 0 0,0 1 0,0-1 15,0 0-15,0 0 0,0 0 16,21-21-16,0 21 15,0-21-15,0 0 0,1 0 0,-1 0 16,0 0-16,0 0 0,21 0 16,-20 0-16,-1-21 0,0 21 15,0-21-15,21 21 0,-20-21 0,-1 0 16,0 0-16,0 21 0</inkml:trace>
+  <inkml:trace contextRef="#ctx0" brushRef="#br0" timeOffset="115911.9">14436 6879 0,'21'0'15,"0"0"-15,0 0 16,0-21-16,0 21 0,1-21 0,-1 0 16,0 21-16,0-21 0,0-1 15,-21 1-15,21 0 16,1 0-16,-22 0 15,-22 21 1,1 0 0,0 0-16,0 21 0,0-21 15,0 21-15,-1 0 0,1 0 16,0 1-16,21-1 0,-21 0 0,21 0 16,-21 0-16,21 0 0,0 1 0,0-1 15,0 0-15,0 0 0,0 0 16,21-21-16,0 21 15,0-21-15,0 0 0,1 0 0,-1 0 16,0 0-16,0 0 0,21 0 16,-20 0-16,-1-21 0,0 21 15,0-21-15,21 21 0,-20-21 0,-1 0 16,0 0-16,0 21 0</inkml:trace>
   <inkml:trace contextRef="#ctx0" brushRef="#br0" timeOffset="116414.62">14986 6668 0,'0'21'16,"0"0"-16,-21-21 0,21 21 15,-21 0-15,21 0 0,-22 1 0,22-1 16,-21 0-16,21 0 0,0 0 16,0 0-16,-21-21 0,21 22 15,0-1-15,-21 0 0,21 0 16,0 0-1,-21-21 17,21-21-17,0 0-15,0 0 0,0 0 16,0-1-16,0 1 0,0 0 16,0 0-16,21 0 0,0 0 15,0-1-15,0-20 0,1 21 0,-1 0 16,0 0-16,21-1 0,-21 1 0,22 21 15,-1-21-15,-21 21 16,22 0-16,-22 0 0,21 0 0,-21 21 16,0 0-16,-21 1 0,0-1 15,22 0-15,-22 0 0,0 0 0,0 0 16,0 1-16,0 20 0,0-21 16,0 0-16,0 0 0,-22 1 0,1-1 15,21 0-15,-21 0 0,0 0 16,0-21-16,21 21 15,-21-21 1,21-21 15,0 0-31,0 0 16,21 0-16</inkml:trace>
-  <inkml:trace contextRef="#ctx0" brushRef="#br0" timeOffset="116744.44">15642 6096 0,'0'0'0,"-21"21"47,21 0-47,0 1 0,0 20 16,0-21-16,0 21 0,0 1 0,-21-1 15,21 22-15,0-22 0,0 21 16,-21-20-16,-1 20 0,22-20 16,0-1-16,-21 0 0,21 1 0,-21-22 0,21 21 15,-21-21-15,21 0 0,0 1 16,0-1-16,0 0 0,0 0 16,0-42 30,21 21-46,0-21 0,0 0 16,1-1-16</inkml:trace>
+  <inkml:trace contextRef="#ctx0" brushRef="#br0" timeOffset="116744.43">15642 6096 0,'0'0'0,"-21"21"47,21 0-47,0 1 0,0 20 16,0-21-16,0 21 0,0 1 0,-21-1 15,21 22-15,0-22 0,0 21 16,-21-20-16,-1 20 0,22-20 16,0-1-16,-21 0 0,21 1 0,-21-22 0,21 21 15,-21-21-15,21 0 0,0 1 16,0-1-16,0 0 0,0 0 16,0-42 30,21 21-46,0-21 0,0 0 16,1-1-16</inkml:trace>
   <inkml:trace contextRef="#ctx0" brushRef="#br0" timeOffset="117275.65">16044 6646 0,'0'0'0,"0"-21"0,0 0 0,0 0 16,0 0-16,-21 21 31,0 0-31,0 0 16,0 0-16,-1 21 0,1 0 16,0 0-16,0-21 0,21 21 15,-21 1-15,0-1 0,21 0 0,0 0 16,0 0-16,0 0 15,0 1 1,21-22 0,0 0-16,0 0 0,0 21 15,0-21-15,1 0 0,-1 0 16,0 0-16,0 21 0,0-21 0,0 0 16,1 21-16,-1-21 15,0 21-15,-21 0 16,0 1-16,0-1 15,-21 0 1,0-21-16,-1 0 0,1 0 16,21 21-16,-21-21 0,0 0 0,-21 0 15,20 0-15,1 0 0,0 0 0,0 0 16,0 0-16,0 0 16,-1 0-16,1 0 15,0 0-15,0 0 0,21-21 47,0 0-31,0 0-1,0-1-15</inkml:trace>
   <inkml:trace contextRef="#ctx0" brushRef="#br0" timeOffset="117692.4">15346 6350 0,'-43'0'31,"22"0"-31,42 0 16,1 0 0,20 0-16,-21-21 0,21 21 15,1 0-15,-1 0 0,0 0 0,1 0 16,63-21-16,-64 21 16,21 0-16,-20 0 0,-1 0 0,0-21 15,1 21-15,-22 0 0,21 0 16,-21 0-16,1 0 0,-1 0 15,0 0-15,0 0 16,-21-22 0,-21 22 31,0 0-47,0 0 15</inkml:trace>
   <inkml:trace contextRef="#ctx0" brushRef="#br0" timeOffset="129000.1">12425 5673 0,'0'-21'16,"0"-1"-16,0 1 31,0 0-31,21 21 16,-21 21 62,0 0-63,0-42 63,0 0-62,0 0 0,0 0-1,0 42 63,0 0-62,0 0 15,0-42 16,0 0-16,0 42 79,-21-21-79</inkml:trace>
   <inkml:trace contextRef="#ctx0" brushRef="#br0" timeOffset="134028.1">18521 1334 0,'0'0'0,"21"0"16</inkml:trace>
   <inkml:trace contextRef="#ctx0" brushRef="#br0" timeOffset="134206">18796 1291 0,'21'-42'16</inkml:trace>
-  <inkml:trace contextRef="#ctx0" brushRef="#br0" timeOffset="134924.95">18859 1249 0,'22'-21'63,"-22"0"-47,0-1-1,0 1-15,21 21 0,-21-21 16,0 0-16,-21 21 15,-1-21-15,22 0 0,-21 21 16,0 0-16,0 0 0,0 0 0,0 0 16,-1 0-16,-20 0 0,21 0 15,0 0-15,0 21 0,-1-21 0,1 0 16,0 0-16,0 0 0,0 21 16,-22-21-16,22 0 0,21 21 15,-21 0-15,-21 0 0,-1 1 16,22-1-16,-21 0 0,21 0 0,0 0 15,-22 0-15,22 1 0,0-1 16,0 0-16,0 21 0,-1-21 0,22 1 16,-21 20-16,0-21 0,21 0 15,-21 43-15,21-22 16,0-21-16,0 22 0,0-22 0,0 0 16,0 21-16,0-21 0,0 1 0,0-1 15,21 0-15,-21 0 0,21 0 16,0 0-16,-21 1 0,22-22 15,-1 21-15,0 0 0,0-21 0,0 21 16,22-21-16,-22 0 0,0 0 16,21 21-16,1-21 0,-22 0 0,21 0 15,0 0-15,1 0 0,-1 0 16,0 0-16,-20-21 0,20 21 0,0-21 16,1 21-16,-22-21 0,21 21 0,0-21 15,-20 21-15,-1-22 0,21 22 16,-21-21-16,0 0 0,1 21 15,-1-21-15,-21 0 0,21 21 16,0-21-16,0 21 0,-21-22 16,0-41 15,0 84-15,0 0-16,0 0 0,-21 1 15,0-22 1,0 21-16,21 0 0,-21-21 15,-1 0-15,22 21 32,0 0-32,-21-21 0,0 0 31,42 0-15</inkml:trace>
+  <inkml:trace contextRef="#ctx0" brushRef="#br0" timeOffset="134924.94">18859 1249 0,'22'-21'63,"-22"0"-47,0-1-1,0 1-15,21 21 0,-21-21 16,0 0-16,-21 21 15,-1-21-15,22 0 0,-21 21 16,0 0-16,0 0 0,0 0 0,0 0 16,-1 0-16,-20 0 0,21 0 15,0 0-15,0 21 0,-1-21 0,1 0 16,0 0-16,0 0 0,0 21 16,-22-21-16,22 0 0,21 21 15,-21 0-15,-21 0 0,-1 1 16,22-1-16,-21 0 0,21 0 0,0 0 15,-22 0-15,22 1 0,0-1 16,0 0-16,0 21 0,-1-21 0,22 1 16,-21 20-16,0-21 0,21 0 15,-21 43-15,21-22 16,0-21-16,0 22 0,0-22 0,0 0 16,0 21-16,0-21 0,0 1 0,0-1 15,21 0-15,-21 0 0,21 0 16,0 0-16,-21 1 0,22-22 15,-1 21-15,0 0 0,0-21 0,0 21 16,22-21-16,-22 0 0,0 0 16,21 21-16,1-21 0,-22 0 0,21 0 15,0 0-15,1 0 0,-1 0 16,0 0-16,-20-21 0,20 21 0,0-21 16,1 21-16,-22-21 0,21 21 0,0-21 15,-20 21-15,-1-22 0,21 22 16,-21-21-16,0 0 0,1 21 15,-1-21-15,-21 0 0,21 21 16,0-21-16,0 21 0,-21-22 16,0-41 15,0 84-15,0 0-16,0 0 0,-21 1 15,0-22 1,0 21-16,21 0 0,-21-21 15,-1 0-15,22 21 32,0 0-32,-21-21 0,0 0 31,42 0-15</inkml:trace>
   <inkml:trace contextRef="#ctx0" brushRef="#br0" timeOffset="135662.53">19008 2858 0,'-43'0'0,"86"0"0,-149-22 0,63 1 16,1 21-16,21-21 0,0 21 16,0-21-16,21 0 15,-22 21 1,1 0 0,21 21-1,-42 0-15,42 0 0,0 22 0,0-1 16,0 0-16,0 1 0,0-1 0,0 0 15,0 22-15,0-1 0,0-20 16,-21 84-16,21-64 0,0-21 16,-21 1-16,-1-1 0,22 0 0,0 1 15,0-1-15,0 0 0,0-20 16,0 41-16,0-42 16,0 22-16,-21-22 0,21 0 15,0 0-15,0 0 16,-21-21 15,21-21-31,0 0 16,0 0-16,0 0 0,-21-1 15,21 1-15,0 0 0,-21 0 16,21 0-16</inkml:trace>
   <inkml:trace contextRef="#ctx0" brushRef="#br0" timeOffset="136353.14">18605 2858 0,'0'0'0,"-21"0"31,0 21-31,0-21 0,21 21 16,-21 0-16,0 0 0,-1 0 15,1 1-15,0 20 0,0-21 0,-21 21 16,20-20-16,1 20 0,0 0 16,-21-21-16,21 22 0,-22 20 15,22-20-15,0-22 16,0 0-16,0 0 0,-1 0 0,22 0 16,-21-21-16,21 22 0,0-1 0,0-42 62,21 21-62,1-22 0,-22 1 0,21 0 16,0 0-16,21 0 0,-21 0 15,1-1-15,20-20 0,-21 0 16,43-22-16,-22 22 0,-21 21 16,0-22-16,22 22 0,-22-21 15,0 21-15,0 0 0,0-22 0,0 22 16,-21 0-16,22 0 15,-22 0-15,21-1 0,0 22 16,-21 22 15,0-1-15,21 0-16,-21 21 0,0-21 16,0 1-16,0 20 0,0 0 0,21 43 15,0-43-15,-21 1 16,0-1-16,22-21 0,-22 21 15,21-20-15,-21-1 0,0 21 0,0-21 0,21-21 16,0 21-16,-21 1 16,21-22-16,-21 21 0,21-21 15,-21 21 63</inkml:trace>
   <inkml:trace contextRef="#ctx0" brushRef="#br0" timeOffset="136381.12">18881 3577 0,'0'21'16</inkml:trace>
@@ -1146,7 +1363,7 @@
   <inkml:trace contextRef="#ctx0" brushRef="#br0" timeOffset="137824.29">18161 4551 0,'-21'0'31</inkml:trace>
   <inkml:trace contextRef="#ctx0" brushRef="#br0" timeOffset="137996.19">18267 4551 0,'42'0'15,"-84"0"-15,126 0 0,-62 0 0,20 0 16,0 0-16,1 0 0,20 0 16,-21 0-16,1 0 0,-1 0 15,22 0-15,-1-21 16,-21 21-16,1 0 0,-22 0 0,0 0 16,0 0-16,0 0 15,-42 0 16,0 0-15,0 0-16</inkml:trace>
   <inkml:trace contextRef="#ctx0" brushRef="#br0" timeOffset="138028.17">18817 4593 0</inkml:trace>
-  <inkml:trace contextRef="#ctx0" brushRef="#br0" timeOffset="138600.85">18330 5355 0,'0'0'16,"-21"0"-1,0 0 1,0 0-16,0 0 16,-1 0-16,1 0 0,0 0 15,0 0-15,21-21 16,-21 21-16,0 0 15,21-21 64,21 21-64,0 0 1,0 0-16,0 0 15,0 0-15</inkml:trace>
+  <inkml:trace contextRef="#ctx0" brushRef="#br0" timeOffset="138600.84">18330 5355 0,'0'0'16,"-21"0"-1,0 0 1,0 0-16,0 0 16,-1 0-16,1 0 0,0 0 15,0 0-15,21-21 16,-21 21-16,0 0 15,21-21 64,21 21-64,0 0 1,0 0-16,0 0 15,0 0-15</inkml:trace>
   <inkml:trace contextRef="#ctx0" brushRef="#br0" timeOffset="139208.5">18436 5313 0,'42'0'16,"-84"0"-16,106 0 0,-43 0 0,0 0 15,21 0-15,-21-21 0,22 21 16,-22 0-16,0 0 0,21 0 0,-20 0 16,-1-21-16,0 21 0,0 0 15,0 0-15,-21-22 0,21 22 16,-42 0 15,0 0-15,-21 0-16,21 0 15,-1 0-15,-20 0 0,0 0 0,-1 22 16,1-22-16,0 0 0,-22 21 0,22-21 16,-22 0-16,22 21 0,-43-21 15,-169 63 32,276-63-31,-1 0-1,0 0-15,0 0 0,0 0 16,0 0-16,22 0 0,-22 0 16,21-21-16,1 21 0,-1 0 0,0 0 15,1 0-15,-22 0 0,21 0 0,0 0 16,1-21-16,-1 21 0,-21 0 15,22 0-15,-22 0 0,0 0 0,0 0 16,0 0-16,0 0 0,1 0 16,-22-21-1,-22 21-15,1 0 16,0 0-16,0 0 0,-43 21 0,43-21 16,-21 0-16,21 0 15,0 0-15,-22 0 0,22 0 0,0 0 16,0 0-16,0 0 0,-1 0 0,1 21 15,0-21 1,0 0 0,21 21-16,21-21 31,0 0-31,0 0 16,1 0-16,-1 0 15,0 0-15,0 0 16</inkml:trace>
   <inkml:trace contextRef="#ctx0" brushRef="#br0" timeOffset="141524.13">19177 6138 0,'-21'0'15,"21"-21"1,-21 21-16,-22-21 31</inkml:trace>
   <inkml:trace contextRef="#ctx0" brushRef="#br0" timeOffset="141588.09">19219 9059 0,'64'64'16,"-43"-212"-16,-21-212 0</inkml:trace>
@@ -1155,9 +1372,9 @@
   <inkml:trace contextRef="#ctx0" brushRef="#br0" timeOffset="144260.1">20193 6033 0,'0'-22'0,"0"44"0,21-65 16,-21 22-16,0 0 15,21 21-15,-21-21 0,-21 21 63,0 21-63,0 0 0,0 0 15,-1 0-15,1 1 0,0-1 16,0 0-16,-21 21 0,20-21 0,-20 22 16,0-1-16,-1 0 0,22 1 15,-21-1-15,-22 0 0,22 1 0,0 20 16,-1-20-16,1-1 0,-21 0 0,20 1 16,-20-1-16,20-21 0,1 21 15,-21 1-15,20-22 0,1 0 0,0 21 16,-1-20-16,22-1 0,-42 21 15,41-21-15,-20 0 16,21 1-16,0-22 0,0 21 16,21 0-1,0-42 48,0 0-48,21 21-15,0-22 0,-21 1 16,42 0-16,-21 21 0,22-21 16,-1-21-16,0 20 0,1-20 0,-1 0 15,22-1-15,-1-20 0,1 21 16,-1-22-16,1 1 0,-1-1 16,1 22-16,-1-22 0,1 22 0,-1 0 15,-21-1-15,1 1 0,20 21 0,-42-22 16,22 22-16,-1 0 0,-21 0 15,22 0-15,-22 0 0,0-1 0,0 22 16,0-21-16,0 21 16,-21-21-16,22 21 15,-44 21 63,1-21-62,0 0 109,0 0-125,0 0 0,0 21 16,-1 1-16,1-22 0</inkml:trace>
   <inkml:trace contextRef="#ctx0" brushRef="#br0" timeOffset="151124.31">15261 8530 0,'0'0'0,"-21"21"16,21 1-16,0-1 16,0 0-16,0 0 0,0 0 15,0 0-15,0 1 0,0-1 16,0 0-16,21-21 16,0 21-16,0-21 0,22 0 15,-22 0-15,0 0 0,0 0 16,22-21-16,-22 21 0,21-21 0,-21 21 15,0-21-15,22-1 0,-22 22 16,0-21-16,0 0 0,0 0 16,-21 0-16,22 0 0,-22-1 0,21 1 15,-21 0-15,0 0 0,0 0 0,0 0 16,0-1-16,0 1 16,-21 21-1,21 21 1,-22-21-16,22 22 0,0-1 15,0 21-15,0-21 0,0 0 0,-21 22 16,21-1-16,0-21 0,-21 22 16,21-1-16,0 0 0,0 1 0,0-1 15,0 0-15,0 22 0,0-22 16,0-21-16,0 22 0,0-1 0,-21 0 16,21-21-16,0 22 0,0-22 15,0 21-15,-21-21 0,21 1 0,0-1 16,0 0-16,-21 0 0,-1-21 0,1 21 15,0-21-15,0 21 16,0-21-16,0 0 0,-22 0 0,22 0 16,-21 0-16,-1 0 0,22 0 0,-21 0 15,0-21-15,-1 21 0,22-21 16,-21 21-16,21-21 0,-1 21 0,1 0 16,21-21-16,0 0 0,-21 21 0,21-22 15,0 1 1,21 21-1,0-21-15,1 21 0,-1 0 16,0-21-16,0 0 0,0 21 16</inkml:trace>
   <inkml:trace contextRef="#ctx0" brushRef="#br0" timeOffset="151640.01">15981 9017 0,'-21'0'0,"-1"21"0,22 0 16,-21-21-16,0 22 0,21-1 0,0 0 16,0 0-16,-21-21 0,21 21 15,0 0-15,-21 22 0,21-22 16,0 0-16,0 0 0,0 0 0,0 1 15,0-1-15,0 0 16,0-42 31,0 0-47,0-1 16,0 1-16,0 0 0,0 0 15,21-21-15,0 20 0,0 1 16,-21-21-16,43 21 0,-22-22 0,0 22 15,0 0-15,21-21 0,-20 21 0,20-1 16,-21 22-16,21 0 0,-20 0 16,20 0-16,-21 0 0,0 0 0,0 22 15,1-1-15,-1 0 0,0 0 0,-21 21 16,0-20-16,0 20 0,0-21 16,0 21-16,0-20 0,0 20 15,0-21-15,-21 0 0,0 0 0,21 22 16,-22-43-16,22 21 0,-21 0 15,21 0-15,-21-21 0,42-21 32,-21 0-32,21 0 15</inkml:trace>
-  <inkml:trace contextRef="#ctx0" brushRef="#br0" timeOffset="151919.85">16785 8657 0,'21'-21'0,"-42"42"0,42-63 16,-21 63 15,0 0-31,0 0 0,0 22 0,0-22 16,-21 21-16,0 1 0,21-1 0,-21 21 15,21-20-15,-21-1 0,-1 0 16,22 1-16,-21-1 0,0-21 0,21 22 15,0-22-15,-21 42 16,21-42-16,0 1 0,21-22 31,-21-22-15,21 1-16,0 21 16</inkml:trace>
+  <inkml:trace contextRef="#ctx0" brushRef="#br0" timeOffset="151919.84">16785 8657 0,'21'-21'0,"-42"42"0,42-63 16,-21 63 15,0 0-31,0 0 0,0 22 0,0-22 16,-21 21-16,0 1 0,21-1 0,-21 21 15,21-20-15,-21-1 0,-1 0 16,22 1-16,-21-1 0,0-21 0,21 22 15,0-22-15,-21 42 16,21-42-16,0 1 0,21-22 31,-21-22-15,21 1-16,0 21 16</inkml:trace>
   <inkml:trace contextRef="#ctx0" brushRef="#br0" timeOffset="152136.73">16637 9017 0,'0'0'15,"-21"0"-15,42 0 47,0 0-47,0 0 16,0 0-16,1 0 0,-1 0 0,0 0 15,0 0-15,0 0 0,0 0 16,22 0-16,-22 0 0,0-21 16,0 21-16</inkml:trace>
-  <inkml:trace contextRef="#ctx0" brushRef="#br0" timeOffset="152516.45">16997 9123 0,'0'0'0,"21"0"0,21 0 16,-21 0-1,1 0-15,-1 0 16,-21-21-16,21 21 0,0-21 16,0 21-16,0-22 0,1 1 0,-22 0 15,21 21-15,-21-21 0,0 0 16,0 0-1,-21 21-15,-1 0 0,1 0 16,0 0-16,0 21 16,0-21-16,0 21 0,21 0 0,0 0 15,-22 0-15,22 1 0,-21-1 16,21 0-16,0 0 0,0 0 16,0 0-16,0 1 0,0-1 15,21 0-15,1 0 0,-1-21 16,0 0-16,0 0 0,0 0 15,0 0-15,1 0 0,-1 0 16,0 0-16,0-21 0,0 0 16,-21 0-16</inkml:trace>
+  <inkml:trace contextRef="#ctx0" brushRef="#br0" timeOffset="152516.44">16997 9123 0,'0'0'0,"21"0"0,21 0 16,-21 0-1,1 0-15,-1 0 16,-21-21-16,21 21 0,0-21 16,0 21-16,0-22 0,1 1 0,-22 0 15,21 21-15,-21-21 0,0 0 16,0 0-1,-21 21-15,-1 0 0,1 0 16,0 0-16,0 21 16,0-21-16,0 21 0,21 0 0,0 0 15,-22 0-15,22 1 0,-21-1 16,21 0-16,0 0 0,0 0 16,0 0-16,0 1 0,0-1 15,21 0-15,1 0 0,-1-21 16,0 0-16,0 0 0,0 0 15,0 0-15,1 0 0,-1 0 16,0 0-16,0-21 0,0 0 16,-21 0-16</inkml:trace>
   <inkml:trace contextRef="#ctx0" brushRef="#br0" timeOffset="152856.26">17378 8954 0,'21'-22'0,"-42"44"0,63-44 16,-42 1-16,21 0 0,0 21 0,1-21 15,-1 21-15,0 0 16,0 0-16,0 0 0,0 0 0,1 0 16,-1 0-16,0 21 0,-21 0 15,21 0-15,0 22 0,-21-22 16,0 0-16,21 0 0,-21 0 0,0 1 16,0-1-16,0 0 0,0 0 0,-21 0 15,0 0-15,0-21 16,0 0-16,0 0 15,21-21 17,0 0-17,0 0-15,0 0 16,0 0-16,0-1 0,0 1 0,21 0 16,0 0-16,-21 0 0,21 21 15,-21-21-15,21-1 0,0 1 0,1 0 16,-1 0-16,0 21 0,0 0 15,0-21-15,0 21 0</inkml:trace>
   <inkml:trace contextRef="#ctx0" brushRef="#br0" timeOffset="153612.16">17949 9038 0,'0'0'0,"21"0"16,1 0-16,-1 0 15,0 0-15,0 0 16,0-21-16,0 0 0,64-21 16,-43 20-16,-20 1 0,-1 0 15,0 0-15,0 0 16,0 0-16,-21-22 0,21 22 0,1 0 15,-22-21-15,0-1 0,0 1 16,0 21-16,0 0 0,0-1 16,0 1-16,0 0 0,0 0 15,-22 21 1,1 0-16,21 21 16,-21 0-16,0 0 0,0 1 0,21-1 15,0 0-15,-21 21 0,-1-21 0,1 22 16,21-1-16,-21 0 15,21 1-15,-21-1 0,0 0 0,21 1 16,0-1-16,0 0 0,-21 1 0,21 84 16,-22-85-16,22 0 15,0 22-15,0-22 0,-21 64 16,21-42-16,0-1 0,-21 1 16,0-22-16,21 43 0,-21-22 0,0 1 15,-1-1-15,22 1 0,0-22 16,0 0-16,0 1 0,-21-1 0,21-21 15,0 0-15,0 22 16,0-22-16,21-21 0,1 0 0,20 0 16,-21 0-16,0-21 0,0-1 15,22 1-15,-22 0 16,0 0-16,21 0 0,-20-22 0,20 22 16,-21-21-16,21 0 0,-20 20 0,-1-20 15,21 0-15,-42-22 0,0-42 16,0 64-16,0 0 0,0-1 0,-21 1 15,0 0-15,21-1 0,-21 1 16,-1 0-16,-20 21 0,0-1 16,21-20-16,-22 21 0,1 21 0,21-21 0,0 0 15,-1 21-15,1 0 16,21-22-16,21 22 31,1 0-31,-1 0 0,0-21 0,0 21 16,0 0-16,22-21 0,-22 21 15,0-21-15,0 21 0,0-21 0,0 0 16,1 21-16</inkml:trace>
   <inkml:trace contextRef="#ctx0" brushRef="#br0" timeOffset="154068.87">18690 8805 0,'0'-21'0,"0"42"0,0-63 16,0 21-16,-21 21 15,0 0-15,0 0 16,-1 0-16,1 0 0,0 21 16,0 0-16,0 22 0,0-22 15,-1 0-15,22 0 0,0 21 16,-21-20-16,21-1 0,-21 0 0,21 42 16,0-41-1,0-1-15,0 0 16,21-21-16,0 0 15,1 0-15,-1 0 16,0-21-16,0 0 0,0-1 16,0 1-16,1 0 0,-1 0 15,-21 0-15,21 0 0,0-1 16,-21-20-16,0 0 0,21 21 16,-21-1-16,0 1 0,0 42 31,0 1-31,0-1 15,0 0-15,0 0 0,0 0 0,-21 0 16,21 1-16,0-1 0,0 0 16,0 0-16,0 0 0,0 0 0,0 1 15,0-1 1,21-21-16,0 0 16,1 0-16,-1 0 0,0 0 15,0-21-15,0 21 0</inkml:trace>
@@ -1167,7 +1384,7 @@
   <inkml:trace contextRef="#ctx0" brushRef="#br0" timeOffset="155425.75">21251 8615 0,'0'-21'16,"0"42"-16,0-63 0,-21 42 31,0 0-31,0 0 0,0 0 16,-1 0-16,-20 21 0,21 0 0,0 0 15,0 0-15,-1 0 16,22 1-16,0-1 15,0 0-15,0 0 16,22-21-16,-1 21 0,0 0 16,0-21-16,21 0 0,-20 0 15,-1 22-15,21-22 0,-21 0 0,43 21 16,-43 0-16,0-21 0,0 21 16,-21 0-16,21-21 15,-21 21-15,0 1 0,0-1 16,-21-21-16,0 21 0,0-21 0,0 0 15,0 0-15,-1 21 0,-20-21 16,21 0-16,-21 0 16,-1 0-16,22 0 0,0 21 0,0-21 15,0 0 1,21-21-16,42 0 0,-42 0 16</inkml:trace>
   <inkml:trace contextRef="#ctx0" brushRef="#br0" timeOffset="155611.64">20955 8403 0,'0'0'0,"0"-21"31,-21 21-15</inkml:trace>
   <inkml:trace contextRef="#ctx0" brushRef="#br0" timeOffset="156385.09">22500 8573 0,'21'0'0,"-42"0"0,42-22 15,-21 1-15,0 0 0,21 0 0,1 0 16,20 0-16,-21-1 0,0 1 16,0 0-16,22 0 0,-22 0 0,21-22 15,-21 22-15,1 0 0,-1-21 16,0 21-16,0-1 0,-21 1 0,0 0 16,0 0-16,0 0 0,-42 0 15,21-1-15,-22 22 0,1 0 16,-22 0-16,22 0 0,-21 0 0,-1 22 15,22-22-15,-22 21 0,22 0 16,21 0-16,-22 0 0,22 0 0,21 22 16,0-22-16,0 0 0,0 21 0,21-20 15,1-1-15,20 0 0,0 21 16,-21-21-16,43 22 0,-22-22 0,1 0 16,-22 21-16,21-20 0,0 20 0,-20-21 15,-1 21-15,0-20 16,-21-1-16,0 21 0,0-21 0,0 22 15,-21-22-15,0 0 0,-22 0 0,1 0 16,0 0-16,-22-21 0,22 22 16,-22-22-16,1 0 0,-1 0 0,22 0 15,-22 0-15,22 0 0,0 0 0,-1-22 16,22 22-16,0-21 0,0 0 16,0 21-16,21-21 0,0 0 0,0 0 15,0-1-15,0 1 0,0 0 0,0 0 16,21 0-16,0 0 0,0-1 15,0 1-15,1 0 0,-1 0 0,0 0 16,64-22 0,-43 43-16,-21 0 0</inkml:trace>
-  <inkml:trace contextRef="#ctx0" brushRef="#br0" timeOffset="156727.89">22733 8636 0,'0'0'0,"-21"21"0,21 0 16,-21 1-16,-1-22 0,22 21 0,0 0 15,0 0-15,-21 0 0,21 0 0,0 1 16,0-1-16,0 0 0,0 0 16,0 0-16,21-21 15,1 21-15,-1-21 0,0 0 16,0 0-16,0 0 0,0 0 15,1 0-15,-1 0 0,0 0 0,0-21 16,0 0-16,0 21 0,1-21 0,-1 0 16,-21 0-16,0-1 0,21 1 15,-21 0-15,21 0 0,-21 0 16,0 0-16,0-1 16</inkml:trace>
+  <inkml:trace contextRef="#ctx0" brushRef="#br0" timeOffset="156727.88">22733 8636 0,'0'0'0,"-21"21"0,21 0 16,-21 1-16,-1-22 0,22 21 0,0 0 15,0 0-15,-21 0 0,21 0 0,0 1 16,0-1-16,0 0 0,0 0 16,0 0-16,21-21 15,1 21-15,-1-21 0,0 0 16,0 0-16,0 0 0,0 0 15,1 0-15,-1 0 0,0 0 0,0-21 16,0 0-16,0 21 0,1-21 0,-1 0 16,-21 0-16,0-1 0,21 1 15,-21 0-15,21 0 0,-21 0 16,0 0-16,0-1 16</inkml:trace>
   <inkml:trace contextRef="#ctx0" brushRef="#br0" timeOffset="157043.71">23199 8636 0,'0'0'0,"0"-21"0,0 0 16,-22 21-1,1 0 1,21 21 0,0 0-16,0 21 15,0-20-15,0 20 0,0 0 0,0 22 16,0-22-16,0 22 0,0-22 0,-21 21 16,21 1-16,0-1 0,0-20 15,0 20-15,-21 1 0,0-1 0,21 1 16,0-1-16,-43-20 0,22 20 15,0 1-15,0-22 0,0 21 0,0-20 0,-1-1 16,22 0-16,-21-20 0,21 20 16,-21-21-16,21 0 0,0-42 31</inkml:trace>
   <inkml:trace contextRef="#ctx0" brushRef="#br0" timeOffset="157076.9">23008 9821 0,'21'-42'15,"-42"84"-15,42-169 16</inkml:trace>
   <inkml:trace contextRef="#ctx0" brushRef="#br0" timeOffset="157407.71">23199 8763 0,'0'-42'0,"0"84"0,0-127 0,0 43 16,0 21-16,0 0 0,0-22 0,0 22 16,0 0-16,0 0 0,0 0 15,0 0-15,21 21 0,0-22 16,0 22-16,0 0 0,22 0 15,-22 0-15,0 0 0,0 0 16,0 0-16,22 0 0,-22 22 0,0-22 16,0 42-16,-21-21 0,0 0 15,0 0-15,0 1 0,0-1 16,0 0-16,-21 0 0,0 0 0,0 0 16,-1 1-16,1-1 0,0-21 0,0 21 15,0-21-15,0 0 0,-1 21 16,1-21-16,21-21 62,21 21-62,1-21 0,-1 21 16</inkml:trace>
@@ -1175,7 +1392,7 @@
   <inkml:trace contextRef="#ctx0" brushRef="#br0" timeOffset="158079.53">23961 8573 0,'0'-22'0,"0"44"0,0-65 15,0 22 1,21 21-16,0 0 0,0 0 15,0 0-15,0 0 0,1 0 16,-1 0-16,0 0 0,0 21 0,0-21 16,0 21-16,-21 1 0,0-1 0,22 0 15,-22 0 1,0 0-16,0 0 0,0 1 0,0 20 16,0-21-16,-22-21 0,1 21 15,0-21-15,0 0 16,0 0-16,0 0 0,-1 0 15,22-21 1,0 0 0,0 0-16,0 0 0,0-1 15,22 1-15,-1 0 0,-21 0 16,21 21-16,0-21 16,0 21-16,-21-21 0,21 21 15,1 0 1</inkml:trace>
   <inkml:trace contextRef="#ctx0" brushRef="#br0" timeOffset="158768.44">24342 8509 0,'0'21'16,"0"0"-1,-22 1-15,22-1 0,-21-21 16,21 21-16,0 0 0,0 0 0,0 0 16,0 1-16,0-1 0,0 0 0,-21 0 15,21 0-15,0 0 16,0 1-16,0-44 47,0 1-47,0 0 15,0 0-15,0 0 0,0 0 16,0-1-16,0 1 0,0 0 16,0 0-16,0 0 0,0 0 15,21-1-15,0 1 0,1 21 16,-1-21-16,0 21 16,0 0-16,0 0 0,0 0 15,1 0-15,-1 0 0,-21 21 0,0 0 16,21 1-16,-21-1 15,0 0-15,0 0 0,0 0 16,0 0-16,0 1 16,-21-22-1,21 21-15,0-42 47,0-1-47,0 1 0,0 0 16,21 0-16,-21 0 0,21 21 15,0-21-15,0-1 0,1 1 16,-1 0-16,0 21 0,0 0 0,21-21 16,-20 21-16,-1 0 0,0 0 0,0 0 15,-21 21-15,21 0 16,-21 0-16,0 1 0,0 20 16,0-21-16,0 0 15,-21 0-15,0 1 0,21-1 0,0 0 16,-21-21-16,21 21 0,-21-21 0,21 21 15,0-42 17,0 0-17</inkml:trace>
   <inkml:trace contextRef="#ctx0" brushRef="#br0" timeOffset="159132.75">24934 8509 0,'-42'42'31,"42"-20"-31,-21-22 0,0 21 0,21 0 16,0 0-16,-22-21 0,22 21 16,-21 0-16,21 1 0,0-1 15,0 0-15,21-21 16,1 0-16,-1 0 15,0 0-15,0 0 16,0-21-16,-21 0 0,21 21 16,-21-22-16,0 1 0,22 0 0,-22 0 15,0 0-15,0 0 16,0-1-16,0 1 0,-22 21 31,1 0-31,0 0 16,0 0-16,0 0 0,21 21 15,0 1 17,21-22-32</inkml:trace>
-  <inkml:trace contextRef="#ctx0" brushRef="#br0" timeOffset="159484.45">25167 8509 0,'0'0'0,"0"-21"0,-21 21 47,0 0-47,0 0 0,-1 21 0,1 0 15,0 0-15,21 1 16,0-1 0,21 0-1,0-21-15,1 0 0,-1 21 16,0-21-16,0 21 15,0-21-15,-21 21 0,0 1 16,0-1 0,-21 0-1,0-21-15,0 0 16,0 0-16,-1 0 0,1 0 0,0 21 16,0-21-16,0 0 0,0 0 15,-1 0-15,22-21 31,0 0-31</inkml:trace>
+  <inkml:trace contextRef="#ctx0" brushRef="#br0" timeOffset="159484.44">25167 8509 0,'0'0'0,"0"-21"0,-21 21 47,0 0-47,0 0 0,-1 21 0,1 0 15,0 0-15,21 1 16,0-1 0,21 0-1,0-21-15,1 0 0,-1 21 16,0-21-16,0 21 15,0-21-15,-21 21 0,0 1 16,0-1 0,-21 0-1,0-21-15,0 0 16,0 0-16,-1 0 0,1 0 0,0 21 16,0-21-16,0 0 0,0 0 15,-1 0-15,22-21 31,0 0-31</inkml:trace>
   <inkml:trace contextRef="#ctx0" brushRef="#br0" timeOffset="159844.23">25379 7811 0,'0'0'0,"0"-22"16,0 1-16,21 0 16,-21 0-1,0 42-15,0 0 16,0 0-16,0 22 16,0-22-16,0 21 0,0 1 0,-21-1 15,21 0-15,-21 1 0,21 20 16,0-21-16,-22 22 0,22-22 0,-21 1 15,21-1-15,0 21 0,0-20 0,-21-1 16,21-21-16,0 22 16,0-1-16,-21-21 0,21 0 0,0 22 15,0-22-15,0 0 0,0 0 16,0 0-16,21-21 16,0-21-1,-21 0-15,21 0 0,-21 0 16,22-1-16,-22 1 0,0 0 15</inkml:trace>
   <inkml:trace contextRef="#ctx0" brushRef="#br0" timeOffset="160129.03">25125 8149 0,'0'0'0,"0"-21"0,-21 21 15,21-21 1,21 21-16,0 0 0,0-21 16,0 21-16,0 0 0,1 0 15,20-21-15,-21 21 0,0 0 0,0 0 16,1 0-16,-1 0 0,0 0 16,0 0-16,0 0 15,0 0-15,-42 0 31,0 0-15,0 0-16,-21 0 0,20 0 16,-20 0-16</inkml:trace>
   <inkml:trace contextRef="#ctx0" brushRef="#br0" timeOffset="190488.24">762 12319 0,'0'0'0,"-21"0"16,0 0-16,-1 0 0,1 0 16,0-21-16,-21 21 0,21 0 15,-1 0-15,-20 0 0,21 0 0,-21 0 16,20 0-16,1 0 0,-21 0 16,21 0-16,0 0 15,42 0 16,0 0-31,21 0 16,22 0-16,-1 0 0,1 0 16,-1 0-16,22 0 0,-22 0 0,22 0 15,0 0-15,-1 0 0,-20 0 16,21 0-16,-1 0 0,1 0 0,-22 0 16,1 0-16,21 21 0,-43-21 15,21 0-15,1 21 0,-22-21 0,1 0 16,-1 0-16,0 0 0,-21 21 15,1-21-15,-1 0 0,0 0 0,0 0 16,-42 0 47,0 0-48,0 0 1,-1 0-16,1-21 0,0 21 15,21-21-15,-21 0 16</inkml:trace>
@@ -1201,6 +1418,171 @@
   <inkml:trace contextRef="#ctx0" brushRef="#br0" timeOffset="208708.53">21802 11113 0,'0'21'16,"0"0"-1,0 21-15,0-21 0,0 22 0,0-22 16,0 21-16,-22 1 16,22-1-16,-21 0 0,0 1 0,21-1 15,-21 0-15,0 1 0,21-1 0,-21-21 16,-1 21-16,22-20 0,0-1 15,-21 0-15,0 21 0,21-21 0,-21-21 16,21 22-16,0-1 0,-21-21 0,0 21 16,-1-21-1,1 0-15,0 0 16,21-21-16,-21 21 0,0-21 16,0 21-16,21-22 0,-22 1 0,1 21 15,21-21-15,-21 0 0,0 0 16,0 0-16,21-1 15,-21 22 1,21 22 15,0-1-15,0 0-16,21 0 0,0 0 16,0-21-16,-21 21 15,21-21-15,0 0 0,1 0 0,-1 0 16,21 0-16,0 0 15,1 0-15,-22 0 0,0 0 0,21 0 16,-20 0-16,20 0 0,-21 0 16,0-21-16,0 0 0,22 21 0,-22-21 15,0 21-15,-21-21 0,21 0 16,0-1-16,-21 1 0,0 0 0,22 21 16,-22-21-16,21 0 0,-21 0 0,0-1 15,0 1 1,0 42-1,0 1 1,0-1-16,0 0 16,-21 0-16,21 0 0,-22 0 15,22 1-15,0-1 0,0 0 16,0 0-16,-21 0 16,21 0-16,-21 1 0,21-1 15,0-42 32,0-1-31,0 1-16,0 0 0,21 0 15,0 0-15,1 0 0,-22-1 0,21 1 16,0 0-16,-21 0 0,21 0 16,0 21-16,0-21 0,-21-1 15,22 22-15,-1 0 0,-21 22 31,0-1-31,0 0 0,0 0 16,21 0-16,-21 0 0,0 1 16,0-1-16,0 0 0,0 0 15,21 0-15,-21 0 0,0 1 16,21-22-16,0 0 16,1 0-16,-1 0 15,0 0-15,0 0 0,0 0 16,0-22-16,1 1 0,-1 21 0,0-21 15,0 0-15,0 0 16,0 0-16,1-22 0,-1 22 0,0-21 16,-21-1-16,21 1 0,0 0 0,-21-22 15,0 22-15,21-22 0,-21 1 16,22 21-16,-22-1 0,0 1 0,0 0 16,0 20-16,0 1 0,0 0 0,-22 42 31,1 22-31,21-22 15,0 21-15,-21 22 0,0-22 16,0 0-16,0 22 0,21-22 0,-22 22 16,1 20-16,21-41 15,-21-1-15,21-21 0,-21 21 0,21-20 16,0-1-16,0 0 0,0 0 16,0 0-16,21-42 46,0 0-46,0 0 0,1 0 16,-1 21-16,0-22 16,-21 1-16,21 0 0,0 0 0,0 0 0,1 0 15,-1-1-15,0 22 32,-21 22-32,0-1 0,0 0 15,0 0-15,0 0 0,0 0 16,0 1-1,21-1-15,0 0 0,0-21 16,1 21-16,-1-21 16,0 0-16,0 0 0,21 0 15,-20 0-15,-1 0 0,0 0 0,21 0 16,-21 0-16,22-21 0,-22 21 0,0-21 16,0 21-16,0-21 0,1-1 15,-1 1-15,0 0 0,-21 0 0,0 0 16,0 0-16,0-1 0,0 1 15,0 0-15,0 0 16,-21 21-16,0 0 16,-1 0-16,1 0 0,0 21 15,21 0-15,-21 0 0,21 1 16,-21-1-16,21 0 0,-21 0 0,21 0 16,0 0-16,0 1 0,0-1 15,0 0-15,0 0 0,0 0 16,21-21-16,0 0 0,0 0 15,0 0-15,0 0 0,1 0 16,-1 0-16,0 0 16,0 0-16,0 0 0,0-21 15,1 21-15,-1-21 0,0 0 0,0 0 16,0-1-16,0 1 0,1 0 0,-1 21 16,0-21-16,0 0 0,-21 0 15,21 21-15,-21-22 0,0 44 31,0-1-31,0 0 16,0 0-16,0 0 0,0 0 16,0 1-16,0-1 15,0 0 1,21-21 15,1 0-31,-1 0 16,0 0-16,0-21 0,0 21 15,0-21-15,1 21 0,-22-22 0,42 1 16,-42 0-16,21 21 0,0-21 16,0 0-16,1 21 0,-22 21 31,0 0-31,0 0 16,0 0-16,0 22 15,0-22-15,0 0 0,0 0 0,0 0 16,21-21-1,0 0-15,0 0 16,0 0-16,0 0 0,1 0 0,-1 0 16,21 0-16,-21 0 0,0-21 0,22 0 15,-22 21-15,0-21 0,0 0 16,0 21-16,-21-43 0,22 1 16,-22 21-16,0 0 0,0-43 0,0 22 15,21 0-15,0-1 0,0-20 16,0-1-16,-21 22 0,0-22 0,21 22 15,-21 0-15,0-1 0,22 22 0,-22-42 16,0 84 15,-22 0-31,1 21 16,21-20-16,0 20 0,-21 0 16,21 22-16,-21-22 0,21 0 0,-21 1 15,21-1-15,0 0 0,0 1 0,0-1 16,0 0-16,0-20 0,0-1 15,0 21-15,0-21 0,0 0 0,0 1 16,21-22-16,-21 21 0,21 0 0,0-21 16,0 0-16,1 0 0,20 0 15,-21 0-15,43 0 16,-22 0-16,0 0 0,-21 0 0,22 0 0,-1-21 16,-21 21-16,22-21 0,-22-1 15,0 1-15,0 0 0,0 0 16,0 0-16,-21-22 0,0 22 0,0-21 15,0 21-15,0 0 0,0-1 0,0 1 16,-21 21-16,0 0 0,0 0 16,-21 0-16,20 0 0,1 21 15,0 1-15,0-1 0,0 0 16,0 0-16,-1 0 0,22 22 0,-21-22 16,21 0-16,0 0 0,-21 0 0,21 0 15,0 1-15,0-1 0,21 0 16,0-21-1,1 0-15,-1 0 0,0 0 16,0 0-16,0 0 16,0-21-16,1 0 0,-1-1 15,0 1-15,0 0 0,0 0 16,0 0-16,-21 0 0,22-22 0,-1 22 16,-21 0-16,0 0 0,21 21 15,-21-21-15,0 42 16,0 0-16,0 0 15,-21 0-15,21 0 16,0 1-16,0-1 0,0 0 0,0 0 16,0 0-16,0 0 0,0 1 15,0-1-15,21-21 16,0 0-16,0 0 0,0 0 16,1 0-16,41 0 0,-42 0 15,0 0-15,1 0 0,-1 0 0,21-21 16,-42-1-16,21 22 0,0-21 15,1 0-15,-22 0 0,0 0 0,21-22 16,-21 22-16,21-21 16,0 0-16,-21 20 0,0 44 31,-21-1-31,0 0 0,21 0 16,-21 21-16,-1-20 15,22-1-15,-21 0 0,0 0 0,21 0 16,-21 0-16,21 1 0,0-1 15,-21-21-15,42 0 47,0-21-47,-21-1 0,21 22 16,0-21-16,1 0 0,-22 0 0,21 0 16,0 0-16,0-1 0,0 1 15,0 0-15,1 0 0,-22 0 16,21 21-16,-21 21 15,0 0 1,0 0-16,0 0 0,0 1 16,0-1-16,0 0 0,0 0 0,0 0 15,0 0-15,0 1 0,21-22 0,-21 21 16,21 0-16,0-21 16,0 0-16,1 0 0,-1 0 15,0 0-15,0 0 0,0 0 16,0 0-16,1-21 0,-1 21 0,0-21 15,0-1-15,21-20 16,-20 21-16,-22 0 0,21 0 16,0-1-16,0 1 0,0 0 0,-21 0 15,0 0-15,0 0 0,21-1 16,-21 44 15,0-1-31,0 0 16,0 0-16,0 0 15,22-42 32,-22 0-31,0 0-16,0 0 16,0-1-16,0 1 15,-22 21 16,1 0-31,0 0 0,21 21 16,0 1-16,-21-1 0,0 0 0,21 0 16,-21 0-16,21 0 0,0 1 15,-22 20-15,22-21 16,0 0-16,0 0 0,0 1 0,0-1 16,0 0-16,22 0 15,-1-21-15,0 21 0,21-21 16,1 21-16,-22-21 15,21 0-15,-21 0 0,0 0 0,1 0 16,-1 0-16,21 0 0,-21-21 16,0 0-16,1 21 0,-1-21 0,0 0 15,0 0-15,0-1 0,0 1 16,-21-21-16,0 21 0,22-22 16,-22 22-16,0 0 0,-22 21 31,1 0-31,21 21 0,-21-21 0,0 21 15,0 1-15,0-1 0,-1 0 16,22 0-16,-21 0 0,21 0 16,0 1-16,0-1 0,0 0 15,21 0 1,1-21-16,-1 0 16,0 0-16,0 0 15,0 0-15,0 0 0,1 0 16,-1-21-16,0 0 0,0 0 15,0 21-15,0-22 0,-21 1 16,22 0-16,-1-21 0,-21-1 16,42-20-16,-42 42 15,0 42 17,0 0-32,0 0 15,-21 0-15,0 1 0,0-1 16,21 0-16,-22 0 0,22 0 0,-21 0 15,21 1-15,0-1 0,-21 0 0,21 0 16,0 0-16,-21-21 16,21 21-16,0 1 15,0-44 32,-42 44-47,20-22 0,22-22 16,0 1-16</inkml:trace>
   <inkml:trace contextRef="#ctx0" brushRef="#br0" timeOffset="209088.31">24342 11303 0,'21'0'16,"0"0"-16,0 0 15,21 0-15,-20 0 0,-1 0 16,21 0-16,-21 0 0,22 0 0,-1 0 15,0 0-15,-21 0 0,22 0 16,-1 0-16,0 0 0,22 0 16,-43 0-16,0 0 0,0 0 15,1 0-15,-1 0 0,-21-21 16,0 0 0,-21 21-1,-1-21-15,1 21 16,-21 0-16,21 0 0,0-22 0</inkml:trace>
   <inkml:trace contextRef="#ctx0" brushRef="#br0" timeOffset="209386.14">23558 11134 0,'0'0'0,"-105"0"110</inkml:trace>
+</inkml:ink>
+</file>
+
+<file path=ppt/ink/ink9.xml><?xml version="1.0" encoding="utf-8"?>
+<inkml:ink xmlns:inkml="http://www.w3.org/2003/InkML">
+  <inkml:definitions>
+    <inkml:context xml:id="ctx0">
+      <inkml:inkSource xml:id="inkSrc0">
+        <inkml:traceFormat>
+          <inkml:channel name="X" type="integer" max="1600" units="cm"/>
+          <inkml:channel name="Y" type="integer" max="900" units="cm"/>
+          <inkml:channel name="T" type="integer" max="2.14748E9" units="dev"/>
+        </inkml:traceFormat>
+        <inkml:channelProperties>
+          <inkml:channelProperty channel="X" name="resolution" value="51.77993" units="1/cm"/>
+          <inkml:channelProperty channel="Y" name="resolution" value="51.72414" units="1/cm"/>
+          <inkml:channelProperty channel="T" name="resolution" value="1" units="1/dev"/>
+        </inkml:channelProperties>
+      </inkml:inkSource>
+      <inkml:timestamp xml:id="ts0" timeString="2021-07-21T01:30:17.511"/>
+    </inkml:context>
+    <inkml:brush xml:id="br0">
+      <inkml:brushProperty name="width" value="0.05292" units="cm"/>
+      <inkml:brushProperty name="height" value="0.05292" units="cm"/>
+      <inkml:brushProperty name="color" value="#FF0000"/>
+    </inkml:brush>
+    <inkml:brush xml:id="br1">
+      <inkml:brushProperty name="width" value="0.05292" units="cm"/>
+      <inkml:brushProperty name="height" value="0.05292" units="cm"/>
+      <inkml:brushProperty name="color" value="#0070C0"/>
+    </inkml:brush>
+  </inkml:definitions>
+  <inkml:trace contextRef="#ctx0" brushRef="#br0">2519 2032 0,'-21'0'16,"21"21"-1,0-42 1,0 0 0</inkml:trace>
+  <inkml:trace contextRef="#ctx0" brushRef="#br0" timeOffset="6183.72">2540 1249 0,'0'-21'0,"0"0"31,0 42 32,0 0-63,0 0 16,0 0-16,0 0 0,0 22 0,0-1 15,0 0-15,21 1 0,-21-1 16,21 22-16,-21-22 0,0 21 0,0-20 15,0 20-15,21 1 0,-21-22 16,0 0-16,22 1 0,-22-1 0,0 0 16,0-20-16,0 20 0,0-21 15,0 0-15,0 0 0,0 1 16,21-1-16,-21-42 47,-21 21-32,21-22-15,0 1 0,-22 0 0,1 0 16</inkml:trace>
+  <inkml:trace contextRef="#ctx0" brushRef="#br0" timeOffset="7083.2">2286 1461 0,'0'0'0,"0"-22"0,0 1 0,0 0 0,0 0 15,0 0-15,0 0 16,21-1-16,0 1 0,0 0 0,1 0 15,-1 0-15,0 0 0,0-1 16,21 1-16,-20 0 0,20 0 0,0 0 16,-21 0-16,22-1 0,-22 22 15,21-21-15,1 21 0,-22 0 16,0 0-16,21 0 0,-21 0 0,1 0 16,-1 0-16,0 0 0,0 21 15,0 22-15,0-22 0,1 21 0,-1-21 16,0 22-16,0 20 0,-21-20 15,21-1-15,-21 21 0,0-20 0,0-1 16,0 22-16,0-22 16,0 21-16,0-20 0,0-1 0,0 0 15,0 1-15,0-22 0,0 21 16,0-21-16,0 22 0,0-22 0,0 0 16,0 0-16,0 0 15,0 1-15,0-44 47,0 1-47,0 0 16,0 0-16,0-21 0,0 20 15,0-20-15,0 0 0,21-1 0,-21 1 16,22 0-16,-22-1 16,21-20-16,0 21 0,0-1 0,0 1 15,0 0-15,1-22 0,20 22 16,-21-1-16,0 1 0,22 0 0,-22-1 15,21 1-15,0 0 0,-20 21 16,20-22-16,-21 22 0,0 0 0,0 0 16,1 21-16,-1-21 0,0 21 15,0 0-15,0 0 0,0 0 16,1 0-16,-1 21 0,0-21 16,-21 21-16,21 21 0,-21-21 15,21 22-15,-21-1 0,0 0 0,0 1 16,0-1-16,0 0 0,0 1 15,0 20-15,0-20 0,0 20 16,0 1-16,0-22 0,-21 21 0,21 1 16,0-22-16,-21 22 0,0-1 15,21-20-15,-21-1 0,21 0 0,-22 1 16,1-1-16,21 0 0,0-21 16,0 1-16,0 20 0,-21-21 0,21 0 15,0 0-15,0 1 0,0-1 16,-21-21 15,21-21-15,0-1-16,0 1 15</inkml:trace>
+  <inkml:trace contextRef="#ctx0" brushRef="#br0" timeOffset="8856.08">4106 1799 0,'21'-21'15,"-42"42"-15,42-84 0,-21 42 0,0-1 0,0 1 16,0 0-16,0 0 0,0 0 16,0 0-16,0-1 0,0 1 15,0 0-15,0 42 31,0 0-31,0 1 16,0 20-16,0-21 0,0 21 0,0 1 16,0-1-16,0 0 0,0 1 15,0 20-15,0-20 0,0-1 16,0 0-16,0 1 0,0-22 0,0 21 16,0-21-16,0 22 0,0-22 15,0 0-15,0 0 0,0 0 16,22-21-16,-1 0 0,0 0 15,0 0-15,0 0 0,0-21 16,1 0-16,20 0 16,-21 0-16,0-1 0,0-20 0,1 21 15,20-21-15,-21-1 0,0 1 0,0 0 16,1-22-16,-1 22 16,0-1-16,-21 1 0,0 0 0,21-1 0,-21 1 15,0 21-15,21-21 16,-21 20-16,0 1 0,0 42 47,0 1-47,0-1 0,-21 21 15,21 0-15,0-20 0,0 20 0,-21 0 16,21 1-16,0-1 0,-21 0 16,21 1-16,0-1 0,0-21 0,0 21 15,0-20-15,0 20 0,0-21 16,21 0-16,0 0 0,0 1 15,0-1-15,1-21 16,-1 0-16,0 0 0,0 0 0,21 0 16,-20 0-16,-1-21 0,0 21 15,0-22-15,21 1 0,-20 0 0,-1 0 16,0-21-16,21-1 0,-21 1 16,1 0-16,-1-1 0,0-20 0,0 20 15,0-20-15,0 21 0,1-22 16,-22 22-16,21-1 0,-21 1 0,21 21 15,-21-21-15,0 20 0,0 1 16,0 0-16,0 0 0,0 0 16,0 42 15,0 0-31,0 0 0,0 0 16,-21 22-16,21-22 0,-21 21 15,21 1-15,0-1 0,-22 21 0,22-20 16,0-1-16,0 0 0,-21 22 15,21-22-15,0 1 0,-21-22 0,21 21 16,0 0-16,0-20 0,0 20 16,0-21-16,0 0 0,0 0 0,0 1 15,0-1-15,21-21 0,0 21 0,1-21 16,-1 0-16,0 0 16,0 0-16,21 0 0,-20 0 15,-1-21-15,0 0 0,21 21 0,-21-22 16,1-20-16,20 21 0,-21-21 15,0 20-15,22-41 0,-22 21 0,0-1 16,0-20-16,21-1 0,-20 22 16,-1-22-16,0 1 0,0 21 0,-21-22 15,21 22-15,0-1 0,-21 22 16,0-21-16,0 21 0,0-22 0,0 22 16,0 0-16,0 0 15,-21 42 16,21 0-31,-21 22 16,21-22-16,0 0 0,-21 21 0,0 1 16,21-1-16,-21 0 0,21 1 15,-22-1-15,22 21 0,0-20 0,-21-1 16,21 22-16,-21-22 0,21 0 16,0 1-16,0-1 0,0-21 0,0 21 15,0-20-15,0-1 0,0 21 16,21-21-16,0 0 0,1 1 0,-1-22 15,0 21-15,0 0 0,0-21 0,22 0 16,-22 0-16,0 0 0,21 0 16,-21 0-16,22 0 0,-22 0 15,21 0-15,-21-21 0,22 0 0,-22 21 16,21-43-16,-21 22 0,1 0 16,-1-21-16,21 20 0,-21-20 0,0 0 15,-21 21-15,22-22 0,-1 1 16,0 21-16,-21-22 0,0 22 0,0 0 15,0 0-15,0 0 0,0 42 32,0 0-32,0 0 15,0 0-15,0 22 0,0-22 16,0 0-16,0 21 0,0-20 0,0-1 16,0 0-16,0 0 15,0 0-15,0 0 0,0 1 0,0-1 16,21-21-16,0 0 0,0 21 15,1-21-15,-1 0 16,0 0-16,0 0 0,0 0 16,0-21-16,1 21 0,-1-21 15,-21-1-15,21 22 0,0-21 0,0 0 16,0-21-16,1 21 0</inkml:trace>
+  <inkml:trace contextRef="#ctx0" brushRef="#br0" timeOffset="9215.87">6477 1291 0,'0'21'0,"0"1"31,21-22-31,0 0 0,0 0 16,1 0-16,-1 0 16,0 0-16,0-22 0,0 1 0,0 21 15,-21-21-15,0 0 0,0 0 16,0 0-16,0-1 16,0 1-16,-21 0 0,0 21 0,0 0 15,0-21-15,0 21 16,-1 0-16,1 0 0,0 0 0,0 0 15,0 21-15,0-21 0,21 21 16,-22 0-16,1 1 0,21-1 16,-21 0-16,21 0 15</inkml:trace>
+  <inkml:trace contextRef="#ctx0" brushRef="#br0" timeOffset="9491.71">5546 1693 0,'0'0'15,"42"0"1,-21 0-16,21 0 15,-20 0-15,20 0 0,0-21 0,-21 21 16,22 0-16,-1-21 0,0 21 16,1 0-16,-22-21 0,21 21 0,-21 0 15,1 0-15,-1 0 0,0 0 16,0 0-16,0 0 16</inkml:trace>
+  <inkml:trace contextRef="#ctx0" brushRef="#br0" timeOffset="10003.42">6731 1757 0,'0'0'0,"-21"-21"31,21 42-16,0 0 1,0 0-16,-21 0 0,21 22 0,-22-1 16,22 0-16,0 1 0,-21 20 15,0-20-15,0 20 0,21 22 0,-21-22 16,0 22-16,-1-22 0,1 22 16,0 0-16,21-1 0,-21-20 0,0-1 15,0 22-15,-1-21 0,22-1 0,-21 1 16,0-22-16,0 21 15,21-20-15,0-1 0,0-21 0,-21 22 16,21-22-16,0 0 0,0-42 31,0 0-31,0-1 16,0 1-16,0 0 0,21-21 0,0-1 16,-21 1-16,21 0 0,0-22 15</inkml:trace>
+  <inkml:trace contextRef="#ctx0" brushRef="#br0" timeOffset="10391.2">6604 1884 0,'0'0'0,"0"-21"0,0-22 16,0 22-16,0 0 0,0 0 15,0 0-15,0 0 0,21-1 0,0 1 16,0-21-16,1 21 0,-1 0 15,0-1-15,0 22 0,21-21 0,-20 0 16,20 21-16,-21 0 0,21-21 16,1 21-16,-22 0 0,21 0 0,-21 21 15,1-21-15,-1 21 0,0 22 16,0-22-16,-21 21 0,0 0 16,0-20-16,0 20 0,0 0 0,0 1 15,-21-1-15,0-21 0,0 21 16,-22-20-16,1-1 0,21 0 0,-22 0 15,1 0-15,21-21 0,-21 0 16,20 21-16,-20-21 0,21 0 0,0 0 16,0 0-16,-1 0 0,22-21 15,-21 21-15,21-21 0,0 0 16,0 0-16,0 0 16,0-1-16,0 1 15,21 0-15,1 0 0,-1 0 0</inkml:trace>
+  <inkml:trace contextRef="#ctx0" brushRef="#br0" timeOffset="10732">7493 804 0,'0'0'0,"-21"0"0,0 22 16,21-1-16,-22 0 0,1 21 15,21 1-15,-21 20 0,21-21 16,-21 22-16,0-1 0,0 1 0,-1-1 16,22 1-16,-21 21 0,0-22 15,0 1-15,0-1 0,21 1 0,-21-22 16,21 21-16,-22-20 0,22-1 0,0-21 15,0 22-15,0-22 0,0 0 16,0 0-16,22-21 31,-22-21-31,21 0 0,0 0 16,-21-1-16,21 1 0</inkml:trace>
+  <inkml:trace contextRef="#ctx0" brushRef="#br0" timeOffset="11124.78">7429 1715 0,'22'21'16,"-1"-21"0,0 0-16,0 0 0,0 0 15,0 0-15,22-21 0,-22 21 0,0-22 0,21 1 16,-20 0-16,20 0 0,-21 0 15,0 0-15,22-1 0,-43 1 16,21 0-16,-21-21 0,0 21 16,0-1-16,0 1 0,-21 21 15,-1 0-15,1 0 0,0 0 16,0 0-16,-21 0 0,20 0 0,-20 21 16,21 1-16,-21-1 0,20 0 0,1 21 15,0-21-15,0 22 0,0-1 16,0-21-16,21 22 0,0-1 0,0-21 15,0 21-15,0-20 0,0-1 16,21 0-16,21 0 0,-21 0 0,0 0 16,22-21-16,-22 0 0,21 0 15,1 0-15,-1 0 0,-21 0 16,21 0-16,1 0 0,-1-21 0,0 0 16,-20 0-16,20 0 0</inkml:trace>
+  <inkml:trace contextRef="#ctx0" brushRef="#br0" timeOffset="14140.2">9165 1291 0,'0'0'16,"-21"0"-16,0 0 0,0 0 15,21 21-15,0 1 16,21-22 31,0 0-47,0 0 0,0 0 16,0 0-16,22-22 0,-22 1 0,21 0 15,-21 0-15,22 0 0,-1 0 16,0-1-16,1-20 0,-22 0 0,21-1 15,1 1-15,-22 0 0,0-1 16,0 1-16,0 0 0,-21-1 0,0 1 16,0 0-16,0 21 0,-21-22 15,0 22-15,21-21 0,-21 21 16,0-1-16,-1 1 0,1 21 16,0 21-1,21 1 1,-21-1-16,21 21 0,0 22 0,-21-22 15,21 21-15,-21 22 0,21-21 16,-22-1-16,22 22 0,-21-1 0,0-20 16,21-1-16,-21 22 0,21-21 15,-21 20-15,21-20 0,-21-1 0,21 1 16,0-1-16,0-20 0,-22 20 0,22-21 16,0 1-16,-21-22 0,21 21 15,-21-21-15,21 22 0,0-22 16,0 0-16,-21-21 0,0 0 15,0 0 1,-1 0-16,1 0 0,0 0 0,0-21 16,0 0-16,0-22 0,-1 22 15,1-21-15,0 0 0,0-1 0,0 1 16,0 0-16,-1-1 0,1 1 16,0 21-16,21-22 0,0 22 0,-21 21 15,0-21-15,0 21 0,21 21 16,0 0-16,-22 1 15,22 20-15,0-21 0,0 21 0,0 1 16,0-22-16,22 21 16,-1-21-16,0 22 0,0-22 0,0 0 15,0 0-15,1 0 0,20 1 0,-21-22 16,21 0-16,1 0 0,-1 0 16,0 0-16,1 0 0,-1 0 0,0 0 15,1-22-15,-1 1 0,22 0 16,-22 0-16,0 0 0,1-22 0,-1 22 15,0-21-15,-21 0 0,22-1 16,-22 1-16,0-22 0,0 22 0,-21 21 16,0-21-16,0-1 0,0 22 0,0 0 15,0 0-15,-21 21 32,0 0-32,21 21 0,-21 0 15,21 0-15,-21 22 0,21-1 0,-22 0 16,1-21-16,21 22 0,0-1 0,-21 0 15,0 1-15,21-22 0,-21 21 16,21-21-16,0 1 0,0-1 0,0 0 16,0 0-16,0 0 0,-21-21 15,21 21-15,21-42 16,-21 0 0,21 21-16,0-21 0,0-21 15,-21 20-15,21-20 0,1 21 0,-1-21 16,0-1-16,21 1 15,-21 0-15,1-1 0,-1 22 0,21 0 16,-21 0-16,0 0 0,1 21 16,-1 21-1,-21 0-15,0 21 0,0-21 0,0 22 16,0-22-16,0 21 0,21-21 16,-21 22-16,0-22 0,21 21 0,-21-21 15,21 1-15,0-1 0,-21 0 16,22 0-16,-1-21 0,21 0 0,-21 21 15,0-21-15,22 0 0,-22 0 0,21 0 16,-21-21-16,22 21 0,-22-21 16,21 0-16,-21 0 0,22-1 15,-22-20-15,21 21 0,-21-21 16,22-22-16,-22 22 0,0-22 0,21 22 16,-20-22-16,-1 1 0,0 21 0,0-22 15,0 1-15,-21 20 0,21-20 16,-21-1-16,0 22 0,0 0 0,0-1 15,0 1-15,-21 21 0,0 0 16,0-1-16,0 22 0,0 0 16,-1 0-16,1 43 15,0-22-15,21 21 0,0 1 0,-21-1 16,0 21-16,21-20 0,0 20 16,0-20-16,-21 20 0,21 1 15,-22-1-15,22 1 0,-21-1 16,21-21-16,0 22 0,0-22 0,-21 1 15,21-1-15,0 0 0,0-21 0,0 1 16,-21 20-16,21-21 0,0 0 16,0-42 15,0 0-15,0 0-16,0-22 0,21 22 0,0-21 15,-21 0-15,21 20 0,-21-20 16,22 0-16,-1-1 0,0 22 0,0 0 15,0 0-15,0 0 16,1 0-16,-1-1 0,0 22 16,0 0-16,0 0 0,0 22 15,-21-1-15,22 0 16,-22 0-16,0 0 0,0 22 0,0-22 16,0 0-16,0 21 0,0-21 15,0 22-15,0-22 0,0 0 0,21 0 16,-21 0-16,21 1 0,0-1 0,0 0 15,0-21-15,1 0 16,-1 0-16,0 0 0,21 0 0,-21 0 16,1 0-16,20 0 0,-21-21 15,0 0-15,0-1 0,22 1 16,-22 0-16,0 0 0,0 0 0,0-22 16,1 1-16,-1 0 0,0 21 15,0-22-15,-21 1 0,21 21 0,-21 0 16,0-1-16,0 1 0,0 0 15,-21 21 1,0 0-16,0 0 0,0 0 0,-1 0 16,22 21-16,-21 0 0,0 22 15,21-22-15,-21 0 0,21 21 0,-21-20 16,21 20-16,-21 0 0,21-21 16,0 22-16,0-22 0,0 0 15,0 0-15,0 0 0,0 1 0,21-1 16,0 0-16,0 0 0,0-21 15,0 21-15,22-21 0,-22 0 16,0 0-16,0 0 0,0 0 0,1 0 16,-1 0-16,21-21 0,-21 21 15,0-21-15,1 0 0,-1 0 0,0-22 16,0 22-16,0-21 0,0 21 16,1-22-16,-1 22 0,-21-21 0,0 21 15,0-22-15,0 22 16,0 0-16,0 0 0,0 42 47,0 0-47,0 0 0,0 0 15,0 1-15,0-1 0,21 0 16,0 0-16,-21 0 0,0 0 0,21 1 16,-21-1-16,21-21 0,-21 21 0,22 0 15,-22 0-15,0 0 0,21 1 16,0-1-16,-21 0 15,21-21-15,0 0 0,0 21 0,1-21 16,-1 0 0,0 0-16,0 0 0,0 0 0,0 0 15,1 0-15,-1-21 0,0 0 16,0 21-16,0-21 0,0-22 16,1 22-16,-1-21 0,0-1 0,0 1 15,0 0-15,0-1 0,1-20 16,-1 21-16,0-1 0,-21 1 0,0 0 15,0-1-15,0 1 0,0 0 16,21 20-16,-21 1 0,0 0 0,0 0 16,0 0-16,0 0 15,-21 42 1,21 0 0,-21 0-16,21 0 0,0 0 15,0 1-15,-21 20 0,21-21 0,-22 21 16,22 1-16,0-1 0,0 0 0,-21 1 15,21-1-15,0 0 0,0 22 16,-21-22-16,21-21 0,0 22 0,0-1 16,0-21-16,0 22 0,0-22 15,21 0-15,0 0 0,1 0 0,-1-21 16,0 21-16,0-21 0,0 0 0,0 0 16,22 0-16,-22 0 0,0 0 15,0 0-15,0 0 0,22-21 0,-22 21 16,0-21-16,0 0 0,0-21 15,1 20-15,-1 1 0,0-21 16,0 21-16,0-22 0,0 1 0,-21 21 16,22 0-16,-22 0 0,0-1 15,0 1-15,0 0 0,0 42 16,0 0 0,0 1-16,-22-1 0,1 0 15,21 0-15,-21 21 0,21-20 0,0-1 16,0 21-16,0-21 0,0 0 15,0 1-15,0-1 0,0 0 0,0 0 16,0 0-16,21-21 0,0 0 16,1 21-1,-1-21-15,0 0 0,0 0 0,0 0 16,0 0-16,1-21 0,-1 0 0,0 21 16,21-21-16,-21 0 0,1 0 15,-1-22-15,0 22 0,0 0 0</inkml:trace>
+  <inkml:trace contextRef="#ctx0" brushRef="#br0" timeOffset="14368.07">13060 1312 0,'0'0'0,"-21"0"16,-1 0 78</inkml:trace>
+  <inkml:trace contextRef="#ctx0" brushRef="#br0" timeOffset="14608.93">11959 1461 0,'-21'21'16,"42"-21"-1,0 0-15,0 0 16,22 0-16,-22 0 0,0 0 0,21 0 15,-20 0-15,20 0 0,-21 0 16,21 0-16,-20 0 0,-1 0 0,0 0 16,0 0-16,0 0 0,0 0 15,-21-21 1,22 21-16</inkml:trace>
+  <inkml:trace contextRef="#ctx0" brushRef="#br0" timeOffset="16815.5">13610 1842 0,'0'-22'0,"0"44"0,0-65 0,0 22 0,21 0 16,-21-21-16,0 20 0,0 1 16,0-21-16,0 21 0,0 0 0,0-1 15,0 1-15,0 0 0,-21 21 0,0 0 16,0 0-16,0 0 16,-1 0-16,1 0 0,0 0 0,0 21 15,0 0-15,0 1 0,-1-1 16,1 0-16,0 21 0,0-21 0,21 22 15,0-22-15,-21 21 0,21-21 16,0 1-16,0-1 0,0 21 0,0-21 16,0 0-16,0 1 0,0-1 15,21-21-15,0 0 16,0 0-16,0 0 16,1 0-16,-1 0 0,0 0 0,0-21 15,0 21-15,0-22 0,1 1 16,-1 0-16,0-21 0,0 21 0,0-1 15,-21-20-15,21 0 0,-21 21 16,22-22-16,-22 1 0,0 21 0,0 0 16,0-1-16,0 1 0,0 0 0,0 42 31,0 0-15,-22 1-16,22 20 0,-21-21 15,21 21-15,-21 1 0,21-1 0,0 0 16,0 1-16,0-22 0,0 21 0,0-21 15,0 1-15,0-1 0,0 0 16,21 0-16,0 0 0,1-21 0,-1 0 16,0 0-16,0 0 0,21 0 15,-20 0-15,20 0 0,-21-21 0,21 21 16,-20-21-16,20 0 0,-21 0 0,21-22 16,-20 22-16,20-21 0,-21-1 15,0 1-15,0 0 0,1-1 0,-22 1 16,0 0-16,0-1 0,0 22 15,0 0-15,0 0 0,0 0 16,-22 21 0,1 21-1,0 0-15,21 21 0,-21-20 0,0 20 16,21 0-16,0 1 0,-21-1 0,-1 0 16,22 1-16,0-22 0,0 21 15,0-21-15,0 0 0,0 1 0,0-1 16,0 0-16,0 0 15,0-42 1,0 0 0,22 21-16,-1-21 15,0-22-15,-21 22 0,21-21 0,0 21 16,0-22-16,1 1 0,-1 0 0,0-1 16,21 1-16,-21 0 0,1 20 15,-1 1-15,0 0 0,0 0 0,0 21 16,0 0-1,-21 21-15,22 0 16,-22 22-16,21-22 0,-21 21 0,0-21 16,0 22-16,21-1 0,0-21 15,0 21-15,-21-20 0,21-1 0,1 0 16,-1 0-16,0 0 16,0 0-16,0-21 0,0 0 0,1 0 15,-1 0-15,0 0 0,0 0 0,21 0 16,-20 0-16,-1 0 0,0-21 15,0 0-15,-21 0 0,21-21 0,0 20 16,1-20-16,-1 0 0,0-1 16,0 1-16,0 0 0,-21-1 0,21 22 15,1-21-15,-22 21 0,21 0 0,-21-1 16,0 44 15,0-1-31,0 0 16,0 0-16,0 0 15,0 0-15,0 1 0,0-1 16,0 0-16,21-21 16,0 0-1,-21-21 1,21 0-16,-21-1 16,0 1-16,0 0 0,0 0 15,0 0-15,0 0 0,0-1 16,0 1-16,0 0 0,-21 21 15,0 0 1,0 0-16,0 0 0,-1 0 16,22 21-16,-21 0 0,0 1 15,0-1-15,0 0 0,21 0 16,0 21-16,-21-20 0,-1 20 0,22-21 16,0 21-16,0-20 0,0 20 15,0-21-15,0 21 0,0-20 0,0 20 16,22-21-16,-1 0 0,0 0 0,0 1 15,0-1-15,0-21 0,1 21 16,20-21-16,-21 0 0,21 0 0,-20 0 16,20 0-16,0 0 0,1 0 0,-1 0 15,0 0-15,1-21 0,-1 0 16,21-1-16,-20 1 0,-1-21 0,-21 21 16,22-22-16,-1 22 0,-21-21 15,0 0-15,0-1 0,1 1 16,-1 21-16,-21 0 0,0-22 0,21 43 15,-21-21-15,0 0 0,-21 21 16,0 0 0,-1 0-16,1 0 0,0 0 15,0 21-15,0 0 0,0 0 0,-1 22 16,1-22-16,0 0 0,0 21 16,0-20-16,21 20 0,0-21 0,-21 0 15,21 22-15,0-22 0,0 0 0,0 0 16,0 0-16,0 0 15,0 1-15,21-1 0,0-21 0,0 21 0,0-21 16,0 0-16,1 0 0,-1 0 16,0 0-16,21 0 0,-21 0 15,1 0-15,20 0 0,-21 0 0,0-21 16,22 0-16,-22-1 0,0 1 16,21 0-16,-21-21 0,22 21 0,-22-22 15,0 1-15,21 0 0,-20-1 16,-1 1-16,0 0 0,0-1 0,0 22 15,-21 0-15,0 0 0,0 0 0,0-1 16,0 1-16,-21 21 16,0 0-16,0 0 15,0 0-15,-1 21 0,1 1 16,0-1-16,0 0 0,21 0 0,-21 21 16,21-20-16,0 20 0,0-21 0,0 21 15,0-20-15,0 20 0,21-21 16,0 21-16,0-20 0,0-1 0,1 0 15,-1 0-15,0 0 0,21 0 16,-21 1-16,1-1 0,-22 0 0,21-21 16,-21 21-16,21-21 0,-21 21 0,0 0 31,-21-21-31,0 0 16,-1 0-16,1 0 0,0 22 15,0-22-15,0 0 0,0 0 16,-1 0-16,1 0 15,0 0-15,0 0 16,0 0-16,0-22 16</inkml:trace>
+  <inkml:trace contextRef="#ctx0" brushRef="#br0" timeOffset="17987.41">2752 2688 0,'-64'0'32,"43"0"-32,0 0 15,0 0-15,21 21 31,21-21-15,0 0-16,0 0 16,21 0-16,1 0 0,-1 0 0,22 0 15,-1 0-15,1 0 0,-1 0 16,22 0-16,-1 0 0,22 0 16,0 0-16,0 0 0,0 0 0,0-21 15,-1 21-15,22 0 0,-21 0 16,21 0-16,0 0 0,0 0 0,21 0 15,-21 0-15,22 0 0,-22 0 0,21 0 16,-21 0-16,0 0 0,0 0 16,0 0-16,0 0 0,0 0 0,-21 0 15,21 0-15,-22 0 0,1 0 16,0 0-16,0 0 0,-21 0 0,-1 0 16,1 0-16,-22 0 0,1 0 0,-1 0 15,-20 0-15,-1 0 0,-21 0 16,0 0-16,1 0 0,-1 0 15,-21-21 48,0 0-47</inkml:trace>
+  <inkml:trace contextRef="#ctx0" brushRef="#br0" timeOffset="19039.93">9271 2688 0,'-21'0'0,"42"0"0,-63 0 0,20-21 16,1 21-16,0 0 0,-21 0 0,21 0 15,-1 0-15,1 0 0,0-21 16,0 21-16,0 0 0,0 0 16,-1 0-1,44 0 48,-1 0-63,0 0 15,21 0-15,-21 0 0,1 0 16,20 0-16,0 0 0,-21 0 0,22 0 16,-1 0-16,0 0 0,1 0 0,-1 0 15,0 0-15,1 0 0,-1 0 16,0 0-16,22 0 0,-22 0 0,22 0 15,-22 0-15,22 0 0,-1 0 0,22 0 16,-22 0-16,1 0 0,20 21 16,-20-21-16,21 0 0,-1 0 0,1 0 15,0 21-15,-1-21 0,22 0 16,-21 0-16,21 21 0,21-21 0,-22 0 16,1 0-16,0 0 0,21 22 15,0-22-15,0 0 0,21 0 16,-21 0-16,0 0 0,21 0 0,-21 0 15,22 21-15,-1-21 0,0 0 0,0 21 16,0-21-16,-21 0 0,21 21 16,-21-21-16,22 0 0,-22 21 0,21-21 15,-21 0-15,0 21 0,0-21 16,0 0-16,-21 0 0,-1 0 0,1 22 16,0-22-16,-21 0 0,21 0 0,-22 0 15,-20 0-15,20 0 0,-20 0 16,-22 0-16,22 0 0,-22 0 0,0 0 15,-20 0-15,-1 0 16,0 0-16,0 0 0</inkml:trace>
+  <inkml:trace contextRef="#ctx0" brushRef="#br0" timeOffset="19217.46">15811 2921 0,'-21'0'15,"0"21"-15,0-21 0,0 0 16,0 0-16,-1 0 15,1 21-15,0-21 16,0 0-16,0 0 16,0 0-16,-1 0 0,1 0 15,0 0-15</inkml:trace>
+  <inkml:trace contextRef="#ctx0" brushRef="#br0" timeOffset="39820.32">3725 8192 0,'0'-22'0,"0"1"16,0 0-1,-21 21-15,21-21 0,0 0 16,-21 21-16,21-21 0,0-1 16,0 1-16,-21 21 15,21-21-15,0 0 16,-21 21 0,21-21-1,0 42 16,0 0-15,0 0-16,0 0 0,0 1 16,0-1-16,0 21 15,0-21-15,0 0 0,0 1 0,0-1 16,0 21-16,0-21 0,0 0 0,0 1 16,0 20-16,0-21 0,0 0 15,0 22-15,0-22 0,0 0 0,0 21 16,0-21-16,0 1 0,0 20 15,0-21-15,0 21 0,21-20 16,-21 20-16,0 0 0,0-21 0,0 22 16,0-1-16,0 0 0,0 1 15,0-1-15,0 0 0,0 1 0,0-22 16,0 21-16,0 1 0,0-1 0,0-21 16,0 21-16,0-20 0,0-1 15,0 21-15,0-21 0,0 22 0,0-22 16,0 0-16,0 0 0,0 21 15,0-20-15,0-1 0,0 0 0,0 0 16,0 0-16,0 0 0,0 1 0,0-1 16,0 0-16,0 0 0,0 0 15,0 0-15,0 1 16,0-1-16,0 0 0,0 0 16,0 0-16,0 0 15,0 1-15,0-1 16,0 0-16,0 0 0,0 0 15,0 0-15,0 1 16,0-1-16,0 0 16,0 0-16,0 0 15,0 0-15,0 1 0,0-1 16,0 0-16,0 0 16,0 0-1,0-42 16,0 0-31,0 0 0,0 0 16,0-22-16,0 22 0,21 0 16,-21-21-16</inkml:trace>
+  <inkml:trace contextRef="#ctx0" brushRef="#br0" timeOffset="41847.29">3789 8043 0,'0'-21'15,"21"21"126,0 0-125,0 0-16,0 0 0,1 0 15,-1 0-15,0 0 0,0 0 16,0 0-16,0 0 0,1 0 0,20 0 16,-21 0-16,21 0 0,-20 0 0,20 0 15,0 0-15,1 0 0,-1 0 16,0 0-16,1 0 0,20 0 0,-21 0 15,22 0-15,-22 0 0,22 0 16,-1 0-16,-20 0 0,20 0 16,-21 0-16,22 0 0,-22 0 0,22 0 15,-22 0-15,22 0 0,-22 0 16,21 0-16,1 0 0,-22 0 0,22 0 16,-1 0-16,1 0 0,-1 0 0,1 0 15,-1-21-15,1 21 0,-1 0 16,-20 0-16,20 0 0,-21 0 0,22 0 15,-22 0-15,1 0 0,-1 0 0,0 0 16,-21 0-16,22 0 0,-1 0 16,-21 0-16,22 0 0,-22 0 0,21 0 15,-21 0-15,22 0 0,-22 0 16,21-21-16,-21 21 0,22 0 16,-22 0-16,0 0 0,21 0 0,-21 0 15,1 0-15,-1 0 0,0 0 0,0 0 16,0 0-1,-21 21 1,0 0-16,0 0 16,0 1-1,0-1-15,0 0 0,0 0 16,0 0-16,0 0 16,0 1-16,0-1 15,0 0-15,-21-21 0,21 21 16,0 0-16,0 0 0,0 1 0,0-1 15,0 0-15,0 0 16,0 21-16,0-20 0,0-1 0,0 0 16,0 0-16,0 0 0,0 22 0,0-22 15,0 21-15,0-21 0,0 22 16,0-22-16,21 21 0,-21 0 0,21-20 16,-21 20-16,0 0 0,0 1 0,0-22 15,0 21-15,0-21 0,0 22 0,0-1 16,0-21-16,0 21 15,22-20-15,-22 20 0,0-21 0,0 21 16,0-20-16,0 20 0,0-21 0,0 21 16,0-20-16,0 20 0,0-21 15,0 21-15,0-20 0,0 20 0,0-21 16,0 21-16,0-20 0,0-1 0,0 21 16,0-21-16,0 0 0,-22 1 0,22-1 15,0 0-15,0 0 0,0 0 16,0 0-16,-21 1 0,21-1 15,-21-21-15,21 21 0,0 0 16,-21-21 0,0 0-16,21 21 15,-21-21-15,21 21 16,-22-21 0,22 22-16,-21-22 31,21 21-31,0 0 31,-21-21-15,0 0-1,0 21 1,0-21-16,-1 0 16,1 0-16,0 0 0,0 0 15,0 21-15,0-21 0,-1 0 16,1 0-16,0 0 0,0 0 15,0 0-15,0 0 0,-1 21 16,1-21-16,0 0 0,0 0 0,0 0 16,0 0-16,-1 0 0,-20 0 0,21 0 15,0 0-15,-22 0 0,22 0 0,-21 22 16,21-22-16,-22 0 0,1 0 16,0 0-16,21 0 0,-22 0 0,1 0 15,0 0-15,-1 0 0,22 0 0,-21 0 16,21 0-16,-22 0 0,22 0 15,-21 0-15,21 0 0,-22 0 16,22 0-16,-21 0 0,21 0 0,-22 0 16,22 0-16,-21 0 0,21 0 0,-22 0 15,22-22-15,0 22 0,-21 0 0,20 0 16,-20 0-16,21-21 0,-21 21 16,20 0-16,-20 0 0,21 0 0,-21 0 15,20 0-15,1 0 0,0-21 0,-21 21 16,21 0-16,-1 0 0,-20 0 0,21 0 15,0 0-15,0 0 0,-22-21 16,22 21-16,0 0 0,0 0 0,0 0 16,-1 0-16,1 0 0,0 0 15,0 0-15,0 0 0,0 0 16,-1 0-16,1 0 0,0 0 16,0-21-16,0 21 0,0 0 0,-1 0 15,1 0-15,0 0 0,0 0 16,0 0-16,0 0 15,-1 0-15,1 0 0,0 0 0,0 0 16,0-21-16,0 21 0,-1 0 16,1 0-16,0 0 15,0 0-15,0 0 0,0 0 0,-1 0 16,1 0-16,0 0 16,0 0-1,0-22-15,0 22 16,-1 0-1,22-21 17,0 0-17,0 0-15,0 0 16</inkml:trace>
+  <inkml:trace contextRef="#ctx0" brushRef="#br0" timeOffset="43031.86">1587 3874 0,'0'0'0,"0"-22"0,-21 22 31,0 0-15,0 0 15,21 22-31,0-1 16,0 0-16,0 0 0,-21 0 16,21 22-16,0-1 0,0 0 15,0 1-15,0-1 0,0 21 16,0-20-16,0 20 0,0-20 15,0 20-15,0 1 0,0-22 0,0 21 16,0 1-16,0-1 0,0 22 16,0-21-16,0-1 0,0 1 0,0-1 15,0 1-15,0-1 0,0 1 16,0-1-16,0 1 0,0-22 0,0 21 16,0 1-16,0-22 0,0 22 15,21-22-15,-21 0 0,0 1 0,0-1 16,21-21-16,-21 22 0,0-22 15,0 21-15,0-21 0,0 0 16,0 1-16,0-1 0,0 0 16,0 0-16,0-42 47,0 0-47,0-22 15,0 22-15,0 0 0,0-21 0,0-1 16,0 1-16,21 0 0</inkml:trace>
+  <inkml:trace contextRef="#ctx0" brushRef="#br0" timeOffset="44639.76">1799 3916 0,'0'-21'63,"0"0"93,-21 21-109,0 0-31,0 0-1,-1 0-15,1 0 16,42 0 46,1 0-46,20 0-16,-21 0 0,21-22 16,1 22-16,-1 0 0,22 0 15,-1 0-15,22 0 0,-1-21 0,22 21 16,0 0-16,0 0 0,21 0 15,-21 0-15,21 0 0,-21-21 0,21 21 16,-22 0-16,1 0 0,0 0 16,0 0-16,-21 0 0,-1 0 0,-20 0 15,20 0-15,-20 0 0,-1 0 16,-20 0-16,20 0 0,-20 0 0,-1 0 16,0 0-16,1 0 0,-1 0 15,-21 0-15,21 0 0,-20 0 0,-1 0 16,0 0-16,0 0 0,0 0 15,0 0 1,1 0-16,-22 21 16,0 0-16,0 1 15,0-1-15,0 0 0,21 0 16,-21 0-16,0 22 16,21-22-16,-21 0 0,0 21 0,0-21 15,0 22-15,0-22 0,21 21 16,-21 1-16,0-22 0,0 21 0,0 0 15,0 1-15,0-1 0,0 0 0,0 1 16,0-1-16,0 0 0,0 1 16,0-1-16,0 0 0,0 1 15,0-1-15,0 0 0,0 22 16,0-22-16,0 1 0,0-1 0,0-21 16,0 21-16,-21 1 0,21-1 0,0-21 15,0 22-15,0-22 0,0 21 16,0-21-16,0 22 0,0-22 0,0 0 15,0 0-15,0 0 0,0 0 16,0 1-16,0 20 0,0-21 0,0 0 16,0 0-16,0 1 0,0-1 0,0 0 15,-21 0-15,21 0 16,-21 0-16,21 1 0,-22-22 0,1 21 16,21 0-16,-21-21 0,0 21 15,0-21-15,0 21 0,-1-21 16,1 21-16,0-21 0,0 0 15,0 22-15,0-22 0,-1 21 0,-20-21 16,21 0-16,0 21 0,-22-21 16,22 0-16,-21 0 0,21 21 0,-22-21 15,1 0-15,0 0 0,-1 0 16,1 21-16,0-21 0,-22 0 0,22 0 16,-22 0-16,1 0 0,-1 0 0,1 0 15,21 0-15,-22 0 16,1 0-16,-1 0 0,1 0 0,20 0 0,-20 0 15,-1 0-15,1 0 0,-1 0 16,22 0-16,-43 0 0,22 0 16,-1 0-16,1 0 0,-1 0 0,1 0 15,-1 0-15,1 0 0,-1 0 16,1 0-16,20 0 0,1-21 0,0 21 16,-1 0-16,1 0 0,0 0 15,-1 0-15,1 0 0,21 0 0,-21 0 16,20 0-16,-20 0 0,21 0 15,0 0-15,0 0 0,-1-21 16,1 21-16,0 0 0,0 0 0,0 0 16,21-21 31,0 0-32,21-1-15,0 22 0</inkml:trace>
+  <inkml:trace contextRef="#ctx0" brushRef="#br0" timeOffset="45547.98">6435 3895 0,'0'0'0,"0"-21"0,0-1 16,0 1-16,-22 21 16,22-21-1,-21 21 32,0 0-31,21 21-16,0 0 15,0 1-15,-21-1 0,21 0 0,0 21 16,-21-21-16,21 22 0,0 20 16,0-20-16,0-1 0,0 21 0,0 1 15,0-22-15,0 22 0,0-1 0,0-20 16,-21 20-16,21 1 0,0 20 16,-22-20-16,22-1 0,0 22 0,0-22 15,-21 1-15,0-1 0,21 22 16,-21-21-16,21-1 0,0-21 15,0 22-15,-21-1 0,21 1 0,0-22 16,-21 1-16,21 20 0,0-21 0,0-20 16,0 20-16,0-21 0,0 21 15,0-20-15,0-1 0,0-42 47,0-1-47,0 1 16,0-21-16,0 21 0,21-22 15,-21 1-15,0 0 0,0-1 0</inkml:trace>
+  <inkml:trace contextRef="#ctx0" brushRef="#br0" timeOffset="46824.24">6413 3979 0,'0'-21'16,"-21"21"-16,42 0 109,1 0-93,-1 0-16,0-21 0,0 21 0,0 0 15,22 0-15,-1 0 0,0-21 16,22 21-16,-1 0 0,1 0 0,20-21 16,-20 0-16,21 21 0,-1 0 15,1 0-15,0-22 0,-1 22 0,22 0 16,-21 0-16,21 0 0,-22 0 0,1 0 15,0 0-15,-1-21 0,1 21 16,-22 0-16,1 0 0,-1 0 16,-20 0-16,20 0 0,1 0 0,-22 0 15,0 0-15,1 0 0,-1 0 16,0 0-16,-20 0 0,20 0 0,-21 0 16,0 0-16,0 0 0,1 0 15,-1 0-15,0 0 16,0 0-16,0 0 15,-21 21 1,0 1 0,0-1-16,0 0 15,0 0-15,0 0 0,0 0 0,0 1 16,0 20-16,0-21 16,0 0-16,0 22 0,0-1 0,0-21 15,0 21-15,21 1 0,-21-1 0,0 0 16,0-20-16,0 20 0,0 0 15,0 1-15,0-1 0,0 0 0,0-21 16,0 22-16,0-1 0,0 22 16,0-22-16,0 0 0,0 1 0,0-1 15,0 0-15,-21 22 0,21-22 0,-21 0 16,21 1-16,0-1 0,0 0 16,-21 1-16,21-1 0,-21 0 0,0 1 15,21-1-15,0 0 0,-22-20 0,22 20 16,-21 0-16,0 1 15,21-22-15,-21 21 0,21-21 0,0 22 16,0-22-16,-21 0 0,21 0 0,0 0 16,-21 0-16,21 1 15,0-1-15,-22 0 16,1-21-16,0 21 16,0-21-1,0 0-15,0 0 16,-1 0-16,1 21 0,0-21 0,0 0 15,0 0-15,0 0 0,-1 0 0,-20 0 16,21 0-16,-21 21 0,20-21 16,-20 0-16,0 0 0,-22 0 15,22 0-15,-22 0 0,1 0 0,-1 0 16,1 0-16,-1 0 0,-20 0 16,20 0-16,-20 0 0,20 0 0,-21 0 15,1 0-15,20 0 0,-20 0 0,-1 0 16,21 0-16,1 0 0,-1 0 15,1 0-15,-1 0 0,1 0 0,21 0 16,-22 0-16,22 0 0,-22 0 0,22 0 16,0-21-16,20 21 0,-20 0 15,21 0-15,-21 0 0,20 0 0,1-21 16,0 21-16,0 0 16,0 0-1,21-21 16,0 0-15,0 0-16,21-1 16,0 1-16</inkml:trace>
+  <inkml:trace contextRef="#ctx0" brushRef="#br0" timeOffset="47779.18">10287 3810 0,'0'0'0,"0"-21"31,0 0-31,0 0 0,-21 21 47,0 21-47,-1 0 16,22 21-16,0-21 0,0 22 15,0-1-15,0 0 0,0 22 16,0-1-16,0 1 0,0-1 0,0 1 15,0-1-15,0 1 0,0-1 0,0 1 16,0-1-16,0 1 0,0-1 16,0 22-16,0-21 0,0-1 15,0 1-15,0-1 0,0 1 0,0-22 16,0 21-16,0-20 0,0-1 16,0 0-16,0-20 0,0 20 0,0 0 15,0-21-15,0 22 0,0-22 0,0 0 16,0 0-16,0 0 0,0 1 15,0-1-15,0 0 0,0 0 16,0-42 31,0 0-47,0 0 16,0-1-16,0 1 15,0 0-15,0-21 0,0 21 0,0-22 16,0 1-16,0 0 0,0-1 0</inkml:trace>
+  <inkml:trace contextRef="#ctx0" brushRef="#br0" timeOffset="48956.07">10350 3958 0,'0'0'16,"0"-21"-16,-21 21 0,0 0 31,21-21 0,42 21-15,-20 0-16,-1 0 0,0 0 0,21 0 16,1 0-16,-1 0 15,0 0-15,1 0 0,20 0 0,22 0 16,-22-21-16,22 21 0,0 0 0,20 0 16,-20 0-16,21 0 0,-21 0 15,20 0-15,-20-21 0,21 21 0,0 0 16,-22 0-16,22 0 0,0 0 15,-21 0-15,-1 0 0,1 0 0,-21 0 16,20 0-16,-20-22 0,-22 22 0,22 0 16,-1 0-16,-21 0 0,1 0 15,-1 0-15,22 0 0,-22 0 0,0 0 16,-21 0-16,22 0 0,-1 0 16,-21 0-16,0 0 0,22 0 15,-22 0-15,0 0 0,0 0 16,0 0-16,-21 22 15,0-1 1,0 0-16,0 0 16,0 0-16,0 0 0,0 1 0,0-1 15,0 21-15,0-21 0,0 22 0,0-22 16,0 21-16,22-21 0,-22 22 16,0-1-16,0-21 0,0 21 0,0 1 15,0-22-15,0 21 0,0-21 16,0 22-16,0-1 0,0 0 15,0 1-15,0-1 0,0 0 0,-22 1 16,22 20-16,-21-20 0,21 20 16,-21-21-16,21 1 0,0 20 0,0-20 15,0-1-15,-21 0 0,21-21 0,0 22 16,0-1-16,0-21 0,0 22 16,0-22-16,-21 0 0,21 0 0,0 21 15,0-20-15,0-1 0,-21 0 16,21 0-16,-22 0 0,22 0 0,-21-21 15,21 22-15,0-1 0,-21 0 0,0 0 16,0-21-16,21 21 16,-21-21-16,-1 21 15,1-21-15,0 22 0,0-22 16,0 0-16,0 0 0,-1 21 0,1-21 16,0 0-16,-21 21 0,21-21 15,-22 21-15,22-21 0,-21 0 0,-1 0 16,1 0-16,0 21 0,-22-21 0,1 0 15,-1 21-15,1-21 0,-1 0 16,-20 0-16,20 0 0,1 0 0,-22 0 16,21 0-16,1 0 0,-1 0 0,1 0 15,-22 0-15,22 0 0,-22 0 16,0 0-16,1 0 0,-1-21 0,0 21 16,-20 0-16,20-21 0,-21 21 15,0 0-15,22-21 0,-22 21 16,0 0-16,21 0 0,1 0 0,-1 0 15,21 0-15,22 0 0,0 0 0,-1 0 16,22 0-16,0 0 0,0 0 16,0 0-1,21-21 48,0 0-48,-21 21 1,21-22-16,-22 22 16,1 0-16,0 0 0,-21 0 15</inkml:trace>
+  <inkml:trace contextRef="#ctx0" brushRef="#br0" timeOffset="49807.22">3471 6117 0,'0'-42'15,"-21"42"-15,0-21 16,42 21 46,0 21-62,0 0 0,1 0 0,20 0 16,-21 22-16,21-1 0,1 0 16,-22 1-16,21 20 0,1 1 0,-1-1 15,0 1-15,1 20 0,-1-20 16,0-1-16,1 1 0,-1 21 0,0-22 15,1 22-15,20-22 0,-21 22 0,22 0 16,-1-22-16,-20 1 0,20 20 16,-20-20-16,20-22 0,-21 22 0,1-22 15,-1 0-15,0 1 0,1-1 16,-22 0-16,0-21 0,21 1 0,-20-1 16,-22 0-16,21 0 0,-21 0 15,21-21-15,-21-21 16,0 0-1,0 0-15,0-22 0,21 22 16,0-21-16,0 21 0</inkml:trace>
+  <inkml:trace contextRef="#ctx0" brushRef="#br0" timeOffset="50455.59">7091 6117 0,'-21'0'47,"-1"0"-47,1 21 16,0 1-16,0-1 15,-21 0-15,20 21 0,-20 1 16,21-1-16,-21 0 0,-1 22 0,-20-1 15,20 1-15,-20-1 0,-1 1 0,1 20 16,-1-20-16,22-1 0,-21 1 16,-1 21-16,1-1 0,-1-20 0,22 20 15,-22-20-15,22-1 0,0 1 0,-1-22 16,1 22-16,0-22 0,-1-21 0,22 22 16,0-22-16,0 0 0,0 0 15,-1 0-15,44-42 47,-1 0-47,0 0 16,0 0-16,0-1 0,22 1 0,-22-21 15</inkml:trace>
+  <inkml:trace contextRef="#ctx0" brushRef="#br0" timeOffset="51240.22">10710 5884 0,'0'0'0,"0"-21"0,21 21 0,-21-21 0,0 0 31,-21 42 0,-21 0-15,21-21-16,-22 21 0,1 1 16,0 20-16,-22-21 0,1 0 0,-1 22 15,-20-1-15,-22 0 0,0 1 0,0-1 16,0 0-16,0 1 0,1 20 16,-22 1-16,21-1 0,0 1 0,0-1 15,0 1-15,-21-1 0,21 1 0,22-1 16,-22-21-16,0 22 0,-21-1 0,21 1 15,-21-1-15,21 1 0,-21-1 16,0 1-16,22-22 0,-22 22 16,21-22-16,0 0 0,0 1 0,21-1 15,-20-21-15,41 22 0,-21-22 0,22 0 16,21-21-16,-22 21 0,43-21 16,0 0-16,0 21 0,-1-21 0,1 0 15,21-21 48,0 0-63,0 0 15,0 0-15,21-1 0,1 1 16,-22 0-16,21-21 0,0 21 16</inkml:trace>
+  <inkml:trace contextRef="#ctx0" brushRef="#br0" timeOffset="52311.27">10181 5842 0,'0'0'0,"0"21"78,21-21-78,0 0 16,1 0-16,-1 0 0,21 0 0,-21 0 15,22 0-15,-22 0 0,21 0 16,-21 0-16,106 0 16,-106 0-16,22 0 0,-22-21 15,0 21-15,0 0 0,0-21 16,1 21-16,-1-21 15,-21 0 17,-21 21-17,-1 0 1,1 0 0,0 0-16,21 21 0,-21 0 15,21 0-15,0 0 0,-21 0 16,0 1-16,-1 20 0,22-21 0,-21 21 15,0-20-15,0 20 0,0-21 0,0 21 16,-1 1-16,1-22 0,0 21 16,0-21-16,0 22 0,21-22 0,0 21 15,-21-21-15,21 1 0,-22 20 0,22-21 16,0 0-16,-21-21 0,21 21 16,0 1-16,0-1 15,0-42 16,0-1-31,0 1 16,0 0-16,0-21 0,0 21 0</inkml:trace>
+  <inkml:trace contextRef="#ctx0" brushRef="#br0" timeOffset="53499.09">6900 6138 0,'-21'0'46,"0"0"-30,0 0-16,0 0 0,-1 22 16,1-22-16,0 0 0,0 21 15,-21-21-15,20 21 0,1-21 0,-21 21 16,21-21-16,0 0 0,-1 21 16,1-21-16,0 0 0,21 21 0,-21-21 15,21 22-15,21-22 31,0 0-15,0 0-16,1-22 0,-1 1 16,0 21-16,21-21 0,-21 21 15,1-21-15,20 0 0,-21 21 0,21-21 0,-20 21 16,20-22-16,-21 1 16,21 21-16,-20 0 0,-1 0 0,-21-21 15,21 21-15,0 0 31,-21 21 16,0 0-47,0 1 0,0-1 16,0 0-16,21 0 0,0 0 0,-21 22 16,22-22-16,-22 0 0,21 0 15,-21 21-15,21-20 0,-21-1 0,0 0 16,21 0-16,-21 0 0,21 0 0,-21 1 15,0-1 1,0 0-16,0-42 47,-21 21-31,21-21-16,-21-1 0,0 1 0</inkml:trace>
+  <inkml:trace contextRef="#ctx0" brushRef="#br0" timeOffset="54800.35">3492 6117 0,'0'0'0,"22"-21"32,-22 0-32,0 0 15,0 42 48,-22 0-63,1 0 15,21 0-15,0 1 16,0-1-16,0 0 0,0 0 0,0 21 16,0-20-16,0 20 0,0-21 15,0 21-15,0-20 0,0 20 16,0-21-16,0 0 0,0 0 0,0 1 15,0-1-15,0 0 16,0 0-16,21-42 47,-21 0-47,0 0 0,0-1 0,0 1 16,0 0-16,0-21 0,0 21 15,0-22-15,0 1 0,0 21 0,0-22 16,0 1-16,0 21 0,0-21 15,0-1-15,0 22 0,0 0 0,0 0 16,0 0-16,0-1 0,0 1 16,22 21 15,-1 0-31,0 0 16,0 0-16,-21 21 0,21-21 0,-21 22 15,21-22-15,1 21 0,-1 0 16,0 0-16,0-21 0,0 21 15,0 0-15,1-21 0,20 22 0,-21-1 16,0-21-16,22 21 0,-22-21 16,21 21-16,-21-21 0,22 21 0,-22-21 15,0 21-15,0-21 0,0 0 16,0 22-16,1-1 0,-1-21 16,-21 21-16,0 0 31,0-42 0</inkml:trace>
+  <inkml:trace contextRef="#ctx0" brushRef="#br1" timeOffset="63728.3">5694 8551 0,'0'0'0,"21"0"0,-21-21 16,0 0 15,0 42 31,0 0-46,-21 1-16,21-1 0,-21 0 16,21 0-16,0 0 0,0 0 15,0 1-15,-22-1 0,22 21 0,-21-21 16,21 0-16,-21 1 0,21-1 0,0 0 16,0 0-16,-21-21 0,21 21 15,-21 0-15,21 1 0,0-1 16,-21-21-1,21 21-15,0-42 47,-22 0-47,22-1 16,0 1-16</inkml:trace>
+  <inkml:trace contextRef="#ctx0" brushRef="#br1" timeOffset="64291.8">5651 8573 0,'0'-22'47,"0"1"-15,22 21-32,-1 0 31,-21-21-31</inkml:trace>
+  <inkml:trace contextRef="#ctx0" brushRef="#br1" timeOffset="64771.02">5694 8509 0,'0'-21'63,"21"21"-48,-21-21-15,21 21 0,0 0 16,0 0 0,1-21-16,20 21 15,-21 0 1,0 0-16,0 0 0,1 0 15,-1 0-15,-21 21 16,21-21-16,-21 21 0,21 0 16,-21 0-16,0 0 0,0 1 15,0-1-15,0 0 16,0 0-16,0 0 0,0 0 16,0 1-16,0-1 0,0 0 15,0 0-15,0 0 0,-21 0 0,21 1 16,-21-1-16,21 0 15,0 0-15,0 0 0,-21-21 32,21 21-32,-22-21 31,22-21-15,0 0-1,-21 21-15,21-21 0</inkml:trace>
+  <inkml:trace contextRef="#ctx0" brushRef="#br1" timeOffset="65085.84">5651 8763 0,'22'0'32,"-1"0"-17,0-21-15,0 21 0,0 0 0,0 0 16,1 0-16,-1 0 0,0-21 16,0 21-16,0 0 0,0 0 0,1 0 15,-1 0-15,0 0 0,0 0 16,-21-21 15,-21 21-15</inkml:trace>
+  <inkml:trace contextRef="#ctx0" brushRef="#br1" timeOffset="65891.89">6075 8255 0,'0'0'0,"0"-21"0,-21 21 0,21-21 15,-22 0-15,1 21 0,21-22 0,-21 22 16,0 0-16,0 0 0,0 0 15,-1-21-15,1 21 0,0 0 0,0 0 16,-21 0-16,20 0 0,1 0 16,0 0-16,-21 0 0,21 0 0,-1 21 15,1 1-15,0-22 0,0 21 0,0-21 16,0 21-16,-1 0 0,1 0 16,0 0-16,0 1 0,0-1 0,21 0 15,-21 0-15,-1 21 0,1-20 16,21-1-16,0 21 0,-21-21 15,21 0-15,-21 22 0,21-22 0,-21 0 16,21 21-16,0-20 0,0 20 16,0-21-16,0 21 0,0 1 0,0-22 15,0 0-15,0 21 0,0-20 16,0 20-16,0-21 0,0 0 0,0 0 16,21 1-16,-21-1 0,21 0 0,0 0 15,-21 0-15,21 0 0,1-21 16,-1 22-16,0-1 0,0-21 0,21 21 15,-20-21-15,-1 0 0,0 0 0,21 21 16,-21-21-16,22 0 0,-1 0 16,-21 0-16,22 0 0,-1 0 15,0 0-15,1 0 0,-1 0 0,-21-21 16,21 21-16,1-21 0,-22 21 16,21-21-16,1-1 0,-22 22 0,0-21 15,21 0-15,-21 0 0,1 0 0,-1 21 16,0-21-16,0-22 0,-21 22 15,21 0-15,-21 0 0,21-22 0,-21 22 16,0-21-16,0 21 0,0-22 16,0 1-16,0 21 0,0-21 0,0 20 15,0-20-15,0 0 0,0 21 0,0-22 16,0 22-16,-21 0 0,0-21 16,0 20-16,21 1 0,-21 0 15,0 0-15,-1 0 0,1 0 0,0-1 16,0 22-16,0-21 0,0 0 15,-22 21-15,22 0 0,0-21 0,-21 21 16,20 0-16,1 0 0,0 0 16,0 0-16,0 0 0,0 0 0,-1 0 15,1 0-15,0 0 0,0 0 16,0 0-16,0 0 0,-1 0 16,1 0-16,0 0 15,0 0-15</inkml:trace>
+  <inkml:trace contextRef="#ctx0" brushRef="#br1" timeOffset="68451.31">7345 8001 0,'0'-21'0,"0"0"15,0 0 17,-21 21-32,-1 0 15,1 0-15,0 0 16,0 21-16,0 0 0,0-21 15,-1 21-15,1 0 0,0 0 0,0 1 16,0-1-16,21 0 0,-21 0 16,21 0-16,-22 0 0,22 1 0,0-1 15,0 0-15,0 0 0,0 0 0,0 0 16,0 1-16,22-22 16,-1 0-16,0 0 0,0 0 0,0 0 15,22 0-15,-22 0 0,0 0 0,0 0 16,0 0-16,0 0 15,1-22-15,-1 22 0,-21-21 0,0 0 16,21 0-16,-21 0 16,21 0-16</inkml:trace>
+  <inkml:trace contextRef="#ctx0" brushRef="#br1" timeOffset="70275.25">2434 4699 0,'0'-21'16,"0"0"-1,-21 0 1,0 21-16,21-22 15,-21 44 32,21-1-47,0 0 0,-22 0 16,22 0-16,0 0 0,0 22 0,0-22 16,0 21-16,0 1 0,0-1 15,-21-21-15,21 21 0,-21 1 0,21-1 16,0-21-16,0 22 0,-21-22 15,21 0-15,-21 21 0,21-21 0,0 1 16,0-1-16,0 0 16,0-42 31,0 0-32,0-1-15,0 1 0,0 0 0,0 0 16,0-21-16,0 20 0</inkml:trace>
+  <inkml:trace contextRef="#ctx0" brushRef="#br1" timeOffset="71015.84">2222 4699 0,'0'0'15,"0"-21"-15,0 0 0,0 0 16,0-1 0,0 1-16,22 21 15,-1-21-15,0 0 16,0 21-16,0 0 0,0-21 0,1 21 16,20 0-16,-21-21 0,21 21 15,-20 0-15,20 0 0,-21 0 0,21 0 16,-20 0-16,-1 21 0,0 0 15,0-21-15,0 21 0,-21 0 0,0 0 16,0 1-16,0 20 0,0-21 16,0 0-16,-21 22 0,0-22 15,-21 21-15,20-21 0,-20 22 16,21-22-16,-21 0 0,-1 21 0,22-21 16,0-21-16,0 22 0,0-22 15,21-22 16,0 1-15,21 0-16,0 21 0,0-21 16,0 21-16,0-21 0,1 21 0,-1 0 15,21-21-15,-21 21 0,0 0 16,22-22-16,-1 22 0,-21 0 0,22 0 16,-1 0-16,-21 0 0,21 0 15,-20 22-15,20-1 0,-21-21 16,21 21-16,-20-21 0,-1 21 0,0 0 15,0-21-15,-21 21 0,21 1 16,-21-1-16,21 0 0,-21 0 16,0 0-16,0 0 0,0 1 15,-21-1-15,0 0 0,0-21 0,0 21 16,0 0-16,-22 0 0,1 1 16,0-1-16,-1 0 0,1 0 0,0-21 15,-22 21-15,22-21 0,-22 0 0,22 21 16,0-21-16,-1 0 0,1 0 15,21 0-15,-22 0 0,22 0 16,0 0-16,0 0 0,0 0 16,0 0-16,-1 0 0,1 0 31,21-21-31,0 0 16,0 0-1,21 0-15,1 0 0</inkml:trace>
+  <inkml:trace contextRef="#ctx0" brushRef="#br1" timeOffset="71827.37">3958 3874 0,'0'21'46,"0"0"-30,-21 0-16,21 0 0,0 0 0,0 22 16,0-22-16,0 0 0,0 21 15,0-20-15,0-1 0,0 21 0,0-21 16,0 0-16,-21 1 0,21-1 16,0 0-16,-21-21 0,21 21 15,0 0 1,0-42 15,0 0-15,0 0-16</inkml:trace>
+  <inkml:trace contextRef="#ctx0" brushRef="#br1" timeOffset="72171.17">3683 4339 0,'0'21'0,"21"-21"0,0 0 15,0 0-15,1 0 16,-1 0-16,0 0 0,0 0 0,0 0 16,0 0-16,1 0 0,-1 0 15,0 0-15,0 0 0,0 0 16,0 0-16,1 0 0,-22-21 0,21 21 16,0 0-16,0 0 0,-21-21 15,21 0-15,-21 0 16,0 0-1</inkml:trace>
+  <inkml:trace contextRef="#ctx0" brushRef="#br1" timeOffset="72579.95">3831 3916 0,'0'-21'15,"21"21"32,0-21-47,1 21 0,-1 0 16,0 0-16,0 0 15,0 0-15,0 0 0,1 0 16,-1-22-16,0 22 0,0 0 16,0 0-1,-21-21 1,-21 21 31,21-21-32</inkml:trace>
+  <inkml:trace contextRef="#ctx0" brushRef="#br1" timeOffset="73439.71">3958 3641 0,'0'0'0,"-21"0"0,0 0 15,0 0-15,-1 0 16,1 21-16,0 0 16,0-21-16,21 21 0,-21-21 15,21 21-15,-21 1 0,-1-22 0,22 21 16,0 0-16,-21 0 0,0 0 15,21 0-15,-21 1 0,21-1 0,0 0 16,-21 21-16,0-21 0,21 1 16,-22-1-16,22 21 0,0-21 15,0 0-15,0 1 0,0-1 0,0 0 16,0 0-16,0 0 0,0 0 16,0 1-16,0-1 0,0 0 0,22 0 15,-22 0-15,21-21 0,0 21 16,0 1-16,0-1 0,0 0 15,1-21-15,-1 0 0,0 0 16,0 21-16,0-21 0,0 0 0,1 0 16,-1 0-16,0 0 0,0 0 0,0 0 15,0 0-15,1 0 16,-1 0-16,0 0 0,0-21 0,0 21 16,0-21-16,1 0 15,-1-1-15,0 22 0,0-21 0,0 0 16,0 0-16,1 0 0,-1 0 0,0-1 15,-21 1-15,21 0 0,-21-21 16,21 21-16,-21-1 0,0-20 0,0 21 16,0-21-16,21 20 0,-21 1 15,0-21-15,0 21 0,0 0 0,0-1 16,0-20-16,-21 21 16,0 0-16,0 0 0,0-1 0,0 1 0,21 0 15,-22 0-15,1 0 16,0 21-16,21-21 0,-21 21 15,0 0 1,0 0 0,-1 0-1,1 0-15,0 0 0,-21 21 16,21-21-16,-22 21 0,22-21 0,-21 21 16,21-21-16,-22 21 0,22-21 15,0 21-15,0-21 16,42 0 15,0 0-15</inkml:trace>
+  <inkml:trace contextRef="#ctx0" brushRef="#br1" timeOffset="75780.03">7366 4784 0,'0'-21'31,"0"-1"0,0 1-31,0 0 31,-21 21-31,0-21 16,-1 21-16,1 0 16,0 0-16,0 0 0,0 0 15,0 0-15,-1 0 0,1 0 0,0 0 16,0 0-16,0 21 15,0-21-15,-22 21 0,22 0 0,0-21 16,0 22-16,0-1 0,-1 0 16,1 0-16,0 0 0,0 0 0,0 1 15,0 20-15,21-21 0,-22 21 0,22-20 16,-21 20-16,21-21 0,0 21 16,0-20-16,0 20 0,0-21 0,0 0 15,0 22-15,0-22 0,0 0 16,0 0-16,21 0 0,1 0 0,-1 1 15,-21-1-15,21 0 0,0-21 0,0 21 16,0-21-16,22 0 0,-22 0 16,0 0-16,21 0 0,-20 0 15,20 0-15,-21 0 0,21 0 0,-20 0 16,20-21-16,-21 0 0,21 21 16,1-21-16,-22-1 0,0 22 0,21-21 15,-20 0-15,-1 0 0,0 21 16,0-21-16,-21 0 15,21 21-15,-21-22 16,0 1 78,0 0-94</inkml:trace>
+  <inkml:trace contextRef="#ctx0" brushRef="#br1" timeOffset="76343.72">8572 3937 0,'0'-21'31,"0"42"1,0 0-32,-21-21 15,0 21-15,21 22 0,-21-22 0,21 0 16,-21 21-16,0-20 0,21 20 16,0-21-16,0 0 0,-22 22 0,22-22 15,0 0-15,0 0 0,-21 0 16,21 0-16,0 1 0,0-1 15,0 0 1</inkml:trace>
+  <inkml:trace contextRef="#ctx0" brushRef="#br1" timeOffset="76700.5">8213 4466 0,'-22'21'31,"22"1"-31,22-22 32,-1 0-32,0 0 0,0 0 15,0 0-15,0 0 16,1 0-16,-1 0 0,0 0 16,0 0-16,0 0 0,0 0 0,1 0 15,-1 0-15,0 0 16,-21-22-16,21 22 15,-21-21-15,21 21 0,-21-21 16,0 0-16,0 0 16,0 0-16</inkml:trace>
+  <inkml:trace contextRef="#ctx0" brushRef="#br1" timeOffset="77023.32">8234 3958 0,'0'-21'31,"21"21"-31,0 0 16,0 0-16,0 0 0,1 0 16,-1 0-16,0 0 0,0 0 15,0 0-15,0 0 0,1 0 0,-1-21 16,0 21-16,0 0 0,0-21 31,-21 0-15</inkml:trace>
+  <inkml:trace contextRef="#ctx0" brushRef="#br1" timeOffset="77726.94">8445 3641 0,'-21'0'0,"42"0"0,-63 0 0,21 0 0,0 0 16,0 0-16,-1 0 0,1 0 16,0 0-16,0 0 0,0 21 15,-22-21-15,22 21 0,0-21 0,-21 21 16,21 0-16,-1 1 0,1-1 15,0 0-15,-21 0 0,21 0 0,-1 0 16,22 22-16,-21-22 0,0 21 16,0 1-16,21-1 0,0 0 0,0 1 15,0-1-15,0 0 0,0 1 16,0-22-16,0 21 0,0 0 0,0-20 16,0 20-16,21-21 0,0 21 0,0-20 15,1-1-15,-1 0 0,0 0 16,0 0-16,21 0 0,-20 1 0,-1-1 15,21 0-15,-21-21 16,0 21-16,22-21 0,-22 0 0,0 0 16,0 0-16,0 21 0,1-21 0,20 0 15,-21 0-15,0 0 0,0 0 16,22-21-16,-22 21 0,21-21 0,-21 0 16,22 21-16,-22-21 0,21-1 0,1 1 15,-22 0-15,0-21 0,21 21 16,-21-1-16,1-20 0,20 0 0,-42-1 15,21 1-15,-21 0 0,21-1 16,-21 1-16,0 0 0,0-1 0,0 1 16,0 0-16,-21-1 0,0 1 15,21 0-15,-21 21 0,0-22 16,-22 22-16,22-21 0,0 21 0,0-1 16,-22 1-16,22 0 0,0 0 15,0 0-15,-21 0 0,20 21 0,1 0 16,0-22-16,0 22 0,0 0 15,-22 0-15,22 0 0,0 0 0,-21 0 16,21 22-16,-22-22 0,22 21 16,-21 0-16,21-21 0,-1 21 0,1-21 15,0 21-15,0 0 0,21 1 16</inkml:trace>
+  <inkml:trace contextRef="#ctx0" brushRef="#br1" timeOffset="78055.56">8424 4022 0,'21'0'0,"1"0"0,-1 0 16,0 0-16,0 0 0,0 0 15,0-21-15,1 21 0,-1-22 16,0 22-16</inkml:trace>
+  <inkml:trace contextRef="#ctx0" brushRef="#br1" timeOffset="78866.91">11366 4678 0,'0'0'0,"0"-21"0,0 0 16,0-1-1,-21 44 17,21-1-32,-21 0 15,21 0-15,-21 0 0,21 0 16,0 22-16,0-1 0,0-21 0,-21 22 16,21-1-16,0 0 15,-21 1-15,21-1 0,0-21 0,0 21 16,0 1-16,0-22 0,0 0 0,0 0 15,-22 0-15,22 1 0,0-1 16,0 0-16,0 0 16,0-42 15,0 0-15,0 0-16</inkml:trace>
+  <inkml:trace contextRef="#ctx0" brushRef="#br1" timeOffset="79393.61">11028 4805 0,'0'0'16,"-21"0"-16,21-21 0,0 0 16,0-1-1,0 1 1,21 21-16,0-21 15,0 21-15,0-21 0,22 21 16,-22-21-16,0 21 0,21 0 0,-21 0 16,22 0-16,-22-21 15,21 21-15,1 0 0,-22 0 0,21 0 16,0 0-16,-20 0 0,20 0 0,-21 21 16,21 0-16,-20 0 0,-1-21 15,21 21-15,-21 22 0,0-22 0,1 0 16,-22 21-16,0-21 0,21 22 15,-21-22-15,0 0 0,0 21 0,0-20 16,0-1-16,0 21 0,0-21 0,0 0 16,-21 1-16,-1-1 0,1 0 15,0 0-15,0 0 0,0 0 0,-22-21 16,1 22-16,21-1 0,-21 0 16,-1-21-16,1 21 0,0 0 0,-22-21 15,22 21-15,21-21 0,-22 0 16,1 22-16,21-22 0,-22 0 15,22 0-15,0 21 0,0-21 16,21-21 15,0-1-15,0 1 0,0 0-16,0 0 15,21 21-15,0-21 16</inkml:trace>
+  <inkml:trace contextRef="#ctx0" brushRef="#br1" timeOffset="79947.28">12806 4001 0,'0'0'0,"-21"0"16,-1 0-1,1 0 1,0 0-16,0 0 0,21 21 15,-21-21-15,0 21 0,-1-21 0,22 21 16,-21-21-16,21 21 0,-21 0 16,21 1-16,0-1 0,-21 0 0,21 0 15,-21 0-15,21 0 16,0 1-16,0-1 0,0 0 16,0 0-16,21 0 15,0-21-15,0 0 0,0 0 16,1 0-16,-1 0 15,0 0-15,0 0 16,0 0-16,0-21 0,1 0 0,-22 0 16,21 0-16,0 21 0</inkml:trace>
+  <inkml:trace contextRef="#ctx0" brushRef="#br1" timeOffset="80667.88">12975 3725 0,'-21'0'0,"0"0"0,0 0 0,-1 0 16,1 0-16,0 0 0,0 0 15,0 0-15,0 0 0,-22 0 0,22 0 16,0 22-16,0-22 0,0 21 0,-1 0 16,1-21-16,-21 21 0,21 0 15,0-21-15,-1 21 0,1 1 0,0 20 16,0-21-16,0 0 0,0 22 16,-1-22-16,1 0 0,0 21 15,0-21-15,21 22 0,0-22 16,0 21-16,0-21 0,0 22 0,0-22 15,0 0-15,0 21 0,0-20 0,0-1 16,0 0-16,0 0 0,21 0 16,0 0-16,0 1 0,1-1 15,-1-21-15,-21 21 0,21-21 16,0 0-16,21 21 0,-20-21 0,-1 0 16,0 0-16,0 0 0,21 0 0,-20 0 15,-1 0-15,21 0 0,-21 0 16,22 0-16,-22-21 0,21 21 0,-21-21 15,22 0-15,-22-1 16,0 1-16,21 0 0,-21 0 0,1 0 16,-1 0-16,0-22 0,0 22 0,0-21 15,0 21-15,-21-22 0,22 22 16,-22-21-16,0-1 0,0 22 0,0-21 16,0 0-16,-22 20 0,1-20 15,0 21-15,0 0 0,0 0 0,-22-1 16,22 1-16,-21 0 0,0 0 15,20 0-15,-20 0 0,21 21 0,0-22 16,-22 22-16,22 0 0,0 0 0,0 0 16,0 0-16,0 0 0,-1 0 15,1 0-15,0 0 0,0 0 16,0 0-16,0 0 0,-1 22 16,1-22-16,0 21 0,0-21 0,0 21 15,0 0-15,-1 0 16,1-21-16,21 21 0,-21 1 0,21-1 15,0 0-15</inkml:trace>
+  <inkml:trace contextRef="#ctx0" brushRef="#br1" timeOffset="84520.21">18203 3344 0,'0'-21'0,"0"0"0,0 0 16,0 0 0,0 0 15,0-1 0,0 44 0,0-1-31,0 0 16,-21 0-16,21 0 0,-21 0 16,21 1-16,-21 20 0,21-21 0,-21 0 15,21 22-15,0-22 0,0 21 16,0 0-16,-22-20 0,22 20 0,-21-21 16,21 21-16,0-20 0,0 20 0,-21-21 15,21 21-15,-21-20 0,21-1 16,-21 0-16,21 0 0,0 21 15,0-20-15,-21-1 16,21 0-16,0 0 0,0 0 16,-22-21-1,22-21 1,0 0 0,0 0-16,0 0 15,0-1-15,0 1 0,0 0 0,0 0 16</inkml:trace>
+  <inkml:trace contextRef="#ctx0" brushRef="#br1" timeOffset="85071.89">18055 3239 0,'0'0'16,"0"-22"-16,0 1 15,0 0-15,0 0 16,21 21 0,0-21-16,1 21 15,-1 0-15,0 0 16,0 0-16,0 0 0,0 0 15,1 0-15,-1 0 16,0 0-16,21 21 0,-21 0 0,1 0 16,-1 0-16,0 1 0,0-1 15,0 0-15,0 0 0,1 21 0,-1-20 16,-21 20-16,0-21 0,0 21 0,0-20 16,0 20-16,0-21 0,0 0 15,0 22-15,0-22 0,0 0 0,0 0 16,0 0-16,0 22 0,0-22 15,-21 0-15,21 0 0,-22-21 16,22 21-16,-21 0 0,21 1 16,0-1-16,0 0 0,-21-21 15,21 21-15,-21-21 0,21 21 16,0 0-16,0-42 62,0 0-62,0 0 16,0 0 0,0 0-16</inkml:trace>
+  <inkml:trace contextRef="#ctx0" brushRef="#br1" timeOffset="85495.65">18097 3662 0,'0'0'0,"22"0"47,-1 0-32,0 0-15,0 0 0,21 0 0,-20 0 16,-1 0-16,21 0 0,0 0 16,-20 0-16,20 0 0,-21-21 0,21 21 15,-20 0-15,-1 0 0,0 0 16,-42 0 31,0 0-32,-1 0 1</inkml:trace>
+  <inkml:trace contextRef="#ctx0" brushRef="#br1" timeOffset="85823.46">18457 3810 0,'-21'85'31,"21"-64"-31,0 0 0,0 0 16,0 0-16,0 1 0,-21-1 16,21 0-16,0 0 0,-21-21 15,21 21-15,0-42 63,0 0-63,0 0 0</inkml:trace>
+  <inkml:trace contextRef="#ctx0" brushRef="#br1" timeOffset="86540.05">19283 3916 0,'0'0'0,"-21"21"15,-1-21 1,44 0 31,-1 0-47,0-21 16,0 21-16,0-21 15,0 21-15,1-21 0,-1 21 16,0-22-16,0 1 0,0 0 0,0 21 15,1-21-15,-1 0 0,0-22 16,0 22-16,-21 0 0,0 0 0,0 0 16,21 0-16,-21-1 0,0 1 15,0 0-15,0 0 16,-21 21 0,0 0-16,0 0 15,21 21-15,0 0 0,-21-21 0,21 21 16,-22 1-16,22-1 0,0 0 15,0 0-15,0 21 0,0-20 16,0-1-16,0 0 0,0 0 16,0 0-16,0 0 0,0 1 15,0-1-15,0 0 0,22-21 16,-1 21-16,0 0 16,0-21-1,0 0-15,0 0 16,1-21-16,-1 0 15,0 21-15</inkml:trace>
+  <inkml:trace contextRef="#ctx0" brushRef="#br1" timeOffset="87151.44">19875 3683 0,'0'-21'31,"0"0"-31,22 0 16,-1 21-16,0 0 16,0-22-16,0 22 15,0 0-15,1 0 0,-1 0 16,0 0-16,0 22 16,-21-1-16,21 0 15,-21 0-15,0 0 0,0 0 16,0 1-16,0-1 0,0 0 15,0 0-15,0 0 0,0 0 0,-21 1 16,0-1-16,21 0 0,-21 0 16,0-21-16,21 21 0,-22 0 0,1-21 15,21 22-15,0-44 32,0 1-32,0 0 15,21 0-15,1 0 0,-22 0 16,21-1-16,0 1 0,0 0 0,0-21 15,0 21-15,1-22 0,-1 22 16,0 0-16,21-21 0,-21 20 16,1 1-16,-1 0 0,0 0 0,0 21 15,-21-21-15,0 42 32,-21 0-17,0 0-15,0 0 0,21 1 0,-22 20 16,1-21-16,0 0 0,21 0 0,0 22 15,-21-22-15,21 0 0,-21 0 16,21 0-16,0 1 0,0-1 16,0 0-16,0 0 15,0 0-15,21 0 0,0-21 16,0 0-16,0 0 0,1 0 16,20 0-16,-21 0 0,0-21 15,22 0-15,-22 21 0,21-21 0,0-21 16,1 20-16,-1 1 0</inkml:trace>
+  <inkml:trace contextRef="#ctx0" brushRef="#br1" timeOffset="87451.27">20828 3112 0,'0'0'0,"0"42"0,-64 127 31,64-126-31,0-1 0,0 0 0,-21 1 16,21-1-16,-21 0 0,21 1 16,0-22-16,0 21 0,0-21 0,-21 0 15,21 1-15,0-1 0,0 0 16,0 0-16,0 0 0,0 0 15,0-42 17</inkml:trace>
+  <inkml:trace contextRef="#ctx0" brushRef="#br1" timeOffset="87667.14">20574 3535 0,'0'21'15,"21"-21"-15,0 0 16,0 0-16,1 0 0,-1 0 0,0 0 16,21 0-16,-21 0 0,22 0 15,-22-21-15,0 21 0,21 0 0,-20-21 16,-1 21-16,0 0 0,-21-21 15,21 21-15</inkml:trace>
+  <inkml:trace contextRef="#ctx0" brushRef="#br1" timeOffset="88083.91">21018 3683 0,'22'0'16,"-1"0"0,0 0-16,0-21 15,0 21-15,0 0 16,-21-21-16,22 0 0,-1 21 0,0-22 16,-21 1-16,21 21 15,-21-21-15,0 0 16,-21 21-1,0 0-15,0 0 16,-1 0-16,1 21 0,0-21 0,0 21 16,0 0-16,0 1 0,21-1 15,-22 0-15,22 0 0,-21 0 0,21 0 16,0 1-16,0-1 16,0 0-16,0 0 0,0 0 15,21 0 1,1-21-16,-1 0 0,0 0 15,0 0-15,0 0 0,0 0 0,1 0 16,-1-21-16,0 21 16,21-21-16,-21 0 0,1 21 0,-1-21 0,0 0 15</inkml:trace>
+  <inkml:trace contextRef="#ctx0" brushRef="#br1" timeOffset="88607.43">21484 3514 0,'0'0'0,"-21"0"0,21 21 0,-21-21 16,21 21-16,0 0 0,0 0 15,-21 1-15,21-1 0,0 0 16,-22 0-16,22 0 0,0 0 16,0 1-16,0-1 0,0 0 15,0 0 1,-21-21 15,0 0-15,21-21-1,0 0-15,0 0 16,0-1-16,0 1 0,0 0 16,0 0-16,0 0 0,0 0 15,0-1-15,21 1 0,-21 0 16,21 0-16,1 21 0,-1-21 0,21 0 15,-21 21-15,22 0 0,-22-22 16,21 22-16,-21 0 0,22 0 16,-1 0-16,0 0 0,-21 22 0,22-1 15,-1 0-15,-21 0 0,0 0 0,1 0 16,-1 1-16,-21-1 0,21 0 16,-21 0-16,0 0 0,0 0 0,0 1 15,0-1-15,-21 0 0,0-21 16,21 21-16,-22 0 0,1-21 0,21 21 15,-21-21-15,0 0 16,21-21 31,21 0-47</inkml:trace>
+  <inkml:trace contextRef="#ctx0" brushRef="#br1" timeOffset="89219.08">22437 3556 0,'0'0'0,"0"-21"0,0 0 16,-22 21-16,1-21 0,0 21 15,0 0-15,0-22 0,0 22 16,-1-21-16,1 21 0,0 0 0,0 0 15,0 0-15,0 0 0,-1 21 16,1 1-16,0-1 0,0 0 0,0 0 16,-22 0-16,22 22 0,21-22 15,-21 0-15,0 21 0,21-21 0,-21 1 16,21-1-16,0 0 0,0 0 0,0 0 16,0 0-16,21 1 15,0-22-15,0 0 0,0 0 0,1 0 16,-1 0-1,0 0-15,0 0 0,0-22 0,0 22 16,1-21-16,-1 0 0,21 0 0,-21 0 16,0 0-16,1-1 0,-1-20 15,0 0-15,0 21 0,0-22 0,0 1 16,1-22-16,-1 22 0,0 0 16,0-22-16,-21 22 0,0 0 0,21-1 15,-21 1-15,21 0 0,-21 20 16,22 1-16,-22 0 0,0 0 0,0 42 47,-22 0-47,22 22 0,0-1 15,-21 0-15,0 1 0,21-1 16,-21 0-16,21 22 0,0-22 0,-21 0 16,21 1-16,-21-1 0,21 0 15,0 1-15,0-22 0,0 0 0,-22 21 16,22-20-16,0-1 0,0 0 15,0 0-15,0 0 16,22-21 0,-1-21-1,0 21-15,0-21 0</inkml:trace>
+  <inkml:trace contextRef="#ctx0" brushRef="#br1" timeOffset="89787.66">23029 3577 0,'0'0'0,"21"0"16,-21-21-16,0 0 0,22 21 0,-1-21 16,-21 0-16,21 21 0,-21-22 0,-21 22 31,0 0-16,-1 0-15,1 0 16,0 22-16,-21-22 0,21 21 0,-1 0 16,-20 0-16,21-21 0,0 21 15,0 0-15,-1 1 0,22-1 16,0 0-16,0 0 0,0 0 31,22-21-31,-1 0 0,0 0 16,0 0-16,0 21 0,0-21 15,1 0-15,-1 0 0,0 0 0,0 0 16,0 0-16,0 0 0,1 0 16,-1 0-16,-21 22 15,21-22-15,0 0 0,-21 21 16,0 0-16,0 0 16,-21-21-16,0 21 15,0-21-15,-1 0 0,1 21 16,0-21-16,-21 0 0,21 22 0,-1-22 15,1 0-15,0 0 0,0 0 0,0 0 16,0 0-16,-1 0 0,1 0 16,0 0-16,0 0 0,0 0 0,0 0 15,-1 0-15,1 0 16,0 0-16,21-22 16,-21 22-16,21-21 31,21 21-31,-21-21 15,21 21-15</inkml:trace>
+  <inkml:trace contextRef="#ctx0" brushRef="#br1" timeOffset="90351.15">24299 3302 0,'0'0'0,"0"-106"31,0 85-31,0 0 16,0 0-16,-21 21 0,0 0 16,0 0-1,0 0-15,-1 0 0,-20 0 16,21 0-16,0 0 0,0 21 16,-1 0-16,-20 0 0,0 0 0,21 1 15,-22 20-15,22-21 0,-21 21 16,-1 1-16,22-1 0,0-21 0,0 22 15,0-1-15,21 0 0,0-21 16,0 22-16,0-22 0,0 0 0,0 0 16,21 0-16,0 1 0,0-1 0,0-21 15,22 21-15,-22-21 0,0 0 16,21 0-16,-20 0 0,-1 0 0,21 0 16,-21 0-16,0 0 0,22 0 15,-22 0-15,0 0 0,-21-21 16,21 21-16,0-21 0,1 21 0,-22-22 15,21 22-15,0 0 16,-21-21-16,0 0 31,0 0-15</inkml:trace>
+  <inkml:trace contextRef="#ctx0" brushRef="#br1" timeOffset="91083.76">25146 3408 0,'42'-21'15,"-42"42"17,0 0-32,0 0 15,0 0-15,0 22 0,0-22 16,0 0-16,-21 0 0,21 0 0,-21 1 16,21-1-16,0 0 0,-21 0 15,21 0-15,0 0 0,21-21 47,0-21-31,-21 0-16,21 0 0,0 0 15</inkml:trace>
+  <inkml:trace contextRef="#ctx0" brushRef="#br1" timeOffset="91464.06">25252 3027 0,'0'0'0,"0"21"0,0 0 15,21 0 1,0-21-16,0 0 15,0 0-15,22 0 0,-22 0 16,0-21-16,0 21 0,0-21 16,1 0-16,-1 21 0,-21-21 0,0 0 15,0-1-15,0 1 0,0 0 16,0 0-16,-21 0 0,-1 21 16,1 0-16,0 0 15,0 0-15,0 0 0,0 0 16,-1 21-16,22 0 0,-21 0 15,21 0-15,-21 1 0,21-1 0,0 0 16,0 0-16,0 0 16,0 0-16,0 1 15,21-22-15,0 21 0</inkml:trace>
+  <inkml:trace contextRef="#ctx0" brushRef="#br1" timeOffset="92199.85">25696 3323 0,'0'21'15,"0"1"-15,-21-22 16,0 21-16,0 0 0,21 0 16,-21 0-16,21 0 0,0 1 15,-22-1-15,22 0 0,-21 0 0,21 0 16,0 0-16,0 1 0,0-1 15,0 0-15,0 0 0,0 0 0,0 0 16,0 1 0,0-1-1,0-42 1,-21-1 0,0 1-16,21 0 15,0 0-15,0 0 0,0 0 0,0-1 16,0 1-16,0 0 0,0-21 15,21 21-15,0-1 0,0 1 0,1 0 16,-1 0-16,0 0 0,21 0 16,-21-1-16,22 22 0,-22 0 0,21 0 15,-21 0-15,22 0 0,-22 0 16,21 22-16,-21-1 0,1 0 0,-1 0 16,0 0-16,-21 22 0,0-22 15,0 0-15,0 0 0,0 21 0,0-20 16,0-1-16,-21-21 0,21 21 0,-21 0 15,-1-21-15,1 21 16,21 0-16,-21-21 0,0 0 16,0 0-16,21-21 31,0 0-31,0 0 16,0 0-16,21 0 0,0-1 15,-21 1-15,21 0 0,0 0 0,1 0 16,20 0-16,-21-1 0,0 1 15,22 0-15,-22 21 0,21 0 0,-21 0 16,22 0-16,-22 0 0,21 0 16,-21 0-16,0 21 0,1 0 15,-22 22-15,0-22 0,0 0 0,0 0 16,0 0-16,0 1 0,0 20 16,0-21-16,-22-21 0,1 21 0,21 0 15,-21 1-15,0-1 16,0-21-16,42-21 47</inkml:trace>
+  <inkml:trace contextRef="#ctx0" brushRef="#br1" timeOffset="92631.62">26776 3408 0,'0'0'16,"0"-21"-16,0 0 0,0-1 16,-21 22-16,-1 0 15,1 22 1,21-1-16,0 0 0,0 0 16,0 0-16,-21 22 0,21-1 0,-21-21 15,21 21-15,0 1 0,-21-1 16,21 0-16,-21 1 0,21-1 0,-22 0 15,1 22-15,21-22 0,-21 22 0,0-1 16,0 1-16,21-1 16,-21 1-16,-1-1 0,1-20 0,21 20 15,-21 1-15,0-22 0,0 0 0,21 22 16,0-22-16,-21 0 0,21 1 16,-22-1-16,22-21 0,0 22 0,0-22 15,0 0-15,0 0 0,0 0 0,0 0 16,0 1-1,0-44 17,0 1-32,0 0 15,0 0-15,0 0 0,0 0 16,0-1-16,0 1 0,0 0 16,22-21-16,-1 21 0,-21-22 0,21 22 15,0-21-15</inkml:trace>
+  <inkml:trace contextRef="#ctx0" brushRef="#br1" timeOffset="93012.37">26691 3598 0,'0'0'0,"-21"-42"0,0 21 0,0-21 15,-1-1-15,1 22 0,21-21 0,0 21 16,0-22-16,0 22 0,0 0 15,0-21-15,21 20 0,1 1 0,20 0 16,-21 21-16,21-21 0,-20 21 0,20 0 16,0 0-16,1 0 0,-1 0 15,0 0-15,1 21 0,-1 0 0,-21 0 16,21 1-16,-20-1 0,-1 21 16,-21 0-16,0-20 0,0 20 0,0-21 15,-21 21-15,-22 1 0,22-22 16,-21 0-16,21 0 0,-22 22 15,1-22-15,0 0 0,-1-21 16,22 21-16,-21 0 0,-1-21 0,22 21 16,-21-21-16,21 0 0,0 0 0,21 22 15,-22-22-15,22 21 16,22-42 15,-1-1-31,0 22 0</inkml:trace>
+  <inkml:trace contextRef="#ctx0" brushRef="#br1" timeOffset="93348.18">27495 2731 0,'-21'21'16,"0"0"-16,21 0 16,-21 0-16,0 0 0,21 22 0,-21-1 15,-1-21-15,1 22 0,21 20 16,-21-21-16,0 22 0,21-22 0,-21 22 16,0-1-16,21-20 15,-22-1-15,22 21 0,0-20 0,0-1 16,-21-21-16,21 22 0,0-22 0,0 0 15,-21 0-15,21 0 0,0 0 16,21-21 15,0 0-31,1-21 0,-1 0 0,0 21 16</inkml:trace>
+  <inkml:trace contextRef="#ctx0" brushRef="#br1" timeOffset="93715.97">27453 3577 0,'21'0'31,"0"0"-31,1 0 16,-1 0-16,0 0 0,0 0 0,0-21 15,0 21-15,1-21 0,-1 21 16,0-21-16,0 0 0,0-1 0,-21 1 15,0 0-15,0 0 16,-21 21 0,0 0-16,0 0 0,0 0 15,-1 0-15,1 21 0,0 0 16,0 0-16,0 1 0,21-1 0,0 0 16,-21 0-16,21 0 0,-22 0 15,22 1-15,0-1 0,0 0 0,0 0 16,0 0-16,0 0 15,22-21 1,-1 0-16,0 0 0,0 0 16,21 0-16,-20 0 0,-1 0 15,21-21-15,-21 0 0</inkml:trace>
+  <inkml:trace contextRef="#ctx0" brushRef="#br1" timeOffset="94403.58">28046 3323 0,'-21'0'16,"21"21"-16,-22 1 0,1-22 0,21 21 15,0 0-15,-21 0 0,0 0 16,0 22-16,21-22 0,-21 0 0,21 0 16,0 0-16,0 0 0,-22 1 15,22-1-15,0 0 0,0 0 0,-21 0 16,21 0-1,0-42 17,0 0-17,0 0-15,0 0 0,0 0 0,0-1 16,0-20-16,0 21 0,0 0 16,21 0-16,-21-1 0,22 1 0,-1 0 15,-21 0-15,21 21 0,0-21 16,0 0-16,0 21 0,22 0 0,-22 0 15,0-22-15,0 22 0,22 0 16,-22 0-16,0 0 0,0 0 0,0 22 16,0-1-16,-21 0 0,0 0 15,0 0-15,0 0 0,0 1 16,0 20-16,0-21 0,-21 0 0,21 0 16,-21 1-16,0-1 0,21 0 15,-21-21-15,21 21 0,-21-21 0,-1 0 16,22 21-16,-21-21 15,21-21 1,0 0 0,0 0-16,21 0 15,1-1-15,-1-20 0,0 21 0,0-21 16,21-1-16,-20 22 0,20-21 16,-21 21-16,21-1 0,-20 1 0,20 21 15,-21 0-15,0 0 16,0 0-16,1 0 0,-1 21 0,-21 1 15,0-1-15,0 0 0,0 0 16,0 0-16,0 0 0,0 1 0,0 20 16,0-21-16,-21 0 0,-1 0 15,22 1-15,-21-1 0,0-21 16,21 21-16,-21-21 16,42-21 15,0 21-31</inkml:trace>
+  <inkml:trace contextRef="#ctx0" brushRef="#br1" timeOffset="94795.32">28744 3493 0,'-21'0'31,"42"0"-15,0 0-16,1 0 16,-1 0-16,0-22 0,21 1 15,-21 21-15,1-21 0,-1 21 0,0-21 16,21 0-16,-42 0 0,21-1 16,-21 1-16,22 0 0,-22 0 0,0 0 15,-22 21-15,1 0 16,0 0-16,0 0 0,0 0 0,0 21 15,-1 0-15,-20-21 0,21 21 16,0 22-16,0-22 0,21 0 0,0 0 16,-22 0-16,22 0 0,0 1 15,0-1-15,0 0 0,0 0 0,0 0 16,0 0 0,22-21-16,-22 22 0,21-22 15,0 0-15,21 0 0,-21 0 0,22 0 16,-1 0-16,0 0 0,1 0 15,-22 0-15,21 0 0,1 0 0</inkml:trace>
+  <inkml:trace contextRef="#ctx0" brushRef="#br1" timeOffset="95284.04">29422 3302 0,'0'0'0,"0"21"16,-22 0-16,1 1 15,21-1-15,-21 0 0,21 0 16,0 0-16,0 0 0,-21 1 0,21-1 16,0 0-16,-21 0 0,21 0 15,0 0-15,0 1 0,0-1 0,0 0 16,-21 0 0,21-42 15,0 0-16,0 0-15,0-1 0,0 1 16,0 0-16,21-21 0,0 21 0,0-1 16,0-20-16,0 21 15,1-21-15,20 20 0,-21 1 0,0 0 16,0 0-16,1 21 0,-1 0 16,0 0-16,0 0 0,0 0 0,-21 21 15,21 0-15,-21 22 16,0-22-16,0 0 0,0 21 0,-21-21 15,21 22-15,-21-22 0,0 0 16,0 21-16,21-20 0,-21-1 0,21 0 16,-22 0-16,1 0 0,21 0 15,-21-21 1,21 22-16,0-44 31,0 1-31,0 0 16,0 0-16,21-21 15</inkml:trace>
+  <inkml:trace contextRef="#ctx0" brushRef="#br1" timeOffset="95606.87">30035 2815 0,'-21'0'0,"42"0"0,-63 0 0,21 21 0,0 1 16,0-22-16,21 21 0,-22 0 15,1 0-15,21 0 0,-21 0 0,21 1 16,0 20-16,-21-21 0,21 0 16,-21 22-16,0-22 0,21 21 0,-22 0 15,22 1-15,-21-22 0,21 21 16,-21 1-16,21-22 0,0 21 0,-21-21 15,21 22-15,-21-22 0,21 0 16,-21 0-16,21 0 0,0 0 16,0 1-16,21-22 31,0 0-31</inkml:trace>
+  <inkml:trace contextRef="#ctx0" brushRef="#br1" timeOffset="96027.62">30268 3302 0,'21'0'0,"-21"-21"16,-21 21 0,0 0-16,0 0 0,0 0 15,0 0-15,-1 0 16,1 0-16,0 0 0,0 21 0,0-21 15,0 21-15,21 0 16,0 1-16,0-1 16,21 0-1,0-21-15,0 0 0,0 21 16,0-21-16,1 0 0,-1 21 16,0-21-16,0 21 0,0-21 0,0 22 15,1-22-15,-1 0 0,-21 21 16,21-21-16,-21 21 0,0 0 15,-21-21 1,0 0-16,-1 21 16,1-21-16,0 0 0,0 0 15,0 0-15,0 21 0,-1-21 0,1 0 16,0 0-16,0 0 16,0 0-1,0 0 1,21-21-16,0 0 0</inkml:trace>
+  <inkml:trace contextRef="#ctx0" brushRef="#br1" timeOffset="96304.47">29676 3006 0,'0'-21'16,"21"21"0,0 0-16,21 0 0,-21-22 0,1 22 15,20 0-15,-21 0 0,21 0 16,-20 0-16,20-21 0,-21 21 16,21 0-16,-20 0 0,-1 0 0,0 0 15,0 0-15,0 0 0,0 0 47</inkml:trace>
+  <inkml:trace contextRef="#ctx0" brushRef="#br1" timeOffset="96659.26">31094 3006 0,'-21'42'31,"-1"-21"-31,22 0 16,-21 1-16,21 20 0,-21-21 0,0 21 15,21-20-15,0 20 0,-21 0 16,21-21-16,-21 22 0,21-22 0,-22 21 16,22-21-16,0 1 0,0-1 15,0 0-15,0 0 0,0 0 16,0-42 31,0 0-47</inkml:trace>
+  <inkml:trace contextRef="#ctx0" brushRef="#br1" timeOffset="97347.58">30967 3027 0,'-21'-21'15,"21"0"-15,0-1 16,21 1 0,0 21-16,0 0 15,0 0-15,0 0 0,22 0 16,-22 0-16,21 0 0,1 0 0,-1 0 16,0 0-16,22 21 0,-22-21 15,0 22-15,1-22 0,-22 21 0,21 0 16,-21-21-16,1 21 0,-22 0 15,0 0-15,0 1 0,0-1 16,0 0-16,-22 0 0,1 0 16,-21 0-16,0 1 0,-1-1 0,1-21 15,0 21-15,-1 0 0,-20-21 16,42 0-16,-22 0 0,22 0 0,-21 0 16,21 0-16,-1 0 0,1 0 15,42 0 16,1-21-31,-1 21 16,0 0-16,0-21 0,0 21 16,22 0-16,-22 0 0,21 0 0,-21 0 15,22 0-15,-22 0 0,21 0 16,-21 0-16,22 0 0,-1 0 16,-21 0-16,21 21 0,-20 0 0,20 0 15,-21-21-15,0 43 0,0-22 16,1 0-16,-22 0 0,0 21 0,0-20 15,0 20-15,0-21 0,-22 0 16,1 22-16,0-22 0,0 0 0,-21 0 16,-1 0-16,1-21 0,0 21 15,-1-21-15,1 0 0,0 0 16,-1 0-16,1 0 0,0 0 0,-1 0 16,22 0-16,-21 0 0,-1 0 0,22 0 15,0 0-15,0 0 16,0 0-16,0-21 0,-1 21 15,22-21-15,0 0 32,22 21-17,-1-21-15,0 21 0,21 0 16</inkml:trace>
+  <inkml:trace contextRef="#ctx0" brushRef="#br1" timeOffset="97795.32">31962 3641 0,'0'21'16,"-22"-21"93,22-21-109,0 0 16,0-1-16,0 1 15,22 0-15,-1 21 16,0-21-16,0 21 0,0 0 15,0 0 1,-21 21 0,0 0-16,0 0 15,0 1-15,0-1 0,-21 21 0,0-21 16,0 0-16,0 1 16,0-1-16,-1-21 0,1 21 0,-21 0 15,21-21-15,0 0 0,-1 21 16,1-21-16,0 0 15</inkml:trace>
+  <inkml:trace contextRef="#ctx0" brushRef="#br1" timeOffset="98395.98">32702 3090 0,'0'0'0,"22"-42"31,-1 21-31,-21 0 16,-21 21 15,-1 0-31,1 0 0,0 0 15,0 0-15,-21 0 0,20 21 0,-20 0 16,21 0-16,-21-21 0,20 21 16,-20 22-16,21-22 0,-21 0 0,20 21 15,1-20-15,0 20 0,21-21 16,0 21-16,0-20 0,0 20 16,0-21-16,21 21 0,0-20 15,1-1-15,-1 0 0,0 0 16,21 0-16,-21-21 0,22 21 0,-22-21 15,0 0-15,21 0 0,-20 0 16,20 0-16,-21 0 0,0 0 0,0 0 16,1-21-16,20 0 0,-21 21 15,-21-21-15,21 21 0,0 0 16,-21-21-16,22 21 0,-1 0 16,0 0-1,-21 21 1</inkml:trace>
+  <inkml:trace contextRef="#ctx0" brushRef="#br0" timeOffset="121531.45">3577 15388 0,'0'0'0,"0"-21"0,0 0 0,0 0 16,0 0-16,0-1 0,0 1 0,0 0 15,-21 0-15,21 0 16,-21 21-16,21-21 0,-21 21 0,-1 0 16,1-22-16,0 22 31,21 22-31,-21-22 0,21 21 15,0 21-15,-21-21 0,21 22 0,-21-22 16,21 21-16,-22 0 0,22 22 16,0-22-16,0 22 0,0-22 0,0 22 15,-21-1-15,21 1 0,0 20 16,0 1-16,0-22 0,-21 22 0,21 0 16,0-22-16,0 22 0,0 0 15,0-1-15,0 1 0,-21 0 0,21-22 16,0 22-16,0-1 15,0 1-15,-21-21 0,21-1 0,0 22 0,0-22 16,0 1-16,0-1 16,0 1-16,0-22 0,0 22 0,0-22 15,0 0-15,0 1 0,0-22 16,0 0-16,0 0 0,0-42 31,0 0-31,0 0 0,0-22 16,0 1-16,0 0 0,0-22 0</inkml:trace>
+  <inkml:trace contextRef="#ctx0" brushRef="#br0" timeOffset="122683.51">3535 15304 0,'0'-22'16,"21"22"-1,0-21-15,0 21 0,0-21 16,1 21-16,20 0 15,-21-21-15,21 21 0,1 0 0,-1-21 16,0 21-16,1 0 0,20-21 16,1 21-16,-1 0 0,1-22 0,20 1 15,1 21-15,21 0 0,-21-21 16,20 21-16,1 0 0,0-21 0,-21 0 16,21 21-16,-22 0 0,22 0 15,0-21-15,-21 21 0,20 0 0,1 0 16,-21 0-16,0-22 0,-1 22 15,-20 0-15,20 0 0,-41 0 0,20 0 16,-20 0-16,20 0 0,-21 0 16,-20 0-16,20 0 0,-21 0 15,0 0-15,22 0 0,-22 22 16,0-22-16,0 21 0,0 0 16,-21 0-16,21 0 0,1 0 0,-22 1 15,0-1-15,21 0 0,0 21 0,-21-21 16,21 22-16,-21-1 0,0-21 15,0 22-15,0-1 0,21 0 0,-21 1 16,0-1-16,21 0 0,-21 22 16,0-22-16,0 0 0,0 22 0,22-22 15,-22 22-15,21-1 0,-21-20 16,0 20-16,21 1 0,-21-1 0,21 1 16,-21-1-16,0-21 0,21 22 15,-21-1-15,21 1 0,-21-1 16,0 1-16,0-1 0,0 1 0,0-1 15,0 1-15,0-22 0,0 1 16,0 20-16,0-21 0,0 1 0,0-22 16,0 21-16,0-21 0,-21 22 0,21-22 15,0 0-15,-21 0 0,0 0 16,0 1-16,0-22 0,21 21 0,-22-21 16,1 0-16,0 21 0,0-21 15,0 21-15,0-21 0,-1 0 16,1 0-16,-21 0 0,21 0 0,-22 0 15,1 0-15,0 21 0,-22-21 0,22 0 16,-22 0-16,1 21 16,-22-21-16,1 0 0,-1 0 0,0 0 15,-21 22-15,22-22 0,-1 0 16,-21 0-16,22 21 0,-22-21 0,0 0 16,0 21-16,0-21 0,-21 0 15,0 21-15,21-21 0,1 0 0,-1 21 16,-21-21-16,21 0 0,0 0 15,21 21-15,-20-21 0,20 0 0,0 0 16,1 0-16,20 0 0,1 0 16,-1 0-16,22 0 0,-1 0 0,22 0 15,0 0-15,0 0 0,0 0 16,21-21-16,-21 21 0,21-21 47,0 0-32,0 0-15,0 0 16,0-1-16,0 1 0</inkml:trace>
+  <inkml:trace contextRef="#ctx0" brushRef="#br0" timeOffset="123535.03">2286 11790 0,'0'0'0,"-21"0"16,21-21-16,0 0 15,-21 21-15,-1 0 16,22-22-16,-21 22 15,0 22 1,21-1-16,0 0 16,0 0-16,-21 21 0,21 1 0,0 20 15,0 1-15,-21-1 0,21 1 16,0-1-16,0 22 0,0-22 0,0 1 16,0 21-16,-21-22 0,21 22 15,-22-1-15,22 1 0,-21-21 0,21 20 16,0-20-16,0-1 0,0 1 15,-21-1-15,21-20 0,0 20 16,-21-21-16,21 1 0,0-22 16,0 21-16,0-21 0,0 1 0,0-1 15,0 0-15,0-42 32,0 0-32,0-1 15,0 1-15,0-21 0,-21 21 0,21-22 16,0 1-16,0 0 0,-21-1 15</inkml:trace>
+  <inkml:trace contextRef="#ctx0" brushRef="#br0" timeOffset="124407.57">2244 11811 0,'-22'-21'31,"22"0"1,22 21-17,-1 0-15,0 0 16,21 0-16,1 0 0,-1-21 15,21 21-15,1 0 0,-1-22 0,1 1 16,21 21-16,-22-21 0,22 21 16,-1-21-16,22 21 0,0-21 0,-21 0 15,42 21-15,-21-22 0,-22 22 16,22-21-16,-21 21 0,-1 0 0,1 0 16,-21 0-16,-1-21 0,-21 21 0,22 0 15,-22 0-15,-21 0 0,22 0 16,-22 0-16,0 0 0,0 0 0,22 21 15,-22-21-15,0 21 16,0 1-16,0-22 0,0 21 0,1 0 16,-1 0-16,-21 0 0,21 0 0,0 22 15,0-22-15,0 21 0,1 1 16,-1-22-16,-21 42 0,21-20 0,-21-1 16,21 0-16,-21 1 0,0 20 15,0-21-15,0 22 0,0-22 0,0 1 16,0 20-16,0-21 0,0 22 0,0-22 15,0 22-15,0-22 0,0 22 16,0-1-16,0-21 0,0 22 0,0-22 16,0 1-16,0 20 0,0-21 15,0 1-15,0-1 0,0 0 16,0-20-16,0 20 0,0 0 0,-21-21 16,21 22-16,0-22 0,0 21 15,-21-21-15,0 1 0,-1-1 0,22 21 16,-21-21-16,0 0 0,0 1 0,-21-1 15,20-21-15,-20 21 0,0 0 16,-1 0-16,1-21 0,0 21 0,-22 1 16,1-22-16,-22 21 0,0-21 15,1 21-15,-22 0 0,0-21 0,0 0 16,-21 21-16,21-21 0,1 0 16,-1 0-16,-21 21 0,21-21 0,0 0 15,-21 0-15,21 22 0,0-22 16,22 0-16,-1 0 0,0 0 15,43 0-15,-21 0 0,20 0 0,1 0 16,0 0-16,-1 21 0,22-21 16,0 0-16,0 0 0,0 0 0,-1 0 15,1 0-15,21-21 47,21-1-47,1 1 16,-1 0-16,21 0 0,-21 0 15</inkml:trace>
+  <inkml:trace contextRef="#ctx0" brushRef="#br0" timeOffset="125079.31">6371 11621 0,'0'0'0,"0"-22"16,0 1-16,-21 21 15,21 21 17,0 22-32,0-22 15,0 21-15,0 1 0,0 20 16,0 1-16,0 20 0,0-20 15,0 20-15,0 1 0,0 0 0,0-1 16,0 1-16,0 0 0,0-1 16,-21 1-16,21-21 0,0 20 0,0-20 15,-21 20-15,21-41 0,-22 20 0,22-20 16,0-1-16,0 0 0,0 1 16,0-22-16,0 0 0,0 0 0,0 0 15,0 0-15,0-42 31,0 0-15,0-21-16,0 21 0,22-22 16,-1 1-16,0-22 0,-21 22 15</inkml:trace>
+  <inkml:trace contextRef="#ctx0" brushRef="#br0" timeOffset="125927.31">6477 11578 0,'0'0'0,"21"0"15,0 0-15,0 0 16,22 0-16,-1 0 0,22 0 0,-1-21 15,22 21-15,-1-21 0,1 21 0,0-21 16,21 0-16,-1 21 0,1-22 16,21 1-16,-21 0 0,21 21 0,0-21 15,0 0-15,0 21 0,0-21 16,0 21-16,-21-22 0,0 1 0,0 21 16,-1 0-16,-20 0 0,0-21 0,-1 21 15,-20 0-15,-22 0 0,22 0 16,-22 0-16,0 0 0,-20 0 0,-1 0 15,0 0-15,0 0 16,0 21-16,0-21 0,1 21 0,-1 1 16,-21-1-16,21 0 0,0 21 15,-21-21-15,0 1 0,0-1 16,21 21-16,-21-21 0,0 22 0,21-22 16,-21 21-16,0-21 0,0 22 0,0-1 15,0 0-15,0 22 0,0-22 16,0 0-16,0 22 0,0-22 0,0 22 15,-21-22-15,21 22 0,-21-22 16,21 21-16,-21-20 0,21 20 0,0-20 16,0-1-16,0 21 0,-21-20 15,21 20-15,0-20 0,0 20 16,0-21-16,0 1 0,0-1 0,0 22 16,-21-43-16,21 21 0,0 0 0,0-20 15,-22-1-15,1 21 0,0-21 16,21 0-16,-21 1 0,0-1 0,21 0 15,-21 0-15,-1-21 0,1 21 0,0 0 16,-21-21-16,21 22 0,-22-22 16,22 21-16,-21-21 0,-22 0 0,22 21 15,-22-21-15,1 0 0,-1 0 16,1 0-16,-22 21 0,1-21 0,-1 0 16,-21 0-16,-21 0 0,21 0 15,-21 0-15,0 0 0,0 0 0,0 0 16,0 0-16,21 0 0,1 0 15,-1 21-15,21-21 0,0 0 0,1 0 16,-1 0-16,0 0 0,22 0 16,-22 0-16,22 0 0,-1 0 0,1 0 15,-1 21-15,1-21 0,-1 0 0,22 22 16,-22-22-16,22 0 0,21 0 16,-21 21-16,20-21 0,1 0 0,21-21 46,0-1-46,0 1 16</inkml:trace>
+  <inkml:trace contextRef="#ctx0" brushRef="#br0" timeOffset="126515.98">3450 14012 0,'0'22'47,"21"-1"-47,0 0 0,1 0 0,-1 0 16,0 22-16,0-22 0,0 21 16,0 0-16,1 22 0,-1-22 0,0 22 15,0-1-15,0 1 0,0-1 16,1 1-16,-1-1 0,0 1 0,-21-1 15,21 1-15,-21-1 0,21 1 16,0-22-16,-21 22 0,0-22 16,22 0-16,-1 1 0,-21-22 0,0 21 15,21-21-15,-21 0 0,21-21 16,-21 22-16,21-22 0,0 0 16,-21-22-16,22 1 15,-22-21-15,21 21 0</inkml:trace>
+  <inkml:trace contextRef="#ctx0" brushRef="#br0" timeOffset="127073.2">6879 13674 0,'0'0'0,"0"21"32,0 0-32,-21 0 15,0 0-15,0 22 0,-1-22 16,1 21-16,0 1 0,0-1 0,0 0 15,-22 1-15,22 20 0,0 1 16,-21-22-16,21 21 0,-22 1 0,1 21 16,0-22-16,-1 1 0,22-22 15,-21 21-15,21-20 0,-22-1 0,22 0 16,0 1-16,0-22 0,21 0 0,0 0 16,-21 0-16,21 1 0,-22-22 15,22 21-15,0-42 31,0-1-31,0 1 0,0-21 16,0 21-16,0 0 0,0-22 16,22 22-16</inkml:trace>
+  <inkml:trace contextRef="#ctx0" brushRef="#br0" timeOffset="127702.83">6900 13526 0,'-63'0'31,"42"0"-16,-1 21-15,1-21 0,0 21 16,0 0-16,0 0 0,0 0 0,-1 1 16,-20-1-16,21 0 0,-21 0 15,20 0-15,1 0 0,-21 1 0,21-1 16,0 0-16,-1 0 0,1 0 16,0-21-1,42 0 16,0-21-31,1 21 16,-22-21-16,21 0 0,0 0 0,0 21 16,0-22-16,0 1 0,1 0 15,-1 21-15,0-21 0,0 0 0,0 0 16,0-1-16,1 22 0,-1-21 0,0 0 16,0 21-16,21-21 0,-20 0 15,-1 21-15,0-21 0,0 21 16,0 0-16,0 0 15,1 0-15,-1 0 0,-21 21 16,21 0-16,0-21 0,-21 21 0,21 0 16,-21 0-16,21 22 0,1-22 15,-22 0-15,21 21 0,0-20 16,0-1-16,-21 0 0,21 21 0,0-21 16,1 1-16,-22-1 0,21 0 15,0 0-15,-21 0 16,21-21-16,-42-21 47,0 21-47,0-21 0</inkml:trace>
+  <inkml:trace contextRef="#ctx0" brushRef="#br0" timeOffset="128607.56">3365 13949 0,'0'21'31,"22"-21"-31,-22 21 0,0 0 15,21 1-15,-21-1 0,0 0 16,0 21-16,0-21 0,0 22 0,0-1 16,0 0-16,0 1 0,0-1 15,0 0-15,0 1 0,-21-1 0,21-21 16,-22 22-16,22-22 0,0 0 16,0 0-16,0 0 15,-21-21-15,21-21 16,0 0-1,0 0-15,-21 0 0,21-22 16,0 22-16,0 0 0,0-21 16,0-1-16,0 22 0,0-21 0,0 21 15,0-22-15,0 22 0,0-21 16,0 21-16,0-22 0,-21 22 0,21 0 16,0 0-16,0 0 0,0-1 15,0 1-15,0 0 0,0 0 16,0 0-16,21 21 15,-21-21-15,21 21 16,0 0-16,1 0 0,20 0 16,-21 0-16,0 21 0,22-21 15,-1 21-15,-21 0 0,21 0 0,1 22 16,-1-22-16,0 0 0,1 0 16,-1 0-16,0 0 0,-20 22 0,20-22 15,-21 0-15,21 0 0,-20-21 0,20 21 16,-21 1-16,0-22 0,0 21 15,1-21-15,-1 0 0,0 0 16,-21-21 15,-21-1-31,0 1 16,-1 0-16,-20 0 0</inkml:trace>
+  <inkml:trace contextRef="#ctx0" brushRef="#br0" timeOffset="129276.18">1947 13377 0,'21'22'0,"-21"-1"16,0 0-16,0 0 15,0 0-15,0 0 0,0 1 0,0-1 16,0 21-16,0-21 0,0 0 16,0 22-16,0-22 0,0 0 15,0 21-15,0-20 0,0-1 16,-21 0-16,21 0 0</inkml:trace>
+  <inkml:trace contextRef="#ctx0" brushRef="#br1" timeOffset="144264.07">4551 15621 0,'0'-21'0,"0"0"47,-21 21-1,21 21-30,-22 0-16,22 0 0,0 0 16,0 1-16,-21-1 0,0 21 15,21 0-15,-21 1 0,0-1 16,21 0-16,-21 1 0,-1 20 0,1-20 16,0 20-16,0-21 0,0 1 0,0-1 15,-1 0-15,1 1 0,21-22 16,-21 21-16,21-21 0,-21 1 0,21-1 15,-21 0-15,21 0 16,0-42 15,0 0-31,0 0 16,21-1-16,0 1 16,-21-21-16,21 21 0,0-22 15,-21 22-15,22-21 0,-1 21 0</inkml:trace>
+  <inkml:trace contextRef="#ctx0" brushRef="#br1" timeOffset="144607.87">4445 15748 0,'0'0'0,"0"-21"15,42-21 1,-21 42-16,1 0 15,-1 0 1,0 0-16,0 21 16,-21 0-16,0 0 0,21 0 0,0 0 15,-21 22-15,0-1 0,0-21 0,0 22 16,22-1-16,-22 0 0,0 1 16,0-1-16,0 0 0,0 1 0,0-22 15,0 21-15,0-21 0,0 22 16,0-22-16,0 0 0,-22 0 0,22 0 15,0 0-15,0-42 63,0 0-63,0 0 0</inkml:trace>
+  <inkml:trace contextRef="#ctx0" brushRef="#br1" timeOffset="144887.71">4360 16256 0,'-21'0'16,"42"-21"15,0 21-16,1 0-15,-1-21 0,0 21 16,0 0-16,0 0 0,0-21 16,1 21-16,-1 0 15,-21-22-15,21 22 0,0-21 16,0 21 0,0 0-16,1-21 15,-1 0-15,0 21 0</inkml:trace>
+  <inkml:trace contextRef="#ctx0" brushRef="#br1" timeOffset="145391.42">6308 15473 0,'0'-21'0,"0"0"31,0-1-31,-22 22 16,1 0-16,0 0 16,0 0-16,0 0 0,0 0 15,-1 0-15,1 0 0,0 0 16,0 22-16,0-22 0,0 21 16,-1 0-16,22 0 0,-21 0 0,0 0 15,21 1-15,-21-1 0,21 0 0,0 0 16,0 0-1,0 0-15,0 1 0,0-1 0,0 0 16,21 0 0,0-21-16,0 0 15,1 0-15,-1 0 0,0 0 0,0 0 16,0 0-16,0-21 0,1 21 16,-1-21-16,0 21 0,0-21 0,0-1 15,0 1-15,1 21 0</inkml:trace>
+  <inkml:trace contextRef="#ctx0" brushRef="#br1" timeOffset="145959.1">6308 15282 0,'0'0'0,"-22"0"0,22-21 0,-21 21 16,0 0-16,0 0 15,0 0-15,0 0 0,-1 0 0,1 0 16,0 0-16,0 0 0,-21 0 0,20 21 16,1 1-16,0-22 15,0 21-15,0 0 0,0 21 0,-1-21 16,1 1-16,0-1 0,0 21 0,0-21 16,0 22-16,-1-22 0,1 0 15,21 21-15,0-21 0,0 1 0,0 20 16,0-21-16,0 0 0,0 0 15,21 1-15,1-1 0,-1 21 0,0-21 16,0-21-16,0 21 0,0 1 0,1-1 16,20-21-16,-21 21 0,21-21 15,-20 0-15,20 0 0,0 0 0,-21 0 16,22 0-16,-22 0 0,21 0 16,-21 0-16,22-21 0,-1 21 15,-21-21-15,22-1 0,-22 1 0,21 0 16,-21 0-16,0 0 0,1-22 15,-1 22-15,-21 0 0,0-21 0,0 21 16,0-22-16,0 1 0,0 21 0,0-22 16,0 1-16,0 0 0,-21-1 15,-1 22-15,1-21 0,0 21 0,0 0 16,0-1-16,0 1 0,-22 0 16,22 21-16,0 0 0,-21-21 0,20 21 15,1 0-15,0 0 0,-21 0 0,21 0 16,-1 0-16,1 21 15,0-21-15,0 0 0,0 21 0,0-21 16,-1 21-16,1-21 0,0 22 16,0-22-16,0 21 15</inkml:trace>
+  <inkml:trace contextRef="#ctx0" brushRef="#br1" timeOffset="148403.96">2921 12658 0,'-21'0'0,"21"21"47,0 0-47,0 0 16,0 22-16,0-22 0,0 21 15,0-21-15,0 22 0,0-1 0,0 0 16,0-21-16,0 22 0,0-1 15,0 0-15,0-20 0,0 20 0,0-21 16,0 0-16,0 0 0,0 22 16,0-22-16,0 0 0,0 0 15,0-42 17,-21 0-17,21 0-15,0 0 0,0-1 16,0 1-16,0-21 0</inkml:trace>
+  <inkml:trace contextRef="#ctx0" brushRef="#br1" timeOffset="149019.6">2836 12827 0,'0'0'0,"0"-21"0,0 0 16,0 0-16,0-1 15,0 1-15,0 0 16,0 0-16,21 21 15,1 0-15,-1-21 0,0 21 16,0-21-16,0 21 0,22 0 0,-22 0 16,0 0-16,21 0 0,-21 21 15,1 0-15,20-21 0,-21 21 16,0 0-16,0 0 0,-21 1 0,0 20 16,0-21-16,0 0 0,0 0 15,0 22-15,-21-22 0,21 0 0,-21 0 16,0 22-16,-21-22 0,20 0 15,1 0-15,0-21 0,0 21 0,0 0 16,0-21-16,-1 0 0,1 0 16,0 0-16,21-21 31,0 0-31,0 0 16,21 0-16,22 0 15,-22 21 1,0 0-16,21 0 0,-21 0 0,22 0 15,-1 0-15,0 0 0,1 0 0,-1 21 16,0-21-16,1 21 0,-1 0 16,-21 0-16,22 0 0,-22 1 0,0-1 15,-21 0-15,0 0 0,0 21 16,0-20-16,-21-1 0,0 21 0,-22-21 16,22 22-16,-21-22 0,-1 21 0,1-21 15,0 0-15,-1 1 16,1-1-16,0 0 0,21-21 0,-22 0 0,1 0 15,21 0-15,-22 0 0,22 0 16,-21-21-16,21 0 0,-22-1 16,22 1-16,0 0 0,0 0 0,0 21 15,0-21-15,21 0 0,0-1 16,0 1-16,0 0 0,0 0 0,0 0 16,0 0-16,0-1 15,0 1-15,21 0 0,-21-21 0,42 21 16</inkml:trace>
+  <inkml:trace contextRef="#ctx0" brushRef="#br1" timeOffset="149357.76">4149 11896 0,'0'0'0,"0"-21"15,-22 42 1,22 0 0,0 0-16,0 0 0,0 0 0,0 22 15,0-22-15,-21 0 0,21 0 16,0 0-16,0 1 0,0-1 0,0 0 15,0 0-15,0 0 0,0 0 16,0 1-16,0-1 16</inkml:trace>
+  <inkml:trace contextRef="#ctx0" brushRef="#br1" timeOffset="149615.42">3937 12319 0,'-21'64'15,"42"-64"1,0 0-16,-21 21 16,21-21-16,0 0 0,1 0 15,-1 0-15,0 0 0,0 0 0,21 0 16,-20 0-16,-1 0 0,0 0 0,0-21 15,0-1-15,0 22 16,1 0-16,-22-21 0,21 21 16,-21-21-16,0 0 15,0 0 1,0 0-16,0-1 0,-21 1 16</inkml:trace>
+  <inkml:trace contextRef="#ctx0" brushRef="#br1" timeOffset="149851.29">3937 12023 0,'0'-21'32,"0"-1"-17,21 22-15,0-21 0,0 21 0,1 0 16,-1-21-16,0 21 0,0-21 15,0 21-15,0 0 0,1-21 0,-1 21 16,0 0-16,0-21 16,0 21-16,-21-22 0,21 22 0,-21-21 15</inkml:trace>
+  <inkml:trace contextRef="#ctx0" brushRef="#br1" timeOffset="150515.91">4191 11642 0,'0'0'0,"-21"-21"16,0 21-16,-1 0 15,1 0-15,0-22 0,0 22 0,0 0 16,0 0-16,-1 0 0,1 0 0,0 0 15,0 0-15,-21 0 0,20 0 16,1 22-16,0-1 0,-21 0 0,21 0 16,-1 0-16,1 0 15,0 1-15,0 20 0,21 0 0,0-21 16,0 22-16,0-1 0,0 0 0,0 1 16,0-1-16,0 0 0,0 1 15,0-1-15,0 0 0,0 1 0,0-22 16,0 21-16,0-21 0,21 22 15,0-22-15,-21 21 0,21-21 0,1 1 16,-1-1-16,0 0 0,0 0 16,0-21-16,22 21 0,-22-21 0,0 0 15,0 21-15,21-21 0,-20 0 0,20 0 16,-21 0-16,0 0 0,22 0 16,-1 0-16,-21-21 0,21 21 15,1-21-15,-1 21 0,-21-21 0,22 0 16,-1 0-16,0-1 0,-21 1 15,22 0-15,-22-21 0,21 21 0,-21-22 16,1 22-16,-22-21 0,21-1 0,-21 1 16,0 0-16,0-1 0,0-20 15,0 21-15,0-22 0,0 22 0,0-1 16,-21 1-16,21 0 0,-43-1 16,22 22-16,0-21 0,-21 21 0,-1 0 15,1-1-15,-22 22 0,22 0 16,0-21-16,-1 21 0,-20 0 0,21 0 15,-1 0-15,1 0 0,21 21 16,-22 1-16,1-22 0,21 21 16,-21 0-16,20 0 0,1-21 0,0 21 15,0 0-15,0 1 0,21-1 0,-21-21 16,21 21-16,0 0 0,0 0 16,0 0-16,21 1 15,0-22-15,0 0 0</inkml:trace>
+  <inkml:trace contextRef="#ctx0" brushRef="#br1" timeOffset="151716.28">7599 12510 0,'0'0'0,"21"0"16,0 0 0,-21-22-16,21 22 31,-21-21-31,0 0 16,0 0 15,-21 21 0,0 0-31,0 0 0,0 0 16,-22 0-16,22 0 0,0 0 0,-21 0 15,20 0-15,-20 0 0,21 0 16,-21 21-16,-1-21 0,22 21 0,-21 0 16,-1-21-16,22 22 0,-21-1 0,21 21 15,-22-21-15,22 22 0,0-1 16,0 0-16,0 1 0,21-1 0,-21 0 15,21 1-15,0-1 0,0 0 16,0-21-16,0 22 0,0-1 0,21-21 16,21 0-16,-21 1 0,0-1 15,22 0-15,-22 0 0,21-21 0,1 21 16,-22-21-16,21 0 0,0 0 16,1 0-16,-1 0 0,-21 0 0,22 0 15,-1 0-15,0 0 0,1-21 16,-22 21-16,21-21 0,-21 0 0,22 21 15,-22-21-15,0-1 0,0 1 0,0 0 16,0 0-16,1 0 0,-22 0 16,0-1-16,21 1 0,0-21 0,0 21 15,-21-22-15,21 22 0</inkml:trace>
+  <inkml:trace contextRef="#ctx0" brushRef="#br1" timeOffset="152899.73">8805 11705 0,'21'0'32,"-21"-21"-17,-21 21 48,0 0-63,0 0 0,0 0 15,0 21-15,-1-21 0,1 21 0,0 1 16,0-1-16,0-21 0,0 21 16,21 0-16,-22 0 0,22 22 0,0-22 15,0 0-15,0 0 16,0 0-16,0 0 0,0 1 0,0-1 15,0 0-15,22-21 0,-1 0 16,0 0-16,0 0 0,0 0 16,0 0-16,1 0 0,-1 0 0,0 0 15,21 0-15,-21-21 0,1 21 0,-1-21 16,21-1-16,-21 22 0,0-21 16,1 0-16,-1 0 0,0 0 15,0 0-15,-21-1 0,0 1 16</inkml:trace>
+  <inkml:trace contextRef="#ctx0" brushRef="#br1" timeOffset="153511.39">9059 11388 0,'0'0'0,"-21"-21"0,0 21 0,0-22 15,0 1-15,-1 21 16,1-21-16,-21 21 0,21 0 0,0 0 16,-1 0-16,1 0 0,-21 0 15,21 0-15,0 21 0,-1-21 0,-20 21 16,21 1-16,0-1 0,0 21 16,-1-21-16,1 0 0,0 22 15,0-1-15,0-21 0,21 22 0,-21-1 16,21-21-16,0 21 0,0 1 0,0-22 15,0 21-15,0 1 0,0-1 16,0-21-16,0 21 0,0 1 0,0-22 16,21 21-16,-21-21 0,21 1 15,0 20-15,0-21 0,0 0 0,22-21 16,-22 21-16,0 1 0,21-22 0,-20 0 16,20 21-16,0-21 0,-21 0 15,22 0-15,-1 0 0,0 0 16,1-21-16,-1 21 0,0-22 0,-20 1 15,20 0-15,0 0 0,-21 0 16,22 0-16,-22-22 0,0 1 0,0 21 16,0-22-16,1 1 0,-1 0 0,-21-1 15,0 1-15,0 0 0,0-1 16,0 1-16,0 0 0,0-1 0,-21 1 16,21 0-16,-22 21 0,1-22 15,0 22-15,-21-21 0,21 21 0,-22-1 16,1 1-16,21 0 0,-43 21 15,22 0-15,0-21 0,-1 21 16,1 0-16,0 0 0,-1 0 0,1 0 16,0 21-16,-1-21 0,22 21 0,-21 0 15,21 1-15,-1-1 0,1 0 16,21 0-16,0 0 0,-21 0 0,21 1 16,0-1-16,0 0 0,0 0 15,0 0-15,0 0 0</inkml:trace>
+  <inkml:trace contextRef="#ctx0" brushRef="#br1" timeOffset="168399.67">15769 10880 0,'0'-21'0,"0"-1"16,0 1-1,0 0 1,0 0-16,0 0 15,0 0-15,0-1 0,0 1 16,0 42 47,0 1-63,-21-22 0,0 21 0,0 0 15,21 0-15,-22 21 16,1-20-16,21 20 0,-21 0 0,0 1 15,0-1-15,21 0 0,-21 1 0,-1-1 16,22 0-16,-21 1 0,0-1 16,21 0-16,0 1 0,-21-22 0,21 0 15,-21 21-15,21-21 0,0 1 16,0-1-16,0-42 31,0-1-31,0 1 16,0 0-16</inkml:trace>
+  <inkml:trace contextRef="#ctx0" brushRef="#br1" timeOffset="168727.48">15663 10774 0,'0'0'0,"21"0"0,-21-21 16,22 0-16,-1 21 15,0-22-15,0 22 0,0-21 16,0 21-16,22 0 16,-22 0-16,21 0 0,1 0 0,-1 21 0,-21 1 15,21-1-15,1 0 0,-22 21 0,0 1 16,0-22-16,0 21 16,-21 0-16,0 1 0,0-1 0,0 0 15,-21 1-15,0-1 0,0 0 0,0-20 16,0 20-16,-1-21 0,1 21 15,0-20-15,0-1 0,21 0 0,0 0 16,-21-21-16,21 21 0,-21-21 16,21-21-1,0 0-15,0 0 16</inkml:trace>
+  <inkml:trace contextRef="#ctx0" brushRef="#br1" timeOffset="168932.65">15642 11176 0,'0'0'0,"21"-21"31,0 21-31,1 0 0,-1 0 0,0-21 16,0 21-16,0 0 0,0 0 0,22-21 15,-22 21-15,0 0 0,0 0 16,0-22-16,1 22 0,-1 0 0,0 0 15,-21-21-15,21 21 16,0 0-16</inkml:trace>
+  <inkml:trace contextRef="#ctx0" brushRef="#br1" timeOffset="169371.39">17018 11197 0,'0'0'0,"21"0"32,0-21-32,0 0 15,1 21-15,-1-21 0,21 0 16,-21-1-16,22 1 0,-1 0 0,0 0 15,-21 0-15,1 0 0,-1-1 0,0 1 16,-21 0-16,0 0 0,0 0 16,0 0-16,-21 21 15,0 0-15,-1 0 0,1 0 0,-21 0 16,21 21-16,0-21 0,-1 21 16,-20 0-16,21 0 0,21 22 0,-21-22 15,21 0-15,-21 21 0,21 1 0,0-22 16,0 21-16,0-21 0,0 22 15,0-22-15,0 0 0,21 0 16,0 0-16,-21 0 0,21 1 0,0-1 16,0-21-16,1 0 0,-1 0 0,0 0 15,0 0-15,0 0 0,22 0 16,-22 0-16,0-21 0,0-1 16,21 1-16,-20 0 0,-1 0 0</inkml:trace>
+  <inkml:trace contextRef="#ctx0" brushRef="#br1" timeOffset="169863.22">17611 10943 0,'21'0'0,"-42"0"0,63 0 15,-21-21-15,0 21 0,0 0 16,1 0-16,-1 0 0,21 0 16,-21 0-16,0 0 0,1 21 15,-1-21-15,21 21 0,-42 1 0,21-1 16,0 0-16,-21 0 0,0 0 0,0 43 15,0-43-15,-21 0 0,0 21 16,0-20-16,0-1 0,0 0 16,-1 0-16,-20 0 0,21 0 15,0 1-15,21-1 0,-21-21 16,42 0 15,0-21-31,0-1 0,0 1 0,0-21 16,1 21-16,-1-22 0,0 1 15,0 0-15,0-1 0,0 1 0,1 0 16,-1 21-16,0-22 0,0 22 0,0 0 16,-21 0-16,21 0 0,-21 42 31,-21-21-31,0 21 16,0 0-16,0 21 0,0-20 0,21-1 15,-22 21-15,1 0 0,21-20 16,0 20-16,0 0 0,0-21 0,0 1 15,0 20-15,0-21 0,0 0 0,0 0 16,21 1-16,1-22 0,-1 21 16,0-21-16,0 0 0,0 0 0,22 0 15,-1 0-15,-21 0 0,21-21 0,1-1 16,-1 1-16,0-21 0,1 21 16</inkml:trace>
+  <inkml:trace contextRef="#ctx0" brushRef="#br1" timeOffset="170131.46">18648 10499 0,'-21'0'0,"42"0"0,-64 21 16,22-21-16,0 42 0,21-21 0,-21 1 16,21 20-16,-21 0 0,21 1 15,0-1-15,0 0 0,0 1 0,0-1 16,0 0-16,0 1 0,0-1 0,0 0 15,0 1-15,0-22 0,0 21 0,0-21 16,0 0-16,0 1 0,0-1 16,0 0-16,0 0 0,0 0 0,21-21 15,0 0-15,0 0 16,0 0 0,-21-21-16,22 0 0,-22 0 0,0 0 15,21-22-15</inkml:trace>
+  <inkml:trace contextRef="#ctx0" brushRef="#br1" timeOffset="170315.28">18351 11007 0,'0'0'0,"-21"0"0,21 21 0,0 0 16,21 0 0,1-21-1,-1 0-15,21 0 16,-21 0-16,0 0 0,22 0 0,-22 0 15,21-21-15,-21 0 0,22 21 0,-22-21 16,21 0-16,-21-1 0,1 22 16</inkml:trace>
+  <inkml:trace contextRef="#ctx0" brushRef="#br1" timeOffset="170708.06">18859 11049 0,'43'85'32,"-22"-85"-32,0 0 15,0 0-15,0 0 0,1 0 16,-1 0-16,21-21 0,-21-1 0,0 22 16,1-21-16,20 21 0,-21-21 0,0 0 15,0 0-15,1 0 0,-22-1 16,0 1-16,0 0 0,0 0 15,0 0-15,0 0 0,-22 21 16,1 0-16,0 0 0,0 0 16,0 0-16,0 21 15,-1 0-15,1 0 0,0 0 0,0 0 16,0 1-16,21 20 0,0-21 0,-21 21 16,21-20-16,0-1 0,0 21 15,0-21-15,0 0 0,0 1 0,0-1 16,21 0-16,0 0 0,21-21 15,-21 21-15,1-21 0,-1 0 16,21 0-16,-21 0 0,22-21 0,-1 0 16,-21 21-16,21-21 0,1 0 0,-1-1 15</inkml:trace>
+  <inkml:trace contextRef="#ctx0" brushRef="#br1" timeOffset="171195.29">19664 10859 0,'0'0'0,"-21"0"0,-1 0 0,22 21 16,-21 0-16,0 0 16,21 0-16,0 0 0,-21 1 15,21-1-15,0 0 0,0 0 0,0 21 16,0-20-16,0-1 0,0 0 16,0 0-16,0 0 0,0 0 0,0 1 15,0-1-15,0 0 0,21-21 16,-21 21-1,0-42 17,0 0-32,0 0 0,0-1 15,0-20-15,0 21 0,0 0 16,0-22-16,0 22 0,0 0 0,0-21 16,0 21-16,42-1 0,-20-20 0,-1 21 15,0 0-15,0 0 0,21 21 16,1-22-16,-1 1 0,-21 21 0,22 0 15,-1 0-15,0 0 0,1 0 0,-1 0 16,0 21-16,-21 1 0,1-22 16,20 21-16,-42 0 0,21 21 15,-21-21-15,0 1 0,0-1 0,0 0 16,0 21-16,0-21 0,0 1 0,-21-1 16,21 0-16,-21 0 0,21 0 15,-21 0-15,-1 1 0,22-1 16,22-21 15,-1 0-15,0-21-16</inkml:trace>
+  <inkml:trace contextRef="#ctx0" brushRef="#br1" timeOffset="175455.26">20807 11028 0,'21'0'31,"0"0"-31,-21-21 31,21 0-31,-21-1 16,0 1-16,0 0 15,0 0-15,0 0 16,-21 0-16,0 21 16,0-22-16,-22 22 0,22-21 15,0 21-15,0 0 0,0 0 16,-22 0-16,22 0 0,-21 0 0,21 0 16,0 0-16,-22 21 0,22-21 15,0 22-15,0-1 0,0-21 0,-1 21 16,1 0-16,0 0 0,0 22 0,21-22 15,-21 0-15,21 0 0,0 0 0,0 0 16,0 22-16,0-22 0,0 0 16,0 0-16,0 0 15,0 1-15,21-22 0,-21 21 0,21-21 16,0 0-16,0 21 0,1-21 16,-1 0-16,0 0 0,0 0 0,0 0 15,22 0-15,-22 0 0,0-21 0,21 0 16,-21 21-16,22-22 0,-22 1 15,21 0-15,-21-21 0,1 21 0,20-1 16,-21-20-16,0 21 0,0-21 0,1 20 16,-22-20-16,21 0 0,0-1 15,-21 22-15,21-21 0,-21 0 0,0-1 16,0 1-16,0 0 0,0-1 16,0 1-16,0 0 0,0 20 15,0-20-15,0 21 0,0 0 0,0 0 0,0 42 31,0 0-15,0 21-16,0 1 0,0-1 0,0 21 16,0-20-16,0 20 0,0-20 15,0-1-15,0 21 0,-21-20 0,21-1 16,0 0-16,0-20 0,0 20 0,0-21 16,0 21-16,0-20 0,0-1 15,0 0-15,21-21 0,-21 21 0,21-21 16,0 0-16,1 21 0,-1-21 15,0 0-15,0 0 16,0 0-16,0-21 16,1 0-16,-22 0 0,21 21 0,0-21 15</inkml:trace>
+  <inkml:trace contextRef="#ctx0" brushRef="#br1" timeOffset="176123.88">21717 10774 0,'0'0'0,"21"0"0,-21-21 15,21 21-15,-21-21 0,21 21 0,-21-22 16,22 22-16,-22-21 0,0 0 0,0 0 15,0 0 1,-22 21-16,1 0 16,0 0-16,0 0 15,0 0-15,-22 0 0,22 0 0,0 21 16,-21 0-16,21 0 0,-22 0 0,22 1 16,0-1-16,-21 0 15,20 21-15,1-21 0,0 1 0,0-22 16,21 21-16,0 0 0,0 0 0,0 0 15,21-21 1,0 0-16,0 0 0,1 0 16,-1 0-16,21 0 0,-21 0 0,22 0 15,-22 0-15,21 0 0,-21 0 16,22 0-16,-22 0 0,21 0 0,-21 0 16,22 0-16,-22 0 0,0 21 0,0-21 15,0 22-15,-21-1 0,21-21 16,-21 21-16,0 0 15,0 0-15,0 0 16,0 1-16,-21-22 0,0 21 16,0 0-16,-21-21 0,20 21 15,-20-21-15,21 21 0,-21-21 0,-1 0 16,22 0-16,-21 21 0,21-21 0,-22 0 16,22 0-16,-21 0 0,21 0 15,-1 0-15,1 0 0,0 0 0,0 0 16,0 0-16,0 0 0,21-21 15,-22 21-15,22-21 32,0 0-1,0 0-31,22 21 16,-22-21-16,21 21 0,0 0 0</inkml:trace>
+  <inkml:trace contextRef="#ctx0" brushRef="#br1" timeOffset="181271.35">23368 10499 0,'0'-21'16,"21"21"-1,0 0 17,-21-22-17,21 22 1,-21-21-16,0 0 16,0 0-1,0 0 1,-21 0-1,0 21-15,21-22 0,-21 22 0,0 0 16,0 0 0,-1 0-16,1 0 15,0 0-15,0 0 0,0 0 16,0 22-16,-1-22 0,1 21 0,0 0 16,0 0-16,-21 0 0,20 0 0,-20 22 15,0-22-15,21 0 0,-22 21 16,22 1-16,0-22 0,-21 21 0,20 1 15,1-22-15,0 21 0,0 0 0,0 1 16,21-22-16,0 21 16,0 1-16,0-22 0,0 21 0,0-21 15,0 0-15,0 1 0,21 20 0,0-42 16,21 21-16,-20 0 0,-1 0 16,21-21-16,0 0 0,-20 0 0,20 0 15,0 0-15,1 0 0,-22 0 0,21 0 16,0 0-16,1-21 0,-22 21 15,0-21-15,0 21 0,0-21 0,1 0 16,-1 21-16,-21-21 0,0-1 16,0 1-1,21 0 32,0 21-47,0 0 0,-21-21 0,21 21 0,1-21 16</inkml:trace>
+  <inkml:trace contextRef="#ctx0" brushRef="#br1" timeOffset="182567.92">24913 10753 0,'0'0'15,"-42"-21"-15,21-1 0,-1 22 16,1 0-16,0-21 0,0 21 16,21-21-16,0 0 15,0 0 1,-21 21-1,21-21-15,0-1 204,-21 22-126,21 22 125,0-1-203,0 0 15,0 0-15,0 0 0,0 22 16,0-22-16,0 0 0,0 21 16,0-21-16,0 1 0,0-1 0,0 0 15,0 0-15,0 0 0,0 0 0,0 1 16,0-1-16,0 0 16,0-42 46,0 0-62,0-1 16</inkml:trace>
+  <inkml:trace contextRef="#ctx0" brushRef="#br1" timeOffset="184059.22">24765 10181 0,'-21'0'391,"0"21"-360,21 1-15,0-1-1,0 0 1,-22 0-16,22 0 15,0 0 1,0 1-16,22-22 16,-1 0-1,0 0-15,0 0 0,0 0 16,0 0-16,1 0 0,-1 0 0,0 0 16,0 0-16,21-22 0,-20 1 15,-1 21-15,0-21 0,0 0 0,0 0 16,0 21-16,-21-21 0,0-1 15,0 1-15,0 0 16,0 0-16,-21 0 16,0 21-16,0 0 0,0 0 15,-22 0-15,22 0 0,0 0 0,-21 0 16,21 21-16,-1-21 0,1 21 0,-21 0 16,21 0-16,21 1 0,-21-1 15,21 0-15,-22 0 0,22 21 0,0-20 16,0 20-16,0-21 0,0 0 0,0 22 15,0-22-15,22 0 0,-1 0 16,0 0-16,0-21 0</inkml:trace>
+  <inkml:trace contextRef="#ctx0" brushRef="#br1" timeOffset="184746.82">25188 10605 0,'0'0'16,"0"-22"-16,0 44 31,-21-1-31,21 0 0,-21 0 16,21 0-16,0 22 0,0-22 15,0 21-15,0-21 0,-21 22 0,21-22 16,0 21-16,0-21 0,0 0 0,-21 1 16,21-1-16,0 0 15,0 0-15,0 0 0,0 0 16,-22-21-16,1 0 15,21-21 1,-21 21-16,21-21 0,-21 0 16,21 0-16,0 0 0,0-1 0,0 1 15,0-21-15,0 21 0,21-22 16,0 1-16,0 0 0,1-1 0,-1 22 16,21-21-16,-21 21 0,22 0 0,-22-1 15,21 1-15,-21 21 0,22 0 16,-22 0-16,0 21 0,21 1 0,-21-1 15,1 0-15,-22 21 0,21-21 16,-21 22-16,0-1 0,0-21 16,0 22-16,0-22 0,0 21 0,0-21 15,0 22-15,0-22 0,0 0 0,0 0 16,-21 0-16,21 0 0,-22 1 16,1-22-16,0 0 15,21-22 1,0 1-16,0 0 15,21 0-15,0 0 0,1-22 16,-1 22-16,0-21 0,21 0 0,1-1 16,-1 1-16,0 0 0,1-1 0,-1 1 15,0 21-15,22-22 16,-22 22-16,22 21 0,-22 0 0,-21 0 16,21 0-16,1 64 0,-22-43 15,-21 21-15,0-21 0,0 22 16,0-1-16,0-21 0,-21 22 0,0-22 15,-1 21-15,22-21 0,-21 0 0,0 1 16,0-1-16,0 0 0,0 0 16,21 0-16,-22-21 15,1 0-15,42 0 32,1-21-32</inkml:trace>
+  <inkml:trace contextRef="#ctx0" brushRef="#br1" timeOffset="185087.15">26479 10541 0,'0'0'0,"0"-21"0,0 42 32,-21 0-32,21 0 15,0 1-15,0 20 0,-21 0 0,21 1 16,-21-1-16,21 0 0,-21 22 15,21-1-15,0 1 0,0-1 16,-21 22-16,21-22 0,-22 22 0,22 0 16,-21-22-16,21 22 0,-21 0 0,21-22 15,-21 1-15,0 20 0,21-20 16,-21-1-16,-1 22 0,1-43 0,21 22 16,-21-22-16,21 22 0,-21-43 0,21 21 15,0-21-15,-21 22 0,21-22 0,0 0 16,0-42-1,0 0 1,0-1-16,0 1 0,21-21 0,-21 0 16,21-1-16,0-20 0,22-1 15,-22 1-15</inkml:trace>
+  <inkml:trace contextRef="#ctx0" brushRef="#br1" timeOffset="185415.16">26543 10943 0,'0'0'15,"0"-63"-15,-21 20 0,21 1 0,0 0 0,0-1 16,0 1-16,0 0 0,0 21 16,0-22-16,0 22 0,0-21 0,0 21 15,21-1-15,0 1 0,0 0 16,0 21-16,22-21 0,-1 21 16,-21 0-16,22 0 0,-1 0 0,0 0 15,-21 21-15,22 0 0,-22 0 16,0 22-16,0-22 0,-21 21 0,0-21 15,0 22-15,0-1 0,0-21 0,-21 22 16,0-22-16,0 0 0,-22 21 16,1-21-16,0 1 0,21-22 0,-22 21 15,1 0-15,0-21 0,20 0 0,-20 21 16,21-21-16,0 0 0,0 0 16,-1 0-16,22-21 31,22 0-31,-1 0 15,0-1-15,21 1 0</inkml:trace>
+  <inkml:trace contextRef="#ctx0" brushRef="#br1" timeOffset="185719.99">27495 9885 0,'-84'169'32,"63"-126"-17,-1-1-15,1 21 0,0 1 0,0-22 16,0 22-16,0-1 0,-1-20 0,22 20 16,-21 1-16,0-22 0,21 0 15,0 1-15,-21-22 0,0 21 0,21-21 16,-21 0-16,21 1 0,0-1 15,21-21 17,0 0-32,0 0 0,0-21 0,0-1 15,22 1-15,-22 0 0</inkml:trace>
+  <inkml:trace contextRef="#ctx0" brushRef="#br1" timeOffset="186083.78">27432 10710 0,'-21'0'15,"21"22"1,21-22 15,0 0-31,0 0 0,0 0 16,1 0-16,-1-22 0,0 1 16,0 21-16,0-21 0,22 0 0,-22 0 15,0-22-15,0 22 0,0 0 0,-21-21 16,0 21-16,0-1 0,0 1 15,0 0-15,-21 21 16,0 0-16,0 0 0,-22 0 16,22 21-16,0 0 0,0 1 15,-21-1-15,20 21 0,1-21 0,0 22 16,21-22-16,-21 0 0,21 21 16,0-21-16,-21 1 0,21-1 0,0 0 15,0 0-15,21 0 0,0 0 16,0-21-16,22 22 15,-22-22-15,0 0 0,0 0 0,21 0 16,-20 0-16,20-22 0,0 1 0,1 21 16,20-21-16,-21 0 0,1 0 15</inkml:trace>
+  <inkml:trace contextRef="#ctx0" brushRef="#br1" timeOffset="186767.44">28236 10499 0,'0'0'0,"0"-21"0,-21 21 16,0 0-1,21 21-15,-21-21 0,0 21 16,21 0-16,-22 0 0,22 0 0,0 1 16,-21-1-16,21 21 0,-21-21 0,21 0 15,0 1-15,0-1 0,0 0 16,-21 0-16,21 0 0,0 0 0,0 1 16,0-1-16,0-42 62,0-1-62,0 1 0,0 0 16,0 0-16,0-21 0,0 20 0,21 1 15,-21-21-15,21 0 0,0 20 16,1-20-16,-1 21 0,21 0 0,-21-22 16,0 22-16,1 0 0,20 21 0,-21-21 15,0 21-15,22 0 0,-22 0 16,0 0-16,0 0 0,-21 21 0,0 0 15,21 0-15,-21 1 0,0-1 16,0 21-16,0-21 0,0 22 16,0-22-16,0 0 0,0 21 0,0-21 15,0 1-15,0-1 0,0 0 16,-21 0-16,21 0 0,-21-21 16,0 0-1,0 0 1,21-21-16,0 0 15,0 0-15,0 0 16,0-1-16,21-20 0,0 21 0,0-21 16,21 20-16,-20-20 0,20 0 15,-21 21-15,21-1 0,1 1 0,-1 0 16,0 21-16,1 0 0,20 0 16,-20 0-16,-1 0 0,-21 21 0,0 0 15,0 1-15,-21-1 0,0 21 16,0-21-16,0 0 0,0 22 0,0-22 15,-21 21-15,0-21 0,0 1 16,0-1-16,0 0 0,-1 0 0,1-21 16,0 21-16,0 0 0,0-21 15,0 0-15,21 22 0,-22-22 16,1 0-16,42 0 31,1-22-31,-1 1 16</inkml:trace>
+  <inkml:trace contextRef="#ctx0" brushRef="#br1" timeOffset="187607.94">29168 10583 0,'0'0'0,"0"-21"32,21 21-32,0 0 15,0 0-15,-21-21 0,21 21 16,0 0-16,1 0 15,-1-21-15,0 0 0,0 21 0,-21-21 16,21 21-16,0-22 0,-21 1 16,22 0-16,-22 0 0,0 0 15,0 0-15,0-1 16,-22 22-16,1 0 0,0 0 16,0 22-16,-21-1 0,20 0 0,1 0 15,0 0-15,0 22 0,0-22 16,0 0-16,-1 21 0,22-21 0,0 1 15,0 20-15,0-21 0,0 0 0,0 0 16,0 1-16,0-1 16,22 0-16,-1-21 0,0 0 15,0 0-15,0 21 0,0-21 0,22 0 16,-22 0-16,21 0 0,-21-21 16,22 0-16,-22 21 0,21-21 0,-21-1 15,1 1-15,-1-21 0,0 21 16,0-22-16,0 22 0,-21-21 0,0 21 15,0 0-15,0-1 0,0 1 0,0 0 16,0 42 15,0 0-15,0 1-16,-21-1 0,21 0 0,-21 21 16,21-21-16,-21 1 0,21 20 15,0-21-15,0 0 0,-21 0 16,21 1-16,0-1 0,-22-21 0,22 21 15,0 0-15,0 0 16,0-42 15,0 0-31,0 0 16,0 0-16,0-1 0,0 1 0,0-21 16,22 21-16,-1-22 0,0 22 0,0-21 15,0 21-15,0-22 0,1 22 16,-1-21-16,21 21 0,-21 21 0,22-21 15,-1 21-15,0 0 0,1 0 16,-1 0-16,0 0 0,1 21 16,-1 0-16,-21 0 0,0 0 0,0 22 15,-21-22-15,0 0 0,0 21 16,0 1-16,-21-22 0,0 0 0,0 21 16,0-21-16,0 1 0,-1-1 0,1 0 15,0 0-15,0 0 0,21 0 16,-21-21-16,21 22 0,0-1 31,21-21-15,0-21-16,0 21 15,0-22-15,1 1 16,-1 0-16,0 0 0,0-21 0</inkml:trace>
+  <inkml:trace contextRef="#ctx0" brushRef="#br1" timeOffset="187931.14">30819 9821 0,'-22'0'16,"1"22"-16,-21-1 15,21 0-15,0 21 0,-22-21 16,22 22-16,0-1 0,0 0 0,0 1 15,-1-1-15,1 0 0,0 1 16,21 20-16,0-20 0,-21-1 0,0 0 16,21 1-16,-21-1 0,21 0 0,0 1 15,0-1-15,0-21 0,0 21 16,0-20-16,0-1 0,0 0 0,0 0 16,0 0-16,21-21 0,0 21 15,0-21-15,0 0 16,0 0-16,1 0 15,-1-21-15,0 0 0,0 0 16,0 0-16,0 0 0</inkml:trace>
+  <inkml:trace contextRef="#ctx0" brushRef="#br1" timeOffset="188156.01">30459 10329 0,'0'0'0,"-127"0"31,148 0-15,0 0 0,0 0-16,0 0 0,22 0 15,-22 0-15,21 0 0,1 0 16,-22-21-16,21 21 0,-21 0 0,22 0 16,-22 0-16,0 0 0,21-21 15,1 21-15,-22 0 0,21 0 0,-21 0 16,22-21-16,-1 21 0,-21 0 0</inkml:trace>
+  <inkml:trace contextRef="#ctx0" brushRef="#br1" timeOffset="189113.63">31877 10351 0,'-21'-22'0,"42"44"0,-42-65 0,21 22 0,0 0 15,0 0-15,-21 21 16,21-21-16,0-1 0,0 1 16,0 0-16,0 0 15,0 42 16,-22 0-15,1 0-16,21 22 0,-21-22 0,0 21 16,-21 1-16,20-1 0,1 0 15,-21 1-15,21-1 0,-22 0 0,22 1 16,0-1-16,0-21 0,0 0 16,0 22-16,21-22 0,0 0 15,0 0-15,0 0 16,0-42 15,0 0-31,0 0 0,0 0 16,21-1-16,0 1 0,-21 0 0,21-21 15,0 21-15,-21-22 16,21 1-16,1 0 0,-1-1 0,-21 1 16,21 0-16,0-1 0,0 1 15,-21 21-15,21-22 0,1 22 0,-22-21 16,21 21-16,0 0 0,-21-1 15,21 1-15,0 21 0,-21-21 0,21 21 16,1 0-16,-1 0 0,0 0 16,0 0-16,0 0 0,0 0 0,22 21 15,-22 0-15,0-21 0,0 22 16,-21-1-16,0 0 0,0 0 0,0 0 16,0 22-16,0-22 15,-21 0-15,0 0 0,0 21 0,0-20 16,-22-1-16,1 0 0,0 0 15,-1 0-15,1-21 0,0 21 0,20 1 16,-20-22-16,21 0 0,0 21 0,0-21 16,42 0 15,0 0-15,0 0-16,0 0 0,22 0 0,-22 0 15,21 0-15,0 0 0,1 0 16,-1 21-16,0-21 0,1 21 0,-1-21 15,0 21-15,-20 0 16,20 1-16,-21-1 0,21 0 0,-42 0 16,0 0-16,0 0 0,0 1 15,0-1-15,0 0 0,-21 0 16,0 0-16,0-21 0,0 0 16,-22 21-16,1-21 0,0 0 0,-1 0 15,1 0-15,0 0 0,-1 0 0,-20 0 16,21 0-16,-1 0 0,-20 0 15,20 0-15,1 0 0,21 0 0,-21 0 16,20 0-16,1 22 0,0-22 16,0 0-16,21 21 15,21-21 1,0 0-16,0 0 16</inkml:trace>
+  <inkml:trace contextRef="#ctx0" brushRef="#br1" timeOffset="189307.53">31792 11049 0,'-21'0'31,"0"0"-15,0 0 15</inkml:trace>
 </inkml:ink>
 </file>
 
@@ -1353,7 +1735,7 @@
           <a:p>
             <a:fld id="{61CF84CB-1760-46DC-9420-068C256D45AE}" type="datetimeFigureOut">
               <a:rPr lang="en-IN" smtClean="0"/>
-              <a:t>20-07-2021</a:t>
+              <a:t>21-07-2021</a:t>
             </a:fld>
             <a:endParaRPr lang="en-IN"/>
           </a:p>
@@ -1553,7 +1935,7 @@
           <a:p>
             <a:fld id="{61CF84CB-1760-46DC-9420-068C256D45AE}" type="datetimeFigureOut">
               <a:rPr lang="en-IN" smtClean="0"/>
-              <a:t>20-07-2021</a:t>
+              <a:t>21-07-2021</a:t>
             </a:fld>
             <a:endParaRPr lang="en-IN"/>
           </a:p>
@@ -1763,7 +2145,7 @@
           <a:p>
             <a:fld id="{61CF84CB-1760-46DC-9420-068C256D45AE}" type="datetimeFigureOut">
               <a:rPr lang="en-IN" smtClean="0"/>
-              <a:t>20-07-2021</a:t>
+              <a:t>21-07-2021</a:t>
             </a:fld>
             <a:endParaRPr lang="en-IN"/>
           </a:p>
@@ -1963,7 +2345,7 @@
           <a:p>
             <a:fld id="{61CF84CB-1760-46DC-9420-068C256D45AE}" type="datetimeFigureOut">
               <a:rPr lang="en-IN" smtClean="0"/>
-              <a:t>20-07-2021</a:t>
+              <a:t>21-07-2021</a:t>
             </a:fld>
             <a:endParaRPr lang="en-IN"/>
           </a:p>
@@ -2239,7 +2621,7 @@
           <a:p>
             <a:fld id="{61CF84CB-1760-46DC-9420-068C256D45AE}" type="datetimeFigureOut">
               <a:rPr lang="en-IN" smtClean="0"/>
-              <a:t>20-07-2021</a:t>
+              <a:t>21-07-2021</a:t>
             </a:fld>
             <a:endParaRPr lang="en-IN"/>
           </a:p>
@@ -2507,7 +2889,7 @@
           <a:p>
             <a:fld id="{61CF84CB-1760-46DC-9420-068C256D45AE}" type="datetimeFigureOut">
               <a:rPr lang="en-IN" smtClean="0"/>
-              <a:t>20-07-2021</a:t>
+              <a:t>21-07-2021</a:t>
             </a:fld>
             <a:endParaRPr lang="en-IN"/>
           </a:p>
@@ -2922,7 +3304,7 @@
           <a:p>
             <a:fld id="{61CF84CB-1760-46DC-9420-068C256D45AE}" type="datetimeFigureOut">
               <a:rPr lang="en-IN" smtClean="0"/>
-              <a:t>20-07-2021</a:t>
+              <a:t>21-07-2021</a:t>
             </a:fld>
             <a:endParaRPr lang="en-IN"/>
           </a:p>
@@ -3064,7 +3446,7 @@
           <a:p>
             <a:fld id="{61CF84CB-1760-46DC-9420-068C256D45AE}" type="datetimeFigureOut">
               <a:rPr lang="en-IN" smtClean="0"/>
-              <a:t>20-07-2021</a:t>
+              <a:t>21-07-2021</a:t>
             </a:fld>
             <a:endParaRPr lang="en-IN"/>
           </a:p>
@@ -3177,7 +3559,7 @@
           <a:p>
             <a:fld id="{61CF84CB-1760-46DC-9420-068C256D45AE}" type="datetimeFigureOut">
               <a:rPr lang="en-IN" smtClean="0"/>
-              <a:t>20-07-2021</a:t>
+              <a:t>21-07-2021</a:t>
             </a:fld>
             <a:endParaRPr lang="en-IN"/>
           </a:p>
@@ -3490,7 +3872,7 @@
           <a:p>
             <a:fld id="{61CF84CB-1760-46DC-9420-068C256D45AE}" type="datetimeFigureOut">
               <a:rPr lang="en-IN" smtClean="0"/>
-              <a:t>20-07-2021</a:t>
+              <a:t>21-07-2021</a:t>
             </a:fld>
             <a:endParaRPr lang="en-IN"/>
           </a:p>
@@ -3779,7 +4161,7 @@
           <a:p>
             <a:fld id="{61CF84CB-1760-46DC-9420-068C256D45AE}" type="datetimeFigureOut">
               <a:rPr lang="en-IN" smtClean="0"/>
-              <a:t>20-07-2021</a:t>
+              <a:t>21-07-2021</a:t>
             </a:fld>
             <a:endParaRPr lang="en-IN"/>
           </a:p>
@@ -4022,7 +4404,7 @@
           <a:p>
             <a:fld id="{61CF84CB-1760-46DC-9420-068C256D45AE}" type="datetimeFigureOut">
               <a:rPr lang="en-IN" smtClean="0"/>
-              <a:t>20-07-2021</a:t>
+              <a:t>21-07-2021</a:t>
             </a:fld>
             <a:endParaRPr lang="en-IN"/>
           </a:p>
@@ -4489,8 +4871,8 @@
           </a:p>
         </p:txBody>
       </p:sp>
-      <mc:AlternateContent xmlns:mc="http://schemas.openxmlformats.org/markup-compatibility/2006">
-        <mc:Choice xmlns:p14="http://schemas.microsoft.com/office/powerpoint/2010/main" Requires="p14">
+      <mc:AlternateContent xmlns:mc="http://schemas.openxmlformats.org/markup-compatibility/2006" xmlns:p14="http://schemas.microsoft.com/office/powerpoint/2010/main">
+        <mc:Choice Requires="p14">
           <p:contentPart p14:bwMode="auto" r:id="rId2">
             <p14:nvContentPartPr>
               <p14:cNvPr id="4" name="Ink 3">
@@ -4509,7 +4891,7 @@
             </p14:xfrm>
           </p:contentPart>
         </mc:Choice>
-        <mc:Fallback>
+        <mc:Fallback xmlns="">
           <p:pic>
             <p:nvPicPr>
               <p:cNvPr id="4" name="Ink 3">
@@ -4540,8 +4922,8 @@
           </p:pic>
         </mc:Fallback>
       </mc:AlternateContent>
-      <mc:AlternateContent xmlns:mc="http://schemas.openxmlformats.org/markup-compatibility/2006">
-        <mc:Choice xmlns:p14="http://schemas.microsoft.com/office/powerpoint/2010/main" Requires="p14">
+      <mc:AlternateContent xmlns:mc="http://schemas.openxmlformats.org/markup-compatibility/2006" xmlns:p14="http://schemas.microsoft.com/office/powerpoint/2010/main">
+        <mc:Choice Requires="p14">
           <p:contentPart p14:bwMode="auto" r:id="rId4">
             <p14:nvContentPartPr>
               <p14:cNvPr id="5" name="Ink 4">
@@ -4560,7 +4942,7 @@
             </p14:xfrm>
           </p:contentPart>
         </mc:Choice>
-        <mc:Fallback>
+        <mc:Fallback xmlns="">
           <p:pic>
             <p:nvPicPr>
               <p:cNvPr id="5" name="Ink 4">
@@ -4604,6 +4986,457 @@
 </p:sld>
 </file>
 
+<file path=ppt/slides/slide10.xml><?xml version="1.0" encoding="utf-8"?>
+<p:sld xmlns:a="http://schemas.openxmlformats.org/drawingml/2006/main" xmlns:r="http://schemas.openxmlformats.org/officeDocument/2006/relationships" xmlns:p="http://schemas.openxmlformats.org/presentationml/2006/main">
+  <p:cSld>
+    <p:spTree>
+      <p:nvGrpSpPr>
+        <p:cNvPr id="1" name=""/>
+        <p:cNvGrpSpPr/>
+        <p:nvPr/>
+      </p:nvGrpSpPr>
+      <p:grpSpPr>
+        <a:xfrm>
+          <a:off x="0" y="0"/>
+          <a:ext cx="0" cy="0"/>
+          <a:chOff x="0" y="0"/>
+          <a:chExt cx="0" cy="0"/>
+        </a:xfrm>
+      </p:grpSpPr>
+      <p:sp>
+        <p:nvSpPr>
+          <p:cNvPr id="2" name="Title 1">
+            <a:extLst>
+              <a:ext uri="{FF2B5EF4-FFF2-40B4-BE49-F238E27FC236}">
+                <a16:creationId xmlns:a16="http://schemas.microsoft.com/office/drawing/2014/main" id="{F80DC3A0-56E3-4672-8361-BABB00586B87}"/>
+              </a:ext>
+            </a:extLst>
+          </p:cNvPr>
+          <p:cNvSpPr>
+            <a:spLocks noGrp="1"/>
+          </p:cNvSpPr>
+          <p:nvPr>
+            <p:ph type="title"/>
+          </p:nvPr>
+        </p:nvSpPr>
+        <p:spPr/>
+        <p:txBody>
+          <a:bodyPr/>
+          <a:lstStyle/>
+          <a:p>
+            <a:endParaRPr lang="en-IN"/>
+          </a:p>
+        </p:txBody>
+      </p:sp>
+      <p:sp>
+        <p:nvSpPr>
+          <p:cNvPr id="3" name="Content Placeholder 2">
+            <a:extLst>
+              <a:ext uri="{FF2B5EF4-FFF2-40B4-BE49-F238E27FC236}">
+                <a16:creationId xmlns:a16="http://schemas.microsoft.com/office/drawing/2014/main" id="{ED318D48-C588-4DA9-A4F1-907D0FD8A1E4}"/>
+              </a:ext>
+            </a:extLst>
+          </p:cNvPr>
+          <p:cNvSpPr>
+            <a:spLocks noGrp="1"/>
+          </p:cNvSpPr>
+          <p:nvPr>
+            <p:ph idx="1"/>
+          </p:nvPr>
+        </p:nvSpPr>
+        <p:spPr/>
+        <p:txBody>
+          <a:bodyPr/>
+          <a:lstStyle/>
+          <a:p>
+            <a:endParaRPr lang="en-IN"/>
+          </a:p>
+        </p:txBody>
+      </p:sp>
+      <mc:AlternateContent xmlns:mc="http://schemas.openxmlformats.org/markup-compatibility/2006">
+        <mc:Choice xmlns:p14="http://schemas.microsoft.com/office/powerpoint/2010/main" Requires="p14">
+          <p:contentPart p14:bwMode="auto" r:id="rId2">
+            <p14:nvContentPartPr>
+              <p14:cNvPr id="4" name="Ink 3">
+                <a:extLst>
+                  <a:ext uri="{FF2B5EF4-FFF2-40B4-BE49-F238E27FC236}">
+                    <a16:creationId xmlns:a16="http://schemas.microsoft.com/office/drawing/2014/main" id="{E473CA8D-84D5-4867-9CDD-B83D07106BBD}"/>
+                  </a:ext>
+                </a:extLst>
+              </p14:cNvPr>
+              <p14:cNvContentPartPr/>
+              <p14:nvPr/>
+            </p14:nvContentPartPr>
+            <p14:xfrm>
+              <a:off x="548640" y="53280"/>
+              <a:ext cx="4618080" cy="3208320"/>
+            </p14:xfrm>
+          </p:contentPart>
+        </mc:Choice>
+        <mc:Fallback>
+          <p:pic>
+            <p:nvPicPr>
+              <p:cNvPr id="4" name="Ink 3">
+                <a:extLst>
+                  <a:ext uri="{FF2B5EF4-FFF2-40B4-BE49-F238E27FC236}">
+                    <a16:creationId xmlns:a16="http://schemas.microsoft.com/office/drawing/2014/main" id="{E473CA8D-84D5-4867-9CDD-B83D07106BBD}"/>
+                  </a:ext>
+                </a:extLst>
+              </p:cNvPr>
+              <p:cNvPicPr/>
+              <p:nvPr/>
+            </p:nvPicPr>
+            <p:blipFill>
+              <a:blip r:embed="rId3"/>
+              <a:stretch>
+                <a:fillRect/>
+              </a:stretch>
+            </p:blipFill>
+            <p:spPr>
+              <a:xfrm>
+                <a:off x="539280" y="43920"/>
+                <a:ext cx="4636800" cy="3227040"/>
+              </a:xfrm>
+              <a:prstGeom prst="rect">
+                <a:avLst/>
+              </a:prstGeom>
+            </p:spPr>
+          </p:pic>
+        </mc:Fallback>
+      </mc:AlternateContent>
+    </p:spTree>
+    <p:extLst>
+      <p:ext uri="{BB962C8B-B14F-4D97-AF65-F5344CB8AC3E}">
+        <p14:creationId xmlns:p14="http://schemas.microsoft.com/office/powerpoint/2010/main" val="1737187720"/>
+      </p:ext>
+    </p:extLst>
+  </p:cSld>
+  <p:clrMapOvr>
+    <a:masterClrMapping/>
+  </p:clrMapOvr>
+</p:sld>
+</file>
+
+<file path=ppt/slides/slide11.xml><?xml version="1.0" encoding="utf-8"?>
+<p:sld xmlns:a="http://schemas.openxmlformats.org/drawingml/2006/main" xmlns:r="http://schemas.openxmlformats.org/officeDocument/2006/relationships" xmlns:p="http://schemas.openxmlformats.org/presentationml/2006/main">
+  <p:cSld>
+    <p:spTree>
+      <p:nvGrpSpPr>
+        <p:cNvPr id="1" name=""/>
+        <p:cNvGrpSpPr/>
+        <p:nvPr/>
+      </p:nvGrpSpPr>
+      <p:grpSpPr>
+        <a:xfrm>
+          <a:off x="0" y="0"/>
+          <a:ext cx="0" cy="0"/>
+          <a:chOff x="0" y="0"/>
+          <a:chExt cx="0" cy="0"/>
+        </a:xfrm>
+      </p:grpSpPr>
+      <p:sp>
+        <p:nvSpPr>
+          <p:cNvPr id="2" name="Title 1">
+            <a:extLst>
+              <a:ext uri="{FF2B5EF4-FFF2-40B4-BE49-F238E27FC236}">
+                <a16:creationId xmlns:a16="http://schemas.microsoft.com/office/drawing/2014/main" id="{F80DC3A0-56E3-4672-8361-BABB00586B87}"/>
+              </a:ext>
+            </a:extLst>
+          </p:cNvPr>
+          <p:cNvSpPr>
+            <a:spLocks noGrp="1"/>
+          </p:cNvSpPr>
+          <p:nvPr>
+            <p:ph type="title"/>
+          </p:nvPr>
+        </p:nvSpPr>
+        <p:spPr/>
+        <p:txBody>
+          <a:bodyPr/>
+          <a:lstStyle/>
+          <a:p>
+            <a:endParaRPr lang="en-IN"/>
+          </a:p>
+        </p:txBody>
+      </p:sp>
+      <p:sp>
+        <p:nvSpPr>
+          <p:cNvPr id="3" name="Content Placeholder 2">
+            <a:extLst>
+              <a:ext uri="{FF2B5EF4-FFF2-40B4-BE49-F238E27FC236}">
+                <a16:creationId xmlns:a16="http://schemas.microsoft.com/office/drawing/2014/main" id="{ED318D48-C588-4DA9-A4F1-907D0FD8A1E4}"/>
+              </a:ext>
+            </a:extLst>
+          </p:cNvPr>
+          <p:cNvSpPr>
+            <a:spLocks noGrp="1"/>
+          </p:cNvSpPr>
+          <p:nvPr>
+            <p:ph idx="1"/>
+          </p:nvPr>
+        </p:nvSpPr>
+        <p:spPr/>
+        <p:txBody>
+          <a:bodyPr/>
+          <a:lstStyle/>
+          <a:p>
+            <a:endParaRPr lang="en-IN"/>
+          </a:p>
+        </p:txBody>
+      </p:sp>
+    </p:spTree>
+    <p:extLst>
+      <p:ext uri="{BB962C8B-B14F-4D97-AF65-F5344CB8AC3E}">
+        <p14:creationId xmlns:p14="http://schemas.microsoft.com/office/powerpoint/2010/main" val="2296997960"/>
+      </p:ext>
+    </p:extLst>
+  </p:cSld>
+  <p:clrMapOvr>
+    <a:masterClrMapping/>
+  </p:clrMapOvr>
+</p:sld>
+</file>
+
+<file path=ppt/slides/slide12.xml><?xml version="1.0" encoding="utf-8"?>
+<p:sld xmlns:a="http://schemas.openxmlformats.org/drawingml/2006/main" xmlns:r="http://schemas.openxmlformats.org/officeDocument/2006/relationships" xmlns:p="http://schemas.openxmlformats.org/presentationml/2006/main">
+  <p:cSld>
+    <p:spTree>
+      <p:nvGrpSpPr>
+        <p:cNvPr id="1" name=""/>
+        <p:cNvGrpSpPr/>
+        <p:nvPr/>
+      </p:nvGrpSpPr>
+      <p:grpSpPr>
+        <a:xfrm>
+          <a:off x="0" y="0"/>
+          <a:ext cx="0" cy="0"/>
+          <a:chOff x="0" y="0"/>
+          <a:chExt cx="0" cy="0"/>
+        </a:xfrm>
+      </p:grpSpPr>
+      <p:sp>
+        <p:nvSpPr>
+          <p:cNvPr id="2" name="Title 1">
+            <a:extLst>
+              <a:ext uri="{FF2B5EF4-FFF2-40B4-BE49-F238E27FC236}">
+                <a16:creationId xmlns:a16="http://schemas.microsoft.com/office/drawing/2014/main" id="{F80DC3A0-56E3-4672-8361-BABB00586B87}"/>
+              </a:ext>
+            </a:extLst>
+          </p:cNvPr>
+          <p:cNvSpPr>
+            <a:spLocks noGrp="1"/>
+          </p:cNvSpPr>
+          <p:nvPr>
+            <p:ph type="title"/>
+          </p:nvPr>
+        </p:nvSpPr>
+        <p:spPr/>
+        <p:txBody>
+          <a:bodyPr/>
+          <a:lstStyle/>
+          <a:p>
+            <a:endParaRPr lang="en-IN"/>
+          </a:p>
+        </p:txBody>
+      </p:sp>
+      <p:sp>
+        <p:nvSpPr>
+          <p:cNvPr id="3" name="Content Placeholder 2">
+            <a:extLst>
+              <a:ext uri="{FF2B5EF4-FFF2-40B4-BE49-F238E27FC236}">
+                <a16:creationId xmlns:a16="http://schemas.microsoft.com/office/drawing/2014/main" id="{ED318D48-C588-4DA9-A4F1-907D0FD8A1E4}"/>
+              </a:ext>
+            </a:extLst>
+          </p:cNvPr>
+          <p:cNvSpPr>
+            <a:spLocks noGrp="1"/>
+          </p:cNvSpPr>
+          <p:nvPr>
+            <p:ph idx="1"/>
+          </p:nvPr>
+        </p:nvSpPr>
+        <p:spPr/>
+        <p:txBody>
+          <a:bodyPr/>
+          <a:lstStyle/>
+          <a:p>
+            <a:endParaRPr lang="en-IN"/>
+          </a:p>
+        </p:txBody>
+      </p:sp>
+    </p:spTree>
+    <p:extLst>
+      <p:ext uri="{BB962C8B-B14F-4D97-AF65-F5344CB8AC3E}">
+        <p14:creationId xmlns:p14="http://schemas.microsoft.com/office/powerpoint/2010/main" val="3156204363"/>
+      </p:ext>
+    </p:extLst>
+  </p:cSld>
+  <p:clrMapOvr>
+    <a:masterClrMapping/>
+  </p:clrMapOvr>
+</p:sld>
+</file>
+
+<file path=ppt/slides/slide13.xml><?xml version="1.0" encoding="utf-8"?>
+<p:sld xmlns:a="http://schemas.openxmlformats.org/drawingml/2006/main" xmlns:r="http://schemas.openxmlformats.org/officeDocument/2006/relationships" xmlns:p="http://schemas.openxmlformats.org/presentationml/2006/main">
+  <p:cSld>
+    <p:spTree>
+      <p:nvGrpSpPr>
+        <p:cNvPr id="1" name=""/>
+        <p:cNvGrpSpPr/>
+        <p:nvPr/>
+      </p:nvGrpSpPr>
+      <p:grpSpPr>
+        <a:xfrm>
+          <a:off x="0" y="0"/>
+          <a:ext cx="0" cy="0"/>
+          <a:chOff x="0" y="0"/>
+          <a:chExt cx="0" cy="0"/>
+        </a:xfrm>
+      </p:grpSpPr>
+      <p:sp>
+        <p:nvSpPr>
+          <p:cNvPr id="2" name="Title 1">
+            <a:extLst>
+              <a:ext uri="{FF2B5EF4-FFF2-40B4-BE49-F238E27FC236}">
+                <a16:creationId xmlns:a16="http://schemas.microsoft.com/office/drawing/2014/main" id="{F80DC3A0-56E3-4672-8361-BABB00586B87}"/>
+              </a:ext>
+            </a:extLst>
+          </p:cNvPr>
+          <p:cNvSpPr>
+            <a:spLocks noGrp="1"/>
+          </p:cNvSpPr>
+          <p:nvPr>
+            <p:ph type="title"/>
+          </p:nvPr>
+        </p:nvSpPr>
+        <p:spPr/>
+        <p:txBody>
+          <a:bodyPr/>
+          <a:lstStyle/>
+          <a:p>
+            <a:endParaRPr lang="en-IN"/>
+          </a:p>
+        </p:txBody>
+      </p:sp>
+      <p:sp>
+        <p:nvSpPr>
+          <p:cNvPr id="3" name="Content Placeholder 2">
+            <a:extLst>
+              <a:ext uri="{FF2B5EF4-FFF2-40B4-BE49-F238E27FC236}">
+                <a16:creationId xmlns:a16="http://schemas.microsoft.com/office/drawing/2014/main" id="{ED318D48-C588-4DA9-A4F1-907D0FD8A1E4}"/>
+              </a:ext>
+            </a:extLst>
+          </p:cNvPr>
+          <p:cNvSpPr>
+            <a:spLocks noGrp="1"/>
+          </p:cNvSpPr>
+          <p:nvPr>
+            <p:ph idx="1"/>
+          </p:nvPr>
+        </p:nvSpPr>
+        <p:spPr/>
+        <p:txBody>
+          <a:bodyPr/>
+          <a:lstStyle/>
+          <a:p>
+            <a:endParaRPr lang="en-IN"/>
+          </a:p>
+        </p:txBody>
+      </p:sp>
+    </p:spTree>
+    <p:extLst>
+      <p:ext uri="{BB962C8B-B14F-4D97-AF65-F5344CB8AC3E}">
+        <p14:creationId xmlns:p14="http://schemas.microsoft.com/office/powerpoint/2010/main" val="3879585262"/>
+      </p:ext>
+    </p:extLst>
+  </p:cSld>
+  <p:clrMapOvr>
+    <a:masterClrMapping/>
+  </p:clrMapOvr>
+</p:sld>
+</file>
+
+<file path=ppt/slides/slide14.xml><?xml version="1.0" encoding="utf-8"?>
+<p:sld xmlns:a="http://schemas.openxmlformats.org/drawingml/2006/main" xmlns:r="http://schemas.openxmlformats.org/officeDocument/2006/relationships" xmlns:p="http://schemas.openxmlformats.org/presentationml/2006/main">
+  <p:cSld>
+    <p:spTree>
+      <p:nvGrpSpPr>
+        <p:cNvPr id="1" name=""/>
+        <p:cNvGrpSpPr/>
+        <p:nvPr/>
+      </p:nvGrpSpPr>
+      <p:grpSpPr>
+        <a:xfrm>
+          <a:off x="0" y="0"/>
+          <a:ext cx="0" cy="0"/>
+          <a:chOff x="0" y="0"/>
+          <a:chExt cx="0" cy="0"/>
+        </a:xfrm>
+      </p:grpSpPr>
+      <p:sp>
+        <p:nvSpPr>
+          <p:cNvPr id="2" name="Title 1">
+            <a:extLst>
+              <a:ext uri="{FF2B5EF4-FFF2-40B4-BE49-F238E27FC236}">
+                <a16:creationId xmlns:a16="http://schemas.microsoft.com/office/drawing/2014/main" id="{F80DC3A0-56E3-4672-8361-BABB00586B87}"/>
+              </a:ext>
+            </a:extLst>
+          </p:cNvPr>
+          <p:cNvSpPr>
+            <a:spLocks noGrp="1"/>
+          </p:cNvSpPr>
+          <p:nvPr>
+            <p:ph type="title"/>
+          </p:nvPr>
+        </p:nvSpPr>
+        <p:spPr/>
+        <p:txBody>
+          <a:bodyPr/>
+          <a:lstStyle/>
+          <a:p>
+            <a:endParaRPr lang="en-IN"/>
+          </a:p>
+        </p:txBody>
+      </p:sp>
+      <p:sp>
+        <p:nvSpPr>
+          <p:cNvPr id="3" name="Content Placeholder 2">
+            <a:extLst>
+              <a:ext uri="{FF2B5EF4-FFF2-40B4-BE49-F238E27FC236}">
+                <a16:creationId xmlns:a16="http://schemas.microsoft.com/office/drawing/2014/main" id="{ED318D48-C588-4DA9-A4F1-907D0FD8A1E4}"/>
+              </a:ext>
+            </a:extLst>
+          </p:cNvPr>
+          <p:cNvSpPr>
+            <a:spLocks noGrp="1"/>
+          </p:cNvSpPr>
+          <p:nvPr>
+            <p:ph idx="1"/>
+          </p:nvPr>
+        </p:nvSpPr>
+        <p:spPr/>
+        <p:txBody>
+          <a:bodyPr/>
+          <a:lstStyle/>
+          <a:p>
+            <a:endParaRPr lang="en-IN"/>
+          </a:p>
+        </p:txBody>
+      </p:sp>
+    </p:spTree>
+    <p:extLst>
+      <p:ext uri="{BB962C8B-B14F-4D97-AF65-F5344CB8AC3E}">
+        <p14:creationId xmlns:p14="http://schemas.microsoft.com/office/powerpoint/2010/main" val="2142978790"/>
+      </p:ext>
+    </p:extLst>
+  </p:cSld>
+  <p:clrMapOvr>
+    <a:masterClrMapping/>
+  </p:clrMapOvr>
+</p:sld>
+</file>
+
 <file path=ppt/slides/slide2.xml><?xml version="1.0" encoding="utf-8"?>
 <p:sld xmlns:a="http://schemas.openxmlformats.org/drawingml/2006/main" xmlns:r="http://schemas.openxmlformats.org/officeDocument/2006/relationships" xmlns:p="http://schemas.openxmlformats.org/presentationml/2006/main">
   <p:cSld>
@@ -4671,8 +5504,8 @@
           </a:p>
         </p:txBody>
       </p:sp>
-      <mc:AlternateContent xmlns:mc="http://schemas.openxmlformats.org/markup-compatibility/2006">
-        <mc:Choice xmlns:p14="http://schemas.microsoft.com/office/powerpoint/2010/main" Requires="p14">
+      <mc:AlternateContent xmlns:mc="http://schemas.openxmlformats.org/markup-compatibility/2006" xmlns:p14="http://schemas.microsoft.com/office/powerpoint/2010/main">
+        <mc:Choice Requires="p14">
           <p:contentPart p14:bwMode="auto" r:id="rId2">
             <p14:nvContentPartPr>
               <p14:cNvPr id="4" name="Ink 3">
@@ -4691,7 +5524,7 @@
             </p14:xfrm>
           </p:contentPart>
         </mc:Choice>
-        <mc:Fallback>
+        <mc:Fallback xmlns="">
           <p:pic>
             <p:nvPicPr>
               <p:cNvPr id="4" name="Ink 3">
@@ -4802,8 +5635,8 @@
           </a:p>
         </p:txBody>
       </p:sp>
-      <mc:AlternateContent xmlns:mc="http://schemas.openxmlformats.org/markup-compatibility/2006">
-        <mc:Choice xmlns:p14="http://schemas.microsoft.com/office/powerpoint/2010/main" Requires="p14">
+      <mc:AlternateContent xmlns:mc="http://schemas.openxmlformats.org/markup-compatibility/2006" xmlns:p14="http://schemas.microsoft.com/office/powerpoint/2010/main">
+        <mc:Choice Requires="p14">
           <p:contentPart p14:bwMode="auto" r:id="rId2">
             <p14:nvContentPartPr>
               <p14:cNvPr id="4" name="Ink 3">
@@ -4822,7 +5655,7 @@
             </p14:xfrm>
           </p:contentPart>
         </mc:Choice>
-        <mc:Fallback>
+        <mc:Fallback xmlns="">
           <p:pic>
             <p:nvPicPr>
               <p:cNvPr id="4" name="Ink 3">
@@ -4933,8 +5766,8 @@
           </a:p>
         </p:txBody>
       </p:sp>
-      <mc:AlternateContent xmlns:mc="http://schemas.openxmlformats.org/markup-compatibility/2006">
-        <mc:Choice xmlns:p14="http://schemas.microsoft.com/office/powerpoint/2010/main" Requires="p14">
+      <mc:AlternateContent xmlns:mc="http://schemas.openxmlformats.org/markup-compatibility/2006" xmlns:p14="http://schemas.microsoft.com/office/powerpoint/2010/main">
+        <mc:Choice Requires="p14">
           <p:contentPart p14:bwMode="auto" r:id="rId2">
             <p14:nvContentPartPr>
               <p14:cNvPr id="4" name="Ink 3">
@@ -4953,7 +5786,7 @@
             </p14:xfrm>
           </p:contentPart>
         </mc:Choice>
-        <mc:Fallback>
+        <mc:Fallback xmlns="">
           <p:pic>
             <p:nvPicPr>
               <p:cNvPr id="4" name="Ink 3">
@@ -5064,8 +5897,8 @@
           </a:p>
         </p:txBody>
       </p:sp>
-      <mc:AlternateContent xmlns:mc="http://schemas.openxmlformats.org/markup-compatibility/2006">
-        <mc:Choice xmlns:p14="http://schemas.microsoft.com/office/powerpoint/2010/main" Requires="p14">
+      <mc:AlternateContent xmlns:mc="http://schemas.openxmlformats.org/markup-compatibility/2006" xmlns:p14="http://schemas.microsoft.com/office/powerpoint/2010/main">
+        <mc:Choice Requires="p14">
           <p:contentPart p14:bwMode="auto" r:id="rId2">
             <p14:nvContentPartPr>
               <p14:cNvPr id="4" name="Ink 3">
@@ -5084,7 +5917,7 @@
             </p14:xfrm>
           </p:contentPart>
         </mc:Choice>
-        <mc:Fallback>
+        <mc:Fallback xmlns="">
           <p:pic>
             <p:nvPicPr>
               <p:cNvPr id="4" name="Ink 3">
@@ -5195,8 +6028,8 @@
           </a:p>
         </p:txBody>
       </p:sp>
-      <mc:AlternateContent xmlns:mc="http://schemas.openxmlformats.org/markup-compatibility/2006">
-        <mc:Choice xmlns:p14="http://schemas.microsoft.com/office/powerpoint/2010/main" Requires="p14">
+      <mc:AlternateContent xmlns:mc="http://schemas.openxmlformats.org/markup-compatibility/2006" xmlns:p14="http://schemas.microsoft.com/office/powerpoint/2010/main">
+        <mc:Choice Requires="p14">
           <p:contentPart p14:bwMode="auto" r:id="rId2">
             <p14:nvContentPartPr>
               <p14:cNvPr id="4" name="Ink 3">
@@ -5215,7 +6048,7 @@
             </p14:xfrm>
           </p:contentPart>
         </mc:Choice>
-        <mc:Fallback>
+        <mc:Fallback xmlns="">
           <p:pic>
             <p:nvPicPr>
               <p:cNvPr id="4" name="Ink 3">
@@ -5326,8 +6159,8 @@
           </a:p>
         </p:txBody>
       </p:sp>
-      <mc:AlternateContent xmlns:mc="http://schemas.openxmlformats.org/markup-compatibility/2006">
-        <mc:Choice xmlns:p14="http://schemas.microsoft.com/office/powerpoint/2010/main" Requires="p14">
+      <mc:AlternateContent xmlns:mc="http://schemas.openxmlformats.org/markup-compatibility/2006" xmlns:p14="http://schemas.microsoft.com/office/powerpoint/2010/main">
+        <mc:Choice Requires="p14">
           <p:contentPart p14:bwMode="auto" r:id="rId2">
             <p14:nvContentPartPr>
               <p14:cNvPr id="4" name="Ink 3">
@@ -5346,7 +6179,7 @@
             </p14:xfrm>
           </p:contentPart>
         </mc:Choice>
-        <mc:Fallback>
+        <mc:Fallback xmlns="">
           <p:pic>
             <p:nvPicPr>
               <p:cNvPr id="4" name="Ink 3">
@@ -5381,6 +6214,268 @@
     <p:extLst>
       <p:ext uri="{BB962C8B-B14F-4D97-AF65-F5344CB8AC3E}">
         <p14:creationId xmlns:p14="http://schemas.microsoft.com/office/powerpoint/2010/main" val="3890861061"/>
+      </p:ext>
+    </p:extLst>
+  </p:cSld>
+  <p:clrMapOvr>
+    <a:masterClrMapping/>
+  </p:clrMapOvr>
+</p:sld>
+</file>
+
+<file path=ppt/slides/slide8.xml><?xml version="1.0" encoding="utf-8"?>
+<p:sld xmlns:a="http://schemas.openxmlformats.org/drawingml/2006/main" xmlns:r="http://schemas.openxmlformats.org/officeDocument/2006/relationships" xmlns:p="http://schemas.openxmlformats.org/presentationml/2006/main">
+  <p:cSld>
+    <p:spTree>
+      <p:nvGrpSpPr>
+        <p:cNvPr id="1" name=""/>
+        <p:cNvGrpSpPr/>
+        <p:nvPr/>
+      </p:nvGrpSpPr>
+      <p:grpSpPr>
+        <a:xfrm>
+          <a:off x="0" y="0"/>
+          <a:ext cx="0" cy="0"/>
+          <a:chOff x="0" y="0"/>
+          <a:chExt cx="0" cy="0"/>
+        </a:xfrm>
+      </p:grpSpPr>
+      <p:sp>
+        <p:nvSpPr>
+          <p:cNvPr id="2" name="Title 1">
+            <a:extLst>
+              <a:ext uri="{FF2B5EF4-FFF2-40B4-BE49-F238E27FC236}">
+                <a16:creationId xmlns:a16="http://schemas.microsoft.com/office/drawing/2014/main" id="{F80DC3A0-56E3-4672-8361-BABB00586B87}"/>
+              </a:ext>
+            </a:extLst>
+          </p:cNvPr>
+          <p:cNvSpPr>
+            <a:spLocks noGrp="1"/>
+          </p:cNvSpPr>
+          <p:nvPr>
+            <p:ph type="title"/>
+          </p:nvPr>
+        </p:nvSpPr>
+        <p:spPr/>
+        <p:txBody>
+          <a:bodyPr/>
+          <a:lstStyle/>
+          <a:p>
+            <a:endParaRPr lang="en-IN"/>
+          </a:p>
+        </p:txBody>
+      </p:sp>
+      <p:sp>
+        <p:nvSpPr>
+          <p:cNvPr id="3" name="Content Placeholder 2">
+            <a:extLst>
+              <a:ext uri="{FF2B5EF4-FFF2-40B4-BE49-F238E27FC236}">
+                <a16:creationId xmlns:a16="http://schemas.microsoft.com/office/drawing/2014/main" id="{ED318D48-C588-4DA9-A4F1-907D0FD8A1E4}"/>
+              </a:ext>
+            </a:extLst>
+          </p:cNvPr>
+          <p:cNvSpPr>
+            <a:spLocks noGrp="1"/>
+          </p:cNvSpPr>
+          <p:nvPr>
+            <p:ph idx="1"/>
+          </p:nvPr>
+        </p:nvSpPr>
+        <p:spPr/>
+        <p:txBody>
+          <a:bodyPr/>
+          <a:lstStyle/>
+          <a:p>
+            <a:endParaRPr lang="en-IN"/>
+          </a:p>
+        </p:txBody>
+      </p:sp>
+      <mc:AlternateContent xmlns:mc="http://schemas.openxmlformats.org/markup-compatibility/2006">
+        <mc:Choice xmlns:p14="http://schemas.microsoft.com/office/powerpoint/2010/main" Requires="p14">
+          <p:contentPart p14:bwMode="auto" r:id="rId2">
+            <p14:nvContentPartPr>
+              <p14:cNvPr id="4" name="Ink 3">
+                <a:extLst>
+                  <a:ext uri="{FF2B5EF4-FFF2-40B4-BE49-F238E27FC236}">
+                    <a16:creationId xmlns:a16="http://schemas.microsoft.com/office/drawing/2014/main" id="{A2ACF8CA-CC0F-47C9-9C21-E18D5C612F12}"/>
+                  </a:ext>
+                </a:extLst>
+              </p14:cNvPr>
+              <p14:cNvContentPartPr/>
+              <p14:nvPr/>
+            </p14:nvContentPartPr>
+            <p14:xfrm>
+              <a:off x="541080" y="190440"/>
+              <a:ext cx="11300760" cy="6210720"/>
+            </p14:xfrm>
+          </p:contentPart>
+        </mc:Choice>
+        <mc:Fallback>
+          <p:pic>
+            <p:nvPicPr>
+              <p:cNvPr id="4" name="Ink 3">
+                <a:extLst>
+                  <a:ext uri="{FF2B5EF4-FFF2-40B4-BE49-F238E27FC236}">
+                    <a16:creationId xmlns:a16="http://schemas.microsoft.com/office/drawing/2014/main" id="{A2ACF8CA-CC0F-47C9-9C21-E18D5C612F12}"/>
+                  </a:ext>
+                </a:extLst>
+              </p:cNvPr>
+              <p:cNvPicPr/>
+              <p:nvPr/>
+            </p:nvPicPr>
+            <p:blipFill>
+              <a:blip r:embed="rId3"/>
+              <a:stretch>
+                <a:fillRect/>
+              </a:stretch>
+            </p:blipFill>
+            <p:spPr>
+              <a:xfrm>
+                <a:off x="531720" y="181080"/>
+                <a:ext cx="11319480" cy="6229440"/>
+              </a:xfrm>
+              <a:prstGeom prst="rect">
+                <a:avLst/>
+              </a:prstGeom>
+            </p:spPr>
+          </p:pic>
+        </mc:Fallback>
+      </mc:AlternateContent>
+    </p:spTree>
+    <p:extLst>
+      <p:ext uri="{BB962C8B-B14F-4D97-AF65-F5344CB8AC3E}">
+        <p14:creationId xmlns:p14="http://schemas.microsoft.com/office/powerpoint/2010/main" val="1125976810"/>
+      </p:ext>
+    </p:extLst>
+  </p:cSld>
+  <p:clrMapOvr>
+    <a:masterClrMapping/>
+  </p:clrMapOvr>
+</p:sld>
+</file>
+
+<file path=ppt/slides/slide9.xml><?xml version="1.0" encoding="utf-8"?>
+<p:sld xmlns:a="http://schemas.openxmlformats.org/drawingml/2006/main" xmlns:r="http://schemas.openxmlformats.org/officeDocument/2006/relationships" xmlns:p="http://schemas.openxmlformats.org/presentationml/2006/main">
+  <p:cSld>
+    <p:spTree>
+      <p:nvGrpSpPr>
+        <p:cNvPr id="1" name=""/>
+        <p:cNvGrpSpPr/>
+        <p:nvPr/>
+      </p:nvGrpSpPr>
+      <p:grpSpPr>
+        <a:xfrm>
+          <a:off x="0" y="0"/>
+          <a:ext cx="0" cy="0"/>
+          <a:chOff x="0" y="0"/>
+          <a:chExt cx="0" cy="0"/>
+        </a:xfrm>
+      </p:grpSpPr>
+      <p:sp>
+        <p:nvSpPr>
+          <p:cNvPr id="2" name="Title 1">
+            <a:extLst>
+              <a:ext uri="{FF2B5EF4-FFF2-40B4-BE49-F238E27FC236}">
+                <a16:creationId xmlns:a16="http://schemas.microsoft.com/office/drawing/2014/main" id="{F80DC3A0-56E3-4672-8361-BABB00586B87}"/>
+              </a:ext>
+            </a:extLst>
+          </p:cNvPr>
+          <p:cNvSpPr>
+            <a:spLocks noGrp="1"/>
+          </p:cNvSpPr>
+          <p:nvPr>
+            <p:ph type="title"/>
+          </p:nvPr>
+        </p:nvSpPr>
+        <p:spPr/>
+        <p:txBody>
+          <a:bodyPr/>
+          <a:lstStyle/>
+          <a:p>
+            <a:endParaRPr lang="en-IN"/>
+          </a:p>
+        </p:txBody>
+      </p:sp>
+      <p:sp>
+        <p:nvSpPr>
+          <p:cNvPr id="3" name="Content Placeholder 2">
+            <a:extLst>
+              <a:ext uri="{FF2B5EF4-FFF2-40B4-BE49-F238E27FC236}">
+                <a16:creationId xmlns:a16="http://schemas.microsoft.com/office/drawing/2014/main" id="{ED318D48-C588-4DA9-A4F1-907D0FD8A1E4}"/>
+              </a:ext>
+            </a:extLst>
+          </p:cNvPr>
+          <p:cNvSpPr>
+            <a:spLocks noGrp="1"/>
+          </p:cNvSpPr>
+          <p:nvPr>
+            <p:ph idx="1"/>
+          </p:nvPr>
+        </p:nvSpPr>
+        <p:spPr/>
+        <p:txBody>
+          <a:bodyPr/>
+          <a:lstStyle/>
+          <a:p>
+            <a:endParaRPr lang="en-IN"/>
+          </a:p>
+        </p:txBody>
+      </p:sp>
+      <mc:AlternateContent xmlns:mc="http://schemas.openxmlformats.org/markup-compatibility/2006">
+        <mc:Choice xmlns:p14="http://schemas.microsoft.com/office/powerpoint/2010/main" Requires="p14">
+          <p:contentPart p14:bwMode="auto" r:id="rId2">
+            <p14:nvContentPartPr>
+              <p14:cNvPr id="4" name="Ink 3">
+                <a:extLst>
+                  <a:ext uri="{FF2B5EF4-FFF2-40B4-BE49-F238E27FC236}">
+                    <a16:creationId xmlns:a16="http://schemas.microsoft.com/office/drawing/2014/main" id="{7E209B5F-9B93-4C56-AB64-B39A93796045}"/>
+                  </a:ext>
+                </a:extLst>
+              </p14:cNvPr>
+              <p14:cNvContentPartPr/>
+              <p14:nvPr/>
+            </p14:nvContentPartPr>
+            <p14:xfrm>
+              <a:off x="304920" y="457200"/>
+              <a:ext cx="11635920" cy="5380200"/>
+            </p14:xfrm>
+          </p:contentPart>
+        </mc:Choice>
+        <mc:Fallback>
+          <p:pic>
+            <p:nvPicPr>
+              <p:cNvPr id="4" name="Ink 3">
+                <a:extLst>
+                  <a:ext uri="{FF2B5EF4-FFF2-40B4-BE49-F238E27FC236}">
+                    <a16:creationId xmlns:a16="http://schemas.microsoft.com/office/drawing/2014/main" id="{7E209B5F-9B93-4C56-AB64-B39A93796045}"/>
+                  </a:ext>
+                </a:extLst>
+              </p:cNvPr>
+              <p:cNvPicPr/>
+              <p:nvPr/>
+            </p:nvPicPr>
+            <p:blipFill>
+              <a:blip r:embed="rId3"/>
+              <a:stretch>
+                <a:fillRect/>
+              </a:stretch>
+            </p:blipFill>
+            <p:spPr>
+              <a:xfrm>
+                <a:off x="295560" y="447840"/>
+                <a:ext cx="11654640" cy="5398920"/>
+              </a:xfrm>
+              <a:prstGeom prst="rect">
+                <a:avLst/>
+              </a:prstGeom>
+            </p:spPr>
+          </p:pic>
+        </mc:Fallback>
+      </mc:AlternateContent>
+    </p:spTree>
+    <p:extLst>
+      <p:ext uri="{BB962C8B-B14F-4D97-AF65-F5344CB8AC3E}">
+        <p14:creationId xmlns:p14="http://schemas.microsoft.com/office/powerpoint/2010/main" val="1583004448"/>
       </p:ext>
     </p:extLst>
   </p:cSld>
